--- a/IoT-VersionFinal-ELHAYDOUNI_Othman (2).pptx
+++ b/IoT-VersionFinal-ELHAYDOUNI_Othman (2).pptx
@@ -5,7 +5,7 @@
     <p:sldMasterId id="2147483836" r:id="rId1"/>
   </p:sldMasterIdLst>
   <p:notesMasterIdLst>
-    <p:notesMasterId r:id="rId15"/>
+    <p:notesMasterId r:id="rId22"/>
   </p:notesMasterIdLst>
   <p:sldIdLst>
     <p:sldId id="331" r:id="rId2"/>
@@ -20,7 +20,14 @@
     <p:sldId id="333" r:id="rId11"/>
     <p:sldId id="334" r:id="rId12"/>
     <p:sldId id="335" r:id="rId13"/>
-    <p:sldId id="330" r:id="rId14"/>
+    <p:sldId id="337" r:id="rId14"/>
+    <p:sldId id="339" r:id="rId15"/>
+    <p:sldId id="340" r:id="rId16"/>
+    <p:sldId id="344" r:id="rId17"/>
+    <p:sldId id="345" r:id="rId18"/>
+    <p:sldId id="341" r:id="rId19"/>
+    <p:sldId id="343" r:id="rId20"/>
+    <p:sldId id="330" r:id="rId21"/>
   </p:sldIdLst>
   <p:sldSz cx="9144000" cy="6858000" type="screen4x3"/>
   <p:notesSz cx="7102475" cy="9388475"/>
@@ -843,6 +850,268 @@
       </p:grpSpPr>
       <p:sp>
         <p:nvSpPr>
+          <p:cNvPr id="2" name="Slide Image Placeholder 1"/>
+          <p:cNvSpPr>
+            <a:spLocks noGrp="1" noRot="1" noChangeAspect="1"/>
+          </p:cNvSpPr>
+          <p:nvPr>
+            <p:ph type="sldImg"/>
+          </p:nvPr>
+        </p:nvSpPr>
+        <p:spPr/>
+      </p:sp>
+      <p:sp>
+        <p:nvSpPr>
+          <p:cNvPr id="3" name="Notes Placeholder 2"/>
+          <p:cNvSpPr>
+            <a:spLocks noGrp="1"/>
+          </p:cNvSpPr>
+          <p:nvPr>
+            <p:ph type="body" idx="1"/>
+          </p:nvPr>
+        </p:nvSpPr>
+        <p:spPr/>
+        <p:txBody>
+          <a:bodyPr/>
+          <a:lstStyle/>
+          <a:p>
+            <a:r>
+              <a:rPr lang="fr-FR" dirty="0" smtClean="0"/>
+              <a:t>Capteur eau : http://domomaroc.com/?product=capteur-deau prix 40 </a:t>
+            </a:r>
+            <a:r>
+              <a:rPr lang="fr-FR" dirty="0" err="1" smtClean="0"/>
+              <a:t>dh</a:t>
+            </a:r>
+            <a:r>
+              <a:rPr lang="fr-FR" dirty="0" smtClean="0"/>
+              <a:t/>
+            </a:r>
+            <a:br>
+              <a:rPr lang="fr-FR" dirty="0" smtClean="0"/>
+            </a:br>
+            <a:r>
+              <a:rPr lang="fr-FR" dirty="0" err="1" smtClean="0"/>
+              <a:t>arduino</a:t>
+            </a:r>
+            <a:r>
+              <a:rPr lang="fr-FR" dirty="0" smtClean="0"/>
+              <a:t> </a:t>
+            </a:r>
+            <a:r>
+              <a:rPr lang="fr-FR" dirty="0" err="1" smtClean="0"/>
+              <a:t>mega</a:t>
+            </a:r>
+            <a:r>
+              <a:rPr lang="fr-FR" dirty="0" smtClean="0"/>
+              <a:t>  prix : 350 </a:t>
+            </a:r>
+            <a:r>
+              <a:rPr lang="fr-FR" dirty="0" err="1" smtClean="0"/>
+              <a:t>dhs</a:t>
+            </a:r>
+            <a:r>
+              <a:rPr lang="fr-FR" dirty="0" smtClean="0"/>
+              <a:t/>
+            </a:r>
+            <a:br>
+              <a:rPr lang="fr-FR" dirty="0" smtClean="0"/>
+            </a:br>
+            <a:r>
+              <a:rPr lang="fr-FR" dirty="0" err="1" smtClean="0"/>
+              <a:t>arduino</a:t>
+            </a:r>
+            <a:r>
+              <a:rPr lang="fr-FR" dirty="0" smtClean="0"/>
+              <a:t> </a:t>
+            </a:r>
+            <a:r>
+              <a:rPr lang="fr-FR" dirty="0" err="1" smtClean="0"/>
+              <a:t>leonardo</a:t>
+            </a:r>
+            <a:r>
+              <a:rPr lang="fr-FR" baseline="0" dirty="0" smtClean="0"/>
+              <a:t> </a:t>
+            </a:r>
+            <a:r>
+              <a:rPr lang="fr-FR" baseline="0" dirty="0" err="1" smtClean="0"/>
+              <a:t>uno</a:t>
+            </a:r>
+            <a:r>
+              <a:rPr lang="fr-FR" baseline="0" dirty="0" smtClean="0"/>
+              <a:t>  nano</a:t>
+            </a:r>
+            <a:endParaRPr lang="en-US" dirty="0"/>
+          </a:p>
+        </p:txBody>
+      </p:sp>
+      <p:sp>
+        <p:nvSpPr>
+          <p:cNvPr id="4" name="Slide Number Placeholder 3"/>
+          <p:cNvSpPr>
+            <a:spLocks noGrp="1"/>
+          </p:cNvSpPr>
+          <p:nvPr>
+            <p:ph type="sldNum" sz="quarter" idx="10"/>
+          </p:nvPr>
+        </p:nvSpPr>
+        <p:spPr/>
+        <p:txBody>
+          <a:bodyPr/>
+          <a:lstStyle/>
+          <a:p>
+            <a:fld id="{E9B2B109-17B8-42A6-B99D-2A2E931D5956}" type="slidenum">
+              <a:rPr lang="en-US" smtClean="0"/>
+              <a:t>14</a:t>
+            </a:fld>
+            <a:endParaRPr lang="en-US"/>
+          </a:p>
+        </p:txBody>
+      </p:sp>
+    </p:spTree>
+    <p:extLst>
+      <p:ext uri="{BB962C8B-B14F-4D97-AF65-F5344CB8AC3E}">
+        <p14:creationId xmlns:p14="http://schemas.microsoft.com/office/powerpoint/2010/main" val="762109944"/>
+      </p:ext>
+    </p:extLst>
+  </p:cSld>
+  <p:clrMapOvr>
+    <a:masterClrMapping/>
+  </p:clrMapOvr>
+</p:notes>
+</file>
+
+<file path=ppt/notesSlides/notesSlide12.xml><?xml version="1.0" encoding="utf-8"?>
+<p:notes xmlns:a="http://schemas.openxmlformats.org/drawingml/2006/main" xmlns:r="http://schemas.openxmlformats.org/officeDocument/2006/relationships" xmlns:p="http://schemas.openxmlformats.org/presentationml/2006/main">
+  <p:cSld>
+    <p:spTree>
+      <p:nvGrpSpPr>
+        <p:cNvPr id="1" name=""/>
+        <p:cNvGrpSpPr/>
+        <p:nvPr/>
+      </p:nvGrpSpPr>
+      <p:grpSpPr>
+        <a:xfrm>
+          <a:off x="0" y="0"/>
+          <a:ext cx="0" cy="0"/>
+          <a:chOff x="0" y="0"/>
+          <a:chExt cx="0" cy="0"/>
+        </a:xfrm>
+      </p:grpSpPr>
+      <p:sp>
+        <p:nvSpPr>
+          <p:cNvPr id="2" name="Slide Image Placeholder 1"/>
+          <p:cNvSpPr>
+            <a:spLocks noGrp="1" noRot="1" noChangeAspect="1"/>
+          </p:cNvSpPr>
+          <p:nvPr>
+            <p:ph type="sldImg"/>
+          </p:nvPr>
+        </p:nvSpPr>
+        <p:spPr/>
+      </p:sp>
+      <p:sp>
+        <p:nvSpPr>
+          <p:cNvPr id="3" name="Notes Placeholder 2"/>
+          <p:cNvSpPr>
+            <a:spLocks noGrp="1"/>
+          </p:cNvSpPr>
+          <p:nvPr>
+            <p:ph type="body" idx="1"/>
+          </p:nvPr>
+        </p:nvSpPr>
+        <p:spPr/>
+        <p:txBody>
+          <a:bodyPr/>
+          <a:lstStyle/>
+          <a:p>
+            <a:r>
+              <a:rPr lang="fr-FR" dirty="0" err="1" smtClean="0"/>
+              <a:t>Arduino</a:t>
+            </a:r>
+            <a:r>
+              <a:rPr lang="fr-FR" dirty="0" smtClean="0"/>
+              <a:t> un </a:t>
+            </a:r>
+            <a:r>
+              <a:rPr lang="fr-FR" dirty="0" err="1" smtClean="0"/>
+              <a:t>microcontroleur</a:t>
+            </a:r>
+            <a:r>
+              <a:rPr lang="fr-FR" dirty="0" smtClean="0"/>
+              <a:t> programmable,</a:t>
+            </a:r>
+            <a:r>
+              <a:rPr lang="fr-FR" baseline="0" dirty="0" smtClean="0"/>
+              <a:t> </a:t>
+            </a:r>
+            <a:r>
+              <a:rPr lang="fr-FR" baseline="0" dirty="0" err="1" smtClean="0"/>
+              <a:t>rapesbry</a:t>
+            </a:r>
+            <a:r>
+              <a:rPr lang="fr-FR" baseline="0" dirty="0" smtClean="0"/>
+              <a:t> un mini-pc</a:t>
+            </a:r>
+            <a:endParaRPr lang="en-US" dirty="0"/>
+          </a:p>
+        </p:txBody>
+      </p:sp>
+      <p:sp>
+        <p:nvSpPr>
+          <p:cNvPr id="4" name="Slide Number Placeholder 3"/>
+          <p:cNvSpPr>
+            <a:spLocks noGrp="1"/>
+          </p:cNvSpPr>
+          <p:nvPr>
+            <p:ph type="sldNum" sz="quarter" idx="10"/>
+          </p:nvPr>
+        </p:nvSpPr>
+        <p:spPr/>
+        <p:txBody>
+          <a:bodyPr/>
+          <a:lstStyle/>
+          <a:p>
+            <a:fld id="{E9B2B109-17B8-42A6-B99D-2A2E931D5956}" type="slidenum">
+              <a:rPr lang="en-US" smtClean="0"/>
+              <a:t>18</a:t>
+            </a:fld>
+            <a:endParaRPr lang="en-US"/>
+          </a:p>
+        </p:txBody>
+      </p:sp>
+    </p:spTree>
+    <p:extLst>
+      <p:ext uri="{BB962C8B-B14F-4D97-AF65-F5344CB8AC3E}">
+        <p14:creationId xmlns:p14="http://schemas.microsoft.com/office/powerpoint/2010/main" val="2098610676"/>
+      </p:ext>
+    </p:extLst>
+  </p:cSld>
+  <p:clrMapOvr>
+    <a:masterClrMapping/>
+  </p:clrMapOvr>
+</p:notes>
+</file>
+
+<file path=ppt/notesSlides/notesSlide13.xml><?xml version="1.0" encoding="utf-8"?>
+<p:notes xmlns:a="http://schemas.openxmlformats.org/drawingml/2006/main" xmlns:r="http://schemas.openxmlformats.org/officeDocument/2006/relationships" xmlns:p="http://schemas.openxmlformats.org/presentationml/2006/main">
+  <p:cSld>
+    <p:spTree>
+      <p:nvGrpSpPr>
+        <p:cNvPr id="1" name=""/>
+        <p:cNvGrpSpPr/>
+        <p:nvPr/>
+      </p:nvGrpSpPr>
+      <p:grpSpPr>
+        <a:xfrm>
+          <a:off x="0" y="0"/>
+          <a:ext cx="0" cy="0"/>
+          <a:chOff x="0" y="0"/>
+          <a:chExt cx="0" cy="0"/>
+        </a:xfrm>
+      </p:grpSpPr>
+      <p:sp>
+        <p:nvSpPr>
           <p:cNvPr id="43010" name="Espace réservé de l'image des diapositives 1"/>
           <p:cNvSpPr>
             <a:spLocks noGrp="1" noRot="1" noChangeAspect="1" noTextEdit="1"/>
@@ -922,7 +1191,7 @@
             <a:fld id="{32F2289E-31C7-4157-A6F0-C302FDAB324D}" type="slidenum">
               <a:rPr lang="fr-FR" smtClean="0"/>
               <a:pPr/>
-              <a:t>13</a:t>
+              <a:t>20</a:t>
             </a:fld>
             <a:endParaRPr lang="fr-FR" smtClean="0"/>
           </a:p>
@@ -983,7 +1252,7 @@
         <p:spPr/>
         <p:txBody>
           <a:bodyPr>
-            <a:normAutofit lnSpcReduction="10000"/>
+            <a:normAutofit/>
           </a:bodyPr>
           <a:lstStyle/>
           <a:p>
@@ -1075,7 +1344,7 @@
         <p:spPr/>
         <p:txBody>
           <a:bodyPr>
-            <a:normAutofit lnSpcReduction="10000"/>
+            <a:normAutofit/>
           </a:bodyPr>
           <a:lstStyle/>
           <a:p>
@@ -1167,7 +1436,7 @@
         <p:spPr/>
         <p:txBody>
           <a:bodyPr>
-            <a:normAutofit lnSpcReduction="10000"/>
+            <a:normAutofit/>
           </a:bodyPr>
           <a:lstStyle/>
           <a:p>
@@ -1259,7 +1528,7 @@
         <p:spPr/>
         <p:txBody>
           <a:bodyPr>
-            <a:normAutofit lnSpcReduction="10000"/>
+            <a:normAutofit/>
           </a:bodyPr>
           <a:lstStyle/>
           <a:p>
@@ -1351,7 +1620,7 @@
         <p:spPr/>
         <p:txBody>
           <a:bodyPr>
-            <a:normAutofit lnSpcReduction="10000"/>
+            <a:normAutofit/>
           </a:bodyPr>
           <a:lstStyle/>
           <a:p>
@@ -1443,7 +1712,7 @@
         <p:spPr/>
         <p:txBody>
           <a:bodyPr>
-            <a:normAutofit lnSpcReduction="10000"/>
+            <a:normAutofit/>
           </a:bodyPr>
           <a:lstStyle/>
           <a:p>
@@ -8175,6 +8444,13 @@
   <p:clrMapOvr>
     <a:masterClrMapping/>
   </p:clrMapOvr>
+  <p:timing>
+    <p:tnLst>
+      <p:par>
+        <p:cTn id="1" dur="indefinite" restart="never" nodeType="tmRoot"/>
+      </p:par>
+    </p:tnLst>
+  </p:timing>
 </p:sld>
 </file>
 
@@ -8362,6 +8638,13 @@
   <p:clrMapOvr>
     <a:masterClrMapping/>
   </p:clrMapOvr>
+  <p:timing>
+    <p:tnLst>
+      <p:par>
+        <p:cTn id="1" dur="indefinite" restart="never" nodeType="tmRoot"/>
+      </p:par>
+    </p:tnLst>
+  </p:timing>
 </p:sld>
 </file>
 
@@ -8595,6 +8878,13 @@
   <p:clrMapOvr>
     <a:masterClrMapping/>
   </p:clrMapOvr>
+  <p:timing>
+    <p:tnLst>
+      <p:par>
+        <p:cTn id="1" dur="indefinite" restart="never" nodeType="tmRoot"/>
+      </p:par>
+    </p:tnLst>
+  </p:timing>
 </p:sld>
 </file>
 
@@ -8617,226 +8907,18 @@
       </p:grpSpPr>
       <p:sp>
         <p:nvSpPr>
-          <p:cNvPr id="9" name="Rectangle 8"/>
-          <p:cNvSpPr/>
-          <p:nvPr/>
+          <p:cNvPr id="2" name="Title 1"/>
+          <p:cNvSpPr>
+            <a:spLocks noGrp="1"/>
+          </p:cNvSpPr>
+          <p:nvPr>
+            <p:ph type="ctrTitle"/>
+          </p:nvPr>
         </p:nvSpPr>
         <p:spPr>
           <a:xfrm>
-            <a:off x="1500188" y="0"/>
-            <a:ext cx="7643812" cy="4572000"/>
-          </a:xfrm>
-          <a:prstGeom prst="rect">
-            <a:avLst/>
-          </a:prstGeom>
-          <a:solidFill>
-            <a:schemeClr val="bg1"/>
-          </a:solidFill>
-          <a:ln>
-            <a:solidFill>
-              <a:schemeClr val="bg1"/>
-            </a:solidFill>
-          </a:ln>
-        </p:spPr>
-        <p:style>
-          <a:lnRef idx="2">
-            <a:schemeClr val="accent1">
-              <a:shade val="50000"/>
-            </a:schemeClr>
-          </a:lnRef>
-          <a:fillRef idx="1">
-            <a:schemeClr val="accent1"/>
-          </a:fillRef>
-          <a:effectRef idx="0">
-            <a:schemeClr val="accent1"/>
-          </a:effectRef>
-          <a:fontRef idx="minor">
-            <a:schemeClr val="lt1"/>
-          </a:fontRef>
-        </p:style>
-        <p:txBody>
-          <a:bodyPr anchor="ctr"/>
-          <a:lstStyle/>
-          <a:p>
-            <a:pPr algn="ctr" fontAlgn="auto">
-              <a:spcBef>
-                <a:spcPts val="0"/>
-              </a:spcBef>
-              <a:spcAft>
-                <a:spcPts val="0"/>
-              </a:spcAft>
-              <a:defRPr/>
-            </a:pPr>
-            <a:endParaRPr lang="fr-FR" dirty="0">
-              <a:solidFill>
-                <a:schemeClr val="tx1"/>
-              </a:solidFill>
-            </a:endParaRPr>
-          </a:p>
-        </p:txBody>
-      </p:sp>
-      <p:sp>
-        <p:nvSpPr>
-          <p:cNvPr id="8" name="Espace réservé du texte 7"/>
-          <p:cNvSpPr>
-            <a:spLocks noGrp="1"/>
-          </p:cNvSpPr>
-          <p:nvPr>
-            <p:ph type="body" sz="half" idx="2"/>
-          </p:nvPr>
-        </p:nvSpPr>
-        <p:spPr>
-          <a:xfrm>
-            <a:off x="1600200" y="5429250"/>
-            <a:ext cx="7315200" cy="1428750"/>
-          </a:xfrm>
-        </p:spPr>
-        <p:txBody>
-          <a:bodyPr>
-            <a:normAutofit fontScale="92500" lnSpcReduction="20000"/>
-          </a:bodyPr>
-          <a:lstStyle/>
-          <a:p>
-            <a:pPr eaLnBrk="1" fontAlgn="auto" hangingPunct="1">
-              <a:spcAft>
-                <a:spcPts val="0"/>
-              </a:spcAft>
-              <a:defRPr/>
-            </a:pPr>
-            <a:r>
-              <a:rPr lang="fr-FR" sz="2400" b="1" dirty="0" smtClean="0">
-                <a:solidFill>
-                  <a:schemeClr val="bg2">
-                    <a:lumMod val="25000"/>
-                  </a:schemeClr>
-                </a:solidFill>
-              </a:rPr>
-              <a:t>Réalisé par</a:t>
-            </a:r>
-            <a:r>
-              <a:rPr lang="fr-FR" sz="1900" b="1" dirty="0" smtClean="0">
-                <a:solidFill>
-                  <a:schemeClr val="bg2">
-                    <a:lumMod val="25000"/>
-                  </a:schemeClr>
-                </a:solidFill>
-              </a:rPr>
-              <a:t> :   Khalid </a:t>
-            </a:r>
-            <a:endParaRPr lang="fr-FR" sz="2000" b="1" dirty="0" smtClean="0">
-              <a:solidFill>
-                <a:schemeClr val="bg2">
-                  <a:lumMod val="50000"/>
-                </a:schemeClr>
-              </a:solidFill>
-            </a:endParaRPr>
-          </a:p>
-          <a:p>
-            <a:pPr eaLnBrk="1" fontAlgn="auto" hangingPunct="1">
-              <a:spcAft>
-                <a:spcPts val="0"/>
-              </a:spcAft>
-              <a:defRPr/>
-            </a:pPr>
-            <a:r>
-              <a:rPr lang="en-US" sz="2000" b="1" dirty="0" smtClean="0">
-                <a:solidFill>
-                  <a:schemeClr val="bg2">
-                    <a:lumMod val="25000"/>
-                  </a:schemeClr>
-                </a:solidFill>
-              </a:rPr>
-              <a:t>                         BAKRI </a:t>
-            </a:r>
-            <a:r>
-              <a:rPr lang="en-US" sz="2000" b="1" dirty="0" err="1" smtClean="0">
-                <a:solidFill>
-                  <a:schemeClr val="bg2">
-                    <a:lumMod val="25000"/>
-                  </a:schemeClr>
-                </a:solidFill>
-              </a:rPr>
-              <a:t>Anouar</a:t>
-            </a:r>
-            <a:endParaRPr lang="en-US" sz="2000" b="1" dirty="0" smtClean="0">
-              <a:solidFill>
-                <a:schemeClr val="bg2">
-                  <a:lumMod val="25000"/>
-                </a:schemeClr>
-              </a:solidFill>
-            </a:endParaRPr>
-          </a:p>
-          <a:p>
-            <a:pPr eaLnBrk="1" fontAlgn="auto" hangingPunct="1">
-              <a:spcAft>
-                <a:spcPts val="0"/>
-              </a:spcAft>
-              <a:defRPr/>
-            </a:pPr>
-            <a:r>
-              <a:rPr lang="en-US" sz="2000" b="1" dirty="0" smtClean="0">
-                <a:solidFill>
-                  <a:schemeClr val="bg2">
-                    <a:lumMod val="25000"/>
-                  </a:schemeClr>
-                </a:solidFill>
-              </a:rPr>
-              <a:t>                         EL HAYDOUNI Othman</a:t>
-            </a:r>
-          </a:p>
-          <a:p>
-            <a:pPr eaLnBrk="1" fontAlgn="auto" hangingPunct="1">
-              <a:spcAft>
-                <a:spcPts val="0"/>
-              </a:spcAft>
-              <a:defRPr/>
-            </a:pPr>
-            <a:r>
-              <a:rPr lang="en-US" sz="2000" b="1" dirty="0" smtClean="0">
-                <a:solidFill>
-                  <a:schemeClr val="bg2">
-                    <a:lumMod val="50000"/>
-                  </a:schemeClr>
-                </a:solidFill>
-              </a:rPr>
-              <a:t>                          </a:t>
-            </a:r>
-            <a:endParaRPr lang="fr-FR" sz="1900" dirty="0" smtClean="0"/>
-          </a:p>
-          <a:p>
-            <a:pPr eaLnBrk="1" fontAlgn="auto" hangingPunct="1">
-              <a:spcAft>
-                <a:spcPts val="0"/>
-              </a:spcAft>
-              <a:defRPr/>
-            </a:pPr>
-            <a:endParaRPr lang="fr-FR" sz="1800" dirty="0" smtClean="0"/>
-          </a:p>
-          <a:p>
-            <a:pPr eaLnBrk="1" fontAlgn="auto" hangingPunct="1">
-              <a:spcAft>
-                <a:spcPts val="0"/>
-              </a:spcAft>
-              <a:defRPr/>
-            </a:pPr>
-            <a:endParaRPr lang="fr-FR" dirty="0"/>
-          </a:p>
-        </p:txBody>
-      </p:sp>
-      <p:sp>
-        <p:nvSpPr>
-          <p:cNvPr id="9220" name="Titre 3"/>
-          <p:cNvSpPr>
-            <a:spLocks noGrp="1"/>
-          </p:cNvSpPr>
-          <p:nvPr>
-            <p:ph type="title"/>
-          </p:nvPr>
-        </p:nvSpPr>
-        <p:spPr>
-          <a:xfrm>
-            <a:off x="1571625" y="4643438"/>
-            <a:ext cx="7286625" cy="685800"/>
+            <a:off x="1547664" y="692696"/>
+            <a:ext cx="6477000" cy="1828800"/>
           </a:xfrm>
         </p:spPr>
         <p:txBody>
@@ -8845,72 +8927,64 @@
           </a:bodyPr>
           <a:lstStyle/>
           <a:p>
-            <a:pPr algn="r" eaLnBrk="1" hangingPunct="1">
-              <a:defRPr/>
-            </a:pPr>
-            <a:r>
-              <a:rPr lang="fr-FR" sz="2400" dirty="0" smtClean="0">
-                <a:solidFill>
-                  <a:schemeClr val="bg2">
-                    <a:lumMod val="25000"/>
-                  </a:schemeClr>
-                </a:solidFill>
+            <a:r>
+              <a:rPr lang="fr-FR" sz="6000" dirty="0" err="1" smtClean="0">
+                <a:latin typeface="Times New Roman" pitchFamily="18" charset="0"/>
+                <a:cs typeface="Times New Roman" pitchFamily="18" charset="0"/>
+              </a:rPr>
+              <a:t>I</a:t>
+            </a:r>
+            <a:r>
+              <a:rPr lang="fr-FR" sz="6000" cap="none" dirty="0" err="1" smtClean="0">
+                <a:latin typeface="Times New Roman" pitchFamily="18" charset="0"/>
+                <a:cs typeface="Times New Roman" pitchFamily="18" charset="0"/>
+              </a:rPr>
+              <a:t>o</a:t>
+            </a:r>
+            <a:r>
+              <a:rPr lang="fr-FR" sz="6000" dirty="0" err="1" smtClean="0">
+                <a:latin typeface="Times New Roman" pitchFamily="18" charset="0"/>
+                <a:cs typeface="Times New Roman" pitchFamily="18" charset="0"/>
+              </a:rPr>
+              <a:t>T</a:t>
+            </a:r>
+            <a:r>
+              <a:rPr lang="fr-FR" sz="6000" dirty="0" smtClean="0">
+                <a:latin typeface="Times New Roman" pitchFamily="18" charset="0"/>
+                <a:cs typeface="Times New Roman" pitchFamily="18" charset="0"/>
               </a:rPr>
               <a:t> </a:t>
             </a:r>
-          </a:p>
-        </p:txBody>
-      </p:sp>
-      <p:sp>
-        <p:nvSpPr>
-          <p:cNvPr id="6" name="Titre 1"/>
-          <p:cNvSpPr txBox="1">
-            <a:spLocks/>
-          </p:cNvSpPr>
-          <p:nvPr/>
-        </p:nvSpPr>
-        <p:spPr>
-          <a:xfrm>
-            <a:off x="2143108" y="1643050"/>
-            <a:ext cx="6477000" cy="1785950"/>
-          </a:xfrm>
-          <a:prstGeom prst="rect">
-            <a:avLst/>
-          </a:prstGeom>
-        </p:spPr>
-        <p:txBody>
-          <a:bodyPr anchor="ctr">
-            <a:normAutofit/>
-          </a:bodyPr>
-          <a:lstStyle/>
-          <a:p>
-            <a:pPr algn="ctr">
-              <a:defRPr/>
-            </a:pPr>
-            <a:endParaRPr lang="en-US" sz="2800" b="1" cap="all" dirty="0">
-              <a:ln w="0"/>
-              <a:solidFill>
-                <a:schemeClr val="bg2">
-                  <a:lumMod val="50000"/>
-                </a:schemeClr>
-              </a:solidFill>
-              <a:effectLst>
-                <a:reflection blurRad="12700" stA="50000" endPos="50000" dist="5000" dir="5400000" sy="-100000" rotWithShape="0"/>
-              </a:effectLst>
+            <a:r>
+              <a:rPr lang="fr-FR" sz="6000" dirty="0">
+                <a:latin typeface="Times New Roman" pitchFamily="18" charset="0"/>
+                <a:cs typeface="Times New Roman" pitchFamily="18" charset="0"/>
+              </a:rPr>
+              <a:t>Démo avec</a:t>
+            </a:r>
+            <a:endParaRPr lang="en-US" sz="6000" dirty="0">
+              <a:latin typeface="Times New Roman" pitchFamily="18" charset="0"/>
+              <a:cs typeface="Times New Roman" pitchFamily="18" charset="0"/>
             </a:endParaRPr>
           </a:p>
         </p:txBody>
       </p:sp>
       <p:pic>
         <p:nvPicPr>
-          <p:cNvPr id="9222" name="Picture 18" descr="http://profile.ak.fbcdn.net/hprofile-ak-prn1/27544_148034858556961_4983_n.jpg"/>
+          <p:cNvPr id="1026" name="Picture 2" descr="http://upload.wikimedia.org/wikipedia/commons/thumb/8/87/Arduino_Logo.svg/720px-Arduino_Logo.svg.png"/>
           <p:cNvPicPr>
             <a:picLocks noChangeAspect="1" noChangeArrowheads="1"/>
           </p:cNvPicPr>
           <p:nvPr/>
         </p:nvPicPr>
         <p:blipFill>
-          <a:blip r:embed="rId3"/>
+          <a:blip r:embed="rId2" cstate="print">
+            <a:extLst>
+              <a:ext uri="{28A0092B-C50C-407E-A947-70E740481C1C}">
+                <a14:useLocalDpi xmlns:a14="http://schemas.microsoft.com/office/drawing/2010/main" val="0"/>
+              </a:ext>
+            </a:extLst>
+          </a:blip>
           <a:srcRect/>
           <a:stretch>
             <a:fillRect/>
@@ -8918,101 +8992,71 @@
         </p:blipFill>
         <p:spPr bwMode="auto">
           <a:xfrm>
-            <a:off x="6588125" y="0"/>
-            <a:ext cx="2555875" cy="1296988"/>
+            <a:off x="3419872" y="2780928"/>
+            <a:ext cx="2058931" cy="1401217"/>
           </a:xfrm>
           <a:prstGeom prst="rect">
             <a:avLst/>
           </a:prstGeom>
           <a:noFill/>
-          <a:ln w="9525">
-            <a:noFill/>
-            <a:miter lim="800000"/>
-            <a:headEnd/>
-            <a:tailEnd/>
-          </a:ln>
+          <a:extLst>
+            <a:ext uri="{909E8E84-426E-40DD-AFC4-6F175D3DCCD1}">
+              <a14:hiddenFill xmlns:a14="http://schemas.microsoft.com/office/drawing/2010/main">
+                <a:solidFill>
+                  <a:srgbClr val="FFFFFF"/>
+                </a:solidFill>
+              </a14:hiddenFill>
+            </a:ext>
+          </a:extLst>
         </p:spPr>
       </p:pic>
-      <p:sp>
-        <p:nvSpPr>
-          <p:cNvPr id="9223" name="Espace réservé de la date 6"/>
-          <p:cNvSpPr>
-            <a:spLocks noGrp="1"/>
-          </p:cNvSpPr>
-          <p:nvPr>
-            <p:ph type="dt" sz="quarter" idx="10"/>
-          </p:nvPr>
-        </p:nvSpPr>
-        <p:spPr bwMode="auto">
-          <a:noFill/>
-          <a:ln>
-            <a:miter lim="800000"/>
-            <a:headEnd/>
-            <a:tailEnd/>
-          </a:ln>
-        </p:spPr>
-        <p:txBody>
-          <a:bodyPr wrap="square" lIns="91440" tIns="45720" rIns="91440" bIns="45720" numCol="1" compatLnSpc="1">
-            <a:prstTxWarp prst="textNoShape">
-              <a:avLst/>
-            </a:prstTxWarp>
-          </a:bodyPr>
-          <a:lstStyle/>
-          <a:p>
-            <a:fld id="{1CF47502-4209-46D6-AE4F-6A87675A05BA}" type="datetime1">
-              <a:rPr lang="fr-FR" smtClean="0"/>
-              <a:pPr/>
-              <a:t>16/11/2014</a:t>
-            </a:fld>
-            <a:endParaRPr lang="fr-BE" smtClean="0"/>
-          </a:p>
-        </p:txBody>
-      </p:sp>
-      <p:sp>
-        <p:nvSpPr>
-          <p:cNvPr id="9224" name="Espace réservé du numéro de diapositive 9"/>
-          <p:cNvSpPr>
-            <a:spLocks noGrp="1"/>
-          </p:cNvSpPr>
-          <p:nvPr>
-            <p:ph type="sldNum" sz="quarter" idx="11"/>
-          </p:nvPr>
-        </p:nvSpPr>
-        <p:spPr bwMode="auto">
-          <a:noFill/>
-          <a:ln>
-            <a:miter lim="800000"/>
-            <a:headEnd/>
-            <a:tailEnd/>
-          </a:ln>
-        </p:spPr>
-        <p:txBody>
-          <a:bodyPr wrap="square" lIns="91440" tIns="45720" rIns="91440" bIns="45720" numCol="1" compatLnSpc="1">
-            <a:prstTxWarp prst="textNoShape">
-              <a:avLst/>
-            </a:prstTxWarp>
-          </a:bodyPr>
-          <a:lstStyle/>
-          <a:p>
-            <a:r>
-              <a:rPr lang="fr-BE" smtClean="0"/>
-              <a:t>1</a:t>
-            </a:r>
-          </a:p>
-        </p:txBody>
-      </p:sp>
-      <p:sp>
-        <p:nvSpPr>
-          <p:cNvPr id="45058" name="AutoShape 2" descr="data:image/jpeg;base64,/9j/4AAQSkZJRgABAQAAAQABAAD/2wCEAAkGBxQQEBUUEBQUFRQUFBQVEBcWFBYXGBUVFBUXFhQUFRYYHCggGBolGxUVITIhJSorLjAuFyAzODMxNygtLisBCgoKDg0OGhAQGiwkICQsLCwsLCwsLCwsLCwsLCwsLCwsLCwsLCwsLCwsLCwsLCwsLCwsLCwsLCwsLCwsLCwsLP/AABEIAMIBAwMBEQACEQEDEQH/xAAcAAABBQEBAQAAAAAAAAAAAAADAAIEBQYBBwj/xAA/EAACAQIEAwYEBQEHAgcAAAABAgADEQQSITEFQVEGEyJhcYEHMpGhFEKxwfAjM1JigtHh8SRyFSU1Q3PC0//EABoBAAIDAQEAAAAAAAAAAAAAAAABAgMEBQb/xAAyEQACAgEDAgMHAwQDAQAAAAAAAQIRAwQSITFBE1FhBSIycYGR8KGxwRQzQuEj0fFi/9oADAMBAAIRAxEAPwDxCACgAoAKACgAoAKAHQIAOAgA4CAHQIAPCwALTSMRLpUoASkSMQUAQAa1oABYwAbADuSAxjUYgItajACK6xDBkQAaRADloAcgAoAKACgAoAKACgAoAKACgAoAKACgA4CADgIAOAgA4CADgsACIsBEqkkYEpRGI4zwAGa0QxprQAZngA5WjAMhgAYCAhlWlEMr69GAERliAYRAY0iADTADkAFABQAUAFABQAUAFABQAUAFABwEAHAQAcBAB4EAHgQEPVYASKVOMRKRIwOtACPUMBgWiA4BEMcBGIeojAMkADoYCDWgBGr0ohldWpxAR2EAGEQAYRAY0wAUAOQAUAFABQAUAFABQAUAOiADwIAOAgIeBAB6iABAsYBUWAiXRSAEjLGACpAYAi8Qzq0byNjSCrhorJUdOHjsTQ3u5IjR0LAQVBGAdIAcqLARX4hYgITrAYEiIBpEAGEQGNgAoAcgAoAKACgAoAKAHYAOAgA8CAh4EACKIAEURiCKsACosAJlERiDPACJUETJIdSo3kGyxIsMPg7yDZNRLCngIrJbRlbAeUaYnEhVMJJpkHEEcPHZGjncx2KhwSOxHHEYiDiBEIg1BAALCAwbCIBhEAGEQGcgAoAcgAoAKACgB2AHRAB4EBDwIAEUQAIojEFVYAEVYCDIsAJVIRiCMIDQLu9ZBssSJ+EoStsuSLvCYeVtk0i0o4cRWSo7VwcdhRX1sDJWRcSI+DkkyDQFsJHZFoBUw1pJMg0Q6qWkyDIFcQEQaggABhAAbCAwbCIBhEAGGAxQA5ABQAUAFADsAHAQEPAgARRAAqiMQVRAAqrAQVVgIMixiJNMQAKEkWTQWlQlbZdFFlhqMrbLUizoC0RIscO0iSRLC3iJUR61KNMTRDelJJkGjn4aSTINEXEYWTTINFPi6NpNMqaKfErJEGQKiwAAwgAJhAYNhAYIiIBpgA2AxQA5ABQA7ADogA8QEPUQAKojEFUQAKogIMixiDosBBkWArD01gKyXSpyLLIssMNh5TI0RLShhZWXIkrhYrJUTMJhSSAOci3QN0rLjF8IejbONxcRX5ihkUuhExGDYAEggHbzjTJbk+hD/CGSsiwy4LSSTIEXF4bSTTIsz3EKUmiqRnsWssRUytqLGIA4gAFhESBMIACYQGMMQDDABQGKAHIAdgA4QEPEACKIwCqICCoICDoIxB0EBBkWMiHRYCskU1jI2TKCyDROLLjBpKZI1QZe4WjKWaYk+nhgfLT+CIkHSgUKm1r6g9RfeRfIuJWibVxDVbZze20SjRGGNR6BK7NUVVY6L8vlGo0KMFFtoWFwAJkJyaKcmSiZi+F5BqJDdKLplKyu+TN8TpWvNcHZepWZHinOXIrkzM4uWIpbK6oIxEdxAYFxESAsIDBMIADYRDGGAHIDFABQAUAHCAgiwAIsYgyiABkEZEOggIvavZ6qmEGK8JpG2Ygm63NgSOl7D3Epx54zdUa9Rop4YqTad+RZ9mezoxeDrVbsrortS6MEF7H1taQ8aTyV2NM/Z8I6be/i/P09SlprNZxbJFNYyNljgaStmzPlspK6E5mFrLpt6+UjIcWXHD2spuubMoFyD4SDe66+QGvUyiZphIu8Noi6rYk6aZhaw10lD6muEuSTXxQpAXpV6hb5TTQFV1Grkna19pbDDuV2RnqNsqolcIT8SjumZQguc6lD9DKskJQdEf6pdkcR9YL1NF7kmmTabwURTaSJmHrWItvyinhb6HLzZku4fF47MrFm2GnmbaASUNJknNbjnz18Um7M5VwVauRkQkNezW003J6CdN6PHGPxcojpvaOacknC0+6/GYnj9F6VRqdQFXU2YH+ai1jeZ0jquRnlo95URL2zuqX6ZmC3+8b4ViXLSLn4k8Fp4NqfcplpgZWbqdLFjvf1mTHOSnTdnc1Okx/06lBJNfnPmVfGuydXC4WnXrMAagUinY3UNqLm+9iNLSzx/f219TEtDJ4Xl3dO1fz/AKMy4l5jAuIhgWEBgmgMGYgOQAUBigAhAQ8QAIsYBUgIMggIMgjEEZS1kXVnIVR67yE5KMW2W6eDnkSR7RiMCtLgvcP/AO4tOkOpYsp+yqx9pjvbCz0GSCnlUX2G4sDD4SnhaNhVxStTTT5KZFnc28jYeZ8o4tQpsjqMcst4occdfI87xODajUam4syMVb1HTynQi9ytHlckXCTi+wWjSuQAd7DXQAk236eckV9WWFfh9SgQKq5Sduh8wecVroTnjcHxyjVcL4lQXCGmyXqE/Nzt5TFkxy3E8bRT1UapUU3ARWuupuFvewFrXI0Jk3Oo1RsgrdmurYqhUw2VwwqDVHU2KkbEe4HtM0ZyTE8LciRw/CV1yGtWADEEoEs+TmSSTbTW1psUE0m0QnCN9RHHU3rGlSpiwJXMxsLjTQdPW3vHknGEabv0Ftr30uncG5Icg5RY28O315+v2lUJKXKVEskpbbDUao19LfXedPT475Z5P2jn2+6iRW4Qxp5+R5S5ZIqW0yPQ5fD8XsTuE41aaHP4FHNj00Gh1/KdhbQzNmnFvr/B3dFp8sEuLXmnaMV8WK1CqaNWjUR2syVcrAmwsaZI6auLyhNHTyQlFKTRjOzvBDjKrjMUFOmahI+a4IChempvfyleabhHgu0WnWfKoydL06mw4lVHEOHFqg/qKXp4gf3aijVrcrize8xTdq0elwwq8c+w/wCJGH/F8NV6exRai+lgbHzG0k3VSKYRvHOB4urZgD9fXnNvU8604umCcRgBaIkCaAA2iGNgAoDFABCAh6wAIsYgyQAMkBB0jIstexmBOIxeb8qfL7c5j1M+x2vZmH/JntHE6C1CuZrUsMhdjyz2uT55QLe5lM5W6XY3Qe1ObXMnx8il4W4AfH4vQhVsP7qj+zpJ53PuSTHii5slqMkNNjbl3/P1M3WwP4j/AKipVCvXZ3yFCQPGwAzX1Hh6dJrlqI4pbGmef0/szVa1PLjXF/iBYjhZo6s9NrFQcjNcZwxU2Kj+6fpLcWeGW1E5mXFPG2p8NcFjgHq4xu5Yq2dQgz7KBtY8jHLbiTaRHHmnF+6PXhNRagQiwLFQx+XS/P2MjvUlZZjjI1CUKGAYd6O8fLc7XBzEWC30BA3PJhrylTrqbEm1SZEw3EaF6lVk8YN6VO9wTyzE7gbnrbneVxrful08vMuanwogMJxZlrd61mJN2vz8ienkLSWTK58ElplXId8zvmCFc2thylcI+fQlJ7MdLl+oTDNci/vJp0VZo3HgueLYenTVGptc/mH6ibdFqPe2vo/0PMe1dGpRUodULGcVZUVVbQgMB5Hb950oYk22cnJqcigoJ8eQHFY5Wwfiy9417b3GVtSLbHQfWReBSyU1wa8Gqliw3F1J/wDfl0POO0OMLsqZyy0wQp2tfl7fuZm1HL2p2l+de51tE4qO9x2t+T4r0T6del15V0IvZvi/4TEiodUYFKtv7jEEkDmQQD7W5zLOG5UdHS6jwsim/qbarhxSxiFT/QxNkqEbMCD3Tg+pAv0Yzly92VHr3JTx+LHqT8XhLYSph+aMSgtujG5HsxP1Eal7u1kEv+RSXSS/U8IxdA0a9SmepI/n82m3BK4nC1+PZksC4lxiANEME0Bg2gMZEAoAKAxCAh6wAKsYgqQAOkZE7XbQKN209ucjOVKyeKG6R638KuHJRp945VSTpcgX02F9zObuuds9EouOFRiuWaHiNTvWGHpkHM2bEMP+64Qe+p9JU32RdCPO+XRdDFduMfmxBw6H+lQNgBsXyjMT6XK/WdTTY9sb8zzftPVPNk29l+r/ANdPuSMHxDCNTprU/E03FNKblUpVEJAAJAJDC5F+e8WXSKct1mvQe3npcUcThaX0/PsN4vWolFFGqKpLasKLUmVFBCq+YnNrUfY/7y0+B47t9Tka/VrUZHk83ZFo0HUZgCB1mm4vgwclmeI1GphLiy5SCAb+E+EE+UqeOKdmmGWTiojaNFnN9STuTreZskkjZjkHfBlReZ99muGQfhX8Sqbb6Xte/L2vJot3I1qYGgtEBSamJcXAF7hua2+stpJepXubfoU9OkWaygknYbnTeQRKXTk5iWI3BAOq36eR5+sug6MGbEmVmJxJHObseecejOPm0eKbuSKbH8QIF3YhPzWttsdpOefI1yyODSYVNVEsOBYHCYp1GYXNrkMe7BHmPTbzlcI7kadTmhhkl0sqe2zUTiLUbEqtqpAsGYEgEedgLnTlIyVMnDJvW4uuxL/icHVoubvRKmn1FNr2t6MD6aTmavHT3Luel9kapuPhy6L9n0/k1vCOIrUXNVZVdVZK19Bys/obfeZ4SXc6GTHKPEVfNo8h+JXDwmIzpaxsQRsffpaW6eW2VGbXwU4qXmZQm4uOc6JwegF4hgWgMG0BjIgFABQGIQEPWMAqwEFSAg6RiGYaqDVzN8q6fQ/rKM3PCNulSXLPTewT1cTiEqFStKmMqA8hz9zufQDlMbiuEju4pScJOXHBrON8TXB06tdVAaqxFHzJvlNunhJ9oY8e+dL8Rl1OfwsNy7dF5v8AOvoeWqxJJJuSSSTuSdST53nXR5STb5ZouztWnTp1ajgFxlFO+u+YkKOpsB6TNqYPJUF3HjainJgWrgsT4DmsSQmUKfmIUctSR7TW+hnfLpGnxHaqi2DWhkAYW8Vpjiqka3ins20iro05omU44mm7PYZWYX95ydROupqpmg7QYJGQd0BcDba/vKZZMcWqZZBSb90wXEeHuLX8Bb5TvYg9P5vNWGal8JqyxcY3L7GqwXC6tan3rEAi2xNgRzHMToPCqRyseqm266BXxhRlqBlas/8AaEgDYAAmx8JvcEeXQ60SkkrOgluXPQrsRSNV2zVFLak2vzJO1hpcmZFrILsyqc0+hQ8Vw5TexHIggj7To4csMnwsxZUUOKoCqpQi+bS21wR15TQ6UbZnhv8AEW0iU1NDwr4bbWN/vzihNVcWSz4nJ1kXJM4XwNsUxOYKCQGY9TfX7czzHMgSag5ckcb52R7GuwXCKfDqlM0yXdh/VK2a6nle1z1FsuoFwbSa00M0JRr5N+f58zZHO9POMr+aXdfnyLnEYXKuITKFaooI66XB36afWee29YvqexxzU5QmnweMcbxTqGw9cEFCe7J2sfyX6Xvb1tyEtUU+UZ9RJq4y6GZw77jodPebovg4WVVITyRWCaIkCaAxhiAUAFAYoCHrGAVYCCpAQRnyqT0H/EYh3BOHvWqKqgnX+GZM00kzq6XE5SR7/wAAwQw+DAtZm8C6bs2n2sT7TLuqJ1HzNRXbl/Qo/iiQThqCqxKq7NlFzrlVRbnz+s14VsTl6HG1EXqMscfm7b7Jef59zFYnA1KJHeU6lO/y94uUkdfPlNeOe7rwzn6zSeDK4PdHz46+Tpv/AGcQy057RKokHQkgcyAGP0JH6xSTapEsTUZ3Il0uHo21RvemP/0lPhs3LPD1+3+zScJwN1szbLobWv7XiyNpIjCKcm0XPCz3Y8zv6TgazNuyUui/c7ODSf8AHb6ssvxGa+oFgTqbbTMk5cFsdPGHNGZxN6zs1wAo8IO5F+XnznX0+Pw413Mud+I/Qsl4ocLTAxD90jWtm53F9ulhN0s06pLk4mTSOLuPcHRqmomfMuQg2ytcm+oubgW2013nJzJXt7/t+UXKOyNA2qLqSngDWZlXcgGxLOd9vv76VpptbzG9VCM9tlf4qei5ChOmYhxcnyFhvroPLWOKgluT5NLt8Gc4piT3ljoU8NwCpNuZFhY+06WKFQp9/wAozSbUrXFFbVqEm5JJ85akkqRFtydtl/wXjCUUelWS6uMri2o2IIvzBsR5gS+E9vzRicJLJvjymLjHbU017vh4NIZcprNY1mHO35aV/K585VknKfVnRxyr4VXr3/0eh0MSKlHCVydKlKnmPP8AqINSeua04uRbZI9VpZb8Utvz/Poea/FTgxJLqp/xaRRnU7NOVeJjs8spEh7Hci3+83wfkcDPFrqFeTKALQJAzAYwxAKACgMUBD1jAIsBBUgI7X1AHU/p/BFN0izDHdM9U+G3AxdXI1O05Um5SPRY4rHjs9JxGHZ6tJgpKAMVHQ3Auw62/eN22qRVCcYxkrpmMwnFaVXjeJLFQcho4bvNlqKFRhflcq2nrbebscKqfn+Ix/1HiReBdItN11a53fZ19EvImdtKi0sC1PFVFatUqq1EZsxUaZiBa4XQ8uclyqV82Tbxy3SjGobWnxV+X1XH1XyPMu+tzmqzzmwkUmawaxyk2BtpfpeMSirovuFC5ERYo0azhvB3A70vdWYqFuLDmABy9fKDxspWrSlSXeiZUodJztRo8c+ej8ztabV5MfHVfsCAJNiNNL+flMeHSOE7l2NubVxnBqPFkj8GHclVygnQdJvqzAqiV7KauIYZQ9SmjJZmNqY0vcg+E+fP02lmxyapGVveupKpoHQ52UG1stN/lA00sf5eUYtOm3ufJGMLVspOIcTFIjDqSVYNUe53C+H3NyJ0YS2x2GCXs+Lnvv6epTLxvuSo1qIL3pO3gOt1tpqdTuP10zY9NxUzWvdHYhHxtRqqUjmtdgp8CgWC5jbQWHqeVhtrUKjsj1Mks63eJPiK/X0X89ik4nW8VreL837CRhjcOGXTywzVKJHxlJ6ZHehlzAML7lTsRfeWNNdSmDjJe6LieA7unTqB1Zatyq38SgbBgOfXzle620aFBqKbPSexOIOJ4QKeVmNFqlMkac86AHqA6znapPc6Xqd72ZNKKbddvz6F32hwZqYcpV+ZQM3S5Gutut5nkrRuwSW7joz597T4HuK1uh/eatNO+DDrsW2yuebTkgWiJAzAYwxAKACgMUBDljAIsBBUgIlcJod9iFHIED76yjUSqJs0cLlZ9J9lMAtPCottSR69bTJjXB0dRJqXyRpqFhpp4f3Jt+kvhS4OfO3z5nzL2hxgq4zEONnxFZhboajW+02R+FIwyve2vMg96WsALkCwsNTqTy33goxj0RPJmy5fjk383ZPocKqMAX8HXNvblZRr13tJWVqBa1GYUVoiqxpqxfKQLZjuRbb7x26oXgxUty6l1wKlexjDvRouICp3a9zbMHUm9yABrew31AhLJJKkVR0uJz3vqFbHkDxixCqWPIk6WUanf+GRcG1ZZ/UY1LYnyLC41WcLqCdrgi/of23lLiadxoMBRZxdRtvLoY01bOfm1M1KoqzGdveI1WqChS0UIHqEX3vz8gB95RqXDF8X0XmdH2bLxo73xX1+lP8AftXqZ/hmDS4JZiQdSuY23IN7/eY3q8i6JI6EpxTW1N/Xt/KXb1Nbiezi1kDq12C7GxbnmK87WAv5zoYMkZY90ufkeezzyvO4wSVdU/4PPMMi1sUtNXOUsAGYBT9mP1vJTbii74o2b3i+PPBqZooyutVbm1r67yWLKn1XJz8uDK20nwzz1aFfGOTRpu9rnwqbb7ZrWvrte8jlzwi7k6NGLHHFGmzQYnsw5o4d8XVcPUXRW3SkGsnhcBl01t5yuedqSRqx6aKi3HgbifhzXUXDoRa97WH63+0j/Uc1X6i8N2bn4NVB+Aq0zbNTxNVT5+FGv6ayORq/mjXhTUfk/wA/c2OJpKzBiAQTby25/wA5zO0rs2QlJRcTwf4tcMC1SwG97W6dJXhlUzVqVvxp+h52r3F50jgjGgSBmAxpiAUAFAYoCOiMAiwEEzWF4CL3sLS/6mn5sJh1Ls6+hifTeCULSVtLgaW87feJLbFMjlblkcQeKxZpUK1SxYhHYAD+6pIH2kYS8yMo8pLsfLavoNb6fWdM5aD4DHtQqB1ANrgqdmU6Mp6ac+RseUBo09Sv3gVqV2SpfJp4rj5qbAfnFxceYI0IMaJ2F4XRR6oWo19fEFNwOoLbE+Q08+UlBbnRm1Od4oWlbPRMZhcOhQYe9gBe/WXbajyczHmeTNabfnZA4kLnwGoCoGcoQBaxKo1yL/NewsfPXWh9TsLoUWMxxygKlI6li9iGJBFwQQSG0I1O+9pNy46GSOmayOW50y34DXw4o3bO9ZWLDNnbLcgXudAMrOPcecztSs3JruWdbtzSoVwgRkBGWq5PhGYgoddwLkX8zfaOHD5KcsZONRKDt3XVSKjC97CwNruPl9tTp9bzJroznkjt8vt+fwb/AGTgiouMui546u6X7/uU/C+G4nE3K5Kaqua7NlCgtc5r7AKL6eW8wOWCPHMn+fydmb8PniK+74+yVr7Mm8F4wTxChRR89MZqIdhYO1T5mKsp8JICgWvz8p1oR2wqq9OpwM81kyb+ten/AEYzjPDauExT0SGzo5CaG7C/gZeZuLe+kt3Jq2U8UTsFwWtj6aOtemzlmBps5zoq28RFttZbjw7vhM2XURxP3lwek9i8I+DBw7srA+OllvYA/OtiT+a5/wA05HtXA4ZEzJLIssd6+TJ/abH4Zq1FMYwUCnUqM5stlSwFz+e5KjKBfblJaafiw97quLOhpsspQ+RUP28wdanUs5QJRuAUa7FWC5UuBcnMPprzlstLFzUn6GhSdDfghiy1LFhgbNWV7/4mTUfQCSzuml6F2FNpv1PRqHiGQnbUH0It+kz4+fdNU/de5HlXxmSwGg1JEhVZDYvewI8Vp6XHnOlF2jh5FUhNGRGGAxpiAUAFAYoCOiAD1jEOqfKYAuprfh6mbE077Ajfb3mDN1Ovpj6Lpt/RFrXuLeXnaE/gE1/yFhUUZLG1strHY3HiuJL/ABMq5kfO3aPsX+Fx9OiHCYbEPajUY6JrrSZj+YbAncEHrNUMm5epVmwOD9Cv7Ydkq3Dn8QLUWP8ATqWPPZagsMrewB3HQTTspI3D8UvfZU76nhqjIKqK9yQo18WgJ1b2NoSyQj8RLFps+ZbcfMn0LWkRhnqVaYIVSRhw2pLn5S3LwjxHzAHORxaiOSTcFwu5dr/ZmTSYIePJb5dl5ef7fiJXCe2FWkQKw75epNqgHk/5vRr+ol3iN9TkwgodDU4XilPEhjRYtchypOV0NgpDDYrpe4J1J3h1NMZJlbVwzElVAJOYtpcDM1yRzvcgdT7wJCw2EKk6m6/MpUqbdR1gFlpxChh6rK2XRRpm1131Gx9+pkNr7huKPitcOAmpAYd3be+y29zb0leeDlja6GjTZvDyKSv6FY3EmqqtIXWnp3gU61Wvcu55nXQbCwlGPTQw3Jcvz8vRBm1M8irojT8H7Ks6iot8y2ZTzBWxU+1hKpZ3dIx7uStxfZ6pisWFxFR8o1qNfUAEXWncWBN9vUxy1Eo424q32N2j08tRLnp5/wAGwxXYbD4NEr4NH7ymR3hLsxek1le4vbTwtoPymc72f7Wz/wBTFTdp8VSLcmkwZoTxzW3h07fElyur79PqRuLqyPQrpe9GoA460atlcexyP/knqfaeJZNO35cnldEm5vEv8v3XP/a+pH+K/DVqYJapID0nBS5ALK9ldBf/ACt/knnfZ83HI12Zt0smp0eX4Ph34hqNLDZ3rvmFUMAEU5vCwYa5cupJ9p2HLby+h0oQlOW2KPoPsJwBMBhRRpnMxOeo+2epYeLyWwAA6fWZHJylZrnj8NJFy39qelrjyNtf56yuP9xli/tnk/xgF1U25/y/SRfxmt8Y6PFnPjM3Y+hyM3xDWkyoaYDGxAKACgMUBHRABwjAdU+WAkbP4dqBWQna/wDxMGbqdbA66H0bwgB6JG1x0lkYqUaKtS3DImdxFey6+YlW7gIY7kZ3iWApYtGpV1Dq3IjS42I5w3J9OpvaqPKteRAwfC0oUXoMpq0nUoBUOcjQgC5HiFuv9xRew0lHNL/IpyaKE1F4uGvtX18vIpuJdnKPdsAgUKLqRodOQPX2PpKoPbbkrOjNOSSxz2fJL7/+NFLgeCpUpkKc4bUh/mU9Qb2B5XB+k7OCMZQ91UvKjxvtGc8efblnufnd39+fozJ8TwIpuQpPkG0Psdj/ADeRlCnwQXKtG37JcM/D4XOw8dbxHqF/IP3944pLqSqS5X4g2CruuIXuRdy6BB1bOLX8oNE9xYdoeNriWB7tVdMyMym+f8pOnLeOMCjJnSKRq5Qq1gcpBsdjY3sZNwKY6lMpO1PGe+rd4qCnZQLaNci+p0Fzr05CVpOJpTWRUyhwGKyuCZRkVov6nq3ZrtklGlY22mBRlCTaKlaZX/8Aj1Jy7tURLEk3YD9YeHLyPUezdXD+nrJJLbxz5dv+jQdmu1a4nBHvELnPUpXAypVQaBxfUAg2ItuDytMWT2TOWbfGSS6+qf56nMnqEsm6PZ8P9nyR8I9x3eYF1C3va5FhcnffWdjNqsqh4V9vuW6X2dpMmWWr2vmTaV8R7qqr9SXxPh34pBTqjNTXkdhpt5H/AHnPjGSapm5YNPFu0m32YbhnBcPhFHcoFLAZjuSANBmNza0t3d5ckYRq1FJK+38mh4bX2+pjjPkzaiBOVBkZjz29h/reWQiqbZmbe5RR418VXDAW8/8AmU/5G/I6jTPGvzGdCPQ4+X4hGSKxpgM5EAoAKAxQEKAD1jAVU7DziY49Td9h9GU+en+8wZDq6fqe9dlq3hsen1k8L4DWxVWjuNX+ow87+0okveaJ4X7iZylhMut78tf1ElGNBLNu4Mv2t7U0OHXz+J28SUwbs19L9FXQ6npHGEpyqJOWaMIKU38kup5RxLtjiMU9mOSnf5F6ebc/tNmLTxjy+Tm6nXZckWoe6vTr9/8Aw9F4d2hwv4AUwo7wDfznQUubvg8zPDarbzfUosXwxcVlJBZrgC3Qk7+5J63O8jW90bZZP6fHbLbGVjQUUal1dVAF+YAtf18pGUdvBLT6jxldUVfDOLClWL2YsFPdlTqh5t9CfrElY8s1BEzgWCNc36mwA5noPTTX/WaYpJWcPPklKW2JZ8Z4E1EeIS2O2S4MeR5cMqmY2nhKDV7YpmVP8PM9GPIeky5VR2dLlcl1LbtF2SwYRKmDqGk4F9SalJsu2fMSVY+Xuusx72nydhQ3RoxDYasj5X0G5YG62vyI5+UPdfKGo9vImvje6Q3tk5qVVrm2nzA6nrDaS6FhS7YpSwaU8Ond1g7F9Aadib2VeXtaRUJb7shTsuH4Uz4VuJDEBK5t4UNvlAUAKSdLDY3lU3udNcEoZZwdxdE3sf27Wvkw+KIWozBFNjlfpc8mJNrf8SnJglDlcr9jr4NXHK7lxLt6/Ly+R6U2HzbaADl+3oJFxsaybepHFPLoOelzzlbVdC7du5ZacUrZKIA6C4/Wam9sKMOnjuyNs8V7fVc179P4Znh1s26g8mqfOZ0IdDj5eo0yZUcMQzkAFABQGKACEBBFjA5bM3pIydFmONs2vZd7EDbpMMzp4OD3nsq3gX/t1ksY9WvdJnETlfN7H0Ivf7bSvJxKyOD3o7TK9q+2tLBqTfMQLKoOrPYiw8hzPnK4OeSW2H3L5Y4YMe/L9F3Z4PxXiNTFVnrVjd3Nz0AGgUDkALCdWEFCO1HFyZHkk5Mj0zJFZdcMrWIkrFtRsuE8QKWINiNpKLoqyY1NUwPGccatcVKrFgSO8H5gBzQ9bcj9RFLkMeNQspaFUVKx3CqHqEDxNkTxFUH5mt/qbAEhp0V5YblRoOy/abJUD2AA0RQdFXkAefrzJJ5zVFqSpnBzRljnuiajjHaYYgXPyrbN532UeZt+/KWQUYLgyajJk1M05GEXHYcVycUrtTKsLITe5ta9iCRa4+kzZZPsdfR4aSszWG4zUoMRSYmmSfA/iGW+gI2/a8zSimduDpEvFcYp1UUgd26kkjVgwO6jp135DaVqFPgm3fUpq9cubn2HSWJCGCMRIGLfLlzHL0vpFtXUKAhiDcEgg3BG4I2I84w+R7J2F7eCuipXa1RLCpyzi4s4/QjqZyc0JYZf/P5wdzA46mDr4/L+V+cG9w796wtsCLedzy+kF7zIzXhx57huOv4PYzRPoU6Ve8zw7thXuWueZlMS/M+DzTE6OfWbsfQ5WVcnDLCoaYgFABQGKACgB0QEEGgjAsOC0AxIPMaTNkZsxxo0vBaBRwRrrp6SiTNuCNs9p7Kucq9LbfzeGNl2qilEynxL7YHDsaaE53F1G2VQbKxPmQduhkYYnmk32K3nhpYJVcjx/F4lqrFnNyf5pOjCEYKonIzZp5ZbpvkAZIqEpgBPwdS0YF5h8ZYRiAY3GXgBUNiSGBBIIIIINiCDcEEbEdYrIuNlnQxCViGLpQqb1SQRTdedRQo8NT/ANG5WOhmpNdDNkwRl1JzccQDw3slxSQ7k6f1Kp2JJ1IHQLoBeSc2Z1pEnZn8TiSx1Mg2bMePaRGMiXo4IDHCAHYAK8AOEwA7TqlWDKbEbGRlFSVMnCcoSUoumj1T4a9sWqOKNQ+NfGL38SiwNj1AI08jOblwvC1JdDtYtTDVRcJqpUei9oqxynpb+Wk5y4FpYL6niHaW7uSBzsfPzkYhqI0zKcWweVQeZM0Y5cmDJG0Vd9JoMZyACgAoDOQA7ABywEEI0+kH0JQ+JE7h1TxjpM00bEemcA4eCoOh2vflMWSdOjsaXHGrZuuDU3ReQG2mpttYaC0gp0T1LjJo8h+JtTNxF+gp01X0tf9SZ0dHXhfVnC19rNz5Iys1GI4YAcgAWk9oAS0xEYA6ta8AIrNEAlMYqH5oWFHCYDo5EB0RgdgArwA5eAHCYANJiA0Pw6cjieHt1qZvTun/e0z6uvCd+n7mvRJvMq9f2Pa+Ls7JYC4GgI3t0M5viWjvadQUnZgOOcOsCbWtJwnfBHVYl8SPOuLVLvbkJrgjjsqGFiZpjyjJNVIbGQFAYoAcgB0QAesBBW2MfYF1DcN3HrM+Q1w6HrfZA+Een+k5mb4ju6f8Atm8w/wAhlPYhP40eL/E7/wBQb/46f/2nW0P9r6s5HtH+8vkv5MpNhgOGADYAOEAHiAHGgA2AHRADsYHIgOwAUYHYAciAUAOGADTADT/DIf8AmKf9j/tMeu/tfVG/2d/e+jPbcX/ZTldjr4/7hiu1B8P1luL4i3P8B5DxPc+v7zpYzhSIE0LoZJ/ENMCIoDFAD//Z"/>
-          <p:cNvSpPr>
-            <a:spLocks noChangeAspect="1" noChangeArrowheads="1"/>
-          </p:cNvSpPr>
+    </p:spTree>
+    <p:extLst>
+      <p:ext uri="{BB962C8B-B14F-4D97-AF65-F5344CB8AC3E}">
+        <p14:creationId xmlns:p14="http://schemas.microsoft.com/office/powerpoint/2010/main" val="2994772443"/>
+      </p:ext>
+    </p:extLst>
+  </p:cSld>
+  <p:clrMapOvr>
+    <a:masterClrMapping/>
+  </p:clrMapOvr>
+  <p:timing>
+    <p:tnLst>
+      <p:par>
+        <p:cTn id="1" dur="indefinite" restart="never" nodeType="tmRoot"/>
+      </p:par>
+    </p:tnLst>
+  </p:timing>
+</p:sld>
+</file>
+
+<file path=ppt/slides/slide14.xml><?xml version="1.0" encoding="utf-8"?>
+<p:sld xmlns:a="http://schemas.openxmlformats.org/drawingml/2006/main" xmlns:r="http://schemas.openxmlformats.org/officeDocument/2006/relationships" xmlns:p="http://schemas.openxmlformats.org/presentationml/2006/main">
+  <p:cSld>
+    <p:spTree>
+      <p:nvGrpSpPr>
+        <p:cNvPr id="1" name=""/>
+        <p:cNvGrpSpPr/>
+        <p:nvPr/>
+      </p:nvGrpSpPr>
+      <p:grpSpPr>
+        <a:xfrm>
+          <a:off x="0" y="0"/>
+          <a:ext cx="0" cy="0"/>
+          <a:chOff x="0" y="0"/>
+          <a:chExt cx="0" cy="0"/>
+        </a:xfrm>
+      </p:grpSpPr>
+      <p:sp>
+        <p:nvSpPr>
+          <p:cNvPr id="4" name="TextBox 3"/>
+          <p:cNvSpPr txBox="1"/>
           <p:nvPr/>
         </p:nvSpPr>
-        <p:spPr bwMode="auto">
-          <a:xfrm>
-            <a:off x="155575" y="-144463"/>
-            <a:ext cx="304800" cy="304801"/>
+        <p:spPr>
+          <a:xfrm>
+            <a:off x="457200" y="966108"/>
+            <a:ext cx="3775579" cy="715581"/>
           </a:xfrm>
           <a:prstGeom prst="rect">
             <a:avLst/>
@@ -9020,57 +9064,35 @@
           <a:noFill/>
         </p:spPr>
         <p:txBody>
-          <a:bodyPr vert="horz" wrap="square" lIns="91440" tIns="45720" rIns="91440" bIns="45720" numCol="1" anchor="t" anchorCtr="0" compatLnSpc="1">
-            <a:prstTxWarp prst="textNoShape">
-              <a:avLst/>
-            </a:prstTxWarp>
+          <a:bodyPr wrap="square" rtlCol="0">
+            <a:spAutoFit/>
           </a:bodyPr>
           <a:lstStyle/>
           <a:p>
-            <a:endParaRPr lang="en-US"/>
-          </a:p>
-        </p:txBody>
-      </p:sp>
-      <p:sp>
-        <p:nvSpPr>
-          <p:cNvPr id="45060" name="AutoShape 4" descr="data:image/jpeg;base64,/9j/4AAQSkZJRgABAQAAAQABAAD/2wCEAAkGBxQQEBUUEBQUFRQUFBQVEBcWFBYXGBUVFBUXFhQUFRYYHCggGBolGxUVITIhJSorLjAuFyAzODMxNygtLisBCgoKDg0OGhAQGiwkICQsLCwsLCwsLCwsLCwsLCwsLCwsLCwsLCwsLCwsLCwsLCwsLCwsLCwsLCwsLCwsLCwsLP/AABEIAMIBAwMBEQACEQEDEQH/xAAcAAABBQEBAQAAAAAAAAAAAAADAAIEBQYBBwj/xAA/EAACAQIEAwYEBQEHAgcAAAABAgADEQQSITEFQVEGEyJhcYEHMpGhFEKxwfAjM1JigtHh8SRyFSU1Q3PC0//EABoBAAIDAQEAAAAAAAAAAAAAAAABAgMEBQb/xAAyEQACAgEDAgMHAwQDAQAAAAAAAQIRAwQSITFBE1FhBSIycYGR8KGxwRQzQuEj0fFi/9oADAMBAAIRAxEAPwDxCACgAoAKACgAoAKAHQIAOAgA4CAHQIAPCwALTSMRLpUoASkSMQUAQAa1oABYwAbADuSAxjUYgItajACK6xDBkQAaRADloAcgAoAKACgAoAKACgAoAKACgAoAKACgA4CADgIAOAgA4CADgsACIsBEqkkYEpRGI4zwAGa0QxprQAZngA5WjAMhgAYCAhlWlEMr69GAERliAYRAY0iADTADkAFABQAUAFABQAUAFABQAUAFABwEAHAQAcBAB4EAHgQEPVYASKVOMRKRIwOtACPUMBgWiA4BEMcBGIeojAMkADoYCDWgBGr0ohldWpxAR2EAGEQAYRAY0wAUAOQAUAFABQAUAFABQAUAOiADwIAOAgIeBAB6iABAsYBUWAiXRSAEjLGACpAYAi8Qzq0byNjSCrhorJUdOHjsTQ3u5IjR0LAQVBGAdIAcqLARX4hYgITrAYEiIBpEAGEQGNgAoAcgAoAKACgAoAKAHYAOAgA8CAh4EACKIAEURiCKsACosAJlERiDPACJUETJIdSo3kGyxIsMPg7yDZNRLCngIrJbRlbAeUaYnEhVMJJpkHEEcPHZGjncx2KhwSOxHHEYiDiBEIg1BAALCAwbCIBhEAGEQGcgAoAcgAoAKACgB2AHRAB4EBDwIAEUQAIojEFVYAEVYCDIsAJVIRiCMIDQLu9ZBssSJ+EoStsuSLvCYeVtk0i0o4cRWSo7VwcdhRX1sDJWRcSI+DkkyDQFsJHZFoBUw1pJMg0Q6qWkyDIFcQEQaggABhAAbCAwbCIBhEAGGAxQA5ABQAUAFADsAHAQEPAgARRAAqiMQVRAAqrAQVVgIMixiJNMQAKEkWTQWlQlbZdFFlhqMrbLUizoC0RIscO0iSRLC3iJUR61KNMTRDelJJkGjn4aSTINEXEYWTTINFPi6NpNMqaKfErJEGQKiwAAwgAJhAYNhAYIiIBpgA2AxQA5ABQA7ADogA8QEPUQAKojEFUQAKogIMixiDosBBkWArD01gKyXSpyLLIssMNh5TI0RLShhZWXIkrhYrJUTMJhSSAOci3QN0rLjF8IejbONxcRX5ihkUuhExGDYAEggHbzjTJbk+hD/CGSsiwy4LSSTIEXF4bSTTIsz3EKUmiqRnsWssRUytqLGIA4gAFhESBMIACYQGMMQDDABQGKAHIAdgA4QEPEACKIwCqICCoICDoIxB0EBBkWMiHRYCskU1jI2TKCyDROLLjBpKZI1QZe4WjKWaYk+nhgfLT+CIkHSgUKm1r6g9RfeRfIuJWibVxDVbZze20SjRGGNR6BK7NUVVY6L8vlGo0KMFFtoWFwAJkJyaKcmSiZi+F5BqJDdKLplKyu+TN8TpWvNcHZepWZHinOXIrkzM4uWIpbK6oIxEdxAYFxESAsIDBMIADYRDGGAHIDFABQAUAHCAgiwAIsYgyiABkEZEOggIvavZ6qmEGK8JpG2Ygm63NgSOl7D3Epx54zdUa9Rop4YqTad+RZ9mezoxeDrVbsrortS6MEF7H1taQ8aTyV2NM/Z8I6be/i/P09SlprNZxbJFNYyNljgaStmzPlspK6E5mFrLpt6+UjIcWXHD2spuubMoFyD4SDe66+QGvUyiZphIu8Noi6rYk6aZhaw10lD6muEuSTXxQpAXpV6hb5TTQFV1Grkna19pbDDuV2RnqNsqolcIT8SjumZQguc6lD9DKskJQdEf6pdkcR9YL1NF7kmmTabwURTaSJmHrWItvyinhb6HLzZku4fF47MrFm2GnmbaASUNJknNbjnz18Um7M5VwVauRkQkNezW003J6CdN6PHGPxcojpvaOacknC0+6/GYnj9F6VRqdQFXU2YH+ai1jeZ0jquRnlo95URL2zuqX6ZmC3+8b4ViXLSLn4k8Fp4NqfcplpgZWbqdLFjvf1mTHOSnTdnc1Okx/06lBJNfnPmVfGuydXC4WnXrMAagUinY3UNqLm+9iNLSzx/f219TEtDJ4Xl3dO1fz/AKMy4l5jAuIhgWEBgmgMGYgOQAUBigAhAQ8QAIsYBUgIMggIMgjEEZS1kXVnIVR67yE5KMW2W6eDnkSR7RiMCtLgvcP/AO4tOkOpYsp+yqx9pjvbCz0GSCnlUX2G4sDD4SnhaNhVxStTTT5KZFnc28jYeZ8o4tQpsjqMcst4occdfI87xODajUam4syMVb1HTynQi9ytHlckXCTi+wWjSuQAd7DXQAk236eckV9WWFfh9SgQKq5Sduh8wecVroTnjcHxyjVcL4lQXCGmyXqE/Nzt5TFkxy3E8bRT1UapUU3ARWuupuFvewFrXI0Jk3Oo1RsgrdmurYqhUw2VwwqDVHU2KkbEe4HtM0ZyTE8LciRw/CV1yGtWADEEoEs+TmSSTbTW1psUE0m0QnCN9RHHU3rGlSpiwJXMxsLjTQdPW3vHknGEabv0Ftr30uncG5Icg5RY28O315+v2lUJKXKVEskpbbDUao19LfXedPT475Z5P2jn2+6iRW4Qxp5+R5S5ZIqW0yPQ5fD8XsTuE41aaHP4FHNj00Gh1/KdhbQzNmnFvr/B3dFp8sEuLXmnaMV8WK1CqaNWjUR2syVcrAmwsaZI6auLyhNHTyQlFKTRjOzvBDjKrjMUFOmahI+a4IChempvfyleabhHgu0WnWfKoydL06mw4lVHEOHFqg/qKXp4gf3aijVrcrize8xTdq0elwwq8c+w/wCJGH/F8NV6exRai+lgbHzG0k3VSKYRvHOB4urZgD9fXnNvU8604umCcRgBaIkCaAA2iGNgAoDFABCAh6wAIsYgyQAMkBB0jIstexmBOIxeb8qfL7c5j1M+x2vZmH/JntHE6C1CuZrUsMhdjyz2uT55QLe5lM5W6XY3Qe1ObXMnx8il4W4AfH4vQhVsP7qj+zpJ53PuSTHii5slqMkNNjbl3/P1M3WwP4j/AKipVCvXZ3yFCQPGwAzX1Hh6dJrlqI4pbGmef0/szVa1PLjXF/iBYjhZo6s9NrFQcjNcZwxU2Kj+6fpLcWeGW1E5mXFPG2p8NcFjgHq4xu5Yq2dQgz7KBtY8jHLbiTaRHHmnF+6PXhNRagQiwLFQx+XS/P2MjvUlZZjjI1CUKGAYd6O8fLc7XBzEWC30BA3PJhrylTrqbEm1SZEw3EaF6lVk8YN6VO9wTyzE7gbnrbneVxrful08vMuanwogMJxZlrd61mJN2vz8ienkLSWTK58ElplXId8zvmCFc2thylcI+fQlJ7MdLl+oTDNci/vJp0VZo3HgueLYenTVGptc/mH6ibdFqPe2vo/0PMe1dGpRUodULGcVZUVVbQgMB5Hb950oYk22cnJqcigoJ8eQHFY5Wwfiy9417b3GVtSLbHQfWReBSyU1wa8Gqliw3F1J/wDfl0POO0OMLsqZyy0wQp2tfl7fuZm1HL2p2l+de51tE4qO9x2t+T4r0T6del15V0IvZvi/4TEiodUYFKtv7jEEkDmQQD7W5zLOG5UdHS6jwsim/qbarhxSxiFT/QxNkqEbMCD3Tg+pAv0Yzly92VHr3JTx+LHqT8XhLYSph+aMSgtujG5HsxP1Eal7u1kEv+RSXSS/U8IxdA0a9SmepI/n82m3BK4nC1+PZksC4lxiANEME0Bg2gMZEAoAKAxCAh6wAKsYgqQAOkZE7XbQKN209ucjOVKyeKG6R638KuHJRp945VSTpcgX02F9zObuuds9EouOFRiuWaHiNTvWGHpkHM2bEMP+64Qe+p9JU32RdCPO+XRdDFduMfmxBw6H+lQNgBsXyjMT6XK/WdTTY9sb8zzftPVPNk29l+r/ANdPuSMHxDCNTprU/E03FNKblUpVEJAAJAJDC5F+e8WXSKct1mvQe3npcUcThaX0/PsN4vWolFFGqKpLasKLUmVFBCq+YnNrUfY/7y0+B47t9Tka/VrUZHk83ZFo0HUZgCB1mm4vgwclmeI1GphLiy5SCAb+E+EE+UqeOKdmmGWTiojaNFnN9STuTreZskkjZjkHfBlReZ99muGQfhX8Sqbb6Xte/L2vJot3I1qYGgtEBSamJcXAF7hua2+stpJepXubfoU9OkWaygknYbnTeQRKXTk5iWI3BAOq36eR5+sug6MGbEmVmJxJHObseecejOPm0eKbuSKbH8QIF3YhPzWttsdpOefI1yyODSYVNVEsOBYHCYp1GYXNrkMe7BHmPTbzlcI7kadTmhhkl0sqe2zUTiLUbEqtqpAsGYEgEedgLnTlIyVMnDJvW4uuxL/icHVoubvRKmn1FNr2t6MD6aTmavHT3Luel9kapuPhy6L9n0/k1vCOIrUXNVZVdVZK19Bys/obfeZ4SXc6GTHKPEVfNo8h+JXDwmIzpaxsQRsffpaW6eW2VGbXwU4qXmZQm4uOc6JwegF4hgWgMG0BjIgFABQGIQEPWMAqwEFSAg6RiGYaqDVzN8q6fQ/rKM3PCNulSXLPTewT1cTiEqFStKmMqA8hz9zufQDlMbiuEju4pScJOXHBrON8TXB06tdVAaqxFHzJvlNunhJ9oY8e+dL8Rl1OfwsNy7dF5v8AOvoeWqxJJJuSSSTuSdST53nXR5STb5ZouztWnTp1ajgFxlFO+u+YkKOpsB6TNqYPJUF3HjainJgWrgsT4DmsSQmUKfmIUctSR7TW+hnfLpGnxHaqi2DWhkAYW8Vpjiqka3ins20iro05omU44mm7PYZWYX95ydROupqpmg7QYJGQd0BcDba/vKZZMcWqZZBSb90wXEeHuLX8Bb5TvYg9P5vNWGal8JqyxcY3L7GqwXC6tan3rEAi2xNgRzHMToPCqRyseqm266BXxhRlqBlas/8AaEgDYAAmx8JvcEeXQ60SkkrOgluXPQrsRSNV2zVFLak2vzJO1hpcmZFrILsyqc0+hQ8Vw5TexHIggj7To4csMnwsxZUUOKoCqpQi+bS21wR15TQ6UbZnhv8AEW0iU1NDwr4bbWN/vzihNVcWSz4nJ1kXJM4XwNsUxOYKCQGY9TfX7czzHMgSag5ckcb52R7GuwXCKfDqlM0yXdh/VK2a6nle1z1FsuoFwbSa00M0JRr5N+f58zZHO9POMr+aXdfnyLnEYXKuITKFaooI66XB36afWee29YvqexxzU5QmnweMcbxTqGw9cEFCe7J2sfyX6Xvb1tyEtUU+UZ9RJq4y6GZw77jodPebovg4WVVITyRWCaIkCaAxhiAUAFAYoCHrGAVYCCpAQRnyqT0H/EYh3BOHvWqKqgnX+GZM00kzq6XE5SR7/wAAwQw+DAtZm8C6bs2n2sT7TLuqJ1HzNRXbl/Qo/iiQThqCqxKq7NlFzrlVRbnz+s14VsTl6HG1EXqMscfm7b7Jef59zFYnA1KJHeU6lO/y94uUkdfPlNeOe7rwzn6zSeDK4PdHz46+Tpv/AGcQy057RKokHQkgcyAGP0JH6xSTapEsTUZ3Il0uHo21RvemP/0lPhs3LPD1+3+zScJwN1szbLobWv7XiyNpIjCKcm0XPCz3Y8zv6TgazNuyUui/c7ODSf8AHb6ssvxGa+oFgTqbbTMk5cFsdPGHNGZxN6zs1wAo8IO5F+XnznX0+Pw413Mud+I/Qsl4ocLTAxD90jWtm53F9ulhN0s06pLk4mTSOLuPcHRqmomfMuQg2ytcm+oubgW2013nJzJXt7/t+UXKOyNA2qLqSngDWZlXcgGxLOd9vv76VpptbzG9VCM9tlf4qei5ChOmYhxcnyFhvroPLWOKgluT5NLt8Gc4piT3ljoU8NwCpNuZFhY+06WKFQp9/wAozSbUrXFFbVqEm5JJ85akkqRFtydtl/wXjCUUelWS6uMri2o2IIvzBsR5gS+E9vzRicJLJvjymLjHbU017vh4NIZcprNY1mHO35aV/K585VknKfVnRxyr4VXr3/0eh0MSKlHCVydKlKnmPP8AqINSeua04uRbZI9VpZb8Utvz/Poea/FTgxJLqp/xaRRnU7NOVeJjs8spEh7Hci3+83wfkcDPFrqFeTKALQJAzAYwxAKACgMUBD1jAIsBBUgI7X1AHU/p/BFN0izDHdM9U+G3AxdXI1O05Um5SPRY4rHjs9JxGHZ6tJgpKAMVHQ3Auw62/eN22qRVCcYxkrpmMwnFaVXjeJLFQcho4bvNlqKFRhflcq2nrbebscKqfn+Ix/1HiReBdItN11a53fZ19EvImdtKi0sC1PFVFatUqq1EZsxUaZiBa4XQ8uclyqV82Tbxy3SjGobWnxV+X1XH1XyPMu+tzmqzzmwkUmawaxyk2BtpfpeMSirovuFC5ERYo0azhvB3A70vdWYqFuLDmABy9fKDxspWrSlSXeiZUodJztRo8c+ej8ztabV5MfHVfsCAJNiNNL+flMeHSOE7l2NubVxnBqPFkj8GHclVygnQdJvqzAqiV7KauIYZQ9SmjJZmNqY0vcg+E+fP02lmxyapGVveupKpoHQ52UG1stN/lA00sf5eUYtOm3ufJGMLVspOIcTFIjDqSVYNUe53C+H3NyJ0YS2x2GCXs+Lnvv6epTLxvuSo1qIL3pO3gOt1tpqdTuP10zY9NxUzWvdHYhHxtRqqUjmtdgp8CgWC5jbQWHqeVhtrUKjsj1Mks63eJPiK/X0X89ik4nW8VreL837CRhjcOGXTywzVKJHxlJ6ZHehlzAML7lTsRfeWNNdSmDjJe6LieA7unTqB1Zatyq38SgbBgOfXzle620aFBqKbPSexOIOJ4QKeVmNFqlMkac86AHqA6znapPc6Xqd72ZNKKbddvz6F32hwZqYcpV+ZQM3S5Gutut5nkrRuwSW7joz597T4HuK1uh/eatNO+DDrsW2yuebTkgWiJAzAYwxAKACgMUBDljAIsBBUgIlcJod9iFHIED76yjUSqJs0cLlZ9J9lMAtPCottSR69bTJjXB0dRJqXyRpqFhpp4f3Jt+kvhS4OfO3z5nzL2hxgq4zEONnxFZhboajW+02R+FIwyve2vMg96WsALkCwsNTqTy33goxj0RPJmy5fjk383ZPocKqMAX8HXNvblZRr13tJWVqBa1GYUVoiqxpqxfKQLZjuRbb7x26oXgxUty6l1wKlexjDvRouICp3a9zbMHUm9yABrew31AhLJJKkVR0uJz3vqFbHkDxixCqWPIk6WUanf+GRcG1ZZ/UY1LYnyLC41WcLqCdrgi/of23lLiadxoMBRZxdRtvLoY01bOfm1M1KoqzGdveI1WqChS0UIHqEX3vz8gB95RqXDF8X0XmdH2bLxo73xX1+lP8AftXqZ/hmDS4JZiQdSuY23IN7/eY3q8i6JI6EpxTW1N/Xt/KXb1Nbiezi1kDq12C7GxbnmK87WAv5zoYMkZY90ufkeezzyvO4wSVdU/4PPMMi1sUtNXOUsAGYBT9mP1vJTbii74o2b3i+PPBqZooyutVbm1r67yWLKn1XJz8uDK20nwzz1aFfGOTRpu9rnwqbb7ZrWvrte8jlzwi7k6NGLHHFGmzQYnsw5o4d8XVcPUXRW3SkGsnhcBl01t5yuedqSRqx6aKi3HgbifhzXUXDoRa97WH63+0j/Uc1X6i8N2bn4NVB+Aq0zbNTxNVT5+FGv6ayORq/mjXhTUfk/wA/c2OJpKzBiAQTby25/wA5zO0rs2QlJRcTwf4tcMC1SwG97W6dJXhlUzVqVvxp+h52r3F50jgjGgSBmAxpiAUAFAYoCOiMAiwEEzWF4CL3sLS/6mn5sJh1Ls6+hifTeCULSVtLgaW87feJLbFMjlblkcQeKxZpUK1SxYhHYAD+6pIH2kYS8yMo8pLsfLavoNb6fWdM5aD4DHtQqB1ANrgqdmU6Mp6ac+RseUBo09Sv3gVqV2SpfJp4rj5qbAfnFxceYI0IMaJ2F4XRR6oWo19fEFNwOoLbE+Q08+UlBbnRm1Od4oWlbPRMZhcOhQYe9gBe/WXbajyczHmeTNabfnZA4kLnwGoCoGcoQBaxKo1yL/NewsfPXWh9TsLoUWMxxygKlI6li9iGJBFwQQSG0I1O+9pNy46GSOmayOW50y34DXw4o3bO9ZWLDNnbLcgXudAMrOPcecztSs3JruWdbtzSoVwgRkBGWq5PhGYgoddwLkX8zfaOHD5KcsZONRKDt3XVSKjC97CwNruPl9tTp9bzJroznkjt8vt+fwb/AGTgiouMui546u6X7/uU/C+G4nE3K5Kaqua7NlCgtc5r7AKL6eW8wOWCPHMn+fydmb8PniK+74+yVr7Mm8F4wTxChRR89MZqIdhYO1T5mKsp8JICgWvz8p1oR2wqq9OpwM81kyb+ten/AEYzjPDauExT0SGzo5CaG7C/gZeZuLe+kt3Jq2U8UTsFwWtj6aOtemzlmBps5zoq28RFttZbjw7vhM2XURxP3lwek9i8I+DBw7srA+OllvYA/OtiT+a5/wA05HtXA4ZEzJLIssd6+TJ/abH4Zq1FMYwUCnUqM5stlSwFz+e5KjKBfblJaafiw97quLOhpsspQ+RUP28wdanUs5QJRuAUa7FWC5UuBcnMPprzlstLFzUn6GhSdDfghiy1LFhgbNWV7/4mTUfQCSzuml6F2FNpv1PRqHiGQnbUH0It+kz4+fdNU/de5HlXxmSwGg1JEhVZDYvewI8Vp6XHnOlF2jh5FUhNGRGGAxpiAUAFAYoCOiAD1jEOqfKYAuprfh6mbE077Ajfb3mDN1Ovpj6Lpt/RFrXuLeXnaE/gE1/yFhUUZLG1strHY3HiuJL/ABMq5kfO3aPsX+Fx9OiHCYbEPajUY6JrrSZj+YbAncEHrNUMm5epVmwOD9Cv7Ydkq3Dn8QLUWP8ATqWPPZagsMrewB3HQTTspI3D8UvfZU76nhqjIKqK9yQo18WgJ1b2NoSyQj8RLFps+ZbcfMn0LWkRhnqVaYIVSRhw2pLn5S3LwjxHzAHORxaiOSTcFwu5dr/ZmTSYIePJb5dl5ef7fiJXCe2FWkQKw75epNqgHk/5vRr+ol3iN9TkwgodDU4XilPEhjRYtchypOV0NgpDDYrpe4J1J3h1NMZJlbVwzElVAJOYtpcDM1yRzvcgdT7wJCw2EKk6m6/MpUqbdR1gFlpxChh6rK2XRRpm1131Gx9+pkNr7huKPitcOAmpAYd3be+y29zb0leeDlja6GjTZvDyKSv6FY3EmqqtIXWnp3gU61Wvcu55nXQbCwlGPTQw3Jcvz8vRBm1M8irojT8H7Ks6iot8y2ZTzBWxU+1hKpZ3dIx7uStxfZ6pisWFxFR8o1qNfUAEXWncWBN9vUxy1Eo424q32N2j08tRLnp5/wAGwxXYbD4NEr4NH7ymR3hLsxek1le4vbTwtoPymc72f7Wz/wBTFTdp8VSLcmkwZoTxzW3h07fElyur79PqRuLqyPQrpe9GoA460atlcexyP/knqfaeJZNO35cnldEm5vEv8v3XP/a+pH+K/DVqYJapID0nBS5ALK9ldBf/ACt/knnfZ83HI12Zt0smp0eX4Ph34hqNLDZ3rvmFUMAEU5vCwYa5cupJ9p2HLby+h0oQlOW2KPoPsJwBMBhRRpnMxOeo+2epYeLyWwAA6fWZHJylZrnj8NJFy39qelrjyNtf56yuP9xli/tnk/xgF1U25/y/SRfxmt8Y6PFnPjM3Y+hyM3xDWkyoaYDGxAKACgMUBHRABwjAdU+WAkbP4dqBWQna/wDxMGbqdbA66H0bwgB6JG1x0lkYqUaKtS3DImdxFey6+YlW7gIY7kZ3iWApYtGpV1Dq3IjS42I5w3J9OpvaqPKteRAwfC0oUXoMpq0nUoBUOcjQgC5HiFuv9xRew0lHNL/IpyaKE1F4uGvtX18vIpuJdnKPdsAgUKLqRodOQPX2PpKoPbbkrOjNOSSxz2fJL7/+NFLgeCpUpkKc4bUh/mU9Qb2B5XB+k7OCMZQ91UvKjxvtGc8efblnufnd39+fozJ8TwIpuQpPkG0Psdj/ADeRlCnwQXKtG37JcM/D4XOw8dbxHqF/IP3944pLqSqS5X4g2CruuIXuRdy6BB1bOLX8oNE9xYdoeNriWB7tVdMyMym+f8pOnLeOMCjJnSKRq5Qq1gcpBsdjY3sZNwKY6lMpO1PGe+rd4qCnZQLaNci+p0Fzr05CVpOJpTWRUyhwGKyuCZRkVov6nq3ZrtklGlY22mBRlCTaKlaZX/8Aj1Jy7tURLEk3YD9YeHLyPUezdXD+nrJJLbxz5dv+jQdmu1a4nBHvELnPUpXAypVQaBxfUAg2ItuDytMWT2TOWbfGSS6+qf56nMnqEsm6PZ8P9nyR8I9x3eYF1C3va5FhcnffWdjNqsqh4V9vuW6X2dpMmWWr2vmTaV8R7qqr9SXxPh34pBTqjNTXkdhpt5H/AHnPjGSapm5YNPFu0m32YbhnBcPhFHcoFLAZjuSANBmNza0t3d5ckYRq1FJK+38mh4bX2+pjjPkzaiBOVBkZjz29h/reWQiqbZmbe5RR418VXDAW8/8AmU/5G/I6jTPGvzGdCPQ4+X4hGSKxpgM5EAoAKAxQEKAD1jAVU7DziY49Td9h9GU+en+8wZDq6fqe9dlq3hsen1k8L4DWxVWjuNX+ow87+0okveaJ4X7iZylhMut78tf1ElGNBLNu4Mv2t7U0OHXz+J28SUwbs19L9FXQ6npHGEpyqJOWaMIKU38kup5RxLtjiMU9mOSnf5F6ebc/tNmLTxjy+Tm6nXZckWoe6vTr9/8Aw9F4d2hwv4AUwo7wDfznQUubvg8zPDarbzfUosXwxcVlJBZrgC3Qk7+5J63O8jW90bZZP6fHbLbGVjQUUal1dVAF+YAtf18pGUdvBLT6jxldUVfDOLClWL2YsFPdlTqh5t9CfrElY8s1BEzgWCNc36mwA5noPTTX/WaYpJWcPPklKW2JZ8Z4E1EeIS2O2S4MeR5cMqmY2nhKDV7YpmVP8PM9GPIeky5VR2dLlcl1LbtF2SwYRKmDqGk4F9SalJsu2fMSVY+Xuusx72nydhQ3RoxDYasj5X0G5YG62vyI5+UPdfKGo9vImvje6Q3tk5qVVrm2nzA6nrDaS6FhS7YpSwaU8Ond1g7F9Aadib2VeXtaRUJb7shTsuH4Uz4VuJDEBK5t4UNvlAUAKSdLDY3lU3udNcEoZZwdxdE3sf27Wvkw+KIWozBFNjlfpc8mJNrf8SnJglDlcr9jr4NXHK7lxLt6/Ly+R6U2HzbaADl+3oJFxsaybepHFPLoOelzzlbVdC7du5ZacUrZKIA6C4/Wam9sKMOnjuyNs8V7fVc179P4Znh1s26g8mqfOZ0IdDj5eo0yZUcMQzkAFABQGKACEBBFjA5bM3pIydFmONs2vZd7EDbpMMzp4OD3nsq3gX/t1ksY9WvdJnETlfN7H0Ivf7bSvJxKyOD3o7TK9q+2tLBqTfMQLKoOrPYiw8hzPnK4OeSW2H3L5Y4YMe/L9F3Z4PxXiNTFVnrVjd3Nz0AGgUDkALCdWEFCO1HFyZHkk5Mj0zJFZdcMrWIkrFtRsuE8QKWINiNpKLoqyY1NUwPGccatcVKrFgSO8H5gBzQ9bcj9RFLkMeNQspaFUVKx3CqHqEDxNkTxFUH5mt/qbAEhp0V5YblRoOy/abJUD2AA0RQdFXkAefrzJJ5zVFqSpnBzRljnuiajjHaYYgXPyrbN532UeZt+/KWQUYLgyajJk1M05GEXHYcVycUrtTKsLITe5ta9iCRa4+kzZZPsdfR4aSszWG4zUoMRSYmmSfA/iGW+gI2/a8zSimduDpEvFcYp1UUgd26kkjVgwO6jp135DaVqFPgm3fUpq9cubn2HSWJCGCMRIGLfLlzHL0vpFtXUKAhiDcEgg3BG4I2I84w+R7J2F7eCuipXa1RLCpyzi4s4/QjqZyc0JYZf/P5wdzA46mDr4/L+V+cG9w796wtsCLedzy+kF7zIzXhx57huOv4PYzRPoU6Ve8zw7thXuWueZlMS/M+DzTE6OfWbsfQ5WVcnDLCoaYgFABQGKACgB0QEEGgjAsOC0AxIPMaTNkZsxxo0vBaBRwRrrp6SiTNuCNs9p7Kucq9LbfzeGNl2qilEynxL7YHDsaaE53F1G2VQbKxPmQduhkYYnmk32K3nhpYJVcjx/F4lqrFnNyf5pOjCEYKonIzZp5ZbpvkAZIqEpgBPwdS0YF5h8ZYRiAY3GXgBUNiSGBBIIIIINiCDcEEbEdYrIuNlnQxCViGLpQqb1SQRTdedRQo8NT/ANG5WOhmpNdDNkwRl1JzccQDw3slxSQ7k6f1Kp2JJ1IHQLoBeSc2Z1pEnZn8TiSx1Mg2bMePaRGMiXo4IDHCAHYAK8AOEwA7TqlWDKbEbGRlFSVMnCcoSUoumj1T4a9sWqOKNQ+NfGL38SiwNj1AI08jOblwvC1JdDtYtTDVRcJqpUei9oqxynpb+Wk5y4FpYL6niHaW7uSBzsfPzkYhqI0zKcWweVQeZM0Y5cmDJG0Vd9JoMZyACgAoDOQA7ABywEEI0+kH0JQ+JE7h1TxjpM00bEemcA4eCoOh2vflMWSdOjsaXHGrZuuDU3ReQG2mpttYaC0gp0T1LjJo8h+JtTNxF+gp01X0tf9SZ0dHXhfVnC19rNz5Iys1GI4YAcgAWk9oAS0xEYA6ta8AIrNEAlMYqH5oWFHCYDo5EB0RgdgArwA5eAHCYANJiA0Pw6cjieHt1qZvTun/e0z6uvCd+n7mvRJvMq9f2Pa+Ls7JYC4GgI3t0M5viWjvadQUnZgOOcOsCbWtJwnfBHVYl8SPOuLVLvbkJrgjjsqGFiZpjyjJNVIbGQFAYoAcgB0QAesBBW2MfYF1DcN3HrM+Q1w6HrfZA+Een+k5mb4ju6f8Atm8w/wAhlPYhP40eL/E7/wBQb/46f/2nW0P9r6s5HtH+8vkv5MpNhgOGADYAOEAHiAHGgA2AHRADsYHIgOwAUYHYAciAUAOGADTADT/DIf8AmKf9j/tMeu/tfVG/2d/e+jPbcX/ZTldjr4/7hiu1B8P1luL4i3P8B5DxPc+v7zpYzhSIE0LoZJ/ENMCIoDFAD//Z"/>
-          <p:cNvSpPr>
-            <a:spLocks noChangeAspect="1" noChangeArrowheads="1"/>
-          </p:cNvSpPr>
-          <p:nvPr/>
-        </p:nvSpPr>
-        <p:spPr bwMode="auto">
-          <a:xfrm>
-            <a:off x="155575" y="-144463"/>
-            <a:ext cx="304800" cy="304801"/>
-          </a:xfrm>
-          <a:prstGeom prst="rect">
-            <a:avLst/>
-          </a:prstGeom>
-          <a:noFill/>
-        </p:spPr>
-        <p:txBody>
-          <a:bodyPr vert="horz" wrap="square" lIns="91440" tIns="45720" rIns="91440" bIns="45720" numCol="1" anchor="t" anchorCtr="0" compatLnSpc="1">
-            <a:prstTxWarp prst="textNoShape">
-              <a:avLst/>
-            </a:prstTxWarp>
-          </a:bodyPr>
-          <a:lstStyle/>
-          <a:p>
-            <a:endParaRPr lang="en-US"/>
+            <a:r>
+              <a:rPr lang="fr-FR" sz="4050" dirty="0"/>
+              <a:t>Comment ?</a:t>
+            </a:r>
+            <a:endParaRPr lang="en-US" sz="4050" dirty="0"/>
           </a:p>
         </p:txBody>
       </p:sp>
       <p:pic>
         <p:nvPicPr>
-          <p:cNvPr id="71682" name="Picture 2"/>
+          <p:cNvPr id="2050" name="Picture 2" descr="http://ecx.images-amazon.com/images/I/41Qzzm-8iCL._SY300_.jpg"/>
           <p:cNvPicPr>
             <a:picLocks noChangeAspect="1" noChangeArrowheads="1"/>
           </p:cNvPicPr>
           <p:nvPr/>
         </p:nvPicPr>
         <p:blipFill>
-          <a:blip r:embed="rId4"/>
+          <a:blip r:embed="rId3" cstate="print">
+            <a:extLst>
+              <a:ext uri="{28A0092B-C50C-407E-A947-70E740481C1C}">
+                <a14:useLocalDpi xmlns:a14="http://schemas.microsoft.com/office/drawing/2010/main" val="0"/>
+              </a:ext>
+            </a:extLst>
+          </a:blip>
           <a:srcRect/>
           <a:stretch>
             <a:fillRect/>
@@ -9078,28 +9100,1697 @@
         </p:blipFill>
         <p:spPr bwMode="auto">
           <a:xfrm>
-            <a:off x="1428728" y="1571612"/>
-            <a:ext cx="7500957" cy="2747976"/>
+            <a:off x="3458598" y="2245179"/>
+            <a:ext cx="1159075" cy="1159075"/>
           </a:xfrm>
           <a:prstGeom prst="rect">
             <a:avLst/>
           </a:prstGeom>
           <a:noFill/>
-          <a:ln w="9525">
-            <a:noFill/>
-            <a:miter lim="800000"/>
-            <a:headEnd/>
-            <a:tailEnd/>
-          </a:ln>
-          <a:effectLst/>
+          <a:extLst>
+            <a:ext uri="{909E8E84-426E-40DD-AFC4-6F175D3DCCD1}">
+              <a14:hiddenFill xmlns:a14="http://schemas.microsoft.com/office/drawing/2010/main">
+                <a:solidFill>
+                  <a:srgbClr val="FFFFFF"/>
+                </a:solidFill>
+              </a14:hiddenFill>
+            </a:ext>
+          </a:extLst>
+        </p:spPr>
+      </p:pic>
+      <p:pic>
+        <p:nvPicPr>
+          <p:cNvPr id="2052" name="Picture 4" descr="http://arduino.cc/en/uploads/Main/ArduinoMega2560_R3_Front_450px.jpg"/>
+          <p:cNvPicPr>
+            <a:picLocks noChangeAspect="1" noChangeArrowheads="1"/>
+          </p:cNvPicPr>
+          <p:nvPr/>
+        </p:nvPicPr>
+        <p:blipFill>
+          <a:blip r:embed="rId4">
+            <a:extLst>
+              <a:ext uri="{28A0092B-C50C-407E-A947-70E740481C1C}">
+                <a14:useLocalDpi xmlns:a14="http://schemas.microsoft.com/office/drawing/2010/main" val="0"/>
+              </a:ext>
+            </a:extLst>
+          </a:blip>
+          <a:srcRect/>
+          <a:stretch>
+            <a:fillRect/>
+          </a:stretch>
+        </p:blipFill>
+        <p:spPr bwMode="auto">
+          <a:xfrm>
+            <a:off x="264999" y="2017834"/>
+            <a:ext cx="2456430" cy="1615786"/>
+          </a:xfrm>
+          <a:prstGeom prst="rect">
+            <a:avLst/>
+          </a:prstGeom>
+          <a:noFill/>
+          <a:extLst>
+            <a:ext uri="{909E8E84-426E-40DD-AFC4-6F175D3DCCD1}">
+              <a14:hiddenFill xmlns:a14="http://schemas.microsoft.com/office/drawing/2010/main">
+                <a:solidFill>
+                  <a:srgbClr val="FFFFFF"/>
+                </a:solidFill>
+              </a14:hiddenFill>
+            </a:ext>
+          </a:extLst>
+        </p:spPr>
+      </p:pic>
+      <p:sp>
+        <p:nvSpPr>
+          <p:cNvPr id="5" name="TextBox 4"/>
+          <p:cNvSpPr txBox="1"/>
+          <p:nvPr/>
+        </p:nvSpPr>
+        <p:spPr>
+          <a:xfrm>
+            <a:off x="3069772" y="2435677"/>
+            <a:ext cx="534121" cy="784830"/>
+          </a:xfrm>
+          <a:prstGeom prst="rect">
+            <a:avLst/>
+          </a:prstGeom>
+          <a:noFill/>
+        </p:spPr>
+        <p:txBody>
+          <a:bodyPr wrap="none" rtlCol="0">
+            <a:spAutoFit/>
+          </a:bodyPr>
+          <a:lstStyle/>
+          <a:p>
+            <a:r>
+              <a:rPr lang="fr-FR" sz="4500" dirty="0"/>
+              <a:t>+</a:t>
+            </a:r>
+            <a:endParaRPr lang="en-US" sz="4500" dirty="0"/>
+          </a:p>
+        </p:txBody>
+      </p:sp>
+      <p:sp>
+        <p:nvSpPr>
+          <p:cNvPr id="9" name="TextBox 8"/>
+          <p:cNvSpPr txBox="1"/>
+          <p:nvPr/>
+        </p:nvSpPr>
+        <p:spPr>
+          <a:xfrm>
+            <a:off x="4232779" y="2475434"/>
+            <a:ext cx="1653331" cy="784830"/>
+          </a:xfrm>
+          <a:prstGeom prst="rect">
+            <a:avLst/>
+          </a:prstGeom>
+          <a:noFill/>
+        </p:spPr>
+        <p:txBody>
+          <a:bodyPr wrap="square" rtlCol="0">
+            <a:spAutoFit/>
+          </a:bodyPr>
+          <a:lstStyle/>
+          <a:p>
+            <a:r>
+              <a:rPr lang="fr-FR" sz="1500" dirty="0"/>
+              <a:t>Ou  DIY        </a:t>
+            </a:r>
+            <a:r>
+              <a:rPr lang="fr-FR" sz="4500" dirty="0"/>
+              <a:t>+</a:t>
+            </a:r>
+            <a:endParaRPr lang="en-US" sz="4500" dirty="0"/>
+          </a:p>
+        </p:txBody>
+      </p:sp>
+      <p:pic>
+        <p:nvPicPr>
+          <p:cNvPr id="2054" name="Picture 6" descr="http://arduino.cc/en/uploads/Main/ArduinoEthernetShield_R3_Front_450px.jpg"/>
+          <p:cNvPicPr>
+            <a:picLocks noChangeAspect="1" noChangeArrowheads="1"/>
+          </p:cNvPicPr>
+          <p:nvPr/>
+        </p:nvPicPr>
+        <p:blipFill>
+          <a:blip r:embed="rId5">
+            <a:extLst>
+              <a:ext uri="{28A0092B-C50C-407E-A947-70E740481C1C}">
+                <a14:useLocalDpi xmlns:a14="http://schemas.microsoft.com/office/drawing/2010/main" val="0"/>
+              </a:ext>
+            </a:extLst>
+          </a:blip>
+          <a:srcRect/>
+          <a:stretch>
+            <a:fillRect/>
+          </a:stretch>
+        </p:blipFill>
+        <p:spPr bwMode="auto">
+          <a:xfrm>
+            <a:off x="5886110" y="2033625"/>
+            <a:ext cx="2201976" cy="1565850"/>
+          </a:xfrm>
+          <a:prstGeom prst="rect">
+            <a:avLst/>
+          </a:prstGeom>
+          <a:noFill/>
+          <a:extLst>
+            <a:ext uri="{909E8E84-426E-40DD-AFC4-6F175D3DCCD1}">
+              <a14:hiddenFill xmlns:a14="http://schemas.microsoft.com/office/drawing/2010/main">
+                <a:solidFill>
+                  <a:srgbClr val="FFFFFF"/>
+                </a:solidFill>
+              </a14:hiddenFill>
+            </a:ext>
+          </a:extLst>
+        </p:spPr>
+      </p:pic>
+      <p:sp>
+        <p:nvSpPr>
+          <p:cNvPr id="11" name="TextBox 10"/>
+          <p:cNvSpPr txBox="1"/>
+          <p:nvPr/>
+        </p:nvSpPr>
+        <p:spPr>
+          <a:xfrm>
+            <a:off x="2703398" y="4161062"/>
+            <a:ext cx="1781516" cy="584775"/>
+          </a:xfrm>
+          <a:prstGeom prst="rect">
+            <a:avLst/>
+          </a:prstGeom>
+          <a:noFill/>
+        </p:spPr>
+        <p:txBody>
+          <a:bodyPr wrap="square" rtlCol="0">
+            <a:spAutoFit/>
+          </a:bodyPr>
+          <a:lstStyle/>
+          <a:p>
+            <a:r>
+              <a:rPr lang="fr-FR" sz="3200" dirty="0"/>
+              <a:t>+ Code</a:t>
+            </a:r>
+            <a:endParaRPr lang="en-US" sz="3200" dirty="0"/>
+          </a:p>
+        </p:txBody>
+      </p:sp>
+      <p:sp>
+        <p:nvSpPr>
+          <p:cNvPr id="6" name="TextBox 5"/>
+          <p:cNvSpPr txBox="1"/>
+          <p:nvPr/>
+        </p:nvSpPr>
+        <p:spPr>
+          <a:xfrm>
+            <a:off x="3487548" y="1924783"/>
+            <a:ext cx="1160300" cy="369332"/>
+          </a:xfrm>
+          <a:prstGeom prst="rect">
+            <a:avLst/>
+          </a:prstGeom>
+          <a:noFill/>
+        </p:spPr>
+        <p:txBody>
+          <a:bodyPr wrap="square" rtlCol="0">
+            <a:spAutoFit/>
+          </a:bodyPr>
+          <a:lstStyle/>
+          <a:p>
+            <a:r>
+              <a:rPr lang="fr-FR" dirty="0"/>
+              <a:t>C</a:t>
+            </a:r>
+            <a:r>
+              <a:rPr lang="fr-FR" dirty="0" smtClean="0"/>
+              <a:t>apteur</a:t>
+            </a:r>
+            <a:endParaRPr lang="en-US" dirty="0"/>
+          </a:p>
+        </p:txBody>
+      </p:sp>
+      <p:sp>
+        <p:nvSpPr>
+          <p:cNvPr id="13" name="TextBox 12"/>
+          <p:cNvSpPr txBox="1"/>
+          <p:nvPr/>
+        </p:nvSpPr>
+        <p:spPr>
+          <a:xfrm>
+            <a:off x="4354285" y="4161061"/>
+            <a:ext cx="5762331" cy="707886"/>
+          </a:xfrm>
+          <a:prstGeom prst="rect">
+            <a:avLst/>
+          </a:prstGeom>
+          <a:noFill/>
+        </p:spPr>
+        <p:txBody>
+          <a:bodyPr wrap="square" rtlCol="0">
+            <a:spAutoFit/>
+          </a:bodyPr>
+          <a:lstStyle/>
+          <a:p>
+            <a:r>
+              <a:rPr lang="fr-FR" sz="4000" dirty="0"/>
+              <a:t>=  </a:t>
+            </a:r>
+            <a:r>
+              <a:rPr lang="fr-FR" sz="4000" u="sng" dirty="0"/>
+              <a:t>Objet Connecté</a:t>
+            </a:r>
+            <a:endParaRPr lang="en-US" sz="4000" u="sng" dirty="0"/>
+          </a:p>
+        </p:txBody>
+      </p:sp>
+      <p:pic>
+        <p:nvPicPr>
+          <p:cNvPr id="2058" name="Picture 10" descr="http://www.omerin-polycable.com/media/cata_1_zoom.jpg"/>
+          <p:cNvPicPr>
+            <a:picLocks noChangeAspect="1" noChangeArrowheads="1"/>
+          </p:cNvPicPr>
+          <p:nvPr/>
+        </p:nvPicPr>
+        <p:blipFill>
+          <a:blip r:embed="rId6" cstate="print">
+            <a:extLst>
+              <a:ext uri="{28A0092B-C50C-407E-A947-70E740481C1C}">
+                <a14:useLocalDpi xmlns:a14="http://schemas.microsoft.com/office/drawing/2010/main" val="0"/>
+              </a:ext>
+            </a:extLst>
+          </a:blip>
+          <a:srcRect/>
+          <a:stretch>
+            <a:fillRect/>
+          </a:stretch>
+        </p:blipFill>
+        <p:spPr bwMode="auto">
+          <a:xfrm>
+            <a:off x="1531546" y="3876993"/>
+            <a:ext cx="1189883" cy="1026869"/>
+          </a:xfrm>
+          <a:prstGeom prst="rect">
+            <a:avLst/>
+          </a:prstGeom>
+          <a:noFill/>
+          <a:extLst>
+            <a:ext uri="{909E8E84-426E-40DD-AFC4-6F175D3DCCD1}">
+              <a14:hiddenFill xmlns:a14="http://schemas.microsoft.com/office/drawing/2010/main">
+                <a:solidFill>
+                  <a:srgbClr val="FFFFFF"/>
+                </a:solidFill>
+              </a14:hiddenFill>
+            </a:ext>
+          </a:extLst>
+        </p:spPr>
+      </p:pic>
+      <p:pic>
+        <p:nvPicPr>
+          <p:cNvPr id="2056" name="Picture 8" descr="plaque-d-essai.jpg (264×264)"/>
+          <p:cNvPicPr>
+            <a:picLocks noChangeAspect="1" noChangeArrowheads="1"/>
+          </p:cNvPicPr>
+          <p:nvPr/>
+        </p:nvPicPr>
+        <p:blipFill>
+          <a:blip r:embed="rId7">
+            <a:extLst>
+              <a:ext uri="{28A0092B-C50C-407E-A947-70E740481C1C}">
+                <a14:useLocalDpi xmlns:a14="http://schemas.microsoft.com/office/drawing/2010/main" val="0"/>
+              </a:ext>
+            </a:extLst>
+          </a:blip>
+          <a:srcRect/>
+          <a:stretch>
+            <a:fillRect/>
+          </a:stretch>
+        </p:blipFill>
+        <p:spPr bwMode="auto">
+          <a:xfrm>
+            <a:off x="108578" y="3806305"/>
+            <a:ext cx="1458964" cy="1458964"/>
+          </a:xfrm>
+          <a:prstGeom prst="rect">
+            <a:avLst/>
+          </a:prstGeom>
+          <a:noFill/>
+          <a:extLst>
+            <a:ext uri="{909E8E84-426E-40DD-AFC4-6F175D3DCCD1}">
+              <a14:hiddenFill xmlns:a14="http://schemas.microsoft.com/office/drawing/2010/main">
+                <a:solidFill>
+                  <a:srgbClr val="FFFFFF"/>
+                </a:solidFill>
+              </a14:hiddenFill>
+            </a:ext>
+          </a:extLst>
         </p:spPr>
       </p:pic>
     </p:spTree>
+    <p:extLst>
+      <p:ext uri="{BB962C8B-B14F-4D97-AF65-F5344CB8AC3E}">
+        <p14:creationId xmlns:p14="http://schemas.microsoft.com/office/powerpoint/2010/main" val="3131075852"/>
+      </p:ext>
+    </p:extLst>
   </p:cSld>
   <p:clrMapOvr>
     <a:masterClrMapping/>
   </p:clrMapOvr>
-  <p:transition/>
+  <p:timing>
+    <p:tnLst>
+      <p:par>
+        <p:cTn id="1" dur="indefinite" restart="never" nodeType="tmRoot"/>
+      </p:par>
+    </p:tnLst>
+  </p:timing>
+</p:sld>
+</file>
+
+<file path=ppt/slides/slide15.xml><?xml version="1.0" encoding="utf-8"?>
+<p:sld xmlns:a="http://schemas.openxmlformats.org/drawingml/2006/main" xmlns:r="http://schemas.openxmlformats.org/officeDocument/2006/relationships" xmlns:p="http://schemas.openxmlformats.org/presentationml/2006/main">
+  <p:cSld>
+    <p:spTree>
+      <p:nvGrpSpPr>
+        <p:cNvPr id="1" name=""/>
+        <p:cNvGrpSpPr/>
+        <p:nvPr/>
+      </p:nvGrpSpPr>
+      <p:grpSpPr>
+        <a:xfrm>
+          <a:off x="0" y="0"/>
+          <a:ext cx="0" cy="0"/>
+          <a:chOff x="0" y="0"/>
+          <a:chExt cx="0" cy="0"/>
+        </a:xfrm>
+      </p:grpSpPr>
+      <p:sp>
+        <p:nvSpPr>
+          <p:cNvPr id="2" name="Title 1"/>
+          <p:cNvSpPr>
+            <a:spLocks noGrp="1"/>
+          </p:cNvSpPr>
+          <p:nvPr>
+            <p:ph type="title"/>
+          </p:nvPr>
+        </p:nvSpPr>
+        <p:spPr/>
+        <p:txBody>
+          <a:bodyPr/>
+          <a:lstStyle/>
+          <a:p>
+            <a:endParaRPr lang="en-US"/>
+          </a:p>
+        </p:txBody>
+      </p:sp>
+      <p:sp>
+        <p:nvSpPr>
+          <p:cNvPr id="4" name="Date Placeholder 3"/>
+          <p:cNvSpPr>
+            <a:spLocks noGrp="1"/>
+          </p:cNvSpPr>
+          <p:nvPr>
+            <p:ph type="dt" sz="half" idx="10"/>
+          </p:nvPr>
+        </p:nvSpPr>
+        <p:spPr/>
+        <p:txBody>
+          <a:bodyPr/>
+          <a:lstStyle/>
+          <a:p>
+            <a:pPr>
+              <a:defRPr/>
+            </a:pPr>
+            <a:fld id="{65ACCEE1-83F7-4A1F-9F42-0F6BBACAD815}" type="datetime1">
+              <a:rPr lang="fr-FR" smtClean="0"/>
+              <a:pPr>
+                <a:defRPr/>
+              </a:pPr>
+              <a:t>16/11/2014</a:t>
+            </a:fld>
+            <a:endParaRPr lang="fr-BE"/>
+          </a:p>
+        </p:txBody>
+      </p:sp>
+      <p:sp>
+        <p:nvSpPr>
+          <p:cNvPr id="5" name="Slide Number Placeholder 4"/>
+          <p:cNvSpPr>
+            <a:spLocks noGrp="1"/>
+          </p:cNvSpPr>
+          <p:nvPr>
+            <p:ph type="sldNum" sz="quarter" idx="12"/>
+          </p:nvPr>
+        </p:nvSpPr>
+        <p:spPr/>
+        <p:txBody>
+          <a:bodyPr>
+            <a:normAutofit fontScale="85000" lnSpcReduction="20000"/>
+          </a:bodyPr>
+          <a:lstStyle/>
+          <a:p>
+            <a:pPr>
+              <a:defRPr/>
+            </a:pPr>
+            <a:fld id="{7DB234AD-1E11-4B53-B6E5-88515ECC9B9D}" type="slidenum">
+              <a:rPr lang="fr-BE" smtClean="0"/>
+              <a:pPr>
+                <a:defRPr/>
+              </a:pPr>
+              <a:t>15</a:t>
+            </a:fld>
+            <a:endParaRPr lang="fr-BE"/>
+          </a:p>
+        </p:txBody>
+      </p:sp>
+      <p:pic>
+        <p:nvPicPr>
+          <p:cNvPr id="7" name="Picture 6"/>
+          <p:cNvPicPr>
+            <a:picLocks noChangeAspect="1"/>
+          </p:cNvPicPr>
+          <p:nvPr/>
+        </p:nvPicPr>
+        <p:blipFill>
+          <a:blip r:embed="rId2">
+            <a:extLst>
+              <a:ext uri="{28A0092B-C50C-407E-A947-70E740481C1C}">
+                <a14:useLocalDpi xmlns:a14="http://schemas.microsoft.com/office/drawing/2010/main" val="0"/>
+              </a:ext>
+            </a:extLst>
+          </a:blip>
+          <a:stretch>
+            <a:fillRect/>
+          </a:stretch>
+        </p:blipFill>
+        <p:spPr>
+          <a:xfrm>
+            <a:off x="755576" y="1856691"/>
+            <a:ext cx="5019675" cy="3714750"/>
+          </a:xfrm>
+          <a:prstGeom prst="rect">
+            <a:avLst/>
+          </a:prstGeom>
+        </p:spPr>
+      </p:pic>
+      <p:pic>
+        <p:nvPicPr>
+          <p:cNvPr id="1026" name="Picture 2" descr="http://i00.i.aliimg.com/wsphoto/v0/1355075994/-font-b-Water-b-font-font-b-Level-b-font-font-b-Sensor-b-font.jpg"/>
+          <p:cNvPicPr>
+            <a:picLocks noChangeAspect="1" noChangeArrowheads="1"/>
+          </p:cNvPicPr>
+          <p:nvPr/>
+        </p:nvPicPr>
+        <p:blipFill>
+          <a:blip r:embed="rId3" cstate="print">
+            <a:extLst>
+              <a:ext uri="{28A0092B-C50C-407E-A947-70E740481C1C}">
+                <a14:useLocalDpi xmlns:a14="http://schemas.microsoft.com/office/drawing/2010/main" val="0"/>
+              </a:ext>
+            </a:extLst>
+          </a:blip>
+          <a:srcRect/>
+          <a:stretch>
+            <a:fillRect/>
+          </a:stretch>
+        </p:blipFill>
+        <p:spPr bwMode="auto">
+          <a:xfrm>
+            <a:off x="6077645" y="3561310"/>
+            <a:ext cx="2625824" cy="2625824"/>
+          </a:xfrm>
+          <a:prstGeom prst="rect">
+            <a:avLst/>
+          </a:prstGeom>
+          <a:noFill/>
+          <a:extLst>
+            <a:ext uri="{909E8E84-426E-40DD-AFC4-6F175D3DCCD1}">
+              <a14:hiddenFill xmlns:a14="http://schemas.microsoft.com/office/drawing/2010/main">
+                <a:solidFill>
+                  <a:srgbClr val="FFFFFF"/>
+                </a:solidFill>
+              </a14:hiddenFill>
+            </a:ext>
+          </a:extLst>
+        </p:spPr>
+      </p:pic>
+    </p:spTree>
+    <p:extLst>
+      <p:ext uri="{BB962C8B-B14F-4D97-AF65-F5344CB8AC3E}">
+        <p14:creationId xmlns:p14="http://schemas.microsoft.com/office/powerpoint/2010/main" val="1279459192"/>
+      </p:ext>
+    </p:extLst>
+  </p:cSld>
+  <p:clrMapOvr>
+    <a:masterClrMapping/>
+  </p:clrMapOvr>
+  <p:timing>
+    <p:tnLst>
+      <p:par>
+        <p:cTn id="1" dur="indefinite" restart="never" nodeType="tmRoot"/>
+      </p:par>
+    </p:tnLst>
+  </p:timing>
+</p:sld>
+</file>
+
+<file path=ppt/slides/slide16.xml><?xml version="1.0" encoding="utf-8"?>
+<p:sld xmlns:a="http://schemas.openxmlformats.org/drawingml/2006/main" xmlns:r="http://schemas.openxmlformats.org/officeDocument/2006/relationships" xmlns:p="http://schemas.openxmlformats.org/presentationml/2006/main">
+  <p:cSld>
+    <p:spTree>
+      <p:nvGrpSpPr>
+        <p:cNvPr id="1" name=""/>
+        <p:cNvGrpSpPr/>
+        <p:nvPr/>
+      </p:nvGrpSpPr>
+      <p:grpSpPr>
+        <a:xfrm>
+          <a:off x="0" y="0"/>
+          <a:ext cx="0" cy="0"/>
+          <a:chOff x="0" y="0"/>
+          <a:chExt cx="0" cy="0"/>
+        </a:xfrm>
+      </p:grpSpPr>
+      <p:sp>
+        <p:nvSpPr>
+          <p:cNvPr id="4" name="Date Placeholder 3"/>
+          <p:cNvSpPr>
+            <a:spLocks noGrp="1"/>
+          </p:cNvSpPr>
+          <p:nvPr>
+            <p:ph type="dt" sz="half" idx="10"/>
+          </p:nvPr>
+        </p:nvSpPr>
+        <p:spPr/>
+        <p:txBody>
+          <a:bodyPr/>
+          <a:lstStyle/>
+          <a:p>
+            <a:pPr>
+              <a:defRPr/>
+            </a:pPr>
+            <a:fld id="{65ACCEE1-83F7-4A1F-9F42-0F6BBACAD815}" type="datetime1">
+              <a:rPr lang="fr-FR" smtClean="0"/>
+              <a:pPr>
+                <a:defRPr/>
+              </a:pPr>
+              <a:t>16/11/2014</a:t>
+            </a:fld>
+            <a:endParaRPr lang="fr-BE"/>
+          </a:p>
+        </p:txBody>
+      </p:sp>
+      <p:sp>
+        <p:nvSpPr>
+          <p:cNvPr id="5" name="Slide Number Placeholder 4"/>
+          <p:cNvSpPr>
+            <a:spLocks noGrp="1"/>
+          </p:cNvSpPr>
+          <p:nvPr>
+            <p:ph type="sldNum" sz="quarter" idx="12"/>
+          </p:nvPr>
+        </p:nvSpPr>
+        <p:spPr/>
+        <p:txBody>
+          <a:bodyPr>
+            <a:normAutofit fontScale="85000" lnSpcReduction="20000"/>
+          </a:bodyPr>
+          <a:lstStyle/>
+          <a:p>
+            <a:pPr>
+              <a:defRPr/>
+            </a:pPr>
+            <a:fld id="{7DB234AD-1E11-4B53-B6E5-88515ECC9B9D}" type="slidenum">
+              <a:rPr lang="fr-BE" smtClean="0"/>
+              <a:pPr>
+                <a:defRPr/>
+              </a:pPr>
+              <a:t>16</a:t>
+            </a:fld>
+            <a:endParaRPr lang="fr-BE"/>
+          </a:p>
+        </p:txBody>
+      </p:sp>
+      <p:pic>
+        <p:nvPicPr>
+          <p:cNvPr id="2050" name="Picture 2" descr="Arduino-Mega-ADK-Pinout.jpg (2804×1367)"/>
+          <p:cNvPicPr>
+            <a:picLocks noChangeAspect="1" noChangeArrowheads="1"/>
+          </p:cNvPicPr>
+          <p:nvPr/>
+        </p:nvPicPr>
+        <p:blipFill>
+          <a:blip r:embed="rId2" cstate="print">
+            <a:extLst>
+              <a:ext uri="{28A0092B-C50C-407E-A947-70E740481C1C}">
+                <a14:useLocalDpi xmlns:a14="http://schemas.microsoft.com/office/drawing/2010/main" val="0"/>
+              </a:ext>
+            </a:extLst>
+          </a:blip>
+          <a:srcRect/>
+          <a:stretch>
+            <a:fillRect/>
+          </a:stretch>
+        </p:blipFill>
+        <p:spPr bwMode="auto">
+          <a:xfrm>
+            <a:off x="1259632" y="2276872"/>
+            <a:ext cx="6467530" cy="3153036"/>
+          </a:xfrm>
+          <a:prstGeom prst="rect">
+            <a:avLst/>
+          </a:prstGeom>
+          <a:noFill/>
+          <a:extLst>
+            <a:ext uri="{909E8E84-426E-40DD-AFC4-6F175D3DCCD1}">
+              <a14:hiddenFill xmlns:a14="http://schemas.microsoft.com/office/drawing/2010/main">
+                <a:solidFill>
+                  <a:srgbClr val="FFFFFF"/>
+                </a:solidFill>
+              </a14:hiddenFill>
+            </a:ext>
+          </a:extLst>
+        </p:spPr>
+      </p:pic>
+    </p:spTree>
+    <p:extLst>
+      <p:ext uri="{BB962C8B-B14F-4D97-AF65-F5344CB8AC3E}">
+        <p14:creationId xmlns:p14="http://schemas.microsoft.com/office/powerpoint/2010/main" val="749166099"/>
+      </p:ext>
+    </p:extLst>
+  </p:cSld>
+  <p:clrMapOvr>
+    <a:masterClrMapping/>
+  </p:clrMapOvr>
+  <p:timing>
+    <p:tnLst>
+      <p:par>
+        <p:cTn id="1" dur="indefinite" restart="never" nodeType="tmRoot"/>
+      </p:par>
+    </p:tnLst>
+  </p:timing>
+</p:sld>
+</file>
+
+<file path=ppt/slides/slide17.xml><?xml version="1.0" encoding="utf-8"?>
+<p:sld xmlns:a="http://schemas.openxmlformats.org/drawingml/2006/main" xmlns:r="http://schemas.openxmlformats.org/officeDocument/2006/relationships" xmlns:p="http://schemas.openxmlformats.org/presentationml/2006/main">
+  <p:cSld>
+    <p:spTree>
+      <p:nvGrpSpPr>
+        <p:cNvPr id="1" name=""/>
+        <p:cNvGrpSpPr/>
+        <p:nvPr/>
+      </p:nvGrpSpPr>
+      <p:grpSpPr>
+        <a:xfrm>
+          <a:off x="0" y="0"/>
+          <a:ext cx="0" cy="0"/>
+          <a:chOff x="0" y="0"/>
+          <a:chExt cx="0" cy="0"/>
+        </a:xfrm>
+      </p:grpSpPr>
+      <p:pic>
+        <p:nvPicPr>
+          <p:cNvPr id="6" name="Content Placeholder 5"/>
+          <p:cNvPicPr>
+            <a:picLocks noGrp="1" noChangeAspect="1"/>
+          </p:cNvPicPr>
+          <p:nvPr>
+            <p:ph sz="quarter" idx="1"/>
+          </p:nvPr>
+        </p:nvPicPr>
+        <p:blipFill>
+          <a:blip r:embed="rId2" cstate="print">
+            <a:extLst>
+              <a:ext uri="{28A0092B-C50C-407E-A947-70E740481C1C}">
+                <a14:useLocalDpi xmlns:a14="http://schemas.microsoft.com/office/drawing/2010/main" val="0"/>
+              </a:ext>
+            </a:extLst>
+          </a:blip>
+          <a:stretch>
+            <a:fillRect/>
+          </a:stretch>
+        </p:blipFill>
+        <p:spPr>
+          <a:xfrm>
+            <a:off x="2051720" y="1844824"/>
+            <a:ext cx="5219987" cy="4130343"/>
+          </a:xfrm>
+        </p:spPr>
+      </p:pic>
+      <p:sp>
+        <p:nvSpPr>
+          <p:cNvPr id="4" name="Date Placeholder 3"/>
+          <p:cNvSpPr>
+            <a:spLocks noGrp="1"/>
+          </p:cNvSpPr>
+          <p:nvPr>
+            <p:ph type="dt" sz="half" idx="10"/>
+          </p:nvPr>
+        </p:nvSpPr>
+        <p:spPr/>
+        <p:txBody>
+          <a:bodyPr/>
+          <a:lstStyle/>
+          <a:p>
+            <a:pPr>
+              <a:defRPr/>
+            </a:pPr>
+            <a:fld id="{65ACCEE1-83F7-4A1F-9F42-0F6BBACAD815}" type="datetime1">
+              <a:rPr lang="fr-FR" smtClean="0"/>
+              <a:pPr>
+                <a:defRPr/>
+              </a:pPr>
+              <a:t>16/11/2014</a:t>
+            </a:fld>
+            <a:endParaRPr lang="fr-BE"/>
+          </a:p>
+        </p:txBody>
+      </p:sp>
+      <p:sp>
+        <p:nvSpPr>
+          <p:cNvPr id="5" name="Slide Number Placeholder 4"/>
+          <p:cNvSpPr>
+            <a:spLocks noGrp="1"/>
+          </p:cNvSpPr>
+          <p:nvPr>
+            <p:ph type="sldNum" sz="quarter" idx="12"/>
+          </p:nvPr>
+        </p:nvSpPr>
+        <p:spPr/>
+        <p:txBody>
+          <a:bodyPr>
+            <a:normAutofit fontScale="85000" lnSpcReduction="20000"/>
+          </a:bodyPr>
+          <a:lstStyle/>
+          <a:p>
+            <a:pPr>
+              <a:defRPr/>
+            </a:pPr>
+            <a:fld id="{7DB234AD-1E11-4B53-B6E5-88515ECC9B9D}" type="slidenum">
+              <a:rPr lang="fr-BE" smtClean="0"/>
+              <a:pPr>
+                <a:defRPr/>
+              </a:pPr>
+              <a:t>17</a:t>
+            </a:fld>
+            <a:endParaRPr lang="fr-BE"/>
+          </a:p>
+        </p:txBody>
+      </p:sp>
+    </p:spTree>
+    <p:extLst>
+      <p:ext uri="{BB962C8B-B14F-4D97-AF65-F5344CB8AC3E}">
+        <p14:creationId xmlns:p14="http://schemas.microsoft.com/office/powerpoint/2010/main" val="2477760888"/>
+      </p:ext>
+    </p:extLst>
+  </p:cSld>
+  <p:clrMapOvr>
+    <a:masterClrMapping/>
+  </p:clrMapOvr>
+  <p:timing>
+    <p:tnLst>
+      <p:par>
+        <p:cTn id="1" dur="indefinite" restart="never" nodeType="tmRoot"/>
+      </p:par>
+    </p:tnLst>
+  </p:timing>
+</p:sld>
+</file>
+
+<file path=ppt/slides/slide18.xml><?xml version="1.0" encoding="utf-8"?>
+<p:sld xmlns:a="http://schemas.openxmlformats.org/drawingml/2006/main" xmlns:r="http://schemas.openxmlformats.org/officeDocument/2006/relationships" xmlns:p="http://schemas.openxmlformats.org/presentationml/2006/main">
+  <p:cSld>
+    <p:spTree>
+      <p:nvGrpSpPr>
+        <p:cNvPr id="1" name=""/>
+        <p:cNvGrpSpPr/>
+        <p:nvPr/>
+      </p:nvGrpSpPr>
+      <p:grpSpPr>
+        <a:xfrm>
+          <a:off x="0" y="0"/>
+          <a:ext cx="0" cy="0"/>
+          <a:chOff x="0" y="0"/>
+          <a:chExt cx="0" cy="0"/>
+        </a:xfrm>
+      </p:grpSpPr>
+      <p:sp>
+        <p:nvSpPr>
+          <p:cNvPr id="2" name="Title 1"/>
+          <p:cNvSpPr>
+            <a:spLocks noGrp="1"/>
+          </p:cNvSpPr>
+          <p:nvPr>
+            <p:ph type="title"/>
+          </p:nvPr>
+        </p:nvSpPr>
+        <p:spPr>
+          <a:xfrm>
+            <a:off x="-290364" y="860405"/>
+            <a:ext cx="7886700" cy="994172"/>
+          </a:xfrm>
+        </p:spPr>
+        <p:txBody>
+          <a:bodyPr>
+            <a:normAutofit/>
+          </a:bodyPr>
+          <a:lstStyle/>
+          <a:p>
+            <a:pPr algn="ctr"/>
+            <a:r>
+              <a:rPr lang="fr-FR" sz="2700" b="1" dirty="0"/>
+              <a:t>Ce qu'il faut </a:t>
+            </a:r>
+            <a:r>
+              <a:rPr lang="fr-FR" sz="2700" b="1" dirty="0"/>
+              <a:t>savoir </a:t>
+            </a:r>
+            <a:r>
+              <a:rPr lang="fr-FR" sz="2700" b="1" dirty="0" smtClean="0"/>
+              <a:t>avant d’utiliser           </a:t>
+            </a:r>
+            <a:r>
+              <a:rPr lang="fr-FR" sz="2700" b="1" dirty="0"/>
+              <a:t>?</a:t>
+            </a:r>
+            <a:endParaRPr lang="en-US" sz="2700" dirty="0"/>
+          </a:p>
+        </p:txBody>
+      </p:sp>
+      <p:pic>
+        <p:nvPicPr>
+          <p:cNvPr id="4" name="Picture 3" descr="http://upload.wikimedia.org/wikipedia/commons/thumb/8/87/Arduino_Logo.svg/720px-Arduino_Logo.svg.png"/>
+          <p:cNvPicPr>
+            <a:picLocks noChangeAspect="1" noChangeArrowheads="1"/>
+          </p:cNvPicPr>
+          <p:nvPr/>
+        </p:nvPicPr>
+        <p:blipFill>
+          <a:blip r:embed="rId3" cstate="print">
+            <a:extLst>
+              <a:ext uri="{28A0092B-C50C-407E-A947-70E740481C1C}">
+                <a14:useLocalDpi xmlns:a14="http://schemas.microsoft.com/office/drawing/2010/main" val="0"/>
+              </a:ext>
+            </a:extLst>
+          </a:blip>
+          <a:srcRect/>
+          <a:stretch>
+            <a:fillRect/>
+          </a:stretch>
+        </p:blipFill>
+        <p:spPr bwMode="auto">
+          <a:xfrm>
+            <a:off x="5724128" y="1131094"/>
+            <a:ext cx="604923" cy="411684"/>
+          </a:xfrm>
+          <a:prstGeom prst="rect">
+            <a:avLst/>
+          </a:prstGeom>
+          <a:noFill/>
+          <a:extLst>
+            <a:ext uri="{909E8E84-426E-40DD-AFC4-6F175D3DCCD1}">
+              <a14:hiddenFill xmlns:a14="http://schemas.microsoft.com/office/drawing/2010/main">
+                <a:solidFill>
+                  <a:srgbClr val="FFFFFF"/>
+                </a:solidFill>
+              </a14:hiddenFill>
+            </a:ext>
+          </a:extLst>
+        </p:spPr>
+      </p:pic>
+      <p:sp>
+        <p:nvSpPr>
+          <p:cNvPr id="5" name="TextBox 4"/>
+          <p:cNvSpPr txBox="1"/>
+          <p:nvPr/>
+        </p:nvSpPr>
+        <p:spPr>
+          <a:xfrm>
+            <a:off x="468885" y="2102852"/>
+            <a:ext cx="6011809" cy="4755148"/>
+          </a:xfrm>
+          <a:prstGeom prst="rect">
+            <a:avLst/>
+          </a:prstGeom>
+          <a:noFill/>
+        </p:spPr>
+        <p:txBody>
+          <a:bodyPr wrap="square" rtlCol="0">
+            <a:spAutoFit/>
+          </a:bodyPr>
+          <a:lstStyle/>
+          <a:p>
+            <a:pPr marL="214313" indent="-214313">
+              <a:buFont typeface="Arial" panose="020B0604020202020204" pitchFamily="34" charset="0"/>
+              <a:buChar char="•"/>
+            </a:pPr>
+            <a:r>
+              <a:rPr lang="fr-FR" sz="1500" dirty="0"/>
+              <a:t>Le langage de programmation </a:t>
+            </a:r>
+            <a:r>
+              <a:rPr lang="fr-FR" sz="1500" dirty="0" smtClean="0"/>
+              <a:t>             est </a:t>
+            </a:r>
+            <a:r>
+              <a:rPr lang="fr-FR" sz="1500" dirty="0"/>
+              <a:t>semblable a celui de </a:t>
+            </a:r>
+            <a:r>
+              <a:rPr lang="fr-FR" sz="1500" dirty="0" smtClean="0"/>
+              <a:t>Java et C.</a:t>
+            </a:r>
+            <a:endParaRPr lang="fr-FR" sz="1500" dirty="0"/>
+          </a:p>
+          <a:p>
+            <a:pPr marL="214313" indent="-214313">
+              <a:buFont typeface="Arial" panose="020B0604020202020204" pitchFamily="34" charset="0"/>
+              <a:buChar char="•"/>
+            </a:pPr>
+            <a:endParaRPr lang="fr-FR" sz="1500" dirty="0"/>
+          </a:p>
+          <a:p>
+            <a:endParaRPr lang="fr-FR" sz="1500" dirty="0"/>
+          </a:p>
+          <a:p>
+            <a:pPr marL="214313" indent="-214313">
+              <a:buFont typeface="Arial" panose="020B0604020202020204" pitchFamily="34" charset="0"/>
+              <a:buChar char="•"/>
+            </a:pPr>
+            <a:r>
+              <a:rPr lang="fr-FR" sz="1500" dirty="0"/>
+              <a:t>Les limites des pins en terme d’intensité </a:t>
+            </a:r>
+            <a:br>
+              <a:rPr lang="fr-FR" sz="1500" dirty="0"/>
+            </a:br>
+            <a:r>
+              <a:rPr lang="fr-FR" sz="1500" dirty="0"/>
+              <a:t> </a:t>
+            </a:r>
+            <a:r>
+              <a:rPr lang="fr-FR" sz="1500" dirty="0">
+                <a:hlinkClick r:id="rId4"/>
+              </a:rPr>
+              <a:t>http://</a:t>
+            </a:r>
+            <a:r>
+              <a:rPr lang="fr-FR" sz="1500" dirty="0">
+                <a:hlinkClick r:id="rId4"/>
+              </a:rPr>
+              <a:t>playground.arduino.cc/Main/ArduinoPinCurrentLimitations</a:t>
+            </a:r>
+            <a:endParaRPr lang="fr-FR" sz="1500" dirty="0"/>
+          </a:p>
+          <a:p>
+            <a:endParaRPr lang="fr-FR" sz="1500" dirty="0"/>
+          </a:p>
+          <a:p>
+            <a:pPr marL="214313" indent="-214313">
+              <a:buFont typeface="Arial" panose="020B0604020202020204" pitchFamily="34" charset="0"/>
+              <a:buChar char="•"/>
+            </a:pPr>
+            <a:r>
+              <a:rPr lang="fr-FR" sz="1500" dirty="0"/>
+              <a:t>10 méthodes pour détruire </a:t>
+            </a:r>
+            <a:r>
+              <a:rPr lang="fr-FR" sz="1500" dirty="0" smtClean="0"/>
+              <a:t>votre </a:t>
+            </a:r>
+            <a:r>
+              <a:rPr lang="fr-FR" sz="1500" dirty="0"/>
+              <a:t/>
+            </a:r>
+            <a:br>
+              <a:rPr lang="fr-FR" sz="1500" dirty="0"/>
+            </a:br>
+            <a:r>
+              <a:rPr lang="fr-FR" sz="1500" dirty="0">
+                <a:hlinkClick r:id="rId5"/>
+              </a:rPr>
+              <a:t>http://www.ruggedcircuits.com/10-ways-to-destroy-an-arduino/</a:t>
+            </a:r>
+            <a:r>
+              <a:rPr lang="fr-FR" sz="1500" dirty="0"/>
+              <a:t/>
+            </a:r>
+            <a:br>
+              <a:rPr lang="fr-FR" sz="1500" dirty="0"/>
+            </a:br>
+            <a:endParaRPr lang="fr-FR" sz="1500" dirty="0"/>
+          </a:p>
+          <a:p>
+            <a:pPr marL="214313" indent="-214313">
+              <a:buFont typeface="Arial" panose="020B0604020202020204" pitchFamily="34" charset="0"/>
+              <a:buChar char="•"/>
+            </a:pPr>
+            <a:r>
+              <a:rPr lang="fr-FR" sz="1500" dirty="0" err="1"/>
+              <a:t>PullUp</a:t>
+            </a:r>
+            <a:r>
+              <a:rPr lang="fr-FR" sz="1500" dirty="0"/>
+              <a:t>/</a:t>
+            </a:r>
+            <a:r>
+              <a:rPr lang="fr-FR" sz="1500" dirty="0" err="1"/>
+              <a:t>PullDown</a:t>
+            </a:r>
+            <a:r>
+              <a:rPr lang="fr-FR" sz="1500" dirty="0"/>
+              <a:t>  </a:t>
+            </a:r>
+            <a:r>
+              <a:rPr lang="fr-FR" sz="1500" dirty="0" err="1"/>
+              <a:t>resistor</a:t>
+            </a:r>
+            <a:r>
+              <a:rPr lang="fr-FR" sz="1500" dirty="0"/>
+              <a:t> </a:t>
+            </a:r>
+          </a:p>
+          <a:p>
+            <a:pPr indent="203597"/>
+            <a:r>
+              <a:rPr lang="fr-FR" sz="1500" dirty="0"/>
+              <a:t> </a:t>
+            </a:r>
+            <a:r>
+              <a:rPr lang="fr-FR" sz="1500" dirty="0">
+                <a:hlinkClick r:id="rId6"/>
+              </a:rPr>
+              <a:t>http://arduino.cc/en/Tutorial/DigitalPins</a:t>
+            </a:r>
+            <a:r>
+              <a:rPr lang="fr-FR" sz="1500" dirty="0"/>
+              <a:t/>
+            </a:r>
+            <a:br>
+              <a:rPr lang="fr-FR" sz="1500" dirty="0"/>
+            </a:br>
+            <a:endParaRPr lang="fr-FR" sz="1500" dirty="0"/>
+          </a:p>
+          <a:p>
+            <a:pPr marL="214313" indent="-214313">
+              <a:buFont typeface="Arial" panose="020B0604020202020204" pitchFamily="34" charset="0"/>
+              <a:buChar char="•"/>
+            </a:pPr>
+            <a:r>
+              <a:rPr lang="fr-FR" sz="1500" dirty="0"/>
+              <a:t>Pas </a:t>
+            </a:r>
+            <a:r>
+              <a:rPr lang="fr-FR" sz="1500" dirty="0" smtClean="0"/>
+              <a:t>de linux pour </a:t>
+            </a:r>
+            <a:endParaRPr lang="fr-FR" sz="1500" dirty="0"/>
+          </a:p>
+          <a:p>
+            <a:pPr marL="214313" indent="-214313">
+              <a:buFont typeface="Arial" panose="020B0604020202020204" pitchFamily="34" charset="0"/>
+              <a:buChar char="•"/>
+            </a:pPr>
+            <a:endParaRPr lang="fr-FR" sz="1500" dirty="0"/>
+          </a:p>
+          <a:p>
+            <a:pPr marL="214313" indent="-214313">
+              <a:buFont typeface="Arial" panose="020B0604020202020204" pitchFamily="34" charset="0"/>
+              <a:buChar char="•"/>
+            </a:pPr>
+            <a:r>
+              <a:rPr lang="fr-FR" sz="1500" dirty="0"/>
+              <a:t>Simulation avec </a:t>
+            </a:r>
+            <a:r>
+              <a:rPr lang="fr-FR" sz="1500" dirty="0"/>
+              <a:t>Proteus </a:t>
+            </a:r>
+          </a:p>
+          <a:p>
+            <a:pPr marL="214313" indent="-214313">
+              <a:buFont typeface="Arial" panose="020B0604020202020204" pitchFamily="34" charset="0"/>
+              <a:buChar char="•"/>
+            </a:pPr>
+            <a:endParaRPr lang="en-US" dirty="0"/>
+          </a:p>
+        </p:txBody>
+      </p:sp>
+      <p:pic>
+        <p:nvPicPr>
+          <p:cNvPr id="1026" name="Picture 2" descr="burnt.png"/>
+          <p:cNvPicPr>
+            <a:picLocks noChangeAspect="1" noChangeArrowheads="1"/>
+          </p:cNvPicPr>
+          <p:nvPr/>
+        </p:nvPicPr>
+        <p:blipFill>
+          <a:blip r:embed="rId7" cstate="print">
+            <a:extLst>
+              <a:ext uri="{28A0092B-C50C-407E-A947-70E740481C1C}">
+                <a14:useLocalDpi xmlns:a14="http://schemas.microsoft.com/office/drawing/2010/main" val="0"/>
+              </a:ext>
+            </a:extLst>
+          </a:blip>
+          <a:srcRect/>
+          <a:stretch>
+            <a:fillRect/>
+          </a:stretch>
+        </p:blipFill>
+        <p:spPr bwMode="auto">
+          <a:xfrm>
+            <a:off x="7974090" y="1834022"/>
+            <a:ext cx="886682" cy="1058107"/>
+          </a:xfrm>
+          <a:prstGeom prst="rect">
+            <a:avLst/>
+          </a:prstGeom>
+          <a:noFill/>
+          <a:extLst>
+            <a:ext uri="{909E8E84-426E-40DD-AFC4-6F175D3DCCD1}">
+              <a14:hiddenFill xmlns:a14="http://schemas.microsoft.com/office/drawing/2010/main">
+                <a:solidFill>
+                  <a:srgbClr val="FFFFFF"/>
+                </a:solidFill>
+              </a14:hiddenFill>
+            </a:ext>
+          </a:extLst>
+        </p:spPr>
+      </p:pic>
+      <p:pic>
+        <p:nvPicPr>
+          <p:cNvPr id="1028" name="Picture 4" descr="http://3.bp.blogspot.com/-RMw5omPEQIo/U8VqUkm-sCI/AAAAAAAAAUU/XSrZQnMCsQs/s1600/arduino+++potenciometro+++leds+-+ISIS+Professional+(Animating).jpg"/>
+          <p:cNvPicPr>
+            <a:picLocks noChangeAspect="1" noChangeArrowheads="1"/>
+          </p:cNvPicPr>
+          <p:nvPr/>
+        </p:nvPicPr>
+        <p:blipFill>
+          <a:blip r:embed="rId8" cstate="print">
+            <a:extLst>
+              <a:ext uri="{28A0092B-C50C-407E-A947-70E740481C1C}">
+                <a14:useLocalDpi xmlns:a14="http://schemas.microsoft.com/office/drawing/2010/main" val="0"/>
+              </a:ext>
+            </a:extLst>
+          </a:blip>
+          <a:srcRect/>
+          <a:stretch>
+            <a:fillRect/>
+          </a:stretch>
+        </p:blipFill>
+        <p:spPr bwMode="auto">
+          <a:xfrm>
+            <a:off x="5986991" y="3968751"/>
+            <a:ext cx="2873781" cy="1760830"/>
+          </a:xfrm>
+          <a:prstGeom prst="rect">
+            <a:avLst/>
+          </a:prstGeom>
+          <a:noFill/>
+          <a:extLst>
+            <a:ext uri="{909E8E84-426E-40DD-AFC4-6F175D3DCCD1}">
+              <a14:hiddenFill xmlns:a14="http://schemas.microsoft.com/office/drawing/2010/main">
+                <a:solidFill>
+                  <a:srgbClr val="FFFFFF"/>
+                </a:solidFill>
+              </a14:hiddenFill>
+            </a:ext>
+          </a:extLst>
+        </p:spPr>
+      </p:pic>
+      <p:pic>
+        <p:nvPicPr>
+          <p:cNvPr id="7" name="Picture 6" descr="http://upload.wikimedia.org/wikipedia/commons/thumb/8/87/Arduino_Logo.svg/720px-Arduino_Logo.svg.png"/>
+          <p:cNvPicPr>
+            <a:picLocks noChangeAspect="1" noChangeArrowheads="1"/>
+          </p:cNvPicPr>
+          <p:nvPr/>
+        </p:nvPicPr>
+        <p:blipFill>
+          <a:blip r:embed="rId3" cstate="print">
+            <a:extLst>
+              <a:ext uri="{28A0092B-C50C-407E-A947-70E740481C1C}">
+                <a14:useLocalDpi xmlns:a14="http://schemas.microsoft.com/office/drawing/2010/main" val="0"/>
+              </a:ext>
+            </a:extLst>
+          </a:blip>
+          <a:srcRect/>
+          <a:stretch>
+            <a:fillRect/>
+          </a:stretch>
+        </p:blipFill>
+        <p:spPr bwMode="auto">
+          <a:xfrm>
+            <a:off x="3707904" y="2080301"/>
+            <a:ext cx="604923" cy="411684"/>
+          </a:xfrm>
+          <a:prstGeom prst="rect">
+            <a:avLst/>
+          </a:prstGeom>
+          <a:noFill/>
+          <a:extLst>
+            <a:ext uri="{909E8E84-426E-40DD-AFC4-6F175D3DCCD1}">
+              <a14:hiddenFill xmlns:a14="http://schemas.microsoft.com/office/drawing/2010/main">
+                <a:solidFill>
+                  <a:srgbClr val="FFFFFF"/>
+                </a:solidFill>
+              </a14:hiddenFill>
+            </a:ext>
+          </a:extLst>
+        </p:spPr>
+      </p:pic>
+      <p:pic>
+        <p:nvPicPr>
+          <p:cNvPr id="8" name="Picture 7" descr="http://upload.wikimedia.org/wikipedia/commons/thumb/8/87/Arduino_Logo.svg/720px-Arduino_Logo.svg.png"/>
+          <p:cNvPicPr>
+            <a:picLocks noChangeAspect="1" noChangeArrowheads="1"/>
+          </p:cNvPicPr>
+          <p:nvPr/>
+        </p:nvPicPr>
+        <p:blipFill>
+          <a:blip r:embed="rId9" cstate="print">
+            <a:extLst>
+              <a:ext uri="{28A0092B-C50C-407E-A947-70E740481C1C}">
+                <a14:useLocalDpi xmlns:a14="http://schemas.microsoft.com/office/drawing/2010/main" val="0"/>
+              </a:ext>
+            </a:extLst>
+          </a:blip>
+          <a:srcRect/>
+          <a:stretch>
+            <a:fillRect/>
+          </a:stretch>
+        </p:blipFill>
+        <p:spPr bwMode="auto">
+          <a:xfrm>
+            <a:off x="3842825" y="4123566"/>
+            <a:ext cx="528853" cy="359915"/>
+          </a:xfrm>
+          <a:prstGeom prst="rect">
+            <a:avLst/>
+          </a:prstGeom>
+          <a:noFill/>
+          <a:extLst>
+            <a:ext uri="{909E8E84-426E-40DD-AFC4-6F175D3DCCD1}">
+              <a14:hiddenFill xmlns:a14="http://schemas.microsoft.com/office/drawing/2010/main">
+                <a:solidFill>
+                  <a:srgbClr val="FFFFFF"/>
+                </a:solidFill>
+              </a14:hiddenFill>
+            </a:ext>
+          </a:extLst>
+        </p:spPr>
+      </p:pic>
+      <p:pic>
+        <p:nvPicPr>
+          <p:cNvPr id="9" name="Picture 8" descr="http://upload.wikimedia.org/wikipedia/commons/thumb/8/87/Arduino_Logo.svg/720px-Arduino_Logo.svg.png"/>
+          <p:cNvPicPr>
+            <a:picLocks noChangeAspect="1" noChangeArrowheads="1"/>
+          </p:cNvPicPr>
+          <p:nvPr/>
+        </p:nvPicPr>
+        <p:blipFill>
+          <a:blip r:embed="rId3" cstate="print">
+            <a:extLst>
+              <a:ext uri="{28A0092B-C50C-407E-A947-70E740481C1C}">
+                <a14:useLocalDpi xmlns:a14="http://schemas.microsoft.com/office/drawing/2010/main" val="0"/>
+              </a:ext>
+            </a:extLst>
+          </a:blip>
+          <a:srcRect/>
+          <a:stretch>
+            <a:fillRect/>
+          </a:stretch>
+        </p:blipFill>
+        <p:spPr bwMode="auto">
+          <a:xfrm>
+            <a:off x="2454909" y="5714083"/>
+            <a:ext cx="604923" cy="411684"/>
+          </a:xfrm>
+          <a:prstGeom prst="rect">
+            <a:avLst/>
+          </a:prstGeom>
+          <a:noFill/>
+          <a:extLst>
+            <a:ext uri="{909E8E84-426E-40DD-AFC4-6F175D3DCCD1}">
+              <a14:hiddenFill xmlns:a14="http://schemas.microsoft.com/office/drawing/2010/main">
+                <a:solidFill>
+                  <a:srgbClr val="FFFFFF"/>
+                </a:solidFill>
+              </a14:hiddenFill>
+            </a:ext>
+          </a:extLst>
+        </p:spPr>
+      </p:pic>
+    </p:spTree>
+    <p:extLst>
+      <p:ext uri="{BB962C8B-B14F-4D97-AF65-F5344CB8AC3E}">
+        <p14:creationId xmlns:p14="http://schemas.microsoft.com/office/powerpoint/2010/main" val="168310107"/>
+      </p:ext>
+    </p:extLst>
+  </p:cSld>
+  <p:clrMapOvr>
+    <a:masterClrMapping/>
+  </p:clrMapOvr>
+  <p:timing>
+    <p:tnLst>
+      <p:par>
+        <p:cTn id="1" dur="indefinite" restart="never" nodeType="tmRoot"/>
+      </p:par>
+    </p:tnLst>
+  </p:timing>
+</p:sld>
+</file>
+
+<file path=ppt/slides/slide19.xml><?xml version="1.0" encoding="utf-8"?>
+<p:sld xmlns:a="http://schemas.openxmlformats.org/drawingml/2006/main" xmlns:r="http://schemas.openxmlformats.org/officeDocument/2006/relationships" xmlns:p="http://schemas.openxmlformats.org/presentationml/2006/main">
+  <p:cSld>
+    <p:spTree>
+      <p:nvGrpSpPr>
+        <p:cNvPr id="1" name=""/>
+        <p:cNvGrpSpPr/>
+        <p:nvPr/>
+      </p:nvGrpSpPr>
+      <p:grpSpPr>
+        <a:xfrm>
+          <a:off x="0" y="0"/>
+          <a:ext cx="0" cy="0"/>
+          <a:chOff x="0" y="0"/>
+          <a:chExt cx="0" cy="0"/>
+        </a:xfrm>
+      </p:grpSpPr>
+      <p:sp>
+        <p:nvSpPr>
+          <p:cNvPr id="2" name="Title 1"/>
+          <p:cNvSpPr>
+            <a:spLocks noGrp="1"/>
+          </p:cNvSpPr>
+          <p:nvPr>
+            <p:ph type="title"/>
+          </p:nvPr>
+        </p:nvSpPr>
+        <p:spPr>
+          <a:xfrm>
+            <a:off x="539552" y="1066676"/>
+            <a:ext cx="7886700" cy="994172"/>
+          </a:xfrm>
+        </p:spPr>
+        <p:txBody>
+          <a:bodyPr>
+            <a:normAutofit/>
+          </a:bodyPr>
+          <a:lstStyle/>
+          <a:p>
+            <a:r>
+              <a:rPr lang="fr-FR" sz="2400" dirty="0"/>
+              <a:t>Où acheter au </a:t>
+            </a:r>
+            <a:r>
+              <a:rPr lang="fr-FR" sz="2400" dirty="0" smtClean="0"/>
+              <a:t>Maroc ? </a:t>
+            </a:r>
+            <a:r>
+              <a:rPr lang="fr-FR" sz="2400" dirty="0"/>
+              <a:t>À </a:t>
+            </a:r>
+            <a:r>
+              <a:rPr lang="fr-FR" sz="2400" dirty="0" smtClean="0"/>
+              <a:t>l’internationale ?</a:t>
+            </a:r>
+            <a:r>
+              <a:rPr lang="en-US" sz="2400" dirty="0"/>
+              <a:t/>
+            </a:r>
+            <a:br>
+              <a:rPr lang="en-US" sz="2400" dirty="0"/>
+            </a:br>
+            <a:endParaRPr lang="en-US" sz="2400" dirty="0"/>
+          </a:p>
+        </p:txBody>
+      </p:sp>
+      <p:sp>
+        <p:nvSpPr>
+          <p:cNvPr id="4" name="TextBox 3"/>
+          <p:cNvSpPr txBox="1"/>
+          <p:nvPr/>
+        </p:nvSpPr>
+        <p:spPr>
+          <a:xfrm>
+            <a:off x="990601" y="1823913"/>
+            <a:ext cx="6085113" cy="3416320"/>
+          </a:xfrm>
+          <a:prstGeom prst="rect">
+            <a:avLst/>
+          </a:prstGeom>
+          <a:noFill/>
+        </p:spPr>
+        <p:txBody>
+          <a:bodyPr wrap="square" rtlCol="0">
+            <a:spAutoFit/>
+          </a:bodyPr>
+          <a:lstStyle/>
+          <a:p>
+            <a:pPr marL="214313" indent="-214313">
+              <a:buFont typeface="Arial" panose="020B0604020202020204" pitchFamily="34" charset="0"/>
+              <a:buChar char="•"/>
+            </a:pPr>
+            <a:r>
+              <a:rPr lang="fr-FR" b="1" dirty="0" smtClean="0"/>
+              <a:t>Rabat</a:t>
+            </a:r>
+            <a:endParaRPr lang="fr-FR" b="1" dirty="0" smtClean="0"/>
+          </a:p>
+          <a:p>
+            <a:pPr marL="402431" indent="-205979">
+              <a:buFont typeface="Wingdings" panose="05000000000000000000" pitchFamily="2" charset="2"/>
+              <a:buChar char="Ø"/>
+            </a:pPr>
+            <a:r>
+              <a:rPr lang="fr-FR" dirty="0"/>
+              <a:t> </a:t>
+            </a:r>
+            <a:r>
+              <a:rPr lang="fr-FR" dirty="0" smtClean="0"/>
+              <a:t> </a:t>
+            </a:r>
+            <a:r>
+              <a:rPr lang="fr-FR" dirty="0" err="1" smtClean="0"/>
+              <a:t>Tredano</a:t>
+            </a:r>
+            <a:r>
+              <a:rPr lang="fr-FR" dirty="0" smtClean="0"/>
+              <a:t> </a:t>
+            </a:r>
+            <a:r>
+              <a:rPr lang="fr-FR" dirty="0" smtClean="0"/>
+              <a:t>: depuis 1966.</a:t>
+            </a:r>
+          </a:p>
+          <a:p>
+            <a:pPr marL="449263" indent="-263525">
+              <a:buFont typeface="Wingdings" panose="05000000000000000000" pitchFamily="2" charset="2"/>
+              <a:buChar char="Ø"/>
+            </a:pPr>
+            <a:r>
+              <a:rPr lang="fr-FR" dirty="0" smtClean="0"/>
+              <a:t> </a:t>
+            </a:r>
+            <a:r>
+              <a:rPr lang="fr-FR" dirty="0" err="1" smtClean="0"/>
+              <a:t>Massar</a:t>
+            </a:r>
+            <a:r>
+              <a:rPr lang="fr-FR" dirty="0" smtClean="0"/>
+              <a:t> </a:t>
+            </a:r>
+            <a:r>
+              <a:rPr lang="fr-FR" dirty="0" smtClean="0"/>
+              <a:t>électronique : océan rabat.</a:t>
+            </a:r>
+          </a:p>
+          <a:p>
+            <a:pPr marL="467916" indent="-271463">
+              <a:buFont typeface="Wingdings" panose="05000000000000000000" pitchFamily="2" charset="2"/>
+              <a:buChar char="Ø"/>
+            </a:pPr>
+            <a:r>
+              <a:rPr lang="en-US" dirty="0" smtClean="0"/>
+              <a:t> </a:t>
+            </a:r>
+            <a:r>
+              <a:rPr lang="en-US" dirty="0" err="1" smtClean="0"/>
+              <a:t>Electromonde</a:t>
+            </a:r>
+            <a:r>
+              <a:rPr lang="en-US" dirty="0"/>
+              <a:t> </a:t>
+            </a:r>
+            <a:r>
+              <a:rPr lang="en-US" dirty="0" err="1" smtClean="0"/>
+              <a:t>Montassir</a:t>
+            </a:r>
+            <a:r>
+              <a:rPr lang="en-US" dirty="0" smtClean="0"/>
+              <a:t> </a:t>
+            </a:r>
+            <a:r>
+              <a:rPr lang="en-US" b="1" dirty="0" smtClean="0"/>
+              <a:t>: </a:t>
+            </a:r>
+            <a:r>
+              <a:rPr lang="en-US" dirty="0" smtClean="0">
+                <a:hlinkClick r:id="rId2"/>
+              </a:rPr>
+              <a:t>www.electromonde.com</a:t>
+            </a:r>
+            <a:r>
+              <a:rPr lang="en-US" dirty="0" smtClean="0">
+                <a:hlinkClick r:id="rId2"/>
+              </a:rPr>
+              <a:t>/</a:t>
+            </a:r>
+            <a:r>
+              <a:rPr lang="en-US" dirty="0" smtClean="0"/>
+              <a:t/>
+            </a:r>
+            <a:br>
+              <a:rPr lang="en-US" dirty="0" smtClean="0"/>
+            </a:br>
+            <a:endParaRPr lang="en-US" dirty="0" smtClean="0"/>
+          </a:p>
+          <a:p>
+            <a:pPr marL="214313" indent="-214313">
+              <a:buFont typeface="Arial" panose="020B0604020202020204" pitchFamily="34" charset="0"/>
+              <a:buChar char="•"/>
+            </a:pPr>
+            <a:r>
+              <a:rPr lang="fr-FR" b="1" dirty="0" smtClean="0"/>
+              <a:t>Casa</a:t>
+            </a:r>
+            <a:endParaRPr lang="fr-FR" b="1" dirty="0" smtClean="0"/>
+          </a:p>
+          <a:p>
+            <a:pPr marL="402431" indent="-205979">
+              <a:buFont typeface="Wingdings" panose="05000000000000000000" pitchFamily="2" charset="2"/>
+              <a:buChar char="Ø"/>
+            </a:pPr>
+            <a:r>
+              <a:rPr lang="fr-FR" dirty="0" smtClean="0"/>
+              <a:t>Garage Allal</a:t>
+            </a:r>
+          </a:p>
+          <a:p>
+            <a:pPr marL="402431" indent="-205979">
+              <a:buFont typeface="Wingdings" panose="05000000000000000000" pitchFamily="2" charset="2"/>
+              <a:buChar char="Ø"/>
+            </a:pPr>
+            <a:r>
+              <a:rPr lang="fr-FR" dirty="0" smtClean="0"/>
+              <a:t>Boutique domomaroc.com</a:t>
+            </a:r>
+          </a:p>
+          <a:p>
+            <a:pPr marL="402431" indent="-205979">
+              <a:buFont typeface="Wingdings" panose="05000000000000000000" pitchFamily="2" charset="2"/>
+              <a:buChar char="Ø"/>
+            </a:pPr>
+            <a:r>
+              <a:rPr lang="fr-FR" dirty="0" smtClean="0"/>
+              <a:t>c2ez.ma</a:t>
+            </a:r>
+            <a:br>
+              <a:rPr lang="fr-FR" dirty="0" smtClean="0"/>
+            </a:br>
+            <a:endParaRPr lang="fr-FR" dirty="0" smtClean="0"/>
+          </a:p>
+          <a:p>
+            <a:pPr marL="214313" indent="-214313">
+              <a:buFont typeface="Wingdings" panose="05000000000000000000" pitchFamily="2" charset="2"/>
+              <a:buChar char="Ø"/>
+            </a:pPr>
+            <a:endParaRPr lang="fr-FR" dirty="0" smtClean="0"/>
+          </a:p>
+        </p:txBody>
+      </p:sp>
+      <p:sp>
+        <p:nvSpPr>
+          <p:cNvPr id="6" name="TextBox 5"/>
+          <p:cNvSpPr txBox="1"/>
+          <p:nvPr/>
+        </p:nvSpPr>
+        <p:spPr>
+          <a:xfrm>
+            <a:off x="990601" y="4869160"/>
+            <a:ext cx="6085113" cy="1200329"/>
+          </a:xfrm>
+          <a:prstGeom prst="rect">
+            <a:avLst/>
+          </a:prstGeom>
+          <a:noFill/>
+        </p:spPr>
+        <p:txBody>
+          <a:bodyPr wrap="square" rtlCol="0">
+            <a:spAutoFit/>
+          </a:bodyPr>
+          <a:lstStyle/>
+          <a:p>
+            <a:pPr marL="214313" indent="-214313">
+              <a:buFont typeface="Arial" panose="020B0604020202020204" pitchFamily="34" charset="0"/>
+              <a:buChar char="•"/>
+            </a:pPr>
+            <a:r>
+              <a:rPr lang="fr-FR" b="1" dirty="0" smtClean="0"/>
+              <a:t>l’Internationale </a:t>
+            </a:r>
+          </a:p>
+          <a:p>
+            <a:pPr marL="542925" indent="-357188">
+              <a:buFont typeface="Wingdings" panose="05000000000000000000" pitchFamily="2" charset="2"/>
+              <a:buChar char="Ø"/>
+            </a:pPr>
+            <a:r>
+              <a:rPr lang="fr-FR" dirty="0" smtClean="0"/>
+              <a:t>tinydeal.com </a:t>
+            </a:r>
+            <a:r>
+              <a:rPr lang="fr-FR" dirty="0"/>
+              <a:t>: free </a:t>
+            </a:r>
+            <a:r>
+              <a:rPr lang="fr-FR" dirty="0" smtClean="0"/>
+              <a:t>shipping</a:t>
+            </a:r>
+          </a:p>
+          <a:p>
+            <a:pPr marL="542925" indent="-357188">
+              <a:buFont typeface="Wingdings" panose="05000000000000000000" pitchFamily="2" charset="2"/>
+              <a:buChar char="Ø"/>
+            </a:pPr>
+            <a:r>
+              <a:rPr lang="fr-FR" dirty="0" smtClean="0"/>
+              <a:t>Ebay.com </a:t>
+            </a:r>
+            <a:endParaRPr lang="fr-FR" dirty="0"/>
+          </a:p>
+          <a:p>
+            <a:pPr marL="542925" indent="-357188">
+              <a:buFont typeface="Wingdings" panose="05000000000000000000" pitchFamily="2" charset="2"/>
+              <a:buChar char="Ø"/>
+            </a:pPr>
+            <a:r>
+              <a:rPr lang="fr-FR" dirty="0" smtClean="0"/>
+              <a:t>…</a:t>
+            </a:r>
+          </a:p>
+        </p:txBody>
+      </p:sp>
+    </p:spTree>
+    <p:extLst>
+      <p:ext uri="{BB962C8B-B14F-4D97-AF65-F5344CB8AC3E}">
+        <p14:creationId xmlns:p14="http://schemas.microsoft.com/office/powerpoint/2010/main" val="1387124810"/>
+      </p:ext>
+    </p:extLst>
+  </p:cSld>
+  <p:clrMapOvr>
+    <a:masterClrMapping/>
+  </p:clrMapOvr>
   <p:timing>
     <p:tnLst>
       <p:par>
@@ -9287,26 +10978,23 @@
               <a:buChar char="§"/>
             </a:pPr>
             <a:r>
-              <a:rPr lang="fr-FR" sz="2800" dirty="0" smtClean="0">
+              <a:rPr lang="fr-FR" dirty="0" err="1" smtClean="0">
                 <a:latin typeface="Times New Roman" pitchFamily="18" charset="0"/>
                 <a:cs typeface="Times New Roman" pitchFamily="18" charset="0"/>
               </a:rPr>
-              <a:t>Partie(Anouar)’’ </a:t>
-            </a:r>
-            <a:r>
-              <a:rPr lang="fr-FR" sz="2800" dirty="0" err="1" smtClean="0">
+              <a:t>IoT</a:t>
+            </a:r>
+            <a:r>
+              <a:rPr lang="fr-FR" dirty="0" smtClean="0">
                 <a:latin typeface="Times New Roman" pitchFamily="18" charset="0"/>
                 <a:cs typeface="Times New Roman" pitchFamily="18" charset="0"/>
               </a:rPr>
-              <a:t>demonstration</a:t>
-            </a:r>
-            <a:r>
-              <a:rPr lang="fr-FR" sz="2800" dirty="0" smtClean="0">
-                <a:latin typeface="Times New Roman" pitchFamily="18" charset="0"/>
-                <a:cs typeface="Times New Roman" pitchFamily="18" charset="0"/>
-              </a:rPr>
-              <a:t> , conclusion  ’’</a:t>
-            </a:r>
+              <a:t> Démo avec </a:t>
+            </a:r>
+            <a:endParaRPr lang="fr-FR" dirty="0" smtClean="0">
+              <a:latin typeface="Times New Roman" pitchFamily="18" charset="0"/>
+              <a:cs typeface="Times New Roman" pitchFamily="18" charset="0"/>
+            </a:endParaRPr>
           </a:p>
           <a:p>
             <a:pPr eaLnBrk="1" hangingPunct="1">
@@ -9319,17 +11007,6 @@
               <a:cs typeface="Times New Roman" pitchFamily="18" charset="0"/>
             </a:endParaRPr>
           </a:p>
-          <a:p>
-            <a:pPr eaLnBrk="1" hangingPunct="1">
-              <a:buSzPct val="100000"/>
-              <a:buFont typeface="Wingdings" pitchFamily="2" charset="2"/>
-              <a:buChar char="§"/>
-            </a:pPr>
-            <a:endParaRPr lang="fr-FR" dirty="0" smtClean="0">
-              <a:latin typeface="Times New Roman" pitchFamily="18" charset="0"/>
-              <a:cs typeface="Times New Roman" pitchFamily="18" charset="0"/>
-            </a:endParaRPr>
-          </a:p>
         </p:txBody>
       </p:sp>
       <p:sp>
@@ -9363,7 +11040,7 @@
               <a:pPr/>
               <a:t>16/11/2014</a:t>
             </a:fld>
-            <a:endParaRPr lang="fr-BE" smtClean="0"/>
+            <a:endParaRPr lang="fr-BE" dirty="0" smtClean="0"/>
           </a:p>
         </p:txBody>
       </p:sp>
@@ -9454,6 +11131,47 @@
           </a:p>
         </p:txBody>
       </p:sp>
+      <p:pic>
+        <p:nvPicPr>
+          <p:cNvPr id="8" name="Picture 2" descr="http://upload.wikimedia.org/wikipedia/commons/thumb/8/87/Arduino_Logo.svg/720px-Arduino_Logo.svg.png"/>
+          <p:cNvPicPr>
+            <a:picLocks noChangeAspect="1" noChangeArrowheads="1"/>
+          </p:cNvPicPr>
+          <p:nvPr/>
+        </p:nvPicPr>
+        <p:blipFill>
+          <a:blip r:embed="rId2" cstate="print">
+            <a:extLst>
+              <a:ext uri="{28A0092B-C50C-407E-A947-70E740481C1C}">
+                <a14:useLocalDpi xmlns:a14="http://schemas.microsoft.com/office/drawing/2010/main" val="0"/>
+              </a:ext>
+            </a:extLst>
+          </a:blip>
+          <a:srcRect/>
+          <a:stretch>
+            <a:fillRect/>
+          </a:stretch>
+        </p:blipFill>
+        <p:spPr bwMode="auto">
+          <a:xfrm>
+            <a:off x="3923928" y="4941168"/>
+            <a:ext cx="855438" cy="582173"/>
+          </a:xfrm>
+          <a:prstGeom prst="rect">
+            <a:avLst/>
+          </a:prstGeom>
+          <a:noFill/>
+          <a:extLst>
+            <a:ext uri="{909E8E84-426E-40DD-AFC4-6F175D3DCCD1}">
+              <a14:hiddenFill xmlns:a14="http://schemas.microsoft.com/office/drawing/2010/main">
+                <a:solidFill>
+                  <a:srgbClr val="FFFFFF"/>
+                </a:solidFill>
+              </a14:hiddenFill>
+            </a:ext>
+          </a:extLst>
+        </p:spPr>
+      </p:pic>
     </p:spTree>
   </p:cSld>
   <p:clrMapOvr>
@@ -10489,6 +12207,518 @@
 </p:sld>
 </file>
 
+<file path=ppt/slides/slide20.xml><?xml version="1.0" encoding="utf-8"?>
+<p:sld xmlns:a="http://schemas.openxmlformats.org/drawingml/2006/main" xmlns:r="http://schemas.openxmlformats.org/officeDocument/2006/relationships" xmlns:p="http://schemas.openxmlformats.org/presentationml/2006/main">
+  <p:cSld>
+    <p:spTree>
+      <p:nvGrpSpPr>
+        <p:cNvPr id="1" name=""/>
+        <p:cNvGrpSpPr/>
+        <p:nvPr/>
+      </p:nvGrpSpPr>
+      <p:grpSpPr>
+        <a:xfrm>
+          <a:off x="0" y="0"/>
+          <a:ext cx="0" cy="0"/>
+          <a:chOff x="0" y="0"/>
+          <a:chExt cx="0" cy="0"/>
+        </a:xfrm>
+      </p:grpSpPr>
+      <p:sp>
+        <p:nvSpPr>
+          <p:cNvPr id="9" name="Rectangle 8"/>
+          <p:cNvSpPr/>
+          <p:nvPr/>
+        </p:nvSpPr>
+        <p:spPr>
+          <a:xfrm>
+            <a:off x="1500188" y="0"/>
+            <a:ext cx="7643812" cy="4572000"/>
+          </a:xfrm>
+          <a:prstGeom prst="rect">
+            <a:avLst/>
+          </a:prstGeom>
+          <a:solidFill>
+            <a:schemeClr val="bg1"/>
+          </a:solidFill>
+          <a:ln>
+            <a:solidFill>
+              <a:schemeClr val="bg1"/>
+            </a:solidFill>
+          </a:ln>
+        </p:spPr>
+        <p:style>
+          <a:lnRef idx="2">
+            <a:schemeClr val="accent1">
+              <a:shade val="50000"/>
+            </a:schemeClr>
+          </a:lnRef>
+          <a:fillRef idx="1">
+            <a:schemeClr val="accent1"/>
+          </a:fillRef>
+          <a:effectRef idx="0">
+            <a:schemeClr val="accent1"/>
+          </a:effectRef>
+          <a:fontRef idx="minor">
+            <a:schemeClr val="lt1"/>
+          </a:fontRef>
+        </p:style>
+        <p:txBody>
+          <a:bodyPr anchor="ctr"/>
+          <a:lstStyle/>
+          <a:p>
+            <a:pPr algn="ctr" fontAlgn="auto">
+              <a:spcBef>
+                <a:spcPts val="0"/>
+              </a:spcBef>
+              <a:spcAft>
+                <a:spcPts val="0"/>
+              </a:spcAft>
+              <a:defRPr/>
+            </a:pPr>
+            <a:endParaRPr lang="fr-FR" dirty="0">
+              <a:solidFill>
+                <a:schemeClr val="tx1"/>
+              </a:solidFill>
+            </a:endParaRPr>
+          </a:p>
+        </p:txBody>
+      </p:sp>
+      <p:sp>
+        <p:nvSpPr>
+          <p:cNvPr id="8" name="Espace réservé du texte 7"/>
+          <p:cNvSpPr>
+            <a:spLocks noGrp="1"/>
+          </p:cNvSpPr>
+          <p:nvPr>
+            <p:ph type="body" sz="half" idx="2"/>
+          </p:nvPr>
+        </p:nvSpPr>
+        <p:spPr>
+          <a:xfrm>
+            <a:off x="1600200" y="5429250"/>
+            <a:ext cx="7315200" cy="1428750"/>
+          </a:xfrm>
+        </p:spPr>
+        <p:txBody>
+          <a:bodyPr>
+            <a:normAutofit fontScale="92500" lnSpcReduction="20000"/>
+          </a:bodyPr>
+          <a:lstStyle/>
+          <a:p>
+            <a:pPr eaLnBrk="1" fontAlgn="auto" hangingPunct="1">
+              <a:spcAft>
+                <a:spcPts val="0"/>
+              </a:spcAft>
+              <a:defRPr/>
+            </a:pPr>
+            <a:r>
+              <a:rPr lang="fr-FR" sz="2400" b="1" dirty="0" smtClean="0">
+                <a:solidFill>
+                  <a:schemeClr val="bg2">
+                    <a:lumMod val="25000"/>
+                  </a:schemeClr>
+                </a:solidFill>
+              </a:rPr>
+              <a:t>Réalisé par</a:t>
+            </a:r>
+            <a:r>
+              <a:rPr lang="fr-FR" sz="1900" b="1" dirty="0" smtClean="0">
+                <a:solidFill>
+                  <a:schemeClr val="bg2">
+                    <a:lumMod val="25000"/>
+                  </a:schemeClr>
+                </a:solidFill>
+              </a:rPr>
+              <a:t> :   Khalid </a:t>
+            </a:r>
+            <a:endParaRPr lang="fr-FR" sz="2000" b="1" dirty="0" smtClean="0">
+              <a:solidFill>
+                <a:schemeClr val="bg2">
+                  <a:lumMod val="50000"/>
+                </a:schemeClr>
+              </a:solidFill>
+            </a:endParaRPr>
+          </a:p>
+          <a:p>
+            <a:pPr eaLnBrk="1" fontAlgn="auto" hangingPunct="1">
+              <a:spcAft>
+                <a:spcPts val="0"/>
+              </a:spcAft>
+              <a:defRPr/>
+            </a:pPr>
+            <a:r>
+              <a:rPr lang="en-US" sz="2000" b="1" dirty="0" smtClean="0">
+                <a:solidFill>
+                  <a:schemeClr val="bg2">
+                    <a:lumMod val="25000"/>
+                  </a:schemeClr>
+                </a:solidFill>
+              </a:rPr>
+              <a:t>                         BAKRI </a:t>
+            </a:r>
+            <a:r>
+              <a:rPr lang="en-US" sz="2000" b="1" dirty="0" err="1" smtClean="0">
+                <a:solidFill>
+                  <a:schemeClr val="bg2">
+                    <a:lumMod val="25000"/>
+                  </a:schemeClr>
+                </a:solidFill>
+              </a:rPr>
+              <a:t>Anouar</a:t>
+            </a:r>
+            <a:endParaRPr lang="en-US" sz="2000" b="1" dirty="0" smtClean="0">
+              <a:solidFill>
+                <a:schemeClr val="bg2">
+                  <a:lumMod val="25000"/>
+                </a:schemeClr>
+              </a:solidFill>
+            </a:endParaRPr>
+          </a:p>
+          <a:p>
+            <a:pPr eaLnBrk="1" fontAlgn="auto" hangingPunct="1">
+              <a:spcAft>
+                <a:spcPts val="0"/>
+              </a:spcAft>
+              <a:defRPr/>
+            </a:pPr>
+            <a:r>
+              <a:rPr lang="en-US" sz="2000" b="1" dirty="0" smtClean="0">
+                <a:solidFill>
+                  <a:schemeClr val="bg2">
+                    <a:lumMod val="25000"/>
+                  </a:schemeClr>
+                </a:solidFill>
+              </a:rPr>
+              <a:t>                         EL HAYDOUNI Othman</a:t>
+            </a:r>
+          </a:p>
+          <a:p>
+            <a:pPr eaLnBrk="1" fontAlgn="auto" hangingPunct="1">
+              <a:spcAft>
+                <a:spcPts val="0"/>
+              </a:spcAft>
+              <a:defRPr/>
+            </a:pPr>
+            <a:r>
+              <a:rPr lang="en-US" sz="2000" b="1" dirty="0" smtClean="0">
+                <a:solidFill>
+                  <a:schemeClr val="bg2">
+                    <a:lumMod val="50000"/>
+                  </a:schemeClr>
+                </a:solidFill>
+              </a:rPr>
+              <a:t>                          </a:t>
+            </a:r>
+            <a:endParaRPr lang="fr-FR" sz="1900" dirty="0" smtClean="0"/>
+          </a:p>
+          <a:p>
+            <a:pPr eaLnBrk="1" fontAlgn="auto" hangingPunct="1">
+              <a:spcAft>
+                <a:spcPts val="0"/>
+              </a:spcAft>
+              <a:defRPr/>
+            </a:pPr>
+            <a:endParaRPr lang="fr-FR" sz="1800" dirty="0" smtClean="0"/>
+          </a:p>
+          <a:p>
+            <a:pPr eaLnBrk="1" fontAlgn="auto" hangingPunct="1">
+              <a:spcAft>
+                <a:spcPts val="0"/>
+              </a:spcAft>
+              <a:defRPr/>
+            </a:pPr>
+            <a:endParaRPr lang="fr-FR" dirty="0"/>
+          </a:p>
+        </p:txBody>
+      </p:sp>
+      <p:sp>
+        <p:nvSpPr>
+          <p:cNvPr id="9220" name="Titre 3"/>
+          <p:cNvSpPr>
+            <a:spLocks noGrp="1"/>
+          </p:cNvSpPr>
+          <p:nvPr>
+            <p:ph type="title"/>
+          </p:nvPr>
+        </p:nvSpPr>
+        <p:spPr>
+          <a:xfrm>
+            <a:off x="1571625" y="4643438"/>
+            <a:ext cx="7286625" cy="685800"/>
+          </a:xfrm>
+        </p:spPr>
+        <p:txBody>
+          <a:bodyPr>
+            <a:normAutofit/>
+          </a:bodyPr>
+          <a:lstStyle/>
+          <a:p>
+            <a:pPr algn="r" eaLnBrk="1" hangingPunct="1">
+              <a:defRPr/>
+            </a:pPr>
+            <a:r>
+              <a:rPr lang="fr-FR" sz="2400" dirty="0" smtClean="0">
+                <a:solidFill>
+                  <a:schemeClr val="bg2">
+                    <a:lumMod val="25000"/>
+                  </a:schemeClr>
+                </a:solidFill>
+              </a:rPr>
+              <a:t> </a:t>
+            </a:r>
+          </a:p>
+        </p:txBody>
+      </p:sp>
+      <p:sp>
+        <p:nvSpPr>
+          <p:cNvPr id="6" name="Titre 1"/>
+          <p:cNvSpPr txBox="1">
+            <a:spLocks/>
+          </p:cNvSpPr>
+          <p:nvPr/>
+        </p:nvSpPr>
+        <p:spPr>
+          <a:xfrm>
+            <a:off x="2143108" y="1643050"/>
+            <a:ext cx="6477000" cy="1785950"/>
+          </a:xfrm>
+          <a:prstGeom prst="rect">
+            <a:avLst/>
+          </a:prstGeom>
+        </p:spPr>
+        <p:txBody>
+          <a:bodyPr anchor="ctr">
+            <a:normAutofit/>
+          </a:bodyPr>
+          <a:lstStyle/>
+          <a:p>
+            <a:pPr algn="ctr">
+              <a:defRPr/>
+            </a:pPr>
+            <a:endParaRPr lang="en-US" sz="2800" b="1" cap="all" dirty="0">
+              <a:ln w="0"/>
+              <a:solidFill>
+                <a:schemeClr val="bg2">
+                  <a:lumMod val="50000"/>
+                </a:schemeClr>
+              </a:solidFill>
+              <a:effectLst>
+                <a:reflection blurRad="12700" stA="50000" endPos="50000" dist="5000" dir="5400000" sy="-100000" rotWithShape="0"/>
+              </a:effectLst>
+            </a:endParaRPr>
+          </a:p>
+        </p:txBody>
+      </p:sp>
+      <p:pic>
+        <p:nvPicPr>
+          <p:cNvPr id="9222" name="Picture 18" descr="http://profile.ak.fbcdn.net/hprofile-ak-prn1/27544_148034858556961_4983_n.jpg"/>
+          <p:cNvPicPr>
+            <a:picLocks noChangeAspect="1" noChangeArrowheads="1"/>
+          </p:cNvPicPr>
+          <p:nvPr/>
+        </p:nvPicPr>
+        <p:blipFill>
+          <a:blip r:embed="rId3"/>
+          <a:srcRect/>
+          <a:stretch>
+            <a:fillRect/>
+          </a:stretch>
+        </p:blipFill>
+        <p:spPr bwMode="auto">
+          <a:xfrm>
+            <a:off x="6588125" y="0"/>
+            <a:ext cx="2555875" cy="1296988"/>
+          </a:xfrm>
+          <a:prstGeom prst="rect">
+            <a:avLst/>
+          </a:prstGeom>
+          <a:noFill/>
+          <a:ln w="9525">
+            <a:noFill/>
+            <a:miter lim="800000"/>
+            <a:headEnd/>
+            <a:tailEnd/>
+          </a:ln>
+        </p:spPr>
+      </p:pic>
+      <p:sp>
+        <p:nvSpPr>
+          <p:cNvPr id="9223" name="Espace réservé de la date 6"/>
+          <p:cNvSpPr>
+            <a:spLocks noGrp="1"/>
+          </p:cNvSpPr>
+          <p:nvPr>
+            <p:ph type="dt" sz="quarter" idx="10"/>
+          </p:nvPr>
+        </p:nvSpPr>
+        <p:spPr bwMode="auto">
+          <a:noFill/>
+          <a:ln>
+            <a:miter lim="800000"/>
+            <a:headEnd/>
+            <a:tailEnd/>
+          </a:ln>
+        </p:spPr>
+        <p:txBody>
+          <a:bodyPr wrap="square" lIns="91440" tIns="45720" rIns="91440" bIns="45720" numCol="1" compatLnSpc="1">
+            <a:prstTxWarp prst="textNoShape">
+              <a:avLst/>
+            </a:prstTxWarp>
+          </a:bodyPr>
+          <a:lstStyle/>
+          <a:p>
+            <a:fld id="{1CF47502-4209-46D6-AE4F-6A87675A05BA}" type="datetime1">
+              <a:rPr lang="fr-FR" smtClean="0"/>
+              <a:pPr/>
+              <a:t>16/11/2014</a:t>
+            </a:fld>
+            <a:endParaRPr lang="fr-BE" smtClean="0"/>
+          </a:p>
+        </p:txBody>
+      </p:sp>
+      <p:sp>
+        <p:nvSpPr>
+          <p:cNvPr id="9224" name="Espace réservé du numéro de diapositive 9"/>
+          <p:cNvSpPr>
+            <a:spLocks noGrp="1"/>
+          </p:cNvSpPr>
+          <p:nvPr>
+            <p:ph type="sldNum" sz="quarter" idx="11"/>
+          </p:nvPr>
+        </p:nvSpPr>
+        <p:spPr bwMode="auto">
+          <a:noFill/>
+          <a:ln>
+            <a:miter lim="800000"/>
+            <a:headEnd/>
+            <a:tailEnd/>
+          </a:ln>
+        </p:spPr>
+        <p:txBody>
+          <a:bodyPr wrap="square" lIns="91440" tIns="45720" rIns="91440" bIns="45720" numCol="1" compatLnSpc="1">
+            <a:prstTxWarp prst="textNoShape">
+              <a:avLst/>
+            </a:prstTxWarp>
+          </a:bodyPr>
+          <a:lstStyle/>
+          <a:p>
+            <a:r>
+              <a:rPr lang="fr-BE" smtClean="0"/>
+              <a:t>1</a:t>
+            </a:r>
+          </a:p>
+        </p:txBody>
+      </p:sp>
+      <p:sp>
+        <p:nvSpPr>
+          <p:cNvPr id="45058" name="AutoShape 2" descr="data:image/jpeg;base64,/9j/4AAQSkZJRgABAQAAAQABAAD/2wCEAAkGBxQQEBUUEBQUFRQUFBQVEBcWFBYXGBUVFBUXFhQUFRYYHCggGBolGxUVITIhJSorLjAuFyAzODMxNygtLisBCgoKDg0OGhAQGiwkICQsLCwsLCwsLCwsLCwsLCwsLCwsLCwsLCwsLCwsLCwsLCwsLCwsLCwsLCwsLCwsLCwsLP/AABEIAMIBAwMBEQACEQEDEQH/xAAcAAABBQEBAQAAAAAAAAAAAAADAAIEBQYBBwj/xAA/EAACAQIEAwYEBQEHAgcAAAABAgADEQQSITEFQVEGEyJhcYEHMpGhFEKxwfAjM1JigtHh8SRyFSU1Q3PC0//EABoBAAIDAQEAAAAAAAAAAAAAAAABAgMEBQb/xAAyEQACAgEDAgMHAwQDAQAAAAAAAQIRAwQSITFBE1FhBSIycYGR8KGxwRQzQuEj0fFi/9oADAMBAAIRAxEAPwDxCACgAoAKACgAoAKAHQIAOAgA4CAHQIAPCwALTSMRLpUoASkSMQUAQAa1oABYwAbADuSAxjUYgItajACK6xDBkQAaRADloAcgAoAKACgAoAKACgAoAKACgAoAKACgA4CADgIAOAgA4CADgsACIsBEqkkYEpRGI4zwAGa0QxprQAZngA5WjAMhgAYCAhlWlEMr69GAERliAYRAY0iADTADkAFABQAUAFABQAUAFABQAUAFABwEAHAQAcBAB4EAHgQEPVYASKVOMRKRIwOtACPUMBgWiA4BEMcBGIeojAMkADoYCDWgBGr0ohldWpxAR2EAGEQAYRAY0wAUAOQAUAFABQAUAFABQAUAOiADwIAOAgIeBAB6iABAsYBUWAiXRSAEjLGACpAYAi8Qzq0byNjSCrhorJUdOHjsTQ3u5IjR0LAQVBGAdIAcqLARX4hYgITrAYEiIBpEAGEQGNgAoAcgAoAKACgAoAKAHYAOAgA8CAh4EACKIAEURiCKsACosAJlERiDPACJUETJIdSo3kGyxIsMPg7yDZNRLCngIrJbRlbAeUaYnEhVMJJpkHEEcPHZGjncx2KhwSOxHHEYiDiBEIg1BAALCAwbCIBhEAGEQGcgAoAcgAoAKACgB2AHRAB4EBDwIAEUQAIojEFVYAEVYCDIsAJVIRiCMIDQLu9ZBssSJ+EoStsuSLvCYeVtk0i0o4cRWSo7VwcdhRX1sDJWRcSI+DkkyDQFsJHZFoBUw1pJMg0Q6qWkyDIFcQEQaggABhAAbCAwbCIBhEAGGAxQA5ABQAUAFADsAHAQEPAgARRAAqiMQVRAAqrAQVVgIMixiJNMQAKEkWTQWlQlbZdFFlhqMrbLUizoC0RIscO0iSRLC3iJUR61KNMTRDelJJkGjn4aSTINEXEYWTTINFPi6NpNMqaKfErJEGQKiwAAwgAJhAYNhAYIiIBpgA2AxQA5ABQA7ADogA8QEPUQAKojEFUQAKogIMixiDosBBkWArD01gKyXSpyLLIssMNh5TI0RLShhZWXIkrhYrJUTMJhSSAOci3QN0rLjF8IejbONxcRX5ihkUuhExGDYAEggHbzjTJbk+hD/CGSsiwy4LSSTIEXF4bSTTIsz3EKUmiqRnsWssRUytqLGIA4gAFhESBMIACYQGMMQDDABQGKAHIAdgA4QEPEACKIwCqICCoICDoIxB0EBBkWMiHRYCskU1jI2TKCyDROLLjBpKZI1QZe4WjKWaYk+nhgfLT+CIkHSgUKm1r6g9RfeRfIuJWibVxDVbZze20SjRGGNR6BK7NUVVY6L8vlGo0KMFFtoWFwAJkJyaKcmSiZi+F5BqJDdKLplKyu+TN8TpWvNcHZepWZHinOXIrkzM4uWIpbK6oIxEdxAYFxESAsIDBMIADYRDGGAHIDFABQAUAHCAgiwAIsYgyiABkEZEOggIvavZ6qmEGK8JpG2Ygm63NgSOl7D3Epx54zdUa9Rop4YqTad+RZ9mezoxeDrVbsrortS6MEF7H1taQ8aTyV2NM/Z8I6be/i/P09SlprNZxbJFNYyNljgaStmzPlspK6E5mFrLpt6+UjIcWXHD2spuubMoFyD4SDe66+QGvUyiZphIu8Noi6rYk6aZhaw10lD6muEuSTXxQpAXpV6hb5TTQFV1Grkna19pbDDuV2RnqNsqolcIT8SjumZQguc6lD9DKskJQdEf6pdkcR9YL1NF7kmmTabwURTaSJmHrWItvyinhb6HLzZku4fF47MrFm2GnmbaASUNJknNbjnz18Um7M5VwVauRkQkNezW003J6CdN6PHGPxcojpvaOacknC0+6/GYnj9F6VRqdQFXU2YH+ai1jeZ0jquRnlo95URL2zuqX6ZmC3+8b4ViXLSLn4k8Fp4NqfcplpgZWbqdLFjvf1mTHOSnTdnc1Okx/06lBJNfnPmVfGuydXC4WnXrMAagUinY3UNqLm+9iNLSzx/f219TEtDJ4Xl3dO1fz/AKMy4l5jAuIhgWEBgmgMGYgOQAUBigAhAQ8QAIsYBUgIMggIMgjEEZS1kXVnIVR67yE5KMW2W6eDnkSR7RiMCtLgvcP/AO4tOkOpYsp+yqx9pjvbCz0GSCnlUX2G4sDD4SnhaNhVxStTTT5KZFnc28jYeZ8o4tQpsjqMcst4occdfI87xODajUam4syMVb1HTynQi9ytHlckXCTi+wWjSuQAd7DXQAk236eckV9WWFfh9SgQKq5Sduh8wecVroTnjcHxyjVcL4lQXCGmyXqE/Nzt5TFkxy3E8bRT1UapUU3ARWuupuFvewFrXI0Jk3Oo1RsgrdmurYqhUw2VwwqDVHU2KkbEe4HtM0ZyTE8LciRw/CV1yGtWADEEoEs+TmSSTbTW1psUE0m0QnCN9RHHU3rGlSpiwJXMxsLjTQdPW3vHknGEabv0Ftr30uncG5Icg5RY28O315+v2lUJKXKVEskpbbDUao19LfXedPT475Z5P2jn2+6iRW4Qxp5+R5S5ZIqW0yPQ5fD8XsTuE41aaHP4FHNj00Gh1/KdhbQzNmnFvr/B3dFp8sEuLXmnaMV8WK1CqaNWjUR2syVcrAmwsaZI6auLyhNHTyQlFKTRjOzvBDjKrjMUFOmahI+a4IChempvfyleabhHgu0WnWfKoydL06mw4lVHEOHFqg/qKXp4gf3aijVrcrize8xTdq0elwwq8c+w/wCJGH/F8NV6exRai+lgbHzG0k3VSKYRvHOB4urZgD9fXnNvU8604umCcRgBaIkCaAA2iGNgAoDFABCAh6wAIsYgyQAMkBB0jIstexmBOIxeb8qfL7c5j1M+x2vZmH/JntHE6C1CuZrUsMhdjyz2uT55QLe5lM5W6XY3Qe1ObXMnx8il4W4AfH4vQhVsP7qj+zpJ53PuSTHii5slqMkNNjbl3/P1M3WwP4j/AKipVCvXZ3yFCQPGwAzX1Hh6dJrlqI4pbGmef0/szVa1PLjXF/iBYjhZo6s9NrFQcjNcZwxU2Kj+6fpLcWeGW1E5mXFPG2p8NcFjgHq4xu5Yq2dQgz7KBtY8jHLbiTaRHHmnF+6PXhNRagQiwLFQx+XS/P2MjvUlZZjjI1CUKGAYd6O8fLc7XBzEWC30BA3PJhrylTrqbEm1SZEw3EaF6lVk8YN6VO9wTyzE7gbnrbneVxrful08vMuanwogMJxZlrd61mJN2vz8ienkLSWTK58ElplXId8zvmCFc2thylcI+fQlJ7MdLl+oTDNci/vJp0VZo3HgueLYenTVGptc/mH6ibdFqPe2vo/0PMe1dGpRUodULGcVZUVVbQgMB5Hb950oYk22cnJqcigoJ8eQHFY5Wwfiy9417b3GVtSLbHQfWReBSyU1wa8Gqliw3F1J/wDfl0POO0OMLsqZyy0wQp2tfl7fuZm1HL2p2l+de51tE4qO9x2t+T4r0T6del15V0IvZvi/4TEiodUYFKtv7jEEkDmQQD7W5zLOG5UdHS6jwsim/qbarhxSxiFT/QxNkqEbMCD3Tg+pAv0Yzly92VHr3JTx+LHqT8XhLYSph+aMSgtujG5HsxP1Eal7u1kEv+RSXSS/U8IxdA0a9SmepI/n82m3BK4nC1+PZksC4lxiANEME0Bg2gMZEAoAKAxCAh6wAKsYgqQAOkZE7XbQKN209ucjOVKyeKG6R638KuHJRp945VSTpcgX02F9zObuuds9EouOFRiuWaHiNTvWGHpkHM2bEMP+64Qe+p9JU32RdCPO+XRdDFduMfmxBw6H+lQNgBsXyjMT6XK/WdTTY9sb8zzftPVPNk29l+r/ANdPuSMHxDCNTprU/E03FNKblUpVEJAAJAJDC5F+e8WXSKct1mvQe3npcUcThaX0/PsN4vWolFFGqKpLasKLUmVFBCq+YnNrUfY/7y0+B47t9Tka/VrUZHk83ZFo0HUZgCB1mm4vgwclmeI1GphLiy5SCAb+E+EE+UqeOKdmmGWTiojaNFnN9STuTreZskkjZjkHfBlReZ99muGQfhX8Sqbb6Xte/L2vJot3I1qYGgtEBSamJcXAF7hua2+stpJepXubfoU9OkWaygknYbnTeQRKXTk5iWI3BAOq36eR5+sug6MGbEmVmJxJHObseecejOPm0eKbuSKbH8QIF3YhPzWttsdpOefI1yyODSYVNVEsOBYHCYp1GYXNrkMe7BHmPTbzlcI7kadTmhhkl0sqe2zUTiLUbEqtqpAsGYEgEedgLnTlIyVMnDJvW4uuxL/icHVoubvRKmn1FNr2t6MD6aTmavHT3Luel9kapuPhy6L9n0/k1vCOIrUXNVZVdVZK19Bys/obfeZ4SXc6GTHKPEVfNo8h+JXDwmIzpaxsQRsffpaW6eW2VGbXwU4qXmZQm4uOc6JwegF4hgWgMG0BjIgFABQGIQEPWMAqwEFSAg6RiGYaqDVzN8q6fQ/rKM3PCNulSXLPTewT1cTiEqFStKmMqA8hz9zufQDlMbiuEju4pScJOXHBrON8TXB06tdVAaqxFHzJvlNunhJ9oY8e+dL8Rl1OfwsNy7dF5v8AOvoeWqxJJJuSSSTuSdST53nXR5STb5ZouztWnTp1ajgFxlFO+u+YkKOpsB6TNqYPJUF3HjainJgWrgsT4DmsSQmUKfmIUctSR7TW+hnfLpGnxHaqi2DWhkAYW8Vpjiqka3ins20iro05omU44mm7PYZWYX95ydROupqpmg7QYJGQd0BcDba/vKZZMcWqZZBSb90wXEeHuLX8Bb5TvYg9P5vNWGal8JqyxcY3L7GqwXC6tan3rEAi2xNgRzHMToPCqRyseqm266BXxhRlqBlas/8AaEgDYAAmx8JvcEeXQ60SkkrOgluXPQrsRSNV2zVFLak2vzJO1hpcmZFrILsyqc0+hQ8Vw5TexHIggj7To4csMnwsxZUUOKoCqpQi+bS21wR15TQ6UbZnhv8AEW0iU1NDwr4bbWN/vzihNVcWSz4nJ1kXJM4XwNsUxOYKCQGY9TfX7czzHMgSag5ckcb52R7GuwXCKfDqlM0yXdh/VK2a6nle1z1FsuoFwbSa00M0JRr5N+f58zZHO9POMr+aXdfnyLnEYXKuITKFaooI66XB36afWee29YvqexxzU5QmnweMcbxTqGw9cEFCe7J2sfyX6Xvb1tyEtUU+UZ9RJq4y6GZw77jodPebovg4WVVITyRWCaIkCaAxhiAUAFAYoCHrGAVYCCpAQRnyqT0H/EYh3BOHvWqKqgnX+GZM00kzq6XE5SR7/wAAwQw+DAtZm8C6bs2n2sT7TLuqJ1HzNRXbl/Qo/iiQThqCqxKq7NlFzrlVRbnz+s14VsTl6HG1EXqMscfm7b7Jef59zFYnA1KJHeU6lO/y94uUkdfPlNeOe7rwzn6zSeDK4PdHz46+Tpv/AGcQy057RKokHQkgcyAGP0JH6xSTapEsTUZ3Il0uHo21RvemP/0lPhs3LPD1+3+zScJwN1szbLobWv7XiyNpIjCKcm0XPCz3Y8zv6TgazNuyUui/c7ODSf8AHb6ssvxGa+oFgTqbbTMk5cFsdPGHNGZxN6zs1wAo8IO5F+XnznX0+Pw413Mud+I/Qsl4ocLTAxD90jWtm53F9ulhN0s06pLk4mTSOLuPcHRqmomfMuQg2ytcm+oubgW2013nJzJXt7/t+UXKOyNA2qLqSngDWZlXcgGxLOd9vv76VpptbzG9VCM9tlf4qei5ChOmYhxcnyFhvroPLWOKgluT5NLt8Gc4piT3ljoU8NwCpNuZFhY+06WKFQp9/wAozSbUrXFFbVqEm5JJ85akkqRFtydtl/wXjCUUelWS6uMri2o2IIvzBsR5gS+E9vzRicJLJvjymLjHbU017vh4NIZcprNY1mHO35aV/K585VknKfVnRxyr4VXr3/0eh0MSKlHCVydKlKnmPP8AqINSeua04uRbZI9VpZb8Utvz/Poea/FTgxJLqp/xaRRnU7NOVeJjs8spEh7Hci3+83wfkcDPFrqFeTKALQJAzAYwxAKACgMUBD1jAIsBBUgI7X1AHU/p/BFN0izDHdM9U+G3AxdXI1O05Um5SPRY4rHjs9JxGHZ6tJgpKAMVHQ3Auw62/eN22qRVCcYxkrpmMwnFaVXjeJLFQcho4bvNlqKFRhflcq2nrbebscKqfn+Ix/1HiReBdItN11a53fZ19EvImdtKi0sC1PFVFatUqq1EZsxUaZiBa4XQ8uclyqV82Tbxy3SjGobWnxV+X1XH1XyPMu+tzmqzzmwkUmawaxyk2BtpfpeMSirovuFC5ERYo0azhvB3A70vdWYqFuLDmABy9fKDxspWrSlSXeiZUodJztRo8c+ej8ztabV5MfHVfsCAJNiNNL+flMeHSOE7l2NubVxnBqPFkj8GHclVygnQdJvqzAqiV7KauIYZQ9SmjJZmNqY0vcg+E+fP02lmxyapGVveupKpoHQ52UG1stN/lA00sf5eUYtOm3ufJGMLVspOIcTFIjDqSVYNUe53C+H3NyJ0YS2x2GCXs+Lnvv6epTLxvuSo1qIL3pO3gOt1tpqdTuP10zY9NxUzWvdHYhHxtRqqUjmtdgp8CgWC5jbQWHqeVhtrUKjsj1Mks63eJPiK/X0X89ik4nW8VreL837CRhjcOGXTywzVKJHxlJ6ZHehlzAML7lTsRfeWNNdSmDjJe6LieA7unTqB1Zatyq38SgbBgOfXzle620aFBqKbPSexOIOJ4QKeVmNFqlMkac86AHqA6znapPc6Xqd72ZNKKbddvz6F32hwZqYcpV+ZQM3S5Gutut5nkrRuwSW7joz597T4HuK1uh/eatNO+DDrsW2yuebTkgWiJAzAYwxAKACgMUBDljAIsBBUgIlcJod9iFHIED76yjUSqJs0cLlZ9J9lMAtPCottSR69bTJjXB0dRJqXyRpqFhpp4f3Jt+kvhS4OfO3z5nzL2hxgq4zEONnxFZhboajW+02R+FIwyve2vMg96WsALkCwsNTqTy33goxj0RPJmy5fjk383ZPocKqMAX8HXNvblZRr13tJWVqBa1GYUVoiqxpqxfKQLZjuRbb7x26oXgxUty6l1wKlexjDvRouICp3a9zbMHUm9yABrew31AhLJJKkVR0uJz3vqFbHkDxixCqWPIk6WUanf+GRcG1ZZ/UY1LYnyLC41WcLqCdrgi/of23lLiadxoMBRZxdRtvLoY01bOfm1M1KoqzGdveI1WqChS0UIHqEX3vz8gB95RqXDF8X0XmdH2bLxo73xX1+lP8AftXqZ/hmDS4JZiQdSuY23IN7/eY3q8i6JI6EpxTW1N/Xt/KXb1Nbiezi1kDq12C7GxbnmK87WAv5zoYMkZY90ufkeezzyvO4wSVdU/4PPMMi1sUtNXOUsAGYBT9mP1vJTbii74o2b3i+PPBqZooyutVbm1r67yWLKn1XJz8uDK20nwzz1aFfGOTRpu9rnwqbb7ZrWvrte8jlzwi7k6NGLHHFGmzQYnsw5o4d8XVcPUXRW3SkGsnhcBl01t5yuedqSRqx6aKi3HgbifhzXUXDoRa97WH63+0j/Uc1X6i8N2bn4NVB+Aq0zbNTxNVT5+FGv6ayORq/mjXhTUfk/wA/c2OJpKzBiAQTby25/wA5zO0rs2QlJRcTwf4tcMC1SwG97W6dJXhlUzVqVvxp+h52r3F50jgjGgSBmAxpiAUAFAYoCOiMAiwEEzWF4CL3sLS/6mn5sJh1Ls6+hifTeCULSVtLgaW87feJLbFMjlblkcQeKxZpUK1SxYhHYAD+6pIH2kYS8yMo8pLsfLavoNb6fWdM5aD4DHtQqB1ANrgqdmU6Mp6ac+RseUBo09Sv3gVqV2SpfJp4rj5qbAfnFxceYI0IMaJ2F4XRR6oWo19fEFNwOoLbE+Q08+UlBbnRm1Od4oWlbPRMZhcOhQYe9gBe/WXbajyczHmeTNabfnZA4kLnwGoCoGcoQBaxKo1yL/NewsfPXWh9TsLoUWMxxygKlI6li9iGJBFwQQSG0I1O+9pNy46GSOmayOW50y34DXw4o3bO9ZWLDNnbLcgXudAMrOPcecztSs3JruWdbtzSoVwgRkBGWq5PhGYgoddwLkX8zfaOHD5KcsZONRKDt3XVSKjC97CwNruPl9tTp9bzJroznkjt8vt+fwb/AGTgiouMui546u6X7/uU/C+G4nE3K5Kaqua7NlCgtc5r7AKL6eW8wOWCPHMn+fydmb8PniK+74+yVr7Mm8F4wTxChRR89MZqIdhYO1T5mKsp8JICgWvz8p1oR2wqq9OpwM81kyb+ten/AEYzjPDauExT0SGzo5CaG7C/gZeZuLe+kt3Jq2U8UTsFwWtj6aOtemzlmBps5zoq28RFttZbjw7vhM2XURxP3lwek9i8I+DBw7srA+OllvYA/OtiT+a5/wA05HtXA4ZEzJLIssd6+TJ/abH4Zq1FMYwUCnUqM5stlSwFz+e5KjKBfblJaafiw97quLOhpsspQ+RUP28wdanUs5QJRuAUa7FWC5UuBcnMPprzlstLFzUn6GhSdDfghiy1LFhgbNWV7/4mTUfQCSzuml6F2FNpv1PRqHiGQnbUH0It+kz4+fdNU/de5HlXxmSwGg1JEhVZDYvewI8Vp6XHnOlF2jh5FUhNGRGGAxpiAUAFAYoCOiAD1jEOqfKYAuprfh6mbE077Ajfb3mDN1Ovpj6Lpt/RFrXuLeXnaE/gE1/yFhUUZLG1strHY3HiuJL/ABMq5kfO3aPsX+Fx9OiHCYbEPajUY6JrrSZj+YbAncEHrNUMm5epVmwOD9Cv7Ydkq3Dn8QLUWP8ATqWPPZagsMrewB3HQTTspI3D8UvfZU76nhqjIKqK9yQo18WgJ1b2NoSyQj8RLFps+ZbcfMn0LWkRhnqVaYIVSRhw2pLn5S3LwjxHzAHORxaiOSTcFwu5dr/ZmTSYIePJb5dl5ef7fiJXCe2FWkQKw75epNqgHk/5vRr+ol3iN9TkwgodDU4XilPEhjRYtchypOV0NgpDDYrpe4J1J3h1NMZJlbVwzElVAJOYtpcDM1yRzvcgdT7wJCw2EKk6m6/MpUqbdR1gFlpxChh6rK2XRRpm1131Gx9+pkNr7huKPitcOAmpAYd3be+y29zb0leeDlja6GjTZvDyKSv6FY3EmqqtIXWnp3gU61Wvcu55nXQbCwlGPTQw3Jcvz8vRBm1M8irojT8H7Ks6iot8y2ZTzBWxU+1hKpZ3dIx7uStxfZ6pisWFxFR8o1qNfUAEXWncWBN9vUxy1Eo424q32N2j08tRLnp5/wAGwxXYbD4NEr4NH7ymR3hLsxek1le4vbTwtoPymc72f7Wz/wBTFTdp8VSLcmkwZoTxzW3h07fElyur79PqRuLqyPQrpe9GoA460atlcexyP/knqfaeJZNO35cnldEm5vEv8v3XP/a+pH+K/DVqYJapID0nBS5ALK9ldBf/ACt/knnfZ83HI12Zt0smp0eX4Ph34hqNLDZ3rvmFUMAEU5vCwYa5cupJ9p2HLby+h0oQlOW2KPoPsJwBMBhRRpnMxOeo+2epYeLyWwAA6fWZHJylZrnj8NJFy39qelrjyNtf56yuP9xli/tnk/xgF1U25/y/SRfxmt8Y6PFnPjM3Y+hyM3xDWkyoaYDGxAKACgMUBHRABwjAdU+WAkbP4dqBWQna/wDxMGbqdbA66H0bwgB6JG1x0lkYqUaKtS3DImdxFey6+YlW7gIY7kZ3iWApYtGpV1Dq3IjS42I5w3J9OpvaqPKteRAwfC0oUXoMpq0nUoBUOcjQgC5HiFuv9xRew0lHNL/IpyaKE1F4uGvtX18vIpuJdnKPdsAgUKLqRodOQPX2PpKoPbbkrOjNOSSxz2fJL7/+NFLgeCpUpkKc4bUh/mU9Qb2B5XB+k7OCMZQ91UvKjxvtGc8efblnufnd39+fozJ8TwIpuQpPkG0Psdj/ADeRlCnwQXKtG37JcM/D4XOw8dbxHqF/IP3944pLqSqS5X4g2CruuIXuRdy6BB1bOLX8oNE9xYdoeNriWB7tVdMyMym+f8pOnLeOMCjJnSKRq5Qq1gcpBsdjY3sZNwKY6lMpO1PGe+rd4qCnZQLaNci+p0Fzr05CVpOJpTWRUyhwGKyuCZRkVov6nq3ZrtklGlY22mBRlCTaKlaZX/8Aj1Jy7tURLEk3YD9YeHLyPUezdXD+nrJJLbxz5dv+jQdmu1a4nBHvELnPUpXAypVQaBxfUAg2ItuDytMWT2TOWbfGSS6+qf56nMnqEsm6PZ8P9nyR8I9x3eYF1C3va5FhcnffWdjNqsqh4V9vuW6X2dpMmWWr2vmTaV8R7qqr9SXxPh34pBTqjNTXkdhpt5H/AHnPjGSapm5YNPFu0m32YbhnBcPhFHcoFLAZjuSANBmNza0t3d5ckYRq1FJK+38mh4bX2+pjjPkzaiBOVBkZjz29h/reWQiqbZmbe5RR418VXDAW8/8AmU/5G/I6jTPGvzGdCPQ4+X4hGSKxpgM5EAoAKAxQEKAD1jAVU7DziY49Td9h9GU+en+8wZDq6fqe9dlq3hsen1k8L4DWxVWjuNX+ow87+0okveaJ4X7iZylhMut78tf1ElGNBLNu4Mv2t7U0OHXz+J28SUwbs19L9FXQ6npHGEpyqJOWaMIKU38kup5RxLtjiMU9mOSnf5F6ebc/tNmLTxjy+Tm6nXZckWoe6vTr9/8Aw9F4d2hwv4AUwo7wDfznQUubvg8zPDarbzfUosXwxcVlJBZrgC3Qk7+5J63O8jW90bZZP6fHbLbGVjQUUal1dVAF+YAtf18pGUdvBLT6jxldUVfDOLClWL2YsFPdlTqh5t9CfrElY8s1BEzgWCNc36mwA5noPTTX/WaYpJWcPPklKW2JZ8Z4E1EeIS2O2S4MeR5cMqmY2nhKDV7YpmVP8PM9GPIeky5VR2dLlcl1LbtF2SwYRKmDqGk4F9SalJsu2fMSVY+Xuusx72nydhQ3RoxDYasj5X0G5YG62vyI5+UPdfKGo9vImvje6Q3tk5qVVrm2nzA6nrDaS6FhS7YpSwaU8Ond1g7F9Aadib2VeXtaRUJb7shTsuH4Uz4VuJDEBK5t4UNvlAUAKSdLDY3lU3udNcEoZZwdxdE3sf27Wvkw+KIWozBFNjlfpc8mJNrf8SnJglDlcr9jr4NXHK7lxLt6/Ly+R6U2HzbaADl+3oJFxsaybepHFPLoOelzzlbVdC7du5ZacUrZKIA6C4/Wam9sKMOnjuyNs8V7fVc179P4Znh1s26g8mqfOZ0IdDj5eo0yZUcMQzkAFABQGKACEBBFjA5bM3pIydFmONs2vZd7EDbpMMzp4OD3nsq3gX/t1ksY9WvdJnETlfN7H0Ivf7bSvJxKyOD3o7TK9q+2tLBqTfMQLKoOrPYiw8hzPnK4OeSW2H3L5Y4YMe/L9F3Z4PxXiNTFVnrVjd3Nz0AGgUDkALCdWEFCO1HFyZHkk5Mj0zJFZdcMrWIkrFtRsuE8QKWINiNpKLoqyY1NUwPGccatcVKrFgSO8H5gBzQ9bcj9RFLkMeNQspaFUVKx3CqHqEDxNkTxFUH5mt/qbAEhp0V5YblRoOy/abJUD2AA0RQdFXkAefrzJJ5zVFqSpnBzRljnuiajjHaYYgXPyrbN532UeZt+/KWQUYLgyajJk1M05GEXHYcVycUrtTKsLITe5ta9iCRa4+kzZZPsdfR4aSszWG4zUoMRSYmmSfA/iGW+gI2/a8zSimduDpEvFcYp1UUgd26kkjVgwO6jp135DaVqFPgm3fUpq9cubn2HSWJCGCMRIGLfLlzHL0vpFtXUKAhiDcEgg3BG4I2I84w+R7J2F7eCuipXa1RLCpyzi4s4/QjqZyc0JYZf/P5wdzA46mDr4/L+V+cG9w796wtsCLedzy+kF7zIzXhx57huOv4PYzRPoU6Ve8zw7thXuWueZlMS/M+DzTE6OfWbsfQ5WVcnDLCoaYgFABQGKACgB0QEEGgjAsOC0AxIPMaTNkZsxxo0vBaBRwRrrp6SiTNuCNs9p7Kucq9LbfzeGNl2qilEynxL7YHDsaaE53F1G2VQbKxPmQduhkYYnmk32K3nhpYJVcjx/F4lqrFnNyf5pOjCEYKonIzZp5ZbpvkAZIqEpgBPwdS0YF5h8ZYRiAY3GXgBUNiSGBBIIIIINiCDcEEbEdYrIuNlnQxCViGLpQqb1SQRTdedRQo8NT/ANG5WOhmpNdDNkwRl1JzccQDw3slxSQ7k6f1Kp2JJ1IHQLoBeSc2Z1pEnZn8TiSx1Mg2bMePaRGMiXo4IDHCAHYAK8AOEwA7TqlWDKbEbGRlFSVMnCcoSUoumj1T4a9sWqOKNQ+NfGL38SiwNj1AI08jOblwvC1JdDtYtTDVRcJqpUei9oqxynpb+Wk5y4FpYL6niHaW7uSBzsfPzkYhqI0zKcWweVQeZM0Y5cmDJG0Vd9JoMZyACgAoDOQA7ABywEEI0+kH0JQ+JE7h1TxjpM00bEemcA4eCoOh2vflMWSdOjsaXHGrZuuDU3ReQG2mpttYaC0gp0T1LjJo8h+JtTNxF+gp01X0tf9SZ0dHXhfVnC19rNz5Iys1GI4YAcgAWk9oAS0xEYA6ta8AIrNEAlMYqH5oWFHCYDo5EB0RgdgArwA5eAHCYANJiA0Pw6cjieHt1qZvTun/e0z6uvCd+n7mvRJvMq9f2Pa+Ls7JYC4GgI3t0M5viWjvadQUnZgOOcOsCbWtJwnfBHVYl8SPOuLVLvbkJrgjjsqGFiZpjyjJNVIbGQFAYoAcgB0QAesBBW2MfYF1DcN3HrM+Q1w6HrfZA+Een+k5mb4ju6f8Atm8w/wAhlPYhP40eL/E7/wBQb/46f/2nW0P9r6s5HtH+8vkv5MpNhgOGADYAOEAHiAHGgA2AHRADsYHIgOwAUYHYAciAUAOGADTADT/DIf8AmKf9j/tMeu/tfVG/2d/e+jPbcX/ZTldjr4/7hiu1B8P1luL4i3P8B5DxPc+v7zpYzhSIE0LoZJ/ENMCIoDFAD//Z"/>
+          <p:cNvSpPr>
+            <a:spLocks noChangeAspect="1" noChangeArrowheads="1"/>
+          </p:cNvSpPr>
+          <p:nvPr/>
+        </p:nvSpPr>
+        <p:spPr bwMode="auto">
+          <a:xfrm>
+            <a:off x="155575" y="-144463"/>
+            <a:ext cx="304800" cy="304801"/>
+          </a:xfrm>
+          <a:prstGeom prst="rect">
+            <a:avLst/>
+          </a:prstGeom>
+          <a:noFill/>
+        </p:spPr>
+        <p:txBody>
+          <a:bodyPr vert="horz" wrap="square" lIns="91440" tIns="45720" rIns="91440" bIns="45720" numCol="1" anchor="t" anchorCtr="0" compatLnSpc="1">
+            <a:prstTxWarp prst="textNoShape">
+              <a:avLst/>
+            </a:prstTxWarp>
+          </a:bodyPr>
+          <a:lstStyle/>
+          <a:p>
+            <a:endParaRPr lang="en-US"/>
+          </a:p>
+        </p:txBody>
+      </p:sp>
+      <p:sp>
+        <p:nvSpPr>
+          <p:cNvPr id="45060" name="AutoShape 4" descr="data:image/jpeg;base64,/9j/4AAQSkZJRgABAQAAAQABAAD/2wCEAAkGBxQQEBUUEBQUFRQUFBQVEBcWFBYXGBUVFBUXFhQUFRYYHCggGBolGxUVITIhJSorLjAuFyAzODMxNygtLisBCgoKDg0OGhAQGiwkICQsLCwsLCwsLCwsLCwsLCwsLCwsLCwsLCwsLCwsLCwsLCwsLCwsLCwsLCwsLCwsLCwsLP/AABEIAMIBAwMBEQACEQEDEQH/xAAcAAABBQEBAQAAAAAAAAAAAAADAAIEBQYBBwj/xAA/EAACAQIEAwYEBQEHAgcAAAABAgADEQQSITEFQVEGEyJhcYEHMpGhFEKxwfAjM1JigtHh8SRyFSU1Q3PC0//EABoBAAIDAQEAAAAAAAAAAAAAAAABAgMEBQb/xAAyEQACAgEDAgMHAwQDAQAAAAAAAQIRAwQSITFBE1FhBSIycYGR8KGxwRQzQuEj0fFi/9oADAMBAAIRAxEAPwDxCACgAoAKACgAoAKAHQIAOAgA4CAHQIAPCwALTSMRLpUoASkSMQUAQAa1oABYwAbADuSAxjUYgItajACK6xDBkQAaRADloAcgAoAKACgAoAKACgAoAKACgAoAKACgA4CADgIAOAgA4CADgsACIsBEqkkYEpRGI4zwAGa0QxprQAZngA5WjAMhgAYCAhlWlEMr69GAERliAYRAY0iADTADkAFABQAUAFABQAUAFABQAUAFABwEAHAQAcBAB4EAHgQEPVYASKVOMRKRIwOtACPUMBgWiA4BEMcBGIeojAMkADoYCDWgBGr0ohldWpxAR2EAGEQAYRAY0wAUAOQAUAFABQAUAFABQAUAOiADwIAOAgIeBAB6iABAsYBUWAiXRSAEjLGACpAYAi8Qzq0byNjSCrhorJUdOHjsTQ3u5IjR0LAQVBGAdIAcqLARX4hYgITrAYEiIBpEAGEQGNgAoAcgAoAKACgAoAKAHYAOAgA8CAh4EACKIAEURiCKsACosAJlERiDPACJUETJIdSo3kGyxIsMPg7yDZNRLCngIrJbRlbAeUaYnEhVMJJpkHEEcPHZGjncx2KhwSOxHHEYiDiBEIg1BAALCAwbCIBhEAGEQGcgAoAcgAoAKACgB2AHRAB4EBDwIAEUQAIojEFVYAEVYCDIsAJVIRiCMIDQLu9ZBssSJ+EoStsuSLvCYeVtk0i0o4cRWSo7VwcdhRX1sDJWRcSI+DkkyDQFsJHZFoBUw1pJMg0Q6qWkyDIFcQEQaggABhAAbCAwbCIBhEAGGAxQA5ABQAUAFADsAHAQEPAgARRAAqiMQVRAAqrAQVVgIMixiJNMQAKEkWTQWlQlbZdFFlhqMrbLUizoC0RIscO0iSRLC3iJUR61KNMTRDelJJkGjn4aSTINEXEYWTTINFPi6NpNMqaKfErJEGQKiwAAwgAJhAYNhAYIiIBpgA2AxQA5ABQA7ADogA8QEPUQAKojEFUQAKogIMixiDosBBkWArD01gKyXSpyLLIssMNh5TI0RLShhZWXIkrhYrJUTMJhSSAOci3QN0rLjF8IejbONxcRX5ihkUuhExGDYAEggHbzjTJbk+hD/CGSsiwy4LSSTIEXF4bSTTIsz3EKUmiqRnsWssRUytqLGIA4gAFhESBMIACYQGMMQDDABQGKAHIAdgA4QEPEACKIwCqICCoICDoIxB0EBBkWMiHRYCskU1jI2TKCyDROLLjBpKZI1QZe4WjKWaYk+nhgfLT+CIkHSgUKm1r6g9RfeRfIuJWibVxDVbZze20SjRGGNR6BK7NUVVY6L8vlGo0KMFFtoWFwAJkJyaKcmSiZi+F5BqJDdKLplKyu+TN8TpWvNcHZepWZHinOXIrkzM4uWIpbK6oIxEdxAYFxESAsIDBMIADYRDGGAHIDFABQAUAHCAgiwAIsYgyiABkEZEOggIvavZ6qmEGK8JpG2Ygm63NgSOl7D3Epx54zdUa9Rop4YqTad+RZ9mezoxeDrVbsrortS6MEF7H1taQ8aTyV2NM/Z8I6be/i/P09SlprNZxbJFNYyNljgaStmzPlspK6E5mFrLpt6+UjIcWXHD2spuubMoFyD4SDe66+QGvUyiZphIu8Noi6rYk6aZhaw10lD6muEuSTXxQpAXpV6hb5TTQFV1Grkna19pbDDuV2RnqNsqolcIT8SjumZQguc6lD9DKskJQdEf6pdkcR9YL1NF7kmmTabwURTaSJmHrWItvyinhb6HLzZku4fF47MrFm2GnmbaASUNJknNbjnz18Um7M5VwVauRkQkNezW003J6CdN6PHGPxcojpvaOacknC0+6/GYnj9F6VRqdQFXU2YH+ai1jeZ0jquRnlo95URL2zuqX6ZmC3+8b4ViXLSLn4k8Fp4NqfcplpgZWbqdLFjvf1mTHOSnTdnc1Okx/06lBJNfnPmVfGuydXC4WnXrMAagUinY3UNqLm+9iNLSzx/f219TEtDJ4Xl3dO1fz/AKMy4l5jAuIhgWEBgmgMGYgOQAUBigAhAQ8QAIsYBUgIMggIMgjEEZS1kXVnIVR67yE5KMW2W6eDnkSR7RiMCtLgvcP/AO4tOkOpYsp+yqx9pjvbCz0GSCnlUX2G4sDD4SnhaNhVxStTTT5KZFnc28jYeZ8o4tQpsjqMcst4occdfI87xODajUam4syMVb1HTynQi9ytHlckXCTi+wWjSuQAd7DXQAk236eckV9WWFfh9SgQKq5Sduh8wecVroTnjcHxyjVcL4lQXCGmyXqE/Nzt5TFkxy3E8bRT1UapUU3ARWuupuFvewFrXI0Jk3Oo1RsgrdmurYqhUw2VwwqDVHU2KkbEe4HtM0ZyTE8LciRw/CV1yGtWADEEoEs+TmSSTbTW1psUE0m0QnCN9RHHU3rGlSpiwJXMxsLjTQdPW3vHknGEabv0Ftr30uncG5Icg5RY28O315+v2lUJKXKVEskpbbDUao19LfXedPT475Z5P2jn2+6iRW4Qxp5+R5S5ZIqW0yPQ5fD8XsTuE41aaHP4FHNj00Gh1/KdhbQzNmnFvr/B3dFp8sEuLXmnaMV8WK1CqaNWjUR2syVcrAmwsaZI6auLyhNHTyQlFKTRjOzvBDjKrjMUFOmahI+a4IChempvfyleabhHgu0WnWfKoydL06mw4lVHEOHFqg/qKXp4gf3aijVrcrize8xTdq0elwwq8c+w/wCJGH/F8NV6exRai+lgbHzG0k3VSKYRvHOB4urZgD9fXnNvU8604umCcRgBaIkCaAA2iGNgAoDFABCAh6wAIsYgyQAMkBB0jIstexmBOIxeb8qfL7c5j1M+x2vZmH/JntHE6C1CuZrUsMhdjyz2uT55QLe5lM5W6XY3Qe1ObXMnx8il4W4AfH4vQhVsP7qj+zpJ53PuSTHii5slqMkNNjbl3/P1M3WwP4j/AKipVCvXZ3yFCQPGwAzX1Hh6dJrlqI4pbGmef0/szVa1PLjXF/iBYjhZo6s9NrFQcjNcZwxU2Kj+6fpLcWeGW1E5mXFPG2p8NcFjgHq4xu5Yq2dQgz7KBtY8jHLbiTaRHHmnF+6PXhNRagQiwLFQx+XS/P2MjvUlZZjjI1CUKGAYd6O8fLc7XBzEWC30BA3PJhrylTrqbEm1SZEw3EaF6lVk8YN6VO9wTyzE7gbnrbneVxrful08vMuanwogMJxZlrd61mJN2vz8ienkLSWTK58ElplXId8zvmCFc2thylcI+fQlJ7MdLl+oTDNci/vJp0VZo3HgueLYenTVGptc/mH6ibdFqPe2vo/0PMe1dGpRUodULGcVZUVVbQgMB5Hb950oYk22cnJqcigoJ8eQHFY5Wwfiy9417b3GVtSLbHQfWReBSyU1wa8Gqliw3F1J/wDfl0POO0OMLsqZyy0wQp2tfl7fuZm1HL2p2l+de51tE4qO9x2t+T4r0T6del15V0IvZvi/4TEiodUYFKtv7jEEkDmQQD7W5zLOG5UdHS6jwsim/qbarhxSxiFT/QxNkqEbMCD3Tg+pAv0Yzly92VHr3JTx+LHqT8XhLYSph+aMSgtujG5HsxP1Eal7u1kEv+RSXSS/U8IxdA0a9SmepI/n82m3BK4nC1+PZksC4lxiANEME0Bg2gMZEAoAKAxCAh6wAKsYgqQAOkZE7XbQKN209ucjOVKyeKG6R638KuHJRp945VSTpcgX02F9zObuuds9EouOFRiuWaHiNTvWGHpkHM2bEMP+64Qe+p9JU32RdCPO+XRdDFduMfmxBw6H+lQNgBsXyjMT6XK/WdTTY9sb8zzftPVPNk29l+r/ANdPuSMHxDCNTprU/E03FNKblUpVEJAAJAJDC5F+e8WXSKct1mvQe3npcUcThaX0/PsN4vWolFFGqKpLasKLUmVFBCq+YnNrUfY/7y0+B47t9Tka/VrUZHk83ZFo0HUZgCB1mm4vgwclmeI1GphLiy5SCAb+E+EE+UqeOKdmmGWTiojaNFnN9STuTreZskkjZjkHfBlReZ99muGQfhX8Sqbb6Xte/L2vJot3I1qYGgtEBSamJcXAF7hua2+stpJepXubfoU9OkWaygknYbnTeQRKXTk5iWI3BAOq36eR5+sug6MGbEmVmJxJHObseecejOPm0eKbuSKbH8QIF3YhPzWttsdpOefI1yyODSYVNVEsOBYHCYp1GYXNrkMe7BHmPTbzlcI7kadTmhhkl0sqe2zUTiLUbEqtqpAsGYEgEedgLnTlIyVMnDJvW4uuxL/icHVoubvRKmn1FNr2t6MD6aTmavHT3Luel9kapuPhy6L9n0/k1vCOIrUXNVZVdVZK19Bys/obfeZ4SXc6GTHKPEVfNo8h+JXDwmIzpaxsQRsffpaW6eW2VGbXwU4qXmZQm4uOc6JwegF4hgWgMG0BjIgFABQGIQEPWMAqwEFSAg6RiGYaqDVzN8q6fQ/rKM3PCNulSXLPTewT1cTiEqFStKmMqA8hz9zufQDlMbiuEju4pScJOXHBrON8TXB06tdVAaqxFHzJvlNunhJ9oY8e+dL8Rl1OfwsNy7dF5v8AOvoeWqxJJJuSSSTuSdST53nXR5STb5ZouztWnTp1ajgFxlFO+u+YkKOpsB6TNqYPJUF3HjainJgWrgsT4DmsSQmUKfmIUctSR7TW+hnfLpGnxHaqi2DWhkAYW8Vpjiqka3ins20iro05omU44mm7PYZWYX95ydROupqpmg7QYJGQd0BcDba/vKZZMcWqZZBSb90wXEeHuLX8Bb5TvYg9P5vNWGal8JqyxcY3L7GqwXC6tan3rEAi2xNgRzHMToPCqRyseqm266BXxhRlqBlas/8AaEgDYAAmx8JvcEeXQ60SkkrOgluXPQrsRSNV2zVFLak2vzJO1hpcmZFrILsyqc0+hQ8Vw5TexHIggj7To4csMnwsxZUUOKoCqpQi+bS21wR15TQ6UbZnhv8AEW0iU1NDwr4bbWN/vzihNVcWSz4nJ1kXJM4XwNsUxOYKCQGY9TfX7czzHMgSag5ckcb52R7GuwXCKfDqlM0yXdh/VK2a6nle1z1FsuoFwbSa00M0JRr5N+f58zZHO9POMr+aXdfnyLnEYXKuITKFaooI66XB36afWee29YvqexxzU5QmnweMcbxTqGw9cEFCe7J2sfyX6Xvb1tyEtUU+UZ9RJq4y6GZw77jodPebovg4WVVITyRWCaIkCaAxhiAUAFAYoCHrGAVYCCpAQRnyqT0H/EYh3BOHvWqKqgnX+GZM00kzq6XE5SR7/wAAwQw+DAtZm8C6bs2n2sT7TLuqJ1HzNRXbl/Qo/iiQThqCqxKq7NlFzrlVRbnz+s14VsTl6HG1EXqMscfm7b7Jef59zFYnA1KJHeU6lO/y94uUkdfPlNeOe7rwzn6zSeDK4PdHz46+Tpv/AGcQy057RKokHQkgcyAGP0JH6xSTapEsTUZ3Il0uHo21RvemP/0lPhs3LPD1+3+zScJwN1szbLobWv7XiyNpIjCKcm0XPCz3Y8zv6TgazNuyUui/c7ODSf8AHb6ssvxGa+oFgTqbbTMk5cFsdPGHNGZxN6zs1wAo8IO5F+XnznX0+Pw413Mud+I/Qsl4ocLTAxD90jWtm53F9ulhN0s06pLk4mTSOLuPcHRqmomfMuQg2ytcm+oubgW2013nJzJXt7/t+UXKOyNA2qLqSngDWZlXcgGxLOd9vv76VpptbzG9VCM9tlf4qei5ChOmYhxcnyFhvroPLWOKgluT5NLt8Gc4piT3ljoU8NwCpNuZFhY+06WKFQp9/wAozSbUrXFFbVqEm5JJ85akkqRFtydtl/wXjCUUelWS6uMri2o2IIvzBsR5gS+E9vzRicJLJvjymLjHbU017vh4NIZcprNY1mHO35aV/K585VknKfVnRxyr4VXr3/0eh0MSKlHCVydKlKnmPP8AqINSeua04uRbZI9VpZb8Utvz/Poea/FTgxJLqp/xaRRnU7NOVeJjs8spEh7Hci3+83wfkcDPFrqFeTKALQJAzAYwxAKACgMUBD1jAIsBBUgI7X1AHU/p/BFN0izDHdM9U+G3AxdXI1O05Um5SPRY4rHjs9JxGHZ6tJgpKAMVHQ3Auw62/eN22qRVCcYxkrpmMwnFaVXjeJLFQcho4bvNlqKFRhflcq2nrbebscKqfn+Ix/1HiReBdItN11a53fZ19EvImdtKi0sC1PFVFatUqq1EZsxUaZiBa4XQ8uclyqV82Tbxy3SjGobWnxV+X1XH1XyPMu+tzmqzzmwkUmawaxyk2BtpfpeMSirovuFC5ERYo0azhvB3A70vdWYqFuLDmABy9fKDxspWrSlSXeiZUodJztRo8c+ej8ztabV5MfHVfsCAJNiNNL+flMeHSOE7l2NubVxnBqPFkj8GHclVygnQdJvqzAqiV7KauIYZQ9SmjJZmNqY0vcg+E+fP02lmxyapGVveupKpoHQ52UG1stN/lA00sf5eUYtOm3ufJGMLVspOIcTFIjDqSVYNUe53C+H3NyJ0YS2x2GCXs+Lnvv6epTLxvuSo1qIL3pO3gOt1tpqdTuP10zY9NxUzWvdHYhHxtRqqUjmtdgp8CgWC5jbQWHqeVhtrUKjsj1Mks63eJPiK/X0X89ik4nW8VreL837CRhjcOGXTywzVKJHxlJ6ZHehlzAML7lTsRfeWNNdSmDjJe6LieA7unTqB1Zatyq38SgbBgOfXzle620aFBqKbPSexOIOJ4QKeVmNFqlMkac86AHqA6znapPc6Xqd72ZNKKbddvz6F32hwZqYcpV+ZQM3S5Gutut5nkrRuwSW7joz597T4HuK1uh/eatNO+DDrsW2yuebTkgWiJAzAYwxAKACgMUBDljAIsBBUgIlcJod9iFHIED76yjUSqJs0cLlZ9J9lMAtPCottSR69bTJjXB0dRJqXyRpqFhpp4f3Jt+kvhS4OfO3z5nzL2hxgq4zEONnxFZhboajW+02R+FIwyve2vMg96WsALkCwsNTqTy33goxj0RPJmy5fjk383ZPocKqMAX8HXNvblZRr13tJWVqBa1GYUVoiqxpqxfKQLZjuRbb7x26oXgxUty6l1wKlexjDvRouICp3a9zbMHUm9yABrew31AhLJJKkVR0uJz3vqFbHkDxixCqWPIk6WUanf+GRcG1ZZ/UY1LYnyLC41WcLqCdrgi/of23lLiadxoMBRZxdRtvLoY01bOfm1M1KoqzGdveI1WqChS0UIHqEX3vz8gB95RqXDF8X0XmdH2bLxo73xX1+lP8AftXqZ/hmDS4JZiQdSuY23IN7/eY3q8i6JI6EpxTW1N/Xt/KXb1Nbiezi1kDq12C7GxbnmK87WAv5zoYMkZY90ufkeezzyvO4wSVdU/4PPMMi1sUtNXOUsAGYBT9mP1vJTbii74o2b3i+PPBqZooyutVbm1r67yWLKn1XJz8uDK20nwzz1aFfGOTRpu9rnwqbb7ZrWvrte8jlzwi7k6NGLHHFGmzQYnsw5o4d8XVcPUXRW3SkGsnhcBl01t5yuedqSRqx6aKi3HgbifhzXUXDoRa97WH63+0j/Uc1X6i8N2bn4NVB+Aq0zbNTxNVT5+FGv6ayORq/mjXhTUfk/wA/c2OJpKzBiAQTby25/wA5zO0rs2QlJRcTwf4tcMC1SwG97W6dJXhlUzVqVvxp+h52r3F50jgjGgSBmAxpiAUAFAYoCOiMAiwEEzWF4CL3sLS/6mn5sJh1Ls6+hifTeCULSVtLgaW87feJLbFMjlblkcQeKxZpUK1SxYhHYAD+6pIH2kYS8yMo8pLsfLavoNb6fWdM5aD4DHtQqB1ANrgqdmU6Mp6ac+RseUBo09Sv3gVqV2SpfJp4rj5qbAfnFxceYI0IMaJ2F4XRR6oWo19fEFNwOoLbE+Q08+UlBbnRm1Od4oWlbPRMZhcOhQYe9gBe/WXbajyczHmeTNabfnZA4kLnwGoCoGcoQBaxKo1yL/NewsfPXWh9TsLoUWMxxygKlI6li9iGJBFwQQSG0I1O+9pNy46GSOmayOW50y34DXw4o3bO9ZWLDNnbLcgXudAMrOPcecztSs3JruWdbtzSoVwgRkBGWq5PhGYgoddwLkX8zfaOHD5KcsZONRKDt3XVSKjC97CwNruPl9tTp9bzJroznkjt8vt+fwb/AGTgiouMui546u6X7/uU/C+G4nE3K5Kaqua7NlCgtc5r7AKL6eW8wOWCPHMn+fydmb8PniK+74+yVr7Mm8F4wTxChRR89MZqIdhYO1T5mKsp8JICgWvz8p1oR2wqq9OpwM81kyb+ten/AEYzjPDauExT0SGzo5CaG7C/gZeZuLe+kt3Jq2U8UTsFwWtj6aOtemzlmBps5zoq28RFttZbjw7vhM2XURxP3lwek9i8I+DBw7srA+OllvYA/OtiT+a5/wA05HtXA4ZEzJLIssd6+TJ/abH4Zq1FMYwUCnUqM5stlSwFz+e5KjKBfblJaafiw97quLOhpsspQ+RUP28wdanUs5QJRuAUa7FWC5UuBcnMPprzlstLFzUn6GhSdDfghiy1LFhgbNWV7/4mTUfQCSzuml6F2FNpv1PRqHiGQnbUH0It+kz4+fdNU/de5HlXxmSwGg1JEhVZDYvewI8Vp6XHnOlF2jh5FUhNGRGGAxpiAUAFAYoCOiAD1jEOqfKYAuprfh6mbE077Ajfb3mDN1Ovpj6Lpt/RFrXuLeXnaE/gE1/yFhUUZLG1strHY3HiuJL/ABMq5kfO3aPsX+Fx9OiHCYbEPajUY6JrrSZj+YbAncEHrNUMm5epVmwOD9Cv7Ydkq3Dn8QLUWP8ATqWPPZagsMrewB3HQTTspI3D8UvfZU76nhqjIKqK9yQo18WgJ1b2NoSyQj8RLFps+ZbcfMn0LWkRhnqVaYIVSRhw2pLn5S3LwjxHzAHORxaiOSTcFwu5dr/ZmTSYIePJb5dl5ef7fiJXCe2FWkQKw75epNqgHk/5vRr+ol3iN9TkwgodDU4XilPEhjRYtchypOV0NgpDDYrpe4J1J3h1NMZJlbVwzElVAJOYtpcDM1yRzvcgdT7wJCw2EKk6m6/MpUqbdR1gFlpxChh6rK2XRRpm1131Gx9+pkNr7huKPitcOAmpAYd3be+y29zb0leeDlja6GjTZvDyKSv6FY3EmqqtIXWnp3gU61Wvcu55nXQbCwlGPTQw3Jcvz8vRBm1M8irojT8H7Ks6iot8y2ZTzBWxU+1hKpZ3dIx7uStxfZ6pisWFxFR8o1qNfUAEXWncWBN9vUxy1Eo424q32N2j08tRLnp5/wAGwxXYbD4NEr4NH7ymR3hLsxek1le4vbTwtoPymc72f7Wz/wBTFTdp8VSLcmkwZoTxzW3h07fElyur79PqRuLqyPQrpe9GoA460atlcexyP/knqfaeJZNO35cnldEm5vEv8v3XP/a+pH+K/DVqYJapID0nBS5ALK9ldBf/ACt/knnfZ83HI12Zt0smp0eX4Ph34hqNLDZ3rvmFUMAEU5vCwYa5cupJ9p2HLby+h0oQlOW2KPoPsJwBMBhRRpnMxOeo+2epYeLyWwAA6fWZHJylZrnj8NJFy39qelrjyNtf56yuP9xli/tnk/xgF1U25/y/SRfxmt8Y6PFnPjM3Y+hyM3xDWkyoaYDGxAKACgMUBHRABwjAdU+WAkbP4dqBWQna/wDxMGbqdbA66H0bwgB6JG1x0lkYqUaKtS3DImdxFey6+YlW7gIY7kZ3iWApYtGpV1Dq3IjS42I5w3J9OpvaqPKteRAwfC0oUXoMpq0nUoBUOcjQgC5HiFuv9xRew0lHNL/IpyaKE1F4uGvtX18vIpuJdnKPdsAgUKLqRodOQPX2PpKoPbbkrOjNOSSxz2fJL7/+NFLgeCpUpkKc4bUh/mU9Qb2B5XB+k7OCMZQ91UvKjxvtGc8efblnufnd39+fozJ8TwIpuQpPkG0Psdj/ADeRlCnwQXKtG37JcM/D4XOw8dbxHqF/IP3944pLqSqS5X4g2CruuIXuRdy6BB1bOLX8oNE9xYdoeNriWB7tVdMyMym+f8pOnLeOMCjJnSKRq5Qq1gcpBsdjY3sZNwKY6lMpO1PGe+rd4qCnZQLaNci+p0Fzr05CVpOJpTWRUyhwGKyuCZRkVov6nq3ZrtklGlY22mBRlCTaKlaZX/8Aj1Jy7tURLEk3YD9YeHLyPUezdXD+nrJJLbxz5dv+jQdmu1a4nBHvELnPUpXAypVQaBxfUAg2ItuDytMWT2TOWbfGSS6+qf56nMnqEsm6PZ8P9nyR8I9x3eYF1C3va5FhcnffWdjNqsqh4V9vuW6X2dpMmWWr2vmTaV8R7qqr9SXxPh34pBTqjNTXkdhpt5H/AHnPjGSapm5YNPFu0m32YbhnBcPhFHcoFLAZjuSANBmNza0t3d5ckYRq1FJK+38mh4bX2+pjjPkzaiBOVBkZjz29h/reWQiqbZmbe5RR418VXDAW8/8AmU/5G/I6jTPGvzGdCPQ4+X4hGSKxpgM5EAoAKAxQEKAD1jAVU7DziY49Td9h9GU+en+8wZDq6fqe9dlq3hsen1k8L4DWxVWjuNX+ow87+0okveaJ4X7iZylhMut78tf1ElGNBLNu4Mv2t7U0OHXz+J28SUwbs19L9FXQ6npHGEpyqJOWaMIKU38kup5RxLtjiMU9mOSnf5F6ebc/tNmLTxjy+Tm6nXZckWoe6vTr9/8Aw9F4d2hwv4AUwo7wDfznQUubvg8zPDarbzfUosXwxcVlJBZrgC3Qk7+5J63O8jW90bZZP6fHbLbGVjQUUal1dVAF+YAtf18pGUdvBLT6jxldUVfDOLClWL2YsFPdlTqh5t9CfrElY8s1BEzgWCNc36mwA5noPTTX/WaYpJWcPPklKW2JZ8Z4E1EeIS2O2S4MeR5cMqmY2nhKDV7YpmVP8PM9GPIeky5VR2dLlcl1LbtF2SwYRKmDqGk4F9SalJsu2fMSVY+Xuusx72nydhQ3RoxDYasj5X0G5YG62vyI5+UPdfKGo9vImvje6Q3tk5qVVrm2nzA6nrDaS6FhS7YpSwaU8Ond1g7F9Aadib2VeXtaRUJb7shTsuH4Uz4VuJDEBK5t4UNvlAUAKSdLDY3lU3udNcEoZZwdxdE3sf27Wvkw+KIWozBFNjlfpc8mJNrf8SnJglDlcr9jr4NXHK7lxLt6/Ly+R6U2HzbaADl+3oJFxsaybepHFPLoOelzzlbVdC7du5ZacUrZKIA6C4/Wam9sKMOnjuyNs8V7fVc179P4Znh1s26g8mqfOZ0IdDj5eo0yZUcMQzkAFABQGKACEBBFjA5bM3pIydFmONs2vZd7EDbpMMzp4OD3nsq3gX/t1ksY9WvdJnETlfN7H0Ivf7bSvJxKyOD3o7TK9q+2tLBqTfMQLKoOrPYiw8hzPnK4OeSW2H3L5Y4YMe/L9F3Z4PxXiNTFVnrVjd3Nz0AGgUDkALCdWEFCO1HFyZHkk5Mj0zJFZdcMrWIkrFtRsuE8QKWINiNpKLoqyY1NUwPGccatcVKrFgSO8H5gBzQ9bcj9RFLkMeNQspaFUVKx3CqHqEDxNkTxFUH5mt/qbAEhp0V5YblRoOy/abJUD2AA0RQdFXkAefrzJJ5zVFqSpnBzRljnuiajjHaYYgXPyrbN532UeZt+/KWQUYLgyajJk1M05GEXHYcVycUrtTKsLITe5ta9iCRa4+kzZZPsdfR4aSszWG4zUoMRSYmmSfA/iGW+gI2/a8zSimduDpEvFcYp1UUgd26kkjVgwO6jp135DaVqFPgm3fUpq9cubn2HSWJCGCMRIGLfLlzHL0vpFtXUKAhiDcEgg3BG4I2I84w+R7J2F7eCuipXa1RLCpyzi4s4/QjqZyc0JYZf/P5wdzA46mDr4/L+V+cG9w796wtsCLedzy+kF7zIzXhx57huOv4PYzRPoU6Ve8zw7thXuWueZlMS/M+DzTE6OfWbsfQ5WVcnDLCoaYgFABQGKACgB0QEEGgjAsOC0AxIPMaTNkZsxxo0vBaBRwRrrp6SiTNuCNs9p7Kucq9LbfzeGNl2qilEynxL7YHDsaaE53F1G2VQbKxPmQduhkYYnmk32K3nhpYJVcjx/F4lqrFnNyf5pOjCEYKonIzZp5ZbpvkAZIqEpgBPwdS0YF5h8ZYRiAY3GXgBUNiSGBBIIIIINiCDcEEbEdYrIuNlnQxCViGLpQqb1SQRTdedRQo8NT/ANG5WOhmpNdDNkwRl1JzccQDw3slxSQ7k6f1Kp2JJ1IHQLoBeSc2Z1pEnZn8TiSx1Mg2bMePaRGMiXo4IDHCAHYAK8AOEwA7TqlWDKbEbGRlFSVMnCcoSUoumj1T4a9sWqOKNQ+NfGL38SiwNj1AI08jOblwvC1JdDtYtTDVRcJqpUei9oqxynpb+Wk5y4FpYL6niHaW7uSBzsfPzkYhqI0zKcWweVQeZM0Y5cmDJG0Vd9JoMZyACgAoDOQA7ABywEEI0+kH0JQ+JE7h1TxjpM00bEemcA4eCoOh2vflMWSdOjsaXHGrZuuDU3ReQG2mpttYaC0gp0T1LjJo8h+JtTNxF+gp01X0tf9SZ0dHXhfVnC19rNz5Iys1GI4YAcgAWk9oAS0xEYA6ta8AIrNEAlMYqH5oWFHCYDo5EB0RgdgArwA5eAHCYANJiA0Pw6cjieHt1qZvTun/e0z6uvCd+n7mvRJvMq9f2Pa+Ls7JYC4GgI3t0M5viWjvadQUnZgOOcOsCbWtJwnfBHVYl8SPOuLVLvbkJrgjjsqGFiZpjyjJNVIbGQFAYoAcgB0QAesBBW2MfYF1DcN3HrM+Q1w6HrfZA+Een+k5mb4ju6f8Atm8w/wAhlPYhP40eL/E7/wBQb/46f/2nW0P9r6s5HtH+8vkv5MpNhgOGADYAOEAHiAHGgA2AHRADsYHIgOwAUYHYAciAUAOGADTADT/DIf8AmKf9j/tMeu/tfVG/2d/e+jPbcX/ZTldjr4/7hiu1B8P1luL4i3P8B5DxPc+v7zpYzhSIE0LoZJ/ENMCIoDFAD//Z"/>
+          <p:cNvSpPr>
+            <a:spLocks noChangeAspect="1" noChangeArrowheads="1"/>
+          </p:cNvSpPr>
+          <p:nvPr/>
+        </p:nvSpPr>
+        <p:spPr bwMode="auto">
+          <a:xfrm>
+            <a:off x="155575" y="-144463"/>
+            <a:ext cx="304800" cy="304801"/>
+          </a:xfrm>
+          <a:prstGeom prst="rect">
+            <a:avLst/>
+          </a:prstGeom>
+          <a:noFill/>
+        </p:spPr>
+        <p:txBody>
+          <a:bodyPr vert="horz" wrap="square" lIns="91440" tIns="45720" rIns="91440" bIns="45720" numCol="1" anchor="t" anchorCtr="0" compatLnSpc="1">
+            <a:prstTxWarp prst="textNoShape">
+              <a:avLst/>
+            </a:prstTxWarp>
+          </a:bodyPr>
+          <a:lstStyle/>
+          <a:p>
+            <a:endParaRPr lang="en-US"/>
+          </a:p>
+        </p:txBody>
+      </p:sp>
+      <p:pic>
+        <p:nvPicPr>
+          <p:cNvPr id="71682" name="Picture 2"/>
+          <p:cNvPicPr>
+            <a:picLocks noChangeAspect="1" noChangeArrowheads="1"/>
+          </p:cNvPicPr>
+          <p:nvPr/>
+        </p:nvPicPr>
+        <p:blipFill>
+          <a:blip r:embed="rId4"/>
+          <a:srcRect/>
+          <a:stretch>
+            <a:fillRect/>
+          </a:stretch>
+        </p:blipFill>
+        <p:spPr bwMode="auto">
+          <a:xfrm>
+            <a:off x="1428728" y="1571612"/>
+            <a:ext cx="7500957" cy="2747976"/>
+          </a:xfrm>
+          <a:prstGeom prst="rect">
+            <a:avLst/>
+          </a:prstGeom>
+          <a:noFill/>
+          <a:ln w="9525">
+            <a:noFill/>
+            <a:miter lim="800000"/>
+            <a:headEnd/>
+            <a:tailEnd/>
+          </a:ln>
+          <a:effectLst/>
+        </p:spPr>
+      </p:pic>
+    </p:spTree>
+  </p:cSld>
+  <p:clrMapOvr>
+    <a:masterClrMapping/>
+  </p:clrMapOvr>
+  <p:transition/>
+  <p:timing>
+    <p:tnLst>
+      <p:par>
+        <p:cTn id="1" dur="indefinite" restart="never" nodeType="tmRoot"/>
+      </p:par>
+    </p:tnLst>
+  </p:timing>
+</p:sld>
+</file>
+
 <file path=ppt/slides/slide3.xml><?xml version="1.0" encoding="utf-8"?>
 <p:sld xmlns:a="http://schemas.openxmlformats.org/drawingml/2006/main" xmlns:r="http://schemas.openxmlformats.org/officeDocument/2006/relationships" xmlns:p="http://schemas.openxmlformats.org/presentationml/2006/main">
   <p:cSld>
@@ -12930,6 +15160,13 @@
   <p:clrMapOvr>
     <a:masterClrMapping/>
   </p:clrMapOvr>
+  <p:timing>
+    <p:tnLst>
+      <p:par>
+        <p:cTn id="1" dur="indefinite" restart="never" nodeType="tmRoot"/>
+      </p:par>
+    </p:tnLst>
+  </p:timing>
 </p:sld>
 </file>
 

--- a/IoT-VersionFinal-ELHAYDOUNI_Othman (2).pptx
+++ b/IoT-VersionFinal-ELHAYDOUNI_Othman (2).pptx
@@ -5,7 +5,7 @@
     <p:sldMasterId id="2147483836" r:id="rId1"/>
   </p:sldMasterIdLst>
   <p:notesMasterIdLst>
-    <p:notesMasterId r:id="rId22"/>
+    <p:notesMasterId r:id="rId25"/>
   </p:notesMasterIdLst>
   <p:sldIdLst>
     <p:sldId id="331" r:id="rId2"/>
@@ -16,18 +16,21 @@
     <p:sldId id="327" r:id="rId7"/>
     <p:sldId id="328" r:id="rId8"/>
     <p:sldId id="329" r:id="rId9"/>
-    <p:sldId id="332" r:id="rId10"/>
-    <p:sldId id="333" r:id="rId11"/>
-    <p:sldId id="334" r:id="rId12"/>
-    <p:sldId id="335" r:id="rId13"/>
-    <p:sldId id="337" r:id="rId14"/>
-    <p:sldId id="339" r:id="rId15"/>
-    <p:sldId id="340" r:id="rId16"/>
-    <p:sldId id="344" r:id="rId17"/>
-    <p:sldId id="345" r:id="rId18"/>
-    <p:sldId id="341" r:id="rId19"/>
-    <p:sldId id="343" r:id="rId20"/>
-    <p:sldId id="330" r:id="rId21"/>
+    <p:sldId id="348" r:id="rId10"/>
+    <p:sldId id="349" r:id="rId11"/>
+    <p:sldId id="332" r:id="rId12"/>
+    <p:sldId id="333" r:id="rId13"/>
+    <p:sldId id="334" r:id="rId14"/>
+    <p:sldId id="335" r:id="rId15"/>
+    <p:sldId id="337" r:id="rId16"/>
+    <p:sldId id="339" r:id="rId17"/>
+    <p:sldId id="340" r:id="rId18"/>
+    <p:sldId id="344" r:id="rId19"/>
+    <p:sldId id="345" r:id="rId20"/>
+    <p:sldId id="351" r:id="rId21"/>
+    <p:sldId id="352" r:id="rId22"/>
+    <p:sldId id="343" r:id="rId23"/>
+    <p:sldId id="346" r:id="rId24"/>
   </p:sldIdLst>
   <p:sldSz cx="9144000" cy="6858000" type="screen4x3"/>
   <p:notesSz cx="7102475" cy="9388475"/>
@@ -270,7 +273,7 @@
               <a:pPr>
                 <a:defRPr/>
               </a:pPr>
-              <a:t>11/16/2014</a:t>
+              <a:t>11/17/2014</a:t>
             </a:fld>
             <a:endParaRPr lang="en-US"/>
           </a:p>
@@ -743,48 +746,10 @@
           <a:bodyPr/>
           <a:lstStyle/>
           <a:p>
-            <a:pPr algn="l"/>
             <a:r>
               <a:rPr lang="fr-FR" dirty="0" smtClean="0"/>
-              <a:t>Ce sont des matériaux électroniques qui peuvent </a:t>
-            </a:r>
-            <a:r>
-              <a:rPr lang="fr-FR" b="1" dirty="0" smtClean="0"/>
-              <a:t>communiquer</a:t>
-            </a:r>
-            <a:r>
-              <a:rPr lang="fr-FR" dirty="0" smtClean="0"/>
-              <a:t> avec un smartphone, une tablette ou un ordinateur par le biais d'une liaison sans fil. </a:t>
-            </a:r>
-          </a:p>
-          <a:p>
-            <a:pPr marL="0" indent="0" algn="l">
-              <a:buNone/>
-            </a:pPr>
-            <a:r>
-              <a:rPr lang="fr-FR" dirty="0" smtClean="0"/>
-              <a:t>L'intérêt principal, c'est l'</a:t>
-            </a:r>
-            <a:r>
-              <a:rPr lang="fr-FR" b="1" dirty="0" smtClean="0"/>
-              <a:t>interactivité</a:t>
-            </a:r>
-          </a:p>
-          <a:p>
-            <a:pPr marL="0" indent="0" algn="l">
-              <a:buNone/>
-            </a:pPr>
-            <a:r>
-              <a:rPr lang="fr-FR" b="1" dirty="0" smtClean="0"/>
-              <a:t>Inconvénients : </a:t>
-            </a:r>
-            <a:r>
-              <a:rPr lang="fr-FR" b="1" baseline="0" dirty="0" smtClean="0"/>
-              <a:t> </a:t>
-            </a:r>
-            <a:endParaRPr lang="fr-FR" dirty="0" smtClean="0"/>
-          </a:p>
-          <a:p>
+              <a:t>Ensemble des techniques visant à l’automatisation de certains aspects de l’habitat (éclairage automatique, gestion de l’énergie,</a:t>
+            </a:r>
             <a:endParaRPr lang="fr-FR" dirty="0"/>
           </a:p>
         </p:txBody>
@@ -812,7 +777,7 @@
               <a:pPr>
                 <a:defRPr/>
               </a:pPr>
-              <a:t>12</a:t>
+              <a:t>11</a:t>
             </a:fld>
             <a:endParaRPr lang="en-US"/>
           </a:p>
@@ -821,7 +786,7 @@
     </p:spTree>
     <p:extLst>
       <p:ext uri="{BB962C8B-B14F-4D97-AF65-F5344CB8AC3E}">
-        <p14:creationId xmlns:p14="http://schemas.microsoft.com/office/powerpoint/2010/main" val="544559975"/>
+        <p14:creationId xmlns:p14="http://schemas.microsoft.com/office/powerpoint/2010/main" val="3637349659"/>
       </p:ext>
     </p:extLst>
   </p:cSld>
@@ -850,7 +815,7 @@
       </p:grpSpPr>
       <p:sp>
         <p:nvSpPr>
-          <p:cNvPr id="2" name="Slide Image Placeholder 1"/>
+          <p:cNvPr id="2" name="Espace réservé de l'image des diapositives 1"/>
           <p:cNvSpPr>
             <a:spLocks noGrp="1" noRot="1" noChangeAspect="1"/>
           </p:cNvSpPr>
@@ -862,7 +827,7 @@
       </p:sp>
       <p:sp>
         <p:nvSpPr>
-          <p:cNvPr id="3" name="Notes Placeholder 2"/>
+          <p:cNvPr id="3" name="Espace réservé des commentaires 2"/>
           <p:cNvSpPr>
             <a:spLocks noGrp="1"/>
           </p:cNvSpPr>
@@ -877,77 +842,47 @@
           <a:p>
             <a:r>
               <a:rPr lang="fr-FR" dirty="0" smtClean="0"/>
-              <a:t>Capteur eau : http://domomaroc.com/?product=capteur-deau prix 40 </a:t>
+              <a:t>ces protocoles représente un langage commun à tous les systèmes connectés, quels que soient leur marque, leur système d'exploitation ou les outils logiciels utilisés</a:t>
+            </a:r>
+          </a:p>
+          <a:p>
+            <a:r>
+              <a:rPr lang="fr-FR" dirty="0" smtClean="0"/>
+              <a:t>le </a:t>
+            </a:r>
+            <a:r>
+              <a:rPr lang="fr-FR" dirty="0" smtClean="0">
+                <a:hlinkClick r:id="rId3" tooltip="Code-barres EAN"/>
+              </a:rPr>
+              <a:t>code EAN</a:t>
+            </a:r>
+            <a:r>
+              <a:rPr lang="fr-FR" dirty="0" smtClean="0"/>
+              <a:t> (</a:t>
             </a:r>
             <a:r>
               <a:rPr lang="fr-FR" dirty="0" err="1" smtClean="0"/>
-              <a:t>dh</a:t>
+              <a:t>European</a:t>
             </a:r>
             <a:r>
               <a:rPr lang="fr-FR" dirty="0" smtClean="0"/>
-              <a:t/>
-            </a:r>
-            <a:br>
+              <a:t> Article </a:t>
+            </a:r>
+            <a:r>
+              <a:rPr lang="fr-FR" dirty="0" err="1" smtClean="0"/>
+              <a:t>Numbering</a:t>
+            </a:r>
+            <a:r>
               <a:rPr lang="fr-FR" dirty="0" smtClean="0"/>
-            </a:br>
-            <a:r>
-              <a:rPr lang="fr-FR" dirty="0" err="1" smtClean="0"/>
-              <a:t>arduino</a:t>
-            </a:r>
-            <a:r>
-              <a:rPr lang="fr-FR" dirty="0" smtClean="0"/>
-              <a:t> </a:t>
-            </a:r>
-            <a:r>
-              <a:rPr lang="fr-FR" dirty="0" err="1" smtClean="0"/>
-              <a:t>mega</a:t>
-            </a:r>
-            <a:r>
-              <a:rPr lang="fr-FR" dirty="0" smtClean="0"/>
-              <a:t>  prix : 350 </a:t>
-            </a:r>
-            <a:r>
-              <a:rPr lang="fr-FR" dirty="0" err="1" smtClean="0"/>
-              <a:t>dhs</a:t>
-            </a:r>
-            <a:r>
-              <a:rPr lang="fr-FR" dirty="0" smtClean="0"/>
-              <a:t/>
-            </a:r>
-            <a:br>
-              <a:rPr lang="fr-FR" dirty="0" smtClean="0"/>
-            </a:br>
-            <a:r>
-              <a:rPr lang="fr-FR" dirty="0" err="1" smtClean="0"/>
-              <a:t>arduino</a:t>
-            </a:r>
-            <a:r>
-              <a:rPr lang="fr-FR" dirty="0" smtClean="0"/>
-              <a:t> </a:t>
-            </a:r>
-            <a:r>
-              <a:rPr lang="fr-FR" dirty="0" err="1" smtClean="0"/>
-              <a:t>leonardo</a:t>
-            </a:r>
-            <a:r>
-              <a:rPr lang="fr-FR" baseline="0" dirty="0" smtClean="0"/>
-              <a:t> </a:t>
-            </a:r>
-            <a:r>
-              <a:rPr lang="fr-FR" baseline="0" dirty="0" err="1" smtClean="0"/>
-              <a:t>uno</a:t>
-            </a:r>
-            <a:r>
-              <a:rPr lang="fr-FR" baseline="0" dirty="0" smtClean="0"/>
-              <a:t>  nano</a:t>
-            </a:r>
-            <a:endParaRPr lang="en-US" dirty="0"/>
-          </a:p>
-        </p:txBody>
-      </p:sp>
-      <p:sp>
-        <p:nvSpPr>
-          <p:cNvPr id="4" name="Slide Number Placeholder 3"/>
+              <a:t>) Il s'agit du code-barres que l'on trouve de nos jours sur la grande majorité des produits de consommation courante</a:t>
+            </a:r>
+            <a:endParaRPr lang="fr-FR" dirty="0"/>
+          </a:p>
+        </p:txBody>
+      </p:sp>
+      <p:sp>
+        <p:nvSpPr>
+          <p:cNvPr id="4" name="Espace réservé du numéro de diapositive 3"/>
           <p:cNvSpPr>
             <a:spLocks noGrp="1"/>
           </p:cNvSpPr>
@@ -960,9 +895,15 @@
           <a:bodyPr/>
           <a:lstStyle/>
           <a:p>
-            <a:fld id="{E9B2B109-17B8-42A6-B99D-2A2E931D5956}" type="slidenum">
+            <a:pPr>
+              <a:defRPr/>
+            </a:pPr>
+            <a:fld id="{2743DF02-1589-4846-91FE-FCA39D3EBF31}" type="slidenum">
               <a:rPr lang="en-US" smtClean="0"/>
-              <a:t>14</a:t>
+              <a:pPr>
+                <a:defRPr/>
+              </a:pPr>
+              <a:t>12</a:t>
             </a:fld>
             <a:endParaRPr lang="en-US"/>
           </a:p>
@@ -971,7 +912,7 @@
     </p:spTree>
     <p:extLst>
       <p:ext uri="{BB962C8B-B14F-4D97-AF65-F5344CB8AC3E}">
-        <p14:creationId xmlns:p14="http://schemas.microsoft.com/office/powerpoint/2010/main" val="762109944"/>
+        <p14:creationId xmlns:p14="http://schemas.microsoft.com/office/powerpoint/2010/main" val="3545425015"/>
       </p:ext>
     </p:extLst>
   </p:cSld>
@@ -1000,7 +941,7 @@
       </p:grpSpPr>
       <p:sp>
         <p:nvSpPr>
-          <p:cNvPr id="2" name="Slide Image Placeholder 1"/>
+          <p:cNvPr id="2" name="Espace réservé de l'image des diapositives 1"/>
           <p:cNvSpPr>
             <a:spLocks noGrp="1" noRot="1" noChangeAspect="1"/>
           </p:cNvSpPr>
@@ -1012,7 +953,7 @@
       </p:sp>
       <p:sp>
         <p:nvSpPr>
-          <p:cNvPr id="3" name="Notes Placeholder 2"/>
+          <p:cNvPr id="3" name="Espace réservé des commentaires 2"/>
           <p:cNvSpPr>
             <a:spLocks noGrp="1"/>
           </p:cNvSpPr>
@@ -1025,41 +966,55 @@
           <a:bodyPr/>
           <a:lstStyle/>
           <a:p>
-            <a:r>
-              <a:rPr lang="fr-FR" dirty="0" err="1" smtClean="0"/>
-              <a:t>Arduino</a:t>
-            </a:r>
+            <a:pPr algn="l"/>
             <a:r>
               <a:rPr lang="fr-FR" dirty="0" smtClean="0"/>
-              <a:t> un </a:t>
-            </a:r>
-            <a:r>
-              <a:rPr lang="fr-FR" dirty="0" err="1" smtClean="0"/>
-              <a:t>microcontroleur</a:t>
+              <a:t>Ce sont des matériaux électroniques qui peuvent </a:t>
+            </a:r>
+            <a:r>
+              <a:rPr lang="fr-FR" b="1" dirty="0" smtClean="0"/>
+              <a:t>communiquer</a:t>
             </a:r>
             <a:r>
               <a:rPr lang="fr-FR" dirty="0" smtClean="0"/>
-              <a:t> programmable,</a:t>
-            </a:r>
-            <a:r>
-              <a:rPr lang="fr-FR" baseline="0" dirty="0" smtClean="0"/>
+              <a:t> avec un smartphone, une tablette ou un ordinateur par le biais d'une liaison sans fil. </a:t>
+            </a:r>
+          </a:p>
+          <a:p>
+            <a:pPr marL="0" indent="0" algn="l">
+              <a:buNone/>
+            </a:pPr>
+            <a:r>
+              <a:rPr lang="fr-FR" dirty="0" smtClean="0"/>
+              <a:t>L'intérêt principal, c'est l'</a:t>
+            </a:r>
+            <a:r>
+              <a:rPr lang="fr-FR" b="1" dirty="0" smtClean="0"/>
+              <a:t>interactivité</a:t>
+            </a:r>
+          </a:p>
+          <a:p>
+            <a:pPr marL="0" indent="0" algn="l">
+              <a:buNone/>
+            </a:pPr>
+            <a:r>
+              <a:rPr lang="fr-FR" b="1" dirty="0" smtClean="0"/>
+              <a:t>Inconvénients : </a:t>
+            </a:r>
+            <a:r>
+              <a:rPr lang="fr-FR" b="1" baseline="0" dirty="0" smtClean="0"/>
               <a:t> </a:t>
             </a:r>
-            <a:r>
-              <a:rPr lang="fr-FR" baseline="0" dirty="0" err="1" smtClean="0"/>
-              <a:t>rapesbry</a:t>
-            </a:r>
-            <a:r>
-              <a:rPr lang="fr-FR" baseline="0" dirty="0" smtClean="0"/>
-              <a:t> un mini-pc</a:t>
-            </a:r>
-            <a:endParaRPr lang="en-US" dirty="0"/>
-          </a:p>
-        </p:txBody>
-      </p:sp>
-      <p:sp>
-        <p:nvSpPr>
-          <p:cNvPr id="4" name="Slide Number Placeholder 3"/>
+            <a:endParaRPr lang="fr-FR" dirty="0" smtClean="0"/>
+          </a:p>
+          <a:p>
+            <a:endParaRPr lang="fr-FR" dirty="0"/>
+          </a:p>
+        </p:txBody>
+      </p:sp>
+      <p:sp>
+        <p:nvSpPr>
+          <p:cNvPr id="4" name="Espace réservé du numéro de diapositive 3"/>
           <p:cNvSpPr>
             <a:spLocks noGrp="1"/>
           </p:cNvSpPr>
@@ -1072,9 +1027,15 @@
           <a:bodyPr/>
           <a:lstStyle/>
           <a:p>
-            <a:fld id="{E9B2B109-17B8-42A6-B99D-2A2E931D5956}" type="slidenum">
+            <a:pPr>
+              <a:defRPr/>
+            </a:pPr>
+            <a:fld id="{2743DF02-1589-4846-91FE-FCA39D3EBF31}" type="slidenum">
               <a:rPr lang="en-US" smtClean="0"/>
-              <a:t>18</a:t>
+              <a:pPr>
+                <a:defRPr/>
+              </a:pPr>
+              <a:t>14</a:t>
             </a:fld>
             <a:endParaRPr lang="en-US"/>
           </a:p>
@@ -1083,7 +1044,7 @@
     </p:spTree>
     <p:extLst>
       <p:ext uri="{BB962C8B-B14F-4D97-AF65-F5344CB8AC3E}">
-        <p14:creationId xmlns:p14="http://schemas.microsoft.com/office/powerpoint/2010/main" val="2098610676"/>
+        <p14:creationId xmlns:p14="http://schemas.microsoft.com/office/powerpoint/2010/main" val="544559975"/>
       </p:ext>
     </p:extLst>
   </p:cSld>
@@ -1112,29 +1073,19 @@
       </p:grpSpPr>
       <p:sp>
         <p:nvSpPr>
-          <p:cNvPr id="43010" name="Espace réservé de l'image des diapositives 1"/>
-          <p:cNvSpPr>
-            <a:spLocks noGrp="1" noRot="1" noChangeAspect="1" noTextEdit="1"/>
+          <p:cNvPr id="2" name="Slide Image Placeholder 1"/>
+          <p:cNvSpPr>
+            <a:spLocks noGrp="1" noRot="1" noChangeAspect="1"/>
           </p:cNvSpPr>
           <p:nvPr>
             <p:ph type="sldImg"/>
           </p:nvPr>
         </p:nvSpPr>
-        <p:spPr bwMode="auto">
-          <a:noFill/>
-          <a:ln>
-            <a:solidFill>
-              <a:srgbClr val="000000"/>
-            </a:solidFill>
-            <a:miter lim="800000"/>
-            <a:headEnd/>
-            <a:tailEnd/>
-          </a:ln>
-        </p:spPr>
-      </p:sp>
-      <p:sp>
-        <p:nvSpPr>
-          <p:cNvPr id="43011" name="Espace réservé des commentaires 2"/>
+        <p:spPr/>
+      </p:sp>
+      <p:sp>
+        <p:nvSpPr>
+          <p:cNvPr id="3" name="Notes Placeholder 2"/>
           <p:cNvSpPr>
             <a:spLocks noGrp="1"/>
           </p:cNvSpPr>
@@ -1142,65 +1093,198 @@
             <p:ph type="body" idx="1"/>
           </p:nvPr>
         </p:nvSpPr>
-        <p:spPr bwMode="auto">
-          <a:noFill/>
-        </p:spPr>
-        <p:txBody>
-          <a:bodyPr wrap="square" numCol="1" anchor="t" anchorCtr="0" compatLnSpc="1">
-            <a:prstTxWarp prst="textNoShape">
-              <a:avLst/>
-            </a:prstTxWarp>
-          </a:bodyPr>
-          <a:lstStyle/>
-          <a:p>
-            <a:pPr eaLnBrk="1" hangingPunct="1">
-              <a:spcBef>
-                <a:spcPct val="0"/>
-              </a:spcBef>
-            </a:pPr>
-            <a:endParaRPr lang="en-US" smtClean="0"/>
-          </a:p>
-        </p:txBody>
-      </p:sp>
-      <p:sp>
-        <p:nvSpPr>
-          <p:cNvPr id="43012" name="Espace réservé du numéro de diapositive 3"/>
+        <p:spPr/>
+        <p:txBody>
+          <a:bodyPr/>
+          <a:lstStyle/>
+          <a:p>
+            <a:r>
+              <a:rPr lang="fr-FR" dirty="0" smtClean="0"/>
+              <a:t>Capteur eau : http://domomaroc.com/?product=capteur-deau prix 40 </a:t>
+            </a:r>
+            <a:r>
+              <a:rPr lang="fr-FR" dirty="0" err="1" smtClean="0"/>
+              <a:t>dh</a:t>
+            </a:r>
+            <a:r>
+              <a:rPr lang="fr-FR" dirty="0" smtClean="0"/>
+              <a:t/>
+            </a:r>
+            <a:br>
+              <a:rPr lang="fr-FR" dirty="0" smtClean="0"/>
+            </a:br>
+            <a:r>
+              <a:rPr lang="fr-FR" dirty="0" err="1" smtClean="0"/>
+              <a:t>arduino</a:t>
+            </a:r>
+            <a:r>
+              <a:rPr lang="fr-FR" dirty="0" smtClean="0"/>
+              <a:t> </a:t>
+            </a:r>
+            <a:r>
+              <a:rPr lang="fr-FR" dirty="0" err="1" smtClean="0"/>
+              <a:t>mega</a:t>
+            </a:r>
+            <a:r>
+              <a:rPr lang="fr-FR" dirty="0" smtClean="0"/>
+              <a:t>  prix : 350 </a:t>
+            </a:r>
+            <a:r>
+              <a:rPr lang="fr-FR" dirty="0" err="1" smtClean="0"/>
+              <a:t>dhs</a:t>
+            </a:r>
+            <a:r>
+              <a:rPr lang="fr-FR" dirty="0" smtClean="0"/>
+              <a:t/>
+            </a:r>
+            <a:br>
+              <a:rPr lang="fr-FR" dirty="0" smtClean="0"/>
+            </a:br>
+            <a:r>
+              <a:rPr lang="fr-FR" dirty="0" err="1" smtClean="0"/>
+              <a:t>arduino</a:t>
+            </a:r>
+            <a:r>
+              <a:rPr lang="fr-FR" dirty="0" smtClean="0"/>
+              <a:t> </a:t>
+            </a:r>
+            <a:r>
+              <a:rPr lang="fr-FR" dirty="0" err="1" smtClean="0"/>
+              <a:t>leonardo</a:t>
+            </a:r>
+            <a:r>
+              <a:rPr lang="fr-FR" baseline="0" dirty="0" smtClean="0"/>
+              <a:t> </a:t>
+            </a:r>
+            <a:r>
+              <a:rPr lang="fr-FR" baseline="0" dirty="0" err="1" smtClean="0"/>
+              <a:t>uno</a:t>
+            </a:r>
+            <a:r>
+              <a:rPr lang="fr-FR" baseline="0" dirty="0" smtClean="0"/>
+              <a:t>  nano</a:t>
+            </a:r>
+            <a:endParaRPr lang="en-US" dirty="0"/>
+          </a:p>
+        </p:txBody>
+      </p:sp>
+      <p:sp>
+        <p:nvSpPr>
+          <p:cNvPr id="4" name="Slide Number Placeholder 3"/>
           <p:cNvSpPr>
             <a:spLocks noGrp="1"/>
           </p:cNvSpPr>
           <p:nvPr>
-            <p:ph type="sldNum" sz="quarter" idx="5"/>
-          </p:nvPr>
-        </p:nvSpPr>
-        <p:spPr bwMode="auto">
-          <a:noFill/>
-          <a:ln>
-            <a:miter lim="800000"/>
-            <a:headEnd/>
-            <a:tailEnd/>
-          </a:ln>
-        </p:spPr>
-        <p:txBody>
-          <a:bodyPr wrap="square" numCol="1" anchorCtr="0" compatLnSpc="1">
-            <a:prstTxWarp prst="textNoShape">
-              <a:avLst/>
-            </a:prstTxWarp>
-          </a:bodyPr>
-          <a:lstStyle/>
-          <a:p>
-            <a:fld id="{32F2289E-31C7-4157-A6F0-C302FDAB324D}" type="slidenum">
-              <a:rPr lang="fr-FR" smtClean="0"/>
-              <a:pPr/>
-              <a:t>20</a:t>
+            <p:ph type="sldNum" sz="quarter" idx="10"/>
+          </p:nvPr>
+        </p:nvSpPr>
+        <p:spPr/>
+        <p:txBody>
+          <a:bodyPr/>
+          <a:lstStyle/>
+          <a:p>
+            <a:fld id="{E9B2B109-17B8-42A6-B99D-2A2E931D5956}" type="slidenum">
+              <a:rPr lang="en-US" smtClean="0"/>
+              <a:t>16</a:t>
             </a:fld>
-            <a:endParaRPr lang="fr-FR" smtClean="0"/>
+            <a:endParaRPr lang="en-US"/>
           </a:p>
         </p:txBody>
       </p:sp>
     </p:spTree>
     <p:extLst>
       <p:ext uri="{BB962C8B-B14F-4D97-AF65-F5344CB8AC3E}">
-        <p14:creationId xmlns:p14="http://schemas.microsoft.com/office/powerpoint/2010/main" val="338241909"/>
+        <p14:creationId xmlns:p14="http://schemas.microsoft.com/office/powerpoint/2010/main" val="762109944"/>
+      </p:ext>
+    </p:extLst>
+  </p:cSld>
+  <p:clrMapOvr>
+    <a:masterClrMapping/>
+  </p:clrMapOvr>
+</p:notes>
+</file>
+
+<file path=ppt/notesSlides/notesSlide14.xml><?xml version="1.0" encoding="utf-8"?>
+<p:notes xmlns:a="http://schemas.openxmlformats.org/drawingml/2006/main" xmlns:r="http://schemas.openxmlformats.org/officeDocument/2006/relationships" xmlns:p="http://schemas.openxmlformats.org/presentationml/2006/main">
+  <p:cSld>
+    <p:spTree>
+      <p:nvGrpSpPr>
+        <p:cNvPr id="1" name=""/>
+        <p:cNvGrpSpPr/>
+        <p:nvPr/>
+      </p:nvGrpSpPr>
+      <p:grpSpPr>
+        <a:xfrm>
+          <a:off x="0" y="0"/>
+          <a:ext cx="0" cy="0"/>
+          <a:chOff x="0" y="0"/>
+          <a:chExt cx="0" cy="0"/>
+        </a:xfrm>
+      </p:grpSpPr>
+      <p:sp>
+        <p:nvSpPr>
+          <p:cNvPr id="2" name="Slide Image Placeholder 1"/>
+          <p:cNvSpPr>
+            <a:spLocks noGrp="1" noRot="1" noChangeAspect="1"/>
+          </p:cNvSpPr>
+          <p:nvPr>
+            <p:ph type="sldImg"/>
+          </p:nvPr>
+        </p:nvSpPr>
+        <p:spPr/>
+      </p:sp>
+      <p:sp>
+        <p:nvSpPr>
+          <p:cNvPr id="3" name="Notes Placeholder 2"/>
+          <p:cNvSpPr>
+            <a:spLocks noGrp="1"/>
+          </p:cNvSpPr>
+          <p:nvPr>
+            <p:ph type="body" idx="1"/>
+          </p:nvPr>
+        </p:nvSpPr>
+        <p:spPr/>
+        <p:txBody>
+          <a:bodyPr/>
+          <a:lstStyle/>
+          <a:p>
+            <a:endParaRPr lang="en-US" dirty="0"/>
+          </a:p>
+        </p:txBody>
+      </p:sp>
+      <p:sp>
+        <p:nvSpPr>
+          <p:cNvPr id="4" name="Slide Number Placeholder 3"/>
+          <p:cNvSpPr>
+            <a:spLocks noGrp="1"/>
+          </p:cNvSpPr>
+          <p:nvPr>
+            <p:ph type="sldNum" sz="quarter" idx="10"/>
+          </p:nvPr>
+        </p:nvSpPr>
+        <p:spPr/>
+        <p:txBody>
+          <a:bodyPr/>
+          <a:lstStyle/>
+          <a:p>
+            <a:pPr>
+              <a:defRPr/>
+            </a:pPr>
+            <a:fld id="{2743DF02-1589-4846-91FE-FCA39D3EBF31}" type="slidenum">
+              <a:rPr lang="en-US" smtClean="0"/>
+              <a:pPr>
+                <a:defRPr/>
+              </a:pPr>
+              <a:t>23</a:t>
+            </a:fld>
+            <a:endParaRPr lang="en-US"/>
+          </a:p>
+        </p:txBody>
+      </p:sp>
+    </p:spTree>
+    <p:extLst>
+      <p:ext uri="{BB962C8B-B14F-4D97-AF65-F5344CB8AC3E}">
+        <p14:creationId xmlns:p14="http://schemas.microsoft.com/office/powerpoint/2010/main" val="2639423412"/>
       </p:ext>
     </p:extLst>
   </p:cSld>
@@ -1803,14 +1887,12 @@
         </p:nvSpPr>
         <p:spPr/>
         <p:txBody>
-          <a:bodyPr/>
-          <a:lstStyle/>
-          <a:p>
-            <a:r>
-              <a:rPr lang="fr-FR" dirty="0" smtClean="0"/>
-              <a:t>Ensemble des techniques visant à l’automatisation de certains aspects de l’habitat (éclairage automatique, gestion de l’énergie,</a:t>
-            </a:r>
-            <a:endParaRPr lang="fr-FR" dirty="0"/>
+          <a:bodyPr>
+            <a:normAutofit/>
+          </a:bodyPr>
+          <a:lstStyle/>
+          <a:p>
+            <a:endParaRPr lang="en-US" dirty="0"/>
           </a:p>
         </p:txBody>
       </p:sp>
@@ -1846,7 +1928,7 @@
     </p:spTree>
     <p:extLst>
       <p:ext uri="{BB962C8B-B14F-4D97-AF65-F5344CB8AC3E}">
-        <p14:creationId xmlns:p14="http://schemas.microsoft.com/office/powerpoint/2010/main" val="3637349659"/>
+        <p14:creationId xmlns:p14="http://schemas.microsoft.com/office/powerpoint/2010/main" val="2636767844"/>
       </p:ext>
     </p:extLst>
   </p:cSld>
@@ -1897,46 +1979,12 @@
         </p:nvSpPr>
         <p:spPr/>
         <p:txBody>
-          <a:bodyPr/>
-          <a:lstStyle/>
-          <a:p>
-            <a:r>
-              <a:rPr lang="fr-FR" dirty="0" smtClean="0"/>
-              <a:t>ces protocoles représente un langage commun à tous les systèmes connectés, quels que soient leur marque, leur système d'exploitation ou les outils logiciels utilisés</a:t>
-            </a:r>
-          </a:p>
-          <a:p>
-            <a:r>
-              <a:rPr lang="fr-FR" dirty="0" smtClean="0"/>
-              <a:t>le </a:t>
-            </a:r>
-            <a:r>
-              <a:rPr lang="fr-FR" dirty="0" smtClean="0">
-                <a:hlinkClick r:id="rId3" tooltip="Code-barres EAN"/>
-              </a:rPr>
-              <a:t>code EAN</a:t>
-            </a:r>
-            <a:r>
-              <a:rPr lang="fr-FR" dirty="0" smtClean="0"/>
-              <a:t> (</a:t>
-            </a:r>
-            <a:r>
-              <a:rPr lang="fr-FR" dirty="0" err="1" smtClean="0"/>
-              <a:t>European</a:t>
-            </a:r>
-            <a:r>
-              <a:rPr lang="fr-FR" dirty="0" smtClean="0"/>
-              <a:t> Article </a:t>
-            </a:r>
-            <a:r>
-              <a:rPr lang="fr-FR" dirty="0" err="1" smtClean="0"/>
-              <a:t>Numbering</a:t>
-            </a:r>
-            <a:r>
-              <a:rPr lang="fr-FR" dirty="0" smtClean="0"/>
-              <a:t>) Il s'agit du code-barres que l'on trouve de nos jours sur la grande majorité des produits de consommation courante</a:t>
-            </a:r>
-            <a:endParaRPr lang="fr-FR" dirty="0"/>
+          <a:bodyPr>
+            <a:normAutofit/>
+          </a:bodyPr>
+          <a:lstStyle/>
+          <a:p>
+            <a:endParaRPr lang="en-US" dirty="0"/>
           </a:p>
         </p:txBody>
       </p:sp>
@@ -1972,7 +2020,7 @@
     </p:spTree>
     <p:extLst>
       <p:ext uri="{BB962C8B-B14F-4D97-AF65-F5344CB8AC3E}">
-        <p14:creationId xmlns:p14="http://schemas.microsoft.com/office/powerpoint/2010/main" val="3545425015"/>
+        <p14:creationId xmlns:p14="http://schemas.microsoft.com/office/powerpoint/2010/main" val="3864032794"/>
       </p:ext>
     </p:extLst>
   </p:cSld>
@@ -2285,7 +2333,7 @@
               <a:pPr>
                 <a:defRPr/>
               </a:pPr>
-              <a:t>16/11/2014</a:t>
+              <a:t>17/11/2014</a:t>
             </a:fld>
             <a:endParaRPr lang="fr-BE"/>
           </a:p>
@@ -2495,7 +2543,7 @@
               <a:pPr>
                 <a:defRPr/>
               </a:pPr>
-              <a:t>16/11/2014</a:t>
+              <a:t>17/11/2014</a:t>
             </a:fld>
             <a:endParaRPr lang="fr-BE"/>
           </a:p>
@@ -2843,7 +2891,7 @@
               <a:pPr>
                 <a:defRPr/>
               </a:pPr>
-              <a:t>16/11/2014</a:t>
+              <a:t>17/11/2014</a:t>
             </a:fld>
             <a:endParaRPr lang="fr-BE"/>
           </a:p>
@@ -3055,7 +3103,7 @@
               <a:pPr>
                 <a:defRPr/>
               </a:pPr>
-              <a:t>16/11/2014</a:t>
+              <a:t>17/11/2014</a:t>
             </a:fld>
             <a:endParaRPr lang="fr-BE"/>
           </a:p>
@@ -3439,7 +3487,7 @@
               <a:pPr>
                 <a:defRPr/>
               </a:pPr>
-              <a:t>16/11/2014</a:t>
+              <a:t>17/11/2014</a:t>
             </a:fld>
             <a:endParaRPr lang="fr-BE"/>
           </a:p>
@@ -3704,7 +3752,7 @@
               <a:pPr>
                 <a:defRPr/>
               </a:pPr>
-              <a:t>16/11/2014</a:t>
+              <a:t>17/11/2014</a:t>
             </a:fld>
             <a:endParaRPr lang="fr-BE"/>
           </a:p>
@@ -4049,7 +4097,7 @@
               <a:pPr>
                 <a:defRPr/>
               </a:pPr>
-              <a:t>16/11/2014</a:t>
+              <a:t>17/11/2014</a:t>
             </a:fld>
             <a:endParaRPr lang="fr-BE"/>
           </a:p>
@@ -4189,7 +4237,7 @@
               <a:pPr>
                 <a:defRPr/>
               </a:pPr>
-              <a:t>16/11/2014</a:t>
+              <a:t>17/11/2014</a:t>
             </a:fld>
             <a:endParaRPr lang="fr-BE"/>
           </a:p>
@@ -4306,7 +4354,7 @@
               <a:pPr>
                 <a:defRPr/>
               </a:pPr>
-              <a:t>16/11/2014</a:t>
+              <a:t>17/11/2014</a:t>
             </a:fld>
             <a:endParaRPr lang="fr-BE"/>
           </a:p>
@@ -4596,7 +4644,7 @@
               <a:pPr>
                 <a:defRPr/>
               </a:pPr>
-              <a:t>16/11/2014</a:t>
+              <a:t>17/11/2014</a:t>
             </a:fld>
             <a:endParaRPr lang="fr-BE"/>
           </a:p>
@@ -5054,7 +5102,7 @@
               <a:pPr>
                 <a:defRPr/>
               </a:pPr>
-              <a:t>16/11/2014</a:t>
+              <a:t>17/11/2014</a:t>
             </a:fld>
             <a:endParaRPr lang="fr-BE"/>
           </a:p>
@@ -5312,7 +5360,7 @@
               <a:pPr>
                 <a:defRPr/>
               </a:pPr>
-              <a:t>16/11/2014</a:t>
+              <a:t>17/11/2014</a:t>
             </a:fld>
             <a:endParaRPr lang="fr-BE"/>
           </a:p>
@@ -6102,8 +6150,25 @@
                   </a:schemeClr>
                 </a:solidFill>
               </a:rPr>
-              <a:t> :   Khalid </a:t>
-            </a:r>
+              <a:t> :   </a:t>
+            </a:r>
+            <a:r>
+              <a:rPr lang="fr-FR" sz="1900" b="1" dirty="0" smtClean="0">
+                <a:solidFill>
+                  <a:schemeClr val="bg2">
+                    <a:lumMod val="25000"/>
+                  </a:schemeClr>
+                </a:solidFill>
+              </a:rPr>
+              <a:t>AZZIMANI Khalid </a:t>
+            </a:r>
+            <a:endParaRPr lang="fr-FR" sz="1900" b="1" dirty="0" smtClean="0">
+              <a:solidFill>
+                <a:schemeClr val="bg2">
+                  <a:lumMod val="25000"/>
+                </a:schemeClr>
+              </a:solidFill>
+            </a:endParaRPr>
           </a:p>
           <a:p>
             <a:pPr eaLnBrk="1" fontAlgn="auto" hangingPunct="1">
@@ -6140,25 +6205,8 @@
                   </a:schemeClr>
                 </a:solidFill>
               </a:rPr>
-              <a:t>BAKRI </a:t>
-            </a:r>
-            <a:r>
-              <a:rPr lang="en-US" sz="2000" b="1" dirty="0" err="1" smtClean="0">
-                <a:solidFill>
-                  <a:schemeClr val="bg2">
-                    <a:lumMod val="25000"/>
-                  </a:schemeClr>
-                </a:solidFill>
-              </a:rPr>
-              <a:t>Anouar</a:t>
-            </a:r>
-            <a:endParaRPr lang="en-US" sz="2000" b="1" dirty="0" smtClean="0">
-              <a:solidFill>
-                <a:schemeClr val="bg2">
-                  <a:lumMod val="25000"/>
-                </a:schemeClr>
-              </a:solidFill>
-            </a:endParaRPr>
+              <a:t>BAKRI Anouar</a:t>
+            </a:r>
           </a:p>
           <a:p>
             <a:pPr eaLnBrk="1" fontAlgn="auto" hangingPunct="1">
@@ -6356,7 +6404,7 @@
             <a:fld id="{1CF47502-4209-46D6-AE4F-6A87675A05BA}" type="datetime1">
               <a:rPr lang="fr-FR" smtClean="0"/>
               <a:pPr/>
-              <a:t>16/11/2014</a:t>
+              <a:t>17/11/2014</a:t>
             </a:fld>
             <a:endParaRPr lang="fr-BE" smtClean="0"/>
           </a:p>
@@ -7203,7 +7251,7 @@
         </p:nvSpPr>
         <p:spPr bwMode="auto">
           <a:xfrm>
-            <a:off x="4644628" y="2766370"/>
+            <a:off x="6573010" y="2720335"/>
             <a:ext cx="2159000" cy="400050"/>
           </a:xfrm>
           <a:prstGeom prst="rect">
@@ -7372,7 +7420,7 @@
         </p:nvSpPr>
         <p:spPr bwMode="auto">
           <a:xfrm>
-            <a:off x="4284348" y="3534411"/>
+            <a:off x="4739845" y="2650607"/>
             <a:ext cx="1541462" cy="400050"/>
           </a:xfrm>
           <a:prstGeom prst="rect">
@@ -7542,7 +7590,7 @@
         <p:spPr bwMode="auto">
           <a:xfrm>
             <a:off x="7156150" y="3874773"/>
-            <a:ext cx="1543050" cy="400050"/>
+            <a:ext cx="1543050" cy="400110"/>
           </a:xfrm>
           <a:prstGeom prst="rect">
             <a:avLst/>
@@ -7685,21 +7733,18 @@
           <a:p>
             <a:pPr eaLnBrk="1" hangingPunct="1"/>
             <a:r>
-              <a:rPr lang="fr-FR" altLang="ar-MA" sz="2000" b="1" dirty="0">
+              <a:rPr lang="fr-FR" altLang="ar-MA" sz="2000" b="1" dirty="0" smtClean="0">
                 <a:solidFill>
                   <a:schemeClr val="bg1"/>
                 </a:solidFill>
               </a:rPr>
-              <a:t>Mobilit</a:t>
-            </a:r>
-            <a:r>
-              <a:rPr lang="fr-FR" altLang="ar-MA" b="1" dirty="0">
-                <a:solidFill>
-                  <a:schemeClr val="bg1"/>
-                </a:solidFill>
-              </a:rPr>
-              <a:t>é</a:t>
-            </a:r>
+              <a:t>Ubiquité</a:t>
+            </a:r>
+            <a:endParaRPr lang="fr-FR" altLang="ar-MA" b="1" dirty="0">
+              <a:solidFill>
+                <a:schemeClr val="bg1"/>
+              </a:solidFill>
+            </a:endParaRPr>
           </a:p>
         </p:txBody>
       </p:sp>
@@ -8098,6 +8143,49 @@
           </a:p>
         </p:txBody>
       </p:sp>
+      <p:sp>
+        <p:nvSpPr>
+          <p:cNvPr id="2" name="TextBox 1"/>
+          <p:cNvSpPr txBox="1"/>
+          <p:nvPr/>
+        </p:nvSpPr>
+        <p:spPr>
+          <a:xfrm>
+            <a:off x="3707762" y="128145"/>
+            <a:ext cx="4968552" cy="523220"/>
+          </a:xfrm>
+          <a:prstGeom prst="rect">
+            <a:avLst/>
+          </a:prstGeom>
+          <a:noFill/>
+        </p:spPr>
+        <p:txBody>
+          <a:bodyPr wrap="square" rtlCol="0">
+            <a:spAutoFit/>
+          </a:bodyPr>
+          <a:lstStyle>
+            <a:defPPr>
+              <a:defRPr lang="fr-FR"/>
+            </a:defPPr>
+            <a:lvl1pPr>
+              <a:defRPr sz="2400" b="1" i="1">
+                <a:solidFill>
+                  <a:schemeClr val="bg1">
+                    <a:lumMod val="95000"/>
+                  </a:schemeClr>
+                </a:solidFill>
+              </a:defRPr>
+            </a:lvl1pPr>
+          </a:lstStyle>
+          <a:p>
+            <a:r>
+              <a:rPr lang="fr-FR" sz="2800" dirty="0"/>
+              <a:t>Internet des Objets</a:t>
+            </a:r>
+            <a:endParaRPr lang="en-US" sz="2800" dirty="0"/>
+          </a:p>
+        </p:txBody>
+      </p:sp>
     </p:spTree>
   </p:cSld>
   <p:clrMapOvr>
@@ -8133,7 +8221,7 @@
       </p:grpSpPr>
       <p:sp>
         <p:nvSpPr>
-          <p:cNvPr id="2" name="Titre 1"/>
+          <p:cNvPr id="10242" name="Titre 3"/>
           <p:cNvSpPr>
             <a:spLocks noGrp="1"/>
           </p:cNvSpPr>
@@ -8141,303 +8229,351 @@
             <p:ph type="title"/>
           </p:nvPr>
         </p:nvSpPr>
-        <p:spPr/>
+        <p:spPr>
+          <a:xfrm>
+            <a:off x="0" y="228600"/>
+            <a:ext cx="8766175" cy="990600"/>
+          </a:xfrm>
+        </p:spPr>
         <p:txBody>
           <a:bodyPr/>
           <a:lstStyle/>
           <a:p>
-            <a:pPr algn="ctr"/>
-            <a:r>
-              <a:rPr lang="fr-FR" dirty="0" smtClean="0">
+            <a:pPr algn="ctr" eaLnBrk="1" hangingPunct="1"/>
+            <a:r>
+              <a:rPr lang="fr-FR" sz="3600" dirty="0">
                 <a:latin typeface="Times New Roman" pitchFamily="18" charset="0"/>
                 <a:cs typeface="Times New Roman" pitchFamily="18" charset="0"/>
               </a:rPr>
-              <a:t>Standardisation</a:t>
-            </a:r>
-            <a:endParaRPr lang="fr-FR" dirty="0"/>
-          </a:p>
-        </p:txBody>
-      </p:sp>
-      <p:sp>
-        <p:nvSpPr>
-          <p:cNvPr id="3" name="Espace réservé du contenu 2"/>
+              <a:t>Pourquoi l’internet des objets?</a:t>
+            </a:r>
+          </a:p>
+        </p:txBody>
+      </p:sp>
+      <p:sp>
+        <p:nvSpPr>
+          <p:cNvPr id="10244" name="Espace réservé de la date 5"/>
           <p:cNvSpPr>
             <a:spLocks noGrp="1"/>
           </p:cNvSpPr>
           <p:nvPr>
-            <p:ph sz="quarter" idx="1"/>
+            <p:ph type="dt" sz="quarter" idx="10"/>
+          </p:nvPr>
+        </p:nvSpPr>
+        <p:spPr bwMode="auto">
+          <a:noFill/>
+          <a:ln>
+            <a:miter lim="800000"/>
+            <a:headEnd/>
+            <a:tailEnd/>
+          </a:ln>
+        </p:spPr>
+        <p:txBody>
+          <a:bodyPr wrap="square" lIns="91440" tIns="45720" rIns="91440" bIns="45720" numCol="1" compatLnSpc="1">
+            <a:prstTxWarp prst="textNoShape">
+              <a:avLst/>
+            </a:prstTxWarp>
+          </a:bodyPr>
+          <a:lstStyle/>
+          <a:p>
+            <a:fld id="{9145DB05-0482-4A25-BBD6-1702FCF7F2AB}" type="datetime1">
+              <a:rPr lang="fr-FR" smtClean="0"/>
+              <a:pPr/>
+              <a:t>17/11/2014</a:t>
+            </a:fld>
+            <a:endParaRPr lang="fr-BE" smtClean="0"/>
+          </a:p>
+        </p:txBody>
+      </p:sp>
+      <p:sp>
+        <p:nvSpPr>
+          <p:cNvPr id="7" name="Espace réservé du numéro de diapositive 6"/>
+          <p:cNvSpPr>
+            <a:spLocks noGrp="1"/>
+          </p:cNvSpPr>
+          <p:nvPr>
+            <p:ph type="sldNum" sz="quarter" idx="12"/>
           </p:nvPr>
         </p:nvSpPr>
         <p:spPr/>
         <p:txBody>
-          <a:bodyPr/>
-          <a:lstStyle/>
-          <a:p>
-            <a:r>
-              <a:rPr lang="fr-FR" sz="3200" b="1" dirty="0"/>
-              <a:t>Normes et standards</a:t>
-            </a:r>
-          </a:p>
-          <a:p>
-            <a:pPr marL="0" indent="0">
-              <a:buNone/>
-            </a:pPr>
-            <a:r>
-              <a:rPr lang="fr-FR" dirty="0"/>
-              <a:t> </a:t>
-            </a:r>
-            <a:r>
-              <a:rPr lang="fr-FR" dirty="0" smtClean="0"/>
-              <a:t>  Ensemble </a:t>
-            </a:r>
-            <a:r>
-              <a:rPr lang="fr-FR" dirty="0"/>
-              <a:t>des protocoles (</a:t>
-            </a:r>
-            <a:r>
-              <a:rPr lang="fr-FR" dirty="0">
-                <a:solidFill>
-                  <a:srgbClr val="FFC000"/>
-                </a:solidFill>
-              </a:rPr>
-              <a:t>TCP/IP</a:t>
-            </a:r>
-            <a:r>
-              <a:rPr lang="fr-FR" dirty="0"/>
-              <a:t>, </a:t>
-            </a:r>
-            <a:r>
-              <a:rPr lang="fr-FR" dirty="0">
-                <a:solidFill>
-                  <a:srgbClr val="FFC000"/>
-                </a:solidFill>
-              </a:rPr>
-              <a:t>SMTP</a:t>
-            </a:r>
-            <a:r>
-              <a:rPr lang="fr-FR" dirty="0"/>
-              <a:t>, </a:t>
-            </a:r>
-            <a:r>
-              <a:rPr lang="fr-FR" dirty="0">
-                <a:solidFill>
-                  <a:srgbClr val="FFC000"/>
-                </a:solidFill>
-              </a:rPr>
-              <a:t>HTTP</a:t>
-            </a:r>
-            <a:r>
-              <a:rPr lang="fr-FR" dirty="0"/>
-              <a:t>, </a:t>
-            </a:r>
-            <a:r>
-              <a:rPr lang="fr-FR" dirty="0" smtClean="0"/>
-              <a:t>..)</a:t>
-            </a:r>
-            <a:endParaRPr lang="fr-FR" dirty="0"/>
-          </a:p>
-          <a:p>
-            <a:r>
-              <a:rPr lang="fr-FR" sz="3200" b="1" dirty="0" smtClean="0"/>
-              <a:t>Codes-barres, </a:t>
-            </a:r>
-            <a:r>
-              <a:rPr lang="fr-FR" sz="3200" b="1" dirty="0"/>
-              <a:t>EAN</a:t>
-            </a:r>
-          </a:p>
-          <a:p>
-            <a:pPr marL="0" indent="0">
-              <a:buNone/>
-            </a:pPr>
-            <a:r>
-              <a:rPr lang="fr-FR" sz="3200" b="1" dirty="0" smtClean="0"/>
-              <a:t>  </a:t>
-            </a:r>
-            <a:r>
-              <a:rPr lang="fr-FR" dirty="0"/>
-              <a:t>U</a:t>
-            </a:r>
-            <a:r>
-              <a:rPr lang="fr-FR" dirty="0" smtClean="0"/>
-              <a:t>n </a:t>
-            </a:r>
-            <a:r>
-              <a:rPr lang="fr-FR" dirty="0"/>
-              <a:t>standard s'est imposé depuis les années 1970 </a:t>
-            </a:r>
-            <a:r>
-              <a:rPr lang="fr-FR" dirty="0" smtClean="0"/>
-              <a:t> pour </a:t>
-            </a:r>
-            <a:r>
-              <a:rPr lang="fr-FR" dirty="0"/>
-              <a:t>l'identification des produits</a:t>
-            </a:r>
-          </a:p>
-          <a:p>
-            <a:r>
-              <a:rPr lang="fr-FR" sz="3200" b="1" dirty="0"/>
-              <a:t>Le système </a:t>
-            </a:r>
-            <a:r>
-              <a:rPr lang="fr-FR" sz="3200" b="1" dirty="0" smtClean="0"/>
-              <a:t>EPC,RFID</a:t>
-            </a:r>
-            <a:endParaRPr lang="fr-FR" sz="3200" b="1" dirty="0"/>
-          </a:p>
-          <a:p>
-            <a:pPr marL="0" indent="0">
-              <a:buNone/>
-            </a:pPr>
-            <a:r>
-              <a:rPr lang="fr-FR" dirty="0" smtClean="0"/>
-              <a:t>   Puces </a:t>
-            </a:r>
-            <a:r>
-              <a:rPr lang="fr-FR" dirty="0"/>
-              <a:t>électroniques contiennent un identifiant et </a:t>
-            </a:r>
-            <a:r>
-              <a:rPr lang="fr-FR" dirty="0" smtClean="0"/>
-              <a:t>des </a:t>
-            </a:r>
-            <a:r>
-              <a:rPr lang="fr-FR" dirty="0"/>
-              <a:t>données </a:t>
-            </a:r>
-            <a:r>
-              <a:rPr lang="fr-FR" dirty="0" smtClean="0"/>
-              <a:t>sur les objets</a:t>
-            </a:r>
-            <a:endParaRPr lang="fr-FR" dirty="0"/>
-          </a:p>
-          <a:p>
-            <a:pPr marL="0" indent="0">
-              <a:buNone/>
-            </a:pPr>
-            <a:endParaRPr lang="fr-FR" dirty="0"/>
-          </a:p>
-        </p:txBody>
-      </p:sp>
-      <p:sp>
-        <p:nvSpPr>
-          <p:cNvPr id="4" name="Espace réservé de la date 3"/>
-          <p:cNvSpPr>
-            <a:spLocks noGrp="1"/>
-          </p:cNvSpPr>
-          <p:nvPr>
-            <p:ph type="dt" sz="half" idx="10"/>
-          </p:nvPr>
-        </p:nvSpPr>
-        <p:spPr/>
-        <p:txBody>
-          <a:bodyPr/>
+          <a:bodyPr>
+            <a:normAutofit fontScale="85000" lnSpcReduction="20000"/>
+          </a:bodyPr>
           <a:lstStyle/>
           <a:p>
             <a:pPr>
               <a:defRPr/>
             </a:pPr>
-            <a:fld id="{65ACCEE1-83F7-4A1F-9F42-0F6BBACAD815}" type="datetime1">
-              <a:rPr lang="fr-FR" smtClean="0"/>
-              <a:pPr>
-                <a:defRPr/>
-              </a:pPr>
-              <a:t>16/11/2014</a:t>
-            </a:fld>
-            <a:endParaRPr lang="fr-BE"/>
-          </a:p>
-        </p:txBody>
-      </p:sp>
-      <p:sp>
-        <p:nvSpPr>
-          <p:cNvPr id="5" name="Espace réservé du numéro de diapositive 4"/>
+            <a:r>
+              <a:rPr lang="fr-BE" dirty="0"/>
+              <a:t>2</a:t>
+            </a:r>
+          </a:p>
+        </p:txBody>
+      </p:sp>
+      <p:sp>
+        <p:nvSpPr>
+          <p:cNvPr id="10246" name="Espace réservé du pied de page 7"/>
           <p:cNvSpPr>
             <a:spLocks noGrp="1"/>
           </p:cNvSpPr>
           <p:nvPr>
-            <p:ph type="sldNum" sz="quarter" idx="12"/>
-          </p:nvPr>
-        </p:nvSpPr>
-        <p:spPr/>
-        <p:txBody>
-          <a:bodyPr>
-            <a:normAutofit fontScale="85000" lnSpcReduction="20000"/>
+            <p:ph type="ftr" sz="quarter" idx="11"/>
+          </p:nvPr>
+        </p:nvSpPr>
+        <p:spPr bwMode="auto">
+          <a:noFill/>
+          <a:ln>
+            <a:miter lim="800000"/>
+            <a:headEnd/>
+            <a:tailEnd/>
+          </a:ln>
+        </p:spPr>
+        <p:txBody>
+          <a:bodyPr wrap="square" lIns="91440" tIns="45720" rIns="91440" bIns="45720" numCol="1" anchorCtr="0" compatLnSpc="1">
+            <a:prstTxWarp prst="textNoShape">
+              <a:avLst/>
+            </a:prstTxWarp>
           </a:bodyPr>
           <a:lstStyle/>
           <a:p>
-            <a:pPr>
-              <a:defRPr/>
-            </a:pPr>
-            <a:fld id="{7DB234AD-1E11-4B53-B6E5-88515ECC9B9D}" type="slidenum">
-              <a:rPr lang="fr-BE" smtClean="0"/>
-              <a:pPr>
-                <a:defRPr/>
-              </a:pPr>
-              <a:t>10</a:t>
-            </a:fld>
-            <a:endParaRPr lang="fr-BE"/>
+            <a:endParaRPr lang="fr-BE" dirty="0" smtClean="0"/>
+          </a:p>
+        </p:txBody>
+      </p:sp>
+      <p:sp>
+        <p:nvSpPr>
+          <p:cNvPr id="60418" name="AutoShape 2" descr="data:image/jpeg;base64,/9j/4AAQSkZJRgABAQAAAQABAAD/2wCEAAkGBxQTEhUUExQWFhUVGSAYGRgYGSAcIBsgHx4dHiAkHCAdHyghIB8lIB8eITEiJSorLy4uIB8zODMsNygtLisBCgoKDg0OGxAQGzcmICQsLCwvLC80LC80LCw0LCwsLCwvLCwsLC8sLCwsLCwsLCwsLCwsLCwsLCwsLCwsLCwsLP/AABEIALcBEwMBEQACEQEDEQH/xAAcAAACAwEBAQEAAAAAAAAAAAAFBgMEBwIAAQj/xABHEAACAQIEAwYEAwQJBAAFBQABAgMEEQAFEiEGMUEHEyJRYXEygZGhFEKxI1KSojNicoLBwtHh8BUkQ7IWF1Pi8Qg0VGPS/8QAGgEAAgMBAQAAAAAAAAAAAAAAAwQAAQIFBv/EADkRAAEEAAQCCAYCAgICAgMAAAEAAgMRBBIhMUFRBRMiYXGBofAykbHB0eEUI0LxBlIVclNiJDND/9oADAMBAAIRAxEAPwDTZs+nG/dRgfulzf5kLYH646DcIw/5ei4cnS0rDeQV46/RDZuJao/AieyqzfU3/wABhgYGADtO+gSDum8W8/1xivAn1Xyg47IbTUR26Fkvt7qd/oflgcnR2lxn5/lMYbp2zlnbXePx78E5wyq6hlIZWFwRuDjmEFpor0LXNe2xqCsl4t/7XOEm5KzRy/I+FvrZvrjqwf2Yct8QuLif6sWHeB+xTb2p5eZaMMoJaORW2FzY+H9SPphXBPyyUeITvSMeaGxwP6VTKMslqMmNO6MsgBChwVJ0trT4unJb41I9rMTnB092sRRukwmQjX3SI8EcOSU9NJBU926yMW0glhYgAg3AHTpgeJma94czgi4PDujjLJNbUTdm9EW1WkA/cD7fcavvjX86WqWP/GwXeqY6PKYYkREiULHfRcX03NzYm53PPzws6RziSTunGQsaA0DZXcYREsV+fTmZ4YY1uhtuCxOwN7AgDmPPp52w2yBmQOcUjLipA8sY3b3t+0t1mfStfVM/sDot/BY/XDLYYxsEm6eZ27q8NP36q5wXmQ/FaL7SIevNhYj32DYFiWjJYGyNg3ESUTuivadQ97l09ucYEo9NBBP8urCsJp4TuJbmjIWKcOcNz1rssAXwAFizBQL7D1PI8gfuMPPkDN1y4oXSfCrWYcOfgaqOOvDGJt9UJ2YddJZfynmLX+oOMiTM22brZh6t4Em3cnHtE4LpKai76nQqyOuptbNdW23uSOZXlgMUrnPopnEYdjY8zQmfhWnioMsSWRArLEZZDpAYk3axPO+4UD2GBPJe/RMQtEcYJ8SscyjOGSujqmNj3/eP7M13+xOHHM7GXuXNZJ/bn71+jMzqTHEzDnsB7kgfa98IxMzvAK6WJlMURePfBAo4WlRnmmYRrz9fPYbfY4bcWxuDWN1K5UYlnYXySENHvh+1xlskM0U8FNJrOjUNSlQGNwL3ANgVXp1xUhe17XvFLcDYpIpIYXXpeumvsBd1bpA8dLJEO4mj7tpbW1OfMjl/qRbljLc0gMgOoN13Ij+rhc3Dub2XCs3M+/UqPJYGoY0ibcNVaAf3lZfCf0+eJKRO4uH/AFtVh2nBsDHcX15EaL5RZDLDXyVLSAQtqYkncg9D6A/oMW6Zj4RGBqqiwcsWLdMXdk3/AK8vsups1jqFs0s0BUn+juNQvtuATy9uvPEbC6M6AHxVvxLJ20XlnhxHyXGVUKSVayxIVSFSCxJJdiCNyeZsb+ewvzGLke5sRa46n0WYIWSYkSMGjRueJ29+vBE+M6HvqGojtc92WA9V8Q+4GFoXZZAV052Zo3DuWFwUcIUM78xe1wP98dUuddALjtjZQJKO8MEpNHLTU0suhr3RCRbkfEdhcXGBS6tIcaRoi0OBY200ZpkNfWzGXuIqYEAESSazt18A52tsfLAGyRRtq7TL2SyOsNrx/SbuEMiNHT9y0neHUzXAsBq6AXO3+pwtNIJHWAmIIzG3KSjeBIyT8/73v30307W/hGMHddfC9X1Qzb/tFaSjV5Dq3Ci9vP8A2/2x0JJSxui8dBhmSynPsOCpZhn0sb6UiAVTaxU3I+Ww/wCc8Giwkb2252pSuJ6VxEMmSOPsg8jr8tvVLnG2bQziMqhEo+IkW28j57/83wxg4ZIiQTolOk8XDiQ1zGkO42K05d6tdm2aEO9Ox8JGtPQjmB73v8j54F0jEKEg8E50HiTZhO24+6bsz4fp6h1eaIOyCwuTa3Plex+eOcyZ7BTTS7skEchBcLpEgLYEjL7iKKlnGbQ0sTTVDiONbXY32vsOQJ3OIrAtWopQyhlN1YAg+YPLEVIbDxLSPP8Ah1qYWm3HdiRS1xzFr8x5c8RXRWYdpXHZqaWZaBasCnlUNVR+GIkbFSytcruOYsTp6EHE71NjSPVGYB6yinDMkddEhup0m7La1/nGMORaxHu9/lc6Y5MQ3hm09+ilmjSmgrHWFHmpZvCXu3hbSVJ33srn+G+LBL3NBOhCy4CNj3AWWnj771TzqrVKjLa5FCLPp7y3IE2DfPSzD+7jTAS18Z4IcpqSKVooHf35rQFdaiFwVYK4aMh1seqnbyOEAV1TRX5zyrMZqGp1obSRMUYdGsbMreht+h5jHTc0PauMx7on6cFs8NRSZxSWYXH5lvZ4m8wf0PIj5jCXajcup2J2e9ExGjRo+6ZQ6WCkOAwIFrXvseWB3raLQIooVBWUmZ07oriWJtnXdWFjcXBsw3AIPpjVOYVnsStrcLHOO+GFopQqSiRHBIBI1ra2zge+x2vvttu5FJnC5mIg6o6bFbfwvVipoYHbfvIlDe4Fm/mBwk62P04LotqSPXYhL9FFPHUTI1X3ABGgMgYOu9jvYcrXtvf2w+9zHsa7Jf2XDhZNFM9nWZANrF2Oete/BGTnSIY7nvXAIaRVtsegF+ptsD0wv1DnA1oORXQ/lMYW2cx4kBBqWZzFJCVEkT30azcpc7b73tzwy5gDg8aEeqRZITG6NwzNO18P9Itm8RMUKs4ZkIJYb7jkf8Sfc7YBFWZxqgU3ibLGNJsjW11V0i1MqlTtbxkWNrX+V+Q+vliNeYmaq5IxiJBW3FEYcmhUAd2pt1IuT7nrgBmeTumm4SForKr0aBQAoAA5ACwwMknUpgAAUF9IxStCaLhmjhN46aJT56QSPYncfLBHTSO3KE2CNuzVLW57TQyJDLPGkj20ozAE3Nht6kWGMhjiLARMwGloXn3GcNLJJEysXjWOQ3sAUdwhZTvfRe5BA29jbbIi4WsOka3QqPizik0dVRowXuZy4lYg3W2hVN72ADOL3HLFxx52k8QqfJkcBzU8NbImaSQszGOWnWWMHkrI5VwPUhlJxmh1d96vMc9dyYio8sDRbS1V5j3Tro8UjfCi7lv9ut8dFsYe05thxXAfO6KQZNXHYc/fNUKjjaWNiklNpYcwXt/lxpvR7Xi2v08P2hydOPidkkiojv8A0i1JPHmFM/eR6dyu+9jYG6mw88Aex2FlFFPQTRdI4clza3HgeYKQcjkanmSa2ynxf2Tsfsb46+Ij6yMtXlMBiupna/h9lq9ZIyxuyAMwUlVJtcgbC/S5x5xe/S92ecTnMaJahlCOWZWVTcKQduf9UqfniKJIoePBl1LUgtU1r01X3UrTsEKhtYuti5KXjYC9rk9BsIrrmoOJeIK6oE2XV9PCn4umaam7okkNGDKqsxNmP7OxIA3tzB2hUtLPD3EZd6eWrMkcYpGpaOYn9ksyKU7x/Jt7aumxOwuIp3KLIKcMtPDP+ISWllDJT01FeTVqvraYncHmemw52BxazY4EfdOFHwXmcEdXl0KwNR1TswqHbeNWAU+AG5bSBYWtqF777VSl9yI5lwlVQ5ZRxraaopH2MYPwkkiwNidNkHsL4Zwz2tcQ7YhJY2NzmhzRqCuWybN6ppmYRU4qFCyC4swUEDYa2GxI5jBs8DABvXvuS5jxUhJ0F6H3qrdF2XXCioqndV5IgsB52LE/YDGXYz/q1bb0cSAHusclowwkumvzx2l0Pc5jOLWDkSD11gE/zasdCA2wLkYluWU96A5bmUsDiSF2jcdVP2I5Eeh2wRzQ4UUNj3MNtKam7Tq8rp1Rg/vCMX+/h+2Bfx2Jj+bJyHvzSekpU3DEHzBtz54MQCKSoc4GwVfy3IKmf+hp5XB/MEOn+L4fvii5rdyrax7tha3Hs0y2opqIQ1KaGV2KjUG8LWbfSSAdRbbCEzg51hdXDtc1lOCZKujSQAOoa3LzHseYxhr3N2K3JEyQU4Wo6XLYozdEAPmSSfkSSRjTpXu3KzHh44zbR7813NRI25UX/eAsfrig9w4q3QsduPNfIaQKQSSxHK9tvYKAL+vv54heSo2INN7++5TvIFFyQBz3NuXPGEVCc14lggSJyWkE/wDRCFDIZNtXh0gg7b88bbG5xI5LLngbr3EWdGmhSbRqUyRo9zp0K7BS3I7gkbbe+IxmY0o52UWl7iriCqhqJjEyiOkhjnaIoCZlZ2EniJuukLtbrzwSNjS0XxNeCG97gdOCG8dyN3lSA50yUqVcOpjYPTSaiFBNhdSDtzxuKqHjXzWZCbPhfyUfaPRyTyUc0CFxURlHTkXVStQqhrHSTpYBvP3xcBDbB4f6WJwSQRx/2rnGfCzZk8E0aMmundSX8DRts0YdT4rEl0IANtV8Zik6uwea1LH1hBHJFs04P/GCl/Ft/QwskioW8TuqC4YEGwK3sRvtcYw2XJeVbdHmq1eq+EaeZIFqA0xgQoGZipYEKDr0Ear6Rz25+eMiUgnLxWjGHVaPKLC3lgaIs7qctko6lZL3XV+zdtxa1tDHobbeo5eWO3HKzERFp34/lePxGFnwWKErNRehP0Plp9EzzNBPpaWAlh/zmCLj3wkGyxWGO0XXe/DYqnSx6j3veo8VJNcp3UaiNCOQsDbr7euMtoOzvNlbkzPj6qJuVv2+yCyZYkjCGOzEkd4RuEW9zqPLURsBz3vyGGjiHBuc+XeVzmdHMLxG3U8e4d/jwCdMclenWM8NVtdltRX0tPl0tSrVLSRsLxxqDyu5XSfDo2v0OJqpYVybs8qqqSteXuoEr4YmZNWoxzoY2Ow8JUMJN9W+rEUtN7cEJIcveaV2moFCh0sokNkB1ghjY6eQPU74ipXsq4Po6eAUyQIYQ/eBJLyjX+8O81WO3TEUpG0QAAAAACwA2AHpiK19ZrbnbEUQXMOLaOElZJ01LzVbsR6eEHf0wZuHkdqAgPxMTPichR47Eh001LPMdWm5ARb2va5vbbfcDbGzhw0W9wHqg/zA41G0n0HzQ2biWtYgtJS0oYlY0e7l7G178tN/zbYvLEPhBdW9cP2sdfMd6byvij3CebvM80c66KiIgOoPhIPJlv0P2+eBysaAHMNtKYgmLyWvFOG6V+1XhGeqngkpotZKFHOpVC6Tdb6iOepuXljcEgaCChYqFzyC0IHl3ZDUtvNNFGPJQXP+Ufc4IcS0bBBbgnnc0mnLuyajTeVpZT5FtK/RQD/NgRxLjsmG4Ng31TRlvDFHBbuqaJSPzaQW/ia7ffAnSOO5Rmwxt2CL4wioTxNmLQQ6k+JmVATyUsbAnp6C+1yuNNFlS2j4tkEy/iBwps5mj6uVGtPM6FAuh6DmOe42U5g5pY4lpdpt79/pGhRa1DgrJcXBLM2of1WDBRfzVbYHnrREyk6+/fkrmWuSpBJIU2BPMgqGF/UXtf0xh621DMlzKRqutp5DfumRo9gP2cibcudmVhc405oDQQqa63EFB+MKN5KTv4xeoo2ci+5ZbFJVJt+ZN9uoGCMID6OxQnWW5huFQrMveXJaBohIzwinkAhJEhFgjaCNwdDMb+l8aDgJXXxtU4ExDy2RrOcvmq8t7iOLu2kHdlal7sqrcBiya9T7K2567m+BtIbJZPyRHguZQHzVnPeEkqtJeWRH7owyNHYGSNrala4OxIuPK5xTJS3h3q3R5tb12RHMMipp1RZoY5BH8AdQ2nkNr9Nht1sMZa9zdirLGncIgosLDYDGFtfcRRexFF7EUXsRRLc/GNEbqz6lOx8DEH5Eb4gdRsLoHojEubRb5WF9y2noZv6ByOpVJZI7f3AwsPlg/wDJedzfiAVy5uiBCe00t8CQPQ0iK5DTdYUb1caz9Wufviv5Ev8A2+Wn0QRgoOLAfHU/M2VPLJFTRFjpiiQXNhYD5D9BzxjtSO5lGAZEzSgAgCce09wWjqEiY2EzRWjPzve3ywc4R/MXyvVLjHRk8a51omrCqcUNVVxxjVI6oPNmCj6nFhpdoAqLg0WSl+t46o02WQyt0WJS177Cx+Hn64O3CyHUih3pZ+Nhbpdnu1VGo41lYrFDRyrO/wAPfjSukc2Jvc28tufPob6mMAvc8UOWqGcW4kNaw2eenmhj19fPqP4yFUUop/DANcs4U3LeJSAb+R+uLLoWUMhs38WmwtYLsQ//ADAAr4ddz37IBDC09ZNTVMkk6wJL3etze6nYmx3P/OQww+TJC2Rgoki0q1pkmdFISQLpT1k/4ZqSCGGN45ERyxTU0rE72bmCNiLcrjpgbG9cHyPcQQSN9vJae7qSyNjQQQD4+aucUB0hzD4lDTRtflqVlUG3mLgj5EYFhcrnxeB+eqNiszWS+IVdsxVY445JFo6mBBE5eDWxVeRjbewPPbnfY23JDC7O4huZpNijQ8whiVuQAnK5oo2LPkjvZ3SOaieoHetC6hUkn+NyDe4/qf7eRxWIIEbWGgeQ2H7RcGCZHPFkHidz+k45zmS08LSsrNawCoLsxYhVAHmSQMIudlFrrwQmV4YDXeeHEpcp+I6mo19yKWPux4wZDPIvvHEOfpfntzwISPdtX1+iedhYYqz5je2mUHzP4Sll+a5hXySKs04jCuFeNO6XWougYgXXVtcFri4wEGR5Oq6EsWFwzWnKL0sE3px91Sf+CZ5WpVFQytMhKuQ6ufMBipI1aSL7+vXDMROXXdcfHCMTEximnbSvl3Wj2CJRR1ESurK4DKwswIuCOtwemLBrZUQCNUg1eQywt3kAZkBtZfE6DYkEbl0G69WFgd+Yc68FpB3rRc84angt2vVGOHqsJLJTr3niXvV1oygEnS/NQB+VtI6ljzOE2l7hmkHFdAiNhyxm0x0aAAkcmNx7AAD7AHFuVNQqv4aSWqWp72aNwqoVjfQrhWLDXYXIueV7EY0JKblpUWW7NaMRwqt7C2o3PqcYJJWgAF2osLDYDFK19xFF7EUXsRRco4PIg+xxZBCoEHZL2b8Z08DFPFIw2IQCwPkSSBf2vhqLBSSC9h3rnYjpSCF2Xc9yJ5JnEdVHrjJ2NiDsVPrgM0LonZXJrDYmPEMzsQKn4wY5u+XPCFCxd4kmu5fZT8OkWG79T8OBJhNuIognDeaw1EXhVUZNnjsBp/8At9cUCnsZhpYX6mwdjz/aX56Ba2pJpQIkhBvMgtqk6Wta9vMdL+YxW+y6DZnYWACftF3+J4D373R3hnN3k1wTi08Ozf1h0Yf86g9bCwUhjcM1lSxfA7bu7kL7RJw4p6ZVZ3klVyire6KfFf03+xw5hRWZ/Ieq4WNcCGs3sjTuQHirLa2WrkQyBaYESWkcd2qIBuyjkL3FiN7HyuDwvibGDXa277S2IZO+Utvs767UOasmSsqGp1NYr00khRpaXwMG0khW225be+/TGajYCcvaHAohM0haM3ZJ3alnLqYTrXmctLJBCe7Z2JK6SR54Ze7Jky6AnVJxt6zrM+paNLRzN8zkhqqaKliTS0aSmNQF7xirDc22so26A3O+Fura+JxkPdfJMvldHKxkTeANc19QQwFZ5e/h74PTlJm1lQw1a15tpDCxv5391znktjKNU6xpfdyROxGQ91i7brw71RyWmjp4qvup1mcRCTwA6QEa4uepJ6Dlb1wWdzpXx5m0LrXfVBgY2Jj8rsxq9O5XcqaWok/E0dFZ5L95JM/gPQhOXMjmPL1OI+IMZ1cr9BsBv5rcbzI7rIo9TuTt5IrRcJ13d929VHFGxPgjTVoUn4UZrECxt6euMOfBmzZbPM8e8orYMRlylwA7uHcERp+AaYEGV5pyLW72QkbctgBcehxX8pw+EAeARBgmf5EnxKaJIVa11BtyuL2wuCQmy0HcLwmW+nUL+V9/pilqivTpqUg9R9MUVGmjaw/JcjrKKujJRgkTeOUf0ZiHxktytp3sd722wmxjmOXqZ8TDiICL1PDjfBBKniNlrHqICVXvzMqEnSd/zKCPiHPrvzxVnNYRxh2mERv3qr4/PuTr2JZneSph2GoCVVGwFiVa3pugwaDSwuZ0zH2WP5afj7rRM5rZUeGKLQGmLDW4JA0rqtYEEki/UcjhtjQbJXnnuIoDiu8lzEyq6yALLEdMijl5hlv+VhuPmOmI9uXbZRjsw1XRqe6dg6tpY6lZVLDfmDpBIN7nyscTLmGimbKdVKrmT8pVOuoWLegHMDzvY+nXFVlV3mVvGVpexFEAkpatq4PrC0yj4Qefh3BHU6uvlhoOhEFV2lzyzEnFB1/1j10+t+iMfjI9Zj1rrA1Fbi4HmR5YXyOrNWid6xmbLeu9IMnGVKZe7Dnr47eHYEnf5eWGDg5Q3NXkkh0nhi/IHefBCqLjvvapIljtG7aAxPi32BtyG/T74O/AZYy4nUJSPpgSThgb2Saviq2Z1ctfVtSxuY4Y76yPzadiT5i+wHLrjcbG4eISuFk7IU8smNxBw7DTRv38/wAV5obkMEkIrZoWJiRGjV/3jq2YdNhvf19cGnc15jY4akg0lcIx8QmkjPZAIB5m9D5bor2ewQimnlkCncq5bogUH6G5/wCDAMc5/WNa3y8U30QyIQPe/wAD4Uuey2I/t2/KdIHuNR+wI+uL6SI7I46qugmntu4afdAu1SoFDmuXZib6AGjkI8lv99Mr++nHLXoVf/8Am/Gd48vr3Q8mEQsfoxH3xNVXZ5rnP8tnIerkRIA1gYw1mYHnfoSdrjra9rjfBHFenwk8ILcOwl1ca0Hv2UfyriId2qUdHIyqLdFUHmRqN7n1O554u+S58+COcuxEoBPmfkqhqJxmNPJLCITIDHYOG1AA87eRK/QYnFFyRHByMjfmqjtVe9VN2l0gEK1Ss6SQEAFWtdXYAg/888PYN1uyHYrymObTRIDRH3QLPayJKzMYJyyRVCxftVUtoZUUrqA6E3+nzBo2uMbHN1IvRLyvaJZGO0DgNeWigyNzHGIMuJqpO9E0kmkpGoUbLdurWtf1xqQZjml7Iqu9Zh7DckPaN2eXsotSZdWM8jU9FBTCW/eiocyCQtz2F7KLnawBv8sCc+OhmeTW1aUjNZLZMcYF75tbVql4CMjB62bvWWNY0EY0BApuCCNyRvzHU89rZdi6FRitbN8VtuBLjmlN0KFaUi2WcG0sLa9LSva2qZtZt7Hb7YC7EvcKGg7tEZmEjacx1PfqquZ8IHvhNRyrSsU7t1ESlWF73tyB/wBBy3voTNc3LKM2t7rD8KQ/NCculHQIpw/lS0VMIzJqCamZ2so3JJPoB74HNL1jsyPh4eqYGboFmPaLCi6oopJQeTbIp9id7fLA4/7A8t/x3RZXCKZkUmhcgcvaBVSfAkUQ+bn72H2wsZTwTww7RulniDO6mRW1VMjbHwhtA+iWxnOSiiMAaBZtQ1smvvA7K6kEFdje/mN/nhnKKKS652YXxX6X7N89asoI5ZDeQFo5D5lTa59Stm+eINQsvFOWZ1GaDKauaJS1QxJUxk6UVSdSKLhmZtJHIAb23wpeR1L0YZ/Kia86Dnxvj3KTMeEvxsC1FFSSwSa9LwsNCkEfEhawsPSw57eeshOoCwzGiF2SR4cOe/0TF2b8A1NJU/iJ2RRoK6FJYm9viNrAC19icEjjINlJ47HxzR5GDjuU55yddRSxjmrNOx8lRSv3ZwPrhpnwk+S4j9wPNVJaow1rP3criSFR+zQturtzPIbHqRjeW20sZsr1ZmzaqsStKFAF/wBrKFJHsgYD5nGQxvNaMh4NRXLqsTRRyqCBIocA8xcX3wNwo0iNNi0B4g4wjppVi0lzt3hBtpB+W5tvbbphuDBulbmuuXeubi+lI8PIGVfPu/ao8fZnUIiGElYWteRSLkm5AFjcCwvfrfBcDFG4nPvyS/S2InY0dXo08Rz5c0vSVdT39FJNJfVoK2J+HVbxDzYbnzBw2GRZJGtHP35LnmXEdbC+R29V4Xx8eK5zvKmSvSIysxmK6n5E94dLbeXPby2xIZQ6AuA2vTwWcVh3MxYYXEl1Wdt9D5dy6zzJooswihVSI3MdwSTsWsdz52OJDM58BedxavFYWOLGNjaOycv1oq1xq4gzCKQLsojew2vpY8vktsYwgL8OW+IReki2LGMdW2U/I/pUpMrqxI8sMMvdzFtuRKM17MFNxfbywQSwloa9wsfVBMGJD3SRtOV1+YvY1smShyWqqFVKjTT06/8Ahi2Le+5sPcn264TfPFGSWdp3MrpRYXEztDZewwf4jj9VzH2fKGI/EP3THdALE25XN7G3npxZ6RJHw6+/e6yOhACR1hynh709E25dQpBGI410qP8Alz5nCEkjpHZnLsQwshYGMFBSy06sQWVWKm4uAbH0vyxhFpcPVxg2LoCOhYDEUpK+U5U1Y4qqoXQ7xRdAvQkdb/fmdrDGQL1K7GIxDcK3qIN/8ncb9/LxXNOv4Cu0cqeq+HyV/L6m3sV8sTYq3n+Zhc3+bN+8e/oeasTt+IzOMLulKhLH+s21v0+h8sXxQ2jqcE4nd5FeA4++5Hs2y2OoiaGUXR+djY7EEEHzBAOCMeWOzNXGljbI0tdsVUyThyClD90pvJbWzEsWt539+mNSTPkq+CxFh2R3XHmiRKov5VUewAwInmjtbwaEBzDjmgh+KpRj5R3k/wDQED54GZWDin4ujMVJsw+en1S1W9rUF9MMLt/WkYIv21H7YGZ+QXQj6AlOsjgPDX8Kak4pnn3Wqp4h0CxGT6lpBf5AYyJXHjS0/o2KIfAXeYH2P1TJkmdM8hglKGTTrV47hZFBAPhJJVlJFxc8wQeYBmPs0VzMThcjesbdXRB3B8eIPPT8j+1Uv/0upKGxAUt/Z1rq/lvjTtktCe2FmX/U43okXWoYGwW+56iw58jgXRzsmKe13wuG/iKPqjf8lgc8xTxCzofoR90HjrRGoafWgY2RdPjkO3wBrDSLi7nbcWudsRsJc6kSXEsa2x7/AGuc4ro0IV1kQMAQ6ustr/vJpQ/Q/XBX4cN2KUi6Qzmqr34p34Z7NKCWJZxNJMGF/DpQb7/lGofxYqhS1nN6UPAfm02cC0MVLJUU0S6E8Mqi5O5Gljckn8q4tpWHhNvcrq1aRqtbVYXt788aWL4KpnObJTR95JqIJCgKLkk3/wBOuNNaXGgsucGiylSr4+b/AMUAHrI/+Vb/AK4YGG5lCM/IIvwe7Tq1XKVMkn7OyggIqEiwuSdzdj8vLApez2QtR9rtFMeBIqF5+t4ZfDq/Zt4SbX2PXpgke6HJspsh/wD20G9/2Sb2tfwje2Mv+IrTPhCF8WcPJNA/doolBMgKgAseoNuZb9bYawuJcx4zHTb34LnY/AsliORva304nj80kUVZNWpBRW2Rrluukbb9PCCR67fPovYyAum5+/VcOOWXFtZheR37v0EwccZDNI8Bp0JCLoGkgabG45kW9/TCuDxDGtcHnfVdHpPByvewwjYV4clKvB80umeaciqDBr2BUAWsLC24te429+eM/wAxjbYxvZWx0ZLJUsj/AOy77u4cPT9pgzTIYqhkeQHXHazKbHY3t7X3wrHiHxgtbsV0J8HHM5r3bjiFdmo43ZXZEZl+FioJHsTywIPcBQOiO6JjnBzgCQu5ZlUXZgo9Tb9cYc4NFkogFmgqcudwKbGQfIE/oMKO6Qw7TRd9/omm4KdwsNV6OQMAVNwdwRhprg4BzToUs5paaO6xviTtQrUmlhRIou7dkvYu3hJF7sbdL/DhpsIIslJSYlwJAHv0Shm/EddJbv557OuoAkorKb2IVbKQbGxtbngoY0bBAdNIdz9kC29MbQl+jouNqO3xlbflKNt6bAj7451heqPRWKva++whec1rZiqxU0L2DBu+fwhbeXn+vpijqmsPE3AkvmeLqso1J9+ymbIcnWmj0g6mY6nc82bz9vT/AHxYC5mKxLp35joBoByCJYtLLOePeJqo1S0FDtKRdyCAxJGrSpY2Wy+InnuOVtwSPcTlau/0bgoBCcTiPh4b1yvTfXRK2bcCV3cyVFXMp7tC+l5GdjYXI32v7HAjE6rcujD0phesEULNzWgACSKeneQ6Y1Zza9lBY29hjK7D3tYLca8U/wBTwMauGjlokRA8F5SzG2tSL77m5JI8vD0wTISAW8lw2dKDDySMxBJp2nh6d3zQ3hrhZO7nnrJnp0glELBB4te17mx2Fx0PXlbfIAIJcarRMYrHvDmR4docXDNry9ERy/vaHOYIZZC6BtKsdtSyiw/mtf1XFtGSSkGZzMX0e6Roo7kciP19Vrub0QnglhYXEiMhB/rAjDa8kDRWe8P8JwSKjBpIlt8EelLHqNQXXzvsCOZwIFGcOKyntRh7rMGjFwkaKkYJJsoLdTuTe9ydzgrdkJwvRBYs0J0g7gjSwIFrX6e3T1wQvtC6pobotf7H63wSxr8F2KjyAK/5jJgUhHBbgBy6ppgn0ZhCekgaI/Mah91A+eBsOqM8dlOuCoKFcU0PfUsqD4tOpf7S+IfUi3zxuN2VwKxI22kLJL33HI746KST52a1V0mi/dYOPZh/qpwpiBqCmIDuE2VdbHELySIg82YL+uFwCdkckDdAc3zSOoieKBZJzIpQaFYJc7XLkBQBz54MxpbqdEF7g7Qaow9QtNThpmssSDWwBPIAE2Av9BgVFzqHFFsNbZ4KhwxxTDXd73IYCIgHULXvexAvy2PPyxuWF0dZuKxFM2W8vBFaeijRmZEVWc3YgAE++Mukc4AE7K2QxsJc1oBO6sYwiJX4n47paJ+7fW8lrlEANr8tRJAF/Lny23wN0gboujhOjJsS3O2gOZSnP2ss4PdQKu9ruxb7C3646GAw7MQ0ucao7LmdNCTo6RrB2swu/Pb6fNLuacf1b3vPoHklk+43++D4/CRxwEs30XA/mYmU0PQJalz0lw5ZnYEG5JPI35nHAMLnggjdGhw2JztkO4IOp5eqKVnHp/8AHF83b/Af645sfQp/zf8AL39l7V/Sw/wb81p3ZFxA1XRv3ltcUrIbCwsQGHMn94j5Y7MELYYwxuw5rlTSmV5eeKzntWoO6zKQ28MoWW3uNJ+pU/XHQhNtXKxDaf4o9xRXa6PL6ijo4fGvdAmMzPF3TAoiHqLhwbjf54G0HMQSjPc3IHAWtG4bnjqaWCcqhMkalrAfFazDbyIIwJwokJhmrQaXs+z6kpXhWpYI076IyUJBa4G7BSF5jmRjKIHOrQqFeKVOZf8ATxGdSw9+0lxYC4AAHMnceWIsosM0hMvciaPvrX7vWuu39m9/tiK6O6Xs27QqSGnmqB3kqU8/4eXQtij8jcPp8IO1xfflfEUWf9qqPBmK1ETMpljVw6mxuAUNj/ZA+uFZBT163oZzZsIY3iwCRXdv9V7Npmq8jildi8lNOUdmNzZieZO/5k+mKOrATwPv7KQtEHSTmAUHtsD34FHMlqwGyepFgsiNSSbWueS/VwTjQNFh8knPGaxMJ3BDx9/QqnVa4cvmRLhstrtSgHmmrw39DrJ+WMHss/8AUozMsuKa520sdeda/RM0j2qK6ONEkaeCOrhjddSswBU7dd1Q+5wU7uA5WucBcUTnEgNcWEjgN/uUgcfLUg0dXO476VLhBH3fdaCrAHck7uedsBfm0J3Xc6N6kiWCMdkHe7u7F+i2+iqBJGkg5OoYexF8OA2F457SxxaeBpKeXnu6ieL92Qkez+Mf+1vlgLtCjjVoSv2o8KCptMoOoDpz+V9jyFwfIbjGg5YLVlsWTlfDpcn0TSfqXIX3AbBusFaBAMBLrJ05LVeAMu/DxEsACwAsOSgcgL79SbnmSThd5TLQpc+rbSwld2WVCo8zrG3z5Ypm60RoVqWGEqvXxFFms/B9SJ3ESKEDko7OALE3GwuduXLph0TNy6pQxOvQItQ8EsZu+qpQ53JVAVuSDvqBB2vfYDAnTiqaFsQm7cUx0mR08ZukKBv3iNTfxNc/fAjI48UURtHBWaytjhXVLIka+bsFH3xkNLjQWiQBZQxsypa2OWCKeOQujKQrAmxBF7c+vPBMr4yHEIeZkgLQbWa9j9YY62SFtu8jIt/WQ3/TVh7GNtgIXOwDqkLSjWR8WVVdmXdRuFpkZnOlRdo0NhckE+I6eVueBPgZHFmO/wB0dmIfJNlbt9lpeEU+vz12yQmLM5PKVEkB+Wg/dPvgRhBJK6sHS0kMIia0acT48klpMfM/W2DxOdECGGrSGLndi3AzUa20Gl/6Rug4Uq5U7xYGEYFzI9kUDz1ORt1uMQkndAFAaIPKQpNyCAdyu9wOo5X9MZVq3nOTyQvMNDtHE5XvdB0kXspvyGoEG1+uLUTx2A5lpq6iAn+liEg942sfmRJ9sRRHO3Sg2ppx0LRMfezL+j4PAdwlMWNAUh5HmuYd33FJJUd3c+GFb2J52ZVLL8iMEcxh1cgRzSAU1Tp2d5iQCKRt/NowfmC9/riZ2KCOXvW28b8Mx5hSSU72BPijc/kcX0n25g+YJGE10lnXZFJPNmlVJVAienp0pnvzuGAufMnuwb9efXEUPBLEmXCOlrqxQRXZfmRdpLm7IXAsf6pYk/I9CcTgpxRvMKZZJ86pl+CtpEr4R5lQHNvUuftiKKTiiX8XkuW1fNkXunPrbSxP9+P74BONivQf8flqV8fMX8v9qHgWZXosxpXZVDR94mogDUL9T6hMCb8Lguj0i0sxEMzRsaNcvdrrg/P6RaQwVjOphnFRDpBJJG+kEA23vzt8XPFtLctHnYUx2ExBn6yADtNLXX9ffJd1PHyLUVcsNPrSqRAyTWsGUFblRcMpHS4vis+pIG6pnRLjFGyR9FhOo5HXfSigubcV1FTVpUR/spEUJGsV9gL7et7npyxRfZvim4cBDDAYnagmzaKUPC+Y5jMr1PeqvJpJRpsvkim3ysLX54sMc86peTHYPBRlsNE8hrr3n92tvghCKqKLKoCgegFhhxeNc4uJJ4pL4yY09Sk5H7ORQjN0DAm1/K4Nh/ZwN44o0R0pV5eIodPiYW9TgOqLlQ5Yu9N4aaST1CEL/E1l++NgOWCWDiicXD9dILWihX+s2o/Rdvvi+r5rJlHAInknBKRSrNNI00i7rcaVU+YW5ufUnb3wRrQENzy5W+Pe8FBO0LsjourUpsbAgtuN/hvhiCusFpbEZhGS3dJnZbxLDDTzrUTKmmQOC53bWN7DmxupO3nhnFRFzhlCUwcwDDnPHinTJ+MqOpk7qGW7nkCrLqtz06gL7b254WfBIwWQm2YiN5ppSpxN2iSioamoog7KxQsQWLMOYRV8rczfkduuGIsKC3M8pabGEOyRiz74KlknaFVx1Sw1yAKzBWumhk1WsfIrvfly3B89PwrCzMwrEeMfnyyBBMyjauzhoZ5GVTM8Qt+VU1WCg7C9hv5m++CsIihzNHBBeDNPlceKh4uyg5XWxGB3IAWVGa17gkEEgAHl5cmti4X9cw5vBZmj/jyAtPeoM8DQ5k5gbT3j6kc8gJ1vf2AkIv0ti2U6IZvdKSWyc5eP3RDgTNxltXJFVR6NVo3Y847G4PqhvckdLEeucQzrWAtK1hZBC8teK+y22NwwBBBBFwRuCD5Y5S7CyD/9QmX+GkqB0ZoW/vDWv00P9cRRZ1wM8P4+m/EW7rvPFq5XsdOr016b9MWomTLYa2hze7CTxSkyyEHRJETdnZuVgl23+Ej0xSlpWq860VM8lKQiSSOU8CkhSxK21KSmxHKx6dMQKKDP85aoZGZ5GIjRW1sSNarpJAvbcAHpuTiKK72cZn3GaUj3sGk7tvaQFN/S7A/LEVr9O1lFHKAJY0kCnUA6hgCLgEAjnud/XFgkbLJaDulfM+Me5193DH3MTMmp5ViLsnxiFLEtp5dLnYYZZh81WdT3X80q/FBl0NB3141zTPTVyOitcDUAbEi4uL2O/MYXLSDSaBsWrOMq1nUNHJBxI7rG5hrKUa3CkqrrsNRAsu0dt+reuIpapcX8DVzVFY1C0Hc5iirOspIKMu2pbDqLm++7NtyOIpdcEUzXsvhnFHqnlRqWBadmQ2Msai1j5X8XyYjEU1RqLgqmShahQOITci7airE6rgnybe3v54y9ocKR8NO/DyiRu4Wb1HZRWB7K0LL0YsV+o0kj5Xwv1T16hvT2GLbIIPLT8ovl3ZB1nqfdY1/zN/8A5xoQHiUrL/yH/wCNnzP2H5TPl3ZvQRWJiMpHWRifsLL9sbELVzpemMXJ/lXhp67+qZaLL4oRaKNIx5IoX9BggaBsufJK+Q28k+Oqs4tDWY5r2psZDHSU/eb2VmuS1vJF3t5b/IYeZg9LeaSD8cAaYLWklVkTxLdWG6sOh6EH9MIlPqrR5LTxG8UESHzVFB+wxFDruo88z+npFDTyBL/CNyzewG59+QxtkbnmmhYkkbGLcaQTJe0KmqahII0lBe9mYKBsC37xPIeWDPwr2NzFAjxcb35QlrMeOK2qqWp8uQDSSA1lLMF2LXfwqvlt5edsGbh42NzSFAfipHvLIgoeH+K6r8U1BmB1CW8LXChkZhYbpYMDe3XmCD53JCzJ1kfDVVFiJM/Vy8dEq8IZJHNXLTVBZRd1IU2JZATa5Gw2OGJpC2PO1KQwh0mRyt8U5euWZkhi1aEMcyAm5tfcX67qw9jjMTjNEb7wiSsEEwrbQqenmFHnZZyAgnYljyCSg2JPkA4N/TFEdZh9OX0WgRHidef1Uva7PC9WjxSI57oB9BBsQTa5HWx5egxWDDgwgjirx1ZwQeC9xpl1RBUxV6obOI5ibEhZFC6g9uVyL72vc+RxIHNcwx+I8lWJa5kglHcfNRZtU1mcyxaKfSEBUEA6Rci5Zzt05e9gcWxrMODZWZHvxJGVqaOJ+ziSd6fupEVY4EhZmvc6NgQAN7j1HIYBFig0GxubTM2Dc8tynYUmfPeD4KwRGov3kYALp4S224Ox8N9/MdDubgjndHeXZMS4ZktF26LZRlkdNEsUQIReQLFrfNidvTlgT3l5sozGBjcoSv2w5d32VVFh4orTD+4QW/k1DGVpfmgPi1adcvzqTK5NMpaeQxaJKZm/Zxq4B0sTq8drXCrYXtc9KU8UO4lhpXgjq6RGiVpDDJCx1BHC6wUPPSR/hy5YipLBkxFdLlZipDKbMpDKfIjcffEVr9h5ZXCenjmS37WNXX+8oI/XFrKzaCkjlSniqYy0oqJ1fXIB+10rIyjRZbO4AG+3TmLdEuc0ksOlD5bei5Qa14aHjWzfjvw5qjBS1RUH/o8B94WX7FxghLP/AJD80IdYR/8AqHqtkxyV2lRzrN4qWIyztpQbeZJPIADck4y5waLKNBBJO/JGLKSpe1WNdLmkqBCxsJCAL+w+En01YD145LrjoN5tokbmHD3r6J9pKlZUWRDqR1DKfMEXGDg2LC4j2Fji1240U2LWV7EUQriLNxTRarXYmyj9ft/hhjDQdc6uCQ6RxwwkWerJNAITk3GEbALMxDHrpso+YYn5kDDM2BcNYxp46rnYPpyNwyzmj4UPqfnompTcXG4OOcu+DeoVPOcwSngkmkDFEF2Ci5ty23GNMaXOACp7g1pcVgXDOetRVBlhTXdWQK3kSLXt12Gwx15Y+sbRK4kM3VPzAWtCzLMc2qYaZ6ZGjMiN3qhVTSwcgbybgEWI3wm1kLXEOO3vgnnyTua0sG+/spUzOvzPLp42mmkLEawplLowB3BBNvTltfbDDWwytIaEs6SeFwLyuu0KqEmYxvISYXSFl3/8bWJt/NiYYVGQN9fmrxRDpQTtp8lrmX8OUkJUxU8SsvJtALD+8d/nfHOdK925XSbBG3UNWIVtI0GYyw981OO9ZO8BI0oxuL6SDYgrffHUBDogavRcggsmLbrXdHfwmVUrCWSrmqplIcCK1iQbg35c/wCvgWaZ4oNod/v7JjLDGczn2e7391R4qdqTN2liF/Gs6D94OATy6ElhjcQ6yGj4Ic5MU+YeKs1WWZhm86vJD3SgadRUoqrcnbUbud+n2GMh0UDaBtW5suJcCRQT/wATcBQVehizRyIoTWtjqA5ageZHnt+mE4sS6NOzYVsmvFVMn7NaSnYSSM0pXca7BB6kDn8yR6Y1JjHkclmLAMDuZTHPxHTIbGZfLw3b66b2xy3Y2BpovH1+i7DOj8S8WGHz0+quz1sabPIim17FgDbzt5YbDSdkkXAbqOqzWGP45UXxaeYve17W87b4sMcdgqc9rdyhM3GMOpVRZJGa9rIQNgtj4rHSdS7gHqemCCB1WUE4ll0LPv6IxldSZYkkOkd4ocBTcAEAjcgX97DA3CjSKx2ZodzXdfSrLFJE3wyIyN7MCD9jjK2vxxIjwyFTs8T2PoyG36jEWkxZ5xFTVb99NTSLOQNZimCpIQAASGjYjYW2+uIpSC5jmRkVUVBFElysaknc2uzMd2Y2AuegAAAxFKUFFRSzHTDHJK3lGhc/RQcXSouATdlPZVmc9v8At+5U/mmcLb3UXf8AlxKVZuS/RvDeVClpYKcNq7mNU1cr2FibdLnpilAhc3BcMkzPK7PG0jS9yQunWyhSSbajsARuLEYYGJcG0N9rSpwrXOJcdLuu+qUh4KoesNz5mRyfqWxX8mXn9Fr+LFy9T+Up5x2cSxRmamq53qEGrxNbXbnpI3B8rk35euOe6EgWCvUwdMRvfkmjAYe7bx9hCKmumzfLhGvjqqVwzqNjIhBXUBy1C+49D5gYySZG1xCabFH0disx0Y8UDyO9eHvgiJ42rUiVZ8qYrGBcsjqo09d0IW1r+mLMrgNW/X8Jf/xuGc8mOfU94vXz1TzwjxHHXQd7GCpB0uh30sADz6ixBBwdj8wtcfG4N+FkyO14g8wrGfTzRx95CU8PxB9gR6G43/1w3h2xvdlfeu1Li9ISYiKPrIa03B5eNhLlLx0f/JED6obfY/64df0aP8XfNcWH/kR//oz5H7H8oZxfnCVDRmMnSq9RYgk7j6AcsHwcDomnNvaR6XxzMU9hj2A9Tv8AQJew4uSm7hTNKhgIVDFE6qouATyLMbKOfQm17Y5+LhiFvO597Ddd/orGYlwELbIHIehJNAeRNbJ3qadZEZHUMrgqynkQdiMcgEg2F60gEUViXHNItDmavEoVB3cyKosBY2IHuUP1x1ICZIqPeFyJ2iKYEdxTb2scQTwpAsDlEmDMXXYm2mwB5j4r7b8sL4SJriS7gmsbM9gAbxWdZzBD3MUgqmnqJLGRSD4ARuCzE3YHbnvzw6wuzEZaCQkAyhxfZPomU8OyZhl1NNBZpoFaB0uBqVWOmxO1wDyPO/puDrRFK5rtjqjmJ00TXN3GinjyvPJ1ELu8cYGm7OibDbcp42+98VmwzTa1WLcMu3yCcc14Egqo4vxBYTpGqNLGba7C24YEEX9L+uFWYlzCcuyakwrZAM2/cuMr7NqGI3ZXmI/+q1x/CoCn5g4t2LkdtoqZgom6nVNqoFAAAAAsLbWA/wAMLWmqQCr44oI0lf8AFRuIbd4Iz3hW5C7hLm1yBfkCRiLVLqr4rjSso6VVLmsV3SRSNIVEL39bgbW88RUu+NINVI9vykN9Dv8AYk4R6SZmw7u7VdHop+TEt77CE5xDStA1u7UBNURUoDfTsAAdTXPO+FcSzDGE7AVYquW3M96cwr8UJhuTdOu9r35Dupcf/D7VndT6wqyQqknO9wsiMQOXiVyLnlbbHZwWJvDtJ3r8fcLgdI4P/wDKeBt/v7FWqrglXR/2x7yS9302A1GQvZVKnxGRzZmYDbywcYiiNNPf4SrsJYOup/d/XiUWy7h+KF3cDUXYNZgtkI1W0gAWPiO/P6YG6UkAIzIGtJPsKPOOKaOmBE1VDE1tgXGr+EG5+mB2j0UH7LOKXr6ISTMrTK7oxUWB0kEEDy0uuIqKS+MuxqaorJJ6aaJY5nMjLJqBRm3bTpBDAm5302vb1xYUsqfKuwiEb1FVLIfKJVjHtdtZP2xFLKccq7NMsg3WkRz5y3l/9yQPkBiWqrmi9VnVHSjS0sMQH5AQD8lG/wBsEZDI/wCEErDnsZuQEu5h2pUaf0YklP8AVXSPq9j9sNM6OlO+nvuS78dC3Y2lnMO1qdtoYI4/VyXP20j9cNM6MYPiN+n5Sz+kT/i35pZzDjSum+OpcDySyD+Sx+uGmYSFmzfnqlX4uZ3H5IDJMSSWJJPMk3OGAANkAucdSV+g63jSijh778RGwtcKjAs3oF5397W62x5EyNq7XtI+jsS+TJkI8dvn77kiVGUVHeR5rlakiYa2hOxBPxixtrQkdOu46EAyn42LstxEOR2DxZ+HQO+ngR+ii0vEGb1CGOOgEJYaS8h2F9iQGt/m9jjWeQ6UlRhej4nZny5u4fr9I/wDwuaCnKMwaR21uRyGwAAvzAtzwSJmQJLpLG/ypcwFAaBMcsYYFWAIOxB64KCQbC5r2Ne0tcLBWdcT5A0JaRVVYr2WzEnf33v9sdvDYkSANJ7S8X0l0a/DuMjQAzhqT9dbS7hxcheGIotE4DoSkBcixkNx/ZGw+98cbpCQOkDRwXsOgcOY4DIf8j6Db7pmwgu6kvtA4NeveFo3RNAZXLX3BsRaw3tv5c8NYecRA2k8VhzKRSMPwzFLSRU1T+17pVXXupuotcWNwbeu+BdcWvLm6WjGFrmBj9aXGU8GUVODogViwsTJ4yR5eK4A9sW/ESO3KpmGiZsEciiVRZQFA6AWH2wIkndGAA2XeKVr5fEUVbNIXeGVY2KOyMFYc1YggEeoO+IosBqMkaqyNszeeokrYyQS0h8KK3dlLdPB4yeZN78ziK7Npt4gyWkp6rKZ6eCNKaqvSyqigCRZ47Jrt8XMksdzYb7YnFZ2CF5bC2XZvFDVOTT0FPPNDJYs3cvsAwFySh1LsOnlbEVrYoqqKenWS4MM0YYE7Ao4vvflcHGXNDgQditMcWuDm7hJ9XxLkdH8U1OWHRbztf8Au6rH6YXjwcDPhaPr9U1JjcTJ8Tz9PQKMdo8k21BllZOPyu6iGM+ztfb6YaopPMOa+24gqOtHQqfeaQfrGcSlL5BfP/lq829dmVZUX5ord1Gf7i3+xGJopbuaMZR2d5bT27ujiJG+qQd4b+hkJt8sXazlHFH6SrhYmON4yUtdUIOm/K4HLFlrgLIUBGwVrGVpeJxFEkdrcLGh1oxASRS1iQCrXXe3Pcrh7o8jraPEJPHZhFYNUsmybJGnWRw6RpEVDltRPjJC2VFZjci3LHZkmDCBVk++K5McJeCboBF4uCZP2oJ1PE5UKvJwqq7WY7g6T+ZQLkC99sAOLbpXEfLgjDCHXu9ffgrknBsXfSKkkkgRypjVbEBo2liOvxEqVWxIQm+yqbjGBinZQSKsb+dHT9+K1/Fbmq77vKx7pT1eV0MGhGVAJSyO0jMZEV4g6MFBGnRISpOm/hseeMtkmfZHDltvR+Y13RDFEzQ8ee+2h+fcqtVnSsxaGv8Aw8Ztph7hv2YsPD4VINuVxz5402IgU5lnne6yZQfheAOVbeieZeEMqpJIjJGoMrlE712ZdQVn3DHTayn4uthzIx50RMC9U/pbFvbWevCh6hHJuKaREVxKGRkLK0StItl25oCoN9gCbk7C52wVc27Qqt7QIYw7CN2QBWRhsZARTkkKbEWFRGbNYmzcrb1aukU4V4iFYjOI2jsdlbmUbeNuQtqWxt05dMWq0RCuzBYt5AwX94KWHzte3zwWOF0mjd+SWnxTIBclgc6JHpdeaWs94ujKFIl1k/mZfCPkeZ9x9cPwYB4dmea8Fw8d05E5hZCLJ4kaDyO58kkJGWNgCSeg3Jx1CQBZXmAC40NSmvh/hBmIecaU56PzN7+Q+/tjn4jHNaMsep5rvdH9CPkIfOKby4n8fXwT0LKABtbkAOnsOmORqdV6zRooL4ZfQ/p+uJSmbuXM04VS17AAsT5Ac/ni2tJNLL5A1ubhqfIbofk2dx1AYoW8JAYMADvyO3TBpsO6IgO48kng8fHiQSy9N7ryOiJ96Om58hgFFPZxwQ+bPIFOlpowfK9/qRywYYeQiw0pR+Pga7K54vxXObZwkMPenxA7KFPxk+R8vX/huGB0j8g874LOLxrIIetOo4Ud/Pl78V/Lc/qppV0QL3ZYA+E2tfe7ctsOSYaGNht2vvguRh+ksXiJRkjGUnXQ7cddk5R8vr+uOYV6RuyDZVwpTwRTwqpaKpkeSRHNxeT4gBYWWwtbFLSL01OkaKiKFRAFVQLBQBYADoANsRRDc14bp52kd4x3kkDUxk3uI2vcDe3NicRRKdD2QUQVFqJKmqCABVllIVQOiqlrD0viKa800UPD9BRKXjgp4Ao3k0qpHu53+pxYBJoLJoCyvV/FdLFCJzKGjLaAyAtdrE229B1wVsEjnZa1Q34iNrcxOir5vxT3dJFUwwvMJiAqjYjUCd7BuVrbX3xpkGZ5Y41SzJiA2MPaLtGMoq2lhjkdDGzqCyMCCp6jcA88Be0NcQDaMx2ZoNUh9XxbRxyCJp11k6dKgtY3tYlQQN/O2CNgkcMwGiG7ERtOUnVZ/wAFsKTOJ4D4UbvFHlYftFP8AP1w9iP7MOHeH4XOw39WJczx/KaODeKJ6+eYhUSmj2BAOpiSdNyTb4QSQB5YWngbE0cym8PiHTPNDshJFE1ZX1L0M1S2kOxkJ/8A67iwAsNz05XsemF9ALXvZBhsHCMTGzWhXnr7+S03Nsmvlz0oJbTBoUnmSq+En1uBjUD8kjXd68biz1+d1fFZ+6xLhrPPw3fXV2WaPQQkhjYEMCCGAJHUfPHoJ4esruPivPwTdXd8eWiu1fGs7bKsYRdOgMO8KFV0hgz7l7Abm/IG2BtwjB48eHsIjsY47DT5+aHUsFZUH9ms8lwq3QNbwCyXI28I2BPLBXGKP4qH73Qm9a/a+HojmX9mddJ8SpEP67i/0TV97YXf0hC3bVGbgZXb6I6nZC1t6sA+kV/84wD/AMoP+vr+kf8A8af+3oj6cO1spWSeSHvQq+LxNup3so0qmtSwaxO5Fj4d+QupqqubcFSLD+zkkmkLoxUd2qHuxHpJDXNtUMd/FzZyBY6cRRNkHD1MhLCFCSSTqGrci22q9tgF26BRyAAilImTiK18DA8iDi6pUCDsqsuVQMbtDGT5lB/pggnkGgcfml3YLDuNujF+AU1PSRx/Aip/ZUD9MZc9zviNokcMUXwNA8AAu+8HmMZoreYc0J4hhnaI9w2ltQJ8Wk6befTffDOGdG1/9mor1XP6QjxL4v6DRvnWlc0p8WNIj00jOGYRjxA3GpTckfUY6GEyOD2gaX6FcDpXrWPhkc6zlGvCwdfsjjcXUzHTaQh/CTYWGrY9b4VGClAvTRdQ9M4VzsmuumwoX6pTy6tnppZEiF3JKEadW6k8h588dCSOOZoc7bdcDDTz4SV0cWp22vbkjtTWVn4KZp7i5UKSArWPxbC1hyG/mcKNjg69oZ3/AKXUknxwwUjptLIrgaO+3l80AoqQyRHTEmx8Urva3tdgBt6HDj3hr9XeQH6XJhhdJCckY73E1XqB9VNJD/2ezhxHNuBeyhl8yBzI/wCXxkO/u2qwiPYf4Wjryv4XpY7+9PnD8munhPTuwLcvh2P1xyMQMsjvFerwDg/Dxn/6j00Kj4p4jhoYDLLueSIObnyHkPM9PoCq94aF2MJhX4h+RnmeSxbM+NMxrpNETSKD8MVOCNvUr4j63NvQYWLnO39F6ePAYXDNzOrxd7pdLwvnCjvFjqB1usvi+gfViZXcj781X8zAnskj5fpFeGO0upppO6rg0iA2YstpI/fYavUHf16Y02UjdL4roqKVueDQ+h9/JbNTVCyIrowZHAZWHIg8iMMg2vNOaWktduFl/bJmaMYoEk8UZYyR2OxIUoSbW5X69cdPAMItxG+y4/SUgNNB23Cj72Gpyqojp6d4lgCTam3DsNnIO/5VPXr0xKcydpcbvT8KdiTDuawVWqu8JZhI2STiJyktPrsRzsLSbX8wWXGJ2NGJGbY/6RMPI44U5TqL/Kr5NxFO+TVbd47TRtp1EksFcrc357Avbyt6Y0+FoxDRWhWY8Q84ZxvUKbsrySkmp3eREklDkENvoFhpsOl9zq/0xWMlka6gaCmAhjezMRZQjtJgVcwjlD2jnVdTofK8b2P9m2C4QkxFvEf7QsaMs4deh4+hVrh3MKjKapqSWNpIXbUNC3JvYB0tuRYAFeltvXMrGYhmdpoj3S1C9+Gk6twsH3aLx8P1C5x+Kij/AGDHUWJC7OlmuCQ1772tjm3pS9r/ADYH9HdU53a4DXgbHpotExlcFIlP2WUgdmdpHBJIQEKoBOw2Grblzx0D0jLVBIjo+O7KYcv4WooLd3TxAjkWGpvq1zhZ+Jlfu4o7cPEzZqMgYAjrBs77cKvUyQ0sUJUlT3haRgQbdNIBv74i1QSvL2qZsST+LIv0EUVh7XQnEpXS2Ku7U4FH7KJ39WIQf4n7YfjwDnsz2NRYXOxOOEMjospLmkg+I0S83azIZBq7uOPe+kFmG22+/X0xw5nTuYeq3980XA4h8k7euZTNb35aevcjfA3H61VX+Hu51IzKzAAXW2w3vuLnl0xnBx4ppJmdY5ewutin4dwAiGqfq1mCsV3YKxUH94DbHSYASL5hcyYuDSW70a8eCTsj4usr/iXYsCChVRc3vcbC3lz8/THTnwWo6oeK85gemaa7+S7XhQ+Y2pEKTi+ORyoSTZWYG4udKliLDYbDAX4F7RdjcfhORdNRSOLQ07E+NC6rwCvZBm4qkZgpVkNipbUDttvb/lsBxEHUuAJu+KawGNGLjLgKI4Xfgh3B2dyTySJMQSo1LsBbexG3uMHxmHZG0OZ4JPojHy4h7mTakajSq4FAINYmq4SxJdZOvNlOofUAj54bdlLI3jhXrouTGXiaeEncO8yNfoD81Hl9MZ6SRFF2gYSKPNWFmA+gONSOEcwJ2cK/CHBG7EYN7W7sOYeB3A+Vr2T5rBCoLUweUH4i23O42IIBHoOmJNDJIdH0FMJjcPAwF0WZ443/ALr5Ixm+USyslXTAhnUOVuAQbcxewII/5vhaGdjAYZeGi6OLwU0zm4zDDVwBriDz9/dWckoatnY1ZJiZSpRmB1X5WAOx9dsYnkhAHVbjiEfBYfGueTij2CKonfwA29F9bgmEtfVKB+7t+tsUOkH1sFD0BAXXbq5afVHqTKo44+7VFCHmrDVq9WvzOFHzOc7MTr8l1ocHFHH1TWjLyOt+KtxRBRYWFhYACwA8gOmBF1phjA0UFg3aHXSV2aGFNwjinjHS97MT7ve58gPLCbzmd6L2PR8bcPhM7uIzH7eia8zqjlvdZdlkYerlF3kIBN7Hffa+xO/hUdDfGycvZbuufEwYvNicSaYNh7+2pKVsz4lzahqNM8zhxZtLaWVgfQbWNiNrHnyxjM8HddCLCYLER3G3TztNPG9JFmOVpmKIFmRQxt5BtLqT1Cm5BPkfM42+nNzrn4F78LizhyeyT/o+a67EM5Z45qZjcRWeP0DE6h7BrH+8cXCdwq6bgDXtlHHQ+W3vuR3tMyOOSjmmEa98mltdhqspAIvztpJ29MdLCSkSBt6LyuNha6MurVc9mswqMs7pt9JeFvY7/wDq9vli8WMk1juKmCcJIKPeEv8AZIrLLVU7qdJWzbG2pCVYX5XOr7YPjqLWvCW6PsOewoj2d8L1FO9SlRGO4lXRuVOvSSB4QTsVZueB4qdjw0tOoRMHh3xlweNCu6jspgLkpNKiH8uxsPIMenvf54gx7q1Cs9HNvRxATHT8IUixQxNH3qwBgneeL4jdrjkbn026YXOIkzEg1fJMjCxhoBF1zRrvFG1xt0H+2A0Sj2Avhm8gf0xeVS1z3jeg++JQU1XJ9ST8/wDTFqqXzQPIYllXlCkpHuN+YNsU4aqmnRfnPP8Agwz5/UUayLF3rNMjMCQdS96QACOpb+E4yFu9FWkyrI4mMctXXPJGSrtFGgQsDY6Qyk2v5k4lqa80Dp5FLL3hOi41HmQt97X8hjWY0G3oqd2nF53O55po7R+GkoJ4o4Wd0ljupYgksGIa2kDpp6dcUq2QfhGualzKldwyFZlVgwIIWTwG4O/wvfEVr9SSdD5H/b/HECy7msyipIY61o6gfsgzDmRbqpNt7Wt9cd0ve+AOj392vEMigixropx2bI/GyaIs2y+Hwx6RfwkqhOx82tcj64QMOKk1d9fsu43GdGQdllcrAP1S/BPNl0rjRqV9gTezWvpII678sOObHimjXULkskn6LlcMtg8eB5G/suMvyisYmoiUqxJ6hSb87A9PfFyTwD+t5+6zh8HjnE4iIUSfDfuPBMPDWQPE7SzHVIwPhve1+ZY+Z/1+SeKxLXtDGbLrdG9GvhkM02rjw333JPNEcmyFKdnMZa77eK3hHkPM+uAz4l0oAdwTmC6OjwrnGMnXnwCtnK4tWru4tXO/di//AOcC659VZrxTP8OHNmyNvnQVvuh1398DspjIOKr1ldDANUskcQ83YL+tsTUq6A1SzmXaZl8VwJTKR0iUt/MbL98bETzwQ3TxjilbMu2XmKel9mlf/Ko/zYIIDxKC7Ft4BaflNaJ4Ipl5Sorj+8Af8cAIo0mgbFrBhOKbO2eXZUq2LE9FZz4vax1YSHZdrzXsi3rsCAziweg2+yd82ielz+GpZS0VVpjVhuAxQR297hT7E+RwU9mS+a5cRbN0e6MHtMs+V2l/tvP/AH0Q6CAf+8mMy/F5JzoMf0O/9vsEep70vDhEos0iMFU8/wBq50/Y6vri6qLxSbv7uk+xwI9Bqg3YbTE1U8n5ViCH3ZgR/wChxIviKZ6ceBE1vM38h+1sVZTLLG8bi6upVh5gix+2GWuLSCF5hzQ4EHiqmS5JBSqUgTQGNzuTc+pYnG5JXSG3FDihZEKYERGBoq4ke3LmcWAqJUZY+f0H+uL0VaqrU1SIVDk3ble5HMC56AXYC588aFnZUaG6sDFLSiiqVZnVSCyEBh5Ei4v8jfEpSwh9bmpTT4QB36xPcgmzCysNJ2uxXZt7HljQbayXV816szxERmHitJ3IuQql+viPILvc+h54gYVC8KTJc1E6sQACjFTpbUp63VgBqUg8/cdMRzcqjHZkQpzZ2HnvjLtlBo4rI+12T8Fm+XZhvp+F7DojeL5lJSPljARBqse4iqUkqp5IL91JK7pqFiAzFrEC/K9sRaTdwfW5VHCzV0byTBzpUayGWwtsCE53HiOJazS0jP8AjkRZdDXU0IdXIQBzYxg6hvpv+ZQtgeo3xFSxLiTPZKyd55AquwA8AIGwsOZJva29+mItL9V8N5iKmkgn/wDrRI592UEj5G4xFndQ5xw/FUWLg6hsHUgG3rfY4ahxL4tBtyK5uM6NixJt415jfztVaPhCnQ3Ks5G/jbb6L/jgj8dK7Y14ftLw9CYZhsgu8T+PumDQfM/898JWuxlPNe7odd/fEsqZRxQzMeJKSn2lqIkI/LqGr+Eb/bFgE7KEtbvolXMe1uhT+iEsx81XSP57H7Y2IXFCOJjHG0rZj2xVDbQwRRjzclz9tI/XBBAOJQXYvkEIqc7zeqp5Kgyyinj+JkIjHMCw02Zue/PrfGssbTSwZJnAkbIdwbkC5hUGOSo0ORqF1LNIQCTY8hawuT8gemnuyDQLEbOtdqVDkHCNXVgmKLwqdLO5Cqp2uCTzt1sDizI0bqmwvcaAQ3M6FoJpIXKlo2KkodS3HkcW1wcLCy5ha7KVuvZHX97lsa3uYWaI/I6l/lZcKyinLoYc2wJa7YuE2LfjYVuLWmA5i2wf2tsfKwPmQlK2jmXp+h8aAOoefD8fhKHDOdVE1TQU8krPFFURsitY6bMOttVgNgL2GMtNkLpYmCKOKWRoolpv5LQOP+MIqaqEU1FFUhUWRGawKkk35q3kOVsbe8ZqItcfo/AvmhL2SFutHv8AULPOKOKqnM5UUrZQbRwx3O52v5s3S/0Aubjc4u3XZwuDiwbCb8SfegWydnvDP4GlCPbvZDrkI6Hoo9FG3vfzwxG3KNV5npDF/wAmXMNhoPfeuuPq6rhpi9GgZh8bWuyL5qvIn628j0zKXAdlTARwPlqY6cORPeffih3ZzxGZMueWeQsadn1uxuSoGsH18Jt8sVE/sWeCN0lhcmJDIx8VUPT6olkGdR1xE0Ep0qAHibZlJ6MvLexs1yDvbltbXB+oKBiMO7DdiRvgeB80fmHI/L64O1IlUsxr44U1yNpW9uRO/sATjTWlxoKnOAFlD6CpSt7wpqCKjRXIFyXAJIF+QAHPnc+WNOBZusWH7K1KrpLEO8ZgxIIIW1grHayg8wOpxQogq9QQhlTVpT1zGRlRJ4QbsbXeNrWHmdLD6Y0AXM04KiQ1+vEKvXUjTGpMIJWeJHRiCv7WMkD4rEX0pv5DyxYNVfD6LLhd1x+qsJkLGPuS/wCyFnS/9JE4OrnYq4vf4t+d74rPravIapF6KB1vrlL3tYaQoFvIDff1J6csYJHBEAI3U97Op89sTgVR0cEidvOVGbLRIoJaCVX2FzZrxn7sD8sDW7pYPHwxWsAVoqog8iIJCD/Li1rMOarUeWzysUihlkdTYqkbMQfIgDY++JSouAT/AJXwPnc1KKTu1hpr6rTFFudWre2px4t+QxKWbHJHcq7Bzsams91hT9Hc/wCXE0V2Vr+S5XHS08cEVxHEoVbm526k+Z54pVspJ8wjW12FyQoA33YgDl6nBBE4i6QjiIwavX5q1gaMs47V+KauieFadlRJVbxaAzalIv8AFcWsy9PPBomB26XnlcyqWXVmbV1THJLJNNJHHpEl3sq6yQt1BA3II2GDhrBpSUMkrgTaH0WVTS6e6idgxCgqpsSeQvyv88bLgN0MNJ2CNZdwPVSVX4VgkMukORI4+E35BbljsdhytvbGDI0C0RsDyapFV4QpIqeSqlqnnjp37qaOCPSe8uo0o8hAKgsLvax6WOMdaToBuijDAaud40m3hzK4qeslpohrp62jE8ay+JSQSNJ8xZrn0OBucSL4hGjYGnLwIVfL5WaPLquanSCs/FdzYJ3XeRkMHurctK3O/VTb4rYhNEtvRW0B1PqjaoxTUtLV5nFUVMQpqqNjZCZDeRm2CoDZlu1xzsU+U+JgoaqAZHmzQOqQ6mekFMIo4nM6ysfxF9KtH4tNkvsT4Tpttvv0wcZr7ko7qw08+a0HsKr7PUwE8wsqj2urfqmBTjYo2FduFrhGF04lGq7O6U1EdTDqgkjkWSyW0MVIO6nle1vCQMC6oXYXRZ0pMIzE/tAitd/n+VR4p7OPxtW1Q9SVUhVCLHuAB+8W87n4euKdFbrtFwvSn8eHq2s1539q+6OcM8G0tFvEl5LWMjm7fLoPkBjbWBqVxOOmxHxnTkNvfimHG0mlPjziiah7gxRLKJWZWBve4AKhbX3O/Q8sClkLKpdHAYOPEZs7qqlRhpIZqSoV6aSklqQZXgjZTJIqablFOw1fDYqpuTtvfGaBadKvgiF745mlrw8N0DiDQu9/Dfcrrs/z+gc/hqOCSJtJZtai502F2YMxJ3tvi4ns2aFOkMNiWjrZnA8NPsKCdZh4T9fpg43XJOyEcQUPf08kY3JF19xuPqRb54Iw5XArLxmbSC8J5VVU+u/dorgXDXc6gTyClQBY+Z5DBJXNchRsc1MK0xLB3cuRyFgAL7GwAvy8ycCvSgjVrZU7AczbbkTilZpcmUe/ti8pWc4X0ajyX64lAcVMx4BcVb92jSSyKiILsfIDFZgpTiuUqYhCalX7yMIZAwN7qBfb5YouKsN1QvK+LBUUE1VHGUaJXujb2ZU1jccwQVPzxlaShRZjnjxxujxyLIiuGKLezqGsbLba9vliaKrKbG7QKDvUiWbW8jqg0KSLsQBdrabXPO+CdU+rpY66O6tMdZMUQsBe2KjbmcAs4iQxxl44Jdq+ICBcsFHyH3OHxhWDUrhP6Tlcab6IXPnakAmQEE2BLCxPkN+eDsibwSMuJkcaNq/w4hmm1n4IeXq7C38qE/xjywvjHBjco4ro9EMMjjK7YaDxRymzdJKiSBdzGLs3S99wPUXF/e3MGyZicGB52K7LcSx0xhB1AtJ/bVQa6JJQN4ZQT/Za6n+Yri4TTlWJbbL5JY7MsxdqWtpoo4++WIzRHQGZ2BNtWq4OltAG218amGoKHhnCi2tfqusrlnmo6yhr5hBMwSeE1DLFa7EnkBpF15AbajtinBrSCNluNz3gg6HcLrOeIaIVdBViq7ySBe6m7qNjqCq41KTYWLEqN9w4YXAxGg0RSjy0Oa4uGm6E1HG1Mq1kcNI8kdZIZGE8gXSTvssYb8248Q6eWNCN5q+CwZohYFm0NfjOum7iOLQhgFohTxeIDQUtvqNtJ5CwvY22FtdUNSSh/wAhxoNCkg4KzSr0mSKZgBYNUyHwjyAkbUBy2AxeaNuyoiaTdMmW9jUpt31RGnpGpf7nSB9DjBnHALYwjjuU05d2UUEf9IJZj/Xew+iafvfGDM4orcKwbpryzJKen/oII477EogBPueZ+eBFxO6O1jW7BEMUtLiaVVUsxCqoJLE2AA3JJPIDzxFEJzzimlpI45JpRaX+jCAu0m1/AEBLCxBvy3HniKJG7SM8irsmeqoZmb8PLHJ4dSsCGC2ZTY7atW+2wOIrCh7TOO6uniopaV0SKshJ1lblSRGQQTsLBtr+R522nFQJmyuKejrIIJqmSqiqUfQ0oXXHLGNRsVA8DoW2N7aOe+IpZUMPDlb/ANX/ABrvEYfEgAZtQj0kKLabX1WY7874CGO6zMuo7FYf+H1ABzb8N/ny0TRR5LBFNLPHGFkmtrYdbenIE9bc+uCBoBsJB88j2NY46DZEMaQVUYFdrE+2CaFYutF8CueSge+J2VLcVHWMIo3klk0oilmI6AC55YrMOAUyk7lR5NVwVMYlhbWtyLm4II5hgbEH0I8sUXlQMCtV9ZHTxNLIQkaC7G3L5Dc+wxm1sBKXaPXh8vikilIilljJdCV8BBI35jfTiKKTiAvLkZZ7lzTRyP6kBHa/0OIq4LngyaJ8vSlLqJJYpJBGSNQjkeSxt5WOIVAl7grNkp8vj/EI3dV0siNKLaYzZYhr9DoO/ocWVAh2TdpL0cK0phSUwXj1iTZgrEAiwIta2998TdSwNCs2RypDKbFTcHyI3GOpuuKDWq/UdNMKinVxymjDD2db/wCOOaDkdfIrryNEkZbzH1We5XGs0svec0ACjyve5977fIYX6fc4yNYT2avzv/S5HQLGmNzyO1dIBxJlpKu8a3EVi5uBZTt1572wD/jszmyuivs1t3/6tM9KQhzQ8DUfRN+Z5l/0nL4YhvUSjnzsxsXa52Om4AH9noDjtNb/ACJS47BRz/4mHDR8X3QPgnMitZEOj3Q9b3B5+Z1WJOHsW0GEgcFwujHuGLDid7B9+K0LjGg7+hqY9rtExW/7wGpf5gMcVpogr1j25mkL82Uc0iuDE7o52DRuUbfpqUgi/vh4gHdctr3NNtTbQdmmYVB1uFXVuXml1FvXw6yfngXWMboEfqpZNSmnLuxpOc9Sx9IkC/zNq/QYwZ+QRG4TmU1Zb2cZfFY9wJD5ysX/AJSdP2wMyuPFFbh4xwRbM6yny+meUoEijtdYkA5kKAALDmQMYJJRg0DZc12fItA9bENaCAzoDcaho1LfqL7YpWgMXE8s2T1NSQI54kmU6OQZLi63+R6/PEUtVuzOtlV5KWWV5h3MNTE7kswWVfEpJ3sG5X88WVQTrDmEbyPErXdPiFjtf1tY/LFLVKyy3BHn5YipYpm2dT0VPmGU1kjTN+HeSlnYlmeNr+FzuQRZufkw5ab0rXfE08lA+UTCYQxGjFK0pj70xeFCWVL7k2AvvtfY8jfFUNVb4NpKWqbNqenkmnaoiHe1EgVFZ27weCMIumzEm5Bub/OcFZFGig3E+WSnhinaddMlJINrg3Qu0QFwSOTL/DiFUDey0Xg/hh07iomrJaoRxWpw6qojV1G5tu76QF1MeRPni1WqcsUrXsRRexFFxI9v1+QxYFrLnUq9DXLKoZG1KSQDYjceh3xuSMsNEaoUGIZM0OYbB46j6qrxXRGeiqYhzeJwPfSbffA0dIeR5hM6V70riN5Kemql1AEK3d2k2IIudBF7eWLKoIvw/wATzVZWmqaeNTPSd+jX1q4Nl8SEWF+ek3ty3xSl2gWb5qajh+EFAZZmWFQoCgNG5OwFlUaYzsLDfF8VOCsZ1HI7wCknIizWEx91IWKoFiF2X906NrAC5P0imtKpmEQZqLL2UpXQSLEJYyF/7exuytf80f5SLg6tt94qtH63gudYJKKmkjFJMQT3hYvFuNfd2BDarXsbWJPntFNdk0//AA/S/wD8aHYW/o16beWKtXlC/9k="/>
+          <p:cNvSpPr>
+            <a:spLocks noChangeAspect="1" noChangeArrowheads="1"/>
+          </p:cNvSpPr>
+          <p:nvPr/>
+        </p:nvSpPr>
+        <p:spPr bwMode="auto">
+          <a:xfrm>
+            <a:off x="155575" y="-144463"/>
+            <a:ext cx="304800" cy="304801"/>
+          </a:xfrm>
+          <a:prstGeom prst="rect">
+            <a:avLst/>
+          </a:prstGeom>
+          <a:noFill/>
+        </p:spPr>
+        <p:txBody>
+          <a:bodyPr vert="horz" wrap="square" lIns="91440" tIns="45720" rIns="91440" bIns="45720" numCol="1" anchor="t" anchorCtr="0" compatLnSpc="1">
+            <a:prstTxWarp prst="textNoShape">
+              <a:avLst/>
+            </a:prstTxWarp>
+          </a:bodyPr>
+          <a:lstStyle/>
+          <a:p>
+            <a:endParaRPr lang="en-US"/>
+          </a:p>
+        </p:txBody>
+      </p:sp>
+      <p:sp>
+        <p:nvSpPr>
+          <p:cNvPr id="60420" name="AutoShape 4" descr="data:image/jpeg;base64,/9j/4AAQSkZJRgABAQAAAQABAAD/2wCEAAkGBxQTEhUUExQWFhUVGSAYGRgYGSAcIBsgHx4dHiAkHCAdHyghIB8lIB8eITEiJSorLy4uIB8zODMsNygtLisBCgoKDg0OGxAQGzcmICQsLCwvLC80LC80LCw0LCwsLCwvLCwsLC8sLCwsLCwsLCwsLCwsLCwsLCwsLCwsLCwsLP/AABEIALcBEwMBEQACEQEDEQH/xAAcAAACAwEBAQEAAAAAAAAAAAAFBgMEBwIAAQj/xABHEAACAQIEAwYEAwQJBAAFBQABAgMEEQAFEiEGMUEHEyJRYXEygZGhFEKxI1KSojNicoLBwtHh8BUkQ7IWF1Pi8Qg0VGPS/8QAGgEAAgMBAQAAAAAAAAAAAAAAAwQAAQIFBv/EADkRAAEEAAQCCAYCAgICAgMAAAEAAgMRBBIhMUFRBRMiYXGBofAykbHB0eEUI0LxBlIVclNiJDND/9oADAMBAAIRAxEAPwDTZs+nG/dRgfulzf5kLYH646DcIw/5ei4cnS0rDeQV46/RDZuJao/AieyqzfU3/wABhgYGADtO+gSDum8W8/1xivAn1Xyg47IbTUR26Fkvt7qd/oflgcnR2lxn5/lMYbp2zlnbXePx78E5wyq6hlIZWFwRuDjmEFpor0LXNe2xqCsl4t/7XOEm5KzRy/I+FvrZvrjqwf2Yct8QuLif6sWHeB+xTb2p5eZaMMoJaORW2FzY+H9SPphXBPyyUeITvSMeaGxwP6VTKMslqMmNO6MsgBChwVJ0trT4unJb41I9rMTnB092sRRukwmQjX3SI8EcOSU9NJBU926yMW0glhYgAg3AHTpgeJma94czgi4PDujjLJNbUTdm9EW1WkA/cD7fcavvjX86WqWP/GwXeqY6PKYYkREiULHfRcX03NzYm53PPzws6RziSTunGQsaA0DZXcYREsV+fTmZ4YY1uhtuCxOwN7AgDmPPp52w2yBmQOcUjLipA8sY3b3t+0t1mfStfVM/sDot/BY/XDLYYxsEm6eZ27q8NP36q5wXmQ/FaL7SIevNhYj32DYFiWjJYGyNg3ESUTuivadQ97l09ucYEo9NBBP8urCsJp4TuJbmjIWKcOcNz1rssAXwAFizBQL7D1PI8gfuMPPkDN1y4oXSfCrWYcOfgaqOOvDGJt9UJ2YddJZfynmLX+oOMiTM22brZh6t4Em3cnHtE4LpKai76nQqyOuptbNdW23uSOZXlgMUrnPopnEYdjY8zQmfhWnioMsSWRArLEZZDpAYk3axPO+4UD2GBPJe/RMQtEcYJ8SscyjOGSujqmNj3/eP7M13+xOHHM7GXuXNZJ/bn71+jMzqTHEzDnsB7kgfa98IxMzvAK6WJlMURePfBAo4WlRnmmYRrz9fPYbfY4bcWxuDWN1K5UYlnYXySENHvh+1xlskM0U8FNJrOjUNSlQGNwL3ANgVXp1xUhe17XvFLcDYpIpIYXXpeumvsBd1bpA8dLJEO4mj7tpbW1OfMjl/qRbljLc0gMgOoN13Ij+rhc3Dub2XCs3M+/UqPJYGoY0ibcNVaAf3lZfCf0+eJKRO4uH/AFtVh2nBsDHcX15EaL5RZDLDXyVLSAQtqYkncg9D6A/oMW6Zj4RGBqqiwcsWLdMXdk3/AK8vsups1jqFs0s0BUn+juNQvtuATy9uvPEbC6M6AHxVvxLJ20XlnhxHyXGVUKSVayxIVSFSCxJJdiCNyeZsb+ewvzGLke5sRa46n0WYIWSYkSMGjRueJ29+vBE+M6HvqGojtc92WA9V8Q+4GFoXZZAV052Zo3DuWFwUcIUM78xe1wP98dUuddALjtjZQJKO8MEpNHLTU0suhr3RCRbkfEdhcXGBS6tIcaRoi0OBY200ZpkNfWzGXuIqYEAESSazt18A52tsfLAGyRRtq7TL2SyOsNrx/SbuEMiNHT9y0neHUzXAsBq6AXO3+pwtNIJHWAmIIzG3KSjeBIyT8/73v30307W/hGMHddfC9X1Qzb/tFaSjV5Dq3Ci9vP8A2/2x0JJSxui8dBhmSynPsOCpZhn0sb6UiAVTaxU3I+Ww/wCc8Giwkb2252pSuJ6VxEMmSOPsg8jr8tvVLnG2bQziMqhEo+IkW28j57/83wxg4ZIiQTolOk8XDiQ1zGkO42K05d6tdm2aEO9Ox8JGtPQjmB73v8j54F0jEKEg8E50HiTZhO24+6bsz4fp6h1eaIOyCwuTa3Plex+eOcyZ7BTTS7skEchBcLpEgLYEjL7iKKlnGbQ0sTTVDiONbXY32vsOQJ3OIrAtWopQyhlN1YAg+YPLEVIbDxLSPP8Ah1qYWm3HdiRS1xzFr8x5c8RXRWYdpXHZqaWZaBasCnlUNVR+GIkbFSytcruOYsTp6EHE71NjSPVGYB6yinDMkddEhup0m7La1/nGMORaxHu9/lc6Y5MQ3hm09+ilmjSmgrHWFHmpZvCXu3hbSVJ33srn+G+LBL3NBOhCy4CNj3AWWnj771TzqrVKjLa5FCLPp7y3IE2DfPSzD+7jTAS18Z4IcpqSKVooHf35rQFdaiFwVYK4aMh1seqnbyOEAV1TRX5zyrMZqGp1obSRMUYdGsbMreht+h5jHTc0PauMx7on6cFs8NRSZxSWYXH5lvZ4m8wf0PIj5jCXajcup2J2e9ExGjRo+6ZQ6WCkOAwIFrXvseWB3raLQIooVBWUmZ07oriWJtnXdWFjcXBsw3AIPpjVOYVnsStrcLHOO+GFopQqSiRHBIBI1ra2zge+x2vvttu5FJnC5mIg6o6bFbfwvVipoYHbfvIlDe4Fm/mBwk62P04LotqSPXYhL9FFPHUTI1X3ABGgMgYOu9jvYcrXtvf2w+9zHsa7Jf2XDhZNFM9nWZANrF2Oete/BGTnSIY7nvXAIaRVtsegF+ptsD0wv1DnA1oORXQ/lMYW2cx4kBBqWZzFJCVEkT30azcpc7b73tzwy5gDg8aEeqRZITG6NwzNO18P9Itm8RMUKs4ZkIJYb7jkf8Sfc7YBFWZxqgU3ibLGNJsjW11V0i1MqlTtbxkWNrX+V+Q+vliNeYmaq5IxiJBW3FEYcmhUAd2pt1IuT7nrgBmeTumm4SForKr0aBQAoAA5ACwwMknUpgAAUF9IxStCaLhmjhN46aJT56QSPYncfLBHTSO3KE2CNuzVLW57TQyJDLPGkj20ozAE3Nht6kWGMhjiLARMwGloXn3GcNLJJEysXjWOQ3sAUdwhZTvfRe5BA29jbbIi4WsOka3QqPizik0dVRowXuZy4lYg3W2hVN72ADOL3HLFxx52k8QqfJkcBzU8NbImaSQszGOWnWWMHkrI5VwPUhlJxmh1d96vMc9dyYio8sDRbS1V5j3Tro8UjfCi7lv9ut8dFsYe05thxXAfO6KQZNXHYc/fNUKjjaWNiklNpYcwXt/lxpvR7Xi2v08P2hydOPidkkiojv8A0i1JPHmFM/eR6dyu+9jYG6mw88Aex2FlFFPQTRdI4clza3HgeYKQcjkanmSa2ynxf2Tsfsb46+Ij6yMtXlMBiupna/h9lq9ZIyxuyAMwUlVJtcgbC/S5x5xe/S92ecTnMaJahlCOWZWVTcKQduf9UqfniKJIoePBl1LUgtU1r01X3UrTsEKhtYuti5KXjYC9rk9BsIrrmoOJeIK6oE2XV9PCn4umaam7okkNGDKqsxNmP7OxIA3tzB2hUtLPD3EZd6eWrMkcYpGpaOYn9ksyKU7x/Jt7aumxOwuIp3KLIKcMtPDP+ISWllDJT01FeTVqvraYncHmemw52BxazY4EfdOFHwXmcEdXl0KwNR1TswqHbeNWAU+AG5bSBYWtqF777VSl9yI5lwlVQ5ZRxraaopH2MYPwkkiwNidNkHsL4Zwz2tcQ7YhJY2NzmhzRqCuWybN6ppmYRU4qFCyC4swUEDYa2GxI5jBs8DABvXvuS5jxUhJ0F6H3qrdF2XXCioqndV5IgsB52LE/YDGXYz/q1bb0cSAHusclowwkumvzx2l0Pc5jOLWDkSD11gE/zasdCA2wLkYluWU96A5bmUsDiSF2jcdVP2I5Eeh2wRzQ4UUNj3MNtKam7Tq8rp1Rg/vCMX+/h+2Bfx2Jj+bJyHvzSekpU3DEHzBtz54MQCKSoc4GwVfy3IKmf+hp5XB/MEOn+L4fvii5rdyrax7tha3Hs0y2opqIQ1KaGV2KjUG8LWbfSSAdRbbCEzg51hdXDtc1lOCZKujSQAOoa3LzHseYxhr3N2K3JEyQU4Wo6XLYozdEAPmSSfkSSRjTpXu3KzHh44zbR7813NRI25UX/eAsfrig9w4q3QsduPNfIaQKQSSxHK9tvYKAL+vv54heSo2INN7++5TvIFFyQBz3NuXPGEVCc14lggSJyWkE/wDRCFDIZNtXh0gg7b88bbG5xI5LLngbr3EWdGmhSbRqUyRo9zp0K7BS3I7gkbbe+IxmY0o52UWl7iriCqhqJjEyiOkhjnaIoCZlZ2EniJuukLtbrzwSNjS0XxNeCG97gdOCG8dyN3lSA50yUqVcOpjYPTSaiFBNhdSDtzxuKqHjXzWZCbPhfyUfaPRyTyUc0CFxURlHTkXVStQqhrHSTpYBvP3xcBDbB4f6WJwSQRx/2rnGfCzZk8E0aMmundSX8DRts0YdT4rEl0IANtV8Zik6uwea1LH1hBHJFs04P/GCl/Ft/QwskioW8TuqC4YEGwK3sRvtcYw2XJeVbdHmq1eq+EaeZIFqA0xgQoGZipYEKDr0Ear6Rz25+eMiUgnLxWjGHVaPKLC3lgaIs7qctko6lZL3XV+zdtxa1tDHobbeo5eWO3HKzERFp34/lePxGFnwWKErNRehP0Plp9EzzNBPpaWAlh/zmCLj3wkGyxWGO0XXe/DYqnSx6j3veo8VJNcp3UaiNCOQsDbr7euMtoOzvNlbkzPj6qJuVv2+yCyZYkjCGOzEkd4RuEW9zqPLURsBz3vyGGjiHBuc+XeVzmdHMLxG3U8e4d/jwCdMclenWM8NVtdltRX0tPl0tSrVLSRsLxxqDyu5XSfDo2v0OJqpYVybs8qqqSteXuoEr4YmZNWoxzoY2Ow8JUMJN9W+rEUtN7cEJIcveaV2moFCh0sokNkB1ghjY6eQPU74ipXsq4Po6eAUyQIYQ/eBJLyjX+8O81WO3TEUpG0QAAAAACwA2AHpiK19ZrbnbEUQXMOLaOElZJ01LzVbsR6eEHf0wZuHkdqAgPxMTPichR47Eh001LPMdWm5ARb2va5vbbfcDbGzhw0W9wHqg/zA41G0n0HzQ2biWtYgtJS0oYlY0e7l7G178tN/zbYvLEPhBdW9cP2sdfMd6byvij3CebvM80c66KiIgOoPhIPJlv0P2+eBysaAHMNtKYgmLyWvFOG6V+1XhGeqngkpotZKFHOpVC6Tdb6iOepuXljcEgaCChYqFzyC0IHl3ZDUtvNNFGPJQXP+Ufc4IcS0bBBbgnnc0mnLuyajTeVpZT5FtK/RQD/NgRxLjsmG4Ng31TRlvDFHBbuqaJSPzaQW/ia7ffAnSOO5Rmwxt2CL4wioTxNmLQQ6k+JmVATyUsbAnp6C+1yuNNFlS2j4tkEy/iBwps5mj6uVGtPM6FAuh6DmOe42U5g5pY4lpdpt79/pGhRa1DgrJcXBLM2of1WDBRfzVbYHnrREyk6+/fkrmWuSpBJIU2BPMgqGF/UXtf0xh621DMlzKRqutp5DfumRo9gP2cibcudmVhc405oDQQqa63EFB+MKN5KTv4xeoo2ci+5ZbFJVJt+ZN9uoGCMID6OxQnWW5huFQrMveXJaBohIzwinkAhJEhFgjaCNwdDMb+l8aDgJXXxtU4ExDy2RrOcvmq8t7iOLu2kHdlal7sqrcBiya9T7K2567m+BtIbJZPyRHguZQHzVnPeEkqtJeWRH7owyNHYGSNrala4OxIuPK5xTJS3h3q3R5tb12RHMMipp1RZoY5BH8AdQ2nkNr9Nht1sMZa9zdirLGncIgosLDYDGFtfcRRexFF7EUXsRRLc/GNEbqz6lOx8DEH5Eb4gdRsLoHojEubRb5WF9y2noZv6ByOpVJZI7f3AwsPlg/wDJedzfiAVy5uiBCe00t8CQPQ0iK5DTdYUb1caz9Wufviv5Ev8A2+Wn0QRgoOLAfHU/M2VPLJFTRFjpiiQXNhYD5D9BzxjtSO5lGAZEzSgAgCce09wWjqEiY2EzRWjPzve3ywc4R/MXyvVLjHRk8a51omrCqcUNVVxxjVI6oPNmCj6nFhpdoAqLg0WSl+t46o02WQyt0WJS177Cx+Hn64O3CyHUih3pZ+Nhbpdnu1VGo41lYrFDRyrO/wAPfjSukc2Jvc28tufPob6mMAvc8UOWqGcW4kNaw2eenmhj19fPqP4yFUUop/DANcs4U3LeJSAb+R+uLLoWUMhs38WmwtYLsQ//ADAAr4ddz37IBDC09ZNTVMkk6wJL3etze6nYmx3P/OQww+TJC2Rgoki0q1pkmdFISQLpT1k/4ZqSCGGN45ERyxTU0rE72bmCNiLcrjpgbG9cHyPcQQSN9vJae7qSyNjQQQD4+aucUB0hzD4lDTRtflqVlUG3mLgj5EYFhcrnxeB+eqNiszWS+IVdsxVY445JFo6mBBE5eDWxVeRjbewPPbnfY23JDC7O4huZpNijQ8whiVuQAnK5oo2LPkjvZ3SOaieoHetC6hUkn+NyDe4/qf7eRxWIIEbWGgeQ2H7RcGCZHPFkHidz+k45zmS08LSsrNawCoLsxYhVAHmSQMIudlFrrwQmV4YDXeeHEpcp+I6mo19yKWPux4wZDPIvvHEOfpfntzwISPdtX1+iedhYYqz5je2mUHzP4Sll+a5hXySKs04jCuFeNO6XWougYgXXVtcFri4wEGR5Oq6EsWFwzWnKL0sE3px91Sf+CZ5WpVFQytMhKuQ6ufMBipI1aSL7+vXDMROXXdcfHCMTEximnbSvl3Wj2CJRR1ESurK4DKwswIuCOtwemLBrZUQCNUg1eQywt3kAZkBtZfE6DYkEbl0G69WFgd+Yc68FpB3rRc84angt2vVGOHqsJLJTr3niXvV1oygEnS/NQB+VtI6ljzOE2l7hmkHFdAiNhyxm0x0aAAkcmNx7AAD7AHFuVNQqv4aSWqWp72aNwqoVjfQrhWLDXYXIueV7EY0JKblpUWW7NaMRwqt7C2o3PqcYJJWgAF2osLDYDFK19xFF7EUXsRRco4PIg+xxZBCoEHZL2b8Z08DFPFIw2IQCwPkSSBf2vhqLBSSC9h3rnYjpSCF2Xc9yJ5JnEdVHrjJ2NiDsVPrgM0LonZXJrDYmPEMzsQKn4wY5u+XPCFCxd4kmu5fZT8OkWG79T8OBJhNuIognDeaw1EXhVUZNnjsBp/8At9cUCnsZhpYX6mwdjz/aX56Ba2pJpQIkhBvMgtqk6Wta9vMdL+YxW+y6DZnYWACftF3+J4D373R3hnN3k1wTi08Ozf1h0Yf86g9bCwUhjcM1lSxfA7bu7kL7RJw4p6ZVZ3klVyire6KfFf03+xw5hRWZ/Ieq4WNcCGs3sjTuQHirLa2WrkQyBaYESWkcd2qIBuyjkL3FiN7HyuDwvibGDXa277S2IZO+Utvs767UOasmSsqGp1NYr00khRpaXwMG0khW225be+/TGajYCcvaHAohM0haM3ZJ3alnLqYTrXmctLJBCe7Z2JK6SR54Ze7Jky6AnVJxt6zrM+paNLRzN8zkhqqaKliTS0aSmNQF7xirDc22so26A3O+Fura+JxkPdfJMvldHKxkTeANc19QQwFZ5e/h74PTlJm1lQw1a15tpDCxv5391znktjKNU6xpfdyROxGQ91i7brw71RyWmjp4qvup1mcRCTwA6QEa4uepJ6Dlb1wWdzpXx5m0LrXfVBgY2Jj8rsxq9O5XcqaWok/E0dFZ5L95JM/gPQhOXMjmPL1OI+IMZ1cr9BsBv5rcbzI7rIo9TuTt5IrRcJ13d929VHFGxPgjTVoUn4UZrECxt6euMOfBmzZbPM8e8orYMRlylwA7uHcERp+AaYEGV5pyLW72QkbctgBcehxX8pw+EAeARBgmf5EnxKaJIVa11BtyuL2wuCQmy0HcLwmW+nUL+V9/pilqivTpqUg9R9MUVGmjaw/JcjrKKujJRgkTeOUf0ZiHxktytp3sd722wmxjmOXqZ8TDiICL1PDjfBBKniNlrHqICVXvzMqEnSd/zKCPiHPrvzxVnNYRxh2mERv3qr4/PuTr2JZneSph2GoCVVGwFiVa3pugwaDSwuZ0zH2WP5afj7rRM5rZUeGKLQGmLDW4JA0rqtYEEki/UcjhtjQbJXnnuIoDiu8lzEyq6yALLEdMijl5hlv+VhuPmOmI9uXbZRjsw1XRqe6dg6tpY6lZVLDfmDpBIN7nyscTLmGimbKdVKrmT8pVOuoWLegHMDzvY+nXFVlV3mVvGVpexFEAkpatq4PrC0yj4Qefh3BHU6uvlhoOhEFV2lzyzEnFB1/1j10+t+iMfjI9Zj1rrA1Fbi4HmR5YXyOrNWid6xmbLeu9IMnGVKZe7Dnr47eHYEnf5eWGDg5Q3NXkkh0nhi/IHefBCqLjvvapIljtG7aAxPi32BtyG/T74O/AZYy4nUJSPpgSThgb2Saviq2Z1ctfVtSxuY4Y76yPzadiT5i+wHLrjcbG4eISuFk7IU8smNxBw7DTRv38/wAV5obkMEkIrZoWJiRGjV/3jq2YdNhvf19cGnc15jY4akg0lcIx8QmkjPZAIB5m9D5bor2ewQimnlkCncq5bogUH6G5/wCDAMc5/WNa3y8U30QyIQPe/wAD4Uuey2I/t2/KdIHuNR+wI+uL6SI7I46qugmntu4afdAu1SoFDmuXZib6AGjkI8lv99Mr++nHLXoVf/8Am/Gd48vr3Q8mEQsfoxH3xNVXZ5rnP8tnIerkRIA1gYw1mYHnfoSdrjra9rjfBHFenwk8ILcOwl1ca0Hv2UfyriId2qUdHIyqLdFUHmRqN7n1O554u+S58+COcuxEoBPmfkqhqJxmNPJLCITIDHYOG1AA87eRK/QYnFFyRHByMjfmqjtVe9VN2l0gEK1Ss6SQEAFWtdXYAg/888PYN1uyHYrymObTRIDRH3QLPayJKzMYJyyRVCxftVUtoZUUrqA6E3+nzBo2uMbHN1IvRLyvaJZGO0DgNeWigyNzHGIMuJqpO9E0kmkpGoUbLdurWtf1xqQZjml7Iqu9Zh7DckPaN2eXsotSZdWM8jU9FBTCW/eiocyCQtz2F7KLnawBv8sCc+OhmeTW1aUjNZLZMcYF75tbVql4CMjB62bvWWNY0EY0BApuCCNyRvzHU89rZdi6FRitbN8VtuBLjmlN0KFaUi2WcG0sLa9LSva2qZtZt7Hb7YC7EvcKGg7tEZmEjacx1PfqquZ8IHvhNRyrSsU7t1ESlWF73tyB/wBBy3voTNc3LKM2t7rD8KQ/NCculHQIpw/lS0VMIzJqCamZ2so3JJPoB74HNL1jsyPh4eqYGboFmPaLCi6oopJQeTbIp9id7fLA4/7A8t/x3RZXCKZkUmhcgcvaBVSfAkUQ+bn72H2wsZTwTww7RulniDO6mRW1VMjbHwhtA+iWxnOSiiMAaBZtQ1smvvA7K6kEFdje/mN/nhnKKKS652YXxX6X7N89asoI5ZDeQFo5D5lTa59Stm+eINQsvFOWZ1GaDKauaJS1QxJUxk6UVSdSKLhmZtJHIAb23wpeR1L0YZ/Kia86Dnxvj3KTMeEvxsC1FFSSwSa9LwsNCkEfEhawsPSw57eeshOoCwzGiF2SR4cOe/0TF2b8A1NJU/iJ2RRoK6FJYm9viNrAC19icEjjINlJ47HxzR5GDjuU55yddRSxjmrNOx8lRSv3ZwPrhpnwk+S4j9wPNVJaow1rP3criSFR+zQturtzPIbHqRjeW20sZsr1ZmzaqsStKFAF/wBrKFJHsgYD5nGQxvNaMh4NRXLqsTRRyqCBIocA8xcX3wNwo0iNNi0B4g4wjppVi0lzt3hBtpB+W5tvbbphuDBulbmuuXeubi+lI8PIGVfPu/ao8fZnUIiGElYWteRSLkm5AFjcCwvfrfBcDFG4nPvyS/S2InY0dXo08Rz5c0vSVdT39FJNJfVoK2J+HVbxDzYbnzBw2GRZJGtHP35LnmXEdbC+R29V4Xx8eK5zvKmSvSIysxmK6n5E94dLbeXPby2xIZQ6AuA2vTwWcVh3MxYYXEl1Wdt9D5dy6zzJooswihVSI3MdwSTsWsdz52OJDM58BedxavFYWOLGNjaOycv1oq1xq4gzCKQLsojew2vpY8vktsYwgL8OW+IReki2LGMdW2U/I/pUpMrqxI8sMMvdzFtuRKM17MFNxfbywQSwloa9wsfVBMGJD3SRtOV1+YvY1smShyWqqFVKjTT06/8Ahi2Le+5sPcn264TfPFGSWdp3MrpRYXEztDZewwf4jj9VzH2fKGI/EP3THdALE25XN7G3npxZ6RJHw6+/e6yOhACR1hynh709E25dQpBGI410qP8Alz5nCEkjpHZnLsQwshYGMFBSy06sQWVWKm4uAbH0vyxhFpcPVxg2LoCOhYDEUpK+U5U1Y4qqoXQ7xRdAvQkdb/fmdrDGQL1K7GIxDcK3qIN/8ncb9/LxXNOv4Cu0cqeq+HyV/L6m3sV8sTYq3n+Zhc3+bN+8e/oeasTt+IzOMLulKhLH+s21v0+h8sXxQ2jqcE4nd5FeA4++5Hs2y2OoiaGUXR+djY7EEEHzBAOCMeWOzNXGljbI0tdsVUyThyClD90pvJbWzEsWt539+mNSTPkq+CxFh2R3XHmiRKov5VUewAwInmjtbwaEBzDjmgh+KpRj5R3k/wDQED54GZWDin4ujMVJsw+en1S1W9rUF9MMLt/WkYIv21H7YGZ+QXQj6AlOsjgPDX8Kak4pnn3Wqp4h0CxGT6lpBf5AYyJXHjS0/o2KIfAXeYH2P1TJkmdM8hglKGTTrV47hZFBAPhJJVlJFxc8wQeYBmPs0VzMThcjesbdXRB3B8eIPPT8j+1Uv/0upKGxAUt/Z1rq/lvjTtktCe2FmX/U43okXWoYGwW+56iw58jgXRzsmKe13wuG/iKPqjf8lgc8xTxCzofoR90HjrRGoafWgY2RdPjkO3wBrDSLi7nbcWudsRsJc6kSXEsa2x7/AGuc4ro0IV1kQMAQ6ustr/vJpQ/Q/XBX4cN2KUi6Qzmqr34p34Z7NKCWJZxNJMGF/DpQb7/lGofxYqhS1nN6UPAfm02cC0MVLJUU0S6E8Mqi5O5Gljckn8q4tpWHhNvcrq1aRqtbVYXt788aWL4KpnObJTR95JqIJCgKLkk3/wBOuNNaXGgsucGiylSr4+b/AMUAHrI/+Vb/AK4YGG5lCM/IIvwe7Tq1XKVMkn7OyggIqEiwuSdzdj8vLApez2QtR9rtFMeBIqF5+t4ZfDq/Zt4SbX2PXpgke6HJspsh/wD20G9/2Sb2tfwje2Mv+IrTPhCF8WcPJNA/doolBMgKgAseoNuZb9bYawuJcx4zHTb34LnY/AsliORva304nj80kUVZNWpBRW2Rrluukbb9PCCR67fPovYyAum5+/VcOOWXFtZheR37v0EwccZDNI8Bp0JCLoGkgabG45kW9/TCuDxDGtcHnfVdHpPByvewwjYV4clKvB80umeaciqDBr2BUAWsLC24te429+eM/wAxjbYxvZWx0ZLJUsj/AOy77u4cPT9pgzTIYqhkeQHXHazKbHY3t7X3wrHiHxgtbsV0J8HHM5r3bjiFdmo43ZXZEZl+FioJHsTywIPcBQOiO6JjnBzgCQu5ZlUXZgo9Tb9cYc4NFkogFmgqcudwKbGQfIE/oMKO6Qw7TRd9/omm4KdwsNV6OQMAVNwdwRhprg4BzToUs5paaO6xviTtQrUmlhRIou7dkvYu3hJF7sbdL/DhpsIIslJSYlwJAHv0Shm/EddJbv557OuoAkorKb2IVbKQbGxtbngoY0bBAdNIdz9kC29MbQl+jouNqO3xlbflKNt6bAj7451heqPRWKva++whec1rZiqxU0L2DBu+fwhbeXn+vpijqmsPE3AkvmeLqso1J9+ymbIcnWmj0g6mY6nc82bz9vT/AHxYC5mKxLp35joBoByCJYtLLOePeJqo1S0FDtKRdyCAxJGrSpY2Wy+InnuOVtwSPcTlau/0bgoBCcTiPh4b1yvTfXRK2bcCV3cyVFXMp7tC+l5GdjYXI32v7HAjE6rcujD0phesEULNzWgACSKeneQ6Y1Zza9lBY29hjK7D3tYLca8U/wBTwMauGjlokRA8F5SzG2tSL77m5JI8vD0wTISAW8lw2dKDDySMxBJp2nh6d3zQ3hrhZO7nnrJnp0glELBB4te17mx2Fx0PXlbfIAIJcarRMYrHvDmR4docXDNry9ERy/vaHOYIZZC6BtKsdtSyiw/mtf1XFtGSSkGZzMX0e6Roo7kciP19Vrub0QnglhYXEiMhB/rAjDa8kDRWe8P8JwSKjBpIlt8EelLHqNQXXzvsCOZwIFGcOKyntRh7rMGjFwkaKkYJJsoLdTuTe9ydzgrdkJwvRBYs0J0g7gjSwIFrX6e3T1wQvtC6pobotf7H63wSxr8F2KjyAK/5jJgUhHBbgBy6ppgn0ZhCekgaI/Mah91A+eBsOqM8dlOuCoKFcU0PfUsqD4tOpf7S+IfUi3zxuN2VwKxI22kLJL33HI746KST52a1V0mi/dYOPZh/qpwpiBqCmIDuE2VdbHELySIg82YL+uFwCdkckDdAc3zSOoieKBZJzIpQaFYJc7XLkBQBz54MxpbqdEF7g7Qaow9QtNThpmssSDWwBPIAE2Av9BgVFzqHFFsNbZ4KhwxxTDXd73IYCIgHULXvexAvy2PPyxuWF0dZuKxFM2W8vBFaeijRmZEVWc3YgAE++Mukc4AE7K2QxsJc1oBO6sYwiJX4n47paJ+7fW8lrlEANr8tRJAF/Lny23wN0gboujhOjJsS3O2gOZSnP2ss4PdQKu9ruxb7C3646GAw7MQ0ucao7LmdNCTo6RrB2swu/Pb6fNLuacf1b3vPoHklk+43++D4/CRxwEs30XA/mYmU0PQJalz0lw5ZnYEG5JPI35nHAMLnggjdGhw2JztkO4IOp5eqKVnHp/8AHF83b/Af645sfQp/zf8AL39l7V/Sw/wb81p3ZFxA1XRv3ltcUrIbCwsQGHMn94j5Y7MELYYwxuw5rlTSmV5eeKzntWoO6zKQ28MoWW3uNJ+pU/XHQhNtXKxDaf4o9xRXa6PL6ijo4fGvdAmMzPF3TAoiHqLhwbjf54G0HMQSjPc3IHAWtG4bnjqaWCcqhMkalrAfFazDbyIIwJwokJhmrQaXs+z6kpXhWpYI076IyUJBa4G7BSF5jmRjKIHOrQqFeKVOZf8ATxGdSw9+0lxYC4AAHMnceWIsosM0hMvciaPvrX7vWuu39m9/tiK6O6Xs27QqSGnmqB3kqU8/4eXQtij8jcPp8IO1xfflfEUWf9qqPBmK1ETMpljVw6mxuAUNj/ZA+uFZBT163oZzZsIY3iwCRXdv9V7Npmq8jildi8lNOUdmNzZieZO/5k+mKOrATwPv7KQtEHSTmAUHtsD34FHMlqwGyepFgsiNSSbWueS/VwTjQNFh8knPGaxMJ3BDx9/QqnVa4cvmRLhstrtSgHmmrw39DrJ+WMHss/8AUozMsuKa520sdeda/RM0j2qK6ONEkaeCOrhjddSswBU7dd1Q+5wU7uA5WucBcUTnEgNcWEjgN/uUgcfLUg0dXO476VLhBH3fdaCrAHck7uedsBfm0J3Xc6N6kiWCMdkHe7u7F+i2+iqBJGkg5OoYexF8OA2F457SxxaeBpKeXnu6ieL92Qkez+Mf+1vlgLtCjjVoSv2o8KCptMoOoDpz+V9jyFwfIbjGg5YLVlsWTlfDpcn0TSfqXIX3AbBusFaBAMBLrJ05LVeAMu/DxEsACwAsOSgcgL79SbnmSThd5TLQpc+rbSwld2WVCo8zrG3z5Ypm60RoVqWGEqvXxFFms/B9SJ3ESKEDko7OALE3GwuduXLph0TNy6pQxOvQItQ8EsZu+qpQ53JVAVuSDvqBB2vfYDAnTiqaFsQm7cUx0mR08ZukKBv3iNTfxNc/fAjI48UURtHBWaytjhXVLIka+bsFH3xkNLjQWiQBZQxsypa2OWCKeOQujKQrAmxBF7c+vPBMr4yHEIeZkgLQbWa9j9YY62SFtu8jIt/WQ3/TVh7GNtgIXOwDqkLSjWR8WVVdmXdRuFpkZnOlRdo0NhckE+I6eVueBPgZHFmO/wB0dmIfJNlbt9lpeEU+vz12yQmLM5PKVEkB+Wg/dPvgRhBJK6sHS0kMIia0acT48klpMfM/W2DxOdECGGrSGLndi3AzUa20Gl/6Rug4Uq5U7xYGEYFzI9kUDz1ORt1uMQkndAFAaIPKQpNyCAdyu9wOo5X9MZVq3nOTyQvMNDtHE5XvdB0kXspvyGoEG1+uLUTx2A5lpq6iAn+liEg942sfmRJ9sRRHO3Sg2ppx0LRMfezL+j4PAdwlMWNAUh5HmuYd33FJJUd3c+GFb2J52ZVLL8iMEcxh1cgRzSAU1Tp2d5iQCKRt/NowfmC9/riZ2KCOXvW28b8Mx5hSSU72BPijc/kcX0n25g+YJGE10lnXZFJPNmlVJVAienp0pnvzuGAufMnuwb9efXEUPBLEmXCOlrqxQRXZfmRdpLm7IXAsf6pYk/I9CcTgpxRvMKZZJ86pl+CtpEr4R5lQHNvUuftiKKTiiX8XkuW1fNkXunPrbSxP9+P74BONivQf8flqV8fMX8v9qHgWZXosxpXZVDR94mogDUL9T6hMCb8Lguj0i0sxEMzRsaNcvdrrg/P6RaQwVjOphnFRDpBJJG+kEA23vzt8XPFtLctHnYUx2ExBn6yADtNLXX9ffJd1PHyLUVcsNPrSqRAyTWsGUFblRcMpHS4vis+pIG6pnRLjFGyR9FhOo5HXfSigubcV1FTVpUR/spEUJGsV9gL7et7npyxRfZvim4cBDDAYnagmzaKUPC+Y5jMr1PeqvJpJRpsvkim3ysLX54sMc86peTHYPBRlsNE8hrr3n92tvghCKqKLKoCgegFhhxeNc4uJJ4pL4yY09Sk5H7ORQjN0DAm1/K4Nh/ZwN44o0R0pV5eIodPiYW9TgOqLlQ5Yu9N4aaST1CEL/E1l++NgOWCWDiicXD9dILWihX+s2o/Rdvvi+r5rJlHAInknBKRSrNNI00i7rcaVU+YW5ufUnb3wRrQENzy5W+Pe8FBO0LsjourUpsbAgtuN/hvhiCusFpbEZhGS3dJnZbxLDDTzrUTKmmQOC53bWN7DmxupO3nhnFRFzhlCUwcwDDnPHinTJ+MqOpk7qGW7nkCrLqtz06gL7b254WfBIwWQm2YiN5ppSpxN2iSioamoog7KxQsQWLMOYRV8rczfkduuGIsKC3M8pabGEOyRiz74KlknaFVx1Sw1yAKzBWumhk1WsfIrvfly3B89PwrCzMwrEeMfnyyBBMyjauzhoZ5GVTM8Qt+VU1WCg7C9hv5m++CsIihzNHBBeDNPlceKh4uyg5XWxGB3IAWVGa17gkEEgAHl5cmti4X9cw5vBZmj/jyAtPeoM8DQ5k5gbT3j6kc8gJ1vf2AkIv0ti2U6IZvdKSWyc5eP3RDgTNxltXJFVR6NVo3Y847G4PqhvckdLEeucQzrWAtK1hZBC8teK+y22NwwBBBBFwRuCD5Y5S7CyD/9QmX+GkqB0ZoW/vDWv00P9cRRZ1wM8P4+m/EW7rvPFq5XsdOr016b9MWomTLYa2hze7CTxSkyyEHRJETdnZuVgl23+Ej0xSlpWq860VM8lKQiSSOU8CkhSxK21KSmxHKx6dMQKKDP85aoZGZ5GIjRW1sSNarpJAvbcAHpuTiKK72cZn3GaUj3sGk7tvaQFN/S7A/LEVr9O1lFHKAJY0kCnUA6hgCLgEAjnud/XFgkbLJaDulfM+Me5193DH3MTMmp5ViLsnxiFLEtp5dLnYYZZh81WdT3X80q/FBl0NB3141zTPTVyOitcDUAbEi4uL2O/MYXLSDSaBsWrOMq1nUNHJBxI7rG5hrKUa3CkqrrsNRAsu0dt+reuIpapcX8DVzVFY1C0Hc5iirOspIKMu2pbDqLm++7NtyOIpdcEUzXsvhnFHqnlRqWBadmQ2Msai1j5X8XyYjEU1RqLgqmShahQOITci7airE6rgnybe3v54y9ocKR8NO/DyiRu4Wb1HZRWB7K0LL0YsV+o0kj5Xwv1T16hvT2GLbIIPLT8ovl3ZB1nqfdY1/zN/8A5xoQHiUrL/yH/wCNnzP2H5TPl3ZvQRWJiMpHWRifsLL9sbELVzpemMXJ/lXhp67+qZaLL4oRaKNIx5IoX9BggaBsufJK+Q28k+Oqs4tDWY5r2psZDHSU/eb2VmuS1vJF3t5b/IYeZg9LeaSD8cAaYLWklVkTxLdWG6sOh6EH9MIlPqrR5LTxG8UESHzVFB+wxFDruo88z+npFDTyBL/CNyzewG59+QxtkbnmmhYkkbGLcaQTJe0KmqahII0lBe9mYKBsC37xPIeWDPwr2NzFAjxcb35QlrMeOK2qqWp8uQDSSA1lLMF2LXfwqvlt5edsGbh42NzSFAfipHvLIgoeH+K6r8U1BmB1CW8LXChkZhYbpYMDe3XmCD53JCzJ1kfDVVFiJM/Vy8dEq8IZJHNXLTVBZRd1IU2JZATa5Gw2OGJpC2PO1KQwh0mRyt8U5euWZkhi1aEMcyAm5tfcX67qw9jjMTjNEb7wiSsEEwrbQqenmFHnZZyAgnYljyCSg2JPkA4N/TFEdZh9OX0WgRHidef1Uva7PC9WjxSI57oB9BBsQTa5HWx5egxWDDgwgjirx1ZwQeC9xpl1RBUxV6obOI5ibEhZFC6g9uVyL72vc+RxIHNcwx+I8lWJa5kglHcfNRZtU1mcyxaKfSEBUEA6Rci5Zzt05e9gcWxrMODZWZHvxJGVqaOJ+ziSd6fupEVY4EhZmvc6NgQAN7j1HIYBFig0GxubTM2Dc8tynYUmfPeD4KwRGov3kYALp4S224Ox8N9/MdDubgjndHeXZMS4ZktF26LZRlkdNEsUQIReQLFrfNidvTlgT3l5sozGBjcoSv2w5d32VVFh4orTD+4QW/k1DGVpfmgPi1adcvzqTK5NMpaeQxaJKZm/Zxq4B0sTq8drXCrYXtc9KU8UO4lhpXgjq6RGiVpDDJCx1BHC6wUPPSR/hy5YipLBkxFdLlZipDKbMpDKfIjcffEVr9h5ZXCenjmS37WNXX+8oI/XFrKzaCkjlSniqYy0oqJ1fXIB+10rIyjRZbO4AG+3TmLdEuc0ksOlD5bei5Qa14aHjWzfjvw5qjBS1RUH/o8B94WX7FxghLP/AJD80IdYR/8AqHqtkxyV2lRzrN4qWIyztpQbeZJPIADck4y5waLKNBBJO/JGLKSpe1WNdLmkqBCxsJCAL+w+En01YD145LrjoN5tokbmHD3r6J9pKlZUWRDqR1DKfMEXGDg2LC4j2Fji1240U2LWV7EUQriLNxTRarXYmyj9ft/hhjDQdc6uCQ6RxwwkWerJNAITk3GEbALMxDHrpso+YYn5kDDM2BcNYxp46rnYPpyNwyzmj4UPqfnompTcXG4OOcu+DeoVPOcwSngkmkDFEF2Ci5ty23GNMaXOACp7g1pcVgXDOetRVBlhTXdWQK3kSLXt12Gwx15Y+sbRK4kM3VPzAWtCzLMc2qYaZ6ZGjMiN3qhVTSwcgbybgEWI3wm1kLXEOO3vgnnyTua0sG+/spUzOvzPLp42mmkLEawplLowB3BBNvTltfbDDWwytIaEs6SeFwLyuu0KqEmYxvISYXSFl3/8bWJt/NiYYVGQN9fmrxRDpQTtp8lrmX8OUkJUxU8SsvJtALD+8d/nfHOdK925XSbBG3UNWIVtI0GYyw981OO9ZO8BI0oxuL6SDYgrffHUBDogavRcggsmLbrXdHfwmVUrCWSrmqplIcCK1iQbg35c/wCvgWaZ4oNod/v7JjLDGczn2e7391R4qdqTN2liF/Gs6D94OATy6ElhjcQ6yGj4Ic5MU+YeKs1WWZhm86vJD3SgadRUoqrcnbUbud+n2GMh0UDaBtW5suJcCRQT/wATcBQVehizRyIoTWtjqA5ageZHnt+mE4sS6NOzYVsmvFVMn7NaSnYSSM0pXca7BB6kDn8yR6Y1JjHkclmLAMDuZTHPxHTIbGZfLw3b66b2xy3Y2BpovH1+i7DOj8S8WGHz0+quz1sabPIim17FgDbzt5YbDSdkkXAbqOqzWGP45UXxaeYve17W87b4sMcdgqc9rdyhM3GMOpVRZJGa9rIQNgtj4rHSdS7gHqemCCB1WUE4ll0LPv6IxldSZYkkOkd4ocBTcAEAjcgX97DA3CjSKx2ZodzXdfSrLFJE3wyIyN7MCD9jjK2vxxIjwyFTs8T2PoyG36jEWkxZ5xFTVb99NTSLOQNZimCpIQAASGjYjYW2+uIpSC5jmRkVUVBFElysaknc2uzMd2Y2AuegAAAxFKUFFRSzHTDHJK3lGhc/RQcXSouATdlPZVmc9v8At+5U/mmcLb3UXf8AlxKVZuS/RvDeVClpYKcNq7mNU1cr2FibdLnpilAhc3BcMkzPK7PG0jS9yQunWyhSSbajsARuLEYYGJcG0N9rSpwrXOJcdLuu+qUh4KoesNz5mRyfqWxX8mXn9Fr+LFy9T+Up5x2cSxRmamq53qEGrxNbXbnpI3B8rk35euOe6EgWCvUwdMRvfkmjAYe7bx9hCKmumzfLhGvjqqVwzqNjIhBXUBy1C+49D5gYySZG1xCabFH0disx0Y8UDyO9eHvgiJ42rUiVZ8qYrGBcsjqo09d0IW1r+mLMrgNW/X8Jf/xuGc8mOfU94vXz1TzwjxHHXQd7GCpB0uh30sADz6ixBBwdj8wtcfG4N+FkyO14g8wrGfTzRx95CU8PxB9gR6G43/1w3h2xvdlfeu1Li9ISYiKPrIa03B5eNhLlLx0f/JED6obfY/64df0aP8XfNcWH/kR//oz5H7H8oZxfnCVDRmMnSq9RYgk7j6AcsHwcDomnNvaR6XxzMU9hj2A9Tv8AQJew4uSm7hTNKhgIVDFE6qouATyLMbKOfQm17Y5+LhiFvO597Ddd/orGYlwELbIHIehJNAeRNbJ3qadZEZHUMrgqynkQdiMcgEg2F60gEUViXHNItDmavEoVB3cyKosBY2IHuUP1x1ICZIqPeFyJ2iKYEdxTb2scQTwpAsDlEmDMXXYm2mwB5j4r7b8sL4SJriS7gmsbM9gAbxWdZzBD3MUgqmnqJLGRSD4ARuCzE3YHbnvzw6wuzEZaCQkAyhxfZPomU8OyZhl1NNBZpoFaB0uBqVWOmxO1wDyPO/puDrRFK5rtjqjmJ00TXN3GinjyvPJ1ELu8cYGm7OibDbcp42+98VmwzTa1WLcMu3yCcc14Egqo4vxBYTpGqNLGba7C24YEEX9L+uFWYlzCcuyakwrZAM2/cuMr7NqGI3ZXmI/+q1x/CoCn5g4t2LkdtoqZgom6nVNqoFAAAAAsLbWA/wAMLWmqQCr44oI0lf8AFRuIbd4Iz3hW5C7hLm1yBfkCRiLVLqr4rjSso6VVLmsV3SRSNIVEL39bgbW88RUu+NINVI9vykN9Dv8AYk4R6SZmw7u7VdHop+TEt77CE5xDStA1u7UBNURUoDfTsAAdTXPO+FcSzDGE7AVYquW3M96cwr8UJhuTdOu9r35Dupcf/D7VndT6wqyQqknO9wsiMQOXiVyLnlbbHZwWJvDtJ3r8fcLgdI4P/wDKeBt/v7FWqrglXR/2x7yS9302A1GQvZVKnxGRzZmYDbywcYiiNNPf4SrsJYOup/d/XiUWy7h+KF3cDUXYNZgtkI1W0gAWPiO/P6YG6UkAIzIGtJPsKPOOKaOmBE1VDE1tgXGr+EG5+mB2j0UH7LOKXr6ISTMrTK7oxUWB0kEEDy0uuIqKS+MuxqaorJJ6aaJY5nMjLJqBRm3bTpBDAm5302vb1xYUsqfKuwiEb1FVLIfKJVjHtdtZP2xFLKccq7NMsg3WkRz5y3l/9yQPkBiWqrmi9VnVHSjS0sMQH5AQD8lG/wBsEZDI/wCEErDnsZuQEu5h2pUaf0YklP8AVXSPq9j9sNM6OlO+nvuS78dC3Y2lnMO1qdtoYI4/VyXP20j9cNM6MYPiN+n5Sz+kT/i35pZzDjSum+OpcDySyD+Sx+uGmYSFmzfnqlX4uZ3H5IDJMSSWJJPMk3OGAANkAucdSV+g63jSijh778RGwtcKjAs3oF5397W62x5EyNq7XtI+jsS+TJkI8dvn77kiVGUVHeR5rlakiYa2hOxBPxixtrQkdOu46EAyn42LstxEOR2DxZ+HQO+ngR+ii0vEGb1CGOOgEJYaS8h2F9iQGt/m9jjWeQ6UlRhej4nZny5u4fr9I/wDwuaCnKMwaR21uRyGwAAvzAtzwSJmQJLpLG/ypcwFAaBMcsYYFWAIOxB64KCQbC5r2Ne0tcLBWdcT5A0JaRVVYr2WzEnf33v9sdvDYkSANJ7S8X0l0a/DuMjQAzhqT9dbS7hxcheGIotE4DoSkBcixkNx/ZGw+98cbpCQOkDRwXsOgcOY4DIf8j6Db7pmwgu6kvtA4NeveFo3RNAZXLX3BsRaw3tv5c8NYecRA2k8VhzKRSMPwzFLSRU1T+17pVXXupuotcWNwbeu+BdcWvLm6WjGFrmBj9aXGU8GUVODogViwsTJ4yR5eK4A9sW/ESO3KpmGiZsEciiVRZQFA6AWH2wIkndGAA2XeKVr5fEUVbNIXeGVY2KOyMFYc1YggEeoO+IosBqMkaqyNszeeokrYyQS0h8KK3dlLdPB4yeZN78ziK7Npt4gyWkp6rKZ6eCNKaqvSyqigCRZ47Jrt8XMksdzYb7YnFZ2CF5bC2XZvFDVOTT0FPPNDJYs3cvsAwFySh1LsOnlbEVrYoqqKenWS4MM0YYE7Ao4vvflcHGXNDgQditMcWuDm7hJ9XxLkdH8U1OWHRbztf8Au6rH6YXjwcDPhaPr9U1JjcTJ8Tz9PQKMdo8k21BllZOPyu6iGM+ztfb6YaopPMOa+24gqOtHQqfeaQfrGcSlL5BfP/lq829dmVZUX5ord1Gf7i3+xGJopbuaMZR2d5bT27ujiJG+qQd4b+hkJt8sXazlHFH6SrhYmON4yUtdUIOm/K4HLFlrgLIUBGwVrGVpeJxFEkdrcLGh1oxASRS1iQCrXXe3Pcrh7o8jraPEJPHZhFYNUsmybJGnWRw6RpEVDltRPjJC2VFZjci3LHZkmDCBVk++K5McJeCboBF4uCZP2oJ1PE5UKvJwqq7WY7g6T+ZQLkC99sAOLbpXEfLgjDCHXu9ffgrknBsXfSKkkkgRypjVbEBo2liOvxEqVWxIQm+yqbjGBinZQSKsb+dHT9+K1/Fbmq77vKx7pT1eV0MGhGVAJSyO0jMZEV4g6MFBGnRISpOm/hseeMtkmfZHDltvR+Y13RDFEzQ8ee+2h+fcqtVnSsxaGv8Aw8Ztph7hv2YsPD4VINuVxz5402IgU5lnne6yZQfheAOVbeieZeEMqpJIjJGoMrlE712ZdQVn3DHTayn4uthzIx50RMC9U/pbFvbWevCh6hHJuKaREVxKGRkLK0StItl25oCoN9gCbk7C52wVc27Qqt7QIYw7CN2QBWRhsZARTkkKbEWFRGbNYmzcrb1aukU4V4iFYjOI2jsdlbmUbeNuQtqWxt05dMWq0RCuzBYt5AwX94KWHzte3zwWOF0mjd+SWnxTIBclgc6JHpdeaWs94ujKFIl1k/mZfCPkeZ9x9cPwYB4dmea8Fw8d05E5hZCLJ4kaDyO58kkJGWNgCSeg3Jx1CQBZXmAC40NSmvh/hBmIecaU56PzN7+Q+/tjn4jHNaMsep5rvdH9CPkIfOKby4n8fXwT0LKABtbkAOnsOmORqdV6zRooL4ZfQ/p+uJSmbuXM04VS17AAsT5Ac/ni2tJNLL5A1ubhqfIbofk2dx1AYoW8JAYMADvyO3TBpsO6IgO48kng8fHiQSy9N7ryOiJ96Om58hgFFPZxwQ+bPIFOlpowfK9/qRywYYeQiw0pR+Pga7K54vxXObZwkMPenxA7KFPxk+R8vX/huGB0j8g874LOLxrIIetOo4Ud/Pl78V/Lc/qppV0QL3ZYA+E2tfe7ctsOSYaGNht2vvguRh+ksXiJRkjGUnXQ7cddk5R8vr+uOYV6RuyDZVwpTwRTwqpaKpkeSRHNxeT4gBYWWwtbFLSL01OkaKiKFRAFVQLBQBYADoANsRRDc14bp52kd4x3kkDUxk3uI2vcDe3NicRRKdD2QUQVFqJKmqCABVllIVQOiqlrD0viKa800UPD9BRKXjgp4Ao3k0qpHu53+pxYBJoLJoCyvV/FdLFCJzKGjLaAyAtdrE229B1wVsEjnZa1Q34iNrcxOir5vxT3dJFUwwvMJiAqjYjUCd7BuVrbX3xpkGZ5Y41SzJiA2MPaLtGMoq2lhjkdDGzqCyMCCp6jcA88Be0NcQDaMx2ZoNUh9XxbRxyCJp11k6dKgtY3tYlQQN/O2CNgkcMwGiG7ERtOUnVZ/wAFsKTOJ4D4UbvFHlYftFP8AP1w9iP7MOHeH4XOw39WJczx/KaODeKJ6+eYhUSmj2BAOpiSdNyTb4QSQB5YWngbE0cym8PiHTPNDshJFE1ZX1L0M1S2kOxkJ/8A67iwAsNz05XsemF9ALXvZBhsHCMTGzWhXnr7+S03Nsmvlz0oJbTBoUnmSq+En1uBjUD8kjXd68biz1+d1fFZ+6xLhrPPw3fXV2WaPQQkhjYEMCCGAJHUfPHoJ4esruPivPwTdXd8eWiu1fGs7bKsYRdOgMO8KFV0hgz7l7Abm/IG2BtwjB48eHsIjsY47DT5+aHUsFZUH9ms8lwq3QNbwCyXI28I2BPLBXGKP4qH73Qm9a/a+HojmX9mddJ8SpEP67i/0TV97YXf0hC3bVGbgZXb6I6nZC1t6sA+kV/84wD/AMoP+vr+kf8A8af+3oj6cO1spWSeSHvQq+LxNup3so0qmtSwaxO5Fj4d+QupqqubcFSLD+zkkmkLoxUd2qHuxHpJDXNtUMd/FzZyBY6cRRNkHD1MhLCFCSSTqGrci22q9tgF26BRyAAilImTiK18DA8iDi6pUCDsqsuVQMbtDGT5lB/pggnkGgcfml3YLDuNujF+AU1PSRx/Aip/ZUD9MZc9zviNokcMUXwNA8AAu+8HmMZoreYc0J4hhnaI9w2ltQJ8Wk6befTffDOGdG1/9mor1XP6QjxL4v6DRvnWlc0p8WNIj00jOGYRjxA3GpTckfUY6GEyOD2gaX6FcDpXrWPhkc6zlGvCwdfsjjcXUzHTaQh/CTYWGrY9b4VGClAvTRdQ9M4VzsmuumwoX6pTy6tnppZEiF3JKEadW6k8h588dCSOOZoc7bdcDDTz4SV0cWp22vbkjtTWVn4KZp7i5UKSArWPxbC1hyG/mcKNjg69oZ3/AKXUknxwwUjptLIrgaO+3l80AoqQyRHTEmx8Urva3tdgBt6HDj3hr9XeQH6XJhhdJCckY73E1XqB9VNJD/2ezhxHNuBeyhl8yBzI/wCXxkO/u2qwiPYf4Wjryv4XpY7+9PnD8munhPTuwLcvh2P1xyMQMsjvFerwDg/Dxn/6j00Kj4p4jhoYDLLueSIObnyHkPM9PoCq94aF2MJhX4h+RnmeSxbM+NMxrpNETSKD8MVOCNvUr4j63NvQYWLnO39F6ePAYXDNzOrxd7pdLwvnCjvFjqB1usvi+gfViZXcj781X8zAnskj5fpFeGO0upppO6rg0iA2YstpI/fYavUHf16Y02UjdL4roqKVueDQ+h9/JbNTVCyIrowZHAZWHIg8iMMg2vNOaWktduFl/bJmaMYoEk8UZYyR2OxIUoSbW5X69cdPAMItxG+y4/SUgNNB23Cj72Gpyqojp6d4lgCTam3DsNnIO/5VPXr0xKcydpcbvT8KdiTDuawVWqu8JZhI2STiJyktPrsRzsLSbX8wWXGJ2NGJGbY/6RMPI44U5TqL/Kr5NxFO+TVbd47TRtp1EksFcrc357Avbyt6Y0+FoxDRWhWY8Q84ZxvUKbsrySkmp3eREklDkENvoFhpsOl9zq/0xWMlka6gaCmAhjezMRZQjtJgVcwjlD2jnVdTofK8b2P9m2C4QkxFvEf7QsaMs4deh4+hVrh3MKjKapqSWNpIXbUNC3JvYB0tuRYAFeltvXMrGYhmdpoj3S1C9+Gk6twsH3aLx8P1C5x+Kij/AGDHUWJC7OlmuCQ1772tjm3pS9r/ADYH9HdU53a4DXgbHpotExlcFIlP2WUgdmdpHBJIQEKoBOw2Grblzx0D0jLVBIjo+O7KYcv4WooLd3TxAjkWGpvq1zhZ+Jlfu4o7cPEzZqMgYAjrBs77cKvUyQ0sUJUlT3haRgQbdNIBv74i1QSvL2qZsST+LIv0EUVh7XQnEpXS2Ku7U4FH7KJ39WIQf4n7YfjwDnsz2NRYXOxOOEMjospLmkg+I0S83azIZBq7uOPe+kFmG22+/X0xw5nTuYeq3980XA4h8k7euZTNb35aevcjfA3H61VX+Hu51IzKzAAXW2w3vuLnl0xnBx4ppJmdY5ewutin4dwAiGqfq1mCsV3YKxUH94DbHSYASL5hcyYuDSW70a8eCTsj4usr/iXYsCChVRc3vcbC3lz8/THTnwWo6oeK85gemaa7+S7XhQ+Y2pEKTi+ORyoSTZWYG4udKliLDYbDAX4F7RdjcfhORdNRSOLQ07E+NC6rwCvZBm4qkZgpVkNipbUDttvb/lsBxEHUuAJu+KawGNGLjLgKI4Xfgh3B2dyTySJMQSo1LsBbexG3uMHxmHZG0OZ4JPojHy4h7mTakajSq4FAINYmq4SxJdZOvNlOofUAj54bdlLI3jhXrouTGXiaeEncO8yNfoD81Hl9MZ6SRFF2gYSKPNWFmA+gONSOEcwJ2cK/CHBG7EYN7W7sOYeB3A+Vr2T5rBCoLUweUH4i23O42IIBHoOmJNDJIdH0FMJjcPAwF0WZ443/ALr5Ixm+USyslXTAhnUOVuAQbcxewII/5vhaGdjAYZeGi6OLwU0zm4zDDVwBriDz9/dWckoatnY1ZJiZSpRmB1X5WAOx9dsYnkhAHVbjiEfBYfGueTij2CKonfwA29F9bgmEtfVKB+7t+tsUOkH1sFD0BAXXbq5afVHqTKo44+7VFCHmrDVq9WvzOFHzOc7MTr8l1ocHFHH1TWjLyOt+KtxRBRYWFhYACwA8gOmBF1phjA0UFg3aHXSV2aGFNwjinjHS97MT7ve58gPLCbzmd6L2PR8bcPhM7uIzH7eia8zqjlvdZdlkYerlF3kIBN7Hffa+xO/hUdDfGycvZbuufEwYvNicSaYNh7+2pKVsz4lzahqNM8zhxZtLaWVgfQbWNiNrHnyxjM8HddCLCYLER3G3TztNPG9JFmOVpmKIFmRQxt5BtLqT1Cm5BPkfM42+nNzrn4F78LizhyeyT/o+a67EM5Z45qZjcRWeP0DE6h7BrH+8cXCdwq6bgDXtlHHQ+W3vuR3tMyOOSjmmEa98mltdhqspAIvztpJ29MdLCSkSBt6LyuNha6MurVc9mswqMs7pt9JeFvY7/wDq9vli8WMk1juKmCcJIKPeEv8AZIrLLVU7qdJWzbG2pCVYX5XOr7YPjqLWvCW6PsOewoj2d8L1FO9SlRGO4lXRuVOvSSB4QTsVZueB4qdjw0tOoRMHh3xlweNCu6jspgLkpNKiH8uxsPIMenvf54gx7q1Cs9HNvRxATHT8IUixQxNH3qwBgneeL4jdrjkbn026YXOIkzEg1fJMjCxhoBF1zRrvFG1xt0H+2A0Sj2Avhm8gf0xeVS1z3jeg++JQU1XJ9ST8/wDTFqqXzQPIYllXlCkpHuN+YNsU4aqmnRfnPP8Agwz5/UUayLF3rNMjMCQdS96QACOpb+E4yFu9FWkyrI4mMctXXPJGSrtFGgQsDY6Qyk2v5k4lqa80Dp5FLL3hOi41HmQt97X8hjWY0G3oqd2nF53O55po7R+GkoJ4o4Wd0ljupYgksGIa2kDpp6dcUq2QfhGualzKldwyFZlVgwIIWTwG4O/wvfEVr9SSdD5H/b/HECy7msyipIY61o6gfsgzDmRbqpNt7Wt9cd0ve+AOj392vEMigixropx2bI/GyaIs2y+Hwx6RfwkqhOx82tcj64QMOKk1d9fsu43GdGQdllcrAP1S/BPNl0rjRqV9gTezWvpII678sOObHimjXULkskn6LlcMtg8eB5G/suMvyisYmoiUqxJ6hSb87A9PfFyTwD+t5+6zh8HjnE4iIUSfDfuPBMPDWQPE7SzHVIwPhve1+ZY+Z/1+SeKxLXtDGbLrdG9GvhkM02rjw333JPNEcmyFKdnMZa77eK3hHkPM+uAz4l0oAdwTmC6OjwrnGMnXnwCtnK4tWru4tXO/di//AOcC659VZrxTP8OHNmyNvnQVvuh1398DspjIOKr1ldDANUskcQ83YL+tsTUq6A1SzmXaZl8VwJTKR0iUt/MbL98bETzwQ3TxjilbMu2XmKel9mlf/Ko/zYIIDxKC7Ft4BaflNaJ4Ipl5Sorj+8Af8cAIo0mgbFrBhOKbO2eXZUq2LE9FZz4vax1YSHZdrzXsi3rsCAziweg2+yd82ielz+GpZS0VVpjVhuAxQR297hT7E+RwU9mS+a5cRbN0e6MHtMs+V2l/tvP/AH0Q6CAf+8mMy/F5JzoMf0O/9vsEep70vDhEos0iMFU8/wBq50/Y6vri6qLxSbv7uk+xwI9Bqg3YbTE1U8n5ViCH3ZgR/wChxIviKZ6ceBE1vM38h+1sVZTLLG8bi6upVh5gix+2GWuLSCF5hzQ4EHiqmS5JBSqUgTQGNzuTc+pYnG5JXSG3FDihZEKYERGBoq4ke3LmcWAqJUZY+f0H+uL0VaqrU1SIVDk3ble5HMC56AXYC588aFnZUaG6sDFLSiiqVZnVSCyEBh5Ei4v8jfEpSwh9bmpTT4QB36xPcgmzCysNJ2uxXZt7HljQbayXV816szxERmHitJ3IuQql+viPILvc+h54gYVC8KTJc1E6sQACjFTpbUp63VgBqUg8/cdMRzcqjHZkQpzZ2HnvjLtlBo4rI+12T8Fm+XZhvp+F7DojeL5lJSPljARBqse4iqUkqp5IL91JK7pqFiAzFrEC/K9sRaTdwfW5VHCzV0byTBzpUayGWwtsCE53HiOJazS0jP8AjkRZdDXU0IdXIQBzYxg6hvpv+ZQtgeo3xFSxLiTPZKyd55AquwA8AIGwsOZJva29+mItL9V8N5iKmkgn/wDrRI592UEj5G4xFndQ5xw/FUWLg6hsHUgG3rfY4ahxL4tBtyK5uM6NixJt415jfztVaPhCnQ3Ks5G/jbb6L/jgj8dK7Y14ftLw9CYZhsgu8T+PumDQfM/898JWuxlPNe7odd/fEsqZRxQzMeJKSn2lqIkI/LqGr+Eb/bFgE7KEtbvolXMe1uhT+iEsx81XSP57H7Y2IXFCOJjHG0rZj2xVDbQwRRjzclz9tI/XBBAOJQXYvkEIqc7zeqp5Kgyyinj+JkIjHMCw02Zue/PrfGssbTSwZJnAkbIdwbkC5hUGOSo0ORqF1LNIQCTY8hawuT8gemnuyDQLEbOtdqVDkHCNXVgmKLwqdLO5Cqp2uCTzt1sDizI0bqmwvcaAQ3M6FoJpIXKlo2KkodS3HkcW1wcLCy5ha7KVuvZHX97lsa3uYWaI/I6l/lZcKyinLoYc2wJa7YuE2LfjYVuLWmA5i2wf2tsfKwPmQlK2jmXp+h8aAOoefD8fhKHDOdVE1TQU8krPFFURsitY6bMOttVgNgL2GMtNkLpYmCKOKWRoolpv5LQOP+MIqaqEU1FFUhUWRGawKkk35q3kOVsbe8ZqItcfo/AvmhL2SFutHv8AULPOKOKqnM5UUrZQbRwx3O52v5s3S/0Aubjc4u3XZwuDiwbCb8SfegWydnvDP4GlCPbvZDrkI6Hoo9FG3vfzwxG3KNV5npDF/wAmXMNhoPfeuuPq6rhpi9GgZh8bWuyL5qvIn628j0zKXAdlTARwPlqY6cORPeffih3ZzxGZMueWeQsadn1uxuSoGsH18Jt8sVE/sWeCN0lhcmJDIx8VUPT6olkGdR1xE0Ep0qAHibZlJ6MvLexs1yDvbltbXB+oKBiMO7DdiRvgeB80fmHI/L64O1IlUsxr44U1yNpW9uRO/sATjTWlxoKnOAFlD6CpSt7wpqCKjRXIFyXAJIF+QAHPnc+WNOBZusWH7K1KrpLEO8ZgxIIIW1grHayg8wOpxQogq9QQhlTVpT1zGRlRJ4QbsbXeNrWHmdLD6Y0AXM04KiQ1+vEKvXUjTGpMIJWeJHRiCv7WMkD4rEX0pv5DyxYNVfD6LLhd1x+qsJkLGPuS/wCyFnS/9JE4OrnYq4vf4t+d74rPravIapF6KB1vrlL3tYaQoFvIDff1J6csYJHBEAI3U97Op89sTgVR0cEidvOVGbLRIoJaCVX2FzZrxn7sD8sDW7pYPHwxWsAVoqog8iIJCD/Li1rMOarUeWzysUihlkdTYqkbMQfIgDY++JSouAT/AJXwPnc1KKTu1hpr6rTFFudWre2px4t+QxKWbHJHcq7Bzsams91hT9Hc/wCXE0V2Vr+S5XHS08cEVxHEoVbm526k+Z54pVspJ8wjW12FyQoA33YgDl6nBBE4i6QjiIwavX5q1gaMs47V+KauieFadlRJVbxaAzalIv8AFcWsy9PPBomB26XnlcyqWXVmbV1THJLJNNJHHpEl3sq6yQt1BA3II2GDhrBpSUMkrgTaH0WVTS6e6idgxCgqpsSeQvyv88bLgN0MNJ2CNZdwPVSVX4VgkMukORI4+E35BbljsdhytvbGDI0C0RsDyapFV4QpIqeSqlqnnjp37qaOCPSe8uo0o8hAKgsLvax6WOMdaToBuijDAaud40m3hzK4qeslpohrp62jE8ay+JSQSNJ8xZrn0OBucSL4hGjYGnLwIVfL5WaPLquanSCs/FdzYJ3XeRkMHurctK3O/VTb4rYhNEtvRW0B1PqjaoxTUtLV5nFUVMQpqqNjZCZDeRm2CoDZlu1xzsU+U+JgoaqAZHmzQOqQ6mekFMIo4nM6ysfxF9KtH4tNkvsT4Tpttvv0wcZr7ko7qw08+a0HsKr7PUwE8wsqj2urfqmBTjYo2FduFrhGF04lGq7O6U1EdTDqgkjkWSyW0MVIO6nle1vCQMC6oXYXRZ0pMIzE/tAitd/n+VR4p7OPxtW1Q9SVUhVCLHuAB+8W87n4euKdFbrtFwvSn8eHq2s1539q+6OcM8G0tFvEl5LWMjm7fLoPkBjbWBqVxOOmxHxnTkNvfimHG0mlPjziiah7gxRLKJWZWBve4AKhbX3O/Q8sClkLKpdHAYOPEZs7qqlRhpIZqSoV6aSklqQZXgjZTJIqablFOw1fDYqpuTtvfGaBadKvgiF745mlrw8N0DiDQu9/Dfcrrs/z+gc/hqOCSJtJZtai502F2YMxJ3tvi4ns2aFOkMNiWjrZnA8NPsKCdZh4T9fpg43XJOyEcQUPf08kY3JF19xuPqRb54Iw5XArLxmbSC8J5VVU+u/dorgXDXc6gTyClQBY+Z5DBJXNchRsc1MK0xLB3cuRyFgAL7GwAvy8ycCvSgjVrZU7AczbbkTilZpcmUe/ti8pWc4X0ajyX64lAcVMx4BcVb92jSSyKiILsfIDFZgpTiuUqYhCalX7yMIZAwN7qBfb5YouKsN1QvK+LBUUE1VHGUaJXujb2ZU1jccwQVPzxlaShRZjnjxxujxyLIiuGKLezqGsbLba9vliaKrKbG7QKDvUiWbW8jqg0KSLsQBdrabXPO+CdU+rpY66O6tMdZMUQsBe2KjbmcAs4iQxxl44Jdq+ICBcsFHyH3OHxhWDUrhP6Tlcab6IXPnakAmQEE2BLCxPkN+eDsibwSMuJkcaNq/w4hmm1n4IeXq7C38qE/xjywvjHBjco4ro9EMMjjK7YaDxRymzdJKiSBdzGLs3S99wPUXF/e3MGyZicGB52K7LcSx0xhB1AtJ/bVQa6JJQN4ZQT/Za6n+Yri4TTlWJbbL5JY7MsxdqWtpoo4++WIzRHQGZ2BNtWq4OltAG218amGoKHhnCi2tfqusrlnmo6yhr5hBMwSeE1DLFa7EnkBpF15AbajtinBrSCNluNz3gg6HcLrOeIaIVdBViq7ySBe6m7qNjqCq41KTYWLEqN9w4YXAxGg0RSjy0Oa4uGm6E1HG1Mq1kcNI8kdZIZGE8gXSTvssYb8248Q6eWNCN5q+CwZohYFm0NfjOum7iOLQhgFohTxeIDQUtvqNtJ5CwvY22FtdUNSSh/wAhxoNCkg4KzSr0mSKZgBYNUyHwjyAkbUBy2AxeaNuyoiaTdMmW9jUpt31RGnpGpf7nSB9DjBnHALYwjjuU05d2UUEf9IJZj/Xew+iafvfGDM4orcKwbpryzJKen/oII477EogBPueZ+eBFxO6O1jW7BEMUtLiaVVUsxCqoJLE2AA3JJPIDzxFEJzzimlpI45JpRaX+jCAu0m1/AEBLCxBvy3HniKJG7SM8irsmeqoZmb8PLHJ4dSsCGC2ZTY7atW+2wOIrCh7TOO6uniopaV0SKshJ1lblSRGQQTsLBtr+R522nFQJmyuKejrIIJqmSqiqUfQ0oXXHLGNRsVA8DoW2N7aOe+IpZUMPDlb/ANX/ABrvEYfEgAZtQj0kKLabX1WY7874CGO6zMuo7FYf+H1ABzb8N/ny0TRR5LBFNLPHGFkmtrYdbenIE9bc+uCBoBsJB88j2NY46DZEMaQVUYFdrE+2CaFYutF8CueSge+J2VLcVHWMIo3klk0oilmI6AC55YrMOAUyk7lR5NVwVMYlhbWtyLm4II5hgbEH0I8sUXlQMCtV9ZHTxNLIQkaC7G3L5Dc+wxm1sBKXaPXh8vikilIilljJdCV8BBI35jfTiKKTiAvLkZZ7lzTRyP6kBHa/0OIq4LngyaJ8vSlLqJJYpJBGSNQjkeSxt5WOIVAl7grNkp8vj/EI3dV0siNKLaYzZYhr9DoO/ocWVAh2TdpL0cK0phSUwXj1iTZgrEAiwIta2998TdSwNCs2RypDKbFTcHyI3GOpuuKDWq/UdNMKinVxymjDD2db/wCOOaDkdfIrryNEkZbzH1We5XGs0svec0ACjyve5977fIYX6fc4yNYT2avzv/S5HQLGmNzyO1dIBxJlpKu8a3EVi5uBZTt1572wD/jszmyuivs1t3/6tM9KQhzQ8DUfRN+Z5l/0nL4YhvUSjnzsxsXa52Om4AH9noDjtNb/ACJS47BRz/4mHDR8X3QPgnMitZEOj3Q9b3B5+Z1WJOHsW0GEgcFwujHuGLDid7B9+K0LjGg7+hqY9rtExW/7wGpf5gMcVpogr1j25mkL82Uc0iuDE7o52DRuUbfpqUgi/vh4gHdctr3NNtTbQdmmYVB1uFXVuXml1FvXw6yfngXWMboEfqpZNSmnLuxpOc9Sx9IkC/zNq/QYwZ+QRG4TmU1Zb2cZfFY9wJD5ysX/AJSdP2wMyuPFFbh4xwRbM6yny+meUoEijtdYkA5kKAALDmQMYJJRg0DZc12fItA9bENaCAzoDcaho1LfqL7YpWgMXE8s2T1NSQI54kmU6OQZLi63+R6/PEUtVuzOtlV5KWWV5h3MNTE7kswWVfEpJ3sG5X88WVQTrDmEbyPErXdPiFjtf1tY/LFLVKyy3BHn5YipYpm2dT0VPmGU1kjTN+HeSlnYlmeNr+FzuQRZufkw5ab0rXfE08lA+UTCYQxGjFK0pj70xeFCWVL7k2AvvtfY8jfFUNVb4NpKWqbNqenkmnaoiHe1EgVFZ27weCMIumzEm5Bub/OcFZFGig3E+WSnhinaddMlJINrg3Qu0QFwSOTL/DiFUDey0Xg/hh07iomrJaoRxWpw6qojV1G5tu76QF1MeRPni1WqcsUrXsRRexFFxI9v1+QxYFrLnUq9DXLKoZG1KSQDYjceh3xuSMsNEaoUGIZM0OYbB46j6qrxXRGeiqYhzeJwPfSbffA0dIeR5hM6V70riN5Kemql1AEK3d2k2IIudBF7eWLKoIvw/wATzVZWmqaeNTPSd+jX1q4Nl8SEWF+ek3ty3xSl2gWb5qajh+EFAZZmWFQoCgNG5OwFlUaYzsLDfF8VOCsZ1HI7wCknIizWEx91IWKoFiF2X906NrAC5P0imtKpmEQZqLL2UpXQSLEJYyF/7exuytf80f5SLg6tt94qtH63gudYJKKmkjFJMQT3hYvFuNfd2BDarXsbWJPntFNdk0//AA/S/wD8aHYW/o16beWKtXlC/9k="/>
+          <p:cNvSpPr>
+            <a:spLocks noChangeAspect="1" noChangeArrowheads="1"/>
+          </p:cNvSpPr>
+          <p:nvPr/>
+        </p:nvSpPr>
+        <p:spPr bwMode="auto">
+          <a:xfrm>
+            <a:off x="155575" y="-144463"/>
+            <a:ext cx="304800" cy="304801"/>
+          </a:xfrm>
+          <a:prstGeom prst="rect">
+            <a:avLst/>
+          </a:prstGeom>
+          <a:noFill/>
+        </p:spPr>
+        <p:txBody>
+          <a:bodyPr vert="horz" wrap="square" lIns="91440" tIns="45720" rIns="91440" bIns="45720" numCol="1" anchor="t" anchorCtr="0" compatLnSpc="1">
+            <a:prstTxWarp prst="textNoShape">
+              <a:avLst/>
+            </a:prstTxWarp>
+          </a:bodyPr>
+          <a:lstStyle/>
+          <a:p>
+            <a:endParaRPr lang="en-US"/>
+          </a:p>
+        </p:txBody>
+      </p:sp>
+      <p:sp>
+        <p:nvSpPr>
+          <p:cNvPr id="60422" name="AutoShape 6" descr="data:image/jpeg;base64,/9j/4AAQSkZJRgABAQAAAQABAAD/2wCEAAkGBxQTEhUUExQWFhUVGSAYGRgYGSAcIBsgHx4dHiAkHCAdHyghIB8lIB8eITEiJSorLy4uIB8zODMsNygtLisBCgoKDg0OGxAQGzcmICQsLCwvLC80LC80LCw0LCwsLCwvLCwsLC8sLCwsLCwsLCwsLCwsLCwsLCwsLCwsLCwsLP/AABEIALcBEwMBEQACEQEDEQH/xAAcAAACAwEBAQEAAAAAAAAAAAAFBgMEBwIAAQj/xABHEAACAQIEAwYEAwQJBAAFBQABAgMEEQAFEiEGMUEHEyJRYXEygZGhFEKxI1KSojNicoLBwtHh8BUkQ7IWF1Pi8Qg0VGPS/8QAGgEAAgMBAQAAAAAAAAAAAAAAAwQAAQIFBv/EADkRAAEEAAQCCAYCAgICAgMAAAEAAgMRBBIhMUFRBRMiYXGBofAykbHB0eEUI0LxBlIVclNiJDND/9oADAMBAAIRAxEAPwDTZs+nG/dRgfulzf5kLYH646DcIw/5ei4cnS0rDeQV46/RDZuJao/AieyqzfU3/wABhgYGADtO+gSDum8W8/1xivAn1Xyg47IbTUR26Fkvt7qd/oflgcnR2lxn5/lMYbp2zlnbXePx78E5wyq6hlIZWFwRuDjmEFpor0LXNe2xqCsl4t/7XOEm5KzRy/I+FvrZvrjqwf2Yct8QuLif6sWHeB+xTb2p5eZaMMoJaORW2FzY+H9SPphXBPyyUeITvSMeaGxwP6VTKMslqMmNO6MsgBChwVJ0trT4unJb41I9rMTnB092sRRukwmQjX3SI8EcOSU9NJBU926yMW0glhYgAg3AHTpgeJma94czgi4PDujjLJNbUTdm9EW1WkA/cD7fcavvjX86WqWP/GwXeqY6PKYYkREiULHfRcX03NzYm53PPzws6RziSTunGQsaA0DZXcYREsV+fTmZ4YY1uhtuCxOwN7AgDmPPp52w2yBmQOcUjLipA8sY3b3t+0t1mfStfVM/sDot/BY/XDLYYxsEm6eZ27q8NP36q5wXmQ/FaL7SIevNhYj32DYFiWjJYGyNg3ESUTuivadQ97l09ucYEo9NBBP8urCsJp4TuJbmjIWKcOcNz1rssAXwAFizBQL7D1PI8gfuMPPkDN1y4oXSfCrWYcOfgaqOOvDGJt9UJ2YddJZfynmLX+oOMiTM22brZh6t4Em3cnHtE4LpKai76nQqyOuptbNdW23uSOZXlgMUrnPopnEYdjY8zQmfhWnioMsSWRArLEZZDpAYk3axPO+4UD2GBPJe/RMQtEcYJ8SscyjOGSujqmNj3/eP7M13+xOHHM7GXuXNZJ/bn71+jMzqTHEzDnsB7kgfa98IxMzvAK6WJlMURePfBAo4WlRnmmYRrz9fPYbfY4bcWxuDWN1K5UYlnYXySENHvh+1xlskM0U8FNJrOjUNSlQGNwL3ANgVXp1xUhe17XvFLcDYpIpIYXXpeumvsBd1bpA8dLJEO4mj7tpbW1OfMjl/qRbljLc0gMgOoN13Ij+rhc3Dub2XCs3M+/UqPJYGoY0ibcNVaAf3lZfCf0+eJKRO4uH/AFtVh2nBsDHcX15EaL5RZDLDXyVLSAQtqYkncg9D6A/oMW6Zj4RGBqqiwcsWLdMXdk3/AK8vsups1jqFs0s0BUn+juNQvtuATy9uvPEbC6M6AHxVvxLJ20XlnhxHyXGVUKSVayxIVSFSCxJJdiCNyeZsb+ewvzGLke5sRa46n0WYIWSYkSMGjRueJ29+vBE+M6HvqGojtc92WA9V8Q+4GFoXZZAV052Zo3DuWFwUcIUM78xe1wP98dUuddALjtjZQJKO8MEpNHLTU0suhr3RCRbkfEdhcXGBS6tIcaRoi0OBY200ZpkNfWzGXuIqYEAESSazt18A52tsfLAGyRRtq7TL2SyOsNrx/SbuEMiNHT9y0neHUzXAsBq6AXO3+pwtNIJHWAmIIzG3KSjeBIyT8/73v30307W/hGMHddfC9X1Qzb/tFaSjV5Dq3Ci9vP8A2/2x0JJSxui8dBhmSynPsOCpZhn0sb6UiAVTaxU3I+Ww/wCc8Giwkb2252pSuJ6VxEMmSOPsg8jr8tvVLnG2bQziMqhEo+IkW28j57/83wxg4ZIiQTolOk8XDiQ1zGkO42K05d6tdm2aEO9Ox8JGtPQjmB73v8j54F0jEKEg8E50HiTZhO24+6bsz4fp6h1eaIOyCwuTa3Plex+eOcyZ7BTTS7skEchBcLpEgLYEjL7iKKlnGbQ0sTTVDiONbXY32vsOQJ3OIrAtWopQyhlN1YAg+YPLEVIbDxLSPP8Ah1qYWm3HdiRS1xzFr8x5c8RXRWYdpXHZqaWZaBasCnlUNVR+GIkbFSytcruOYsTp6EHE71NjSPVGYB6yinDMkddEhup0m7La1/nGMORaxHu9/lc6Y5MQ3hm09+ilmjSmgrHWFHmpZvCXu3hbSVJ33srn+G+LBL3NBOhCy4CNj3AWWnj771TzqrVKjLa5FCLPp7y3IE2DfPSzD+7jTAS18Z4IcpqSKVooHf35rQFdaiFwVYK4aMh1seqnbyOEAV1TRX5zyrMZqGp1obSRMUYdGsbMreht+h5jHTc0PauMx7on6cFs8NRSZxSWYXH5lvZ4m8wf0PIj5jCXajcup2J2e9ExGjRo+6ZQ6WCkOAwIFrXvseWB3raLQIooVBWUmZ07oriWJtnXdWFjcXBsw3AIPpjVOYVnsStrcLHOO+GFopQqSiRHBIBI1ra2zge+x2vvttu5FJnC5mIg6o6bFbfwvVipoYHbfvIlDe4Fm/mBwk62P04LotqSPXYhL9FFPHUTI1X3ABGgMgYOu9jvYcrXtvf2w+9zHsa7Jf2XDhZNFM9nWZANrF2Oete/BGTnSIY7nvXAIaRVtsegF+ptsD0wv1DnA1oORXQ/lMYW2cx4kBBqWZzFJCVEkT30azcpc7b73tzwy5gDg8aEeqRZITG6NwzNO18P9Itm8RMUKs4ZkIJYb7jkf8Sfc7YBFWZxqgU3ibLGNJsjW11V0i1MqlTtbxkWNrX+V+Q+vliNeYmaq5IxiJBW3FEYcmhUAd2pt1IuT7nrgBmeTumm4SForKr0aBQAoAA5ACwwMknUpgAAUF9IxStCaLhmjhN46aJT56QSPYncfLBHTSO3KE2CNuzVLW57TQyJDLPGkj20ozAE3Nht6kWGMhjiLARMwGloXn3GcNLJJEysXjWOQ3sAUdwhZTvfRe5BA29jbbIi4WsOka3QqPizik0dVRowXuZy4lYg3W2hVN72ADOL3HLFxx52k8QqfJkcBzU8NbImaSQszGOWnWWMHkrI5VwPUhlJxmh1d96vMc9dyYio8sDRbS1V5j3Tro8UjfCi7lv9ut8dFsYe05thxXAfO6KQZNXHYc/fNUKjjaWNiklNpYcwXt/lxpvR7Xi2v08P2hydOPidkkiojv8A0i1JPHmFM/eR6dyu+9jYG6mw88Aex2FlFFPQTRdI4clza3HgeYKQcjkanmSa2ynxf2Tsfsb46+Ij6yMtXlMBiupna/h9lq9ZIyxuyAMwUlVJtcgbC/S5x5xe/S92ecTnMaJahlCOWZWVTcKQduf9UqfniKJIoePBl1LUgtU1r01X3UrTsEKhtYuti5KXjYC9rk9BsIrrmoOJeIK6oE2XV9PCn4umaam7okkNGDKqsxNmP7OxIA3tzB2hUtLPD3EZd6eWrMkcYpGpaOYn9ksyKU7x/Jt7aumxOwuIp3KLIKcMtPDP+ISWllDJT01FeTVqvraYncHmemw52BxazY4EfdOFHwXmcEdXl0KwNR1TswqHbeNWAU+AG5bSBYWtqF777VSl9yI5lwlVQ5ZRxraaopH2MYPwkkiwNidNkHsL4Zwz2tcQ7YhJY2NzmhzRqCuWybN6ppmYRU4qFCyC4swUEDYa2GxI5jBs8DABvXvuS5jxUhJ0F6H3qrdF2XXCioqndV5IgsB52LE/YDGXYz/q1bb0cSAHusclowwkumvzx2l0Pc5jOLWDkSD11gE/zasdCA2wLkYluWU96A5bmUsDiSF2jcdVP2I5Eeh2wRzQ4UUNj3MNtKam7Tq8rp1Rg/vCMX+/h+2Bfx2Jj+bJyHvzSekpU3DEHzBtz54MQCKSoc4GwVfy3IKmf+hp5XB/MEOn+L4fvii5rdyrax7tha3Hs0y2opqIQ1KaGV2KjUG8LWbfSSAdRbbCEzg51hdXDtc1lOCZKujSQAOoa3LzHseYxhr3N2K3JEyQU4Wo6XLYozdEAPmSSfkSSRjTpXu3KzHh44zbR7813NRI25UX/eAsfrig9w4q3QsduPNfIaQKQSSxHK9tvYKAL+vv54heSo2INN7++5TvIFFyQBz3NuXPGEVCc14lggSJyWkE/wDRCFDIZNtXh0gg7b88bbG5xI5LLngbr3EWdGmhSbRqUyRo9zp0K7BS3I7gkbbe+IxmY0o52UWl7iriCqhqJjEyiOkhjnaIoCZlZ2EniJuukLtbrzwSNjS0XxNeCG97gdOCG8dyN3lSA50yUqVcOpjYPTSaiFBNhdSDtzxuKqHjXzWZCbPhfyUfaPRyTyUc0CFxURlHTkXVStQqhrHSTpYBvP3xcBDbB4f6WJwSQRx/2rnGfCzZk8E0aMmundSX8DRts0YdT4rEl0IANtV8Zik6uwea1LH1hBHJFs04P/GCl/Ft/QwskioW8TuqC4YEGwK3sRvtcYw2XJeVbdHmq1eq+EaeZIFqA0xgQoGZipYEKDr0Ear6Rz25+eMiUgnLxWjGHVaPKLC3lgaIs7qctko6lZL3XV+zdtxa1tDHobbeo5eWO3HKzERFp34/lePxGFnwWKErNRehP0Plp9EzzNBPpaWAlh/zmCLj3wkGyxWGO0XXe/DYqnSx6j3veo8VJNcp3UaiNCOQsDbr7euMtoOzvNlbkzPj6qJuVv2+yCyZYkjCGOzEkd4RuEW9zqPLURsBz3vyGGjiHBuc+XeVzmdHMLxG3U8e4d/jwCdMclenWM8NVtdltRX0tPl0tSrVLSRsLxxqDyu5XSfDo2v0OJqpYVybs8qqqSteXuoEr4YmZNWoxzoY2Ow8JUMJN9W+rEUtN7cEJIcveaV2moFCh0sokNkB1ghjY6eQPU74ipXsq4Po6eAUyQIYQ/eBJLyjX+8O81WO3TEUpG0QAAAAACwA2AHpiK19ZrbnbEUQXMOLaOElZJ01LzVbsR6eEHf0wZuHkdqAgPxMTPichR47Eh001LPMdWm5ARb2va5vbbfcDbGzhw0W9wHqg/zA41G0n0HzQ2biWtYgtJS0oYlY0e7l7G178tN/zbYvLEPhBdW9cP2sdfMd6byvij3CebvM80c66KiIgOoPhIPJlv0P2+eBysaAHMNtKYgmLyWvFOG6V+1XhGeqngkpotZKFHOpVC6Tdb6iOepuXljcEgaCChYqFzyC0IHl3ZDUtvNNFGPJQXP+Ufc4IcS0bBBbgnnc0mnLuyajTeVpZT5FtK/RQD/NgRxLjsmG4Ng31TRlvDFHBbuqaJSPzaQW/ia7ffAnSOO5Rmwxt2CL4wioTxNmLQQ6k+JmVATyUsbAnp6C+1yuNNFlS2j4tkEy/iBwps5mj6uVGtPM6FAuh6DmOe42U5g5pY4lpdpt79/pGhRa1DgrJcXBLM2of1WDBRfzVbYHnrREyk6+/fkrmWuSpBJIU2BPMgqGF/UXtf0xh621DMlzKRqutp5DfumRo9gP2cibcudmVhc405oDQQqa63EFB+MKN5KTv4xeoo2ci+5ZbFJVJt+ZN9uoGCMID6OxQnWW5huFQrMveXJaBohIzwinkAhJEhFgjaCNwdDMb+l8aDgJXXxtU4ExDy2RrOcvmq8t7iOLu2kHdlal7sqrcBiya9T7K2567m+BtIbJZPyRHguZQHzVnPeEkqtJeWRH7owyNHYGSNrala4OxIuPK5xTJS3h3q3R5tb12RHMMipp1RZoY5BH8AdQ2nkNr9Nht1sMZa9zdirLGncIgosLDYDGFtfcRRexFF7EUXsRRLc/GNEbqz6lOx8DEH5Eb4gdRsLoHojEubRb5WF9y2noZv6ByOpVJZI7f3AwsPlg/wDJedzfiAVy5uiBCe00t8CQPQ0iK5DTdYUb1caz9Wufviv5Ev8A2+Wn0QRgoOLAfHU/M2VPLJFTRFjpiiQXNhYD5D9BzxjtSO5lGAZEzSgAgCce09wWjqEiY2EzRWjPzve3ywc4R/MXyvVLjHRk8a51omrCqcUNVVxxjVI6oPNmCj6nFhpdoAqLg0WSl+t46o02WQyt0WJS177Cx+Hn64O3CyHUih3pZ+Nhbpdnu1VGo41lYrFDRyrO/wAPfjSukc2Jvc28tufPob6mMAvc8UOWqGcW4kNaw2eenmhj19fPqP4yFUUop/DANcs4U3LeJSAb+R+uLLoWUMhs38WmwtYLsQ//ADAAr4ddz37IBDC09ZNTVMkk6wJL3etze6nYmx3P/OQww+TJC2Rgoki0q1pkmdFISQLpT1k/4ZqSCGGN45ERyxTU0rE72bmCNiLcrjpgbG9cHyPcQQSN9vJae7qSyNjQQQD4+aucUB0hzD4lDTRtflqVlUG3mLgj5EYFhcrnxeB+eqNiszWS+IVdsxVY445JFo6mBBE5eDWxVeRjbewPPbnfY23JDC7O4huZpNijQ8whiVuQAnK5oo2LPkjvZ3SOaieoHetC6hUkn+NyDe4/qf7eRxWIIEbWGgeQ2H7RcGCZHPFkHidz+k45zmS08LSsrNawCoLsxYhVAHmSQMIudlFrrwQmV4YDXeeHEpcp+I6mo19yKWPux4wZDPIvvHEOfpfntzwISPdtX1+iedhYYqz5je2mUHzP4Sll+a5hXySKs04jCuFeNO6XWougYgXXVtcFri4wEGR5Oq6EsWFwzWnKL0sE3px91Sf+CZ5WpVFQytMhKuQ6ufMBipI1aSL7+vXDMROXXdcfHCMTEximnbSvl3Wj2CJRR1ESurK4DKwswIuCOtwemLBrZUQCNUg1eQywt3kAZkBtZfE6DYkEbl0G69WFgd+Yc68FpB3rRc84angt2vVGOHqsJLJTr3niXvV1oygEnS/NQB+VtI6ljzOE2l7hmkHFdAiNhyxm0x0aAAkcmNx7AAD7AHFuVNQqv4aSWqWp72aNwqoVjfQrhWLDXYXIueV7EY0JKblpUWW7NaMRwqt7C2o3PqcYJJWgAF2osLDYDFK19xFF7EUXsRRco4PIg+xxZBCoEHZL2b8Z08DFPFIw2IQCwPkSSBf2vhqLBSSC9h3rnYjpSCF2Xc9yJ5JnEdVHrjJ2NiDsVPrgM0LonZXJrDYmPEMzsQKn4wY5u+XPCFCxd4kmu5fZT8OkWG79T8OBJhNuIognDeaw1EXhVUZNnjsBp/8At9cUCnsZhpYX6mwdjz/aX56Ba2pJpQIkhBvMgtqk6Wta9vMdL+YxW+y6DZnYWACftF3+J4D373R3hnN3k1wTi08Ozf1h0Yf86g9bCwUhjcM1lSxfA7bu7kL7RJw4p6ZVZ3klVyire6KfFf03+xw5hRWZ/Ieq4WNcCGs3sjTuQHirLa2WrkQyBaYESWkcd2qIBuyjkL3FiN7HyuDwvibGDXa277S2IZO+Utvs767UOasmSsqGp1NYr00khRpaXwMG0khW225be+/TGajYCcvaHAohM0haM3ZJ3alnLqYTrXmctLJBCe7Z2JK6SR54Ze7Jky6AnVJxt6zrM+paNLRzN8zkhqqaKliTS0aSmNQF7xirDc22so26A3O+Fura+JxkPdfJMvldHKxkTeANc19QQwFZ5e/h74PTlJm1lQw1a15tpDCxv5391znktjKNU6xpfdyROxGQ91i7brw71RyWmjp4qvup1mcRCTwA6QEa4uepJ6Dlb1wWdzpXx5m0LrXfVBgY2Jj8rsxq9O5XcqaWok/E0dFZ5L95JM/gPQhOXMjmPL1OI+IMZ1cr9BsBv5rcbzI7rIo9TuTt5IrRcJ13d929VHFGxPgjTVoUn4UZrECxt6euMOfBmzZbPM8e8orYMRlylwA7uHcERp+AaYEGV5pyLW72QkbctgBcehxX8pw+EAeARBgmf5EnxKaJIVa11BtyuL2wuCQmy0HcLwmW+nUL+V9/pilqivTpqUg9R9MUVGmjaw/JcjrKKujJRgkTeOUf0ZiHxktytp3sd722wmxjmOXqZ8TDiICL1PDjfBBKniNlrHqICVXvzMqEnSd/zKCPiHPrvzxVnNYRxh2mERv3qr4/PuTr2JZneSph2GoCVVGwFiVa3pugwaDSwuZ0zH2WP5afj7rRM5rZUeGKLQGmLDW4JA0rqtYEEki/UcjhtjQbJXnnuIoDiu8lzEyq6yALLEdMijl5hlv+VhuPmOmI9uXbZRjsw1XRqe6dg6tpY6lZVLDfmDpBIN7nyscTLmGimbKdVKrmT8pVOuoWLegHMDzvY+nXFVlV3mVvGVpexFEAkpatq4PrC0yj4Qefh3BHU6uvlhoOhEFV2lzyzEnFB1/1j10+t+iMfjI9Zj1rrA1Fbi4HmR5YXyOrNWid6xmbLeu9IMnGVKZe7Dnr47eHYEnf5eWGDg5Q3NXkkh0nhi/IHefBCqLjvvapIljtG7aAxPi32BtyG/T74O/AZYy4nUJSPpgSThgb2Saviq2Z1ctfVtSxuY4Y76yPzadiT5i+wHLrjcbG4eISuFk7IU8smNxBw7DTRv38/wAV5obkMEkIrZoWJiRGjV/3jq2YdNhvf19cGnc15jY4akg0lcIx8QmkjPZAIB5m9D5bor2ewQimnlkCncq5bogUH6G5/wCDAMc5/WNa3y8U30QyIQPe/wAD4Uuey2I/t2/KdIHuNR+wI+uL6SI7I46qugmntu4afdAu1SoFDmuXZib6AGjkI8lv99Mr++nHLXoVf/8Am/Gd48vr3Q8mEQsfoxH3xNVXZ5rnP8tnIerkRIA1gYw1mYHnfoSdrjra9rjfBHFenwk8ILcOwl1ca0Hv2UfyriId2qUdHIyqLdFUHmRqN7n1O554u+S58+COcuxEoBPmfkqhqJxmNPJLCITIDHYOG1AA87eRK/QYnFFyRHByMjfmqjtVe9VN2l0gEK1Ss6SQEAFWtdXYAg/888PYN1uyHYrymObTRIDRH3QLPayJKzMYJyyRVCxftVUtoZUUrqA6E3+nzBo2uMbHN1IvRLyvaJZGO0DgNeWigyNzHGIMuJqpO9E0kmkpGoUbLdurWtf1xqQZjml7Iqu9Zh7DckPaN2eXsotSZdWM8jU9FBTCW/eiocyCQtz2F7KLnawBv8sCc+OhmeTW1aUjNZLZMcYF75tbVql4CMjB62bvWWNY0EY0BApuCCNyRvzHU89rZdi6FRitbN8VtuBLjmlN0KFaUi2WcG0sLa9LSva2qZtZt7Hb7YC7EvcKGg7tEZmEjacx1PfqquZ8IHvhNRyrSsU7t1ESlWF73tyB/wBBy3voTNc3LKM2t7rD8KQ/NCculHQIpw/lS0VMIzJqCamZ2so3JJPoB74HNL1jsyPh4eqYGboFmPaLCi6oopJQeTbIp9id7fLA4/7A8t/x3RZXCKZkUmhcgcvaBVSfAkUQ+bn72H2wsZTwTww7RulniDO6mRW1VMjbHwhtA+iWxnOSiiMAaBZtQ1smvvA7K6kEFdje/mN/nhnKKKS652YXxX6X7N89asoI5ZDeQFo5D5lTa59Stm+eINQsvFOWZ1GaDKauaJS1QxJUxk6UVSdSKLhmZtJHIAb23wpeR1L0YZ/Kia86Dnxvj3KTMeEvxsC1FFSSwSa9LwsNCkEfEhawsPSw57eeshOoCwzGiF2SR4cOe/0TF2b8A1NJU/iJ2RRoK6FJYm9viNrAC19icEjjINlJ47HxzR5GDjuU55yddRSxjmrNOx8lRSv3ZwPrhpnwk+S4j9wPNVJaow1rP3criSFR+zQturtzPIbHqRjeW20sZsr1ZmzaqsStKFAF/wBrKFJHsgYD5nGQxvNaMh4NRXLqsTRRyqCBIocA8xcX3wNwo0iNNi0B4g4wjppVi0lzt3hBtpB+W5tvbbphuDBulbmuuXeubi+lI8PIGVfPu/ao8fZnUIiGElYWteRSLkm5AFjcCwvfrfBcDFG4nPvyS/S2InY0dXo08Rz5c0vSVdT39FJNJfVoK2J+HVbxDzYbnzBw2GRZJGtHP35LnmXEdbC+R29V4Xx8eK5zvKmSvSIysxmK6n5E94dLbeXPby2xIZQ6AuA2vTwWcVh3MxYYXEl1Wdt9D5dy6zzJooswihVSI3MdwSTsWsdz52OJDM58BedxavFYWOLGNjaOycv1oq1xq4gzCKQLsojew2vpY8vktsYwgL8OW+IReki2LGMdW2U/I/pUpMrqxI8sMMvdzFtuRKM17MFNxfbywQSwloa9wsfVBMGJD3SRtOV1+YvY1smShyWqqFVKjTT06/8Ahi2Le+5sPcn264TfPFGSWdp3MrpRYXEztDZewwf4jj9VzH2fKGI/EP3THdALE25XN7G3npxZ6RJHw6+/e6yOhACR1hynh709E25dQpBGI410qP8Alz5nCEkjpHZnLsQwshYGMFBSy06sQWVWKm4uAbH0vyxhFpcPVxg2LoCOhYDEUpK+U5U1Y4qqoXQ7xRdAvQkdb/fmdrDGQL1K7GIxDcK3qIN/8ncb9/LxXNOv4Cu0cqeq+HyV/L6m3sV8sTYq3n+Zhc3+bN+8e/oeasTt+IzOMLulKhLH+s21v0+h8sXxQ2jqcE4nd5FeA4++5Hs2y2OoiaGUXR+djY7EEEHzBAOCMeWOzNXGljbI0tdsVUyThyClD90pvJbWzEsWt539+mNSTPkq+CxFh2R3XHmiRKov5VUewAwInmjtbwaEBzDjmgh+KpRj5R3k/wDQED54GZWDin4ujMVJsw+en1S1W9rUF9MMLt/WkYIv21H7YGZ+QXQj6AlOsjgPDX8Kak4pnn3Wqp4h0CxGT6lpBf5AYyJXHjS0/o2KIfAXeYH2P1TJkmdM8hglKGTTrV47hZFBAPhJJVlJFxc8wQeYBmPs0VzMThcjesbdXRB3B8eIPPT8j+1Uv/0upKGxAUt/Z1rq/lvjTtktCe2FmX/U43okXWoYGwW+56iw58jgXRzsmKe13wuG/iKPqjf8lgc8xTxCzofoR90HjrRGoafWgY2RdPjkO3wBrDSLi7nbcWudsRsJc6kSXEsa2x7/AGuc4ro0IV1kQMAQ6ustr/vJpQ/Q/XBX4cN2KUi6Qzmqr34p34Z7NKCWJZxNJMGF/DpQb7/lGofxYqhS1nN6UPAfm02cC0MVLJUU0S6E8Mqi5O5Gljckn8q4tpWHhNvcrq1aRqtbVYXt788aWL4KpnObJTR95JqIJCgKLkk3/wBOuNNaXGgsucGiylSr4+b/AMUAHrI/+Vb/AK4YGG5lCM/IIvwe7Tq1XKVMkn7OyggIqEiwuSdzdj8vLApez2QtR9rtFMeBIqF5+t4ZfDq/Zt4SbX2PXpgke6HJspsh/wD20G9/2Sb2tfwje2Mv+IrTPhCF8WcPJNA/doolBMgKgAseoNuZb9bYawuJcx4zHTb34LnY/AsliORva304nj80kUVZNWpBRW2Rrluukbb9PCCR67fPovYyAum5+/VcOOWXFtZheR37v0EwccZDNI8Bp0JCLoGkgabG45kW9/TCuDxDGtcHnfVdHpPByvewwjYV4clKvB80umeaciqDBr2BUAWsLC24te429+eM/wAxjbYxvZWx0ZLJUsj/AOy77u4cPT9pgzTIYqhkeQHXHazKbHY3t7X3wrHiHxgtbsV0J8HHM5r3bjiFdmo43ZXZEZl+FioJHsTywIPcBQOiO6JjnBzgCQu5ZlUXZgo9Tb9cYc4NFkogFmgqcudwKbGQfIE/oMKO6Qw7TRd9/omm4KdwsNV6OQMAVNwdwRhprg4BzToUs5paaO6xviTtQrUmlhRIou7dkvYu3hJF7sbdL/DhpsIIslJSYlwJAHv0Shm/EddJbv557OuoAkorKb2IVbKQbGxtbngoY0bBAdNIdz9kC29MbQl+jouNqO3xlbflKNt6bAj7451heqPRWKva++whec1rZiqxU0L2DBu+fwhbeXn+vpijqmsPE3AkvmeLqso1J9+ymbIcnWmj0g6mY6nc82bz9vT/AHxYC5mKxLp35joBoByCJYtLLOePeJqo1S0FDtKRdyCAxJGrSpY2Wy+InnuOVtwSPcTlau/0bgoBCcTiPh4b1yvTfXRK2bcCV3cyVFXMp7tC+l5GdjYXI32v7HAjE6rcujD0phesEULNzWgACSKeneQ6Y1Zza9lBY29hjK7D3tYLca8U/wBTwMauGjlokRA8F5SzG2tSL77m5JI8vD0wTISAW8lw2dKDDySMxBJp2nh6d3zQ3hrhZO7nnrJnp0glELBB4te17mx2Fx0PXlbfIAIJcarRMYrHvDmR4docXDNry9ERy/vaHOYIZZC6BtKsdtSyiw/mtf1XFtGSSkGZzMX0e6Roo7kciP19Vrub0QnglhYXEiMhB/rAjDa8kDRWe8P8JwSKjBpIlt8EelLHqNQXXzvsCOZwIFGcOKyntRh7rMGjFwkaKkYJJsoLdTuTe9ydzgrdkJwvRBYs0J0g7gjSwIFrX6e3T1wQvtC6pobotf7H63wSxr8F2KjyAK/5jJgUhHBbgBy6ppgn0ZhCekgaI/Mah91A+eBsOqM8dlOuCoKFcU0PfUsqD4tOpf7S+IfUi3zxuN2VwKxI22kLJL33HI746KST52a1V0mi/dYOPZh/qpwpiBqCmIDuE2VdbHELySIg82YL+uFwCdkckDdAc3zSOoieKBZJzIpQaFYJc7XLkBQBz54MxpbqdEF7g7Qaow9QtNThpmssSDWwBPIAE2Av9BgVFzqHFFsNbZ4KhwxxTDXd73IYCIgHULXvexAvy2PPyxuWF0dZuKxFM2W8vBFaeijRmZEVWc3YgAE++Mukc4AE7K2QxsJc1oBO6sYwiJX4n47paJ+7fW8lrlEANr8tRJAF/Lny23wN0gboujhOjJsS3O2gOZSnP2ss4PdQKu9ruxb7C3646GAw7MQ0ucao7LmdNCTo6RrB2swu/Pb6fNLuacf1b3vPoHklk+43++D4/CRxwEs30XA/mYmU0PQJalz0lw5ZnYEG5JPI35nHAMLnggjdGhw2JztkO4IOp5eqKVnHp/8AHF83b/Af645sfQp/zf8AL39l7V/Sw/wb81p3ZFxA1XRv3ltcUrIbCwsQGHMn94j5Y7MELYYwxuw5rlTSmV5eeKzntWoO6zKQ28MoWW3uNJ+pU/XHQhNtXKxDaf4o9xRXa6PL6ijo4fGvdAmMzPF3TAoiHqLhwbjf54G0HMQSjPc3IHAWtG4bnjqaWCcqhMkalrAfFazDbyIIwJwokJhmrQaXs+z6kpXhWpYI076IyUJBa4G7BSF5jmRjKIHOrQqFeKVOZf8ATxGdSw9+0lxYC4AAHMnceWIsosM0hMvciaPvrX7vWuu39m9/tiK6O6Xs27QqSGnmqB3kqU8/4eXQtij8jcPp8IO1xfflfEUWf9qqPBmK1ETMpljVw6mxuAUNj/ZA+uFZBT163oZzZsIY3iwCRXdv9V7Npmq8jildi8lNOUdmNzZieZO/5k+mKOrATwPv7KQtEHSTmAUHtsD34FHMlqwGyepFgsiNSSbWueS/VwTjQNFh8knPGaxMJ3BDx9/QqnVa4cvmRLhstrtSgHmmrw39DrJ+WMHss/8AUozMsuKa520sdeda/RM0j2qK6ONEkaeCOrhjddSswBU7dd1Q+5wU7uA5WucBcUTnEgNcWEjgN/uUgcfLUg0dXO476VLhBH3fdaCrAHck7uedsBfm0J3Xc6N6kiWCMdkHe7u7F+i2+iqBJGkg5OoYexF8OA2F457SxxaeBpKeXnu6ieL92Qkez+Mf+1vlgLtCjjVoSv2o8KCptMoOoDpz+V9jyFwfIbjGg5YLVlsWTlfDpcn0TSfqXIX3AbBusFaBAMBLrJ05LVeAMu/DxEsACwAsOSgcgL79SbnmSThd5TLQpc+rbSwld2WVCo8zrG3z5Ypm60RoVqWGEqvXxFFms/B9SJ3ESKEDko7OALE3GwuduXLph0TNy6pQxOvQItQ8EsZu+qpQ53JVAVuSDvqBB2vfYDAnTiqaFsQm7cUx0mR08ZukKBv3iNTfxNc/fAjI48UURtHBWaytjhXVLIka+bsFH3xkNLjQWiQBZQxsypa2OWCKeOQujKQrAmxBF7c+vPBMr4yHEIeZkgLQbWa9j9YY62SFtu8jIt/WQ3/TVh7GNtgIXOwDqkLSjWR8WVVdmXdRuFpkZnOlRdo0NhckE+I6eVueBPgZHFmO/wB0dmIfJNlbt9lpeEU+vz12yQmLM5PKVEkB+Wg/dPvgRhBJK6sHS0kMIia0acT48klpMfM/W2DxOdECGGrSGLndi3AzUa20Gl/6Rug4Uq5U7xYGEYFzI9kUDz1ORt1uMQkndAFAaIPKQpNyCAdyu9wOo5X9MZVq3nOTyQvMNDtHE5XvdB0kXspvyGoEG1+uLUTx2A5lpq6iAn+liEg942sfmRJ9sRRHO3Sg2ppx0LRMfezL+j4PAdwlMWNAUh5HmuYd33FJJUd3c+GFb2J52ZVLL8iMEcxh1cgRzSAU1Tp2d5iQCKRt/NowfmC9/riZ2KCOXvW28b8Mx5hSSU72BPijc/kcX0n25g+YJGE10lnXZFJPNmlVJVAienp0pnvzuGAufMnuwb9efXEUPBLEmXCOlrqxQRXZfmRdpLm7IXAsf6pYk/I9CcTgpxRvMKZZJ86pl+CtpEr4R5lQHNvUuftiKKTiiX8XkuW1fNkXunPrbSxP9+P74BONivQf8flqV8fMX8v9qHgWZXosxpXZVDR94mogDUL9T6hMCb8Lguj0i0sxEMzRsaNcvdrrg/P6RaQwVjOphnFRDpBJJG+kEA23vzt8XPFtLctHnYUx2ExBn6yADtNLXX9ffJd1PHyLUVcsNPrSqRAyTWsGUFblRcMpHS4vis+pIG6pnRLjFGyR9FhOo5HXfSigubcV1FTVpUR/spEUJGsV9gL7et7npyxRfZvim4cBDDAYnagmzaKUPC+Y5jMr1PeqvJpJRpsvkim3ysLX54sMc86peTHYPBRlsNE8hrr3n92tvghCKqKLKoCgegFhhxeNc4uJJ4pL4yY09Sk5H7ORQjN0DAm1/K4Nh/ZwN44o0R0pV5eIodPiYW9TgOqLlQ5Yu9N4aaST1CEL/E1l++NgOWCWDiicXD9dILWihX+s2o/Rdvvi+r5rJlHAInknBKRSrNNI00i7rcaVU+YW5ufUnb3wRrQENzy5W+Pe8FBO0LsjourUpsbAgtuN/hvhiCusFpbEZhGS3dJnZbxLDDTzrUTKmmQOC53bWN7DmxupO3nhnFRFzhlCUwcwDDnPHinTJ+MqOpk7qGW7nkCrLqtz06gL7b254WfBIwWQm2YiN5ppSpxN2iSioamoog7KxQsQWLMOYRV8rczfkduuGIsKC3M8pabGEOyRiz74KlknaFVx1Sw1yAKzBWumhk1WsfIrvfly3B89PwrCzMwrEeMfnyyBBMyjauzhoZ5GVTM8Qt+VU1WCg7C9hv5m++CsIihzNHBBeDNPlceKh4uyg5XWxGB3IAWVGa17gkEEgAHl5cmti4X9cw5vBZmj/jyAtPeoM8DQ5k5gbT3j6kc8gJ1vf2AkIv0ti2U6IZvdKSWyc5eP3RDgTNxltXJFVR6NVo3Y847G4PqhvckdLEeucQzrWAtK1hZBC8teK+y22NwwBBBBFwRuCD5Y5S7CyD/9QmX+GkqB0ZoW/vDWv00P9cRRZ1wM8P4+m/EW7rvPFq5XsdOr016b9MWomTLYa2hze7CTxSkyyEHRJETdnZuVgl23+Ej0xSlpWq860VM8lKQiSSOU8CkhSxK21KSmxHKx6dMQKKDP85aoZGZ5GIjRW1sSNarpJAvbcAHpuTiKK72cZn3GaUj3sGk7tvaQFN/S7A/LEVr9O1lFHKAJY0kCnUA6hgCLgEAjnud/XFgkbLJaDulfM+Me5193DH3MTMmp5ViLsnxiFLEtp5dLnYYZZh81WdT3X80q/FBl0NB3141zTPTVyOitcDUAbEi4uL2O/MYXLSDSaBsWrOMq1nUNHJBxI7rG5hrKUa3CkqrrsNRAsu0dt+reuIpapcX8DVzVFY1C0Hc5iirOspIKMu2pbDqLm++7NtyOIpdcEUzXsvhnFHqnlRqWBadmQ2Msai1j5X8XyYjEU1RqLgqmShahQOITci7airE6rgnybe3v54y9ocKR8NO/DyiRu4Wb1HZRWB7K0LL0YsV+o0kj5Xwv1T16hvT2GLbIIPLT8ovl3ZB1nqfdY1/zN/8A5xoQHiUrL/yH/wCNnzP2H5TPl3ZvQRWJiMpHWRifsLL9sbELVzpemMXJ/lXhp67+qZaLL4oRaKNIx5IoX9BggaBsufJK+Q28k+Oqs4tDWY5r2psZDHSU/eb2VmuS1vJF3t5b/IYeZg9LeaSD8cAaYLWklVkTxLdWG6sOh6EH9MIlPqrR5LTxG8UESHzVFB+wxFDruo88z+npFDTyBL/CNyzewG59+QxtkbnmmhYkkbGLcaQTJe0KmqahII0lBe9mYKBsC37xPIeWDPwr2NzFAjxcb35QlrMeOK2qqWp8uQDSSA1lLMF2LXfwqvlt5edsGbh42NzSFAfipHvLIgoeH+K6r8U1BmB1CW8LXChkZhYbpYMDe3XmCD53JCzJ1kfDVVFiJM/Vy8dEq8IZJHNXLTVBZRd1IU2JZATa5Gw2OGJpC2PO1KQwh0mRyt8U5euWZkhi1aEMcyAm5tfcX67qw9jjMTjNEb7wiSsEEwrbQqenmFHnZZyAgnYljyCSg2JPkA4N/TFEdZh9OX0WgRHidef1Uva7PC9WjxSI57oB9BBsQTa5HWx5egxWDDgwgjirx1ZwQeC9xpl1RBUxV6obOI5ibEhZFC6g9uVyL72vc+RxIHNcwx+I8lWJa5kglHcfNRZtU1mcyxaKfSEBUEA6Rci5Zzt05e9gcWxrMODZWZHvxJGVqaOJ+ziSd6fupEVY4EhZmvc6NgQAN7j1HIYBFig0GxubTM2Dc8tynYUmfPeD4KwRGov3kYALp4S224Ox8N9/MdDubgjndHeXZMS4ZktF26LZRlkdNEsUQIReQLFrfNidvTlgT3l5sozGBjcoSv2w5d32VVFh4orTD+4QW/k1DGVpfmgPi1adcvzqTK5NMpaeQxaJKZm/Zxq4B0sTq8drXCrYXtc9KU8UO4lhpXgjq6RGiVpDDJCx1BHC6wUPPSR/hy5YipLBkxFdLlZipDKbMpDKfIjcffEVr9h5ZXCenjmS37WNXX+8oI/XFrKzaCkjlSniqYy0oqJ1fXIB+10rIyjRZbO4AG+3TmLdEuc0ksOlD5bei5Qa14aHjWzfjvw5qjBS1RUH/o8B94WX7FxghLP/AJD80IdYR/8AqHqtkxyV2lRzrN4qWIyztpQbeZJPIADck4y5waLKNBBJO/JGLKSpe1WNdLmkqBCxsJCAL+w+En01YD145LrjoN5tokbmHD3r6J9pKlZUWRDqR1DKfMEXGDg2LC4j2Fji1240U2LWV7EUQriLNxTRarXYmyj9ft/hhjDQdc6uCQ6RxwwkWerJNAITk3GEbALMxDHrpso+YYn5kDDM2BcNYxp46rnYPpyNwyzmj4UPqfnompTcXG4OOcu+DeoVPOcwSngkmkDFEF2Ci5ty23GNMaXOACp7g1pcVgXDOetRVBlhTXdWQK3kSLXt12Gwx15Y+sbRK4kM3VPzAWtCzLMc2qYaZ6ZGjMiN3qhVTSwcgbybgEWI3wm1kLXEOO3vgnnyTua0sG+/spUzOvzPLp42mmkLEawplLowB3BBNvTltfbDDWwytIaEs6SeFwLyuu0KqEmYxvISYXSFl3/8bWJt/NiYYVGQN9fmrxRDpQTtp8lrmX8OUkJUxU8SsvJtALD+8d/nfHOdK925XSbBG3UNWIVtI0GYyw981OO9ZO8BI0oxuL6SDYgrffHUBDogavRcggsmLbrXdHfwmVUrCWSrmqplIcCK1iQbg35c/wCvgWaZ4oNod/v7JjLDGczn2e7391R4qdqTN2liF/Gs6D94OATy6ElhjcQ6yGj4Ic5MU+YeKs1WWZhm86vJD3SgadRUoqrcnbUbud+n2GMh0UDaBtW5suJcCRQT/wATcBQVehizRyIoTWtjqA5ageZHnt+mE4sS6NOzYVsmvFVMn7NaSnYSSM0pXca7BB6kDn8yR6Y1JjHkclmLAMDuZTHPxHTIbGZfLw3b66b2xy3Y2BpovH1+i7DOj8S8WGHz0+quz1sabPIim17FgDbzt5YbDSdkkXAbqOqzWGP45UXxaeYve17W87b4sMcdgqc9rdyhM3GMOpVRZJGa9rIQNgtj4rHSdS7gHqemCCB1WUE4ll0LPv6IxldSZYkkOkd4ocBTcAEAjcgX97DA3CjSKx2ZodzXdfSrLFJE3wyIyN7MCD9jjK2vxxIjwyFTs8T2PoyG36jEWkxZ5xFTVb99NTSLOQNZimCpIQAASGjYjYW2+uIpSC5jmRkVUVBFElysaknc2uzMd2Y2AuegAAAxFKUFFRSzHTDHJK3lGhc/RQcXSouATdlPZVmc9v8At+5U/mmcLb3UXf8AlxKVZuS/RvDeVClpYKcNq7mNU1cr2FibdLnpilAhc3BcMkzPK7PG0jS9yQunWyhSSbajsARuLEYYGJcG0N9rSpwrXOJcdLuu+qUh4KoesNz5mRyfqWxX8mXn9Fr+LFy9T+Up5x2cSxRmamq53qEGrxNbXbnpI3B8rk35euOe6EgWCvUwdMRvfkmjAYe7bx9hCKmumzfLhGvjqqVwzqNjIhBXUBy1C+49D5gYySZG1xCabFH0disx0Y8UDyO9eHvgiJ42rUiVZ8qYrGBcsjqo09d0IW1r+mLMrgNW/X8Jf/xuGc8mOfU94vXz1TzwjxHHXQd7GCpB0uh30sADz6ixBBwdj8wtcfG4N+FkyO14g8wrGfTzRx95CU8PxB9gR6G43/1w3h2xvdlfeu1Li9ISYiKPrIa03B5eNhLlLx0f/JED6obfY/64df0aP8XfNcWH/kR//oz5H7H8oZxfnCVDRmMnSq9RYgk7j6AcsHwcDomnNvaR6XxzMU9hj2A9Tv8AQJew4uSm7hTNKhgIVDFE6qouATyLMbKOfQm17Y5+LhiFvO597Ddd/orGYlwELbIHIehJNAeRNbJ3qadZEZHUMrgqynkQdiMcgEg2F60gEUViXHNItDmavEoVB3cyKosBY2IHuUP1x1ICZIqPeFyJ2iKYEdxTb2scQTwpAsDlEmDMXXYm2mwB5j4r7b8sL4SJriS7gmsbM9gAbxWdZzBD3MUgqmnqJLGRSD4ARuCzE3YHbnvzw6wuzEZaCQkAyhxfZPomU8OyZhl1NNBZpoFaB0uBqVWOmxO1wDyPO/puDrRFK5rtjqjmJ00TXN3GinjyvPJ1ELu8cYGm7OibDbcp42+98VmwzTa1WLcMu3yCcc14Egqo4vxBYTpGqNLGba7C24YEEX9L+uFWYlzCcuyakwrZAM2/cuMr7NqGI3ZXmI/+q1x/CoCn5g4t2LkdtoqZgom6nVNqoFAAAAAsLbWA/wAMLWmqQCr44oI0lf8AFRuIbd4Iz3hW5C7hLm1yBfkCRiLVLqr4rjSso6VVLmsV3SRSNIVEL39bgbW88RUu+NINVI9vykN9Dv8AYk4R6SZmw7u7VdHop+TEt77CE5xDStA1u7UBNURUoDfTsAAdTXPO+FcSzDGE7AVYquW3M96cwr8UJhuTdOu9r35Dupcf/D7VndT6wqyQqknO9wsiMQOXiVyLnlbbHZwWJvDtJ3r8fcLgdI4P/wDKeBt/v7FWqrglXR/2x7yS9302A1GQvZVKnxGRzZmYDbywcYiiNNPf4SrsJYOup/d/XiUWy7h+KF3cDUXYNZgtkI1W0gAWPiO/P6YG6UkAIzIGtJPsKPOOKaOmBE1VDE1tgXGr+EG5+mB2j0UH7LOKXr6ISTMrTK7oxUWB0kEEDy0uuIqKS+MuxqaorJJ6aaJY5nMjLJqBRm3bTpBDAm5302vb1xYUsqfKuwiEb1FVLIfKJVjHtdtZP2xFLKccq7NMsg3WkRz5y3l/9yQPkBiWqrmi9VnVHSjS0sMQH5AQD8lG/wBsEZDI/wCEErDnsZuQEu5h2pUaf0YklP8AVXSPq9j9sNM6OlO+nvuS78dC3Y2lnMO1qdtoYI4/VyXP20j9cNM6MYPiN+n5Sz+kT/i35pZzDjSum+OpcDySyD+Sx+uGmYSFmzfnqlX4uZ3H5IDJMSSWJJPMk3OGAANkAucdSV+g63jSijh778RGwtcKjAs3oF5397W62x5EyNq7XtI+jsS+TJkI8dvn77kiVGUVHeR5rlakiYa2hOxBPxixtrQkdOu46EAyn42LstxEOR2DxZ+HQO+ngR+ii0vEGb1CGOOgEJYaS8h2F9iQGt/m9jjWeQ6UlRhej4nZny5u4fr9I/wDwuaCnKMwaR21uRyGwAAvzAtzwSJmQJLpLG/ypcwFAaBMcsYYFWAIOxB64KCQbC5r2Ne0tcLBWdcT5A0JaRVVYr2WzEnf33v9sdvDYkSANJ7S8X0l0a/DuMjQAzhqT9dbS7hxcheGIotE4DoSkBcixkNx/ZGw+98cbpCQOkDRwXsOgcOY4DIf8j6Db7pmwgu6kvtA4NeveFo3RNAZXLX3BsRaw3tv5c8NYecRA2k8VhzKRSMPwzFLSRU1T+17pVXXupuotcWNwbeu+BdcWvLm6WjGFrmBj9aXGU8GUVODogViwsTJ4yR5eK4A9sW/ESO3KpmGiZsEciiVRZQFA6AWH2wIkndGAA2XeKVr5fEUVbNIXeGVY2KOyMFYc1YggEeoO+IosBqMkaqyNszeeokrYyQS0h8KK3dlLdPB4yeZN78ziK7Npt4gyWkp6rKZ6eCNKaqvSyqigCRZ47Jrt8XMksdzYb7YnFZ2CF5bC2XZvFDVOTT0FPPNDJYs3cvsAwFySh1LsOnlbEVrYoqqKenWS4MM0YYE7Ao4vvflcHGXNDgQditMcWuDm7hJ9XxLkdH8U1OWHRbztf8Au6rH6YXjwcDPhaPr9U1JjcTJ8Tz9PQKMdo8k21BllZOPyu6iGM+ztfb6YaopPMOa+24gqOtHQqfeaQfrGcSlL5BfP/lq829dmVZUX5ord1Gf7i3+xGJopbuaMZR2d5bT27ujiJG+qQd4b+hkJt8sXazlHFH6SrhYmON4yUtdUIOm/K4HLFlrgLIUBGwVrGVpeJxFEkdrcLGh1oxASRS1iQCrXXe3Pcrh7o8jraPEJPHZhFYNUsmybJGnWRw6RpEVDltRPjJC2VFZjci3LHZkmDCBVk++K5McJeCboBF4uCZP2oJ1PE5UKvJwqq7WY7g6T+ZQLkC99sAOLbpXEfLgjDCHXu9ffgrknBsXfSKkkkgRypjVbEBo2liOvxEqVWxIQm+yqbjGBinZQSKsb+dHT9+K1/Fbmq77vKx7pT1eV0MGhGVAJSyO0jMZEV4g6MFBGnRISpOm/hseeMtkmfZHDltvR+Y13RDFEzQ8ee+2h+fcqtVnSsxaGv8Aw8Ztph7hv2YsPD4VINuVxz5402IgU5lnne6yZQfheAOVbeieZeEMqpJIjJGoMrlE712ZdQVn3DHTayn4uthzIx50RMC9U/pbFvbWevCh6hHJuKaREVxKGRkLK0StItl25oCoN9gCbk7C52wVc27Qqt7QIYw7CN2QBWRhsZARTkkKbEWFRGbNYmzcrb1aukU4V4iFYjOI2jsdlbmUbeNuQtqWxt05dMWq0RCuzBYt5AwX94KWHzte3zwWOF0mjd+SWnxTIBclgc6JHpdeaWs94ujKFIl1k/mZfCPkeZ9x9cPwYB4dmea8Fw8d05E5hZCLJ4kaDyO58kkJGWNgCSeg3Jx1CQBZXmAC40NSmvh/hBmIecaU56PzN7+Q+/tjn4jHNaMsep5rvdH9CPkIfOKby4n8fXwT0LKABtbkAOnsOmORqdV6zRooL4ZfQ/p+uJSmbuXM04VS17AAsT5Ac/ni2tJNLL5A1ubhqfIbofk2dx1AYoW8JAYMADvyO3TBpsO6IgO48kng8fHiQSy9N7ryOiJ96Om58hgFFPZxwQ+bPIFOlpowfK9/qRywYYeQiw0pR+Pga7K54vxXObZwkMPenxA7KFPxk+R8vX/huGB0j8g874LOLxrIIetOo4Ud/Pl78V/Lc/qppV0QL3ZYA+E2tfe7ctsOSYaGNht2vvguRh+ksXiJRkjGUnXQ7cddk5R8vr+uOYV6RuyDZVwpTwRTwqpaKpkeSRHNxeT4gBYWWwtbFLSL01OkaKiKFRAFVQLBQBYADoANsRRDc14bp52kd4x3kkDUxk3uI2vcDe3NicRRKdD2QUQVFqJKmqCABVllIVQOiqlrD0viKa800UPD9BRKXjgp4Ao3k0qpHu53+pxYBJoLJoCyvV/FdLFCJzKGjLaAyAtdrE229B1wVsEjnZa1Q34iNrcxOir5vxT3dJFUwwvMJiAqjYjUCd7BuVrbX3xpkGZ5Y41SzJiA2MPaLtGMoq2lhjkdDGzqCyMCCp6jcA88Be0NcQDaMx2ZoNUh9XxbRxyCJp11k6dKgtY3tYlQQN/O2CNgkcMwGiG7ERtOUnVZ/wAFsKTOJ4D4UbvFHlYftFP8AP1w9iP7MOHeH4XOw39WJczx/KaODeKJ6+eYhUSmj2BAOpiSdNyTb4QSQB5YWngbE0cym8PiHTPNDshJFE1ZX1L0M1S2kOxkJ/8A67iwAsNz05XsemF9ALXvZBhsHCMTGzWhXnr7+S03Nsmvlz0oJbTBoUnmSq+En1uBjUD8kjXd68biz1+d1fFZ+6xLhrPPw3fXV2WaPQQkhjYEMCCGAJHUfPHoJ4esruPivPwTdXd8eWiu1fGs7bKsYRdOgMO8KFV0hgz7l7Abm/IG2BtwjB48eHsIjsY47DT5+aHUsFZUH9ms8lwq3QNbwCyXI28I2BPLBXGKP4qH73Qm9a/a+HojmX9mddJ8SpEP67i/0TV97YXf0hC3bVGbgZXb6I6nZC1t6sA+kV/84wD/AMoP+vr+kf8A8af+3oj6cO1spWSeSHvQq+LxNup3so0qmtSwaxO5Fj4d+QupqqubcFSLD+zkkmkLoxUd2qHuxHpJDXNtUMd/FzZyBY6cRRNkHD1MhLCFCSSTqGrci22q9tgF26BRyAAilImTiK18DA8iDi6pUCDsqsuVQMbtDGT5lB/pggnkGgcfml3YLDuNujF+AU1PSRx/Aip/ZUD9MZc9zviNokcMUXwNA8AAu+8HmMZoreYc0J4hhnaI9w2ltQJ8Wk6befTffDOGdG1/9mor1XP6QjxL4v6DRvnWlc0p8WNIj00jOGYRjxA3GpTckfUY6GEyOD2gaX6FcDpXrWPhkc6zlGvCwdfsjjcXUzHTaQh/CTYWGrY9b4VGClAvTRdQ9M4VzsmuumwoX6pTy6tnppZEiF3JKEadW6k8h588dCSOOZoc7bdcDDTz4SV0cWp22vbkjtTWVn4KZp7i5UKSArWPxbC1hyG/mcKNjg69oZ3/AKXUknxwwUjptLIrgaO+3l80AoqQyRHTEmx8Urva3tdgBt6HDj3hr9XeQH6XJhhdJCckY73E1XqB9VNJD/2ezhxHNuBeyhl8yBzI/wCXxkO/u2qwiPYf4Wjryv4XpY7+9PnD8munhPTuwLcvh2P1xyMQMsjvFerwDg/Dxn/6j00Kj4p4jhoYDLLueSIObnyHkPM9PoCq94aF2MJhX4h+RnmeSxbM+NMxrpNETSKD8MVOCNvUr4j63NvQYWLnO39F6ePAYXDNzOrxd7pdLwvnCjvFjqB1usvi+gfViZXcj781X8zAnskj5fpFeGO0upppO6rg0iA2YstpI/fYavUHf16Y02UjdL4roqKVueDQ+h9/JbNTVCyIrowZHAZWHIg8iMMg2vNOaWktduFl/bJmaMYoEk8UZYyR2OxIUoSbW5X69cdPAMItxG+y4/SUgNNB23Cj72Gpyqojp6d4lgCTam3DsNnIO/5VPXr0xKcydpcbvT8KdiTDuawVWqu8JZhI2STiJyktPrsRzsLSbX8wWXGJ2NGJGbY/6RMPI44U5TqL/Kr5NxFO+TVbd47TRtp1EksFcrc357Avbyt6Y0+FoxDRWhWY8Q84ZxvUKbsrySkmp3eREklDkENvoFhpsOl9zq/0xWMlka6gaCmAhjezMRZQjtJgVcwjlD2jnVdTofK8b2P9m2C4QkxFvEf7QsaMs4deh4+hVrh3MKjKapqSWNpIXbUNC3JvYB0tuRYAFeltvXMrGYhmdpoj3S1C9+Gk6twsH3aLx8P1C5x+Kij/AGDHUWJC7OlmuCQ1772tjm3pS9r/ADYH9HdU53a4DXgbHpotExlcFIlP2WUgdmdpHBJIQEKoBOw2Grblzx0D0jLVBIjo+O7KYcv4WooLd3TxAjkWGpvq1zhZ+Jlfu4o7cPEzZqMgYAjrBs77cKvUyQ0sUJUlT3haRgQbdNIBv74i1QSvL2qZsST+LIv0EUVh7XQnEpXS2Ku7U4FH7KJ39WIQf4n7YfjwDnsz2NRYXOxOOEMjospLmkg+I0S83azIZBq7uOPe+kFmG22+/X0xw5nTuYeq3980XA4h8k7euZTNb35aevcjfA3H61VX+Hu51IzKzAAXW2w3vuLnl0xnBx4ppJmdY5ewutin4dwAiGqfq1mCsV3YKxUH94DbHSYASL5hcyYuDSW70a8eCTsj4usr/iXYsCChVRc3vcbC3lz8/THTnwWo6oeK85gemaa7+S7XhQ+Y2pEKTi+ORyoSTZWYG4udKliLDYbDAX4F7RdjcfhORdNRSOLQ07E+NC6rwCvZBm4qkZgpVkNipbUDttvb/lsBxEHUuAJu+KawGNGLjLgKI4Xfgh3B2dyTySJMQSo1LsBbexG3uMHxmHZG0OZ4JPojHy4h7mTakajSq4FAINYmq4SxJdZOvNlOofUAj54bdlLI3jhXrouTGXiaeEncO8yNfoD81Hl9MZ6SRFF2gYSKPNWFmA+gONSOEcwJ2cK/CHBG7EYN7W7sOYeB3A+Vr2T5rBCoLUweUH4i23O42IIBHoOmJNDJIdH0FMJjcPAwF0WZ443/ALr5Ixm+USyslXTAhnUOVuAQbcxewII/5vhaGdjAYZeGi6OLwU0zm4zDDVwBriDz9/dWckoatnY1ZJiZSpRmB1X5WAOx9dsYnkhAHVbjiEfBYfGueTij2CKonfwA29F9bgmEtfVKB+7t+tsUOkH1sFD0BAXXbq5afVHqTKo44+7VFCHmrDVq9WvzOFHzOc7MTr8l1ocHFHH1TWjLyOt+KtxRBRYWFhYACwA8gOmBF1phjA0UFg3aHXSV2aGFNwjinjHS97MT7ve58gPLCbzmd6L2PR8bcPhM7uIzH7eia8zqjlvdZdlkYerlF3kIBN7Hffa+xO/hUdDfGycvZbuufEwYvNicSaYNh7+2pKVsz4lzahqNM8zhxZtLaWVgfQbWNiNrHnyxjM8HddCLCYLER3G3TztNPG9JFmOVpmKIFmRQxt5BtLqT1Cm5BPkfM42+nNzrn4F78LizhyeyT/o+a67EM5Z45qZjcRWeP0DE6h7BrH+8cXCdwq6bgDXtlHHQ+W3vuR3tMyOOSjmmEa98mltdhqspAIvztpJ29MdLCSkSBt6LyuNha6MurVc9mswqMs7pt9JeFvY7/wDq9vli8WMk1juKmCcJIKPeEv8AZIrLLVU7qdJWzbG2pCVYX5XOr7YPjqLWvCW6PsOewoj2d8L1FO9SlRGO4lXRuVOvSSB4QTsVZueB4qdjw0tOoRMHh3xlweNCu6jspgLkpNKiH8uxsPIMenvf54gx7q1Cs9HNvRxATHT8IUixQxNH3qwBgneeL4jdrjkbn026YXOIkzEg1fJMjCxhoBF1zRrvFG1xt0H+2A0Sj2Avhm8gf0xeVS1z3jeg++JQU1XJ9ST8/wDTFqqXzQPIYllXlCkpHuN+YNsU4aqmnRfnPP8Agwz5/UUayLF3rNMjMCQdS96QACOpb+E4yFu9FWkyrI4mMctXXPJGSrtFGgQsDY6Qyk2v5k4lqa80Dp5FLL3hOi41HmQt97X8hjWY0G3oqd2nF53O55po7R+GkoJ4o4Wd0ljupYgksGIa2kDpp6dcUq2QfhGualzKldwyFZlVgwIIWTwG4O/wvfEVr9SSdD5H/b/HECy7msyipIY61o6gfsgzDmRbqpNt7Wt9cd0ve+AOj392vEMigixropx2bI/GyaIs2y+Hwx6RfwkqhOx82tcj64QMOKk1d9fsu43GdGQdllcrAP1S/BPNl0rjRqV9gTezWvpII678sOObHimjXULkskn6LlcMtg8eB5G/suMvyisYmoiUqxJ6hSb87A9PfFyTwD+t5+6zh8HjnE4iIUSfDfuPBMPDWQPE7SzHVIwPhve1+ZY+Z/1+SeKxLXtDGbLrdG9GvhkM02rjw333JPNEcmyFKdnMZa77eK3hHkPM+uAz4l0oAdwTmC6OjwrnGMnXnwCtnK4tWru4tXO/di//AOcC659VZrxTP8OHNmyNvnQVvuh1398DspjIOKr1ldDANUskcQ83YL+tsTUq6A1SzmXaZl8VwJTKR0iUt/MbL98bETzwQ3TxjilbMu2XmKel9mlf/Ko/zYIIDxKC7Ft4BaflNaJ4Ipl5Sorj+8Af8cAIo0mgbFrBhOKbO2eXZUq2LE9FZz4vax1YSHZdrzXsi3rsCAziweg2+yd82ielz+GpZS0VVpjVhuAxQR297hT7E+RwU9mS+a5cRbN0e6MHtMs+V2l/tvP/AH0Q6CAf+8mMy/F5JzoMf0O/9vsEep70vDhEos0iMFU8/wBq50/Y6vri6qLxSbv7uk+xwI9Bqg3YbTE1U8n5ViCH3ZgR/wChxIviKZ6ceBE1vM38h+1sVZTLLG8bi6upVh5gix+2GWuLSCF5hzQ4EHiqmS5JBSqUgTQGNzuTc+pYnG5JXSG3FDihZEKYERGBoq4ke3LmcWAqJUZY+f0H+uL0VaqrU1SIVDk3ble5HMC56AXYC588aFnZUaG6sDFLSiiqVZnVSCyEBh5Ei4v8jfEpSwh9bmpTT4QB36xPcgmzCysNJ2uxXZt7HljQbayXV816szxERmHitJ3IuQql+viPILvc+h54gYVC8KTJc1E6sQACjFTpbUp63VgBqUg8/cdMRzcqjHZkQpzZ2HnvjLtlBo4rI+12T8Fm+XZhvp+F7DojeL5lJSPljARBqse4iqUkqp5IL91JK7pqFiAzFrEC/K9sRaTdwfW5VHCzV0byTBzpUayGWwtsCE53HiOJazS0jP8AjkRZdDXU0IdXIQBzYxg6hvpv+ZQtgeo3xFSxLiTPZKyd55AquwA8AIGwsOZJva29+mItL9V8N5iKmkgn/wDrRI592UEj5G4xFndQ5xw/FUWLg6hsHUgG3rfY4ahxL4tBtyK5uM6NixJt415jfztVaPhCnQ3Ks5G/jbb6L/jgj8dK7Y14ftLw9CYZhsgu8T+PumDQfM/898JWuxlPNe7odd/fEsqZRxQzMeJKSn2lqIkI/LqGr+Eb/bFgE7KEtbvolXMe1uhT+iEsx81XSP57H7Y2IXFCOJjHG0rZj2xVDbQwRRjzclz9tI/XBBAOJQXYvkEIqc7zeqp5Kgyyinj+JkIjHMCw02Zue/PrfGssbTSwZJnAkbIdwbkC5hUGOSo0ORqF1LNIQCTY8hawuT8gemnuyDQLEbOtdqVDkHCNXVgmKLwqdLO5Cqp2uCTzt1sDizI0bqmwvcaAQ3M6FoJpIXKlo2KkodS3HkcW1wcLCy5ha7KVuvZHX97lsa3uYWaI/I6l/lZcKyinLoYc2wJa7YuE2LfjYVuLWmA5i2wf2tsfKwPmQlK2jmXp+h8aAOoefD8fhKHDOdVE1TQU8krPFFURsitY6bMOttVgNgL2GMtNkLpYmCKOKWRoolpv5LQOP+MIqaqEU1FFUhUWRGawKkk35q3kOVsbe8ZqItcfo/AvmhL2SFutHv8AULPOKOKqnM5UUrZQbRwx3O52v5s3S/0Aubjc4u3XZwuDiwbCb8SfegWydnvDP4GlCPbvZDrkI6Hoo9FG3vfzwxG3KNV5npDF/wAmXMNhoPfeuuPq6rhpi9GgZh8bWuyL5qvIn628j0zKXAdlTARwPlqY6cORPeffih3ZzxGZMueWeQsadn1uxuSoGsH18Jt8sVE/sWeCN0lhcmJDIx8VUPT6olkGdR1xE0Ep0qAHibZlJ6MvLexs1yDvbltbXB+oKBiMO7DdiRvgeB80fmHI/L64O1IlUsxr44U1yNpW9uRO/sATjTWlxoKnOAFlD6CpSt7wpqCKjRXIFyXAJIF+QAHPnc+WNOBZusWH7K1KrpLEO8ZgxIIIW1grHayg8wOpxQogq9QQhlTVpT1zGRlRJ4QbsbXeNrWHmdLD6Y0AXM04KiQ1+vEKvXUjTGpMIJWeJHRiCv7WMkD4rEX0pv5DyxYNVfD6LLhd1x+qsJkLGPuS/wCyFnS/9JE4OrnYq4vf4t+d74rPravIapF6KB1vrlL3tYaQoFvIDff1J6csYJHBEAI3U97Op89sTgVR0cEidvOVGbLRIoJaCVX2FzZrxn7sD8sDW7pYPHwxWsAVoqog8iIJCD/Li1rMOarUeWzysUihlkdTYqkbMQfIgDY++JSouAT/AJXwPnc1KKTu1hpr6rTFFudWre2px4t+QxKWbHJHcq7Bzsams91hT9Hc/wCXE0V2Vr+S5XHS08cEVxHEoVbm526k+Z54pVspJ8wjW12FyQoA33YgDl6nBBE4i6QjiIwavX5q1gaMs47V+KauieFadlRJVbxaAzalIv8AFcWsy9PPBomB26XnlcyqWXVmbV1THJLJNNJHHpEl3sq6yQt1BA3II2GDhrBpSUMkrgTaH0WVTS6e6idgxCgqpsSeQvyv88bLgN0MNJ2CNZdwPVSVX4VgkMukORI4+E35BbljsdhytvbGDI0C0RsDyapFV4QpIqeSqlqnnjp37qaOCPSe8uo0o8hAKgsLvax6WOMdaToBuijDAaud40m3hzK4qeslpohrp62jE8ay+JSQSNJ8xZrn0OBucSL4hGjYGnLwIVfL5WaPLquanSCs/FdzYJ3XeRkMHurctK3O/VTb4rYhNEtvRW0B1PqjaoxTUtLV5nFUVMQpqqNjZCZDeRm2CoDZlu1xzsU+U+JgoaqAZHmzQOqQ6mekFMIo4nM6ysfxF9KtH4tNkvsT4Tpttvv0wcZr7ko7qw08+a0HsKr7PUwE8wsqj2urfqmBTjYo2FduFrhGF04lGq7O6U1EdTDqgkjkWSyW0MVIO6nle1vCQMC6oXYXRZ0pMIzE/tAitd/n+VR4p7OPxtW1Q9SVUhVCLHuAB+8W87n4euKdFbrtFwvSn8eHq2s1539q+6OcM8G0tFvEl5LWMjm7fLoPkBjbWBqVxOOmxHxnTkNvfimHG0mlPjziiah7gxRLKJWZWBve4AKhbX3O/Q8sClkLKpdHAYOPEZs7qqlRhpIZqSoV6aSklqQZXgjZTJIqablFOw1fDYqpuTtvfGaBadKvgiF745mlrw8N0DiDQu9/Dfcrrs/z+gc/hqOCSJtJZtai502F2YMxJ3tvi4ns2aFOkMNiWjrZnA8NPsKCdZh4T9fpg43XJOyEcQUPf08kY3JF19xuPqRb54Iw5XArLxmbSC8J5VVU+u/dorgXDXc6gTyClQBY+Z5DBJXNchRsc1MK0xLB3cuRyFgAL7GwAvy8ycCvSgjVrZU7AczbbkTilZpcmUe/ti8pWc4X0ajyX64lAcVMx4BcVb92jSSyKiILsfIDFZgpTiuUqYhCalX7yMIZAwN7qBfb5YouKsN1QvK+LBUUE1VHGUaJXujb2ZU1jccwQVPzxlaShRZjnjxxujxyLIiuGKLezqGsbLba9vliaKrKbG7QKDvUiWbW8jqg0KSLsQBdrabXPO+CdU+rpY66O6tMdZMUQsBe2KjbmcAs4iQxxl44Jdq+ICBcsFHyH3OHxhWDUrhP6Tlcab6IXPnakAmQEE2BLCxPkN+eDsibwSMuJkcaNq/w4hmm1n4IeXq7C38qE/xjywvjHBjco4ro9EMMjjK7YaDxRymzdJKiSBdzGLs3S99wPUXF/e3MGyZicGB52K7LcSx0xhB1AtJ/bVQa6JJQN4ZQT/Za6n+Yri4TTlWJbbL5JY7MsxdqWtpoo4++WIzRHQGZ2BNtWq4OltAG218amGoKHhnCi2tfqusrlnmo6yhr5hBMwSeE1DLFa7EnkBpF15AbajtinBrSCNluNz3gg6HcLrOeIaIVdBViq7ySBe6m7qNjqCq41KTYWLEqN9w4YXAxGg0RSjy0Oa4uGm6E1HG1Mq1kcNI8kdZIZGE8gXSTvssYb8248Q6eWNCN5q+CwZohYFm0NfjOum7iOLQhgFohTxeIDQUtvqNtJ5CwvY22FtdUNSSh/wAhxoNCkg4KzSr0mSKZgBYNUyHwjyAkbUBy2AxeaNuyoiaTdMmW9jUpt31RGnpGpf7nSB9DjBnHALYwjjuU05d2UUEf9IJZj/Xew+iafvfGDM4orcKwbpryzJKen/oII477EogBPueZ+eBFxO6O1jW7BEMUtLiaVVUsxCqoJLE2AA3JJPIDzxFEJzzimlpI45JpRaX+jCAu0m1/AEBLCxBvy3HniKJG7SM8irsmeqoZmb8PLHJ4dSsCGC2ZTY7atW+2wOIrCh7TOO6uniopaV0SKshJ1lblSRGQQTsLBtr+R522nFQJmyuKejrIIJqmSqiqUfQ0oXXHLGNRsVA8DoW2N7aOe+IpZUMPDlb/ANX/ABrvEYfEgAZtQj0kKLabX1WY7874CGO6zMuo7FYf+H1ABzb8N/ny0TRR5LBFNLPHGFkmtrYdbenIE9bc+uCBoBsJB88j2NY46DZEMaQVUYFdrE+2CaFYutF8CueSge+J2VLcVHWMIo3klk0oilmI6AC55YrMOAUyk7lR5NVwVMYlhbWtyLm4II5hgbEH0I8sUXlQMCtV9ZHTxNLIQkaC7G3L5Dc+wxm1sBKXaPXh8vikilIilljJdCV8BBI35jfTiKKTiAvLkZZ7lzTRyP6kBHa/0OIq4LngyaJ8vSlLqJJYpJBGSNQjkeSxt5WOIVAl7grNkp8vj/EI3dV0siNKLaYzZYhr9DoO/ocWVAh2TdpL0cK0phSUwXj1iTZgrEAiwIta2998TdSwNCs2RypDKbFTcHyI3GOpuuKDWq/UdNMKinVxymjDD2db/wCOOaDkdfIrryNEkZbzH1We5XGs0svec0ACjyve5977fIYX6fc4yNYT2avzv/S5HQLGmNzyO1dIBxJlpKu8a3EVi5uBZTt1572wD/jszmyuivs1t3/6tM9KQhzQ8DUfRN+Z5l/0nL4YhvUSjnzsxsXa52Om4AH9noDjtNb/ACJS47BRz/4mHDR8X3QPgnMitZEOj3Q9b3B5+Z1WJOHsW0GEgcFwujHuGLDid7B9+K0LjGg7+hqY9rtExW/7wGpf5gMcVpogr1j25mkL82Uc0iuDE7o52DRuUbfpqUgi/vh4gHdctr3NNtTbQdmmYVB1uFXVuXml1FvXw6yfngXWMboEfqpZNSmnLuxpOc9Sx9IkC/zNq/QYwZ+QRG4TmU1Zb2cZfFY9wJD5ysX/AJSdP2wMyuPFFbh4xwRbM6yny+meUoEijtdYkA5kKAALDmQMYJJRg0DZc12fItA9bENaCAzoDcaho1LfqL7YpWgMXE8s2T1NSQI54kmU6OQZLi63+R6/PEUtVuzOtlV5KWWV5h3MNTE7kswWVfEpJ3sG5X88WVQTrDmEbyPErXdPiFjtf1tY/LFLVKyy3BHn5YipYpm2dT0VPmGU1kjTN+HeSlnYlmeNr+FzuQRZufkw5ab0rXfE08lA+UTCYQxGjFK0pj70xeFCWVL7k2AvvtfY8jfFUNVb4NpKWqbNqenkmnaoiHe1EgVFZ27weCMIumzEm5Bub/OcFZFGig3E+WSnhinaddMlJINrg3Qu0QFwSOTL/DiFUDey0Xg/hh07iomrJaoRxWpw6qojV1G5tu76QF1MeRPni1WqcsUrXsRRexFFxI9v1+QxYFrLnUq9DXLKoZG1KSQDYjceh3xuSMsNEaoUGIZM0OYbB46j6qrxXRGeiqYhzeJwPfSbffA0dIeR5hM6V70riN5Kemql1AEK3d2k2IIudBF7eWLKoIvw/wATzVZWmqaeNTPSd+jX1q4Nl8SEWF+ek3ty3xSl2gWb5qajh+EFAZZmWFQoCgNG5OwFlUaYzsLDfF8VOCsZ1HI7wCknIizWEx91IWKoFiF2X906NrAC5P0imtKpmEQZqLL2UpXQSLEJYyF/7exuytf80f5SLg6tt94qtH63gudYJKKmkjFJMQT3hYvFuNfd2BDarXsbWJPntFNdk0//AA/S/wD8aHYW/o16beWKtXlC/9k="/>
+          <p:cNvSpPr>
+            <a:spLocks noChangeAspect="1" noChangeArrowheads="1"/>
+          </p:cNvSpPr>
+          <p:nvPr/>
+        </p:nvSpPr>
+        <p:spPr bwMode="auto">
+          <a:xfrm>
+            <a:off x="155575" y="-144463"/>
+            <a:ext cx="304800" cy="304801"/>
+          </a:xfrm>
+          <a:prstGeom prst="rect">
+            <a:avLst/>
+          </a:prstGeom>
+          <a:noFill/>
+        </p:spPr>
+        <p:txBody>
+          <a:bodyPr vert="horz" wrap="square" lIns="91440" tIns="45720" rIns="91440" bIns="45720" numCol="1" anchor="t" anchorCtr="0" compatLnSpc="1">
+            <a:prstTxWarp prst="textNoShape">
+              <a:avLst/>
+            </a:prstTxWarp>
+          </a:bodyPr>
+          <a:lstStyle/>
+          <a:p>
+            <a:endParaRPr lang="en-US"/>
+          </a:p>
+        </p:txBody>
+      </p:sp>
+      <p:sp>
+        <p:nvSpPr>
+          <p:cNvPr id="60424" name="AutoShape 8" descr="data:image/jpeg;base64,/9j/4AAQSkZJRgABAQAAAQABAAD/2wCEAAkGBxQTEhUUExQWFhUVGSAYGRgYGSAcIBsgHx4dHiAkHCAdHyghIB8lIB8eITEiJSorLy4uIB8zODMsNygtLisBCgoKDg0OGxAQGzcmICQsLCwvLC80LC80LCw0LCwsLCwvLCwsLC8sLCwsLCwsLCwsLCwsLCwsLCwsLCwsLCwsLP/AABEIALcBEwMBEQACEQEDEQH/xAAcAAACAwEBAQEAAAAAAAAAAAAFBgMEBwIAAQj/xABHEAACAQIEAwYEAwQJBAAFBQABAgMEEQAFEiEGMUEHEyJRYXEygZGhFEKxI1KSojNicoLBwtHh8BUkQ7IWF1Pi8Qg0VGPS/8QAGgEAAgMBAQAAAAAAAAAAAAAAAwQAAQIFBv/EADkRAAEEAAQCCAYCAgICAgMAAAEAAgMRBBIhMUFRBRMiYXGBofAykbHB0eEUI0LxBlIVclNiJDND/9oADAMBAAIRAxEAPwDTZs+nG/dRgfulzf5kLYH646DcIw/5ei4cnS0rDeQV46/RDZuJao/AieyqzfU3/wABhgYGADtO+gSDum8W8/1xivAn1Xyg47IbTUR26Fkvt7qd/oflgcnR2lxn5/lMYbp2zlnbXePx78E5wyq6hlIZWFwRuDjmEFpor0LXNe2xqCsl4t/7XOEm5KzRy/I+FvrZvrjqwf2Yct8QuLif6sWHeB+xTb2p5eZaMMoJaORW2FzY+H9SPphXBPyyUeITvSMeaGxwP6VTKMslqMmNO6MsgBChwVJ0trT4unJb41I9rMTnB092sRRukwmQjX3SI8EcOSU9NJBU926yMW0glhYgAg3AHTpgeJma94czgi4PDujjLJNbUTdm9EW1WkA/cD7fcavvjX86WqWP/GwXeqY6PKYYkREiULHfRcX03NzYm53PPzws6RziSTunGQsaA0DZXcYREsV+fTmZ4YY1uhtuCxOwN7AgDmPPp52w2yBmQOcUjLipA8sY3b3t+0t1mfStfVM/sDot/BY/XDLYYxsEm6eZ27q8NP36q5wXmQ/FaL7SIevNhYj32DYFiWjJYGyNg3ESUTuivadQ97l09ucYEo9NBBP8urCsJp4TuJbmjIWKcOcNz1rssAXwAFizBQL7D1PI8gfuMPPkDN1y4oXSfCrWYcOfgaqOOvDGJt9UJ2YddJZfynmLX+oOMiTM22brZh6t4Em3cnHtE4LpKai76nQqyOuptbNdW23uSOZXlgMUrnPopnEYdjY8zQmfhWnioMsSWRArLEZZDpAYk3axPO+4UD2GBPJe/RMQtEcYJ8SscyjOGSujqmNj3/eP7M13+xOHHM7GXuXNZJ/bn71+jMzqTHEzDnsB7kgfa98IxMzvAK6WJlMURePfBAo4WlRnmmYRrz9fPYbfY4bcWxuDWN1K5UYlnYXySENHvh+1xlskM0U8FNJrOjUNSlQGNwL3ANgVXp1xUhe17XvFLcDYpIpIYXXpeumvsBd1bpA8dLJEO4mj7tpbW1OfMjl/qRbljLc0gMgOoN13Ij+rhc3Dub2XCs3M+/UqPJYGoY0ibcNVaAf3lZfCf0+eJKRO4uH/AFtVh2nBsDHcX15EaL5RZDLDXyVLSAQtqYkncg9D6A/oMW6Zj4RGBqqiwcsWLdMXdk3/AK8vsups1jqFs0s0BUn+juNQvtuATy9uvPEbC6M6AHxVvxLJ20XlnhxHyXGVUKSVayxIVSFSCxJJdiCNyeZsb+ewvzGLke5sRa46n0WYIWSYkSMGjRueJ29+vBE+M6HvqGojtc92WA9V8Q+4GFoXZZAV052Zo3DuWFwUcIUM78xe1wP98dUuddALjtjZQJKO8MEpNHLTU0suhr3RCRbkfEdhcXGBS6tIcaRoi0OBY200ZpkNfWzGXuIqYEAESSazt18A52tsfLAGyRRtq7TL2SyOsNrx/SbuEMiNHT9y0neHUzXAsBq6AXO3+pwtNIJHWAmIIzG3KSjeBIyT8/73v30307W/hGMHddfC9X1Qzb/tFaSjV5Dq3Ci9vP8A2/2x0JJSxui8dBhmSynPsOCpZhn0sb6UiAVTaxU3I+Ww/wCc8Giwkb2252pSuJ6VxEMmSOPsg8jr8tvVLnG2bQziMqhEo+IkW28j57/83wxg4ZIiQTolOk8XDiQ1zGkO42K05d6tdm2aEO9Ox8JGtPQjmB73v8j54F0jEKEg8E50HiTZhO24+6bsz4fp6h1eaIOyCwuTa3Plex+eOcyZ7BTTS7skEchBcLpEgLYEjL7iKKlnGbQ0sTTVDiONbXY32vsOQJ3OIrAtWopQyhlN1YAg+YPLEVIbDxLSPP8Ah1qYWm3HdiRS1xzFr8x5c8RXRWYdpXHZqaWZaBasCnlUNVR+GIkbFSytcruOYsTp6EHE71NjSPVGYB6yinDMkddEhup0m7La1/nGMORaxHu9/lc6Y5MQ3hm09+ilmjSmgrHWFHmpZvCXu3hbSVJ33srn+G+LBL3NBOhCy4CNj3AWWnj771TzqrVKjLa5FCLPp7y3IE2DfPSzD+7jTAS18Z4IcpqSKVooHf35rQFdaiFwVYK4aMh1seqnbyOEAV1TRX5zyrMZqGp1obSRMUYdGsbMreht+h5jHTc0PauMx7on6cFs8NRSZxSWYXH5lvZ4m8wf0PIj5jCXajcup2J2e9ExGjRo+6ZQ6WCkOAwIFrXvseWB3raLQIooVBWUmZ07oriWJtnXdWFjcXBsw3AIPpjVOYVnsStrcLHOO+GFopQqSiRHBIBI1ra2zge+x2vvttu5FJnC5mIg6o6bFbfwvVipoYHbfvIlDe4Fm/mBwk62P04LotqSPXYhL9FFPHUTI1X3ABGgMgYOu9jvYcrXtvf2w+9zHsa7Jf2XDhZNFM9nWZANrF2Oete/BGTnSIY7nvXAIaRVtsegF+ptsD0wv1DnA1oORXQ/lMYW2cx4kBBqWZzFJCVEkT30azcpc7b73tzwy5gDg8aEeqRZITG6NwzNO18P9Itm8RMUKs4ZkIJYb7jkf8Sfc7YBFWZxqgU3ibLGNJsjW11V0i1MqlTtbxkWNrX+V+Q+vliNeYmaq5IxiJBW3FEYcmhUAd2pt1IuT7nrgBmeTumm4SForKr0aBQAoAA5ACwwMknUpgAAUF9IxStCaLhmjhN46aJT56QSPYncfLBHTSO3KE2CNuzVLW57TQyJDLPGkj20ozAE3Nht6kWGMhjiLARMwGloXn3GcNLJJEysXjWOQ3sAUdwhZTvfRe5BA29jbbIi4WsOka3QqPizik0dVRowXuZy4lYg3W2hVN72ADOL3HLFxx52k8QqfJkcBzU8NbImaSQszGOWnWWMHkrI5VwPUhlJxmh1d96vMc9dyYio8sDRbS1V5j3Tro8UjfCi7lv9ut8dFsYe05thxXAfO6KQZNXHYc/fNUKjjaWNiklNpYcwXt/lxpvR7Xi2v08P2hydOPidkkiojv8A0i1JPHmFM/eR6dyu+9jYG6mw88Aex2FlFFPQTRdI4clza3HgeYKQcjkanmSa2ynxf2Tsfsb46+Ij6yMtXlMBiupna/h9lq9ZIyxuyAMwUlVJtcgbC/S5x5xe/S92ecTnMaJahlCOWZWVTcKQduf9UqfniKJIoePBl1LUgtU1r01X3UrTsEKhtYuti5KXjYC9rk9BsIrrmoOJeIK6oE2XV9PCn4umaam7okkNGDKqsxNmP7OxIA3tzB2hUtLPD3EZd6eWrMkcYpGpaOYn9ksyKU7x/Jt7aumxOwuIp3KLIKcMtPDP+ISWllDJT01FeTVqvraYncHmemw52BxazY4EfdOFHwXmcEdXl0KwNR1TswqHbeNWAU+AG5bSBYWtqF777VSl9yI5lwlVQ5ZRxraaopH2MYPwkkiwNidNkHsL4Zwz2tcQ7YhJY2NzmhzRqCuWybN6ppmYRU4qFCyC4swUEDYa2GxI5jBs8DABvXvuS5jxUhJ0F6H3qrdF2XXCioqndV5IgsB52LE/YDGXYz/q1bb0cSAHusclowwkumvzx2l0Pc5jOLWDkSD11gE/zasdCA2wLkYluWU96A5bmUsDiSF2jcdVP2I5Eeh2wRzQ4UUNj3MNtKam7Tq8rp1Rg/vCMX+/h+2Bfx2Jj+bJyHvzSekpU3DEHzBtz54MQCKSoc4GwVfy3IKmf+hp5XB/MEOn+L4fvii5rdyrax7tha3Hs0y2opqIQ1KaGV2KjUG8LWbfSSAdRbbCEzg51hdXDtc1lOCZKujSQAOoa3LzHseYxhr3N2K3JEyQU4Wo6XLYozdEAPmSSfkSSRjTpXu3KzHh44zbR7813NRI25UX/eAsfrig9w4q3QsduPNfIaQKQSSxHK9tvYKAL+vv54heSo2INN7++5TvIFFyQBz3NuXPGEVCc14lggSJyWkE/wDRCFDIZNtXh0gg7b88bbG5xI5LLngbr3EWdGmhSbRqUyRo9zp0K7BS3I7gkbbe+IxmY0o52UWl7iriCqhqJjEyiOkhjnaIoCZlZ2EniJuukLtbrzwSNjS0XxNeCG97gdOCG8dyN3lSA50yUqVcOpjYPTSaiFBNhdSDtzxuKqHjXzWZCbPhfyUfaPRyTyUc0CFxURlHTkXVStQqhrHSTpYBvP3xcBDbB4f6WJwSQRx/2rnGfCzZk8E0aMmundSX8DRts0YdT4rEl0IANtV8Zik6uwea1LH1hBHJFs04P/GCl/Ft/QwskioW8TuqC4YEGwK3sRvtcYw2XJeVbdHmq1eq+EaeZIFqA0xgQoGZipYEKDr0Ear6Rz25+eMiUgnLxWjGHVaPKLC3lgaIs7qctko6lZL3XV+zdtxa1tDHobbeo5eWO3HKzERFp34/lePxGFnwWKErNRehP0Plp9EzzNBPpaWAlh/zmCLj3wkGyxWGO0XXe/DYqnSx6j3veo8VJNcp3UaiNCOQsDbr7euMtoOzvNlbkzPj6qJuVv2+yCyZYkjCGOzEkd4RuEW9zqPLURsBz3vyGGjiHBuc+XeVzmdHMLxG3U8e4d/jwCdMclenWM8NVtdltRX0tPl0tSrVLSRsLxxqDyu5XSfDo2v0OJqpYVybs8qqqSteXuoEr4YmZNWoxzoY2Ow8JUMJN9W+rEUtN7cEJIcveaV2moFCh0sokNkB1ghjY6eQPU74ipXsq4Po6eAUyQIYQ/eBJLyjX+8O81WO3TEUpG0QAAAAACwA2AHpiK19ZrbnbEUQXMOLaOElZJ01LzVbsR6eEHf0wZuHkdqAgPxMTPichR47Eh001LPMdWm5ARb2va5vbbfcDbGzhw0W9wHqg/zA41G0n0HzQ2biWtYgtJS0oYlY0e7l7G178tN/zbYvLEPhBdW9cP2sdfMd6byvij3CebvM80c66KiIgOoPhIPJlv0P2+eBysaAHMNtKYgmLyWvFOG6V+1XhGeqngkpotZKFHOpVC6Tdb6iOepuXljcEgaCChYqFzyC0IHl3ZDUtvNNFGPJQXP+Ufc4IcS0bBBbgnnc0mnLuyajTeVpZT5FtK/RQD/NgRxLjsmG4Ng31TRlvDFHBbuqaJSPzaQW/ia7ffAnSOO5Rmwxt2CL4wioTxNmLQQ6k+JmVATyUsbAnp6C+1yuNNFlS2j4tkEy/iBwps5mj6uVGtPM6FAuh6DmOe42U5g5pY4lpdpt79/pGhRa1DgrJcXBLM2of1WDBRfzVbYHnrREyk6+/fkrmWuSpBJIU2BPMgqGF/UXtf0xh621DMlzKRqutp5DfumRo9gP2cibcudmVhc405oDQQqa63EFB+MKN5KTv4xeoo2ci+5ZbFJVJt+ZN9uoGCMID6OxQnWW5huFQrMveXJaBohIzwinkAhJEhFgjaCNwdDMb+l8aDgJXXxtU4ExDy2RrOcvmq8t7iOLu2kHdlal7sqrcBiya9T7K2567m+BtIbJZPyRHguZQHzVnPeEkqtJeWRH7owyNHYGSNrala4OxIuPK5xTJS3h3q3R5tb12RHMMipp1RZoY5BH8AdQ2nkNr9Nht1sMZa9zdirLGncIgosLDYDGFtfcRRexFF7EUXsRRLc/GNEbqz6lOx8DEH5Eb4gdRsLoHojEubRb5WF9y2noZv6ByOpVJZI7f3AwsPlg/wDJedzfiAVy5uiBCe00t8CQPQ0iK5DTdYUb1caz9Wufviv5Ev8A2+Wn0QRgoOLAfHU/M2VPLJFTRFjpiiQXNhYD5D9BzxjtSO5lGAZEzSgAgCce09wWjqEiY2EzRWjPzve3ywc4R/MXyvVLjHRk8a51omrCqcUNVVxxjVI6oPNmCj6nFhpdoAqLg0WSl+t46o02WQyt0WJS177Cx+Hn64O3CyHUih3pZ+Nhbpdnu1VGo41lYrFDRyrO/wAPfjSukc2Jvc28tufPob6mMAvc8UOWqGcW4kNaw2eenmhj19fPqP4yFUUop/DANcs4U3LeJSAb+R+uLLoWUMhs38WmwtYLsQ//ADAAr4ddz37IBDC09ZNTVMkk6wJL3etze6nYmx3P/OQww+TJC2Rgoki0q1pkmdFISQLpT1k/4ZqSCGGN45ERyxTU0rE72bmCNiLcrjpgbG9cHyPcQQSN9vJae7qSyNjQQQD4+aucUB0hzD4lDTRtflqVlUG3mLgj5EYFhcrnxeB+eqNiszWS+IVdsxVY445JFo6mBBE5eDWxVeRjbewPPbnfY23JDC7O4huZpNijQ8whiVuQAnK5oo2LPkjvZ3SOaieoHetC6hUkn+NyDe4/qf7eRxWIIEbWGgeQ2H7RcGCZHPFkHidz+k45zmS08LSsrNawCoLsxYhVAHmSQMIudlFrrwQmV4YDXeeHEpcp+I6mo19yKWPux4wZDPIvvHEOfpfntzwISPdtX1+iedhYYqz5je2mUHzP4Sll+a5hXySKs04jCuFeNO6XWougYgXXVtcFri4wEGR5Oq6EsWFwzWnKL0sE3px91Sf+CZ5WpVFQytMhKuQ6ufMBipI1aSL7+vXDMROXXdcfHCMTEximnbSvl3Wj2CJRR1ESurK4DKwswIuCOtwemLBrZUQCNUg1eQywt3kAZkBtZfE6DYkEbl0G69WFgd+Yc68FpB3rRc84angt2vVGOHqsJLJTr3niXvV1oygEnS/NQB+VtI6ljzOE2l7hmkHFdAiNhyxm0x0aAAkcmNx7AAD7AHFuVNQqv4aSWqWp72aNwqoVjfQrhWLDXYXIueV7EY0JKblpUWW7NaMRwqt7C2o3PqcYJJWgAF2osLDYDFK19xFF7EUXsRRco4PIg+xxZBCoEHZL2b8Z08DFPFIw2IQCwPkSSBf2vhqLBSSC9h3rnYjpSCF2Xc9yJ5JnEdVHrjJ2NiDsVPrgM0LonZXJrDYmPEMzsQKn4wY5u+XPCFCxd4kmu5fZT8OkWG79T8OBJhNuIognDeaw1EXhVUZNnjsBp/8At9cUCnsZhpYX6mwdjz/aX56Ba2pJpQIkhBvMgtqk6Wta9vMdL+YxW+y6DZnYWACftF3+J4D373R3hnN3k1wTi08Ozf1h0Yf86g9bCwUhjcM1lSxfA7bu7kL7RJw4p6ZVZ3klVyire6KfFf03+xw5hRWZ/Ieq4WNcCGs3sjTuQHirLa2WrkQyBaYESWkcd2qIBuyjkL3FiN7HyuDwvibGDXa277S2IZO+Utvs767UOasmSsqGp1NYr00khRpaXwMG0khW225be+/TGajYCcvaHAohM0haM3ZJ3alnLqYTrXmctLJBCe7Z2JK6SR54Ze7Jky6AnVJxt6zrM+paNLRzN8zkhqqaKliTS0aSmNQF7xirDc22so26A3O+Fura+JxkPdfJMvldHKxkTeANc19QQwFZ5e/h74PTlJm1lQw1a15tpDCxv5391znktjKNU6xpfdyROxGQ91i7brw71RyWmjp4qvup1mcRCTwA6QEa4uepJ6Dlb1wWdzpXx5m0LrXfVBgY2Jj8rsxq9O5XcqaWok/E0dFZ5L95JM/gPQhOXMjmPL1OI+IMZ1cr9BsBv5rcbzI7rIo9TuTt5IrRcJ13d929VHFGxPgjTVoUn4UZrECxt6euMOfBmzZbPM8e8orYMRlylwA7uHcERp+AaYEGV5pyLW72QkbctgBcehxX8pw+EAeARBgmf5EnxKaJIVa11BtyuL2wuCQmy0HcLwmW+nUL+V9/pilqivTpqUg9R9MUVGmjaw/JcjrKKujJRgkTeOUf0ZiHxktytp3sd722wmxjmOXqZ8TDiICL1PDjfBBKniNlrHqICVXvzMqEnSd/zKCPiHPrvzxVnNYRxh2mERv3qr4/PuTr2JZneSph2GoCVVGwFiVa3pugwaDSwuZ0zH2WP5afj7rRM5rZUeGKLQGmLDW4JA0rqtYEEki/UcjhtjQbJXnnuIoDiu8lzEyq6yALLEdMijl5hlv+VhuPmOmI9uXbZRjsw1XRqe6dg6tpY6lZVLDfmDpBIN7nyscTLmGimbKdVKrmT8pVOuoWLegHMDzvY+nXFVlV3mVvGVpexFEAkpatq4PrC0yj4Qefh3BHU6uvlhoOhEFV2lzyzEnFB1/1j10+t+iMfjI9Zj1rrA1Fbi4HmR5YXyOrNWid6xmbLeu9IMnGVKZe7Dnr47eHYEnf5eWGDg5Q3NXkkh0nhi/IHefBCqLjvvapIljtG7aAxPi32BtyG/T74O/AZYy4nUJSPpgSThgb2Saviq2Z1ctfVtSxuY4Y76yPzadiT5i+wHLrjcbG4eISuFk7IU8smNxBw7DTRv38/wAV5obkMEkIrZoWJiRGjV/3jq2YdNhvf19cGnc15jY4akg0lcIx8QmkjPZAIB5m9D5bor2ewQimnlkCncq5bogUH6G5/wCDAMc5/WNa3y8U30QyIQPe/wAD4Uuey2I/t2/KdIHuNR+wI+uL6SI7I46qugmntu4afdAu1SoFDmuXZib6AGjkI8lv99Mr++nHLXoVf/8Am/Gd48vr3Q8mEQsfoxH3xNVXZ5rnP8tnIerkRIA1gYw1mYHnfoSdrjra9rjfBHFenwk8ILcOwl1ca0Hv2UfyriId2qUdHIyqLdFUHmRqN7n1O554u+S58+COcuxEoBPmfkqhqJxmNPJLCITIDHYOG1AA87eRK/QYnFFyRHByMjfmqjtVe9VN2l0gEK1Ss6SQEAFWtdXYAg/888PYN1uyHYrymObTRIDRH3QLPayJKzMYJyyRVCxftVUtoZUUrqA6E3+nzBo2uMbHN1IvRLyvaJZGO0DgNeWigyNzHGIMuJqpO9E0kmkpGoUbLdurWtf1xqQZjml7Iqu9Zh7DckPaN2eXsotSZdWM8jU9FBTCW/eiocyCQtz2F7KLnawBv8sCc+OhmeTW1aUjNZLZMcYF75tbVql4CMjB62bvWWNY0EY0BApuCCNyRvzHU89rZdi6FRitbN8VtuBLjmlN0KFaUi2WcG0sLa9LSva2qZtZt7Hb7YC7EvcKGg7tEZmEjacx1PfqquZ8IHvhNRyrSsU7t1ESlWF73tyB/wBBy3voTNc3LKM2t7rD8KQ/NCculHQIpw/lS0VMIzJqCamZ2so3JJPoB74HNL1jsyPh4eqYGboFmPaLCi6oopJQeTbIp9id7fLA4/7A8t/x3RZXCKZkUmhcgcvaBVSfAkUQ+bn72H2wsZTwTww7RulniDO6mRW1VMjbHwhtA+iWxnOSiiMAaBZtQ1smvvA7K6kEFdje/mN/nhnKKKS652YXxX6X7N89asoI5ZDeQFo5D5lTa59Stm+eINQsvFOWZ1GaDKauaJS1QxJUxk6UVSdSKLhmZtJHIAb23wpeR1L0YZ/Kia86Dnxvj3KTMeEvxsC1FFSSwSa9LwsNCkEfEhawsPSw57eeshOoCwzGiF2SR4cOe/0TF2b8A1NJU/iJ2RRoK6FJYm9viNrAC19icEjjINlJ47HxzR5GDjuU55yddRSxjmrNOx8lRSv3ZwPrhpnwk+S4j9wPNVJaow1rP3criSFR+zQturtzPIbHqRjeW20sZsr1ZmzaqsStKFAF/wBrKFJHsgYD5nGQxvNaMh4NRXLqsTRRyqCBIocA8xcX3wNwo0iNNi0B4g4wjppVi0lzt3hBtpB+W5tvbbphuDBulbmuuXeubi+lI8PIGVfPu/ao8fZnUIiGElYWteRSLkm5AFjcCwvfrfBcDFG4nPvyS/S2InY0dXo08Rz5c0vSVdT39FJNJfVoK2J+HVbxDzYbnzBw2GRZJGtHP35LnmXEdbC+R29V4Xx8eK5zvKmSvSIysxmK6n5E94dLbeXPby2xIZQ6AuA2vTwWcVh3MxYYXEl1Wdt9D5dy6zzJooswihVSI3MdwSTsWsdz52OJDM58BedxavFYWOLGNjaOycv1oq1xq4gzCKQLsojew2vpY8vktsYwgL8OW+IReki2LGMdW2U/I/pUpMrqxI8sMMvdzFtuRKM17MFNxfbywQSwloa9wsfVBMGJD3SRtOV1+YvY1smShyWqqFVKjTT06/8Ahi2Le+5sPcn264TfPFGSWdp3MrpRYXEztDZewwf4jj9VzH2fKGI/EP3THdALE25XN7G3npxZ6RJHw6+/e6yOhACR1hynh709E25dQpBGI410qP8Alz5nCEkjpHZnLsQwshYGMFBSy06sQWVWKm4uAbH0vyxhFpcPVxg2LoCOhYDEUpK+U5U1Y4qqoXQ7xRdAvQkdb/fmdrDGQL1K7GIxDcK3qIN/8ncb9/LxXNOv4Cu0cqeq+HyV/L6m3sV8sTYq3n+Zhc3+bN+8e/oeasTt+IzOMLulKhLH+s21v0+h8sXxQ2jqcE4nd5FeA4++5Hs2y2OoiaGUXR+djY7EEEHzBAOCMeWOzNXGljbI0tdsVUyThyClD90pvJbWzEsWt539+mNSTPkq+CxFh2R3XHmiRKov5VUewAwInmjtbwaEBzDjmgh+KpRj5R3k/wDQED54GZWDin4ujMVJsw+en1S1W9rUF9MMLt/WkYIv21H7YGZ+QXQj6AlOsjgPDX8Kak4pnn3Wqp4h0CxGT6lpBf5AYyJXHjS0/o2KIfAXeYH2P1TJkmdM8hglKGTTrV47hZFBAPhJJVlJFxc8wQeYBmPs0VzMThcjesbdXRB3B8eIPPT8j+1Uv/0upKGxAUt/Z1rq/lvjTtktCe2FmX/U43okXWoYGwW+56iw58jgXRzsmKe13wuG/iKPqjf8lgc8xTxCzofoR90HjrRGoafWgY2RdPjkO3wBrDSLi7nbcWudsRsJc6kSXEsa2x7/AGuc4ro0IV1kQMAQ6ustr/vJpQ/Q/XBX4cN2KUi6Qzmqr34p34Z7NKCWJZxNJMGF/DpQb7/lGofxYqhS1nN6UPAfm02cC0MVLJUU0S6E8Mqi5O5Gljckn8q4tpWHhNvcrq1aRqtbVYXt788aWL4KpnObJTR95JqIJCgKLkk3/wBOuNNaXGgsucGiylSr4+b/AMUAHrI/+Vb/AK4YGG5lCM/IIvwe7Tq1XKVMkn7OyggIqEiwuSdzdj8vLApez2QtR9rtFMeBIqF5+t4ZfDq/Zt4SbX2PXpgke6HJspsh/wD20G9/2Sb2tfwje2Mv+IrTPhCF8WcPJNA/doolBMgKgAseoNuZb9bYawuJcx4zHTb34LnY/AsliORva304nj80kUVZNWpBRW2Rrluukbb9PCCR67fPovYyAum5+/VcOOWXFtZheR37v0EwccZDNI8Bp0JCLoGkgabG45kW9/TCuDxDGtcHnfVdHpPByvewwjYV4clKvB80umeaciqDBr2BUAWsLC24te429+eM/wAxjbYxvZWx0ZLJUsj/AOy77u4cPT9pgzTIYqhkeQHXHazKbHY3t7X3wrHiHxgtbsV0J8HHM5r3bjiFdmo43ZXZEZl+FioJHsTywIPcBQOiO6JjnBzgCQu5ZlUXZgo9Tb9cYc4NFkogFmgqcudwKbGQfIE/oMKO6Qw7TRd9/omm4KdwsNV6OQMAVNwdwRhprg4BzToUs5paaO6xviTtQrUmlhRIou7dkvYu3hJF7sbdL/DhpsIIslJSYlwJAHv0Shm/EddJbv557OuoAkorKb2IVbKQbGxtbngoY0bBAdNIdz9kC29MbQl+jouNqO3xlbflKNt6bAj7451heqPRWKva++whec1rZiqxU0L2DBu+fwhbeXn+vpijqmsPE3AkvmeLqso1J9+ymbIcnWmj0g6mY6nc82bz9vT/AHxYC5mKxLp35joBoByCJYtLLOePeJqo1S0FDtKRdyCAxJGrSpY2Wy+InnuOVtwSPcTlau/0bgoBCcTiPh4b1yvTfXRK2bcCV3cyVFXMp7tC+l5GdjYXI32v7HAjE6rcujD0phesEULNzWgACSKeneQ6Y1Zza9lBY29hjK7D3tYLca8U/wBTwMauGjlokRA8F5SzG2tSL77m5JI8vD0wTISAW8lw2dKDDySMxBJp2nh6d3zQ3hrhZO7nnrJnp0glELBB4te17mx2Fx0PXlbfIAIJcarRMYrHvDmR4docXDNry9ERy/vaHOYIZZC6BtKsdtSyiw/mtf1XFtGSSkGZzMX0e6Roo7kciP19Vrub0QnglhYXEiMhB/rAjDa8kDRWe8P8JwSKjBpIlt8EelLHqNQXXzvsCOZwIFGcOKyntRh7rMGjFwkaKkYJJsoLdTuTe9ydzgrdkJwvRBYs0J0g7gjSwIFrX6e3T1wQvtC6pobotf7H63wSxr8F2KjyAK/5jJgUhHBbgBy6ppgn0ZhCekgaI/Mah91A+eBsOqM8dlOuCoKFcU0PfUsqD4tOpf7S+IfUi3zxuN2VwKxI22kLJL33HI746KST52a1V0mi/dYOPZh/qpwpiBqCmIDuE2VdbHELySIg82YL+uFwCdkckDdAc3zSOoieKBZJzIpQaFYJc7XLkBQBz54MxpbqdEF7g7Qaow9QtNThpmssSDWwBPIAE2Av9BgVFzqHFFsNbZ4KhwxxTDXd73IYCIgHULXvexAvy2PPyxuWF0dZuKxFM2W8vBFaeijRmZEVWc3YgAE++Mukc4AE7K2QxsJc1oBO6sYwiJX4n47paJ+7fW8lrlEANr8tRJAF/Lny23wN0gboujhOjJsS3O2gOZSnP2ss4PdQKu9ruxb7C3646GAw7MQ0ucao7LmdNCTo6RrB2swu/Pb6fNLuacf1b3vPoHklk+43++D4/CRxwEs30XA/mYmU0PQJalz0lw5ZnYEG5JPI35nHAMLnggjdGhw2JztkO4IOp5eqKVnHp/8AHF83b/Af645sfQp/zf8AL39l7V/Sw/wb81p3ZFxA1XRv3ltcUrIbCwsQGHMn94j5Y7MELYYwxuw5rlTSmV5eeKzntWoO6zKQ28MoWW3uNJ+pU/XHQhNtXKxDaf4o9xRXa6PL6ijo4fGvdAmMzPF3TAoiHqLhwbjf54G0HMQSjPc3IHAWtG4bnjqaWCcqhMkalrAfFazDbyIIwJwokJhmrQaXs+z6kpXhWpYI076IyUJBa4G7BSF5jmRjKIHOrQqFeKVOZf8ATxGdSw9+0lxYC4AAHMnceWIsosM0hMvciaPvrX7vWuu39m9/tiK6O6Xs27QqSGnmqB3kqU8/4eXQtij8jcPp8IO1xfflfEUWf9qqPBmK1ETMpljVw6mxuAUNj/ZA+uFZBT163oZzZsIY3iwCRXdv9V7Npmq8jildi8lNOUdmNzZieZO/5k+mKOrATwPv7KQtEHSTmAUHtsD34FHMlqwGyepFgsiNSSbWueS/VwTjQNFh8knPGaxMJ3BDx9/QqnVa4cvmRLhstrtSgHmmrw39DrJ+WMHss/8AUozMsuKa520sdeda/RM0j2qK6ONEkaeCOrhjddSswBU7dd1Q+5wU7uA5WucBcUTnEgNcWEjgN/uUgcfLUg0dXO476VLhBH3fdaCrAHck7uedsBfm0J3Xc6N6kiWCMdkHe7u7F+i2+iqBJGkg5OoYexF8OA2F457SxxaeBpKeXnu6ieL92Qkez+Mf+1vlgLtCjjVoSv2o8KCptMoOoDpz+V9jyFwfIbjGg5YLVlsWTlfDpcn0TSfqXIX3AbBusFaBAMBLrJ05LVeAMu/DxEsACwAsOSgcgL79SbnmSThd5TLQpc+rbSwld2WVCo8zrG3z5Ypm60RoVqWGEqvXxFFms/B9SJ3ESKEDko7OALE3GwuduXLph0TNy6pQxOvQItQ8EsZu+qpQ53JVAVuSDvqBB2vfYDAnTiqaFsQm7cUx0mR08ZukKBv3iNTfxNc/fAjI48UURtHBWaytjhXVLIka+bsFH3xkNLjQWiQBZQxsypa2OWCKeOQujKQrAmxBF7c+vPBMr4yHEIeZkgLQbWa9j9YY62SFtu8jIt/WQ3/TVh7GNtgIXOwDqkLSjWR8WVVdmXdRuFpkZnOlRdo0NhckE+I6eVueBPgZHFmO/wB0dmIfJNlbt9lpeEU+vz12yQmLM5PKVEkB+Wg/dPvgRhBJK6sHS0kMIia0acT48klpMfM/W2DxOdECGGrSGLndi3AzUa20Gl/6Rug4Uq5U7xYGEYFzI9kUDz1ORt1uMQkndAFAaIPKQpNyCAdyu9wOo5X9MZVq3nOTyQvMNDtHE5XvdB0kXspvyGoEG1+uLUTx2A5lpq6iAn+liEg942sfmRJ9sRRHO3Sg2ppx0LRMfezL+j4PAdwlMWNAUh5HmuYd33FJJUd3c+GFb2J52ZVLL8iMEcxh1cgRzSAU1Tp2d5iQCKRt/NowfmC9/riZ2KCOXvW28b8Mx5hSSU72BPijc/kcX0n25g+YJGE10lnXZFJPNmlVJVAienp0pnvzuGAufMnuwb9efXEUPBLEmXCOlrqxQRXZfmRdpLm7IXAsf6pYk/I9CcTgpxRvMKZZJ86pl+CtpEr4R5lQHNvUuftiKKTiiX8XkuW1fNkXunPrbSxP9+P74BONivQf8flqV8fMX8v9qHgWZXosxpXZVDR94mogDUL9T6hMCb8Lguj0i0sxEMzRsaNcvdrrg/P6RaQwVjOphnFRDpBJJG+kEA23vzt8XPFtLctHnYUx2ExBn6yADtNLXX9ffJd1PHyLUVcsNPrSqRAyTWsGUFblRcMpHS4vis+pIG6pnRLjFGyR9FhOo5HXfSigubcV1FTVpUR/spEUJGsV9gL7et7npyxRfZvim4cBDDAYnagmzaKUPC+Y5jMr1PeqvJpJRpsvkim3ysLX54sMc86peTHYPBRlsNE8hrr3n92tvghCKqKLKoCgegFhhxeNc4uJJ4pL4yY09Sk5H7ORQjN0DAm1/K4Nh/ZwN44o0R0pV5eIodPiYW9TgOqLlQ5Yu9N4aaST1CEL/E1l++NgOWCWDiicXD9dILWihX+s2o/Rdvvi+r5rJlHAInknBKRSrNNI00i7rcaVU+YW5ufUnb3wRrQENzy5W+Pe8FBO0LsjourUpsbAgtuN/hvhiCusFpbEZhGS3dJnZbxLDDTzrUTKmmQOC53bWN7DmxupO3nhnFRFzhlCUwcwDDnPHinTJ+MqOpk7qGW7nkCrLqtz06gL7b254WfBIwWQm2YiN5ppSpxN2iSioamoog7KxQsQWLMOYRV8rczfkduuGIsKC3M8pabGEOyRiz74KlknaFVx1Sw1yAKzBWumhk1WsfIrvfly3B89PwrCzMwrEeMfnyyBBMyjauzhoZ5GVTM8Qt+VU1WCg7C9hv5m++CsIihzNHBBeDNPlceKh4uyg5XWxGB3IAWVGa17gkEEgAHl5cmti4X9cw5vBZmj/jyAtPeoM8DQ5k5gbT3j6kc8gJ1vf2AkIv0ti2U6IZvdKSWyc5eP3RDgTNxltXJFVR6NVo3Y847G4PqhvckdLEeucQzrWAtK1hZBC8teK+y22NwwBBBBFwRuCD5Y5S7CyD/9QmX+GkqB0ZoW/vDWv00P9cRRZ1wM8P4+m/EW7rvPFq5XsdOr016b9MWomTLYa2hze7CTxSkyyEHRJETdnZuVgl23+Ej0xSlpWq860VM8lKQiSSOU8CkhSxK21KSmxHKx6dMQKKDP85aoZGZ5GIjRW1sSNarpJAvbcAHpuTiKK72cZn3GaUj3sGk7tvaQFN/S7A/LEVr9O1lFHKAJY0kCnUA6hgCLgEAjnud/XFgkbLJaDulfM+Me5193DH3MTMmp5ViLsnxiFLEtp5dLnYYZZh81WdT3X80q/FBl0NB3141zTPTVyOitcDUAbEi4uL2O/MYXLSDSaBsWrOMq1nUNHJBxI7rG5hrKUa3CkqrrsNRAsu0dt+reuIpapcX8DVzVFY1C0Hc5iirOspIKMu2pbDqLm++7NtyOIpdcEUzXsvhnFHqnlRqWBadmQ2Msai1j5X8XyYjEU1RqLgqmShahQOITci7airE6rgnybe3v54y9ocKR8NO/DyiRu4Wb1HZRWB7K0LL0YsV+o0kj5Xwv1T16hvT2GLbIIPLT8ovl3ZB1nqfdY1/zN/8A5xoQHiUrL/yH/wCNnzP2H5TPl3ZvQRWJiMpHWRifsLL9sbELVzpemMXJ/lXhp67+qZaLL4oRaKNIx5IoX9BggaBsufJK+Q28k+Oqs4tDWY5r2psZDHSU/eb2VmuS1vJF3t5b/IYeZg9LeaSD8cAaYLWklVkTxLdWG6sOh6EH9MIlPqrR5LTxG8UESHzVFB+wxFDruo88z+npFDTyBL/CNyzewG59+QxtkbnmmhYkkbGLcaQTJe0KmqahII0lBe9mYKBsC37xPIeWDPwr2NzFAjxcb35QlrMeOK2qqWp8uQDSSA1lLMF2LXfwqvlt5edsGbh42NzSFAfipHvLIgoeH+K6r8U1BmB1CW8LXChkZhYbpYMDe3XmCD53JCzJ1kfDVVFiJM/Vy8dEq8IZJHNXLTVBZRd1IU2JZATa5Gw2OGJpC2PO1KQwh0mRyt8U5euWZkhi1aEMcyAm5tfcX67qw9jjMTjNEb7wiSsEEwrbQqenmFHnZZyAgnYljyCSg2JPkA4N/TFEdZh9OX0WgRHidef1Uva7PC9WjxSI57oB9BBsQTa5HWx5egxWDDgwgjirx1ZwQeC9xpl1RBUxV6obOI5ibEhZFC6g9uVyL72vc+RxIHNcwx+I8lWJa5kglHcfNRZtU1mcyxaKfSEBUEA6Rci5Zzt05e9gcWxrMODZWZHvxJGVqaOJ+ziSd6fupEVY4EhZmvc6NgQAN7j1HIYBFig0GxubTM2Dc8tynYUmfPeD4KwRGov3kYALp4S224Ox8N9/MdDubgjndHeXZMS4ZktF26LZRlkdNEsUQIReQLFrfNidvTlgT3l5sozGBjcoSv2w5d32VVFh4orTD+4QW/k1DGVpfmgPi1adcvzqTK5NMpaeQxaJKZm/Zxq4B0sTq8drXCrYXtc9KU8UO4lhpXgjq6RGiVpDDJCx1BHC6wUPPSR/hy5YipLBkxFdLlZipDKbMpDKfIjcffEVr9h5ZXCenjmS37WNXX+8oI/XFrKzaCkjlSniqYy0oqJ1fXIB+10rIyjRZbO4AG+3TmLdEuc0ksOlD5bei5Qa14aHjWzfjvw5qjBS1RUH/o8B94WX7FxghLP/AJD80IdYR/8AqHqtkxyV2lRzrN4qWIyztpQbeZJPIADck4y5waLKNBBJO/JGLKSpe1WNdLmkqBCxsJCAL+w+En01YD145LrjoN5tokbmHD3r6J9pKlZUWRDqR1DKfMEXGDg2LC4j2Fji1240U2LWV7EUQriLNxTRarXYmyj9ft/hhjDQdc6uCQ6RxwwkWerJNAITk3GEbALMxDHrpso+YYn5kDDM2BcNYxp46rnYPpyNwyzmj4UPqfnompTcXG4OOcu+DeoVPOcwSngkmkDFEF2Ci5ty23GNMaXOACp7g1pcVgXDOetRVBlhTXdWQK3kSLXt12Gwx15Y+sbRK4kM3VPzAWtCzLMc2qYaZ6ZGjMiN3qhVTSwcgbybgEWI3wm1kLXEOO3vgnnyTua0sG+/spUzOvzPLp42mmkLEawplLowB3BBNvTltfbDDWwytIaEs6SeFwLyuu0KqEmYxvISYXSFl3/8bWJt/NiYYVGQN9fmrxRDpQTtp8lrmX8OUkJUxU8SsvJtALD+8d/nfHOdK925XSbBG3UNWIVtI0GYyw981OO9ZO8BI0oxuL6SDYgrffHUBDogavRcggsmLbrXdHfwmVUrCWSrmqplIcCK1iQbg35c/wCvgWaZ4oNod/v7JjLDGczn2e7391R4qdqTN2liF/Gs6D94OATy6ElhjcQ6yGj4Ic5MU+YeKs1WWZhm86vJD3SgadRUoqrcnbUbud+n2GMh0UDaBtW5suJcCRQT/wATcBQVehizRyIoTWtjqA5ageZHnt+mE4sS6NOzYVsmvFVMn7NaSnYSSM0pXca7BB6kDn8yR6Y1JjHkclmLAMDuZTHPxHTIbGZfLw3b66b2xy3Y2BpovH1+i7DOj8S8WGHz0+quz1sabPIim17FgDbzt5YbDSdkkXAbqOqzWGP45UXxaeYve17W87b4sMcdgqc9rdyhM3GMOpVRZJGa9rIQNgtj4rHSdS7gHqemCCB1WUE4ll0LPv6IxldSZYkkOkd4ocBTcAEAjcgX97DA3CjSKx2ZodzXdfSrLFJE3wyIyN7MCD9jjK2vxxIjwyFTs8T2PoyG36jEWkxZ5xFTVb99NTSLOQNZimCpIQAASGjYjYW2+uIpSC5jmRkVUVBFElysaknc2uzMd2Y2AuegAAAxFKUFFRSzHTDHJK3lGhc/RQcXSouATdlPZVmc9v8At+5U/mmcLb3UXf8AlxKVZuS/RvDeVClpYKcNq7mNU1cr2FibdLnpilAhc3BcMkzPK7PG0jS9yQunWyhSSbajsARuLEYYGJcG0N9rSpwrXOJcdLuu+qUh4KoesNz5mRyfqWxX8mXn9Fr+LFy9T+Up5x2cSxRmamq53qEGrxNbXbnpI3B8rk35euOe6EgWCvUwdMRvfkmjAYe7bx9hCKmumzfLhGvjqqVwzqNjIhBXUBy1C+49D5gYySZG1xCabFH0disx0Y8UDyO9eHvgiJ42rUiVZ8qYrGBcsjqo09d0IW1r+mLMrgNW/X8Jf/xuGc8mOfU94vXz1TzwjxHHXQd7GCpB0uh30sADz6ixBBwdj8wtcfG4N+FkyO14g8wrGfTzRx95CU8PxB9gR6G43/1w3h2xvdlfeu1Li9ISYiKPrIa03B5eNhLlLx0f/JED6obfY/64df0aP8XfNcWH/kR//oz5H7H8oZxfnCVDRmMnSq9RYgk7j6AcsHwcDomnNvaR6XxzMU9hj2A9Tv8AQJew4uSm7hTNKhgIVDFE6qouATyLMbKOfQm17Y5+LhiFvO597Ddd/orGYlwELbIHIehJNAeRNbJ3qadZEZHUMrgqynkQdiMcgEg2F60gEUViXHNItDmavEoVB3cyKosBY2IHuUP1x1ICZIqPeFyJ2iKYEdxTb2scQTwpAsDlEmDMXXYm2mwB5j4r7b8sL4SJriS7gmsbM9gAbxWdZzBD3MUgqmnqJLGRSD4ARuCzE3YHbnvzw6wuzEZaCQkAyhxfZPomU8OyZhl1NNBZpoFaB0uBqVWOmxO1wDyPO/puDrRFK5rtjqjmJ00TXN3GinjyvPJ1ELu8cYGm7OibDbcp42+98VmwzTa1WLcMu3yCcc14Egqo4vxBYTpGqNLGba7C24YEEX9L+uFWYlzCcuyakwrZAM2/cuMr7NqGI3ZXmI/+q1x/CoCn5g4t2LkdtoqZgom6nVNqoFAAAAAsLbWA/wAMLWmqQCr44oI0lf8AFRuIbd4Iz3hW5C7hLm1yBfkCRiLVLqr4rjSso6VVLmsV3SRSNIVEL39bgbW88RUu+NINVI9vykN9Dv8AYk4R6SZmw7u7VdHop+TEt77CE5xDStA1u7UBNURUoDfTsAAdTXPO+FcSzDGE7AVYquW3M96cwr8UJhuTdOu9r35Dupcf/D7VndT6wqyQqknO9wsiMQOXiVyLnlbbHZwWJvDtJ3r8fcLgdI4P/wDKeBt/v7FWqrglXR/2x7yS9302A1GQvZVKnxGRzZmYDbywcYiiNNPf4SrsJYOup/d/XiUWy7h+KF3cDUXYNZgtkI1W0gAWPiO/P6YG6UkAIzIGtJPsKPOOKaOmBE1VDE1tgXGr+EG5+mB2j0UH7LOKXr6ISTMrTK7oxUWB0kEEDy0uuIqKS+MuxqaorJJ6aaJY5nMjLJqBRm3bTpBDAm5302vb1xYUsqfKuwiEb1FVLIfKJVjHtdtZP2xFLKccq7NMsg3WkRz5y3l/9yQPkBiWqrmi9VnVHSjS0sMQH5AQD8lG/wBsEZDI/wCEErDnsZuQEu5h2pUaf0YklP8AVXSPq9j9sNM6OlO+nvuS78dC3Y2lnMO1qdtoYI4/VyXP20j9cNM6MYPiN+n5Sz+kT/i35pZzDjSum+OpcDySyD+Sx+uGmYSFmzfnqlX4uZ3H5IDJMSSWJJPMk3OGAANkAucdSV+g63jSijh778RGwtcKjAs3oF5397W62x5EyNq7XtI+jsS+TJkI8dvn77kiVGUVHeR5rlakiYa2hOxBPxixtrQkdOu46EAyn42LstxEOR2DxZ+HQO+ngR+ii0vEGb1CGOOgEJYaS8h2F9iQGt/m9jjWeQ6UlRhej4nZny5u4fr9I/wDwuaCnKMwaR21uRyGwAAvzAtzwSJmQJLpLG/ypcwFAaBMcsYYFWAIOxB64KCQbC5r2Ne0tcLBWdcT5A0JaRVVYr2WzEnf33v9sdvDYkSANJ7S8X0l0a/DuMjQAzhqT9dbS7hxcheGIotE4DoSkBcixkNx/ZGw+98cbpCQOkDRwXsOgcOY4DIf8j6Db7pmwgu6kvtA4NeveFo3RNAZXLX3BsRaw3tv5c8NYecRA2k8VhzKRSMPwzFLSRU1T+17pVXXupuotcWNwbeu+BdcWvLm6WjGFrmBj9aXGU8GUVODogViwsTJ4yR5eK4A9sW/ESO3KpmGiZsEciiVRZQFA6AWH2wIkndGAA2XeKVr5fEUVbNIXeGVY2KOyMFYc1YggEeoO+IosBqMkaqyNszeeokrYyQS0h8KK3dlLdPB4yeZN78ziK7Npt4gyWkp6rKZ6eCNKaqvSyqigCRZ47Jrt8XMksdzYb7YnFZ2CF5bC2XZvFDVOTT0FPPNDJYs3cvsAwFySh1LsOnlbEVrYoqqKenWS4MM0YYE7Ao4vvflcHGXNDgQditMcWuDm7hJ9XxLkdH8U1OWHRbztf8Au6rH6YXjwcDPhaPr9U1JjcTJ8Tz9PQKMdo8k21BllZOPyu6iGM+ztfb6YaopPMOa+24gqOtHQqfeaQfrGcSlL5BfP/lq829dmVZUX5ord1Gf7i3+xGJopbuaMZR2d5bT27ujiJG+qQd4b+hkJt8sXazlHFH6SrhYmON4yUtdUIOm/K4HLFlrgLIUBGwVrGVpeJxFEkdrcLGh1oxASRS1iQCrXXe3Pcrh7o8jraPEJPHZhFYNUsmybJGnWRw6RpEVDltRPjJC2VFZjci3LHZkmDCBVk++K5McJeCboBF4uCZP2oJ1PE5UKvJwqq7WY7g6T+ZQLkC99sAOLbpXEfLgjDCHXu9ffgrknBsXfSKkkkgRypjVbEBo2liOvxEqVWxIQm+yqbjGBinZQSKsb+dHT9+K1/Fbmq77vKx7pT1eV0MGhGVAJSyO0jMZEV4g6MFBGnRISpOm/hseeMtkmfZHDltvR+Y13RDFEzQ8ee+2h+fcqtVnSsxaGv8Aw8Ztph7hv2YsPD4VINuVxz5402IgU5lnne6yZQfheAOVbeieZeEMqpJIjJGoMrlE712ZdQVn3DHTayn4uthzIx50RMC9U/pbFvbWevCh6hHJuKaREVxKGRkLK0StItl25oCoN9gCbk7C52wVc27Qqt7QIYw7CN2QBWRhsZARTkkKbEWFRGbNYmzcrb1aukU4V4iFYjOI2jsdlbmUbeNuQtqWxt05dMWq0RCuzBYt5AwX94KWHzte3zwWOF0mjd+SWnxTIBclgc6JHpdeaWs94ujKFIl1k/mZfCPkeZ9x9cPwYB4dmea8Fw8d05E5hZCLJ4kaDyO58kkJGWNgCSeg3Jx1CQBZXmAC40NSmvh/hBmIecaU56PzN7+Q+/tjn4jHNaMsep5rvdH9CPkIfOKby4n8fXwT0LKABtbkAOnsOmORqdV6zRooL4ZfQ/p+uJSmbuXM04VS17AAsT5Ac/ni2tJNLL5A1ubhqfIbofk2dx1AYoW8JAYMADvyO3TBpsO6IgO48kng8fHiQSy9N7ryOiJ96Om58hgFFPZxwQ+bPIFOlpowfK9/qRywYYeQiw0pR+Pga7K54vxXObZwkMPenxA7KFPxk+R8vX/huGB0j8g874LOLxrIIetOo4Ud/Pl78V/Lc/qppV0QL3ZYA+E2tfe7ctsOSYaGNht2vvguRh+ksXiJRkjGUnXQ7cddk5R8vr+uOYV6RuyDZVwpTwRTwqpaKpkeSRHNxeT4gBYWWwtbFLSL01OkaKiKFRAFVQLBQBYADoANsRRDc14bp52kd4x3kkDUxk3uI2vcDe3NicRRKdD2QUQVFqJKmqCABVllIVQOiqlrD0viKa800UPD9BRKXjgp4Ao3k0qpHu53+pxYBJoLJoCyvV/FdLFCJzKGjLaAyAtdrE229B1wVsEjnZa1Q34iNrcxOir5vxT3dJFUwwvMJiAqjYjUCd7BuVrbX3xpkGZ5Y41SzJiA2MPaLtGMoq2lhjkdDGzqCyMCCp6jcA88Be0NcQDaMx2ZoNUh9XxbRxyCJp11k6dKgtY3tYlQQN/O2CNgkcMwGiG7ERtOUnVZ/wAFsKTOJ4D4UbvFHlYftFP8AP1w9iP7MOHeH4XOw39WJczx/KaODeKJ6+eYhUSmj2BAOpiSdNyTb4QSQB5YWngbE0cym8PiHTPNDshJFE1ZX1L0M1S2kOxkJ/8A67iwAsNz05XsemF9ALXvZBhsHCMTGzWhXnr7+S03Nsmvlz0oJbTBoUnmSq+En1uBjUD8kjXd68biz1+d1fFZ+6xLhrPPw3fXV2WaPQQkhjYEMCCGAJHUfPHoJ4esruPivPwTdXd8eWiu1fGs7bKsYRdOgMO8KFV0hgz7l7Abm/IG2BtwjB48eHsIjsY47DT5+aHUsFZUH9ms8lwq3QNbwCyXI28I2BPLBXGKP4qH73Qm9a/a+HojmX9mddJ8SpEP67i/0TV97YXf0hC3bVGbgZXb6I6nZC1t6sA+kV/84wD/AMoP+vr+kf8A8af+3oj6cO1spWSeSHvQq+LxNup3so0qmtSwaxO5Fj4d+QupqqubcFSLD+zkkmkLoxUd2qHuxHpJDXNtUMd/FzZyBY6cRRNkHD1MhLCFCSSTqGrci22q9tgF26BRyAAilImTiK18DA8iDi6pUCDsqsuVQMbtDGT5lB/pggnkGgcfml3YLDuNujF+AU1PSRx/Aip/ZUD9MZc9zviNokcMUXwNA8AAu+8HmMZoreYc0J4hhnaI9w2ltQJ8Wk6befTffDOGdG1/9mor1XP6QjxL4v6DRvnWlc0p8WNIj00jOGYRjxA3GpTckfUY6GEyOD2gaX6FcDpXrWPhkc6zlGvCwdfsjjcXUzHTaQh/CTYWGrY9b4VGClAvTRdQ9M4VzsmuumwoX6pTy6tnppZEiF3JKEadW6k8h588dCSOOZoc7bdcDDTz4SV0cWp22vbkjtTWVn4KZp7i5UKSArWPxbC1hyG/mcKNjg69oZ3/AKXUknxwwUjptLIrgaO+3l80AoqQyRHTEmx8Urva3tdgBt6HDj3hr9XeQH6XJhhdJCckY73E1XqB9VNJD/2ezhxHNuBeyhl8yBzI/wCXxkO/u2qwiPYf4Wjryv4XpY7+9PnD8munhPTuwLcvh2P1xyMQMsjvFerwDg/Dxn/6j00Kj4p4jhoYDLLueSIObnyHkPM9PoCq94aF2MJhX4h+RnmeSxbM+NMxrpNETSKD8MVOCNvUr4j63NvQYWLnO39F6ePAYXDNzOrxd7pdLwvnCjvFjqB1usvi+gfViZXcj781X8zAnskj5fpFeGO0upppO6rg0iA2YstpI/fYavUHf16Y02UjdL4roqKVueDQ+h9/JbNTVCyIrowZHAZWHIg8iMMg2vNOaWktduFl/bJmaMYoEk8UZYyR2OxIUoSbW5X69cdPAMItxG+y4/SUgNNB23Cj72Gpyqojp6d4lgCTam3DsNnIO/5VPXr0xKcydpcbvT8KdiTDuawVWqu8JZhI2STiJyktPrsRzsLSbX8wWXGJ2NGJGbY/6RMPI44U5TqL/Kr5NxFO+TVbd47TRtp1EksFcrc357Avbyt6Y0+FoxDRWhWY8Q84ZxvUKbsrySkmp3eREklDkENvoFhpsOl9zq/0xWMlka6gaCmAhjezMRZQjtJgVcwjlD2jnVdTofK8b2P9m2C4QkxFvEf7QsaMs4deh4+hVrh3MKjKapqSWNpIXbUNC3JvYB0tuRYAFeltvXMrGYhmdpoj3S1C9+Gk6twsH3aLx8P1C5x+Kij/AGDHUWJC7OlmuCQ1772tjm3pS9r/ADYH9HdU53a4DXgbHpotExlcFIlP2WUgdmdpHBJIQEKoBOw2Grblzx0D0jLVBIjo+O7KYcv4WooLd3TxAjkWGpvq1zhZ+Jlfu4o7cPEzZqMgYAjrBs77cKvUyQ0sUJUlT3haRgQbdNIBv74i1QSvL2qZsST+LIv0EUVh7XQnEpXS2Ku7U4FH7KJ39WIQf4n7YfjwDnsz2NRYXOxOOEMjospLmkg+I0S83azIZBq7uOPe+kFmG22+/X0xw5nTuYeq3980XA4h8k7euZTNb35aevcjfA3H61VX+Hu51IzKzAAXW2w3vuLnl0xnBx4ppJmdY5ewutin4dwAiGqfq1mCsV3YKxUH94DbHSYASL5hcyYuDSW70a8eCTsj4usr/iXYsCChVRc3vcbC3lz8/THTnwWo6oeK85gemaa7+S7XhQ+Y2pEKTi+ORyoSTZWYG4udKliLDYbDAX4F7RdjcfhORdNRSOLQ07E+NC6rwCvZBm4qkZgpVkNipbUDttvb/lsBxEHUuAJu+KawGNGLjLgKI4Xfgh3B2dyTySJMQSo1LsBbexG3uMHxmHZG0OZ4JPojHy4h7mTakajSq4FAINYmq4SxJdZOvNlOofUAj54bdlLI3jhXrouTGXiaeEncO8yNfoD81Hl9MZ6SRFF2gYSKPNWFmA+gONSOEcwJ2cK/CHBG7EYN7W7sOYeB3A+Vr2T5rBCoLUweUH4i23O42IIBHoOmJNDJIdH0FMJjcPAwF0WZ443/ALr5Ixm+USyslXTAhnUOVuAQbcxewII/5vhaGdjAYZeGi6OLwU0zm4zDDVwBriDz9/dWckoatnY1ZJiZSpRmB1X5WAOx9dsYnkhAHVbjiEfBYfGueTij2CKonfwA29F9bgmEtfVKB+7t+tsUOkH1sFD0BAXXbq5afVHqTKo44+7VFCHmrDVq9WvzOFHzOc7MTr8l1ocHFHH1TWjLyOt+KtxRBRYWFhYACwA8gOmBF1phjA0UFg3aHXSV2aGFNwjinjHS97MT7ve58gPLCbzmd6L2PR8bcPhM7uIzH7eia8zqjlvdZdlkYerlF3kIBN7Hffa+xO/hUdDfGycvZbuufEwYvNicSaYNh7+2pKVsz4lzahqNM8zhxZtLaWVgfQbWNiNrHnyxjM8HddCLCYLER3G3TztNPG9JFmOVpmKIFmRQxt5BtLqT1Cm5BPkfM42+nNzrn4F78LizhyeyT/o+a67EM5Z45qZjcRWeP0DE6h7BrH+8cXCdwq6bgDXtlHHQ+W3vuR3tMyOOSjmmEa98mltdhqspAIvztpJ29MdLCSkSBt6LyuNha6MurVc9mswqMs7pt9JeFvY7/wDq9vli8WMk1juKmCcJIKPeEv8AZIrLLVU7qdJWzbG2pCVYX5XOr7YPjqLWvCW6PsOewoj2d8L1FO9SlRGO4lXRuVOvSSB4QTsVZueB4qdjw0tOoRMHh3xlweNCu6jspgLkpNKiH8uxsPIMenvf54gx7q1Cs9HNvRxATHT8IUixQxNH3qwBgneeL4jdrjkbn026YXOIkzEg1fJMjCxhoBF1zRrvFG1xt0H+2A0Sj2Avhm8gf0xeVS1z3jeg++JQU1XJ9ST8/wDTFqqXzQPIYllXlCkpHuN+YNsU4aqmnRfnPP8Agwz5/UUayLF3rNMjMCQdS96QACOpb+E4yFu9FWkyrI4mMctXXPJGSrtFGgQsDY6Qyk2v5k4lqa80Dp5FLL3hOi41HmQt97X8hjWY0G3oqd2nF53O55po7R+GkoJ4o4Wd0ljupYgksGIa2kDpp6dcUq2QfhGualzKldwyFZlVgwIIWTwG4O/wvfEVr9SSdD5H/b/HECy7msyipIY61o6gfsgzDmRbqpNt7Wt9cd0ve+AOj392vEMigixropx2bI/GyaIs2y+Hwx6RfwkqhOx82tcj64QMOKk1d9fsu43GdGQdllcrAP1S/BPNl0rjRqV9gTezWvpII678sOObHimjXULkskn6LlcMtg8eB5G/suMvyisYmoiUqxJ6hSb87A9PfFyTwD+t5+6zh8HjnE4iIUSfDfuPBMPDWQPE7SzHVIwPhve1+ZY+Z/1+SeKxLXtDGbLrdG9GvhkM02rjw333JPNEcmyFKdnMZa77eK3hHkPM+uAz4l0oAdwTmC6OjwrnGMnXnwCtnK4tWru4tXO/di//AOcC659VZrxTP8OHNmyNvnQVvuh1398DspjIOKr1ldDANUskcQ83YL+tsTUq6A1SzmXaZl8VwJTKR0iUt/MbL98bETzwQ3TxjilbMu2XmKel9mlf/Ko/zYIIDxKC7Ft4BaflNaJ4Ipl5Sorj+8Af8cAIo0mgbFrBhOKbO2eXZUq2LE9FZz4vax1YSHZdrzXsi3rsCAziweg2+yd82ielz+GpZS0VVpjVhuAxQR297hT7E+RwU9mS+a5cRbN0e6MHtMs+V2l/tvP/AH0Q6CAf+8mMy/F5JzoMf0O/9vsEep70vDhEos0iMFU8/wBq50/Y6vri6qLxSbv7uk+xwI9Bqg3YbTE1U8n5ViCH3ZgR/wChxIviKZ6ceBE1vM38h+1sVZTLLG8bi6upVh5gix+2GWuLSCF5hzQ4EHiqmS5JBSqUgTQGNzuTc+pYnG5JXSG3FDihZEKYERGBoq4ke3LmcWAqJUZY+f0H+uL0VaqrU1SIVDk3ble5HMC56AXYC588aFnZUaG6sDFLSiiqVZnVSCyEBh5Ei4v8jfEpSwh9bmpTT4QB36xPcgmzCysNJ2uxXZt7HljQbayXV816szxERmHitJ3IuQql+viPILvc+h54gYVC8KTJc1E6sQACjFTpbUp63VgBqUg8/cdMRzcqjHZkQpzZ2HnvjLtlBo4rI+12T8Fm+XZhvp+F7DojeL5lJSPljARBqse4iqUkqp5IL91JK7pqFiAzFrEC/K9sRaTdwfW5VHCzV0byTBzpUayGWwtsCE53HiOJazS0jP8AjkRZdDXU0IdXIQBzYxg6hvpv+ZQtgeo3xFSxLiTPZKyd55AquwA8AIGwsOZJva29+mItL9V8N5iKmkgn/wDrRI592UEj5G4xFndQ5xw/FUWLg6hsHUgG3rfY4ahxL4tBtyK5uM6NixJt415jfztVaPhCnQ3Ks5G/jbb6L/jgj8dK7Y14ftLw9CYZhsgu8T+PumDQfM/898JWuxlPNe7odd/fEsqZRxQzMeJKSn2lqIkI/LqGr+Eb/bFgE7KEtbvolXMe1uhT+iEsx81XSP57H7Y2IXFCOJjHG0rZj2xVDbQwRRjzclz9tI/XBBAOJQXYvkEIqc7zeqp5Kgyyinj+JkIjHMCw02Zue/PrfGssbTSwZJnAkbIdwbkC5hUGOSo0ORqF1LNIQCTY8hawuT8gemnuyDQLEbOtdqVDkHCNXVgmKLwqdLO5Cqp2uCTzt1sDizI0bqmwvcaAQ3M6FoJpIXKlo2KkodS3HkcW1wcLCy5ha7KVuvZHX97lsa3uYWaI/I6l/lZcKyinLoYc2wJa7YuE2LfjYVuLWmA5i2wf2tsfKwPmQlK2jmXp+h8aAOoefD8fhKHDOdVE1TQU8krPFFURsitY6bMOttVgNgL2GMtNkLpYmCKOKWRoolpv5LQOP+MIqaqEU1FFUhUWRGawKkk35q3kOVsbe8ZqItcfo/AvmhL2SFutHv8AULPOKOKqnM5UUrZQbRwx3O52v5s3S/0Aubjc4u3XZwuDiwbCb8SfegWydnvDP4GlCPbvZDrkI6Hoo9FG3vfzwxG3KNV5npDF/wAmXMNhoPfeuuPq6rhpi9GgZh8bWuyL5qvIn628j0zKXAdlTARwPlqY6cORPeffih3ZzxGZMueWeQsadn1uxuSoGsH18Jt8sVE/sWeCN0lhcmJDIx8VUPT6olkGdR1xE0Ep0qAHibZlJ6MvLexs1yDvbltbXB+oKBiMO7DdiRvgeB80fmHI/L64O1IlUsxr44U1yNpW9uRO/sATjTWlxoKnOAFlD6CpSt7wpqCKjRXIFyXAJIF+QAHPnc+WNOBZusWH7K1KrpLEO8ZgxIIIW1grHayg8wOpxQogq9QQhlTVpT1zGRlRJ4QbsbXeNrWHmdLD6Y0AXM04KiQ1+vEKvXUjTGpMIJWeJHRiCv7WMkD4rEX0pv5DyxYNVfD6LLhd1x+qsJkLGPuS/wCyFnS/9JE4OrnYq4vf4t+d74rPravIapF6KB1vrlL3tYaQoFvIDff1J6csYJHBEAI3U97Op89sTgVR0cEidvOVGbLRIoJaCVX2FzZrxn7sD8sDW7pYPHwxWsAVoqog8iIJCD/Li1rMOarUeWzysUihlkdTYqkbMQfIgDY++JSouAT/AJXwPnc1KKTu1hpr6rTFFudWre2px4t+QxKWbHJHcq7Bzsams91hT9Hc/wCXE0V2Vr+S5XHS08cEVxHEoVbm526k+Z54pVspJ8wjW12FyQoA33YgDl6nBBE4i6QjiIwavX5q1gaMs47V+KauieFadlRJVbxaAzalIv8AFcWsy9PPBomB26XnlcyqWXVmbV1THJLJNNJHHpEl3sq6yQt1BA3II2GDhrBpSUMkrgTaH0WVTS6e6idgxCgqpsSeQvyv88bLgN0MNJ2CNZdwPVSVX4VgkMukORI4+E35BbljsdhytvbGDI0C0RsDyapFV4QpIqeSqlqnnjp37qaOCPSe8uo0o8hAKgsLvax6WOMdaToBuijDAaud40m3hzK4qeslpohrp62jE8ay+JSQSNJ8xZrn0OBucSL4hGjYGnLwIVfL5WaPLquanSCs/FdzYJ3XeRkMHurctK3O/VTb4rYhNEtvRW0B1PqjaoxTUtLV5nFUVMQpqqNjZCZDeRm2CoDZlu1xzsU+U+JgoaqAZHmzQOqQ6mekFMIo4nM6ysfxF9KtH4tNkvsT4Tpttvv0wcZr7ko7qw08+a0HsKr7PUwE8wsqj2urfqmBTjYo2FduFrhGF04lGq7O6U1EdTDqgkjkWSyW0MVIO6nle1vCQMC6oXYXRZ0pMIzE/tAitd/n+VR4p7OPxtW1Q9SVUhVCLHuAB+8W87n4euKdFbrtFwvSn8eHq2s1539q+6OcM8G0tFvEl5LWMjm7fLoPkBjbWBqVxOOmxHxnTkNvfimHG0mlPjziiah7gxRLKJWZWBve4AKhbX3O/Q8sClkLKpdHAYOPEZs7qqlRhpIZqSoV6aSklqQZXgjZTJIqablFOw1fDYqpuTtvfGaBadKvgiF745mlrw8N0DiDQu9/Dfcrrs/z+gc/hqOCSJtJZtai502F2YMxJ3tvi4ns2aFOkMNiWjrZnA8NPsKCdZh4T9fpg43XJOyEcQUPf08kY3JF19xuPqRb54Iw5XArLxmbSC8J5VVU+u/dorgXDXc6gTyClQBY+Z5DBJXNchRsc1MK0xLB3cuRyFgAL7GwAvy8ycCvSgjVrZU7AczbbkTilZpcmUe/ti8pWc4X0ajyX64lAcVMx4BcVb92jSSyKiILsfIDFZgpTiuUqYhCalX7yMIZAwN7qBfb5YouKsN1QvK+LBUUE1VHGUaJXujb2ZU1jccwQVPzxlaShRZjnjxxujxyLIiuGKLezqGsbLba9vliaKrKbG7QKDvUiWbW8jqg0KSLsQBdrabXPO+CdU+rpY66O6tMdZMUQsBe2KjbmcAs4iQxxl44Jdq+ICBcsFHyH3OHxhWDUrhP6Tlcab6IXPnakAmQEE2BLCxPkN+eDsibwSMuJkcaNq/w4hmm1n4IeXq7C38qE/xjywvjHBjco4ro9EMMjjK7YaDxRymzdJKiSBdzGLs3S99wPUXF/e3MGyZicGB52K7LcSx0xhB1AtJ/bVQa6JJQN4ZQT/Za6n+Yri4TTlWJbbL5JY7MsxdqWtpoo4++WIzRHQGZ2BNtWq4OltAG218amGoKHhnCi2tfqusrlnmo6yhr5hBMwSeE1DLFa7EnkBpF15AbajtinBrSCNluNz3gg6HcLrOeIaIVdBViq7ySBe6m7qNjqCq41KTYWLEqN9w4YXAxGg0RSjy0Oa4uGm6E1HG1Mq1kcNI8kdZIZGE8gXSTvssYb8248Q6eWNCN5q+CwZohYFm0NfjOum7iOLQhgFohTxeIDQUtvqNtJ5CwvY22FtdUNSSh/wAhxoNCkg4KzSr0mSKZgBYNUyHwjyAkbUBy2AxeaNuyoiaTdMmW9jUpt31RGnpGpf7nSB9DjBnHALYwjjuU05d2UUEf9IJZj/Xew+iafvfGDM4orcKwbpryzJKen/oII477EogBPueZ+eBFxO6O1jW7BEMUtLiaVVUsxCqoJLE2AA3JJPIDzxFEJzzimlpI45JpRaX+jCAu0m1/AEBLCxBvy3HniKJG7SM8irsmeqoZmb8PLHJ4dSsCGC2ZTY7atW+2wOIrCh7TOO6uniopaV0SKshJ1lblSRGQQTsLBtr+R522nFQJmyuKejrIIJqmSqiqUfQ0oXXHLGNRsVA8DoW2N7aOe+IpZUMPDlb/ANX/ABrvEYfEgAZtQj0kKLabX1WY7874CGO6zMuo7FYf+H1ABzb8N/ny0TRR5LBFNLPHGFkmtrYdbenIE9bc+uCBoBsJB88j2NY46DZEMaQVUYFdrE+2CaFYutF8CueSge+J2VLcVHWMIo3klk0oilmI6AC55YrMOAUyk7lR5NVwVMYlhbWtyLm4II5hgbEH0I8sUXlQMCtV9ZHTxNLIQkaC7G3L5Dc+wxm1sBKXaPXh8vikilIilljJdCV8BBI35jfTiKKTiAvLkZZ7lzTRyP6kBHa/0OIq4LngyaJ8vSlLqJJYpJBGSNQjkeSxt5WOIVAl7grNkp8vj/EI3dV0siNKLaYzZYhr9DoO/ocWVAh2TdpL0cK0phSUwXj1iTZgrEAiwIta2998TdSwNCs2RypDKbFTcHyI3GOpuuKDWq/UdNMKinVxymjDD2db/wCOOaDkdfIrryNEkZbzH1We5XGs0svec0ACjyve5977fIYX6fc4yNYT2avzv/S5HQLGmNzyO1dIBxJlpKu8a3EVi5uBZTt1572wD/jszmyuivs1t3/6tM9KQhzQ8DUfRN+Z5l/0nL4YhvUSjnzsxsXa52Om4AH9noDjtNb/ACJS47BRz/4mHDR8X3QPgnMitZEOj3Q9b3B5+Z1WJOHsW0GEgcFwujHuGLDid7B9+K0LjGg7+hqY9rtExW/7wGpf5gMcVpogr1j25mkL82Uc0iuDE7o52DRuUbfpqUgi/vh4gHdctr3NNtTbQdmmYVB1uFXVuXml1FvXw6yfngXWMboEfqpZNSmnLuxpOc9Sx9IkC/zNq/QYwZ+QRG4TmU1Zb2cZfFY9wJD5ysX/AJSdP2wMyuPFFbh4xwRbM6yny+meUoEijtdYkA5kKAALDmQMYJJRg0DZc12fItA9bENaCAzoDcaho1LfqL7YpWgMXE8s2T1NSQI54kmU6OQZLi63+R6/PEUtVuzOtlV5KWWV5h3MNTE7kswWVfEpJ3sG5X88WVQTrDmEbyPErXdPiFjtf1tY/LFLVKyy3BHn5YipYpm2dT0VPmGU1kjTN+HeSlnYlmeNr+FzuQRZufkw5ab0rXfE08lA+UTCYQxGjFK0pj70xeFCWVL7k2AvvtfY8jfFUNVb4NpKWqbNqenkmnaoiHe1EgVFZ27weCMIumzEm5Bub/OcFZFGig3E+WSnhinaddMlJINrg3Qu0QFwSOTL/DiFUDey0Xg/hh07iomrJaoRxWpw6qojV1G5tu76QF1MeRPni1WqcsUrXsRRexFFxI9v1+QxYFrLnUq9DXLKoZG1KSQDYjceh3xuSMsNEaoUGIZM0OYbB46j6qrxXRGeiqYhzeJwPfSbffA0dIeR5hM6V70riN5Kemql1AEK3d2k2IIudBF7eWLKoIvw/wATzVZWmqaeNTPSd+jX1q4Nl8SEWF+ek3ty3xSl2gWb5qajh+EFAZZmWFQoCgNG5OwFlUaYzsLDfF8VOCsZ1HI7wCknIizWEx91IWKoFiF2X906NrAC5P0imtKpmEQZqLL2UpXQSLEJYyF/7exuytf80f5SLg6tt94qtH63gudYJKKmkjFJMQT3hYvFuNfd2BDarXsbWJPntFNdk0//AA/S/wD8aHYW/o16beWKtXlC/9k="/>
+          <p:cNvSpPr>
+            <a:spLocks noChangeAspect="1" noChangeArrowheads="1"/>
+          </p:cNvSpPr>
+          <p:nvPr/>
+        </p:nvSpPr>
+        <p:spPr bwMode="auto">
+          <a:xfrm>
+            <a:off x="155575" y="-144463"/>
+            <a:ext cx="304800" cy="304801"/>
+          </a:xfrm>
+          <a:prstGeom prst="rect">
+            <a:avLst/>
+          </a:prstGeom>
+          <a:noFill/>
+        </p:spPr>
+        <p:txBody>
+          <a:bodyPr vert="horz" wrap="square" lIns="91440" tIns="45720" rIns="91440" bIns="45720" numCol="1" anchor="t" anchorCtr="0" compatLnSpc="1">
+            <a:prstTxWarp prst="textNoShape">
+              <a:avLst/>
+            </a:prstTxWarp>
+          </a:bodyPr>
+          <a:lstStyle/>
+          <a:p>
+            <a:endParaRPr lang="en-US"/>
+          </a:p>
+        </p:txBody>
+      </p:sp>
+      <p:sp>
+        <p:nvSpPr>
+          <p:cNvPr id="60426" name="AutoShape 10" descr="http://blog.webafrica.co.za/wp-content/uploads/2013/07/social_media.jpg"/>
+          <p:cNvSpPr>
+            <a:spLocks noChangeAspect="1" noChangeArrowheads="1"/>
+          </p:cNvSpPr>
+          <p:nvPr/>
+        </p:nvSpPr>
+        <p:spPr bwMode="auto">
+          <a:xfrm>
+            <a:off x="63500" y="-136525"/>
+            <a:ext cx="304800" cy="304800"/>
+          </a:xfrm>
+          <a:prstGeom prst="rect">
+            <a:avLst/>
+          </a:prstGeom>
+          <a:noFill/>
+        </p:spPr>
+        <p:txBody>
+          <a:bodyPr vert="horz" wrap="square" lIns="91440" tIns="45720" rIns="91440" bIns="45720" numCol="1" anchor="t" anchorCtr="0" compatLnSpc="1">
+            <a:prstTxWarp prst="textNoShape">
+              <a:avLst/>
+            </a:prstTxWarp>
+          </a:bodyPr>
+          <a:lstStyle/>
+          <a:p>
+            <a:endParaRPr lang="en-US"/>
+          </a:p>
+        </p:txBody>
+      </p:sp>
+      <p:sp>
+        <p:nvSpPr>
+          <p:cNvPr id="67586" name="AutoShape 2" descr="data:image/jpeg;base64,/9j/4AAQSkZJRgABAQAAAQABAAD/2wCEAAkGBxMTEhUUEhMWFhUXGR8bGRgYGR8dIRshIR8dGx8gIiEfHygjIB8lIR8cIjIhJSkrLi8uHx80ODMtNygtLisBCgoKBQUFDgUFDisZExkrKysrKysrKysrKysrKysrKysrKysrKysrKysrKysrKysrKysrKysrKysrKysrKysrK//AABEIAQkAvgMBIgACEQEDEQH/xAAbAAACAwEBAQAAAAAAAAAAAAAFBgAEBwMCAf/EAEwQAAIBAwMBBQUFBQMLAwIHAQECAwQFEQASITEGEyJBURQyYXGBByNCUpEVM2KhsXKCkhYkNENTY3ODosHwJZOyo8NERmWzwuHkNf/EABQBAQAAAAAAAAAAAAAAAAAAAAD/xAAUEQEAAAAAAAAAAAAAAAAAAAAA/9oADAMBAAIRAxEAPwDcdTU1NBNTU1NBNTU1NBNTVSa5wpKIWlQSspZY9w3lRnJC9SODzjyOs47QdpbZcZ46dLtVx7iE7umDKrEnqX7onnIGS20Y8uToHq89qKKl/wBJqooz+VnG76KPEfoNKVV9s1tB+6FRUf8AChP/APMroXa+z9np4JKikoJq94pe6YMjO+7822TC7eR4lXz+BwSi7W3hwFp7GY16DvJ1UAfIquPloHXs9eFq4EnRJY1f8MqbGGOOR/3BI0S0oXeluctJGTWQ0EykmYookTb5cyAFSOOh6556aW7ferVQSGoqbu9bUbSgYuZAoOCwjSPKoGKjqfLroGC+/aRTQTNTwxz1k68NHTR79h9GPTPkQMkHg40w2m4ySrEz08kW9CzByvgYEDYRnOTkkEDGAc4OBpNtXb4PETQWesZDzEREkcbk+e7dgA/mAOu9PDfqpHEz0tAr42mNWllTkHGd/d8jjPx8tA9yOFBLEAAZJPAA0FoO2FBNKIYayCSQ9FVwc+fGODx6a50Nmjp6GSGsnapjAdppKglsr7xzknCqPIdMZ0C7C3eyTVDJbYolmVSdy05Q7cgHDFAfMcZ5+mgfdTST+1L5IzhKGliXJCNNOW48iwjBPxxwdOUAbau8gvgbioIBOOcAkkDPkSfnoOmpqamgmpqamgmpqamgmpqamgmpqamg+NnHHXSP2moo64xwSXQIE8MsFMyxvNKBkry7MBjJEXPqScAi9XduYhVNR08E9TUL7wRNqJkZy7uQFX4jPpyeNcL9RXhwGpGoIXI53K7svykK4b6xjQL9P2rgjdTRWaumeOMQCZoSvgXjbvbLHGPxYOmSavrEpoWt9sRS+Q8UrrCYccDKgYYHnofTjngI/ZSu2F7lfpUXz7nZAB6+PjI+g0p1tDYUb/O71VVQ/L3ryKfmY0P/AMhoGiqufaD8b2qmHq7tx+pb+mjlH2upYqYJU3WkeoAO6RWjxuJJGEU9FyAPXHOs0al7Py8UFrrK1hwe678Ln+JmfK/QaK0VFM/3cPZamj8t9QyMB8SWQMfkCToOElXYWkPtVdV3KVm3BG71l3c+6iKqevGSAPhotR3+GM/+ndnJy3k706wA/wB/ax/XQyvir6RcNdLVbgesVNGoP0GzeT8tL7XOObKLWXi6Sn8MG6GL5YIdh89ugdLr2jvxBLpQW9D0aomUsPjncR/06Wau8U5B/aPaGpmfHMdCpRPluCbG/Qar0/YCqjHfmhoadeua+oaQ/M4Ij/xLnVhq6ONcVF9poB0EdtpxgfKSNARoDvZgS0GXttkq5FqFVmkqKlFZhyVyo3BTyeuDzp1utFcX7v2F6ejjZMyJJEHkRz6bWMbY4HpkHkg8ZDSVFFIxb2q+V6g8iIHH94lt36Y0eslsonkWaO23qLa3EmW4I8/f3Ef2QdBqM8cqpCstaqERssj7EVpHKhQ67iVTBy23awJI8hgrFP2HqYJRUfturKqdxEx3oRnJBBbbg9OAMeWNLfaG5CsmfveztbUE5RWkaVFCg8FMriMtgE7cH1J0So5pqOk7mDs/UNHISJIXqVlQA/lBZzzk5GxR8/INGobvTzEiGeKQjqEkViP0J1d1kVpeSlmWSHsuY2PR1lQsueDjK+HgkdRxnWtxsSASMEjkdcfDjQetTU1NBNTU1NBNTU1NBNJ/aP7TbbRu0cs+6ReqRKXIPoSPCD8Cc6aLhXRwRtLM6pGgyzMcAD/zy1l0Pah62V2stvhQAnfX1Eaoo9SMDcx8+SSMjKjQFX7b3GoQvQ20xRYz39c4iUfHYDkj4hsaSq7tdMzEV99iiT/ZW5C7H/mhcKf7za+31LVvU3O61NzmB/cQH7tieNqqnhX0wrqSdM1Nc7msQFts8FFB5PUOqHHq0alWU/2s6BPo7XQVbd5DbbvXnH7yok2K/wDzAR/UfLTLTRXEDZS2ChpF83ndHA+J27Wb586o1t0k2k3HtLHGeQYqFQxU5xjfGN/HmCv140Eg/Zcre7drw3lnfsz9CHH89AwXm7V0a4mv1vpse9FToHK/IYL/AEwNLklVRSL99VXe6Fsj7tWSI/Dax3D6fppki7PVn7ymsVupcdDVOJW+BAGAp+fOiVBeardsrb5b6Yj/AFdOIiR8C0uQp+G06Bd7N9m6j36KwwwnyluErSHg8ERnaVPxC/U6cLZQdojUwtPUUa06uDJHED4l8wMx5zjp4hq5HUUs3gF1q6nJxmBgQCeOWpYVC/MkfPXCq7PUgkZWjukxH4u+qSD8mMgB+fTQZ632T3Y1PfyCmqME4FRNJICOcbuhOPQnGmSPs3dIhu9lsMOPxGIrj6hdMKWKBfdtlwcH1qgf5SVg/ppPv3ZpFk3r2amlHXc9cxY/Dakkgx9T8tB3rO19XEuJr1a4scYpomnx9AD/AE0Mj7UVpBmjulfUx8hmgtilBnjqzqoOfhnOjNjuPdnKdlWjYdGCqT/ieNToPfrnNJMxcdoafJJEcY8C5PRcFcqPLk/PQcqWeokkQGbtHucgLhAik/WTZj1J4A68ac/tEgjRkmkuFypTL/qKd2bO3AJCoSE4xnB2/DJOQfZ7thFRq/tNXd1VlKg1lODtJ6MD4zkeQzj1Gi32a3xZKl0W9mtUqzdzLTsjLjncHY+Q6+XPQaBopbLNFSgUtbICw3NLWBqhsYz0aRAh9eCPhpVsl4rzIe5vFBXnkin2pG745KrsI28fiO4DqQdM97rK6oEbWp6CWnbId5WZwecHHdnaV6g85zpcIlLxx11iwIpQ0dRRsCFO4feKqYkQHarYySQACOMaDThqaS/s8vME8lasMtWzCbe8dUuDFvzhU4yE8Jwp6Y6erpoJqampoJqampoAfbKkmlpjHTwU07Mw8NVzGAOdxXadxBxxx654wcfnjpWlMNzrKi4Txnb7DQxuIkKnBUBQoODxldp45zpr7V9oozUKbjaqtIIJMR1KyMFXcQu9tjKoB45LHr8ca7SfaPb6aSSC30k1S+47jSxBldz1JcHLsT+LDZ9ToFyH9pB+7tFkjoBjHfzIveY9dz9P7J3nQi7/AGWX2rbdU1EcpznxzMQPkNuB9Bp8qv8AKOswYxTW6M+TN3smPiQrL+gU6CV1ioYd37ZvktS34oRMQvy7tCz/AKY+WgC2bsNJbQTNeaGkkPpHHK/yDSbXHlkLrhJeqTcfae0lfMOm2mjki/mcqf00YprhZoRut9jqKvzWQwO6E/BpNxH+HVav+0u7Hw0to7kDoDBI5Hywqgf4dBxe22+ow6Wq81WBw8hbDf3t2efhjRns8io4WDs9T0+PdesqFDj6OjSfUZ0qxXi91Dn26K7NF+WliMJ+RIi5X4fz0w9mrHRpKrCwV7y9QagqR8yJHVM/MaB4/wAoKjBU1FtjYfhRpJyP7oMZ/lrnHf5ycNUueesNpq8fqxcH56LwXSrwAttZAOgaaEY/wM2p+0LkTxQ04Hq9WR/Jadv66AbIZW59vuA+CUIX/wCVKT/PWe9phGJT3zdpJAfxjaiH+ypQDHwwNbE/tjQcezxT54zvmjA/+kxP6Y+OkftDWVavsqL/AEdG3nHHCu7H/MlLD56BChtVK3iWn7SsPUIp/mBr1KaM8Qp2iicflAb9Rvz+mNGKitVDuk7Vkp5iOIFvpsZv6aFVVzth6doboW9T3pH6bRj9dB2t12AkWAXW700sjBUFZCHBJIUDG5jgkgemmuk7P32EuH/Z1ZG4KsHTu2ZCMFSUjUcj13aUqe+W1f8A8wXbPzkx+hU67U3a1Rnb2olHpvoGbHzJBz8+NA5W/s4awCkuFoFNSwAtD3VUShJYZUrGVyTy25hxz03c0Lz2vpe9jpKW5G1tTMUaOSl3K23gAk4CrweSwzn5aGUna+45xFebTUL5Gf7lj81Cr/I6JXS7XJowauz0dxj/ADU7hx9FYO2fkNA9XG5Smnee393VvtURxq6BWO7xHfn8pzjP4fjopbZZHijaaPupGUF49wbYxHK7hwcHjI1jM8FjeRjJRV1rbyqCjwqP0LKp+ajPGn/7MwfZ3xchcIt33bkeNPMq5LEk9CMgEfIgAHDU1NTQTXKrdgjmNQ7hSVUnG444GfLJ4zrrqld7tBSxmWolSKMcbmOOfQep+A50GY32yxgx1HaK5KR74o0yseR5BQS8gXPJxnyJI63qPtpUVKCKxW77leBPMBFCuOPCoxu+hyPMaBV15s9XVvLS2+oudU3PIfux5AMJDhV+aYGjFynvsifePR2mlAwX3qzIvTGc7c+mNvz0FC62OTaX7Q3kxqckU9O4RSPTAXL+mAhP8RzqpY57apJs9klrGU/vpRhMj0eXdg/ABToVE9oEuykpKm81hOWlkL7Sc4JbPG0epQjH4vPRa93qpCbKu70ltUcezUSGWRB5KSh3Iw6eE489Aemud5dC9XUUNpi/CW2ySfD3n7s/yPw0p3K40JYiq7RV07flplZFPy2hkOjPYSx2yplYiiqqhdhZq6uB2vyMBM8HqecAgDnOqq9pZ6bIpYbJb+eVedHk+Z7k/wBRoAMdss27cRepT8UHP1Cg/wA9ErdQ2h5FCWK6sc8PiUEH1J74AfPOrcPaq4ynx321QL6xgMf0kQD+ertsrnM657VRNzyvcwqD8BuYrk/LQMAsaY8FvuI9N1wZR/KsYj9NfEsNTn7uiK/Ga7VR/wClQ4/nohVzxAZe+Mg9d9Gv8zCdfbRV06sHF1lqh+UvE6ny/wBTEM/roPsNjnK4lpaNvg0ssg/V4+f00nXzsXXd4TDbrIUJ8K92Q31JCjPy07XaoppEAd67CkkGFatTzzyYVBYDoAc6zXtPSWnvS0luu9S2P3rCfn4ZlYP/AC0B619nbxCMxUdjhPwjkB/Vc/112igvm7kWaM+Zw+T/AOfHSZBZqCYYgsFykOOO8keNPlvLEDXz/JBs4HZk/wB6uf8AruA0D3OvaNGAWS2MD04kH8jrlcDfth7+gttYh4Mak5I/5h2n5aXO1doqqnZLV9nmbuoxGvcVoyEXJChEDdMnouhcFDRqnNqvdGf9pD3h2/E7sDHr4dAcFxgjyK3ssYx5tDAko/UIoH+LVa10PZ2eQtSVs9BN5hZWhIPpmQEdfINrhaK6Ej/M+080bj8NYDt+X3p2j5jPy0Sq0uzjFda6O6RY4mhZAx+Kt1H0QaBjnprzRgNTzR3SnP8Aq5dqS7f4XHhf5tk+gOivYAQOJpo7dJQSswWVHj2ByMkFcYDDxHxADz0n9hL1b6OeSnRaqgknChaesVigfkKUYnIBJIO4jdgc8csNF2qr6aZYrrSoI3OFq6bcYgfLvAclB/EcD4YyQD5qampoJpd7VVtKY5UlpxWvCqyGmWNZX8R2qQjfU564B69CxaRO1fa+sWc0tsoJJ5hw0zqViQ9cbjgMRn8wA+PI0FajqbhUUUhSOOyxqVKM6qx2eLflTsEX4eSM9enXSXR2+mklJUVV/qkJ8TEpTRnOcFnJX6ZZTjy0V7R2KKCEVXaSslqmJxHTRErGGwThVXbkgfjyg8jnjRPs1ci9KrFVtNvLbYY0/f1GfMEjI3cYCKZGOcMOCQCXhKslYrlVinQjwW22LumcYPhO3oD0ySUOPLXCW2S06h4LfRWqBelVWsss3zUHcQ+M+Ag+QB02R3CaM93bbXPFExzJUPGveP8AELNIjO5/PM2R5q3Q2qa1yhxOaBTKOtRcKlWdfiqxLIiefhQxj5aDP6qhNUu5qa63UnGJJWNNAf4o05IX/wA40RtH2dVrof8ANLbQoegkj9qlHzMpdP0I+Q07UdbJVs6rcg5QFitBCoHGPAZZDKu856bkJ5PABIpvZmbJNseX1NxrQ6+uQoadRz5ALoMsvPZCOkkdoa+nqqsg4poqKObJ447sbkj8udoI8s9Cf7EdkbtJIHqKK3Rx9c1FHBn+6kKo2Rx7xX/tp1pLw6Hulq7VTY6w06NOw+gePHH8Gvct0DE5uFxPwgoG2/Q+yOf0bQH6W01KjHf06Dy7il2Y/wAcrj+WvstoceKS41O30+4QD6rCG/U6WykEmfurzOfRmqIAfozwpr7PYkCl4rDFI/pUyQ7j/e+95+ugJ1V0oIuJLqFPo1THn9Ov8tZ52jmpHl3wVd9mOefZw7KP7O8Jx/ZyPTTJQdqZVPdy+wWpwcd3PG5OP4X3Qxt80Zhq+18jYeLtBTKf9z7OP0DtIf66BIhaAgh5O06fxvn+W3P8xr0J7VFzPd7ynwkaZf6Rf99O5rlxkXmrYeqU8Lj9VpDr2l3Cr/8A9ZvnU06KPriOL+ugTKCkoZzmm7TVkYzgLLUFWz6APsJ/Q6Y6rsxfKfDUd1FRg8x1MY5H9sBief7Pz0RpxLON0bWqvA81Bj/mDOM/Qa8XiRJCrV9rqI3UYE9Oe8KjrgPAwnC55wUA65GgX66rqVy927PQzge9PTiORseZCHc+PiWGutu7HUFagqrJWS0bH3u5ZtoPo8ZYEH4ZAI8iDnTJYJ1kB9guZm24zDUYkKD0PCTqTgjMjNg+RxjQvtalBLhLlGaGduI6lCQueT4Z1ABHXwShT57eh0Ay8VtyoAj3SmgudLEwYVCIolhIPDFSMAj1Hpy3OvfsbVSyXKwV8pmZt0lNK+6Nj5oUf92x8iTjHClRgjzQXm62sba2NrjQ48NVDhnVcdWHVhjklj5++3TVuGx0lWTcrFUCGoVTlIwFjkbrsmjIGN3TPHk3JAOgfbFVSy08Uk8RhlZQXjP4W8x8s9Phq/oX2YupqqWKZl2OyjvEIYFHHDrhgDw2Rz/PropoJrK/tK7TXCF2Tv6a30+cLIzd5PKOhKRqGIH0GOMsNalJIFBZiAAMkk4AA6knyGsstt2pLjdRJR24ThWAlrpslE2Dju1bjdwMHggnOPPQcYGaCgVDK9I2RKK64907uXALd3GXdgxGPD1AHPizq12CKYaeljqLlUPkGuqMRIcZ8CGQl1QHOQiNz16ADheOylsoFNXeJ3ragkkGQnLnyRIg2Mc9GJUZ8h0PWq4VlTC0tQq2uiVfCuQJig8yxwsKY4wF3ehXgkCUb108jRmqpadlALxwDvpVBzgl5NqrnHGYj0OhNbRUYl7vuprpVKfEJX7xIjjgvuxBCfgq7ueFOulvNMabfE4orcSSZdxjkqT0LmRjuVWx75PeP1BUAFydtnZoljtlOkMH4ZZUKJzk7kiGHkyecsYw2dwZtBbFNUmP72aOlQDlYAG24/3kq7cY/wB2D6HQFY7ZIcpFJcmzkE76lM/CSVu4Q/AMuNfJ46VpSr97dKpDymVMcR8sr4YIiPLdmTH5tWrjVzooNZXU1vjI4SIqz/ISzAL08li+R0BSB6sjEdPBTpjje+5l+ccYCfpLodXXNU8NTeYIH/3XcR/oJjKdD6f9nzAlKequOecyrJIjf2TUFYP8BA0dpp6hVxT25IvRZJY48f8AsiUfpoBy3WjI5uksnxV1/wDtoBrjNW0p9261UfyKn/8AchbRpZbkesNGn/Olk/8Aspr6Irln99Rgencyn+ffD+mgWnuqLnF/Uj0mipyP+lEP89eYu0ir7t9tv1hX/tUjTcWrlHC00h9NzxD9dsn9NVZ79URfvqCcjzanZJVH0LJIfomgCL2p/wD1u0/WP/8A2DRikr6p1zFNQ1J/gZ4wfqGmx/PXa3dqqaofuY3aOYg7Y54pI2JxnhZAu7HUhT09NDbnZKhwO9pLbWY/OrQn6bkmwfr9dB7uKh8GutYfHPeRBJ9hHmOFmz6bIydfLdGHybdXsCvvQVG6ULnnDrIRPGcdAXAH5ToPUsKfLN+0Ldj8Yb2mn+ozKI09SVi+Y11qKh5ESSqgirYR+7raAkSJ5ZCq3eL8TFI3y8tARqqyF3VLpSLDJnEc+d0ZJ4HdzgK0b+QDiMk8Lu66q9sLJWiApAIq6DjdS1fL4H+zlBBLeYMm5s5O48DVmkrpGhLROlzpGBDL4BMB5qQcRyehRhGwGcljxoS17khgaa0MtXDEfvKKTcJYQOCqZ8a4wfu3VsdF4AXQKHYy41VPJIbWryQJkz2qdis0Bz4u73DLKD0I5OcMpbB0Wo7dHWTvcbFUCnq1/wBIpJF2h2zysi58O7kEjILcghsnXaeOmvypW22c0txp/Xhh6K+M5Q8gOMjBIIPKgPMss9WrACgvsIztPEVcg9DnBJAx18iPLKBo3Y3txFWs8Do1PWRfvad+ox1Kn8S/Hr04wQS16SOy9VRXGZKl4O6uNNlZEbKyRnBUg4I3oQTgkEYPkeNO+g4VzRiNzMUEQU79+Nu3Hi3Z424znPGNCLZc4KylkFtqEUDdGsiICI2xwdhwDjIOOh0QvVshqYWiqVDRHBZSSAdpDDJBHGQD6azn/KKoqs0fZ6njip4zsesKhYlPU92MeI/xYJOc4wQ2goVVFR2icTVMk10usnMSEZYdSCF8WwfE7jx4RwdC+0VykYpJeQ0tQ5BpLTDnaM8K023JOT0U5J5H5lUo8y25/YbZmsu8/wC/qZPF3fTLOSTjHUISccFsnAbxIBQSGnt8X7QvMnM9U43CHd1JY8J6BcjjG4ngEPlVZqalEdZf5TUVbYMNGnKp02xpGpwQMAHOEzx4jy1q7tVVqiW7Vf7KoW9ymV9ssgx+Mnn+7g/FQRkq/wC1npFqJ6VBX1qDNVcpPFFCThdkO7AbGcAjr5AqQq9OxXYaWsJul7lPs+3eO9fBkHUE8+CLnhRjPGABjIH7ZeGqFFv7ORGGmVvvq51OFzgsV3cs5GB4vF6BQAw+RWG2wVYp6eP9p3M5ZnqJCyR46tKQCowcALtZugyMgmxJdZrophtzCgtMPElVgRlwOqxjjavqeOOuPdPm1XOGmVqTs3R+0y8CWqb92Pi0hxvPUhQQvPGeRoCUVp7Q1S5nraehUj3IIw7D5knjH8LnQantNsp5R7XfqmolBwUWobk9MERlnznyDZ1YvFmKR7+0N4JUjPs0JEat6jCgNKOnRRj11c7MVZUJ+x7GYkbhp6krDx5HPjlkUjnPPyOgabQ0SRtNS0tXIeFAlZw7DPl7VIpC8Z5Izx10KqrVHNI0j2AF2OWeVqbJPqSsjE6dJKlQCrSIrhdx5HA82wfwj1OlbeGh75bzM0O7b3kaUzDOcYyID06aDzSWaBOlm7vPnCYP694h/QaR+1S0Ec33q3i3gH/SFZzFn575P+nGnqsmWmfZNeZlbGdsi0368QD+uk6536qWUtS9oaCVSeYqgRIuPTcgOf8Ap0HyLtDKBmk7R00v5Y6yJY8/N8Bs/TRyms1bcspdKdqZkXMVVR1O0NkjjYHby5ywPQ+7nldrZDJEZbhZqSshxl6m3upYD1wp3n1zuAHJ4197O0kEy/8AoV6lp38qWoIdR8FRxwOeWAfQX3hrrfUrSwXqOaV1Dx01ejeIElRiUEktlWAUEfLodDrdd6GG4j26Ca1VYYM3dyYp5/i2Bt2tzk4x1y2deu0lwJUQdpaDwDiOupgSFz8uVz1x54Hg1J6eqigDho75aj+FsPNEPMg8klRj1Ix0TroDH2kGhFREJhLSNUL93coG2qH8lkKsNy4CnJ8jwVALBPudrmp5g91WWFxxHdqM8HyXvlUcjkDdhXOAPEOdWYmSKDvKCNrhZpP39G/ikpW6naPeXHvA8jqc8h9WqO5yUdOam2S/tC1f66ll8UlOp6jnkIBnggjGSQRl9AIrqLuKlJKmYU00h3U11pR9xPnn75B4QTzuK4HOWDDxFqj7TQzMtFf4IopwD3FUAO7cHGJI5P8AVsfCdwIGR+E+HVCKgWlpWrLefbbRLl56GUBjEM5ZkznBTzB5wOS3vDhLikijqaKMXGzP4pKaUCVqU9SVDZK45PORwc9Q2gt2a01S3em9tmVKlFPdVK+7XQjho2GR96qtnPXGMg4DHZdZhb+z8sr070rwVVodxKkLjY9MSS2YnUBhsYnw5BAymPPWn6Bc7eWWorKVqanmSESkLK7BidnVguCOT0IPBBI4znSxfLo1OYLJZwBUbAHkxkU8eMmRsfjOd3PmwPVly9doLqtLTTVD8iKNnx64GQPmTgfXWSU15e32cVQG+5XSQsrAZYlydpA8wqkELyNzgYwdBckhNKXtljTvKxsGrrXP7vPm78+PqQozt5wC2cC4bdJUq9qtD4plb/P7g3WZz74B6sOvAPPQkLlnsUdpqEEdkpX2TSL39zqQcld/VAc5LEYHxBB6FtFO1yd1HFYrUuwuuamTyhhPvM7ceJ+pyenA94YBSvN0pR3KkFLNSuVijXBevlT3mxwGQMfE54xke8wCmf2s3aFy0oNLaaTxzZbBlYDOCw4AA5wM4HOcsu0JFXIIKqvSM7QBb7UhGSBgq0ijGd+Mvu58TOudMt27NmKG1WNeFnZpatl/EIwJHGfQtwD5bU0He1Whr3tZ1ans8J2wU6eAz7Tjc2Oi/L445y2rVV2mad/2Z2fSNRHxLUqo7qBf4McM5OefPnGeWW72zmaeeCyUZ7lWj3VLpgd1Tr4Qi+hfhfgCvGGOqvaVfZFgs1nUQz1AJaQdYoxw0rN13tggN144wdugXJ7bRUNV3dMkl2u7c5mbcsbDHjfyGDg4Ylhjll4OjNRaqiJlqL9diqNkLS0zPGrE9FHd7XfAPRVJ6eL16Vfs/Z+COmoYTU3CpOF3ctIfzvjkRg9EBGeeeGbXO2S09HVLLcZDW3ibAWGFQ5hBGQiDISPAJJZiOCx6FiQcKGtTcJKa2zlmUL3rJHEcAAAMZXWUjAA906LUMtU0eZYoYn3DCrK0g28ZOe7TxdeMEdOdUWirpRlpY6RMe6iiWQfEyP8Adg46r3bAH8R0HlrKNGKy31t46hqimUj6LGoH1GgM9or00J7tFkRjgrL7LLUR9eQRCwYH+0R9dZH2ov3eVYikgtNTK3GJKaemkbqAN8xCjPkS+CeBrU46ashAkgqjWxYyYpRGHYescsaou70DqQem5eukXtL2/pK2NlqbTVSUasUknZQHgkGARhc7GGR1dT8DnQBqSjtMkojlSpsdeOhEjKp6gFWbjacZ42Z8idXL/wBnZKNWkutNT3GkJG6qhTuqlAcYZtuNwz6sevLeWrNDWQOIaC4stZQVI/zCtPvA9O7c9VkU+HPBzwRgkLdtNbJY5RQ3BjLbpiVp6hhkR56xSjoFx9Op6Z2BWtlvrkQtaq6G50Trk0tUwZtpx4Mt0OMjDFAD1U6DWgmnqpJrTG8FUn+l2mY/vFHJMJ/FjJZcc4JIGCFap9ovYQW2phrqOZ4aV5AC8eWNOW8xg5aMjPGf4fMaPCQVsyUV0Cw3JUDUdwgOBKOWRlZcZzyccA+LGxsaD3G6VRa6WI93WRn/ADujIx3o6sGToWPOGHvHPRwdX3oqe4j9oWaVae4xj7yP3S35o5k+JGN+MEjknAKhbPFUSzPWUyol3o2MdZT+6tWvQuAMAFsdehYA8eHM7VTW6shjudLM1DWiVYmYAjZIQxAnA91fCR3oHTqGxgBSo7rLSmWtt8XdmNsXK2N0Q9DJGPJD6j3PPK5AEdrOxSRmK6W+V0oZSHLxjL0uTg8KQSqnI4OQQV9Cb9xudW9UkvdinvVONskZHgro8fhAOGfA9wHxD3DkKot2TtLBSHvEXdaaxjHUU7cmjlYEOuP9mwyRjqoPGVwQL9gL48FUsDrGs0+0uFbENWp92ppz7iyEe+mFD4z4XUrrYtZb2RQWupjtlSVlppiZKCdgDzkM0Z8g2cMCOpI82AXUtAifbDiSkgpSSBWVcEBI6gF9xP02jVAU8UnaCKEKBDb6LdGv4Udiqj9IyuP7IOuv2ngvX2WIedX3n/t7G/oToaZ+7re0s496Oni2n4+ztj+ajQePs6uoSnut5nB2zSsyZ4LJHnYo+rbB8VGg9a01PY5J38VdeJQD67ZM7UGei93kAeXeY8te+0Cf+g2iiQ7fa5IVbHox3n672U6bO0VNHUXy30zDwUsL1ITyzuCR/wCErkf/AN6AGLUkl9pKNcezWqmEhGON+AQSfzEmJ+eu0nQz7Pe0Utw7QNUyBhG0Mq04IIARWXAHqeSW+JPy1Ie0KilvtzHWeX2aHHXhdikfHa6sf7Or1QY7bXdn6bgFI3STHmZgqZPwMu46Bi+zHE1VdqtuXarMIPokQAX9QRn5DSzZ70sQufaCUb9zmCkTOAUDKo8+hIXPmNjnz0Q+zwvCt+Ue9HUTMF8+jkH64GPlpQu0zU/Zu1MwDAVfeFc8MA0zgE/EH/zGgYqp57dSmvqcSXivIjhBA+5DdEUHgbRgny3FQc8k0rB2HpqOczz9oI0mYHvNkkavlsM43yOxOT5lQT9dGqXsTUXrZWXd2iTkwUsWF2IcHxsQTlsAkdenI90WrfH2etlSIoVVqvOAEWSokB9BgPtbrwMHQE1pqNsLFS1NxbI8UxeSP+1vqGEWP+Fkj00U3XFU8NJQhf8AYid+npu7gLn+7j4663GvnMZkeRKCEdZJSjSenmTFGehBYyZ6FQdBKKtpJSqwXaq7xjtSVj4HbyA3xdyxOD4VGTzjQWqGgUh5rehpKlD99St4Y3brtdFyoLeU8fXg5YArpSr70tJPHd4Vb2GsPc10DKcxSLlC5HqCCp4wcHrvBDJdbs8NTSrNtFZ3qRgoCEqoXYI5A5wYyRKUJJTacEqxJXhAklN2jpSMqksk4B8mZO9HXp4486APeuzqJPcLWuPZ5qc11IOvdyLnhfQNh1/sgaIftz2yO1JWEyUtwgenlz5TowVZBxxIXGB8z1xobS3LMtrZj4orTM8hP5BHIq5/wZ14ukDixWmhhjL1dQ/ewEHBTDNKWB4wcSAc+RJ8tA2diVVVnsFxAkManui2cTwE5Uqc5DIfIHK449wkLslkDPJZZJf85pfv7XUMcNjG/uyRzxjy/KSB4FGidTFUXWgpLlCgjuFHIxZeV7zYTvQem4gYU8DLL550J+1azzTXK31dDIA1TGO5fPG9AZE56eMMoAPHXPGdAvdtJJKiNbrAzU9ZAwgr0QlWjkHgWTjkK2Nv0A5wTrrUTEPUSVkGZQojucEZA72MlTHWRAeHep2EkcZKngSNi3JWpUy+0yDuFr0ahrlIIEFUADHIVJ4BKqf4dsmTnOuE800cUVQ8W6pthNJXQnnvaZshCQeChUsmec5Vug0BRYEqxFbaqUNKE32u4rkd4o5VGPUMMbSDzkY94KWGXysVi1VLDtkUinu9KMeIE4WoXyyWwQw6Ps6g5a9SWEeKgik8RIrrPOfPoxiyehwoyPUFiOmfN0ro6xYrsYypT/NLrCoIIRh3Zkx14B46kEJ5oToLgt/fQ/sWonAni2z2uqyQJE5KDI5BxkcZxjjOwbtotQlEEQnKmbu17wr0L7Rux8N2cayX7PbfTXSjSmnkJnts2Ipomw2wNlCDg+A7duPRFPXWwQFtq7wA2BuCkkA45AJAJGfPA+Q0CB9pVQI7hZXI49pZM+m8Ig/rn6aCXYYqO0yebUsTj4hYGyf1ONPHbmmjZaZ5IVlMdVEylnKCM7sFyQeQo52ng489KPaKjJ7QiMDwVtvkiY+R4fP6bU/XQCnRJI+y5Y+AMB/fVY9o/wAS40yUUZftPO3lFRKv+JlI/q2kNgydnbdUc7qOt3N6qBLJx89xTTsHMfanHlPQ/wBG6/8A08aBKoKVP8mqRWA+/rlHzPeMp/6UOu32zWqWa6s8T7Wp6AVAPwjkcnHoep+muNwjMfZ2ADk0NwPeD4rJKPofGunbtgVS90TTIDT1dNJSM56EtkhD8yQB67j6aAN2cvAW8xy4/wA3vFMrEeQlRcMvzBVl+cg0n3Ku9lens9WhKUlwSRHbGGgYkkN892fTBI4xyw2nsxIyzWkybKygm9poJWHDISG9PdLYJxnDHz2ka6/aTahdaI1axGOuovBVQAgsAPEwyMggZLqwyCCw5PABp7R3Wpr657XRuYIolVqupX3gGGRHH6Eg+916/lO6kl1pLVWC3UFvUzGMMZWkVM5yRukfLFfM8/AKemqlF2jjpasXVcm33NEEzYyaeaMbRux+H3gfjuPkASl3T9oVW+nprTWxqoCySS7nx1IYKjYAYnAwfXzI0BMVdCjq9ZURVVYBnZGDKY/hFCm9kHON+Nx/Ex4x3uC1FwCx9w1NSh0d5JsCRwjiQBIwTsyVHjcggZ8OeRep6GtVAsbUdOB+FIXkA+X3kYH6fTVe4WWFUMtyq3ljHVZXWKEfAogUOPhIX0HShqIqysE0YDx0qOiTdVaSQqH2Hz2KgUsOPGw8jrMrzcPZoL7Lgs1ZVmkjA5ydrBunorN9QBrR1uNTUqI6CL2eDGBUzJtwMcdzCRlvg0gRfMBxxpIuXcNKJI8tQWhHmaRySKmqJyBuPDsHGSw/ExHQjQLF1gNM9y3YIo7bBRZHm8yxqSP1l4+emqjZYLpbo6lkQUFrDSMTgIxHdNyf7vzzpYoKeWT9m08p31FwqxX1GTz3anwAgfhKCRwPLH6fL9T/ALQeeVD4q65JSoRz9xCvLD4E92x+KD6hoFjn9kvtVTr+5rIRVoo6CT3XwPV8Mx+Q0iwXGQ2G2VDcijr03N6IrNt+gyq/pp57RqF7RWrbx9zOD8hG+P56TrmyL2XnSMcCqZR9KjcP+kDQXe21sRrvVUIAAuNIrr5AVEe8xt8M92wPrvProRR3d44rdc5l3xuj0FwBGdyBiqlxyWbZgknklQPPXH7U69hfaGRDh0SnI+e8t/30zCgVa282uQZhqYTVxDjCuQCxA9d5BH/DGgXrjSyR0dZTxE99Z6pZ6ZxgkQyEtjPmAMSH6ddNEEkEFySQqpob5ANw8hMRnB+Dh/mWdumNJfZuvZaq2TS/ubhT+yTqeRJsZqUbs/wiE5+fxzdkopHs1fRuSZrTU74n5B2bm5z16d4w/u+mgYPs/wCwRoq5zTVv30MjLUQOnD074MRB4yxADbhwGOONp3bCrA8g50k9lb5FXUP7QihjerEDRSKTtyy+Ixk84Vj4hkHAYfHR/sjSUsdJD7Euynde8jGWPD+P8RJHXp5aCh9pdCs1sqVdSyqokZQcFhGyylQfIkKR9dKHbe8xj9i3aHwxLKEIOPCkyYYHHmoVhxxnOtUkQMCCMgjBB8xrD4aAy2O60AHioKiQxg8kIr94PmSBJz8dBcprczntBa8ZBJqYR/E47wD5ZEX89cqntIM2O7twpDUtSx4wT4CT8ARI/wAgNEbtdlp6u2XlT9xVwrT1J4wu4b1Y/EHOfhHjz0MqbDmO62Xb4lb2yhGOqnnYvkMHwf3n9NB0qre7SX61lTumzW06jPjJIc4PnlhGuPg3pwSuObp2YV08c0cSt6tvhOHIxzuKq2MfmHrqp2hupnoaG+UY3T0hCzqOpQjbKh4JwCcg+SuW17rrwLdLFdaLMlrrSDUxqM92547xR+Fs5DDpuUqeSu0AnZC+LeBCkk5p7tSBjTTggCYY918g7v4l8xuIzlhokKmc1ZlhRaO8hfv6ST9zXKPxRnOCTg45zweeC2hfabsjRRViSI4jpLgA1NUxkj2acHcpyCAImz04xnjbszo6aOauX2G9wyQVEGWguEY8BxjnfjaCcA4OM4HusBoAfZTtF3TVKUtGZqeQlqm2OPvIG91zGpGJY/IptyMAEKOTattf2cmqAGo6ijqARtwJUIP8Ihc7fngaq9pbdLSyI13SU4IWK7UR2yDyUSjzOMDJ8WAQC/J039kIa84lo7xDcIOhjmXaR5gF13Oj4/MPmugMgUqqAJ7k4PHh9qk/VlQkfMnXykt0ayCSG3TyyjlJ6uXO09OGmkeZP7qaMS3WrTGaBnPn3M8ZUfWUxn/p1yatuMnEdLBCPzTTFiP+XGpB/wDcGg9VFtlmUmtlVIsZaGElVIxyJJThnX4ARgjIYMONZ/fZBcGGV9nsVEN7sF2LUlOioABmPyG3g84ySoD7/k33h3185qdvi7sgRwLjnPdgndjr96z4IyMaUb3TvfalIYmZbVA2ZZRwKlwfdjP4kXGNw4zuPOF0ASO4vHQ1t6lUrU1v3FEmOY4z4Iwox7xAL8cEICPeOgtZFLQGnjjK5tVI80zHkCoqchU9CQzR49QD9TfaHtLDLWioCg2y0ghMcLNUY2oieTbTtIIBChWbOGGU/tRWSw2zNR/pV0n9plHQiFP3anPIBY7l9Bx5aBk7HwyQ1ktRUSM/7MoN0jO24mWcPPjnrw7rnPVR66+XSg7rslErcyTSI49WLybh8zsxqpbIqmthFK2Enu0/tMxA/d0qY2nHUBmB2DoQBz4s6OdvK+M1kFMvFFaI1qJvQuoAhi5GNx8CAZ57x/y6Ba7eUiySXarByaV6aCFvysu1ZMfEFfP8x1o9XtPaOlfzagbcPQb2IJ/Uj6aRKO1SNR2+lnz31zrjVTKevdAZbPpkYcfMjyOrfbK5tJLea5D4IIUoIj6l3US4+K5f/ENBPt0jpxS232LYFDSGHuem3CsxXb8dpyNWrPc1qKo5AC3q34Yjp38SvEyj0GA31I1ZtVlK3a10UmCtHbzI48t77o3+mSv6aW6OLu7ZSzjJe0XBllA6iNpAzcehO0f4tAM+za5NTqrW991XytTQzcLUqCSDEeneKpxtPi4YgEZU7/2RuCz0kTpTyUygbBDImwpt8OAPy8cH09OmlLsv2UEF0lniihmoqhTUQzYUtFI2AQjddrhieOMY9OX23wyImJZe9bcx3bQvBYlRgceEYXPnjOgs6q+wwhpG7tA8wCyHABkABADHq2AT19Tq1oT2iscVUid4hZoXEsW1yhDqDt8Q5A5/8xoMw7LWYSQ3Ps/O2GiYyUzN+RiGRhjyDbWP/EI1zrLnJUU0FxiXFxtLbKuHIyyDKyA9eCAxB8vvMZI0y9obe+2C8SA09XRwsaiFAJO8G0kxkqxAGSSG5wGyenArtHOtNUQX2j+8pJ1VKxV80bAEmPzLwCOMMoH4m0FPsdc6emuThWBt92XvIN3uiXOHiIPAOWZSP+GOdW6ZVstd7HNh7XXk90JBuWGQ4DIc9UOQOfIqT0Ylfv8A2bp6dmiZx+yLgd8E45WlnI8DZ6bCMqemV6kbCdNvZaRaqF7PelV6qL3d5yZo8eCWN+CWAyNw8WBk87gA5dvYRRvGk1KklldQskccePZpNzHvBswVB3dQfzdCRu53q8wUtMkciyV1mqEwJQd7QYONpYYJUcY3YdSGGTgAfaftBUWeYUd0JmoH8MFWRkqPyS+uBx69TyPdYKi2NR0yvZIIHikl72aIMSJUYAN3RL7AcAYHu+noQUOz7VNNE37OdLxa2GDTsw76EEe7tYcjGPARz+VeSbHZm22erqS9A1Rbq5Mlol+7YeoMbho2XjlV+GQNe6fs/SV7PJS09ZaK1Mnf3TxKceuPu2Uk8jKsceYGuLWC4GaGS40kNwVfdqqOQxTxge6SVaLePQDpyc56hoHsNxX3aynYf7ylYn6lKhB+ijUFFcT71ZTKPPu6RgfoXqGH8joRLV052gXWppCeBHMURj9KqEufmDr1LT0YXNTdpXX1asSEfrB3XGg73OzUqANcqt51zwtRIqxk+Q7qMIkhz0DKxz00r9r7nVVEb5Y220oNryuu2acdNkcZ8SA9ACASOeeV0et9zoIyTbKQ1Ux4MkKcHy8dS+FP+Nj8DoferNFn2+/zxlI/3VKuTCnwwRunkIHPGDzxgDAAOyPZ8Vxiq6mIU1ppAWpadyAHA5M0pPBB94k8H4jJbj2/7KLNWNdKqrhloYsbo0OWwvKQr1BMjEZJIxvPw1fuNzqr1GQFNvtC4aWeXCvMgwcLnwqp9eRx1PuHjBTU1TGksqpT2KhO6FWUg1TgY3sG5ZclsDGXLEcknAD6Osq6aOSvdM3O6ERUcIAzFFwQcHgKBs4PHCFurY5WOzxTP7GJN9HSv7Tc6tm4qJVye73HrGvPXrhm64LC6DtFU3avqXpo27+Ve6hkbhaOn5DvkdHYHqMYLNjOQBdubQtS+xUkncWinYe1Vh61MnBKx/7RjjjGRwOiqu4Lkt8Z2qb66+RpbXFjJYncm/H+M4+Mg8hnpU2owi12UDMski1la59ASzAnz91hk/kT11QbtHEslPW1FORHEoW1W9eWboBM/XAJA2nBJIG0Hblq7XCpnqKoF1FbMmKyo/1dBTr70Sfx4Hi56gKPFuYA+fZtV+319fdNu2I7aenJ6lE8THnpk7G+ZI8tBaOSl/yglho3Wpp6+NxWRL4kRgGJbcODk58+C7eoGlOLtPT1CLSKahaGLwQUVOD31WepaVgMBWJ3ED1OASuQ02S2V8cLSA0lhpeACyK8reneNKck9RyVb4aDQOxfZn9mxtBHJJNC8zNGGx9ypXODluRuB90dWzj3jpn0j9gFrS7u91guFLjaCiKGV+D1TgcHkEnqOnm8aCampqaBJpbMq3maopaiJlkQJW05bLKQv3b7Rnk4Aw2OCxBOcaWLjCbJVFWXvLNWMVeMjIp2fg8fkPPHmuRjKjLpceyEXtouMMk0MwH3qxYInUY8LKQckgAZGD08wCFft92iZlEndtLQr91cKSSPZIivgpKMgOOOQwOMgY5yVAZVUAtHe09UjVNjquh5c0xY5Gcc7c4IYc5CkeLIYVdrYkFOkVVK01vB3UFzh8clIc8I+3kpkAcegxg4EZKku89pREnIr7HMNsc+A5jRuAjjoVGdpUjBHTGCmrsdiehV6q0BK621CkzUWd2fImLOcnHhKEE8YIbjaHizdvjTxCC9Ks8DcRV0aiWGZeeHwD4hj03eqjGSWjtR7oz9naqHxSmSSFnLxMSM7AMnuepJUAE5HICjShYKWKR5ZLFIp3AmptNWBtcdDt3ZHXAzngnlgDtNY1FvhqMAV1iqmHJALQMc+Y/EmehAVPPjQOlZ26lSJo7xaaiKNl2yPFiaIg9dxU+EfDLaYOz3aKgrIhDbqtYyEwqRqqsgGORHInQf2SOflpVopr8njp62hucPkMorMPPBXAB+JY6rwwHvg1V2Z7vnJlpnRmB9QI9vnzkNn56DRrfQ1SsRPUxzxEcKYNr/AFYSbT58bBoU9iqxIWQW3GeM0jhh6ZIm5/lqr9woysl2Qfl2VUh/60c/z17oZBO3dxy3WM/neJkA+s0W0/LB0BFrdcmGGroIxj/U0pBHyMkzj9VOkW/GgpqoCT2i8XL/AFcLsHEZ/sqojiXgH3SR1x560a5SwQRxtV1O0REHvJJRHvIGMsE2K2c+7jGccdNItQtRW7orLAtDTSHMtcYu6aTP+yUBXbg/vDjPOCMZIK/bGsm3pJepUdhgwWqnbOWPu96RngHz8WeQvGRodF2Wut3fv7k5o6OMZ+8HdrGgH+rjOMYH42xx5tjGnOkr7NYVKI5qaxuGKYkmdiRwSOIxkjw5BP8AEdAe092kqir3uU0lMcNHbISWnm817zGCuSMZbbyMAIedB9NKktHJFQf5lZo8+01j572qxwwTjLAnw+QJOMcbCr0V/NbWRQ0lv76GnQrR0jHwKc8zT+TknlgSBkjLHnc2dq5JamnQ3Ai1WpMd3TKAZ5tuNo2AeHH5SMKcEggBgX7D3gUUMkz0CW62qvheYk1E758PB5JIycYwM4UkcgFVA/tE4hcVFx5FVcZPDBRDo4jJwAVAKh8DAGFHUAlR2UVtC9vsqqtOroKmsmypnYeLwAKSQCAecY4A4OTYq2/aSrV3NmpraXApaJM95VMTwxVPExY9AvOORgeNrP2jpc0pYlgjSlosqhp6Uk1B3NgJlV2jIxkISMlhlx1CWpqKzL7Nbo/2hc34fZyRyM72GRFGD+HPpuP4hLVdqf2tKu83OnapjDLFTwnMUG4FX3FchnwcHJ49TgYX6Wggji7q4VMVspOC1FA++ol681DKCxzn3cY8tqY1p3ZvsvZZqaOSlpKWWEjwu0QcnHByZAXznqG50B6w2+kij3UcUKRy4fMKqFfjg+HgjHTRPXOngVFVEVVRRhVUAAAdAAOAPhrpoJqampoF7tZYZqk08lPUtTywShsjJV0OA6sucNwOM58xxknWV9vu1K0NyeqigqIp2+6mhqEBhqogNu5WDHkAKPMdPPcG3XQntO7rTsy0y1W0gtCcZZfxbQQQWA5CnrjHBI0Gbvbqm17aykgeS3VChqqgOHMO4eJkAJBAB5AOMdeACt2l7NRSj2zs7WrAxOXiBJhc9cPGcmNsfw8DoB10csva2C400kNum9kqUXascsa74tpA/d5IKjpxkLkZGeNZhfJ/ZqnfVRvaq8E4q6ZS1NUc5yyDnnjOA3XxL5aDR7l2NSeNKyrMdDXxgs9TTPtUEZGWLYDKVxkNzjw7saX6/tLW0yhbpTQXK3t/+KgRWGPzOnKZ6eSj0Y670/2n7Ydt0pRJC42Gppts0EgPB3DPhyOqHJ/hHTVKy9koJGap7O3Qwk8tAxLr8AyN4gP7at8NAPutN2SlwRMYi/OYhMMf3SjKvywNXqSxWoAdz2jqYx5D21F/lhf6ap9oe4jbbf7Qi5PFbRZCsemW2kHPwYknyXpoPL2OsE2HpLuIWzkCoCkfIq6ocfPP10DeIaCMc9pqoj4VkbH/AOLHQWuvloQn/wBYvFUc47tJn8R6YHgQHPwOu9i7K1I5phYKzHSQpluPPEY2A/LR6rg7QRrukrLZSRDqQCFUf30x/PQCrPbpmJlt1jVGPIqblIWfPTIRiXBx0IOP+92v7M1kiNNfrqIqYdYIG7tCD+FmwN2eRtwxOeDpevnbCRARL2i3n/Z0dIpJ+UmVA/xaWKavWVxK+x8Z2zXWp73A9VgXBOfQrIOmgaae/wBDEriw0IRx4Wr6jiOEHq2+Vic4PCnBP5W908+x6kyP+yYTXVhP31zqwRHGxxnuw3iJ5PJ8R9CvAHQpDWyAItbeZl6DHstLHn0A5QcdPAD9dPFJ2Ku1QFiqaqGiowP9HoBtOPMbivGfMksD6aAFWpRUFQJauWS73YnCRKMqjckAKMhcE8DkjghB118u7K0qSXUiuuLHFPbITmOEnBxIBkZHBbceRn3gMq8XH7Oo1gWCgl9hTnvnij3SyjyXvSwYDrnrnpwMgo3Zns3WB2itVI1DEcq9fVrmodcj3FIGwH8qqOgJYHQFEgjoKhbje6vvq3ae5pYhu7vdwFjT1x4c8LknJJ8WvVs7L3SvyaieehpHYsIu8Z6hg2M7mb92CMeAYUY9zOSbFZDa7Mw2o1bc39wMTLM7noT17sHPUDJH5tNlktVRU0yftdYXk3rIIkXwxke6Cdx3sM8+XpnGSHGj7G0dBA3sdAk0uMDeVLMT+aSTovmceXRScDTVBEqKFVQoHRVGAPlrpqaCampqaCampqaCampqaBZ7Ydi4K8K5LQ1Ef7qoiO10+o6j4fPBGdK1TPeaRDFW0cV2pvzxgCQj+KMghzjyCn4sdafqaDFLhabe6LUQtNYqiRiqrMDGsu0KWBjLY2cgZ4HPIOhkvZGVE9oejgqlHSqtU3dyKPzd2B3bH+wg+etzuNshqF2Twxyr+WRAw/Qg6QO0H2aW+nWSrgmqKAxqWZ6d2IAHJJXk4HouBoEOz9qAr5gv9RGCeYa+FpPmCwLqB8tutAv9Tb6iDfS01uuNQMbow8SNg9SuQW6/hJHGeSRgkOxdzoaqBInrIK+YA7neJUdhk4zERuGBgZ5zjPnpJuNvtzTkVPZysRt20GmV+7YZwCNjooz14GgCz0NIWPtHZmsi9WgeZh9BgJ+mq62+xF/vKW8KfyOoP6Y8WPrpsg7MW9K56O23OqoqtRnugWaMnG4jDAByAcld56H0Oit9lu9BFvmu1CVzgNUQ92WPXAEYOTjyAOgTJqKyLgLZLo5PTKyKD+kmf5a7mkWCIyx9nqanj8pLhUr/ADSZgQfhnXOHtzNOds98Izx3VDRvub4K7xowP66brb9mNJIi1jrVVczoGWO4SlSD12vtQkH1BDD+ugS4O0DVqtFPXSCNOBRWmncbs5HvlQMfAkqeCNPlP2Qq4aeGG0y+xQt95M1R95NuYDAC+JFwOuCOfroffu0Nwp4xEhtVsUAgK829gBxlEVMY+Gw+XTSrRTxVUgYG5XmpU8MhangjJ9Dw0fHnwD6DOg0Udt4KNUo2nkuNcCUZYY13FskHdtwibehBJIxznnTDWdpqeOSKnkmRKqbCrEMyMGI8woztHPibaOOo1n1s7I3dh3UYprVTucydwTJO2fzSEks38QcfXTx2W7D0VB4oY90xzunkO6Riep3HpnzC4GgUZfsunhYfs+rWDeD31S6F6hySScNwFXpwm0k9S3lpFrpDFEkZkeUooBkkOWb4k+urWpoJqampoJqampoJqampoJqampoJqampoJqampoFK7/Zta6h98lIiv13RFoznrkhCAT8SDoNXfZhICDSXaugwcgNI0ij4Abl4+ZOtG1NBn9f2VvJKvHd4t6rgE0UQPxOfGRnzxgfDXS39nru+UrqyllTawDCnVnDEEKwDKEyDg4KkHGNPmpoFe99nqpyqUVTFRxYG8x04MjHPOG3BQDx0XPXk5xopSWONYFhlZ6gDOWnYuzEnJJzx8gAABwNFNTQLkfYK2A5FBTfWJSP0IxpghhVFCooVR0AGAPoNe9TQTU1NTQTU1NTQTU1NTQTU1NTQf/Z"/>
+          <p:cNvSpPr>
+            <a:spLocks noChangeAspect="1" noChangeArrowheads="1"/>
+          </p:cNvSpPr>
+          <p:nvPr/>
+        </p:nvSpPr>
+        <p:spPr bwMode="auto">
+          <a:xfrm>
+            <a:off x="155575" y="-144463"/>
+            <a:ext cx="304800" cy="304801"/>
+          </a:xfrm>
+          <a:prstGeom prst="rect">
+            <a:avLst/>
+          </a:prstGeom>
+          <a:noFill/>
+        </p:spPr>
+        <p:txBody>
+          <a:bodyPr vert="horz" wrap="square" lIns="91440" tIns="45720" rIns="91440" bIns="45720" numCol="1" anchor="t" anchorCtr="0" compatLnSpc="1">
+            <a:prstTxWarp prst="textNoShape">
+              <a:avLst/>
+            </a:prstTxWarp>
+          </a:bodyPr>
+          <a:lstStyle/>
+          <a:p>
+            <a:endParaRPr lang="en-US"/>
           </a:p>
         </p:txBody>
       </p:sp>
       <p:pic>
         <p:nvPicPr>
-          <p:cNvPr id="6" name="Picture 5"/>
+          <p:cNvPr id="2" name="Picture 1"/>
           <p:cNvPicPr>
-            <a:picLocks noChangeAspect="1" noChangeArrowheads="1"/>
+            <a:picLocks noChangeAspect="1"/>
           </p:cNvPicPr>
           <p:nvPr/>
         </p:nvPicPr>
         <p:blipFill>
-          <a:blip r:embed="rId3">
-            <a:extLst>
-              <a:ext uri="{28A0092B-C50C-407E-A947-70E740481C1C}">
-                <a14:useLocalDpi xmlns:a14="http://schemas.microsoft.com/office/drawing/2010/main" val="0"/>
-              </a:ext>
-            </a:extLst>
-          </a:blip>
-          <a:srcRect/>
+          <a:blip r:embed="rId3"/>
           <a:stretch>
             <a:fillRect/>
           </a:stretch>
         </p:blipFill>
-        <p:spPr bwMode="auto">
-          <a:xfrm>
-            <a:off x="7308304" y="3717032"/>
-            <a:ext cx="1081087" cy="1126331"/>
+        <p:spPr>
+          <a:xfrm>
+            <a:off x="827584" y="2276872"/>
+            <a:ext cx="7477125" cy="1171575"/>
           </a:xfrm>
           <a:prstGeom prst="rect">
             <a:avLst/>
           </a:prstGeom>
-          <a:noFill/>
-          <a:ln>
-            <a:noFill/>
-          </a:ln>
-          <a:extLst>
-            <a:ext uri="{909E8E84-426E-40DD-AFC4-6F175D3DCCD1}">
-              <a14:hiddenFill xmlns:a14="http://schemas.microsoft.com/office/drawing/2010/main">
-                <a:solidFill>
-                  <a:srgbClr val="FFFFFF"/>
-                </a:solidFill>
-              </a14:hiddenFill>
-            </a:ext>
-            <a:ext uri="{91240B29-F687-4F45-9708-019B960494DF}">
-              <a14:hiddenLine xmlns:a14="http://schemas.microsoft.com/office/drawing/2010/main" w="9525">
-                <a:solidFill>
-                  <a:srgbClr val="000000"/>
-                </a:solidFill>
-                <a:miter lim="800000"/>
-                <a:headEnd/>
-                <a:tailEnd/>
-              </a14:hiddenLine>
-            </a:ext>
-          </a:extLst>
+        </p:spPr>
+      </p:pic>
+      <p:pic>
+        <p:nvPicPr>
+          <p:cNvPr id="3" name="Picture 2"/>
+          <p:cNvPicPr>
+            <a:picLocks noChangeAspect="1"/>
+          </p:cNvPicPr>
+          <p:nvPr/>
+        </p:nvPicPr>
+        <p:blipFill>
+          <a:blip r:embed="rId4"/>
+          <a:stretch>
+            <a:fillRect/>
+          </a:stretch>
+        </p:blipFill>
+        <p:spPr>
+          <a:xfrm>
+            <a:off x="827584" y="4231666"/>
+            <a:ext cx="7496175" cy="1162050"/>
+          </a:xfrm>
+          <a:prstGeom prst="rect">
+            <a:avLst/>
+          </a:prstGeom>
         </p:spPr>
       </p:pic>
     </p:spTree>
     <p:extLst>
       <p:ext uri="{BB962C8B-B14F-4D97-AF65-F5344CB8AC3E}">
-        <p14:creationId xmlns:p14="http://schemas.microsoft.com/office/powerpoint/2010/main" val="1712102916"/>
+        <p14:creationId xmlns:p14="http://schemas.microsoft.com/office/powerpoint/2010/main" val="3355115614"/>
       </p:ext>
     </p:extLst>
   </p:cSld>
@@ -8447,9 +8583,194 @@
   <p:timing>
     <p:tnLst>
       <p:par>
-        <p:cTn id="1" dur="indefinite" restart="never" nodeType="tmRoot"/>
+        <p:cTn id="1" dur="indefinite" restart="never" nodeType="tmRoot">
+          <p:childTnLst>
+            <p:seq concurrent="1" nextAc="seek">
+              <p:cTn id="2" dur="indefinite" nodeType="mainSeq">
+                <p:childTnLst>
+                  <p:par>
+                    <p:cTn id="3" fill="hold">
+                      <p:stCondLst>
+                        <p:cond delay="indefinite"/>
+                      </p:stCondLst>
+                      <p:childTnLst>
+                        <p:par>
+                          <p:cTn id="4" fill="hold">
+                            <p:stCondLst>
+                              <p:cond delay="0"/>
+                            </p:stCondLst>
+                            <p:childTnLst>
+                              <p:par>
+                                <p:cTn id="5" presetID="16" presetClass="entr" presetSubtype="21" fill="hold" grpId="0" nodeType="clickEffect">
+                                  <p:stCondLst>
+                                    <p:cond delay="0"/>
+                                  </p:stCondLst>
+                                  <p:childTnLst>
+                                    <p:set>
+                                      <p:cBhvr>
+                                        <p:cTn id="6" dur="1" fill="hold">
+                                          <p:stCondLst>
+                                            <p:cond delay="0"/>
+                                          </p:stCondLst>
+                                        </p:cTn>
+                                        <p:tgtEl>
+                                          <p:spTgt spid="10242"/>
+                                        </p:tgtEl>
+                                        <p:attrNameLst>
+                                          <p:attrName>style.visibility</p:attrName>
+                                        </p:attrNameLst>
+                                      </p:cBhvr>
+                                      <p:to>
+                                        <p:strVal val="visible"/>
+                                      </p:to>
+                                    </p:set>
+                                    <p:animEffect transition="in" filter="barn(inVertical)">
+                                      <p:cBhvr>
+                                        <p:cTn id="7" dur="500"/>
+                                        <p:tgtEl>
+                                          <p:spTgt spid="10242"/>
+                                        </p:tgtEl>
+                                      </p:cBhvr>
+                                    </p:animEffect>
+                                  </p:childTnLst>
+                                </p:cTn>
+                              </p:par>
+                            </p:childTnLst>
+                          </p:cTn>
+                        </p:par>
+                      </p:childTnLst>
+                    </p:cTn>
+                  </p:par>
+                  <p:par>
+                    <p:cTn id="8" fill="hold">
+                      <p:stCondLst>
+                        <p:cond delay="indefinite"/>
+                      </p:stCondLst>
+                      <p:childTnLst>
+                        <p:par>
+                          <p:cTn id="9" fill="hold">
+                            <p:stCondLst>
+                              <p:cond delay="0"/>
+                            </p:stCondLst>
+                            <p:childTnLst>
+                              <p:par>
+                                <p:cTn id="10" presetID="16" presetClass="entr" presetSubtype="21" fill="hold" nodeType="clickEffect">
+                                  <p:stCondLst>
+                                    <p:cond delay="0"/>
+                                  </p:stCondLst>
+                                  <p:childTnLst>
+                                    <p:set>
+                                      <p:cBhvr>
+                                        <p:cTn id="11" dur="1" fill="hold">
+                                          <p:stCondLst>
+                                            <p:cond delay="0"/>
+                                          </p:stCondLst>
+                                        </p:cTn>
+                                        <p:tgtEl>
+                                          <p:spTgt spid="2"/>
+                                        </p:tgtEl>
+                                        <p:attrNameLst>
+                                          <p:attrName>style.visibility</p:attrName>
+                                        </p:attrNameLst>
+                                      </p:cBhvr>
+                                      <p:to>
+                                        <p:strVal val="visible"/>
+                                      </p:to>
+                                    </p:set>
+                                    <p:animEffect transition="in" filter="barn(inVertical)">
+                                      <p:cBhvr>
+                                        <p:cTn id="12" dur="500"/>
+                                        <p:tgtEl>
+                                          <p:spTgt spid="2"/>
+                                        </p:tgtEl>
+                                      </p:cBhvr>
+                                    </p:animEffect>
+                                  </p:childTnLst>
+                                </p:cTn>
+                              </p:par>
+                            </p:childTnLst>
+                          </p:cTn>
+                        </p:par>
+                      </p:childTnLst>
+                    </p:cTn>
+                  </p:par>
+                  <p:par>
+                    <p:cTn id="13" fill="hold">
+                      <p:stCondLst>
+                        <p:cond delay="indefinite"/>
+                      </p:stCondLst>
+                      <p:childTnLst>
+                        <p:par>
+                          <p:cTn id="14" fill="hold">
+                            <p:stCondLst>
+                              <p:cond delay="0"/>
+                            </p:stCondLst>
+                            <p:childTnLst>
+                              <p:par>
+                                <p:cTn id="15" presetID="16" presetClass="entr" presetSubtype="21" fill="hold" nodeType="clickEffect">
+                                  <p:stCondLst>
+                                    <p:cond delay="0"/>
+                                  </p:stCondLst>
+                                  <p:childTnLst>
+                                    <p:set>
+                                      <p:cBhvr>
+                                        <p:cTn id="16" dur="1" fill="hold">
+                                          <p:stCondLst>
+                                            <p:cond delay="0"/>
+                                          </p:stCondLst>
+                                        </p:cTn>
+                                        <p:tgtEl>
+                                          <p:spTgt spid="3"/>
+                                        </p:tgtEl>
+                                        <p:attrNameLst>
+                                          <p:attrName>style.visibility</p:attrName>
+                                        </p:attrNameLst>
+                                      </p:cBhvr>
+                                      <p:to>
+                                        <p:strVal val="visible"/>
+                                      </p:to>
+                                    </p:set>
+                                    <p:animEffect transition="in" filter="barn(inVertical)">
+                                      <p:cBhvr>
+                                        <p:cTn id="17" dur="500"/>
+                                        <p:tgtEl>
+                                          <p:spTgt spid="3"/>
+                                        </p:tgtEl>
+                                      </p:cBhvr>
+                                    </p:animEffect>
+                                  </p:childTnLst>
+                                </p:cTn>
+                              </p:par>
+                            </p:childTnLst>
+                          </p:cTn>
+                        </p:par>
+                      </p:childTnLst>
+                    </p:cTn>
+                  </p:par>
+                </p:childTnLst>
+              </p:cTn>
+              <p:prevCondLst>
+                <p:cond evt="onPrev" delay="0">
+                  <p:tgtEl>
+                    <p:sldTgt/>
+                  </p:tgtEl>
+                </p:cond>
+              </p:prevCondLst>
+              <p:nextCondLst>
+                <p:cond evt="onNext" delay="0">
+                  <p:tgtEl>
+                    <p:sldTgt/>
+                  </p:tgtEl>
+                </p:cond>
+              </p:nextCondLst>
+            </p:seq>
+          </p:childTnLst>
+        </p:cTn>
       </p:par>
     </p:tnLst>
+    <p:bldLst>
+      <p:bldP spid="10242" grpId="0"/>
+    </p:bldLst>
   </p:timing>
 </p:sld>
 </file>
@@ -8488,12 +8809,56 @@
           <a:p>
             <a:pPr algn="ctr"/>
             <a:r>
-              <a:rPr lang="fr-FR" dirty="0">
+              <a:rPr lang="fr-FR" sz="3600" dirty="0" smtClean="0">
                 <a:latin typeface="Times New Roman" pitchFamily="18" charset="0"/>
                 <a:cs typeface="Times New Roman" pitchFamily="18" charset="0"/>
               </a:rPr>
-              <a:t>Conditions de réussite</a:t>
-            </a:r>
+              <a:t/>
+            </a:r>
+            <a:br>
+              <a:rPr lang="fr-FR" sz="3600" dirty="0" smtClean="0">
+                <a:latin typeface="Times New Roman" pitchFamily="18" charset="0"/>
+                <a:cs typeface="Times New Roman" pitchFamily="18" charset="0"/>
+              </a:rPr>
+            </a:br>
+            <a:r>
+              <a:rPr lang="fr-FR" sz="3600" dirty="0" smtClean="0">
+                <a:latin typeface="Times New Roman" pitchFamily="18" charset="0"/>
+                <a:cs typeface="Times New Roman" pitchFamily="18" charset="0"/>
+              </a:rPr>
+              <a:t>Applications </a:t>
+            </a:r>
+            <a:r>
+              <a:rPr lang="fr-FR" sz="3600" dirty="0">
+                <a:latin typeface="Times New Roman" pitchFamily="18" charset="0"/>
+                <a:cs typeface="Times New Roman" pitchFamily="18" charset="0"/>
+              </a:rPr>
+              <a:t>de l’</a:t>
+            </a:r>
+            <a:r>
+              <a:rPr lang="fr-FR" sz="3600" dirty="0" err="1">
+                <a:latin typeface="Times New Roman" pitchFamily="18" charset="0"/>
+                <a:cs typeface="Times New Roman" pitchFamily="18" charset="0"/>
+              </a:rPr>
+              <a:t>IoT</a:t>
+            </a:r>
+            <a:r>
+              <a:rPr lang="fr-FR" sz="3600" dirty="0">
+                <a:latin typeface="Times New Roman" pitchFamily="18" charset="0"/>
+                <a:cs typeface="Times New Roman" pitchFamily="18" charset="0"/>
+              </a:rPr>
+              <a:t/>
+            </a:r>
+            <a:br>
+              <a:rPr lang="fr-FR" sz="3600" dirty="0">
+                <a:latin typeface="Times New Roman" pitchFamily="18" charset="0"/>
+                <a:cs typeface="Times New Roman" pitchFamily="18" charset="0"/>
+              </a:rPr>
+            </a:br>
+            <a:endParaRPr lang="fr-FR" sz="3600" dirty="0">
+              <a:latin typeface="Times New Roman" pitchFamily="18" charset="0"/>
+              <a:cs typeface="Times New Roman" pitchFamily="18" charset="0"/>
+            </a:endParaRPr>
           </a:p>
         </p:txBody>
       </p:sp>
@@ -8509,61 +8874,68 @@
         </p:nvSpPr>
         <p:spPr>
           <a:xfrm>
-            <a:off x="683568" y="1628800"/>
-            <a:ext cx="8153400" cy="4495800"/>
+            <a:off x="612648" y="2060848"/>
+            <a:ext cx="8153400" cy="4035152"/>
           </a:xfrm>
         </p:spPr>
         <p:txBody>
           <a:bodyPr/>
           <a:lstStyle/>
           <a:p>
-            <a:pPr lvl="1"/>
-            <a:endParaRPr lang="fr-FR" sz="2900" dirty="0" smtClean="0"/>
-          </a:p>
-          <a:p>
-            <a:pPr lvl="1"/>
-            <a:r>
-              <a:rPr lang="fr-FR" sz="2900" dirty="0" smtClean="0"/>
-              <a:t>Le </a:t>
-            </a:r>
-            <a:r>
-              <a:rPr lang="fr-FR" sz="2900" dirty="0"/>
-              <a:t>déploiement d’IPV6 (internet des objets)</a:t>
-            </a:r>
-          </a:p>
-          <a:p>
-            <a:pPr lvl="1"/>
-            <a:r>
-              <a:rPr lang="fr-FR" sz="2900" dirty="0"/>
-              <a:t>La neutralité du Net (pour tous, de partout, sans discrimination de contenu)</a:t>
-            </a:r>
-          </a:p>
-          <a:p>
-            <a:pPr lvl="1"/>
-            <a:r>
-              <a:rPr lang="fr-FR" sz="2900" dirty="0"/>
-              <a:t>La protection des données</a:t>
-            </a:r>
-          </a:p>
-          <a:p>
-            <a:pPr lvl="1"/>
-            <a:r>
-              <a:rPr lang="fr-FR" sz="2900" dirty="0" smtClean="0"/>
-              <a:t>Education/formation </a:t>
-            </a:r>
-            <a:r>
-              <a:rPr lang="fr-FR" sz="2900" dirty="0"/>
-              <a:t>des utilisateurs</a:t>
-            </a:r>
-          </a:p>
-          <a:p>
-            <a:pPr lvl="1"/>
-            <a:r>
-              <a:rPr lang="fr-FR" sz="2900" dirty="0"/>
-              <a:t>Plateformes de service, de discussion, de formation</a:t>
-            </a:r>
-          </a:p>
-          <a:p>
+            <a:r>
+              <a:rPr lang="fr-FR" dirty="0"/>
+              <a:t>l</a:t>
+            </a:r>
+            <a:r>
+              <a:rPr lang="fr-FR" dirty="0" smtClean="0"/>
+              <a:t>a santé</a:t>
+            </a:r>
+          </a:p>
+          <a:p>
+            <a:r>
+              <a:rPr lang="fr-FR" dirty="0"/>
+              <a:t>la planification </a:t>
+            </a:r>
+            <a:r>
+              <a:rPr lang="fr-FR" dirty="0" smtClean="0"/>
+              <a:t>urbaine</a:t>
+            </a:r>
+          </a:p>
+          <a:p>
+            <a:r>
+              <a:rPr lang="fr-FR" dirty="0"/>
+              <a:t>la détection </a:t>
+            </a:r>
+            <a:r>
+              <a:rPr lang="fr-FR" dirty="0" smtClean="0"/>
+              <a:t>environnementale</a:t>
+            </a:r>
+          </a:p>
+          <a:p>
+            <a:r>
+              <a:rPr lang="fr-FR" dirty="0"/>
+              <a:t>les services </a:t>
+            </a:r>
+            <a:r>
+              <a:rPr lang="fr-FR" dirty="0" smtClean="0"/>
+              <a:t>d'urgence</a:t>
+            </a:r>
+          </a:p>
+          <a:p>
+            <a:r>
+              <a:rPr lang="fr-FR" dirty="0"/>
+              <a:t>l'achat </a:t>
+            </a:r>
+            <a:r>
+              <a:rPr lang="fr-FR" dirty="0" smtClean="0"/>
+              <a:t>mobile</a:t>
+            </a:r>
+          </a:p>
+          <a:p>
+            <a:r>
+              <a:rPr lang="fr-FR" dirty="0" smtClean="0"/>
+              <a:t>domotique</a:t>
+            </a:r>
             <a:endParaRPr lang="fr-FR" dirty="0"/>
           </a:p>
         </p:txBody>
@@ -8591,7 +8963,7 @@
               <a:pPr>
                 <a:defRPr/>
               </a:pPr>
-              <a:t>16/11/2014</a:t>
+              <a:t>17/11/2014</a:t>
             </a:fld>
             <a:endParaRPr lang="fr-BE"/>
           </a:p>
@@ -8631,7 +9003,7 @@
     </p:spTree>
     <p:extLst>
       <p:ext uri="{BB962C8B-B14F-4D97-AF65-F5344CB8AC3E}">
-        <p14:creationId xmlns:p14="http://schemas.microsoft.com/office/powerpoint/2010/main" val="409228784"/>
+        <p14:creationId xmlns:p14="http://schemas.microsoft.com/office/powerpoint/2010/main" val="4051798471"/>
       </p:ext>
     </p:extLst>
   </p:cSld>
@@ -8686,7 +9058,7 @@
                 <a:latin typeface="Times New Roman" pitchFamily="18" charset="0"/>
                 <a:cs typeface="Times New Roman" pitchFamily="18" charset="0"/>
               </a:rPr>
-              <a:t>Objets connectés</a:t>
+              <a:t>Standardisation</a:t>
             </a:r>
             <a:endParaRPr lang="fr-FR" dirty="0"/>
           </a:p>
@@ -8707,104 +9079,150 @@
           <a:bodyPr/>
           <a:lstStyle/>
           <a:p>
-            <a:endParaRPr lang="fr-FR" dirty="0" smtClean="0">
-              <a:solidFill>
-                <a:srgbClr val="FFC000"/>
-              </a:solidFill>
-            </a:endParaRPr>
-          </a:p>
-          <a:p>
-            <a:r>
-              <a:rPr lang="fr-FR" b="1" dirty="0" smtClean="0">
+            <a:r>
+              <a:rPr lang="fr-FR" sz="3200" b="1" dirty="0"/>
+              <a:t>Normes et standards</a:t>
+            </a:r>
+          </a:p>
+          <a:p>
+            <a:pPr marL="0" indent="0">
+              <a:buNone/>
+            </a:pPr>
+            <a:r>
+              <a:rPr lang="fr-FR" dirty="0"/>
+              <a:t> </a:t>
+            </a:r>
+            <a:r>
+              <a:rPr lang="fr-FR" dirty="0" smtClean="0"/>
+              <a:t>  Ensemble </a:t>
+            </a:r>
+            <a:r>
+              <a:rPr lang="fr-FR" dirty="0"/>
+              <a:t>des protocoles (</a:t>
+            </a:r>
+            <a:r>
+              <a:rPr lang="fr-FR" dirty="0">
                 <a:solidFill>
                   <a:srgbClr val="FFC000"/>
                 </a:solidFill>
-                <a:latin typeface="Garamond" panose="02020404030301010803" pitchFamily="18" charset="0"/>
               </a:rPr>
-              <a:t>Tendance </a:t>
-            </a:r>
-            <a:r>
-              <a:rPr lang="fr-FR" b="1" dirty="0">
+              <a:t>TCP/IP</a:t>
+            </a:r>
+            <a:r>
+              <a:rPr lang="fr-FR" dirty="0"/>
+              <a:t>, </a:t>
+            </a:r>
+            <a:r>
+              <a:rPr lang="fr-FR" dirty="0">
                 <a:solidFill>
                   <a:srgbClr val="FFC000"/>
                 </a:solidFill>
-                <a:latin typeface="Garamond" panose="02020404030301010803" pitchFamily="18" charset="0"/>
               </a:rPr>
-              <a:t>lourde </a:t>
-            </a:r>
-            <a:r>
-              <a:rPr lang="fr-FR" b="1" dirty="0">
-                <a:latin typeface="Garamond" panose="02020404030301010803" pitchFamily="18" charset="0"/>
+              <a:t>SMTP</a:t>
+            </a:r>
+            <a:r>
+              <a:rPr lang="fr-FR" dirty="0"/>
+              <a:t>, </a:t>
+            </a:r>
+            <a:r>
+              <a:rPr lang="fr-FR" dirty="0">
+                <a:solidFill>
+                  <a:srgbClr val="FFC000"/>
+                </a:solidFill>
               </a:rPr>
-              <a:t>: En 2020, il </a:t>
-            </a:r>
-            <a:r>
-              <a:rPr lang="fr-FR" b="1" dirty="0" smtClean="0">
-                <a:latin typeface="Garamond" panose="02020404030301010803" pitchFamily="18" charset="0"/>
-              </a:rPr>
-              <a:t>devrait avoir </a:t>
-            </a:r>
-            <a:r>
-              <a:rPr lang="fr-FR" b="1" dirty="0">
-                <a:latin typeface="Garamond" panose="02020404030301010803" pitchFamily="18" charset="0"/>
-              </a:rPr>
-              <a:t>80 </a:t>
-            </a:r>
-            <a:r>
-              <a:rPr lang="fr-FR" b="1" dirty="0" smtClean="0">
-                <a:latin typeface="Garamond" panose="02020404030301010803" pitchFamily="18" charset="0"/>
-              </a:rPr>
-              <a:t>milliards d’objets connectés</a:t>
-            </a:r>
-          </a:p>
-          <a:p>
-            <a:endParaRPr lang="fr-FR" b="1" dirty="0" smtClean="0">
-              <a:latin typeface="Garamond" panose="02020404030301010803" pitchFamily="18" charset="0"/>
-            </a:endParaRPr>
-          </a:p>
-          <a:p>
-            <a:r>
-              <a:rPr lang="fr-FR" b="1" dirty="0">
-                <a:latin typeface="Garamond" panose="02020404030301010803" pitchFamily="18" charset="0"/>
-              </a:rPr>
-              <a:t>Le leader mondial du secteur, </a:t>
-            </a:r>
-            <a:r>
-              <a:rPr lang="fr-FR" b="1" dirty="0" smtClean="0">
-                <a:latin typeface="Garamond" panose="02020404030301010803" pitchFamily="18" charset="0"/>
-              </a:rPr>
-              <a:t>Philips</a:t>
-            </a:r>
-            <a:r>
-              <a:rPr lang="fr-FR" b="1" dirty="0">
-                <a:latin typeface="Garamond" panose="02020404030301010803" pitchFamily="18" charset="0"/>
-              </a:rPr>
-              <a:t> </a:t>
-            </a:r>
-            <a:r>
-              <a:rPr lang="fr-FR" b="1" dirty="0" smtClean="0">
-                <a:latin typeface="Garamond" panose="02020404030301010803" pitchFamily="18" charset="0"/>
-              </a:rPr>
-              <a:t>: </a:t>
-            </a:r>
-            <a:r>
-              <a:rPr lang="fr-FR" b="1" dirty="0">
-                <a:latin typeface="Garamond" panose="02020404030301010803" pitchFamily="18" charset="0"/>
-              </a:rPr>
-              <a:t>“Notre </a:t>
-            </a:r>
-            <a:r>
-              <a:rPr lang="fr-FR" b="1" dirty="0" smtClean="0">
-                <a:latin typeface="Garamond" panose="02020404030301010803" pitchFamily="18" charset="0"/>
-              </a:rPr>
-              <a:t>vision ? A </a:t>
-            </a:r>
-            <a:r>
-              <a:rPr lang="fr-FR" b="1" dirty="0">
-                <a:latin typeface="Garamond" panose="02020404030301010803" pitchFamily="18" charset="0"/>
-              </a:rPr>
-              <a:t>terme toutes les ampoules auront leur adresse Internet. La lumière deviendra un objet intelligent qui pourra être piloté à distance et saura reconnaître son environnement”</a:t>
-            </a:r>
+              <a:t>HTTP</a:t>
+            </a:r>
+            <a:r>
+              <a:rPr lang="fr-FR" dirty="0"/>
+              <a:t>, </a:t>
+            </a:r>
+            <a:r>
+              <a:rPr lang="fr-FR" dirty="0" smtClean="0"/>
+              <a:t>..)</a:t>
+            </a:r>
+            <a:endParaRPr lang="fr-FR" dirty="0"/>
+          </a:p>
+          <a:p>
+            <a:r>
+              <a:rPr lang="fr-FR" sz="3200" b="1" dirty="0" smtClean="0"/>
+              <a:t>Codes-barres, </a:t>
+            </a:r>
+            <a:r>
+              <a:rPr lang="fr-FR" sz="3200" b="1" dirty="0"/>
+              <a:t>EAN</a:t>
+            </a:r>
+          </a:p>
+          <a:p>
+            <a:pPr marL="0" indent="0">
+              <a:buNone/>
+            </a:pPr>
+            <a:r>
+              <a:rPr lang="fr-FR" sz="3200" b="1" dirty="0" smtClean="0"/>
+              <a:t>  </a:t>
+            </a:r>
+            <a:r>
+              <a:rPr lang="fr-FR" dirty="0"/>
+              <a:t>U</a:t>
+            </a:r>
+            <a:r>
+              <a:rPr lang="fr-FR" dirty="0" smtClean="0"/>
+              <a:t>n </a:t>
+            </a:r>
+            <a:r>
+              <a:rPr lang="fr-FR" dirty="0"/>
+              <a:t>standard s'est imposé depuis les années 1970 </a:t>
+            </a:r>
+            <a:r>
+              <a:rPr lang="fr-FR" dirty="0" smtClean="0"/>
+              <a:t> pour </a:t>
+            </a:r>
+            <a:r>
+              <a:rPr lang="fr-FR" dirty="0"/>
+              <a:t>l'identification des produits</a:t>
+            </a:r>
+          </a:p>
+          <a:p>
+            <a:r>
+              <a:rPr lang="fr-FR" sz="3200" b="1" dirty="0"/>
+              <a:t>Le système </a:t>
+            </a:r>
+            <a:r>
+              <a:rPr lang="fr-FR" sz="3200" b="1" dirty="0" smtClean="0"/>
+              <a:t>EPC,RFID</a:t>
+            </a:r>
+            <a:endParaRPr lang="fr-FR" sz="3200" b="1" dirty="0"/>
+          </a:p>
+          <a:p>
+            <a:pPr marL="0" indent="0">
+              <a:buNone/>
+            </a:pPr>
+            <a:r>
+              <a:rPr lang="fr-FR" dirty="0" smtClean="0"/>
+              <a:t>   Puces </a:t>
+            </a:r>
+            <a:r>
+              <a:rPr lang="fr-FR" dirty="0"/>
+              <a:t>électroniques contiennent un identifiant et </a:t>
+            </a:r>
+            <a:r>
+              <a:rPr lang="fr-FR" dirty="0" smtClean="0"/>
+              <a:t>des </a:t>
+            </a:r>
+            <a:r>
+              <a:rPr lang="fr-FR" dirty="0"/>
+              <a:t>données </a:t>
+            </a:r>
+            <a:r>
+              <a:rPr lang="fr-FR" dirty="0" smtClean="0"/>
+              <a:t>sur les objets</a:t>
+            </a:r>
+            <a:endParaRPr lang="fr-FR" dirty="0"/>
+          </a:p>
+          <a:p>
+            <a:pPr marL="0" indent="0">
+              <a:buNone/>
+            </a:pPr>
+            <a:endParaRPr lang="fr-FR" dirty="0"/>
           </a:p>
         </p:txBody>
       </p:sp>
@@ -8831,7 +9249,7 @@
               <a:pPr>
                 <a:defRPr/>
               </a:pPr>
-              <a:t>16/11/2014</a:t>
+              <a:t>17/11/2014</a:t>
             </a:fld>
             <a:endParaRPr lang="fr-BE"/>
           </a:p>
@@ -8868,10 +9286,64 @@
           </a:p>
         </p:txBody>
       </p:sp>
+      <p:pic>
+        <p:nvPicPr>
+          <p:cNvPr id="6" name="Picture 5"/>
+          <p:cNvPicPr>
+            <a:picLocks noChangeAspect="1" noChangeArrowheads="1"/>
+          </p:cNvPicPr>
+          <p:nvPr/>
+        </p:nvPicPr>
+        <p:blipFill>
+          <a:blip r:embed="rId3">
+            <a:extLst>
+              <a:ext uri="{28A0092B-C50C-407E-A947-70E740481C1C}">
+                <a14:useLocalDpi xmlns:a14="http://schemas.microsoft.com/office/drawing/2010/main" val="0"/>
+              </a:ext>
+            </a:extLst>
+          </a:blip>
+          <a:srcRect/>
+          <a:stretch>
+            <a:fillRect/>
+          </a:stretch>
+        </p:blipFill>
+        <p:spPr bwMode="auto">
+          <a:xfrm>
+            <a:off x="7308304" y="3717032"/>
+            <a:ext cx="1081087" cy="1126331"/>
+          </a:xfrm>
+          <a:prstGeom prst="rect">
+            <a:avLst/>
+          </a:prstGeom>
+          <a:noFill/>
+          <a:ln>
+            <a:noFill/>
+          </a:ln>
+          <a:extLst>
+            <a:ext uri="{909E8E84-426E-40DD-AFC4-6F175D3DCCD1}">
+              <a14:hiddenFill xmlns:a14="http://schemas.microsoft.com/office/drawing/2010/main">
+                <a:solidFill>
+                  <a:srgbClr val="FFFFFF"/>
+                </a:solidFill>
+              </a14:hiddenFill>
+            </a:ext>
+            <a:ext uri="{91240B29-F687-4F45-9708-019B960494DF}">
+              <a14:hiddenLine xmlns:a14="http://schemas.microsoft.com/office/drawing/2010/main" w="9525">
+                <a:solidFill>
+                  <a:srgbClr val="000000"/>
+                </a:solidFill>
+                <a:miter lim="800000"/>
+                <a:headEnd/>
+                <a:tailEnd/>
+              </a14:hiddenLine>
+            </a:ext>
+          </a:extLst>
+        </p:spPr>
+      </p:pic>
     </p:spTree>
     <p:extLst>
       <p:ext uri="{BB962C8B-B14F-4D97-AF65-F5344CB8AC3E}">
-        <p14:creationId xmlns:p14="http://schemas.microsoft.com/office/powerpoint/2010/main" val="4064596304"/>
+        <p14:creationId xmlns:p14="http://schemas.microsoft.com/office/powerpoint/2010/main" val="1712102916"/>
       </p:ext>
     </p:extLst>
   </p:cSld>
@@ -8907,113 +9379,165 @@
       </p:grpSpPr>
       <p:sp>
         <p:nvSpPr>
-          <p:cNvPr id="2" name="Title 1"/>
+          <p:cNvPr id="2" name="Titre 1"/>
           <p:cNvSpPr>
             <a:spLocks noGrp="1"/>
           </p:cNvSpPr>
           <p:nvPr>
-            <p:ph type="ctrTitle"/>
-          </p:nvPr>
-        </p:nvSpPr>
-        <p:spPr>
-          <a:xfrm>
-            <a:off x="1547664" y="692696"/>
-            <a:ext cx="6477000" cy="1828800"/>
-          </a:xfrm>
-        </p:spPr>
-        <p:txBody>
-          <a:bodyPr>
-            <a:normAutofit/>
-          </a:bodyPr>
-          <a:lstStyle/>
-          <a:p>
-            <a:r>
-              <a:rPr lang="fr-FR" sz="6000" dirty="0" err="1" smtClean="0">
+            <p:ph type="title"/>
+          </p:nvPr>
+        </p:nvSpPr>
+        <p:spPr/>
+        <p:txBody>
+          <a:bodyPr/>
+          <a:lstStyle/>
+          <a:p>
+            <a:pPr algn="ctr"/>
+            <a:r>
+              <a:rPr lang="fr-FR" dirty="0">
                 <a:latin typeface="Times New Roman" pitchFamily="18" charset="0"/>
                 <a:cs typeface="Times New Roman" pitchFamily="18" charset="0"/>
               </a:rPr>
-              <a:t>I</a:t>
-            </a:r>
-            <a:r>
-              <a:rPr lang="fr-FR" sz="6000" cap="none" dirty="0" err="1" smtClean="0">
-                <a:latin typeface="Times New Roman" pitchFamily="18" charset="0"/>
-                <a:cs typeface="Times New Roman" pitchFamily="18" charset="0"/>
-              </a:rPr>
-              <a:t>o</a:t>
-            </a:r>
-            <a:r>
-              <a:rPr lang="fr-FR" sz="6000" dirty="0" err="1" smtClean="0">
-                <a:latin typeface="Times New Roman" pitchFamily="18" charset="0"/>
-                <a:cs typeface="Times New Roman" pitchFamily="18" charset="0"/>
-              </a:rPr>
-              <a:t>T</a:t>
-            </a:r>
-            <a:r>
-              <a:rPr lang="fr-FR" sz="6000" dirty="0" smtClean="0">
-                <a:latin typeface="Times New Roman" pitchFamily="18" charset="0"/>
-                <a:cs typeface="Times New Roman" pitchFamily="18" charset="0"/>
-              </a:rPr>
-              <a:t> </a:t>
-            </a:r>
-            <a:r>
-              <a:rPr lang="fr-FR" sz="6000" dirty="0">
-                <a:latin typeface="Times New Roman" pitchFamily="18" charset="0"/>
-                <a:cs typeface="Times New Roman" pitchFamily="18" charset="0"/>
-              </a:rPr>
-              <a:t>Démo avec</a:t>
-            </a:r>
-            <a:endParaRPr lang="en-US" sz="6000" dirty="0">
-              <a:latin typeface="Times New Roman" pitchFamily="18" charset="0"/>
-              <a:cs typeface="Times New Roman" pitchFamily="18" charset="0"/>
-            </a:endParaRPr>
-          </a:p>
-        </p:txBody>
-      </p:sp>
-      <p:pic>
-        <p:nvPicPr>
-          <p:cNvPr id="1026" name="Picture 2" descr="http://upload.wikimedia.org/wikipedia/commons/thumb/8/87/Arduino_Logo.svg/720px-Arduino_Logo.svg.png"/>
-          <p:cNvPicPr>
-            <a:picLocks noChangeAspect="1" noChangeArrowheads="1"/>
-          </p:cNvPicPr>
-          <p:nvPr/>
-        </p:nvPicPr>
-        <p:blipFill>
-          <a:blip r:embed="rId2" cstate="print">
-            <a:extLst>
-              <a:ext uri="{28A0092B-C50C-407E-A947-70E740481C1C}">
-                <a14:useLocalDpi xmlns:a14="http://schemas.microsoft.com/office/drawing/2010/main" val="0"/>
-              </a:ext>
-            </a:extLst>
-          </a:blip>
-          <a:srcRect/>
-          <a:stretch>
-            <a:fillRect/>
-          </a:stretch>
-        </p:blipFill>
-        <p:spPr bwMode="auto">
-          <a:xfrm>
-            <a:off x="3419872" y="2780928"/>
-            <a:ext cx="2058931" cy="1401217"/>
-          </a:xfrm>
-          <a:prstGeom prst="rect">
-            <a:avLst/>
-          </a:prstGeom>
-          <a:noFill/>
-          <a:extLst>
-            <a:ext uri="{909E8E84-426E-40DD-AFC4-6F175D3DCCD1}">
-              <a14:hiddenFill xmlns:a14="http://schemas.microsoft.com/office/drawing/2010/main">
-                <a:solidFill>
-                  <a:srgbClr val="FFFFFF"/>
-                </a:solidFill>
-              </a14:hiddenFill>
-            </a:ext>
-          </a:extLst>
-        </p:spPr>
-      </p:pic>
+              <a:t>Conditions de réussite</a:t>
+            </a:r>
+          </a:p>
+        </p:txBody>
+      </p:sp>
+      <p:sp>
+        <p:nvSpPr>
+          <p:cNvPr id="3" name="Espace réservé du contenu 2"/>
+          <p:cNvSpPr>
+            <a:spLocks noGrp="1"/>
+          </p:cNvSpPr>
+          <p:nvPr>
+            <p:ph sz="quarter" idx="1"/>
+          </p:nvPr>
+        </p:nvSpPr>
+        <p:spPr>
+          <a:xfrm>
+            <a:off x="683568" y="1628800"/>
+            <a:ext cx="8153400" cy="4495800"/>
+          </a:xfrm>
+        </p:spPr>
+        <p:txBody>
+          <a:bodyPr/>
+          <a:lstStyle/>
+          <a:p>
+            <a:pPr lvl="1"/>
+            <a:endParaRPr lang="fr-FR" sz="2900" dirty="0" smtClean="0"/>
+          </a:p>
+          <a:p>
+            <a:pPr lvl="1"/>
+            <a:r>
+              <a:rPr lang="fr-FR" sz="2900" dirty="0" smtClean="0"/>
+              <a:t>Le </a:t>
+            </a:r>
+            <a:r>
+              <a:rPr lang="fr-FR" sz="2900" dirty="0"/>
+              <a:t>déploiement d’IPV6 (internet des objets)</a:t>
+            </a:r>
+          </a:p>
+          <a:p>
+            <a:pPr lvl="1"/>
+            <a:r>
+              <a:rPr lang="fr-FR" sz="2900" dirty="0"/>
+              <a:t>La neutralité du Net (pour tous, de partout, sans discrimination de contenu)</a:t>
+            </a:r>
+          </a:p>
+          <a:p>
+            <a:pPr lvl="1"/>
+            <a:r>
+              <a:rPr lang="fr-FR" sz="2900" dirty="0"/>
+              <a:t>La protection des données</a:t>
+            </a:r>
+          </a:p>
+          <a:p>
+            <a:pPr lvl="1"/>
+            <a:r>
+              <a:rPr lang="fr-FR" sz="2900" dirty="0" smtClean="0"/>
+              <a:t>Education/formation </a:t>
+            </a:r>
+            <a:r>
+              <a:rPr lang="fr-FR" sz="2900" dirty="0"/>
+              <a:t>des utilisateurs</a:t>
+            </a:r>
+          </a:p>
+          <a:p>
+            <a:pPr lvl="1"/>
+            <a:r>
+              <a:rPr lang="fr-FR" sz="2900" dirty="0"/>
+              <a:t>Plateformes de service, de discussion, de formation</a:t>
+            </a:r>
+          </a:p>
+          <a:p>
+            <a:endParaRPr lang="fr-FR" dirty="0"/>
+          </a:p>
+        </p:txBody>
+      </p:sp>
+      <p:sp>
+        <p:nvSpPr>
+          <p:cNvPr id="4" name="Espace réservé de la date 3"/>
+          <p:cNvSpPr>
+            <a:spLocks noGrp="1"/>
+          </p:cNvSpPr>
+          <p:nvPr>
+            <p:ph type="dt" sz="half" idx="10"/>
+          </p:nvPr>
+        </p:nvSpPr>
+        <p:spPr/>
+        <p:txBody>
+          <a:bodyPr/>
+          <a:lstStyle/>
+          <a:p>
+            <a:pPr>
+              <a:defRPr/>
+            </a:pPr>
+            <a:fld id="{65ACCEE1-83F7-4A1F-9F42-0F6BBACAD815}" type="datetime1">
+              <a:rPr lang="fr-FR" smtClean="0"/>
+              <a:pPr>
+                <a:defRPr/>
+              </a:pPr>
+              <a:t>17/11/2014</a:t>
+            </a:fld>
+            <a:endParaRPr lang="fr-BE"/>
+          </a:p>
+        </p:txBody>
+      </p:sp>
+      <p:sp>
+        <p:nvSpPr>
+          <p:cNvPr id="5" name="Espace réservé du numéro de diapositive 4"/>
+          <p:cNvSpPr>
+            <a:spLocks noGrp="1"/>
+          </p:cNvSpPr>
+          <p:nvPr>
+            <p:ph type="sldNum" sz="quarter" idx="12"/>
+          </p:nvPr>
+        </p:nvSpPr>
+        <p:spPr/>
+        <p:txBody>
+          <a:bodyPr>
+            <a:normAutofit fontScale="85000" lnSpcReduction="20000"/>
+          </a:bodyPr>
+          <a:lstStyle/>
+          <a:p>
+            <a:pPr>
+              <a:defRPr/>
+            </a:pPr>
+            <a:fld id="{7DB234AD-1E11-4B53-B6E5-88515ECC9B9D}" type="slidenum">
+              <a:rPr lang="fr-BE" smtClean="0"/>
+              <a:pPr>
+                <a:defRPr/>
+              </a:pPr>
+              <a:t>13</a:t>
+            </a:fld>
+            <a:endParaRPr lang="fr-BE"/>
+          </a:p>
+        </p:txBody>
+      </p:sp>
     </p:spTree>
     <p:extLst>
       <p:ext uri="{BB962C8B-B14F-4D97-AF65-F5344CB8AC3E}">
-        <p14:creationId xmlns:p14="http://schemas.microsoft.com/office/powerpoint/2010/main" val="2994772443"/>
+        <p14:creationId xmlns:p14="http://schemas.microsoft.com/office/powerpoint/2010/main" val="409228784"/>
       </p:ext>
     </p:extLst>
   </p:cSld>
@@ -9049,405 +9573,211 @@
       </p:grpSpPr>
       <p:sp>
         <p:nvSpPr>
-          <p:cNvPr id="4" name="TextBox 3"/>
-          <p:cNvSpPr txBox="1"/>
-          <p:nvPr/>
-        </p:nvSpPr>
-        <p:spPr>
-          <a:xfrm>
-            <a:off x="457200" y="966108"/>
-            <a:ext cx="3775579" cy="715581"/>
-          </a:xfrm>
-          <a:prstGeom prst="rect">
-            <a:avLst/>
-          </a:prstGeom>
-          <a:noFill/>
-        </p:spPr>
-        <p:txBody>
-          <a:bodyPr wrap="square" rtlCol="0">
-            <a:spAutoFit/>
+          <p:cNvPr id="2" name="Titre 1"/>
+          <p:cNvSpPr>
+            <a:spLocks noGrp="1"/>
+          </p:cNvSpPr>
+          <p:nvPr>
+            <p:ph type="title"/>
+          </p:nvPr>
+        </p:nvSpPr>
+        <p:spPr/>
+        <p:txBody>
+          <a:bodyPr/>
+          <a:lstStyle/>
+          <a:p>
+            <a:pPr algn="ctr"/>
+            <a:r>
+              <a:rPr lang="fr-FR" dirty="0" smtClean="0">
+                <a:latin typeface="Times New Roman" pitchFamily="18" charset="0"/>
+                <a:cs typeface="Times New Roman" pitchFamily="18" charset="0"/>
+              </a:rPr>
+              <a:t>Objets connectés</a:t>
+            </a:r>
+            <a:endParaRPr lang="fr-FR" dirty="0"/>
+          </a:p>
+        </p:txBody>
+      </p:sp>
+      <p:sp>
+        <p:nvSpPr>
+          <p:cNvPr id="3" name="Espace réservé du contenu 2"/>
+          <p:cNvSpPr>
+            <a:spLocks noGrp="1"/>
+          </p:cNvSpPr>
+          <p:nvPr>
+            <p:ph sz="quarter" idx="1"/>
+          </p:nvPr>
+        </p:nvSpPr>
+        <p:spPr/>
+        <p:txBody>
+          <a:bodyPr/>
+          <a:lstStyle/>
+          <a:p>
+            <a:endParaRPr lang="fr-FR" dirty="0" smtClean="0">
+              <a:solidFill>
+                <a:srgbClr val="FFC000"/>
+              </a:solidFill>
+            </a:endParaRPr>
+          </a:p>
+          <a:p>
+            <a:r>
+              <a:rPr lang="fr-FR" b="1" dirty="0" smtClean="0">
+                <a:solidFill>
+                  <a:srgbClr val="FFC000"/>
+                </a:solidFill>
+                <a:latin typeface="Garamond" panose="02020404030301010803" pitchFamily="18" charset="0"/>
+              </a:rPr>
+              <a:t>Tendance </a:t>
+            </a:r>
+            <a:r>
+              <a:rPr lang="fr-FR" b="1" dirty="0">
+                <a:solidFill>
+                  <a:srgbClr val="FFC000"/>
+                </a:solidFill>
+                <a:latin typeface="Garamond" panose="02020404030301010803" pitchFamily="18" charset="0"/>
+              </a:rPr>
+              <a:t>lourde </a:t>
+            </a:r>
+            <a:r>
+              <a:rPr lang="fr-FR" b="1" dirty="0">
+                <a:latin typeface="Garamond" panose="02020404030301010803" pitchFamily="18" charset="0"/>
+              </a:rPr>
+              <a:t>: En 2020, il </a:t>
+            </a:r>
+            <a:r>
+              <a:rPr lang="fr-FR" b="1" dirty="0" smtClean="0">
+                <a:latin typeface="Garamond" panose="02020404030301010803" pitchFamily="18" charset="0"/>
+              </a:rPr>
+              <a:t>devrait avoir </a:t>
+            </a:r>
+            <a:r>
+              <a:rPr lang="fr-FR" b="1" dirty="0">
+                <a:latin typeface="Garamond" panose="02020404030301010803" pitchFamily="18" charset="0"/>
+              </a:rPr>
+              <a:t>80 </a:t>
+            </a:r>
+            <a:r>
+              <a:rPr lang="fr-FR" b="1" dirty="0" smtClean="0">
+                <a:latin typeface="Garamond" panose="02020404030301010803" pitchFamily="18" charset="0"/>
+              </a:rPr>
+              <a:t>milliards d’objets connectés</a:t>
+            </a:r>
+          </a:p>
+          <a:p>
+            <a:endParaRPr lang="fr-FR" b="1" dirty="0" smtClean="0">
+              <a:latin typeface="Garamond" panose="02020404030301010803" pitchFamily="18" charset="0"/>
+            </a:endParaRPr>
+          </a:p>
+          <a:p>
+            <a:r>
+              <a:rPr lang="fr-FR" b="1" dirty="0">
+                <a:latin typeface="Garamond" panose="02020404030301010803" pitchFamily="18" charset="0"/>
+              </a:rPr>
+              <a:t>Le leader mondial du secteur, </a:t>
+            </a:r>
+            <a:r>
+              <a:rPr lang="fr-FR" b="1" dirty="0" smtClean="0">
+                <a:latin typeface="Garamond" panose="02020404030301010803" pitchFamily="18" charset="0"/>
+              </a:rPr>
+              <a:t>Philips</a:t>
+            </a:r>
+            <a:r>
+              <a:rPr lang="fr-FR" b="1" dirty="0">
+                <a:latin typeface="Garamond" panose="02020404030301010803" pitchFamily="18" charset="0"/>
+              </a:rPr>
+              <a:t> </a:t>
+            </a:r>
+            <a:r>
+              <a:rPr lang="fr-FR" b="1" dirty="0" smtClean="0">
+                <a:latin typeface="Garamond" panose="02020404030301010803" pitchFamily="18" charset="0"/>
+              </a:rPr>
+              <a:t>: </a:t>
+            </a:r>
+            <a:r>
+              <a:rPr lang="fr-FR" b="1" dirty="0">
+                <a:latin typeface="Garamond" panose="02020404030301010803" pitchFamily="18" charset="0"/>
+              </a:rPr>
+              <a:t>“Notre </a:t>
+            </a:r>
+            <a:r>
+              <a:rPr lang="fr-FR" b="1" dirty="0" smtClean="0">
+                <a:latin typeface="Garamond" panose="02020404030301010803" pitchFamily="18" charset="0"/>
+              </a:rPr>
+              <a:t>vision ? A </a:t>
+            </a:r>
+            <a:r>
+              <a:rPr lang="fr-FR" b="1" dirty="0">
+                <a:latin typeface="Garamond" panose="02020404030301010803" pitchFamily="18" charset="0"/>
+              </a:rPr>
+              <a:t>terme toutes les ampoules auront leur adresse Internet. La lumière deviendra un objet intelligent qui pourra être piloté à distance et saura reconnaître son environnement”</a:t>
+            </a:r>
+          </a:p>
+        </p:txBody>
+      </p:sp>
+      <p:sp>
+        <p:nvSpPr>
+          <p:cNvPr id="4" name="Espace réservé de la date 3"/>
+          <p:cNvSpPr>
+            <a:spLocks noGrp="1"/>
+          </p:cNvSpPr>
+          <p:nvPr>
+            <p:ph type="dt" sz="half" idx="10"/>
+          </p:nvPr>
+        </p:nvSpPr>
+        <p:spPr/>
+        <p:txBody>
+          <a:bodyPr/>
+          <a:lstStyle/>
+          <a:p>
+            <a:pPr>
+              <a:defRPr/>
+            </a:pPr>
+            <a:fld id="{65ACCEE1-83F7-4A1F-9F42-0F6BBACAD815}" type="datetime1">
+              <a:rPr lang="fr-FR" smtClean="0"/>
+              <a:pPr>
+                <a:defRPr/>
+              </a:pPr>
+              <a:t>17/11/2014</a:t>
+            </a:fld>
+            <a:endParaRPr lang="fr-BE"/>
+          </a:p>
+        </p:txBody>
+      </p:sp>
+      <p:sp>
+        <p:nvSpPr>
+          <p:cNvPr id="5" name="Espace réservé du numéro de diapositive 4"/>
+          <p:cNvSpPr>
+            <a:spLocks noGrp="1"/>
+          </p:cNvSpPr>
+          <p:nvPr>
+            <p:ph type="sldNum" sz="quarter" idx="12"/>
+          </p:nvPr>
+        </p:nvSpPr>
+        <p:spPr/>
+        <p:txBody>
+          <a:bodyPr>
+            <a:normAutofit fontScale="85000" lnSpcReduction="20000"/>
           </a:bodyPr>
           <a:lstStyle/>
           <a:p>
-            <a:r>
-              <a:rPr lang="fr-FR" sz="4050" dirty="0"/>
-              <a:t>Comment ?</a:t>
-            </a:r>
-            <a:endParaRPr lang="en-US" sz="4050" dirty="0"/>
-          </a:p>
-        </p:txBody>
-      </p:sp>
-      <p:pic>
-        <p:nvPicPr>
-          <p:cNvPr id="2050" name="Picture 2" descr="http://ecx.images-amazon.com/images/I/41Qzzm-8iCL._SY300_.jpg"/>
-          <p:cNvPicPr>
-            <a:picLocks noChangeAspect="1" noChangeArrowheads="1"/>
-          </p:cNvPicPr>
-          <p:nvPr/>
-        </p:nvPicPr>
-        <p:blipFill>
-          <a:blip r:embed="rId3" cstate="print">
-            <a:extLst>
-              <a:ext uri="{28A0092B-C50C-407E-A947-70E740481C1C}">
-                <a14:useLocalDpi xmlns:a14="http://schemas.microsoft.com/office/drawing/2010/main" val="0"/>
-              </a:ext>
-            </a:extLst>
-          </a:blip>
-          <a:srcRect/>
-          <a:stretch>
-            <a:fillRect/>
-          </a:stretch>
-        </p:blipFill>
-        <p:spPr bwMode="auto">
-          <a:xfrm>
-            <a:off x="3458598" y="2245179"/>
-            <a:ext cx="1159075" cy="1159075"/>
-          </a:xfrm>
-          <a:prstGeom prst="rect">
-            <a:avLst/>
-          </a:prstGeom>
-          <a:noFill/>
-          <a:extLst>
-            <a:ext uri="{909E8E84-426E-40DD-AFC4-6F175D3DCCD1}">
-              <a14:hiddenFill xmlns:a14="http://schemas.microsoft.com/office/drawing/2010/main">
-                <a:solidFill>
-                  <a:srgbClr val="FFFFFF"/>
-                </a:solidFill>
-              </a14:hiddenFill>
-            </a:ext>
-          </a:extLst>
-        </p:spPr>
-      </p:pic>
-      <p:pic>
-        <p:nvPicPr>
-          <p:cNvPr id="2052" name="Picture 4" descr="http://arduino.cc/en/uploads/Main/ArduinoMega2560_R3_Front_450px.jpg"/>
-          <p:cNvPicPr>
-            <a:picLocks noChangeAspect="1" noChangeArrowheads="1"/>
-          </p:cNvPicPr>
-          <p:nvPr/>
-        </p:nvPicPr>
-        <p:blipFill>
-          <a:blip r:embed="rId4">
-            <a:extLst>
-              <a:ext uri="{28A0092B-C50C-407E-A947-70E740481C1C}">
-                <a14:useLocalDpi xmlns:a14="http://schemas.microsoft.com/office/drawing/2010/main" val="0"/>
-              </a:ext>
-            </a:extLst>
-          </a:blip>
-          <a:srcRect/>
-          <a:stretch>
-            <a:fillRect/>
-          </a:stretch>
-        </p:blipFill>
-        <p:spPr bwMode="auto">
-          <a:xfrm>
-            <a:off x="264999" y="2017834"/>
-            <a:ext cx="2456430" cy="1615786"/>
-          </a:xfrm>
-          <a:prstGeom prst="rect">
-            <a:avLst/>
-          </a:prstGeom>
-          <a:noFill/>
-          <a:extLst>
-            <a:ext uri="{909E8E84-426E-40DD-AFC4-6F175D3DCCD1}">
-              <a14:hiddenFill xmlns:a14="http://schemas.microsoft.com/office/drawing/2010/main">
-                <a:solidFill>
-                  <a:srgbClr val="FFFFFF"/>
-                </a:solidFill>
-              </a14:hiddenFill>
-            </a:ext>
-          </a:extLst>
-        </p:spPr>
-      </p:pic>
-      <p:sp>
-        <p:nvSpPr>
-          <p:cNvPr id="5" name="TextBox 4"/>
-          <p:cNvSpPr txBox="1"/>
-          <p:nvPr/>
-        </p:nvSpPr>
-        <p:spPr>
-          <a:xfrm>
-            <a:off x="3069772" y="2435677"/>
-            <a:ext cx="534121" cy="784830"/>
-          </a:xfrm>
-          <a:prstGeom prst="rect">
-            <a:avLst/>
-          </a:prstGeom>
-          <a:noFill/>
-        </p:spPr>
-        <p:txBody>
-          <a:bodyPr wrap="none" rtlCol="0">
-            <a:spAutoFit/>
-          </a:bodyPr>
-          <a:lstStyle/>
-          <a:p>
-            <a:r>
-              <a:rPr lang="fr-FR" sz="4500" dirty="0"/>
-              <a:t>+</a:t>
-            </a:r>
-            <a:endParaRPr lang="en-US" sz="4500" dirty="0"/>
-          </a:p>
-        </p:txBody>
-      </p:sp>
-      <p:sp>
-        <p:nvSpPr>
-          <p:cNvPr id="9" name="TextBox 8"/>
-          <p:cNvSpPr txBox="1"/>
-          <p:nvPr/>
-        </p:nvSpPr>
-        <p:spPr>
-          <a:xfrm>
-            <a:off x="4232779" y="2475434"/>
-            <a:ext cx="1653331" cy="784830"/>
-          </a:xfrm>
-          <a:prstGeom prst="rect">
-            <a:avLst/>
-          </a:prstGeom>
-          <a:noFill/>
-        </p:spPr>
-        <p:txBody>
-          <a:bodyPr wrap="square" rtlCol="0">
-            <a:spAutoFit/>
-          </a:bodyPr>
-          <a:lstStyle/>
-          <a:p>
-            <a:r>
-              <a:rPr lang="fr-FR" sz="1500" dirty="0"/>
-              <a:t>Ou  DIY        </a:t>
-            </a:r>
-            <a:r>
-              <a:rPr lang="fr-FR" sz="4500" dirty="0"/>
-              <a:t>+</a:t>
-            </a:r>
-            <a:endParaRPr lang="en-US" sz="4500" dirty="0"/>
-          </a:p>
-        </p:txBody>
-      </p:sp>
-      <p:pic>
-        <p:nvPicPr>
-          <p:cNvPr id="2054" name="Picture 6" descr="http://arduino.cc/en/uploads/Main/ArduinoEthernetShield_R3_Front_450px.jpg"/>
-          <p:cNvPicPr>
-            <a:picLocks noChangeAspect="1" noChangeArrowheads="1"/>
-          </p:cNvPicPr>
-          <p:nvPr/>
-        </p:nvPicPr>
-        <p:blipFill>
-          <a:blip r:embed="rId5">
-            <a:extLst>
-              <a:ext uri="{28A0092B-C50C-407E-A947-70E740481C1C}">
-                <a14:useLocalDpi xmlns:a14="http://schemas.microsoft.com/office/drawing/2010/main" val="0"/>
-              </a:ext>
-            </a:extLst>
-          </a:blip>
-          <a:srcRect/>
-          <a:stretch>
-            <a:fillRect/>
-          </a:stretch>
-        </p:blipFill>
-        <p:spPr bwMode="auto">
-          <a:xfrm>
-            <a:off x="5886110" y="2033625"/>
-            <a:ext cx="2201976" cy="1565850"/>
-          </a:xfrm>
-          <a:prstGeom prst="rect">
-            <a:avLst/>
-          </a:prstGeom>
-          <a:noFill/>
-          <a:extLst>
-            <a:ext uri="{909E8E84-426E-40DD-AFC4-6F175D3DCCD1}">
-              <a14:hiddenFill xmlns:a14="http://schemas.microsoft.com/office/drawing/2010/main">
-                <a:solidFill>
-                  <a:srgbClr val="FFFFFF"/>
-                </a:solidFill>
-              </a14:hiddenFill>
-            </a:ext>
-          </a:extLst>
-        </p:spPr>
-      </p:pic>
-      <p:sp>
-        <p:nvSpPr>
-          <p:cNvPr id="11" name="TextBox 10"/>
-          <p:cNvSpPr txBox="1"/>
-          <p:nvPr/>
-        </p:nvSpPr>
-        <p:spPr>
-          <a:xfrm>
-            <a:off x="2703398" y="4161062"/>
-            <a:ext cx="1781516" cy="584775"/>
-          </a:xfrm>
-          <a:prstGeom prst="rect">
-            <a:avLst/>
-          </a:prstGeom>
-          <a:noFill/>
-        </p:spPr>
-        <p:txBody>
-          <a:bodyPr wrap="square" rtlCol="0">
-            <a:spAutoFit/>
-          </a:bodyPr>
-          <a:lstStyle/>
-          <a:p>
-            <a:r>
-              <a:rPr lang="fr-FR" sz="3200" dirty="0"/>
-              <a:t>+ Code</a:t>
-            </a:r>
-            <a:endParaRPr lang="en-US" sz="3200" dirty="0"/>
-          </a:p>
-        </p:txBody>
-      </p:sp>
-      <p:sp>
-        <p:nvSpPr>
-          <p:cNvPr id="6" name="TextBox 5"/>
-          <p:cNvSpPr txBox="1"/>
-          <p:nvPr/>
-        </p:nvSpPr>
-        <p:spPr>
-          <a:xfrm>
-            <a:off x="3487548" y="1924783"/>
-            <a:ext cx="1160300" cy="369332"/>
-          </a:xfrm>
-          <a:prstGeom prst="rect">
-            <a:avLst/>
-          </a:prstGeom>
-          <a:noFill/>
-        </p:spPr>
-        <p:txBody>
-          <a:bodyPr wrap="square" rtlCol="0">
-            <a:spAutoFit/>
-          </a:bodyPr>
-          <a:lstStyle/>
-          <a:p>
-            <a:r>
-              <a:rPr lang="fr-FR" dirty="0"/>
-              <a:t>C</a:t>
-            </a:r>
-            <a:r>
-              <a:rPr lang="fr-FR" dirty="0" smtClean="0"/>
-              <a:t>apteur</a:t>
-            </a:r>
-            <a:endParaRPr lang="en-US" dirty="0"/>
-          </a:p>
-        </p:txBody>
-      </p:sp>
-      <p:sp>
-        <p:nvSpPr>
-          <p:cNvPr id="13" name="TextBox 12"/>
-          <p:cNvSpPr txBox="1"/>
-          <p:nvPr/>
-        </p:nvSpPr>
-        <p:spPr>
-          <a:xfrm>
-            <a:off x="4354285" y="4161061"/>
-            <a:ext cx="5762331" cy="707886"/>
-          </a:xfrm>
-          <a:prstGeom prst="rect">
-            <a:avLst/>
-          </a:prstGeom>
-          <a:noFill/>
-        </p:spPr>
-        <p:txBody>
-          <a:bodyPr wrap="square" rtlCol="0">
-            <a:spAutoFit/>
-          </a:bodyPr>
-          <a:lstStyle/>
-          <a:p>
-            <a:r>
-              <a:rPr lang="fr-FR" sz="4000" dirty="0"/>
-              <a:t>=  </a:t>
-            </a:r>
-            <a:r>
-              <a:rPr lang="fr-FR" sz="4000" u="sng" dirty="0"/>
-              <a:t>Objet Connecté</a:t>
-            </a:r>
-            <a:endParaRPr lang="en-US" sz="4000" u="sng" dirty="0"/>
-          </a:p>
-        </p:txBody>
-      </p:sp>
-      <p:pic>
-        <p:nvPicPr>
-          <p:cNvPr id="2058" name="Picture 10" descr="http://www.omerin-polycable.com/media/cata_1_zoom.jpg"/>
-          <p:cNvPicPr>
-            <a:picLocks noChangeAspect="1" noChangeArrowheads="1"/>
-          </p:cNvPicPr>
-          <p:nvPr/>
-        </p:nvPicPr>
-        <p:blipFill>
-          <a:blip r:embed="rId6" cstate="print">
-            <a:extLst>
-              <a:ext uri="{28A0092B-C50C-407E-A947-70E740481C1C}">
-                <a14:useLocalDpi xmlns:a14="http://schemas.microsoft.com/office/drawing/2010/main" val="0"/>
-              </a:ext>
-            </a:extLst>
-          </a:blip>
-          <a:srcRect/>
-          <a:stretch>
-            <a:fillRect/>
-          </a:stretch>
-        </p:blipFill>
-        <p:spPr bwMode="auto">
-          <a:xfrm>
-            <a:off x="1531546" y="3876993"/>
-            <a:ext cx="1189883" cy="1026869"/>
-          </a:xfrm>
-          <a:prstGeom prst="rect">
-            <a:avLst/>
-          </a:prstGeom>
-          <a:noFill/>
-          <a:extLst>
-            <a:ext uri="{909E8E84-426E-40DD-AFC4-6F175D3DCCD1}">
-              <a14:hiddenFill xmlns:a14="http://schemas.microsoft.com/office/drawing/2010/main">
-                <a:solidFill>
-                  <a:srgbClr val="FFFFFF"/>
-                </a:solidFill>
-              </a14:hiddenFill>
-            </a:ext>
-          </a:extLst>
-        </p:spPr>
-      </p:pic>
-      <p:pic>
-        <p:nvPicPr>
-          <p:cNvPr id="2056" name="Picture 8" descr="plaque-d-essai.jpg (264×264)"/>
-          <p:cNvPicPr>
-            <a:picLocks noChangeAspect="1" noChangeArrowheads="1"/>
-          </p:cNvPicPr>
-          <p:nvPr/>
-        </p:nvPicPr>
-        <p:blipFill>
-          <a:blip r:embed="rId7">
-            <a:extLst>
-              <a:ext uri="{28A0092B-C50C-407E-A947-70E740481C1C}">
-                <a14:useLocalDpi xmlns:a14="http://schemas.microsoft.com/office/drawing/2010/main" val="0"/>
-              </a:ext>
-            </a:extLst>
-          </a:blip>
-          <a:srcRect/>
-          <a:stretch>
-            <a:fillRect/>
-          </a:stretch>
-        </p:blipFill>
-        <p:spPr bwMode="auto">
-          <a:xfrm>
-            <a:off x="108578" y="3806305"/>
-            <a:ext cx="1458964" cy="1458964"/>
-          </a:xfrm>
-          <a:prstGeom prst="rect">
-            <a:avLst/>
-          </a:prstGeom>
-          <a:noFill/>
-          <a:extLst>
-            <a:ext uri="{909E8E84-426E-40DD-AFC4-6F175D3DCCD1}">
-              <a14:hiddenFill xmlns:a14="http://schemas.microsoft.com/office/drawing/2010/main">
-                <a:solidFill>
-                  <a:srgbClr val="FFFFFF"/>
-                </a:solidFill>
-              </a14:hiddenFill>
-            </a:ext>
-          </a:extLst>
-        </p:spPr>
-      </p:pic>
+            <a:pPr>
+              <a:defRPr/>
+            </a:pPr>
+            <a:fld id="{7DB234AD-1E11-4B53-B6E5-88515ECC9B9D}" type="slidenum">
+              <a:rPr lang="fr-BE" smtClean="0"/>
+              <a:pPr>
+                <a:defRPr/>
+              </a:pPr>
+              <a:t>14</a:t>
+            </a:fld>
+            <a:endParaRPr lang="fr-BE"/>
+          </a:p>
+        </p:txBody>
+      </p:sp>
     </p:spTree>
     <p:extLst>
       <p:ext uri="{BB962C8B-B14F-4D97-AF65-F5344CB8AC3E}">
-        <p14:creationId xmlns:p14="http://schemas.microsoft.com/office/powerpoint/2010/main" val="3131075852"/>
+        <p14:creationId xmlns:p14="http://schemas.microsoft.com/office/powerpoint/2010/main" val="4064596304"/>
       </p:ext>
     </p:extLst>
   </p:cSld>
@@ -9488,118 +9818,73 @@
             <a:spLocks noGrp="1"/>
           </p:cNvSpPr>
           <p:nvPr>
-            <p:ph type="title"/>
-          </p:nvPr>
-        </p:nvSpPr>
-        <p:spPr/>
-        <p:txBody>
-          <a:bodyPr/>
-          <a:lstStyle/>
-          <a:p>
-            <a:endParaRPr lang="en-US"/>
-          </a:p>
-        </p:txBody>
-      </p:sp>
-      <p:sp>
-        <p:nvSpPr>
-          <p:cNvPr id="4" name="Date Placeholder 3"/>
-          <p:cNvSpPr>
-            <a:spLocks noGrp="1"/>
-          </p:cNvSpPr>
-          <p:nvPr>
-            <p:ph type="dt" sz="half" idx="10"/>
-          </p:nvPr>
-        </p:nvSpPr>
-        <p:spPr/>
-        <p:txBody>
-          <a:bodyPr/>
-          <a:lstStyle/>
-          <a:p>
-            <a:pPr>
-              <a:defRPr/>
-            </a:pPr>
-            <a:fld id="{65ACCEE1-83F7-4A1F-9F42-0F6BBACAD815}" type="datetime1">
-              <a:rPr lang="fr-FR" smtClean="0"/>
-              <a:pPr>
-                <a:defRPr/>
-              </a:pPr>
-              <a:t>16/11/2014</a:t>
-            </a:fld>
-            <a:endParaRPr lang="fr-BE"/>
-          </a:p>
-        </p:txBody>
-      </p:sp>
-      <p:sp>
-        <p:nvSpPr>
-          <p:cNvPr id="5" name="Slide Number Placeholder 4"/>
-          <p:cNvSpPr>
-            <a:spLocks noGrp="1"/>
-          </p:cNvSpPr>
-          <p:nvPr>
-            <p:ph type="sldNum" sz="quarter" idx="12"/>
-          </p:nvPr>
-        </p:nvSpPr>
-        <p:spPr/>
+            <p:ph type="ctrTitle"/>
+          </p:nvPr>
+        </p:nvSpPr>
+        <p:spPr>
+          <a:xfrm>
+            <a:off x="2058423" y="1700808"/>
+            <a:ext cx="4961849" cy="936104"/>
+          </a:xfrm>
+        </p:spPr>
         <p:txBody>
           <a:bodyPr>
-            <a:normAutofit fontScale="85000" lnSpcReduction="20000"/>
+            <a:normAutofit fontScale="90000"/>
           </a:bodyPr>
           <a:lstStyle/>
           <a:p>
-            <a:pPr>
-              <a:defRPr/>
-            </a:pPr>
-            <a:fld id="{7DB234AD-1E11-4B53-B6E5-88515ECC9B9D}" type="slidenum">
-              <a:rPr lang="fr-BE" smtClean="0"/>
-              <a:pPr>
-                <a:defRPr/>
-              </a:pPr>
-              <a:t>15</a:t>
-            </a:fld>
-            <a:endParaRPr lang="fr-BE"/>
+            <a:r>
+              <a:rPr lang="fr-FR" sz="6000" dirty="0" smtClean="0">
+                <a:latin typeface="Times New Roman" pitchFamily="18" charset="0"/>
+                <a:cs typeface="Times New Roman" pitchFamily="18" charset="0"/>
+              </a:rPr>
+              <a:t>DIY </a:t>
+            </a:r>
+            <a:r>
+              <a:rPr lang="fr-FR" sz="6000" dirty="0" err="1" smtClean="0">
+                <a:latin typeface="Times New Roman" pitchFamily="18" charset="0"/>
+                <a:cs typeface="Times New Roman" pitchFamily="18" charset="0"/>
+              </a:rPr>
+              <a:t>I</a:t>
+            </a:r>
+            <a:r>
+              <a:rPr lang="fr-FR" sz="6000" cap="none" dirty="0" err="1" smtClean="0">
+                <a:latin typeface="Times New Roman" pitchFamily="18" charset="0"/>
+                <a:cs typeface="Times New Roman" pitchFamily="18" charset="0"/>
+              </a:rPr>
+              <a:t>o</a:t>
+            </a:r>
+            <a:r>
+              <a:rPr lang="fr-FR" sz="6000" dirty="0" err="1" smtClean="0">
+                <a:latin typeface="Times New Roman" pitchFamily="18" charset="0"/>
+                <a:cs typeface="Times New Roman" pitchFamily="18" charset="0"/>
+              </a:rPr>
+              <a:t>T</a:t>
+            </a:r>
+            <a:r>
+              <a:rPr lang="fr-FR" sz="6000" dirty="0" smtClean="0">
+                <a:latin typeface="Times New Roman" pitchFamily="18" charset="0"/>
+                <a:cs typeface="Times New Roman" pitchFamily="18" charset="0"/>
+              </a:rPr>
+              <a:t> avec</a:t>
+            </a:r>
+            <a:endParaRPr lang="en-US" sz="6000" dirty="0">
+              <a:latin typeface="Times New Roman" pitchFamily="18" charset="0"/>
+              <a:cs typeface="Times New Roman" pitchFamily="18" charset="0"/>
+            </a:endParaRPr>
           </a:p>
         </p:txBody>
       </p:sp>
       <p:pic>
         <p:nvPicPr>
-          <p:cNvPr id="7" name="Picture 6"/>
-          <p:cNvPicPr>
-            <a:picLocks noChangeAspect="1"/>
-          </p:cNvPicPr>
-          <p:nvPr/>
-        </p:nvPicPr>
-        <p:blipFill>
-          <a:blip r:embed="rId2">
-            <a:extLst>
-              <a:ext uri="{28A0092B-C50C-407E-A947-70E740481C1C}">
-                <a14:useLocalDpi xmlns:a14="http://schemas.microsoft.com/office/drawing/2010/main" val="0"/>
-              </a:ext>
-            </a:extLst>
-          </a:blip>
-          <a:stretch>
-            <a:fillRect/>
-          </a:stretch>
-        </p:blipFill>
-        <p:spPr>
-          <a:xfrm>
-            <a:off x="755576" y="1856691"/>
-            <a:ext cx="5019675" cy="3714750"/>
-          </a:xfrm>
-          <a:prstGeom prst="rect">
-            <a:avLst/>
-          </a:prstGeom>
-        </p:spPr>
-      </p:pic>
-      <p:pic>
-        <p:nvPicPr>
-          <p:cNvPr id="1026" name="Picture 2" descr="http://i00.i.aliimg.com/wsphoto/v0/1355075994/-font-b-Water-b-font-font-b-Level-b-font-font-b-Sensor-b-font.jpg"/>
+          <p:cNvPr id="1026" name="Picture 2" descr="http://upload.wikimedia.org/wikipedia/commons/thumb/8/87/Arduino_Logo.svg/720px-Arduino_Logo.svg.png"/>
           <p:cNvPicPr>
             <a:picLocks noChangeAspect="1" noChangeArrowheads="1"/>
           </p:cNvPicPr>
           <p:nvPr/>
         </p:nvPicPr>
         <p:blipFill>
-          <a:blip r:embed="rId3" cstate="print">
+          <a:blip r:embed="rId2" cstate="print">
             <a:extLst>
               <a:ext uri="{28A0092B-C50C-407E-A947-70E740481C1C}">
                 <a14:useLocalDpi xmlns:a14="http://schemas.microsoft.com/office/drawing/2010/main" val="0"/>
@@ -9613,8 +9898,8 @@
         </p:blipFill>
         <p:spPr bwMode="auto">
           <a:xfrm>
-            <a:off x="6077645" y="3561310"/>
-            <a:ext cx="2625824" cy="2625824"/>
+            <a:off x="3203848" y="2819871"/>
+            <a:ext cx="2058931" cy="1401217"/>
           </a:xfrm>
           <a:prstGeom prst="rect">
             <a:avLst/>
@@ -9631,10 +9916,126 @@
           </a:extLst>
         </p:spPr>
       </p:pic>
+      <p:sp>
+        <p:nvSpPr>
+          <p:cNvPr id="3" name="TextBox 2"/>
+          <p:cNvSpPr txBox="1"/>
+          <p:nvPr/>
+        </p:nvSpPr>
+        <p:spPr>
+          <a:xfrm>
+            <a:off x="3081185" y="901169"/>
+            <a:ext cx="3074991" cy="1015663"/>
+          </a:xfrm>
+          <a:prstGeom prst="rect">
+            <a:avLst/>
+          </a:prstGeom>
+          <a:noFill/>
+        </p:spPr>
+        <p:txBody>
+          <a:bodyPr wrap="square" rtlCol="0">
+            <a:spAutoFit/>
+          </a:bodyPr>
+          <a:lstStyle/>
+          <a:p>
+            <a:r>
+              <a:rPr lang="fr-FR" sz="6000" cap="all" dirty="0">
+                <a:solidFill>
+                  <a:schemeClr val="tx2"/>
+                </a:solidFill>
+                <a:latin typeface="Times New Roman" pitchFamily="18" charset="0"/>
+                <a:ea typeface="+mj-ea"/>
+                <a:cs typeface="Times New Roman" pitchFamily="18" charset="0"/>
+              </a:rPr>
+              <a:t>DÉMO</a:t>
+            </a:r>
+            <a:endParaRPr lang="en-US" sz="6000" cap="all" dirty="0">
+              <a:solidFill>
+                <a:schemeClr val="tx2"/>
+              </a:solidFill>
+              <a:latin typeface="Times New Roman" pitchFamily="18" charset="0"/>
+              <a:ea typeface="+mj-ea"/>
+              <a:cs typeface="Times New Roman" pitchFamily="18" charset="0"/>
+            </a:endParaRPr>
+          </a:p>
+        </p:txBody>
+      </p:sp>
+      <p:sp>
+        <p:nvSpPr>
+          <p:cNvPr id="4" name="TextBox 3"/>
+          <p:cNvSpPr txBox="1"/>
+          <p:nvPr/>
+        </p:nvSpPr>
+        <p:spPr>
+          <a:xfrm>
+            <a:off x="107504" y="5229200"/>
+            <a:ext cx="2232248" cy="369332"/>
+          </a:xfrm>
+          <a:prstGeom prst="rect">
+            <a:avLst/>
+          </a:prstGeom>
+          <a:noFill/>
+        </p:spPr>
+        <p:txBody>
+          <a:bodyPr wrap="square" rtlCol="0">
+            <a:spAutoFit/>
+          </a:bodyPr>
+          <a:lstStyle/>
+          <a:p>
+            <a:r>
+              <a:rPr lang="fr-FR" dirty="0" smtClean="0"/>
+              <a:t>DIY : Do It </a:t>
+            </a:r>
+            <a:r>
+              <a:rPr lang="fr-FR" dirty="0" err="1" smtClean="0"/>
+              <a:t>Yourself</a:t>
+            </a:r>
+            <a:endParaRPr lang="en-US" dirty="0"/>
+          </a:p>
+        </p:txBody>
+      </p:sp>
+      <p:sp>
+        <p:nvSpPr>
+          <p:cNvPr id="6" name="TextBox 5"/>
+          <p:cNvSpPr txBox="1"/>
+          <p:nvPr/>
+        </p:nvSpPr>
+        <p:spPr>
+          <a:xfrm>
+            <a:off x="107504" y="5598532"/>
+            <a:ext cx="2880320" cy="369332"/>
+          </a:xfrm>
+          <a:prstGeom prst="rect">
+            <a:avLst/>
+          </a:prstGeom>
+          <a:noFill/>
+        </p:spPr>
+        <p:txBody>
+          <a:bodyPr wrap="square" rtlCol="0">
+            <a:spAutoFit/>
+          </a:bodyPr>
+          <a:lstStyle/>
+          <a:p>
+            <a:r>
+              <a:rPr lang="fr-FR" dirty="0" err="1" smtClean="0"/>
+              <a:t>IoT</a:t>
+            </a:r>
+            <a:r>
+              <a:rPr lang="fr-FR" dirty="0" smtClean="0"/>
+              <a:t> : Internet Of </a:t>
+            </a:r>
+            <a:r>
+              <a:rPr lang="fr-FR" dirty="0" err="1" smtClean="0"/>
+              <a:t>Things</a:t>
+            </a:r>
+            <a:endParaRPr lang="en-US" dirty="0"/>
+          </a:p>
+        </p:txBody>
+      </p:sp>
     </p:spTree>
     <p:extLst>
       <p:ext uri="{BB962C8B-B14F-4D97-AF65-F5344CB8AC3E}">
-        <p14:creationId xmlns:p14="http://schemas.microsoft.com/office/powerpoint/2010/main" val="1279459192"/>
+        <p14:creationId xmlns:p14="http://schemas.microsoft.com/office/powerpoint/2010/main" val="2994772443"/>
       </p:ext>
     </p:extLst>
   </p:cSld>
@@ -9670,74 +10071,44 @@
       </p:grpSpPr>
       <p:sp>
         <p:nvSpPr>
-          <p:cNvPr id="4" name="Date Placeholder 3"/>
-          <p:cNvSpPr>
-            <a:spLocks noGrp="1"/>
-          </p:cNvSpPr>
-          <p:nvPr>
-            <p:ph type="dt" sz="half" idx="10"/>
-          </p:nvPr>
-        </p:nvSpPr>
-        <p:spPr/>
-        <p:txBody>
-          <a:bodyPr/>
-          <a:lstStyle/>
-          <a:p>
-            <a:pPr>
-              <a:defRPr/>
-            </a:pPr>
-            <a:fld id="{65ACCEE1-83F7-4A1F-9F42-0F6BBACAD815}" type="datetime1">
-              <a:rPr lang="fr-FR" smtClean="0"/>
-              <a:pPr>
-                <a:defRPr/>
-              </a:pPr>
-              <a:t>16/11/2014</a:t>
-            </a:fld>
-            <a:endParaRPr lang="fr-BE"/>
-          </a:p>
-        </p:txBody>
-      </p:sp>
-      <p:sp>
-        <p:nvSpPr>
-          <p:cNvPr id="5" name="Slide Number Placeholder 4"/>
-          <p:cNvSpPr>
-            <a:spLocks noGrp="1"/>
-          </p:cNvSpPr>
-          <p:nvPr>
-            <p:ph type="sldNum" sz="quarter" idx="12"/>
-          </p:nvPr>
-        </p:nvSpPr>
-        <p:spPr/>
-        <p:txBody>
-          <a:bodyPr>
-            <a:normAutofit fontScale="85000" lnSpcReduction="20000"/>
+          <p:cNvPr id="4" name="TextBox 3"/>
+          <p:cNvSpPr txBox="1"/>
+          <p:nvPr/>
+        </p:nvSpPr>
+        <p:spPr>
+          <a:xfrm>
+            <a:off x="689996" y="376406"/>
+            <a:ext cx="3775579" cy="715581"/>
+          </a:xfrm>
+          <a:prstGeom prst="rect">
+            <a:avLst/>
+          </a:prstGeom>
+          <a:noFill/>
+        </p:spPr>
+        <p:txBody>
+          <a:bodyPr wrap="square" rtlCol="0">
+            <a:spAutoFit/>
           </a:bodyPr>
           <a:lstStyle/>
           <a:p>
-            <a:pPr>
-              <a:defRPr/>
-            </a:pPr>
-            <a:fld id="{7DB234AD-1E11-4B53-B6E5-88515ECC9B9D}" type="slidenum">
-              <a:rPr lang="fr-BE" smtClean="0"/>
-              <a:pPr>
-                <a:defRPr/>
-              </a:pPr>
-              <a:t>16</a:t>
-            </a:fld>
-            <a:endParaRPr lang="fr-BE"/>
+            <a:r>
+              <a:rPr lang="fr-FR" sz="4050" dirty="0"/>
+              <a:t>Comment ?</a:t>
+            </a:r>
+            <a:endParaRPr lang="en-US" sz="4050" dirty="0"/>
           </a:p>
         </p:txBody>
       </p:sp>
       <p:pic>
         <p:nvPicPr>
-          <p:cNvPr id="2050" name="Picture 2" descr="Arduino-Mega-ADK-Pinout.jpg (2804×1367)"/>
+          <p:cNvPr id="2052" name="Picture 4" descr="http://arduino.cc/en/uploads/Main/ArduinoMega2560_R3_Front_450px.jpg"/>
           <p:cNvPicPr>
             <a:picLocks noChangeAspect="1" noChangeArrowheads="1"/>
           </p:cNvPicPr>
           <p:nvPr/>
         </p:nvPicPr>
         <p:blipFill>
-          <a:blip r:embed="rId2" cstate="print">
+          <a:blip r:embed="rId3">
             <a:extLst>
               <a:ext uri="{28A0092B-C50C-407E-A947-70E740481C1C}">
                 <a14:useLocalDpi xmlns:a14="http://schemas.microsoft.com/office/drawing/2010/main" val="0"/>
@@ -9751,8 +10122,8 @@
         </p:blipFill>
         <p:spPr bwMode="auto">
           <a:xfrm>
-            <a:off x="1259632" y="2276872"/>
-            <a:ext cx="6467530" cy="3153036"/>
+            <a:off x="2915816" y="2008657"/>
+            <a:ext cx="2456430" cy="1615786"/>
           </a:xfrm>
           <a:prstGeom prst="rect">
             <a:avLst/>
@@ -9769,10 +10140,336 @@
           </a:extLst>
         </p:spPr>
       </p:pic>
+      <p:pic>
+        <p:nvPicPr>
+          <p:cNvPr id="2054" name="Picture 6" descr="http://arduino.cc/en/uploads/Main/ArduinoEthernetShield_R3_Front_450px.jpg"/>
+          <p:cNvPicPr>
+            <a:picLocks noChangeAspect="1" noChangeArrowheads="1"/>
+          </p:cNvPicPr>
+          <p:nvPr/>
+        </p:nvPicPr>
+        <p:blipFill>
+          <a:blip r:embed="rId4">
+            <a:extLst>
+              <a:ext uri="{28A0092B-C50C-407E-A947-70E740481C1C}">
+                <a14:useLocalDpi xmlns:a14="http://schemas.microsoft.com/office/drawing/2010/main" val="0"/>
+              </a:ext>
+            </a:extLst>
+          </a:blip>
+          <a:srcRect/>
+          <a:stretch>
+            <a:fillRect/>
+          </a:stretch>
+        </p:blipFill>
+        <p:spPr bwMode="auto">
+          <a:xfrm>
+            <a:off x="5886110" y="2033625"/>
+            <a:ext cx="2201976" cy="1565850"/>
+          </a:xfrm>
+          <a:prstGeom prst="rect">
+            <a:avLst/>
+          </a:prstGeom>
+          <a:noFill/>
+          <a:extLst>
+            <a:ext uri="{909E8E84-426E-40DD-AFC4-6F175D3DCCD1}">
+              <a14:hiddenFill xmlns:a14="http://schemas.microsoft.com/office/drawing/2010/main">
+                <a:solidFill>
+                  <a:srgbClr val="FFFFFF"/>
+                </a:solidFill>
+              </a14:hiddenFill>
+            </a:ext>
+          </a:extLst>
+        </p:spPr>
+      </p:pic>
+      <p:sp>
+        <p:nvSpPr>
+          <p:cNvPr id="11" name="TextBox 10"/>
+          <p:cNvSpPr txBox="1"/>
+          <p:nvPr/>
+        </p:nvSpPr>
+        <p:spPr>
+          <a:xfrm>
+            <a:off x="2703398" y="4161062"/>
+            <a:ext cx="1781516" cy="584775"/>
+          </a:xfrm>
+          <a:prstGeom prst="rect">
+            <a:avLst/>
+          </a:prstGeom>
+          <a:noFill/>
+        </p:spPr>
+        <p:txBody>
+          <a:bodyPr wrap="square" rtlCol="0">
+            <a:spAutoFit/>
+          </a:bodyPr>
+          <a:lstStyle/>
+          <a:p>
+            <a:r>
+              <a:rPr lang="fr-FR" sz="3200" dirty="0"/>
+              <a:t>+ Code</a:t>
+            </a:r>
+            <a:endParaRPr lang="en-US" sz="3200" dirty="0"/>
+          </a:p>
+        </p:txBody>
+      </p:sp>
+      <p:sp>
+        <p:nvSpPr>
+          <p:cNvPr id="13" name="TextBox 12"/>
+          <p:cNvSpPr txBox="1"/>
+          <p:nvPr/>
+        </p:nvSpPr>
+        <p:spPr>
+          <a:xfrm>
+            <a:off x="4354285" y="4161061"/>
+            <a:ext cx="5762331" cy="707886"/>
+          </a:xfrm>
+          <a:prstGeom prst="rect">
+            <a:avLst/>
+          </a:prstGeom>
+          <a:noFill/>
+        </p:spPr>
+        <p:txBody>
+          <a:bodyPr wrap="square" rtlCol="0">
+            <a:spAutoFit/>
+          </a:bodyPr>
+          <a:lstStyle/>
+          <a:p>
+            <a:r>
+              <a:rPr lang="fr-FR" sz="4000" dirty="0"/>
+              <a:t>=  </a:t>
+            </a:r>
+            <a:r>
+              <a:rPr lang="fr-FR" sz="4000" u="sng" dirty="0"/>
+              <a:t>Objet Connecté</a:t>
+            </a:r>
+            <a:endParaRPr lang="en-US" sz="4000" u="sng" dirty="0"/>
+          </a:p>
+        </p:txBody>
+      </p:sp>
+      <p:pic>
+        <p:nvPicPr>
+          <p:cNvPr id="2058" name="Picture 10" descr="http://www.omerin-polycable.com/media/cata_1_zoom.jpg"/>
+          <p:cNvPicPr>
+            <a:picLocks noChangeAspect="1" noChangeArrowheads="1"/>
+          </p:cNvPicPr>
+          <p:nvPr/>
+        </p:nvPicPr>
+        <p:blipFill>
+          <a:blip r:embed="rId5" cstate="print">
+            <a:extLst>
+              <a:ext uri="{28A0092B-C50C-407E-A947-70E740481C1C}">
+                <a14:useLocalDpi xmlns:a14="http://schemas.microsoft.com/office/drawing/2010/main" val="0"/>
+              </a:ext>
+            </a:extLst>
+          </a:blip>
+          <a:srcRect/>
+          <a:stretch>
+            <a:fillRect/>
+          </a:stretch>
+        </p:blipFill>
+        <p:spPr bwMode="auto">
+          <a:xfrm>
+            <a:off x="1531546" y="3876993"/>
+            <a:ext cx="1189883" cy="1026869"/>
+          </a:xfrm>
+          <a:prstGeom prst="rect">
+            <a:avLst/>
+          </a:prstGeom>
+          <a:noFill/>
+          <a:extLst>
+            <a:ext uri="{909E8E84-426E-40DD-AFC4-6F175D3DCCD1}">
+              <a14:hiddenFill xmlns:a14="http://schemas.microsoft.com/office/drawing/2010/main">
+                <a:solidFill>
+                  <a:srgbClr val="FFFFFF"/>
+                </a:solidFill>
+              </a14:hiddenFill>
+            </a:ext>
+          </a:extLst>
+        </p:spPr>
+      </p:pic>
+      <p:pic>
+        <p:nvPicPr>
+          <p:cNvPr id="2056" name="Picture 8" descr="plaque-d-essai.jpg (264×264)"/>
+          <p:cNvPicPr>
+            <a:picLocks noChangeAspect="1" noChangeArrowheads="1"/>
+          </p:cNvPicPr>
+          <p:nvPr/>
+        </p:nvPicPr>
+        <p:blipFill>
+          <a:blip r:embed="rId6">
+            <a:extLst>
+              <a:ext uri="{28A0092B-C50C-407E-A947-70E740481C1C}">
+                <a14:useLocalDpi xmlns:a14="http://schemas.microsoft.com/office/drawing/2010/main" val="0"/>
+              </a:ext>
+            </a:extLst>
+          </a:blip>
+          <a:srcRect/>
+          <a:stretch>
+            <a:fillRect/>
+          </a:stretch>
+        </p:blipFill>
+        <p:spPr bwMode="auto">
+          <a:xfrm>
+            <a:off x="108578" y="3806305"/>
+            <a:ext cx="1458964" cy="1458964"/>
+          </a:xfrm>
+          <a:prstGeom prst="rect">
+            <a:avLst/>
+          </a:prstGeom>
+          <a:noFill/>
+          <a:extLst>
+            <a:ext uri="{909E8E84-426E-40DD-AFC4-6F175D3DCCD1}">
+              <a14:hiddenFill xmlns:a14="http://schemas.microsoft.com/office/drawing/2010/main">
+                <a:solidFill>
+                  <a:srgbClr val="FFFFFF"/>
+                </a:solidFill>
+              </a14:hiddenFill>
+            </a:ext>
+          </a:extLst>
+        </p:spPr>
+      </p:pic>
+      <p:pic>
+        <p:nvPicPr>
+          <p:cNvPr id="14" name="Picture 2" descr="http://ecx.images-amazon.com/images/I/41Qzzm-8iCL._SY300_.jpg"/>
+          <p:cNvPicPr>
+            <a:picLocks noChangeAspect="1" noChangeArrowheads="1"/>
+          </p:cNvPicPr>
+          <p:nvPr/>
+        </p:nvPicPr>
+        <p:blipFill>
+          <a:blip r:embed="rId7" cstate="print">
+            <a:extLst>
+              <a:ext uri="{28A0092B-C50C-407E-A947-70E740481C1C}">
+                <a14:useLocalDpi xmlns:a14="http://schemas.microsoft.com/office/drawing/2010/main" val="0"/>
+              </a:ext>
+            </a:extLst>
+          </a:blip>
+          <a:srcRect/>
+          <a:stretch>
+            <a:fillRect/>
+          </a:stretch>
+        </p:blipFill>
+        <p:spPr bwMode="auto">
+          <a:xfrm>
+            <a:off x="470850" y="2242286"/>
+            <a:ext cx="1159075" cy="1159075"/>
+          </a:xfrm>
+          <a:prstGeom prst="rect">
+            <a:avLst/>
+          </a:prstGeom>
+          <a:noFill/>
+          <a:extLst>
+            <a:ext uri="{909E8E84-426E-40DD-AFC4-6F175D3DCCD1}">
+              <a14:hiddenFill xmlns:a14="http://schemas.microsoft.com/office/drawing/2010/main">
+                <a:solidFill>
+                  <a:srgbClr val="FFFFFF"/>
+                </a:solidFill>
+              </a14:hiddenFill>
+            </a:ext>
+          </a:extLst>
+        </p:spPr>
+      </p:pic>
+      <p:sp>
+        <p:nvSpPr>
+          <p:cNvPr id="15" name="TextBox 14"/>
+          <p:cNvSpPr txBox="1"/>
+          <p:nvPr/>
+        </p:nvSpPr>
+        <p:spPr>
+          <a:xfrm>
+            <a:off x="1245031" y="2472541"/>
+            <a:ext cx="1653331" cy="784830"/>
+          </a:xfrm>
+          <a:prstGeom prst="rect">
+            <a:avLst/>
+          </a:prstGeom>
+          <a:noFill/>
+        </p:spPr>
+        <p:txBody>
+          <a:bodyPr wrap="square" rtlCol="0">
+            <a:spAutoFit/>
+          </a:bodyPr>
+          <a:lstStyle/>
+          <a:p>
+            <a:r>
+              <a:rPr lang="fr-FR" sz="1500" dirty="0"/>
+              <a:t>Ou  DIY        </a:t>
+            </a:r>
+            <a:r>
+              <a:rPr lang="fr-FR" sz="4500" dirty="0"/>
+              <a:t>+</a:t>
+            </a:r>
+            <a:endParaRPr lang="en-US" sz="4500" dirty="0"/>
+          </a:p>
+        </p:txBody>
+      </p:sp>
+      <p:sp>
+        <p:nvSpPr>
+          <p:cNvPr id="16" name="TextBox 15"/>
+          <p:cNvSpPr txBox="1"/>
+          <p:nvPr/>
+        </p:nvSpPr>
+        <p:spPr>
+          <a:xfrm>
+            <a:off x="499800" y="1921890"/>
+            <a:ext cx="1160300" cy="369332"/>
+          </a:xfrm>
+          <a:prstGeom prst="rect">
+            <a:avLst/>
+          </a:prstGeom>
+          <a:noFill/>
+        </p:spPr>
+        <p:txBody>
+          <a:bodyPr wrap="square" rtlCol="0">
+            <a:spAutoFit/>
+          </a:bodyPr>
+          <a:lstStyle/>
+          <a:p>
+            <a:r>
+              <a:rPr lang="fr-FR" dirty="0"/>
+              <a:t>C</a:t>
+            </a:r>
+            <a:r>
+              <a:rPr lang="fr-FR" dirty="0" smtClean="0"/>
+              <a:t>apteur</a:t>
+            </a:r>
+            <a:endParaRPr lang="en-US" dirty="0"/>
+          </a:p>
+        </p:txBody>
+      </p:sp>
+      <p:sp>
+        <p:nvSpPr>
+          <p:cNvPr id="17" name="TextBox 16"/>
+          <p:cNvSpPr txBox="1"/>
+          <p:nvPr/>
+        </p:nvSpPr>
+        <p:spPr>
+          <a:xfrm>
+            <a:off x="5456166" y="2447199"/>
+            <a:ext cx="492144" cy="784830"/>
+          </a:xfrm>
+          <a:prstGeom prst="rect">
+            <a:avLst/>
+          </a:prstGeom>
+          <a:noFill/>
+        </p:spPr>
+        <p:txBody>
+          <a:bodyPr wrap="square" rtlCol="0">
+            <a:spAutoFit/>
+          </a:bodyPr>
+          <a:lstStyle/>
+          <a:p>
+            <a:r>
+              <a:rPr lang="fr-FR" sz="4500" dirty="0" smtClean="0"/>
+              <a:t>+</a:t>
+            </a:r>
+            <a:endParaRPr lang="en-US" sz="4500" dirty="0"/>
+          </a:p>
+        </p:txBody>
+      </p:sp>
     </p:spTree>
     <p:extLst>
       <p:ext uri="{BB962C8B-B14F-4D97-AF65-F5344CB8AC3E}">
-        <p14:creationId xmlns:p14="http://schemas.microsoft.com/office/powerpoint/2010/main" val="749166099"/>
+        <p14:creationId xmlns:p14="http://schemas.microsoft.com/office/powerpoint/2010/main" val="3131075852"/>
       </p:ext>
     </p:extLst>
   </p:cSld>
@@ -9806,18 +10503,111 @@
           <a:chExt cx="0" cy="0"/>
         </a:xfrm>
       </p:grpSpPr>
+      <p:sp>
+        <p:nvSpPr>
+          <p:cNvPr id="2" name="Title 1"/>
+          <p:cNvSpPr>
+            <a:spLocks noGrp="1"/>
+          </p:cNvSpPr>
+          <p:nvPr>
+            <p:ph type="title"/>
+          </p:nvPr>
+        </p:nvSpPr>
+        <p:spPr>
+          <a:xfrm>
+            <a:off x="755576" y="525463"/>
+            <a:ext cx="8153400" cy="990600"/>
+          </a:xfrm>
+        </p:spPr>
+        <p:txBody>
+          <a:bodyPr/>
+          <a:lstStyle/>
+          <a:p>
+            <a:r>
+              <a:rPr lang="fr-FR" dirty="0"/>
+              <a:t>Comment ?</a:t>
+            </a:r>
+            <a:r>
+              <a:rPr lang="en-US" dirty="0"/>
+              <a:t/>
+            </a:r>
+            <a:br>
+              <a:rPr lang="en-US" dirty="0"/>
+            </a:br>
+            <a:endParaRPr lang="en-US" dirty="0"/>
+          </a:p>
+        </p:txBody>
+      </p:sp>
+      <p:sp>
+        <p:nvSpPr>
+          <p:cNvPr id="4" name="Date Placeholder 3"/>
+          <p:cNvSpPr>
+            <a:spLocks noGrp="1"/>
+          </p:cNvSpPr>
+          <p:nvPr>
+            <p:ph type="dt" sz="half" idx="10"/>
+          </p:nvPr>
+        </p:nvSpPr>
+        <p:spPr/>
+        <p:txBody>
+          <a:bodyPr/>
+          <a:lstStyle/>
+          <a:p>
+            <a:pPr>
+              <a:defRPr/>
+            </a:pPr>
+            <a:fld id="{65ACCEE1-83F7-4A1F-9F42-0F6BBACAD815}" type="datetime1">
+              <a:rPr lang="fr-FR" smtClean="0"/>
+              <a:pPr>
+                <a:defRPr/>
+              </a:pPr>
+              <a:t>17/11/2014</a:t>
+            </a:fld>
+            <a:endParaRPr lang="fr-BE"/>
+          </a:p>
+        </p:txBody>
+      </p:sp>
+      <p:sp>
+        <p:nvSpPr>
+          <p:cNvPr id="5" name="Slide Number Placeholder 4"/>
+          <p:cNvSpPr>
+            <a:spLocks noGrp="1"/>
+          </p:cNvSpPr>
+          <p:nvPr>
+            <p:ph type="sldNum" sz="quarter" idx="12"/>
+          </p:nvPr>
+        </p:nvSpPr>
+        <p:spPr/>
+        <p:txBody>
+          <a:bodyPr>
+            <a:normAutofit fontScale="85000" lnSpcReduction="20000"/>
+          </a:bodyPr>
+          <a:lstStyle/>
+          <a:p>
+            <a:pPr>
+              <a:defRPr/>
+            </a:pPr>
+            <a:fld id="{7DB234AD-1E11-4B53-B6E5-88515ECC9B9D}" type="slidenum">
+              <a:rPr lang="fr-BE" smtClean="0"/>
+              <a:pPr>
+                <a:defRPr/>
+              </a:pPr>
+              <a:t>17</a:t>
+            </a:fld>
+            <a:endParaRPr lang="fr-BE"/>
+          </a:p>
+        </p:txBody>
+      </p:sp>
       <p:pic>
         <p:nvPicPr>
-          <p:cNvPr id="6" name="Content Placeholder 5"/>
+          <p:cNvPr id="7" name="Picture 6"/>
           <p:cNvPicPr>
-            <a:picLocks noGrp="1" noChangeAspect="1"/>
+            <a:picLocks noChangeAspect="1"/>
           </p:cNvPicPr>
-          <p:nvPr>
-            <p:ph sz="quarter" idx="1"/>
-          </p:nvPr>
+          <p:nvPr/>
         </p:nvPicPr>
         <p:blipFill>
-          <a:blip r:embed="rId2" cstate="print">
+          <a:blip r:embed="rId2">
             <a:extLst>
               <a:ext uri="{28A0092B-C50C-407E-A947-70E740481C1C}">
                 <a14:useLocalDpi xmlns:a14="http://schemas.microsoft.com/office/drawing/2010/main" val="0"/>
@@ -9830,75 +10620,59 @@
         </p:blipFill>
         <p:spPr>
           <a:xfrm>
-            <a:off x="2051720" y="1844824"/>
-            <a:ext cx="5219987" cy="4130343"/>
-          </a:xfrm>
+            <a:off x="755576" y="1856691"/>
+            <a:ext cx="5019675" cy="3714750"/>
+          </a:xfrm>
+          <a:prstGeom prst="rect">
+            <a:avLst/>
+          </a:prstGeom>
         </p:spPr>
       </p:pic>
-      <p:sp>
-        <p:nvSpPr>
-          <p:cNvPr id="4" name="Date Placeholder 3"/>
-          <p:cNvSpPr>
-            <a:spLocks noGrp="1"/>
-          </p:cNvSpPr>
-          <p:nvPr>
-            <p:ph type="dt" sz="half" idx="10"/>
-          </p:nvPr>
-        </p:nvSpPr>
-        <p:spPr/>
-        <p:txBody>
-          <a:bodyPr/>
-          <a:lstStyle/>
-          <a:p>
-            <a:pPr>
-              <a:defRPr/>
-            </a:pPr>
-            <a:fld id="{65ACCEE1-83F7-4A1F-9F42-0F6BBACAD815}" type="datetime1">
-              <a:rPr lang="fr-FR" smtClean="0"/>
-              <a:pPr>
-                <a:defRPr/>
-              </a:pPr>
-              <a:t>16/11/2014</a:t>
-            </a:fld>
-            <a:endParaRPr lang="fr-BE"/>
-          </a:p>
-        </p:txBody>
-      </p:sp>
-      <p:sp>
-        <p:nvSpPr>
-          <p:cNvPr id="5" name="Slide Number Placeholder 4"/>
-          <p:cNvSpPr>
-            <a:spLocks noGrp="1"/>
-          </p:cNvSpPr>
-          <p:nvPr>
-            <p:ph type="sldNum" sz="quarter" idx="12"/>
-          </p:nvPr>
-        </p:nvSpPr>
-        <p:spPr/>
-        <p:txBody>
-          <a:bodyPr>
-            <a:normAutofit fontScale="85000" lnSpcReduction="20000"/>
-          </a:bodyPr>
-          <a:lstStyle/>
-          <a:p>
-            <a:pPr>
-              <a:defRPr/>
-            </a:pPr>
-            <a:fld id="{7DB234AD-1E11-4B53-B6E5-88515ECC9B9D}" type="slidenum">
-              <a:rPr lang="fr-BE" smtClean="0"/>
-              <a:pPr>
-                <a:defRPr/>
-              </a:pPr>
-              <a:t>17</a:t>
-            </a:fld>
-            <a:endParaRPr lang="fr-BE"/>
-          </a:p>
-        </p:txBody>
-      </p:sp>
+      <p:pic>
+        <p:nvPicPr>
+          <p:cNvPr id="1026" name="Picture 2" descr="http://i00.i.aliimg.com/wsphoto/v0/1355075994/-font-b-Water-b-font-font-b-Level-b-font-font-b-Sensor-b-font.jpg"/>
+          <p:cNvPicPr>
+            <a:picLocks noChangeAspect="1" noChangeArrowheads="1"/>
+          </p:cNvPicPr>
+          <p:nvPr/>
+        </p:nvPicPr>
+        <p:blipFill>
+          <a:blip r:embed="rId3" cstate="print">
+            <a:extLst>
+              <a:ext uri="{28A0092B-C50C-407E-A947-70E740481C1C}">
+                <a14:useLocalDpi xmlns:a14="http://schemas.microsoft.com/office/drawing/2010/main" val="0"/>
+              </a:ext>
+            </a:extLst>
+          </a:blip>
+          <a:srcRect/>
+          <a:stretch>
+            <a:fillRect/>
+          </a:stretch>
+        </p:blipFill>
+        <p:spPr bwMode="auto">
+          <a:xfrm>
+            <a:off x="6077645" y="3561310"/>
+            <a:ext cx="2625824" cy="2625824"/>
+          </a:xfrm>
+          <a:prstGeom prst="rect">
+            <a:avLst/>
+          </a:prstGeom>
+          <a:noFill/>
+          <a:extLst>
+            <a:ext uri="{909E8E84-426E-40DD-AFC4-6F175D3DCCD1}">
+              <a14:hiddenFill xmlns:a14="http://schemas.microsoft.com/office/drawing/2010/main">
+                <a:solidFill>
+                  <a:srgbClr val="FFFFFF"/>
+                </a:solidFill>
+              </a14:hiddenFill>
+            </a:ext>
+          </a:extLst>
+        </p:spPr>
+      </p:pic>
     </p:spTree>
     <p:extLst>
       <p:ext uri="{BB962C8B-B14F-4D97-AF65-F5344CB8AC3E}">
-        <p14:creationId xmlns:p14="http://schemas.microsoft.com/office/powerpoint/2010/main" val="2477760888"/>
+        <p14:creationId xmlns:p14="http://schemas.microsoft.com/office/powerpoint/2010/main" val="1279459192"/>
       </p:ext>
     </p:extLst>
   </p:cSld>
@@ -9934,57 +10708,74 @@
       </p:grpSpPr>
       <p:sp>
         <p:nvSpPr>
-          <p:cNvPr id="2" name="Title 1"/>
+          <p:cNvPr id="4" name="Date Placeholder 3"/>
           <p:cNvSpPr>
             <a:spLocks noGrp="1"/>
           </p:cNvSpPr>
           <p:nvPr>
-            <p:ph type="title"/>
-          </p:nvPr>
-        </p:nvSpPr>
-        <p:spPr>
-          <a:xfrm>
-            <a:off x="-290364" y="860405"/>
-            <a:ext cx="7886700" cy="994172"/>
-          </a:xfrm>
-        </p:spPr>
+            <p:ph type="dt" sz="half" idx="10"/>
+          </p:nvPr>
+        </p:nvSpPr>
+        <p:spPr/>
+        <p:txBody>
+          <a:bodyPr/>
+          <a:lstStyle/>
+          <a:p>
+            <a:pPr>
+              <a:defRPr/>
+            </a:pPr>
+            <a:fld id="{65ACCEE1-83F7-4A1F-9F42-0F6BBACAD815}" type="datetime1">
+              <a:rPr lang="fr-FR" smtClean="0"/>
+              <a:pPr>
+                <a:defRPr/>
+              </a:pPr>
+              <a:t>17/11/2014</a:t>
+            </a:fld>
+            <a:endParaRPr lang="fr-BE"/>
+          </a:p>
+        </p:txBody>
+      </p:sp>
+      <p:sp>
+        <p:nvSpPr>
+          <p:cNvPr id="5" name="Slide Number Placeholder 4"/>
+          <p:cNvSpPr>
+            <a:spLocks noGrp="1"/>
+          </p:cNvSpPr>
+          <p:nvPr>
+            <p:ph type="sldNum" sz="quarter" idx="12"/>
+          </p:nvPr>
+        </p:nvSpPr>
+        <p:spPr/>
         <p:txBody>
           <a:bodyPr>
-            <a:normAutofit/>
+            <a:normAutofit fontScale="85000" lnSpcReduction="20000"/>
           </a:bodyPr>
           <a:lstStyle/>
           <a:p>
-            <a:pPr algn="ctr"/>
-            <a:r>
-              <a:rPr lang="fr-FR" sz="2700" b="1" dirty="0"/>
-              <a:t>Ce qu'il faut </a:t>
-            </a:r>
-            <a:r>
-              <a:rPr lang="fr-FR" sz="2700" b="1" dirty="0"/>
-              <a:t>savoir </a:t>
-            </a:r>
-            <a:r>
-              <a:rPr lang="fr-FR" sz="2700" b="1" dirty="0" smtClean="0"/>
-              <a:t>avant d’utiliser           </a:t>
-            </a:r>
-            <a:r>
-              <a:rPr lang="fr-FR" sz="2700" b="1" dirty="0"/>
-              <a:t>?</a:t>
-            </a:r>
-            <a:endParaRPr lang="en-US" sz="2700" dirty="0"/>
+            <a:pPr>
+              <a:defRPr/>
+            </a:pPr>
+            <a:fld id="{7DB234AD-1E11-4B53-B6E5-88515ECC9B9D}" type="slidenum">
+              <a:rPr lang="fr-BE" smtClean="0"/>
+              <a:pPr>
+                <a:defRPr/>
+              </a:pPr>
+              <a:t>18</a:t>
+            </a:fld>
+            <a:endParaRPr lang="fr-BE"/>
           </a:p>
         </p:txBody>
       </p:sp>
       <p:pic>
         <p:nvPicPr>
-          <p:cNvPr id="4" name="Picture 3" descr="http://upload.wikimedia.org/wikipedia/commons/thumb/8/87/Arduino_Logo.svg/720px-Arduino_Logo.svg.png"/>
+          <p:cNvPr id="2050" name="Picture 2" descr="Arduino-Mega-ADK-Pinout.jpg (2804×1367)"/>
           <p:cNvPicPr>
             <a:picLocks noChangeAspect="1" noChangeArrowheads="1"/>
           </p:cNvPicPr>
           <p:nvPr/>
         </p:nvPicPr>
         <p:blipFill>
-          <a:blip r:embed="rId3" cstate="print">
+          <a:blip r:embed="rId2" cstate="print">
             <a:extLst>
               <a:ext uri="{28A0092B-C50C-407E-A947-70E740481C1C}">
                 <a14:useLocalDpi xmlns:a14="http://schemas.microsoft.com/office/drawing/2010/main" val="0"/>
@@ -9998,8 +10789,8 @@
         </p:blipFill>
         <p:spPr bwMode="auto">
           <a:xfrm>
-            <a:off x="5724128" y="1131094"/>
-            <a:ext cx="604923" cy="411684"/>
+            <a:off x="1259632" y="2276872"/>
+            <a:ext cx="6467530" cy="3153036"/>
           </a:xfrm>
           <a:prstGeom prst="rect">
             <a:avLst/>
@@ -10018,431 +10809,43 @@
       </p:pic>
       <p:sp>
         <p:nvSpPr>
-          <p:cNvPr id="5" name="TextBox 4"/>
-          <p:cNvSpPr txBox="1"/>
-          <p:nvPr/>
+          <p:cNvPr id="6" name="Title 1"/>
+          <p:cNvSpPr>
+            <a:spLocks noGrp="1"/>
+          </p:cNvSpPr>
+          <p:nvPr>
+            <p:ph type="title"/>
+          </p:nvPr>
         </p:nvSpPr>
         <p:spPr>
           <a:xfrm>
-            <a:off x="468885" y="2102852"/>
-            <a:ext cx="6011809" cy="4755148"/>
-          </a:xfrm>
-          <a:prstGeom prst="rect">
-            <a:avLst/>
-          </a:prstGeom>
-          <a:noFill/>
-        </p:spPr>
-        <p:txBody>
-          <a:bodyPr wrap="square" rtlCol="0">
-            <a:spAutoFit/>
-          </a:bodyPr>
-          <a:lstStyle/>
-          <a:p>
-            <a:pPr marL="214313" indent="-214313">
-              <a:buFont typeface="Arial" panose="020B0604020202020204" pitchFamily="34" charset="0"/>
-              <a:buChar char="•"/>
-            </a:pPr>
-            <a:r>
-              <a:rPr lang="fr-FR" sz="1500" dirty="0"/>
-              <a:t>Le langage de programmation </a:t>
-            </a:r>
-            <a:r>
-              <a:rPr lang="fr-FR" sz="1500" dirty="0" smtClean="0"/>
-              <a:t>             est </a:t>
-            </a:r>
-            <a:r>
-              <a:rPr lang="fr-FR" sz="1500" dirty="0"/>
-              <a:t>semblable a celui de </a:t>
-            </a:r>
-            <a:r>
-              <a:rPr lang="fr-FR" sz="1500" dirty="0" smtClean="0"/>
-              <a:t>Java et C.</a:t>
-            </a:r>
-            <a:endParaRPr lang="fr-FR" sz="1500" dirty="0"/>
-          </a:p>
-          <a:p>
-            <a:pPr marL="214313" indent="-214313">
-              <a:buFont typeface="Arial" panose="020B0604020202020204" pitchFamily="34" charset="0"/>
-              <a:buChar char="•"/>
-            </a:pPr>
-            <a:endParaRPr lang="fr-FR" sz="1500" dirty="0"/>
-          </a:p>
-          <a:p>
-            <a:endParaRPr lang="fr-FR" sz="1500" dirty="0"/>
-          </a:p>
-          <a:p>
-            <a:pPr marL="214313" indent="-214313">
-              <a:buFont typeface="Arial" panose="020B0604020202020204" pitchFamily="34" charset="0"/>
-              <a:buChar char="•"/>
-            </a:pPr>
-            <a:r>
-              <a:rPr lang="fr-FR" sz="1500" dirty="0"/>
-              <a:t>Les limites des pins en terme d’intensité </a:t>
+            <a:off x="755576" y="525463"/>
+            <a:ext cx="8153400" cy="990600"/>
+          </a:xfrm>
+        </p:spPr>
+        <p:txBody>
+          <a:bodyPr/>
+          <a:lstStyle/>
+          <a:p>
+            <a:r>
+              <a:rPr lang="fr-FR" dirty="0"/>
+              <a:t>Comment ?</a:t>
+            </a:r>
+            <a:r>
+              <a:rPr lang="en-US" dirty="0"/>
+              <a:t/>
             </a:r>
             <a:br>
-              <a:rPr lang="fr-FR" sz="1500" dirty="0"/>
+              <a:rPr lang="en-US" dirty="0"/>
             </a:br>
-            <a:r>
-              <a:rPr lang="fr-FR" sz="1500" dirty="0"/>
-              <a:t> </a:t>
-            </a:r>
-            <a:r>
-              <a:rPr lang="fr-FR" sz="1500" dirty="0">
-                <a:hlinkClick r:id="rId4"/>
-              </a:rPr>
-              <a:t>http://</a:t>
-            </a:r>
-            <a:r>
-              <a:rPr lang="fr-FR" sz="1500" dirty="0">
-                <a:hlinkClick r:id="rId4"/>
-              </a:rPr>
-              <a:t>playground.arduino.cc/Main/ArduinoPinCurrentLimitations</a:t>
-            </a:r>
-            <a:endParaRPr lang="fr-FR" sz="1500" dirty="0"/>
-          </a:p>
-          <a:p>
-            <a:endParaRPr lang="fr-FR" sz="1500" dirty="0"/>
-          </a:p>
-          <a:p>
-            <a:pPr marL="214313" indent="-214313">
-              <a:buFont typeface="Arial" panose="020B0604020202020204" pitchFamily="34" charset="0"/>
-              <a:buChar char="•"/>
-            </a:pPr>
-            <a:r>
-              <a:rPr lang="fr-FR" sz="1500" dirty="0"/>
-              <a:t>10 méthodes pour détruire </a:t>
-            </a:r>
-            <a:r>
-              <a:rPr lang="fr-FR" sz="1500" dirty="0" smtClean="0"/>
-              <a:t>votre </a:t>
-            </a:r>
-            <a:r>
-              <a:rPr lang="fr-FR" sz="1500" dirty="0"/>
-              <a:t/>
-            </a:r>
-            <a:br>
-              <a:rPr lang="fr-FR" sz="1500" dirty="0"/>
-            </a:br>
-            <a:r>
-              <a:rPr lang="fr-FR" sz="1500" dirty="0">
-                <a:hlinkClick r:id="rId5"/>
-              </a:rPr>
-              <a:t>http://www.ruggedcircuits.com/10-ways-to-destroy-an-arduino/</a:t>
-            </a:r>
-            <a:r>
-              <a:rPr lang="fr-FR" sz="1500" dirty="0"/>
-              <a:t/>
-            </a:r>
-            <a:br>
-              <a:rPr lang="fr-FR" sz="1500" dirty="0"/>
-            </a:br>
-            <a:endParaRPr lang="fr-FR" sz="1500" dirty="0"/>
-          </a:p>
-          <a:p>
-            <a:pPr marL="214313" indent="-214313">
-              <a:buFont typeface="Arial" panose="020B0604020202020204" pitchFamily="34" charset="0"/>
-              <a:buChar char="•"/>
-            </a:pPr>
-            <a:r>
-              <a:rPr lang="fr-FR" sz="1500" dirty="0" err="1"/>
-              <a:t>PullUp</a:t>
-            </a:r>
-            <a:r>
-              <a:rPr lang="fr-FR" sz="1500" dirty="0"/>
-              <a:t>/</a:t>
-            </a:r>
-            <a:r>
-              <a:rPr lang="fr-FR" sz="1500" dirty="0" err="1"/>
-              <a:t>PullDown</a:t>
-            </a:r>
-            <a:r>
-              <a:rPr lang="fr-FR" sz="1500" dirty="0"/>
-              <a:t>  </a:t>
-            </a:r>
-            <a:r>
-              <a:rPr lang="fr-FR" sz="1500" dirty="0" err="1"/>
-              <a:t>resistor</a:t>
-            </a:r>
-            <a:r>
-              <a:rPr lang="fr-FR" sz="1500" dirty="0"/>
-              <a:t> </a:t>
-            </a:r>
-          </a:p>
-          <a:p>
-            <a:pPr indent="203597"/>
-            <a:r>
-              <a:rPr lang="fr-FR" sz="1500" dirty="0"/>
-              <a:t> </a:t>
-            </a:r>
-            <a:r>
-              <a:rPr lang="fr-FR" sz="1500" dirty="0">
-                <a:hlinkClick r:id="rId6"/>
-              </a:rPr>
-              <a:t>http://arduino.cc/en/Tutorial/DigitalPins</a:t>
-            </a:r>
-            <a:r>
-              <a:rPr lang="fr-FR" sz="1500" dirty="0"/>
-              <a:t/>
-            </a:r>
-            <a:br>
-              <a:rPr lang="fr-FR" sz="1500" dirty="0"/>
-            </a:br>
-            <a:endParaRPr lang="fr-FR" sz="1500" dirty="0"/>
-          </a:p>
-          <a:p>
-            <a:pPr marL="214313" indent="-214313">
-              <a:buFont typeface="Arial" panose="020B0604020202020204" pitchFamily="34" charset="0"/>
-              <a:buChar char="•"/>
-            </a:pPr>
-            <a:r>
-              <a:rPr lang="fr-FR" sz="1500" dirty="0"/>
-              <a:t>Pas </a:t>
-            </a:r>
-            <a:r>
-              <a:rPr lang="fr-FR" sz="1500" dirty="0" smtClean="0"/>
-              <a:t>de linux pour </a:t>
-            </a:r>
-            <a:endParaRPr lang="fr-FR" sz="1500" dirty="0"/>
-          </a:p>
-          <a:p>
-            <a:pPr marL="214313" indent="-214313">
-              <a:buFont typeface="Arial" panose="020B0604020202020204" pitchFamily="34" charset="0"/>
-              <a:buChar char="•"/>
-            </a:pPr>
-            <a:endParaRPr lang="fr-FR" sz="1500" dirty="0"/>
-          </a:p>
-          <a:p>
-            <a:pPr marL="214313" indent="-214313">
-              <a:buFont typeface="Arial" panose="020B0604020202020204" pitchFamily="34" charset="0"/>
-              <a:buChar char="•"/>
-            </a:pPr>
-            <a:r>
-              <a:rPr lang="fr-FR" sz="1500" dirty="0"/>
-              <a:t>Simulation avec </a:t>
-            </a:r>
-            <a:r>
-              <a:rPr lang="fr-FR" sz="1500" dirty="0"/>
-              <a:t>Proteus </a:t>
-            </a:r>
-          </a:p>
-          <a:p>
-            <a:pPr marL="214313" indent="-214313">
-              <a:buFont typeface="Arial" panose="020B0604020202020204" pitchFamily="34" charset="0"/>
-              <a:buChar char="•"/>
-            </a:pPr>
             <a:endParaRPr lang="en-US" dirty="0"/>
           </a:p>
         </p:txBody>
       </p:sp>
-      <p:pic>
-        <p:nvPicPr>
-          <p:cNvPr id="1026" name="Picture 2" descr="burnt.png"/>
-          <p:cNvPicPr>
-            <a:picLocks noChangeAspect="1" noChangeArrowheads="1"/>
-          </p:cNvPicPr>
-          <p:nvPr/>
-        </p:nvPicPr>
-        <p:blipFill>
-          <a:blip r:embed="rId7" cstate="print">
-            <a:extLst>
-              <a:ext uri="{28A0092B-C50C-407E-A947-70E740481C1C}">
-                <a14:useLocalDpi xmlns:a14="http://schemas.microsoft.com/office/drawing/2010/main" val="0"/>
-              </a:ext>
-            </a:extLst>
-          </a:blip>
-          <a:srcRect/>
-          <a:stretch>
-            <a:fillRect/>
-          </a:stretch>
-        </p:blipFill>
-        <p:spPr bwMode="auto">
-          <a:xfrm>
-            <a:off x="7974090" y="1834022"/>
-            <a:ext cx="886682" cy="1058107"/>
-          </a:xfrm>
-          <a:prstGeom prst="rect">
-            <a:avLst/>
-          </a:prstGeom>
-          <a:noFill/>
-          <a:extLst>
-            <a:ext uri="{909E8E84-426E-40DD-AFC4-6F175D3DCCD1}">
-              <a14:hiddenFill xmlns:a14="http://schemas.microsoft.com/office/drawing/2010/main">
-                <a:solidFill>
-                  <a:srgbClr val="FFFFFF"/>
-                </a:solidFill>
-              </a14:hiddenFill>
-            </a:ext>
-          </a:extLst>
-        </p:spPr>
-      </p:pic>
-      <p:pic>
-        <p:nvPicPr>
-          <p:cNvPr id="1028" name="Picture 4" descr="http://3.bp.blogspot.com/-RMw5omPEQIo/U8VqUkm-sCI/AAAAAAAAAUU/XSrZQnMCsQs/s1600/arduino+++potenciometro+++leds+-+ISIS+Professional+(Animating).jpg"/>
-          <p:cNvPicPr>
-            <a:picLocks noChangeAspect="1" noChangeArrowheads="1"/>
-          </p:cNvPicPr>
-          <p:nvPr/>
-        </p:nvPicPr>
-        <p:blipFill>
-          <a:blip r:embed="rId8" cstate="print">
-            <a:extLst>
-              <a:ext uri="{28A0092B-C50C-407E-A947-70E740481C1C}">
-                <a14:useLocalDpi xmlns:a14="http://schemas.microsoft.com/office/drawing/2010/main" val="0"/>
-              </a:ext>
-            </a:extLst>
-          </a:blip>
-          <a:srcRect/>
-          <a:stretch>
-            <a:fillRect/>
-          </a:stretch>
-        </p:blipFill>
-        <p:spPr bwMode="auto">
-          <a:xfrm>
-            <a:off x="5986991" y="3968751"/>
-            <a:ext cx="2873781" cy="1760830"/>
-          </a:xfrm>
-          <a:prstGeom prst="rect">
-            <a:avLst/>
-          </a:prstGeom>
-          <a:noFill/>
-          <a:extLst>
-            <a:ext uri="{909E8E84-426E-40DD-AFC4-6F175D3DCCD1}">
-              <a14:hiddenFill xmlns:a14="http://schemas.microsoft.com/office/drawing/2010/main">
-                <a:solidFill>
-                  <a:srgbClr val="FFFFFF"/>
-                </a:solidFill>
-              </a14:hiddenFill>
-            </a:ext>
-          </a:extLst>
-        </p:spPr>
-      </p:pic>
-      <p:pic>
-        <p:nvPicPr>
-          <p:cNvPr id="7" name="Picture 6" descr="http://upload.wikimedia.org/wikipedia/commons/thumb/8/87/Arduino_Logo.svg/720px-Arduino_Logo.svg.png"/>
-          <p:cNvPicPr>
-            <a:picLocks noChangeAspect="1" noChangeArrowheads="1"/>
-          </p:cNvPicPr>
-          <p:nvPr/>
-        </p:nvPicPr>
-        <p:blipFill>
-          <a:blip r:embed="rId3" cstate="print">
-            <a:extLst>
-              <a:ext uri="{28A0092B-C50C-407E-A947-70E740481C1C}">
-                <a14:useLocalDpi xmlns:a14="http://schemas.microsoft.com/office/drawing/2010/main" val="0"/>
-              </a:ext>
-            </a:extLst>
-          </a:blip>
-          <a:srcRect/>
-          <a:stretch>
-            <a:fillRect/>
-          </a:stretch>
-        </p:blipFill>
-        <p:spPr bwMode="auto">
-          <a:xfrm>
-            <a:off x="3707904" y="2080301"/>
-            <a:ext cx="604923" cy="411684"/>
-          </a:xfrm>
-          <a:prstGeom prst="rect">
-            <a:avLst/>
-          </a:prstGeom>
-          <a:noFill/>
-          <a:extLst>
-            <a:ext uri="{909E8E84-426E-40DD-AFC4-6F175D3DCCD1}">
-              <a14:hiddenFill xmlns:a14="http://schemas.microsoft.com/office/drawing/2010/main">
-                <a:solidFill>
-                  <a:srgbClr val="FFFFFF"/>
-                </a:solidFill>
-              </a14:hiddenFill>
-            </a:ext>
-          </a:extLst>
-        </p:spPr>
-      </p:pic>
-      <p:pic>
-        <p:nvPicPr>
-          <p:cNvPr id="8" name="Picture 7" descr="http://upload.wikimedia.org/wikipedia/commons/thumb/8/87/Arduino_Logo.svg/720px-Arduino_Logo.svg.png"/>
-          <p:cNvPicPr>
-            <a:picLocks noChangeAspect="1" noChangeArrowheads="1"/>
-          </p:cNvPicPr>
-          <p:nvPr/>
-        </p:nvPicPr>
-        <p:blipFill>
-          <a:blip r:embed="rId9" cstate="print">
-            <a:extLst>
-              <a:ext uri="{28A0092B-C50C-407E-A947-70E740481C1C}">
-                <a14:useLocalDpi xmlns:a14="http://schemas.microsoft.com/office/drawing/2010/main" val="0"/>
-              </a:ext>
-            </a:extLst>
-          </a:blip>
-          <a:srcRect/>
-          <a:stretch>
-            <a:fillRect/>
-          </a:stretch>
-        </p:blipFill>
-        <p:spPr bwMode="auto">
-          <a:xfrm>
-            <a:off x="3842825" y="4123566"/>
-            <a:ext cx="528853" cy="359915"/>
-          </a:xfrm>
-          <a:prstGeom prst="rect">
-            <a:avLst/>
-          </a:prstGeom>
-          <a:noFill/>
-          <a:extLst>
-            <a:ext uri="{909E8E84-426E-40DD-AFC4-6F175D3DCCD1}">
-              <a14:hiddenFill xmlns:a14="http://schemas.microsoft.com/office/drawing/2010/main">
-                <a:solidFill>
-                  <a:srgbClr val="FFFFFF"/>
-                </a:solidFill>
-              </a14:hiddenFill>
-            </a:ext>
-          </a:extLst>
-        </p:spPr>
-      </p:pic>
-      <p:pic>
-        <p:nvPicPr>
-          <p:cNvPr id="9" name="Picture 8" descr="http://upload.wikimedia.org/wikipedia/commons/thumb/8/87/Arduino_Logo.svg/720px-Arduino_Logo.svg.png"/>
-          <p:cNvPicPr>
-            <a:picLocks noChangeAspect="1" noChangeArrowheads="1"/>
-          </p:cNvPicPr>
-          <p:nvPr/>
-        </p:nvPicPr>
-        <p:blipFill>
-          <a:blip r:embed="rId3" cstate="print">
-            <a:extLst>
-              <a:ext uri="{28A0092B-C50C-407E-A947-70E740481C1C}">
-                <a14:useLocalDpi xmlns:a14="http://schemas.microsoft.com/office/drawing/2010/main" val="0"/>
-              </a:ext>
-            </a:extLst>
-          </a:blip>
-          <a:srcRect/>
-          <a:stretch>
-            <a:fillRect/>
-          </a:stretch>
-        </p:blipFill>
-        <p:spPr bwMode="auto">
-          <a:xfrm>
-            <a:off x="2454909" y="5714083"/>
-            <a:ext cx="604923" cy="411684"/>
-          </a:xfrm>
-          <a:prstGeom prst="rect">
-            <a:avLst/>
-          </a:prstGeom>
-          <a:noFill/>
-          <a:extLst>
-            <a:ext uri="{909E8E84-426E-40DD-AFC4-6F175D3DCCD1}">
-              <a14:hiddenFill xmlns:a14="http://schemas.microsoft.com/office/drawing/2010/main">
-                <a:solidFill>
-                  <a:srgbClr val="FFFFFF"/>
-                </a:solidFill>
-              </a14:hiddenFill>
-            </a:ext>
-          </a:extLst>
-        </p:spPr>
-      </p:pic>
     </p:spTree>
     <p:extLst>
       <p:ext uri="{BB962C8B-B14F-4D97-AF65-F5344CB8AC3E}">
-        <p14:creationId xmlns:p14="http://schemas.microsoft.com/office/powerpoint/2010/main" val="168310107"/>
+        <p14:creationId xmlns:p14="http://schemas.microsoft.com/office/powerpoint/2010/main" val="749166099"/>
       </p:ext>
     </p:extLst>
   </p:cSld>
@@ -10476,315 +10879,134 @@
           <a:chExt cx="0" cy="0"/>
         </a:xfrm>
       </p:grpSpPr>
-      <p:sp>
-        <p:nvSpPr>
-          <p:cNvPr id="2" name="Title 1"/>
+      <p:pic>
+        <p:nvPicPr>
+          <p:cNvPr id="6" name="Content Placeholder 5"/>
+          <p:cNvPicPr>
+            <a:picLocks noGrp="1" noChangeAspect="1"/>
+          </p:cNvPicPr>
+          <p:nvPr>
+            <p:ph sz="quarter" idx="1"/>
+          </p:nvPr>
+        </p:nvPicPr>
+        <p:blipFill>
+          <a:blip r:embed="rId2" cstate="print">
+            <a:extLst>
+              <a:ext uri="{28A0092B-C50C-407E-A947-70E740481C1C}">
+                <a14:useLocalDpi xmlns:a14="http://schemas.microsoft.com/office/drawing/2010/main" val="0"/>
+              </a:ext>
+            </a:extLst>
+          </a:blip>
+          <a:stretch>
+            <a:fillRect/>
+          </a:stretch>
+        </p:blipFill>
+        <p:spPr>
+          <a:xfrm>
+            <a:off x="2051720" y="1844824"/>
+            <a:ext cx="5219987" cy="4130343"/>
+          </a:xfrm>
+        </p:spPr>
+      </p:pic>
+      <p:sp>
+        <p:nvSpPr>
+          <p:cNvPr id="4" name="Date Placeholder 3"/>
           <p:cNvSpPr>
             <a:spLocks noGrp="1"/>
           </p:cNvSpPr>
           <p:nvPr>
+            <p:ph type="dt" sz="half" idx="10"/>
+          </p:nvPr>
+        </p:nvSpPr>
+        <p:spPr/>
+        <p:txBody>
+          <a:bodyPr/>
+          <a:lstStyle/>
+          <a:p>
+            <a:pPr>
+              <a:defRPr/>
+            </a:pPr>
+            <a:fld id="{65ACCEE1-83F7-4A1F-9F42-0F6BBACAD815}" type="datetime1">
+              <a:rPr lang="fr-FR" smtClean="0"/>
+              <a:pPr>
+                <a:defRPr/>
+              </a:pPr>
+              <a:t>17/11/2014</a:t>
+            </a:fld>
+            <a:endParaRPr lang="fr-BE"/>
+          </a:p>
+        </p:txBody>
+      </p:sp>
+      <p:sp>
+        <p:nvSpPr>
+          <p:cNvPr id="5" name="Slide Number Placeholder 4"/>
+          <p:cNvSpPr>
+            <a:spLocks noGrp="1"/>
+          </p:cNvSpPr>
+          <p:nvPr>
+            <p:ph type="sldNum" sz="quarter" idx="12"/>
+          </p:nvPr>
+        </p:nvSpPr>
+        <p:spPr/>
+        <p:txBody>
+          <a:bodyPr>
+            <a:normAutofit fontScale="85000" lnSpcReduction="20000"/>
+          </a:bodyPr>
+          <a:lstStyle/>
+          <a:p>
+            <a:pPr>
+              <a:defRPr/>
+            </a:pPr>
+            <a:fld id="{7DB234AD-1E11-4B53-B6E5-88515ECC9B9D}" type="slidenum">
+              <a:rPr lang="fr-BE" smtClean="0"/>
+              <a:pPr>
+                <a:defRPr/>
+              </a:pPr>
+              <a:t>19</a:t>
+            </a:fld>
+            <a:endParaRPr lang="fr-BE"/>
+          </a:p>
+        </p:txBody>
+      </p:sp>
+      <p:sp>
+        <p:nvSpPr>
+          <p:cNvPr id="7" name="Title 1"/>
+          <p:cNvSpPr>
+            <a:spLocks noGrp="1"/>
+          </p:cNvSpPr>
+          <p:nvPr>
             <p:ph type="title"/>
           </p:nvPr>
         </p:nvSpPr>
         <p:spPr>
           <a:xfrm>
-            <a:off x="539552" y="1066676"/>
-            <a:ext cx="7886700" cy="994172"/>
-          </a:xfrm>
-        </p:spPr>
-        <p:txBody>
-          <a:bodyPr>
-            <a:normAutofit/>
-          </a:bodyPr>
-          <a:lstStyle/>
-          <a:p>
-            <a:r>
-              <a:rPr lang="fr-FR" sz="2400" dirty="0"/>
-              <a:t>Où acheter au </a:t>
-            </a:r>
-            <a:r>
-              <a:rPr lang="fr-FR" sz="2400" dirty="0" smtClean="0"/>
-              <a:t>Maroc ? </a:t>
-            </a:r>
-            <a:r>
-              <a:rPr lang="fr-FR" sz="2400" dirty="0"/>
-              <a:t>À </a:t>
-            </a:r>
-            <a:r>
-              <a:rPr lang="fr-FR" sz="2400" dirty="0" smtClean="0"/>
-              <a:t>l’internationale ?</a:t>
-            </a:r>
-            <a:r>
-              <a:rPr lang="en-US" sz="2400" dirty="0"/>
+            <a:off x="755576" y="525463"/>
+            <a:ext cx="8153400" cy="990600"/>
+          </a:xfrm>
+        </p:spPr>
+        <p:txBody>
+          <a:bodyPr/>
+          <a:lstStyle/>
+          <a:p>
+            <a:r>
+              <a:rPr lang="fr-FR" dirty="0"/>
+              <a:t>Comment ?</a:t>
+            </a:r>
+            <a:r>
+              <a:rPr lang="en-US" dirty="0"/>
               <a:t/>
             </a:r>
             <a:br>
-              <a:rPr lang="en-US" sz="2400" dirty="0"/>
+              <a:rPr lang="en-US" dirty="0"/>
             </a:br>
-            <a:endParaRPr lang="en-US" sz="2400" dirty="0"/>
-          </a:p>
-        </p:txBody>
-      </p:sp>
-      <p:sp>
-        <p:nvSpPr>
-          <p:cNvPr id="4" name="TextBox 3"/>
-          <p:cNvSpPr txBox="1"/>
-          <p:nvPr/>
-        </p:nvSpPr>
-        <p:spPr>
-          <a:xfrm>
-            <a:off x="990601" y="1823913"/>
-            <a:ext cx="6085113" cy="3416320"/>
-          </a:xfrm>
-          <a:prstGeom prst="rect">
-            <a:avLst/>
-          </a:prstGeom>
-          <a:noFill/>
-        </p:spPr>
-        <p:txBody>
-          <a:bodyPr wrap="square" rtlCol="0">
-            <a:spAutoFit/>
-          </a:bodyPr>
-          <a:lstStyle/>
-          <a:p>
-            <a:pPr marL="214313" indent="-214313">
-              <a:buFont typeface="Arial" panose="020B0604020202020204" pitchFamily="34" charset="0"/>
-              <a:buChar char="•"/>
-            </a:pPr>
-            <a:r>
-              <a:rPr lang="fr-FR" b="1" dirty="0" smtClean="0"/>
-              <a:t>Rabat</a:t>
-            </a:r>
-            <a:endParaRPr lang="fr-FR" b="1" dirty="0" smtClean="0"/>
-          </a:p>
-          <a:p>
-            <a:pPr marL="402431" indent="-205979">
-              <a:buFont typeface="Wingdings" panose="05000000000000000000" pitchFamily="2" charset="2"/>
-              <a:buChar char="Ø"/>
-            </a:pPr>
-            <a:r>
-              <a:rPr lang="fr-FR" dirty="0"/>
-              <a:t> </a:t>
-            </a:r>
-            <a:r>
-              <a:rPr lang="fr-FR" dirty="0" smtClean="0"/>
-              <a:t> </a:t>
-            </a:r>
-            <a:r>
-              <a:rPr lang="fr-FR" dirty="0" err="1" smtClean="0"/>
-              <a:t>Tredano</a:t>
-            </a:r>
-            <a:r>
-              <a:rPr lang="fr-FR" dirty="0" smtClean="0"/>
-              <a:t> </a:t>
-            </a:r>
-            <a:r>
-              <a:rPr lang="fr-FR" dirty="0" smtClean="0"/>
-              <a:t>: depuis 1966.</a:t>
-            </a:r>
-          </a:p>
-          <a:p>
-            <a:pPr marL="449263" indent="-263525">
-              <a:buFont typeface="Wingdings" panose="05000000000000000000" pitchFamily="2" charset="2"/>
-              <a:buChar char="Ø"/>
-            </a:pPr>
-            <a:r>
-              <a:rPr lang="fr-FR" dirty="0" smtClean="0"/>
-              <a:t> </a:t>
-            </a:r>
-            <a:r>
-              <a:rPr lang="fr-FR" dirty="0" err="1" smtClean="0"/>
-              <a:t>Massar</a:t>
-            </a:r>
-            <a:r>
-              <a:rPr lang="fr-FR" dirty="0" smtClean="0"/>
-              <a:t> </a:t>
-            </a:r>
-            <a:r>
-              <a:rPr lang="fr-FR" dirty="0" smtClean="0"/>
-              <a:t>électronique : océan rabat.</a:t>
-            </a:r>
-          </a:p>
-          <a:p>
-            <a:pPr marL="467916" indent="-271463">
-              <a:buFont typeface="Wingdings" panose="05000000000000000000" pitchFamily="2" charset="2"/>
-              <a:buChar char="Ø"/>
-            </a:pPr>
-            <a:r>
-              <a:rPr lang="en-US" dirty="0" smtClean="0"/>
-              <a:t> </a:t>
-            </a:r>
-            <a:r>
-              <a:rPr lang="en-US" dirty="0" err="1" smtClean="0"/>
-              <a:t>Electromonde</a:t>
-            </a:r>
-            <a:r>
-              <a:rPr lang="en-US" dirty="0"/>
-              <a:t> </a:t>
-            </a:r>
-            <a:r>
-              <a:rPr lang="en-US" dirty="0" err="1" smtClean="0"/>
-              <a:t>Montassir</a:t>
-            </a:r>
-            <a:r>
-              <a:rPr lang="en-US" dirty="0" smtClean="0"/>
-              <a:t> </a:t>
-            </a:r>
-            <a:r>
-              <a:rPr lang="en-US" b="1" dirty="0" smtClean="0"/>
-              <a:t>: </a:t>
-            </a:r>
-            <a:r>
-              <a:rPr lang="en-US" dirty="0" smtClean="0">
-                <a:hlinkClick r:id="rId2"/>
-              </a:rPr>
-              <a:t>www.electromonde.com</a:t>
-            </a:r>
-            <a:r>
-              <a:rPr lang="en-US" dirty="0" smtClean="0">
-                <a:hlinkClick r:id="rId2"/>
-              </a:rPr>
-              <a:t>/</a:t>
-            </a:r>
-            <a:r>
-              <a:rPr lang="en-US" dirty="0" smtClean="0"/>
-              <a:t/>
-            </a:r>
-            <a:br>
-              <a:rPr lang="en-US" dirty="0" smtClean="0"/>
-            </a:br>
-            <a:endParaRPr lang="en-US" dirty="0" smtClean="0"/>
-          </a:p>
-          <a:p>
-            <a:pPr marL="214313" indent="-214313">
-              <a:buFont typeface="Arial" panose="020B0604020202020204" pitchFamily="34" charset="0"/>
-              <a:buChar char="•"/>
-            </a:pPr>
-            <a:r>
-              <a:rPr lang="fr-FR" b="1" dirty="0" smtClean="0"/>
-              <a:t>Casa</a:t>
-            </a:r>
-            <a:endParaRPr lang="fr-FR" b="1" dirty="0" smtClean="0"/>
-          </a:p>
-          <a:p>
-            <a:pPr marL="402431" indent="-205979">
-              <a:buFont typeface="Wingdings" panose="05000000000000000000" pitchFamily="2" charset="2"/>
-              <a:buChar char="Ø"/>
-            </a:pPr>
-            <a:r>
-              <a:rPr lang="fr-FR" dirty="0" smtClean="0"/>
-              <a:t>Garage Allal</a:t>
-            </a:r>
-          </a:p>
-          <a:p>
-            <a:pPr marL="402431" indent="-205979">
-              <a:buFont typeface="Wingdings" panose="05000000000000000000" pitchFamily="2" charset="2"/>
-              <a:buChar char="Ø"/>
-            </a:pPr>
-            <a:r>
-              <a:rPr lang="fr-FR" dirty="0" smtClean="0"/>
-              <a:t>Boutique domomaroc.com</a:t>
-            </a:r>
-          </a:p>
-          <a:p>
-            <a:pPr marL="402431" indent="-205979">
-              <a:buFont typeface="Wingdings" panose="05000000000000000000" pitchFamily="2" charset="2"/>
-              <a:buChar char="Ø"/>
-            </a:pPr>
-            <a:r>
-              <a:rPr lang="fr-FR" dirty="0" smtClean="0"/>
-              <a:t>c2ez.ma</a:t>
-            </a:r>
-            <a:br>
-              <a:rPr lang="fr-FR" dirty="0" smtClean="0"/>
-            </a:br>
-            <a:endParaRPr lang="fr-FR" dirty="0" smtClean="0"/>
-          </a:p>
-          <a:p>
-            <a:pPr marL="214313" indent="-214313">
-              <a:buFont typeface="Wingdings" panose="05000000000000000000" pitchFamily="2" charset="2"/>
-              <a:buChar char="Ø"/>
-            </a:pPr>
-            <a:endParaRPr lang="fr-FR" dirty="0" smtClean="0"/>
-          </a:p>
-        </p:txBody>
-      </p:sp>
-      <p:sp>
-        <p:nvSpPr>
-          <p:cNvPr id="6" name="TextBox 5"/>
-          <p:cNvSpPr txBox="1"/>
-          <p:nvPr/>
-        </p:nvSpPr>
-        <p:spPr>
-          <a:xfrm>
-            <a:off x="990601" y="4869160"/>
-            <a:ext cx="6085113" cy="1200329"/>
-          </a:xfrm>
-          <a:prstGeom prst="rect">
-            <a:avLst/>
-          </a:prstGeom>
-          <a:noFill/>
-        </p:spPr>
-        <p:txBody>
-          <a:bodyPr wrap="square" rtlCol="0">
-            <a:spAutoFit/>
-          </a:bodyPr>
-          <a:lstStyle/>
-          <a:p>
-            <a:pPr marL="214313" indent="-214313">
-              <a:buFont typeface="Arial" panose="020B0604020202020204" pitchFamily="34" charset="0"/>
-              <a:buChar char="•"/>
-            </a:pPr>
-            <a:r>
-              <a:rPr lang="fr-FR" b="1" dirty="0" smtClean="0"/>
-              <a:t>l’Internationale </a:t>
-            </a:r>
-          </a:p>
-          <a:p>
-            <a:pPr marL="542925" indent="-357188">
-              <a:buFont typeface="Wingdings" panose="05000000000000000000" pitchFamily="2" charset="2"/>
-              <a:buChar char="Ø"/>
-            </a:pPr>
-            <a:r>
-              <a:rPr lang="fr-FR" dirty="0" smtClean="0"/>
-              <a:t>tinydeal.com </a:t>
-            </a:r>
-            <a:r>
-              <a:rPr lang="fr-FR" dirty="0"/>
-              <a:t>: free </a:t>
-            </a:r>
-            <a:r>
-              <a:rPr lang="fr-FR" dirty="0" smtClean="0"/>
-              <a:t>shipping</a:t>
-            </a:r>
-          </a:p>
-          <a:p>
-            <a:pPr marL="542925" indent="-357188">
-              <a:buFont typeface="Wingdings" panose="05000000000000000000" pitchFamily="2" charset="2"/>
-              <a:buChar char="Ø"/>
-            </a:pPr>
-            <a:r>
-              <a:rPr lang="fr-FR" dirty="0" smtClean="0"/>
-              <a:t>Ebay.com </a:t>
-            </a:r>
-            <a:endParaRPr lang="fr-FR" dirty="0"/>
-          </a:p>
-          <a:p>
-            <a:pPr marL="542925" indent="-357188">
-              <a:buFont typeface="Wingdings" panose="05000000000000000000" pitchFamily="2" charset="2"/>
-              <a:buChar char="Ø"/>
-            </a:pPr>
-            <a:r>
-              <a:rPr lang="fr-FR" dirty="0" smtClean="0"/>
-              <a:t>…</a:t>
-            </a:r>
+            <a:endParaRPr lang="en-US" dirty="0"/>
           </a:p>
         </p:txBody>
       </p:sp>
     </p:spTree>
     <p:extLst>
       <p:ext uri="{BB962C8B-B14F-4D97-AF65-F5344CB8AC3E}">
-        <p14:creationId xmlns:p14="http://schemas.microsoft.com/office/powerpoint/2010/main" val="1387124810"/>
+        <p14:creationId xmlns:p14="http://schemas.microsoft.com/office/powerpoint/2010/main" val="2477760888"/>
       </p:ext>
     </p:extLst>
   </p:cSld>
@@ -10900,18 +11122,18 @@
               <a:buChar char="§"/>
             </a:pPr>
             <a:r>
-              <a:rPr lang="fr-FR" sz="2800" dirty="0" err="1" smtClean="0">
-                <a:latin typeface="Times New Roman" pitchFamily="18" charset="0"/>
-                <a:cs typeface="Times New Roman" pitchFamily="18" charset="0"/>
-              </a:rPr>
-              <a:t>Pourqoui</a:t>
-            </a:r>
-            <a:r>
               <a:rPr lang="fr-FR" sz="2800" dirty="0" smtClean="0">
                 <a:latin typeface="Times New Roman" pitchFamily="18" charset="0"/>
                 <a:cs typeface="Times New Roman" pitchFamily="18" charset="0"/>
               </a:rPr>
-              <a:t> l’internet des objets?</a:t>
+              <a:t>Pourquoi l’internet </a:t>
+            </a:r>
+            <a:r>
+              <a:rPr lang="fr-FR" sz="2800" dirty="0" smtClean="0">
+                <a:latin typeface="Times New Roman" pitchFamily="18" charset="0"/>
+                <a:cs typeface="Times New Roman" pitchFamily="18" charset="0"/>
+              </a:rPr>
+              <a:t>des objets?</a:t>
             </a:r>
           </a:p>
           <a:p>
@@ -10978,6 +11200,13 @@
               <a:buChar char="§"/>
             </a:pPr>
             <a:r>
+              <a:rPr lang="fr-FR" dirty="0" smtClean="0">
+                <a:latin typeface="Times New Roman" pitchFamily="18" charset="0"/>
+                <a:cs typeface="Times New Roman" pitchFamily="18" charset="0"/>
+              </a:rPr>
+              <a:t> DIY </a:t>
+            </a:r>
+            <a:r>
               <a:rPr lang="fr-FR" dirty="0" err="1" smtClean="0">
                 <a:latin typeface="Times New Roman" pitchFamily="18" charset="0"/>
                 <a:cs typeface="Times New Roman" pitchFamily="18" charset="0"/>
@@ -10989,12 +11218,15 @@
                 <a:latin typeface="Times New Roman" pitchFamily="18" charset="0"/>
                 <a:cs typeface="Times New Roman" pitchFamily="18" charset="0"/>
               </a:rPr>
-              <a:t> Démo avec </a:t>
-            </a:r>
-            <a:endParaRPr lang="fr-FR" dirty="0" smtClean="0">
-              <a:latin typeface="Times New Roman" pitchFamily="18" charset="0"/>
-              <a:cs typeface="Times New Roman" pitchFamily="18" charset="0"/>
-            </a:endParaRPr>
+              <a:t> </a:t>
+            </a:r>
+            <a:r>
+              <a:rPr lang="fr-FR" dirty="0" smtClean="0">
+                <a:latin typeface="Times New Roman" pitchFamily="18" charset="0"/>
+                <a:cs typeface="Times New Roman" pitchFamily="18" charset="0"/>
+              </a:rPr>
+              <a:t>Démo avec </a:t>
+            </a:r>
           </a:p>
           <a:p>
             <a:pPr eaLnBrk="1" hangingPunct="1">
@@ -11038,7 +11270,7 @@
             <a:fld id="{9145DB05-0482-4A25-BBD6-1702FCF7F2AB}" type="datetime1">
               <a:rPr lang="fr-FR" smtClean="0"/>
               <a:pPr/>
-              <a:t>16/11/2014</a:t>
+              <a:t>17/11/2014</a:t>
             </a:fld>
             <a:endParaRPr lang="fr-BE" dirty="0" smtClean="0"/>
           </a:p>
@@ -11154,7 +11386,7 @@
         </p:blipFill>
         <p:spPr bwMode="auto">
           <a:xfrm>
-            <a:off x="3923928" y="4941168"/>
+            <a:off x="4724674" y="4941168"/>
             <a:ext cx="855438" cy="582173"/>
           </a:xfrm>
           <a:prstGeom prst="rect">
@@ -12179,6 +12411,59 @@
                       </p:childTnLst>
                     </p:cTn>
                   </p:par>
+                  <p:par>
+                    <p:cTn id="59" fill="hold">
+                      <p:stCondLst>
+                        <p:cond delay="indefinite"/>
+                      </p:stCondLst>
+                      <p:childTnLst>
+                        <p:par>
+                          <p:cTn id="60" fill="hold">
+                            <p:stCondLst>
+                              <p:cond delay="0"/>
+                            </p:stCondLst>
+                            <p:childTnLst>
+                              <p:par>
+                                <p:cTn id="61" presetID="16" presetClass="entr" presetSubtype="21" fill="hold" nodeType="clickEffect">
+                                  <p:stCondLst>
+                                    <p:cond delay="0"/>
+                                  </p:stCondLst>
+                                  <p:childTnLst>
+                                    <p:set>
+                                      <p:cBhvr>
+                                        <p:cTn id="62" dur="1" fill="hold">
+                                          <p:stCondLst>
+                                            <p:cond delay="0"/>
+                                          </p:stCondLst>
+                                        </p:cTn>
+                                        <p:tgtEl>
+                                          <p:spTgt spid="8"/>
+                                        </p:tgtEl>
+                                        <p:attrNameLst>
+                                          <p:attrName>style.visibility</p:attrName>
+                                        </p:attrNameLst>
+                                      </p:cBhvr>
+                                      <p:to>
+                                        <p:strVal val="visible"/>
+                                      </p:to>
+                                    </p:set>
+                                    <p:animEffect transition="in" filter="barn(inVertical)">
+                                      <p:cBhvr>
+                                        <p:cTn id="63" dur="500"/>
+                                        <p:tgtEl>
+                                          <p:spTgt spid="8"/>
+                                        </p:tgtEl>
+                                      </p:cBhvr>
+                                    </p:animEffect>
+                                  </p:childTnLst>
+                                </p:cTn>
+                              </p:par>
+                            </p:childTnLst>
+                          </p:cTn>
+                        </p:par>
+                      </p:childTnLst>
+                    </p:cTn>
+                  </p:par>
                 </p:childTnLst>
               </p:cTn>
               <p:prevCondLst>
@@ -12226,489 +12511,1732 @@
       </p:grpSpPr>
       <p:sp>
         <p:nvSpPr>
-          <p:cNvPr id="9" name="Rectangle 8"/>
-          <p:cNvSpPr/>
+          <p:cNvPr id="4" name="Date Placeholder 3"/>
+          <p:cNvSpPr>
+            <a:spLocks noGrp="1"/>
+          </p:cNvSpPr>
+          <p:nvPr>
+            <p:ph type="dt" sz="half" idx="10"/>
+          </p:nvPr>
+        </p:nvSpPr>
+        <p:spPr/>
+        <p:txBody>
+          <a:bodyPr/>
+          <a:lstStyle/>
+          <a:p>
+            <a:pPr>
+              <a:defRPr/>
+            </a:pPr>
+            <a:fld id="{65ACCEE1-83F7-4A1F-9F42-0F6BBACAD815}" type="datetime1">
+              <a:rPr lang="fr-FR" smtClean="0"/>
+              <a:pPr>
+                <a:defRPr/>
+              </a:pPr>
+              <a:t>17/11/2014</a:t>
+            </a:fld>
+            <a:endParaRPr lang="fr-BE"/>
+          </a:p>
+        </p:txBody>
+      </p:sp>
+      <p:sp>
+        <p:nvSpPr>
+          <p:cNvPr id="5" name="Slide Number Placeholder 4"/>
+          <p:cNvSpPr>
+            <a:spLocks noGrp="1"/>
+          </p:cNvSpPr>
+          <p:nvPr>
+            <p:ph type="sldNum" sz="quarter" idx="12"/>
+          </p:nvPr>
+        </p:nvSpPr>
+        <p:spPr/>
+        <p:txBody>
+          <a:bodyPr>
+            <a:normAutofit fontScale="85000" lnSpcReduction="20000"/>
+          </a:bodyPr>
+          <a:lstStyle/>
+          <a:p>
+            <a:pPr>
+              <a:defRPr/>
+            </a:pPr>
+            <a:fld id="{7DB234AD-1E11-4B53-B6E5-88515ECC9B9D}" type="slidenum">
+              <a:rPr lang="fr-BE" smtClean="0"/>
+              <a:pPr>
+                <a:defRPr/>
+              </a:pPr>
+              <a:t>20</a:t>
+            </a:fld>
+            <a:endParaRPr lang="fr-BE"/>
+          </a:p>
+        </p:txBody>
+      </p:sp>
+      <p:sp>
+        <p:nvSpPr>
+          <p:cNvPr id="6" name="TextBox 5"/>
+          <p:cNvSpPr txBox="1"/>
           <p:nvPr/>
         </p:nvSpPr>
         <p:spPr>
           <a:xfrm>
-            <a:off x="1500188" y="0"/>
-            <a:ext cx="7643812" cy="4572000"/>
+            <a:off x="827584" y="1484784"/>
+            <a:ext cx="7272808" cy="369332"/>
           </a:xfrm>
           <a:prstGeom prst="rect">
             <a:avLst/>
           </a:prstGeom>
-          <a:solidFill>
-            <a:schemeClr val="bg1"/>
-          </a:solidFill>
-          <a:ln>
-            <a:solidFill>
-              <a:schemeClr val="bg1"/>
-            </a:solidFill>
+          <a:noFill/>
+        </p:spPr>
+        <p:txBody>
+          <a:bodyPr wrap="square" rtlCol="0">
+            <a:spAutoFit/>
+          </a:bodyPr>
+          <a:lstStyle/>
+          <a:p>
+            <a:r>
+              <a:rPr lang="fr-FR" dirty="0" smtClean="0"/>
+              <a:t>Le Circuit et l’</a:t>
+            </a:r>
+            <a:r>
+              <a:rPr lang="fr-FR" dirty="0" err="1"/>
+              <a:t>A</a:t>
+            </a:r>
+            <a:r>
+              <a:rPr lang="fr-FR" dirty="0" err="1" smtClean="0"/>
+              <a:t>rduino</a:t>
+            </a:r>
+            <a:r>
+              <a:rPr lang="fr-FR" dirty="0" smtClean="0"/>
+              <a:t> code workflow : cas console </a:t>
+            </a:r>
+            <a:r>
+              <a:rPr lang="fr-FR" dirty="0" err="1" smtClean="0"/>
+              <a:t>Arduino</a:t>
+            </a:r>
+            <a:r>
+              <a:rPr lang="fr-FR" dirty="0" smtClean="0"/>
+              <a:t> IDE</a:t>
+            </a:r>
+            <a:endParaRPr lang="en-US" dirty="0"/>
+          </a:p>
+        </p:txBody>
+      </p:sp>
+      <p:sp>
+        <p:nvSpPr>
+          <p:cNvPr id="7" name="Title 1"/>
+          <p:cNvSpPr>
+            <a:spLocks noGrp="1"/>
+          </p:cNvSpPr>
+          <p:nvPr>
+            <p:ph type="title"/>
+          </p:nvPr>
+        </p:nvSpPr>
+        <p:spPr>
+          <a:xfrm>
+            <a:off x="755576" y="525463"/>
+            <a:ext cx="8153400" cy="990600"/>
+          </a:xfrm>
+        </p:spPr>
+        <p:txBody>
+          <a:bodyPr/>
+          <a:lstStyle/>
+          <a:p>
+            <a:r>
+              <a:rPr lang="fr-FR" dirty="0"/>
+              <a:t>Comment ?</a:t>
+            </a:r>
+            <a:r>
+              <a:rPr lang="en-US" dirty="0"/>
+              <a:t/>
+            </a:r>
+            <a:br>
+              <a:rPr lang="en-US" dirty="0"/>
+            </a:br>
+            <a:endParaRPr lang="en-US" dirty="0"/>
+          </a:p>
+        </p:txBody>
+      </p:sp>
+      <p:pic>
+        <p:nvPicPr>
+          <p:cNvPr id="9" name="Picture 8"/>
+          <p:cNvPicPr>
+            <a:picLocks noChangeAspect="1"/>
+          </p:cNvPicPr>
+          <p:nvPr/>
+        </p:nvPicPr>
+        <p:blipFill>
+          <a:blip r:embed="rId2"/>
+          <a:stretch>
+            <a:fillRect/>
+          </a:stretch>
+        </p:blipFill>
+        <p:spPr>
+          <a:xfrm>
+            <a:off x="266700" y="2249159"/>
+            <a:ext cx="1775419" cy="1172121"/>
+          </a:xfrm>
+          <a:prstGeom prst="rect">
+            <a:avLst/>
+          </a:prstGeom>
+        </p:spPr>
+      </p:pic>
+      <p:cxnSp>
+        <p:nvCxnSpPr>
+          <p:cNvPr id="11" name="Straight Arrow Connector 10"/>
+          <p:cNvCxnSpPr>
+            <a:stCxn id="9" idx="3"/>
+          </p:cNvCxnSpPr>
+          <p:nvPr/>
+        </p:nvCxnSpPr>
+        <p:spPr>
+          <a:xfrm flipV="1">
+            <a:off x="2042119" y="2835219"/>
+            <a:ext cx="1233737" cy="1"/>
+          </a:xfrm>
+          <a:prstGeom prst="straightConnector1">
+            <a:avLst/>
+          </a:prstGeom>
+          <a:ln w="57150">
+            <a:tailEnd type="triangle"/>
           </a:ln>
         </p:spPr>
         <p:style>
-          <a:lnRef idx="2">
-            <a:schemeClr val="accent1">
-              <a:shade val="50000"/>
-            </a:schemeClr>
+          <a:lnRef idx="1">
+            <a:schemeClr val="accent1"/>
           </a:lnRef>
-          <a:fillRef idx="1">
+          <a:fillRef idx="0">
             <a:schemeClr val="accent1"/>
           </a:fillRef>
           <a:effectRef idx="0">
             <a:schemeClr val="accent1"/>
           </a:effectRef>
           <a:fontRef idx="minor">
-            <a:schemeClr val="lt1"/>
+            <a:schemeClr val="tx1"/>
           </a:fontRef>
         </p:style>
-        <p:txBody>
-          <a:bodyPr anchor="ctr"/>
-          <a:lstStyle/>
-          <a:p>
-            <a:pPr algn="ctr" fontAlgn="auto">
-              <a:spcBef>
-                <a:spcPts val="0"/>
-              </a:spcBef>
-              <a:spcAft>
-                <a:spcPts val="0"/>
-              </a:spcAft>
-              <a:defRPr/>
-            </a:pPr>
-            <a:endParaRPr lang="fr-FR" dirty="0">
-              <a:solidFill>
-                <a:schemeClr val="tx1"/>
-              </a:solidFill>
-            </a:endParaRPr>
-          </a:p>
-        </p:txBody>
-      </p:sp>
-      <p:sp>
-        <p:nvSpPr>
-          <p:cNvPr id="8" name="Espace réservé du texte 7"/>
-          <p:cNvSpPr>
-            <a:spLocks noGrp="1"/>
-          </p:cNvSpPr>
-          <p:nvPr>
-            <p:ph type="body" sz="half" idx="2"/>
-          </p:nvPr>
-        </p:nvSpPr>
-        <p:spPr>
-          <a:xfrm>
-            <a:off x="1600200" y="5429250"/>
-            <a:ext cx="7315200" cy="1428750"/>
-          </a:xfrm>
-        </p:spPr>
-        <p:txBody>
-          <a:bodyPr>
-            <a:normAutofit fontScale="92500" lnSpcReduction="20000"/>
-          </a:bodyPr>
-          <a:lstStyle/>
-          <a:p>
-            <a:pPr eaLnBrk="1" fontAlgn="auto" hangingPunct="1">
-              <a:spcAft>
-                <a:spcPts val="0"/>
-              </a:spcAft>
-              <a:defRPr/>
-            </a:pPr>
-            <a:r>
-              <a:rPr lang="fr-FR" sz="2400" b="1" dirty="0" smtClean="0">
-                <a:solidFill>
-                  <a:schemeClr val="bg2">
-                    <a:lumMod val="25000"/>
-                  </a:schemeClr>
-                </a:solidFill>
-              </a:rPr>
-              <a:t>Réalisé par</a:t>
-            </a:r>
-            <a:r>
-              <a:rPr lang="fr-FR" sz="1900" b="1" dirty="0" smtClean="0">
-                <a:solidFill>
-                  <a:schemeClr val="bg2">
-                    <a:lumMod val="25000"/>
-                  </a:schemeClr>
-                </a:solidFill>
-              </a:rPr>
-              <a:t> :   Khalid </a:t>
-            </a:r>
-            <a:endParaRPr lang="fr-FR" sz="2000" b="1" dirty="0" smtClean="0">
-              <a:solidFill>
-                <a:schemeClr val="bg2">
-                  <a:lumMod val="50000"/>
-                </a:schemeClr>
-              </a:solidFill>
-            </a:endParaRPr>
-          </a:p>
-          <a:p>
-            <a:pPr eaLnBrk="1" fontAlgn="auto" hangingPunct="1">
-              <a:spcAft>
-                <a:spcPts val="0"/>
-              </a:spcAft>
-              <a:defRPr/>
-            </a:pPr>
-            <a:r>
-              <a:rPr lang="en-US" sz="2000" b="1" dirty="0" smtClean="0">
-                <a:solidFill>
-                  <a:schemeClr val="bg2">
-                    <a:lumMod val="25000"/>
-                  </a:schemeClr>
-                </a:solidFill>
-              </a:rPr>
-              <a:t>                         BAKRI </a:t>
-            </a:r>
-            <a:r>
-              <a:rPr lang="en-US" sz="2000" b="1" dirty="0" err="1" smtClean="0">
-                <a:solidFill>
-                  <a:schemeClr val="bg2">
-                    <a:lumMod val="25000"/>
-                  </a:schemeClr>
-                </a:solidFill>
-              </a:rPr>
-              <a:t>Anouar</a:t>
-            </a:r>
-            <a:endParaRPr lang="en-US" sz="2000" b="1" dirty="0" smtClean="0">
-              <a:solidFill>
-                <a:schemeClr val="bg2">
-                  <a:lumMod val="25000"/>
-                </a:schemeClr>
-              </a:solidFill>
-            </a:endParaRPr>
-          </a:p>
-          <a:p>
-            <a:pPr eaLnBrk="1" fontAlgn="auto" hangingPunct="1">
-              <a:spcAft>
-                <a:spcPts val="0"/>
-              </a:spcAft>
-              <a:defRPr/>
-            </a:pPr>
-            <a:r>
-              <a:rPr lang="en-US" sz="2000" b="1" dirty="0" smtClean="0">
-                <a:solidFill>
-                  <a:schemeClr val="bg2">
-                    <a:lumMod val="25000"/>
-                  </a:schemeClr>
-                </a:solidFill>
-              </a:rPr>
-              <a:t>                         EL HAYDOUNI Othman</a:t>
-            </a:r>
-          </a:p>
-          <a:p>
-            <a:pPr eaLnBrk="1" fontAlgn="auto" hangingPunct="1">
-              <a:spcAft>
-                <a:spcPts val="0"/>
-              </a:spcAft>
-              <a:defRPr/>
-            </a:pPr>
-            <a:r>
-              <a:rPr lang="en-US" sz="2000" b="1" dirty="0" smtClean="0">
-                <a:solidFill>
-                  <a:schemeClr val="bg2">
-                    <a:lumMod val="50000"/>
-                  </a:schemeClr>
-                </a:solidFill>
-              </a:rPr>
-              <a:t>                          </a:t>
-            </a:r>
-            <a:endParaRPr lang="fr-FR" sz="1900" dirty="0" smtClean="0"/>
-          </a:p>
-          <a:p>
-            <a:pPr eaLnBrk="1" fontAlgn="auto" hangingPunct="1">
-              <a:spcAft>
-                <a:spcPts val="0"/>
-              </a:spcAft>
-              <a:defRPr/>
-            </a:pPr>
-            <a:endParaRPr lang="fr-FR" sz="1800" dirty="0" smtClean="0"/>
-          </a:p>
-          <a:p>
-            <a:pPr eaLnBrk="1" fontAlgn="auto" hangingPunct="1">
-              <a:spcAft>
-                <a:spcPts val="0"/>
-              </a:spcAft>
-              <a:defRPr/>
-            </a:pPr>
-            <a:endParaRPr lang="fr-FR" dirty="0"/>
-          </a:p>
-        </p:txBody>
-      </p:sp>
-      <p:sp>
-        <p:nvSpPr>
-          <p:cNvPr id="9220" name="Titre 3"/>
-          <p:cNvSpPr>
-            <a:spLocks noGrp="1"/>
-          </p:cNvSpPr>
-          <p:nvPr>
-            <p:ph type="title"/>
-          </p:nvPr>
-        </p:nvSpPr>
-        <p:spPr>
-          <a:xfrm>
-            <a:off x="1571625" y="4643438"/>
-            <a:ext cx="7286625" cy="685800"/>
-          </a:xfrm>
-        </p:spPr>
-        <p:txBody>
-          <a:bodyPr>
-            <a:normAutofit/>
-          </a:bodyPr>
-          <a:lstStyle/>
-          <a:p>
-            <a:pPr algn="r" eaLnBrk="1" hangingPunct="1">
-              <a:defRPr/>
-            </a:pPr>
-            <a:r>
-              <a:rPr lang="fr-FR" sz="2400" dirty="0" smtClean="0">
-                <a:solidFill>
-                  <a:schemeClr val="bg2">
-                    <a:lumMod val="25000"/>
-                  </a:schemeClr>
-                </a:solidFill>
-              </a:rPr>
-              <a:t> </a:t>
-            </a:r>
-          </a:p>
-        </p:txBody>
-      </p:sp>
-      <p:sp>
-        <p:nvSpPr>
-          <p:cNvPr id="6" name="Titre 1"/>
-          <p:cNvSpPr txBox="1">
-            <a:spLocks/>
-          </p:cNvSpPr>
-          <p:nvPr/>
-        </p:nvSpPr>
-        <p:spPr>
-          <a:xfrm>
-            <a:off x="2143108" y="1643050"/>
-            <a:ext cx="6477000" cy="1785950"/>
-          </a:xfrm>
-          <a:prstGeom prst="rect">
-            <a:avLst/>
-          </a:prstGeom>
-        </p:spPr>
-        <p:txBody>
-          <a:bodyPr anchor="ctr">
-            <a:normAutofit/>
-          </a:bodyPr>
-          <a:lstStyle/>
-          <a:p>
-            <a:pPr algn="ctr">
-              <a:defRPr/>
-            </a:pPr>
-            <a:endParaRPr lang="en-US" sz="2800" b="1" cap="all" dirty="0">
-              <a:ln w="0"/>
-              <a:solidFill>
-                <a:schemeClr val="bg2">
-                  <a:lumMod val="50000"/>
-                </a:schemeClr>
-              </a:solidFill>
-              <a:effectLst>
-                <a:reflection blurRad="12700" stA="50000" endPos="50000" dist="5000" dir="5400000" sy="-100000" rotWithShape="0"/>
-              </a:effectLst>
-            </a:endParaRPr>
-          </a:p>
-        </p:txBody>
-      </p:sp>
+      </p:cxnSp>
       <p:pic>
         <p:nvPicPr>
-          <p:cNvPr id="9222" name="Picture 18" descr="http://profile.ak.fbcdn.net/hprofile-ak-prn1/27544_148034858556961_4983_n.jpg"/>
+          <p:cNvPr id="12" name="Picture 11"/>
           <p:cNvPicPr>
-            <a:picLocks noChangeAspect="1" noChangeArrowheads="1"/>
+            <a:picLocks noChangeAspect="1"/>
           </p:cNvPicPr>
           <p:nvPr/>
         </p:nvPicPr>
         <p:blipFill>
           <a:blip r:embed="rId3"/>
-          <a:srcRect/>
           <a:stretch>
             <a:fillRect/>
           </a:stretch>
         </p:blipFill>
-        <p:spPr bwMode="auto">
-          <a:xfrm>
-            <a:off x="6588125" y="0"/>
-            <a:ext cx="2555875" cy="1296988"/>
+        <p:spPr>
+          <a:xfrm>
+            <a:off x="3347864" y="1844824"/>
+            <a:ext cx="2476028" cy="2314548"/>
           </a:xfrm>
           <a:prstGeom prst="rect">
             <a:avLst/>
           </a:prstGeom>
-          <a:noFill/>
-          <a:ln w="9525">
-            <a:noFill/>
-            <a:miter lim="800000"/>
-            <a:headEnd/>
-            <a:tailEnd/>
-          </a:ln>
         </p:spPr>
       </p:pic>
-      <p:sp>
-        <p:nvSpPr>
-          <p:cNvPr id="9223" name="Espace réservé de la date 6"/>
-          <p:cNvSpPr>
-            <a:spLocks noGrp="1"/>
-          </p:cNvSpPr>
-          <p:nvPr>
-            <p:ph type="dt" sz="quarter" idx="10"/>
-          </p:nvPr>
-        </p:nvSpPr>
-        <p:spPr bwMode="auto">
-          <a:noFill/>
-          <a:ln>
-            <a:miter lim="800000"/>
-            <a:headEnd/>
-            <a:tailEnd/>
-          </a:ln>
-        </p:spPr>
-        <p:txBody>
-          <a:bodyPr wrap="square" lIns="91440" tIns="45720" rIns="91440" bIns="45720" numCol="1" compatLnSpc="1">
-            <a:prstTxWarp prst="textNoShape">
-              <a:avLst/>
-            </a:prstTxWarp>
-          </a:bodyPr>
-          <a:lstStyle/>
-          <a:p>
-            <a:fld id="{1CF47502-4209-46D6-AE4F-6A87675A05BA}" type="datetime1">
-              <a:rPr lang="fr-FR" smtClean="0"/>
-              <a:pPr/>
-              <a:t>16/11/2014</a:t>
-            </a:fld>
-            <a:endParaRPr lang="fr-BE" smtClean="0"/>
-          </a:p>
-        </p:txBody>
-      </p:sp>
-      <p:sp>
-        <p:nvSpPr>
-          <p:cNvPr id="9224" name="Espace réservé du numéro de diapositive 9"/>
-          <p:cNvSpPr>
-            <a:spLocks noGrp="1"/>
-          </p:cNvSpPr>
-          <p:nvPr>
-            <p:ph type="sldNum" sz="quarter" idx="11"/>
-          </p:nvPr>
-        </p:nvSpPr>
-        <p:spPr bwMode="auto">
-          <a:noFill/>
-          <a:ln>
-            <a:miter lim="800000"/>
-            <a:headEnd/>
-            <a:tailEnd/>
-          </a:ln>
-        </p:spPr>
-        <p:txBody>
-          <a:bodyPr wrap="square" lIns="91440" tIns="45720" rIns="91440" bIns="45720" numCol="1" compatLnSpc="1">
-            <a:prstTxWarp prst="textNoShape">
-              <a:avLst/>
-            </a:prstTxWarp>
-          </a:bodyPr>
-          <a:lstStyle/>
-          <a:p>
-            <a:r>
-              <a:rPr lang="fr-BE" smtClean="0"/>
-              <a:t>1</a:t>
-            </a:r>
-          </a:p>
-        </p:txBody>
-      </p:sp>
-      <p:sp>
-        <p:nvSpPr>
-          <p:cNvPr id="45058" name="AutoShape 2" descr="data:image/jpeg;base64,/9j/4AAQSkZJRgABAQAAAQABAAD/2wCEAAkGBxQQEBUUEBQUFRQUFBQVEBcWFBYXGBUVFBUXFhQUFRYYHCggGBolGxUVITIhJSorLjAuFyAzODMxNygtLisBCgoKDg0OGhAQGiwkICQsLCwsLCwsLCwsLCwsLCwsLCwsLCwsLCwsLCwsLCwsLCwsLCwsLCwsLCwsLCwsLCwsLP/AABEIAMIBAwMBEQACEQEDEQH/xAAcAAABBQEBAQAAAAAAAAAAAAADAAIEBQYBBwj/xAA/EAACAQIEAwYEBQEHAgcAAAABAgADEQQSITEFQVEGEyJhcYEHMpGhFEKxwfAjM1JigtHh8SRyFSU1Q3PC0//EABoBAAIDAQEAAAAAAAAAAAAAAAABAgMEBQb/xAAyEQACAgEDAgMHAwQDAQAAAAAAAQIRAwQSITFBE1FhBSIycYGR8KGxwRQzQuEj0fFi/9oADAMBAAIRAxEAPwDxCACgAoAKACgAoAKAHQIAOAgA4CAHQIAPCwALTSMRLpUoASkSMQUAQAa1oABYwAbADuSAxjUYgItajACK6xDBkQAaRADloAcgAoAKACgAoAKACgAoAKACgAoAKACgA4CADgIAOAgA4CADgsACIsBEqkkYEpRGI4zwAGa0QxprQAZngA5WjAMhgAYCAhlWlEMr69GAERliAYRAY0iADTADkAFABQAUAFABQAUAFABQAUAFABwEAHAQAcBAB4EAHgQEPVYASKVOMRKRIwOtACPUMBgWiA4BEMcBGIeojAMkADoYCDWgBGr0ohldWpxAR2EAGEQAYRAY0wAUAOQAUAFABQAUAFABQAUAOiADwIAOAgIeBAB6iABAsYBUWAiXRSAEjLGACpAYAi8Qzq0byNjSCrhorJUdOHjsTQ3u5IjR0LAQVBGAdIAcqLARX4hYgITrAYEiIBpEAGEQGNgAoAcgAoAKACgAoAKAHYAOAgA8CAh4EACKIAEURiCKsACosAJlERiDPACJUETJIdSo3kGyxIsMPg7yDZNRLCngIrJbRlbAeUaYnEhVMJJpkHEEcPHZGjncx2KhwSOxHHEYiDiBEIg1BAALCAwbCIBhEAGEQGcgAoAcgAoAKACgB2AHRAB4EBDwIAEUQAIojEFVYAEVYCDIsAJVIRiCMIDQLu9ZBssSJ+EoStsuSLvCYeVtk0i0o4cRWSo7VwcdhRX1sDJWRcSI+DkkyDQFsJHZFoBUw1pJMg0Q6qWkyDIFcQEQaggABhAAbCAwbCIBhEAGGAxQA5ABQAUAFADsAHAQEPAgARRAAqiMQVRAAqrAQVVgIMixiJNMQAKEkWTQWlQlbZdFFlhqMrbLUizoC0RIscO0iSRLC3iJUR61KNMTRDelJJkGjn4aSTINEXEYWTTINFPi6NpNMqaKfErJEGQKiwAAwgAJhAYNhAYIiIBpgA2AxQA5ABQA7ADogA8QEPUQAKojEFUQAKogIMixiDosBBkWArD01gKyXSpyLLIssMNh5TI0RLShhZWXIkrhYrJUTMJhSSAOci3QN0rLjF8IejbONxcRX5ihkUuhExGDYAEggHbzjTJbk+hD/CGSsiwy4LSSTIEXF4bSTTIsz3EKUmiqRnsWssRUytqLGIA4gAFhESBMIACYQGMMQDDABQGKAHIAdgA4QEPEACKIwCqICCoICDoIxB0EBBkWMiHRYCskU1jI2TKCyDROLLjBpKZI1QZe4WjKWaYk+nhgfLT+CIkHSgUKm1r6g9RfeRfIuJWibVxDVbZze20SjRGGNR6BK7NUVVY6L8vlGo0KMFFtoWFwAJkJyaKcmSiZi+F5BqJDdKLplKyu+TN8TpWvNcHZepWZHinOXIrkzM4uWIpbK6oIxEdxAYFxESAsIDBMIADYRDGGAHIDFABQAUAHCAgiwAIsYgyiABkEZEOggIvavZ6qmEGK8JpG2Ygm63NgSOl7D3Epx54zdUa9Rop4YqTad+RZ9mezoxeDrVbsrortS6MEF7H1taQ8aTyV2NM/Z8I6be/i/P09SlprNZxbJFNYyNljgaStmzPlspK6E5mFrLpt6+UjIcWXHD2spuubMoFyD4SDe66+QGvUyiZphIu8Noi6rYk6aZhaw10lD6muEuSTXxQpAXpV6hb5TTQFV1Grkna19pbDDuV2RnqNsqolcIT8SjumZQguc6lD9DKskJQdEf6pdkcR9YL1NF7kmmTabwURTaSJmHrWItvyinhb6HLzZku4fF47MrFm2GnmbaASUNJknNbjnz18Um7M5VwVauRkQkNezW003J6CdN6PHGPxcojpvaOacknC0+6/GYnj9F6VRqdQFXU2YH+ai1jeZ0jquRnlo95URL2zuqX6ZmC3+8b4ViXLSLn4k8Fp4NqfcplpgZWbqdLFjvf1mTHOSnTdnc1Okx/06lBJNfnPmVfGuydXC4WnXrMAagUinY3UNqLm+9iNLSzx/f219TEtDJ4Xl3dO1fz/AKMy4l5jAuIhgWEBgmgMGYgOQAUBigAhAQ8QAIsYBUgIMggIMgjEEZS1kXVnIVR67yE5KMW2W6eDnkSR7RiMCtLgvcP/AO4tOkOpYsp+yqx9pjvbCz0GSCnlUX2G4sDD4SnhaNhVxStTTT5KZFnc28jYeZ8o4tQpsjqMcst4occdfI87xODajUam4syMVb1HTynQi9ytHlckXCTi+wWjSuQAd7DXQAk236eckV9WWFfh9SgQKq5Sduh8wecVroTnjcHxyjVcL4lQXCGmyXqE/Nzt5TFkxy3E8bRT1UapUU3ARWuupuFvewFrXI0Jk3Oo1RsgrdmurYqhUw2VwwqDVHU2KkbEe4HtM0ZyTE8LciRw/CV1yGtWADEEoEs+TmSSTbTW1psUE0m0QnCN9RHHU3rGlSpiwJXMxsLjTQdPW3vHknGEabv0Ftr30uncG5Icg5RY28O315+v2lUJKXKVEskpbbDUao19LfXedPT475Z5P2jn2+6iRW4Qxp5+R5S5ZIqW0yPQ5fD8XsTuE41aaHP4FHNj00Gh1/KdhbQzNmnFvr/B3dFp8sEuLXmnaMV8WK1CqaNWjUR2syVcrAmwsaZI6auLyhNHTyQlFKTRjOzvBDjKrjMUFOmahI+a4IChempvfyleabhHgu0WnWfKoydL06mw4lVHEOHFqg/qKXp4gf3aijVrcrize8xTdq0elwwq8c+w/wCJGH/F8NV6exRai+lgbHzG0k3VSKYRvHOB4urZgD9fXnNvU8604umCcRgBaIkCaAA2iGNgAoDFABCAh6wAIsYgyQAMkBB0jIstexmBOIxeb8qfL7c5j1M+x2vZmH/JntHE6C1CuZrUsMhdjyz2uT55QLe5lM5W6XY3Qe1ObXMnx8il4W4AfH4vQhVsP7qj+zpJ53PuSTHii5slqMkNNjbl3/P1M3WwP4j/AKipVCvXZ3yFCQPGwAzX1Hh6dJrlqI4pbGmef0/szVa1PLjXF/iBYjhZo6s9NrFQcjNcZwxU2Kj+6fpLcWeGW1E5mXFPG2p8NcFjgHq4xu5Yq2dQgz7KBtY8jHLbiTaRHHmnF+6PXhNRagQiwLFQx+XS/P2MjvUlZZjjI1CUKGAYd6O8fLc7XBzEWC30BA3PJhrylTrqbEm1SZEw3EaF6lVk8YN6VO9wTyzE7gbnrbneVxrful08vMuanwogMJxZlrd61mJN2vz8ienkLSWTK58ElplXId8zvmCFc2thylcI+fQlJ7MdLl+oTDNci/vJp0VZo3HgueLYenTVGptc/mH6ibdFqPe2vo/0PMe1dGpRUodULGcVZUVVbQgMB5Hb950oYk22cnJqcigoJ8eQHFY5Wwfiy9417b3GVtSLbHQfWReBSyU1wa8Gqliw3F1J/wDfl0POO0OMLsqZyy0wQp2tfl7fuZm1HL2p2l+de51tE4qO9x2t+T4r0T6del15V0IvZvi/4TEiodUYFKtv7jEEkDmQQD7W5zLOG5UdHS6jwsim/qbarhxSxiFT/QxNkqEbMCD3Tg+pAv0Yzly92VHr3JTx+LHqT8XhLYSph+aMSgtujG5HsxP1Eal7u1kEv+RSXSS/U8IxdA0a9SmepI/n82m3BK4nC1+PZksC4lxiANEME0Bg2gMZEAoAKAxCAh6wAKsYgqQAOkZE7XbQKN209ucjOVKyeKG6R638KuHJRp945VSTpcgX02F9zObuuds9EouOFRiuWaHiNTvWGHpkHM2bEMP+64Qe+p9JU32RdCPO+XRdDFduMfmxBw6H+lQNgBsXyjMT6XK/WdTTY9sb8zzftPVPNk29l+r/ANdPuSMHxDCNTprU/E03FNKblUpVEJAAJAJDC5F+e8WXSKct1mvQe3npcUcThaX0/PsN4vWolFFGqKpLasKLUmVFBCq+YnNrUfY/7y0+B47t9Tka/VrUZHk83ZFo0HUZgCB1mm4vgwclmeI1GphLiy5SCAb+E+EE+UqeOKdmmGWTiojaNFnN9STuTreZskkjZjkHfBlReZ99muGQfhX8Sqbb6Xte/L2vJot3I1qYGgtEBSamJcXAF7hua2+stpJepXubfoU9OkWaygknYbnTeQRKXTk5iWI3BAOq36eR5+sug6MGbEmVmJxJHObseecejOPm0eKbuSKbH8QIF3YhPzWttsdpOefI1yyODSYVNVEsOBYHCYp1GYXNrkMe7BHmPTbzlcI7kadTmhhkl0sqe2zUTiLUbEqtqpAsGYEgEedgLnTlIyVMnDJvW4uuxL/icHVoubvRKmn1FNr2t6MD6aTmavHT3Luel9kapuPhy6L9n0/k1vCOIrUXNVZVdVZK19Bys/obfeZ4SXc6GTHKPEVfNo8h+JXDwmIzpaxsQRsffpaW6eW2VGbXwU4qXmZQm4uOc6JwegF4hgWgMG0BjIgFABQGIQEPWMAqwEFSAg6RiGYaqDVzN8q6fQ/rKM3PCNulSXLPTewT1cTiEqFStKmMqA8hz9zufQDlMbiuEju4pScJOXHBrON8TXB06tdVAaqxFHzJvlNunhJ9oY8e+dL8Rl1OfwsNy7dF5v8AOvoeWqxJJJuSSSTuSdST53nXR5STb5ZouztWnTp1ajgFxlFO+u+YkKOpsB6TNqYPJUF3HjainJgWrgsT4DmsSQmUKfmIUctSR7TW+hnfLpGnxHaqi2DWhkAYW8Vpjiqka3ins20iro05omU44mm7PYZWYX95ydROupqpmg7QYJGQd0BcDba/vKZZMcWqZZBSb90wXEeHuLX8Bb5TvYg9P5vNWGal8JqyxcY3L7GqwXC6tan3rEAi2xNgRzHMToPCqRyseqm266BXxhRlqBlas/8AaEgDYAAmx8JvcEeXQ60SkkrOgluXPQrsRSNV2zVFLak2vzJO1hpcmZFrILsyqc0+hQ8Vw5TexHIggj7To4csMnwsxZUUOKoCqpQi+bS21wR15TQ6UbZnhv8AEW0iU1NDwr4bbWN/vzihNVcWSz4nJ1kXJM4XwNsUxOYKCQGY9TfX7czzHMgSag5ckcb52R7GuwXCKfDqlM0yXdh/VK2a6nle1z1FsuoFwbSa00M0JRr5N+f58zZHO9POMr+aXdfnyLnEYXKuITKFaooI66XB36afWee29YvqexxzU5QmnweMcbxTqGw9cEFCe7J2sfyX6Xvb1tyEtUU+UZ9RJq4y6GZw77jodPebovg4WVVITyRWCaIkCaAxhiAUAFAYoCHrGAVYCCpAQRnyqT0H/EYh3BOHvWqKqgnX+GZM00kzq6XE5SR7/wAAwQw+DAtZm8C6bs2n2sT7TLuqJ1HzNRXbl/Qo/iiQThqCqxKq7NlFzrlVRbnz+s14VsTl6HG1EXqMscfm7b7Jef59zFYnA1KJHeU6lO/y94uUkdfPlNeOe7rwzn6zSeDK4PdHz46+Tpv/AGcQy057RKokHQkgcyAGP0JH6xSTapEsTUZ3Il0uHo21RvemP/0lPhs3LPD1+3+zScJwN1szbLobWv7XiyNpIjCKcm0XPCz3Y8zv6TgazNuyUui/c7ODSf8AHb6ssvxGa+oFgTqbbTMk5cFsdPGHNGZxN6zs1wAo8IO5F+XnznX0+Pw413Mud+I/Qsl4ocLTAxD90jWtm53F9ulhN0s06pLk4mTSOLuPcHRqmomfMuQg2ytcm+oubgW2013nJzJXt7/t+UXKOyNA2qLqSngDWZlXcgGxLOd9vv76VpptbzG9VCM9tlf4qei5ChOmYhxcnyFhvroPLWOKgluT5NLt8Gc4piT3ljoU8NwCpNuZFhY+06WKFQp9/wAozSbUrXFFbVqEm5JJ85akkqRFtydtl/wXjCUUelWS6uMri2o2IIvzBsR5gS+E9vzRicJLJvjymLjHbU017vh4NIZcprNY1mHO35aV/K585VknKfVnRxyr4VXr3/0eh0MSKlHCVydKlKnmPP8AqINSeua04uRbZI9VpZb8Utvz/Poea/FTgxJLqp/xaRRnU7NOVeJjs8spEh7Hci3+83wfkcDPFrqFeTKALQJAzAYwxAKACgMUBD1jAIsBBUgI7X1AHU/p/BFN0izDHdM9U+G3AxdXI1O05Um5SPRY4rHjs9JxGHZ6tJgpKAMVHQ3Auw62/eN22qRVCcYxkrpmMwnFaVXjeJLFQcho4bvNlqKFRhflcq2nrbebscKqfn+Ix/1HiReBdItN11a53fZ19EvImdtKi0sC1PFVFatUqq1EZsxUaZiBa4XQ8uclyqV82Tbxy3SjGobWnxV+X1XH1XyPMu+tzmqzzmwkUmawaxyk2BtpfpeMSirovuFC5ERYo0azhvB3A70vdWYqFuLDmABy9fKDxspWrSlSXeiZUodJztRo8c+ej8ztabV5MfHVfsCAJNiNNL+flMeHSOE7l2NubVxnBqPFkj8GHclVygnQdJvqzAqiV7KauIYZQ9SmjJZmNqY0vcg+E+fP02lmxyapGVveupKpoHQ52UG1stN/lA00sf5eUYtOm3ufJGMLVspOIcTFIjDqSVYNUe53C+H3NyJ0YS2x2GCXs+Lnvv6epTLxvuSo1qIL3pO3gOt1tpqdTuP10zY9NxUzWvdHYhHxtRqqUjmtdgp8CgWC5jbQWHqeVhtrUKjsj1Mks63eJPiK/X0X89ik4nW8VreL837CRhjcOGXTywzVKJHxlJ6ZHehlzAML7lTsRfeWNNdSmDjJe6LieA7unTqB1Zatyq38SgbBgOfXzle620aFBqKbPSexOIOJ4QKeVmNFqlMkac86AHqA6znapPc6Xqd72ZNKKbddvz6F32hwZqYcpV+ZQM3S5Gutut5nkrRuwSW7joz597T4HuK1uh/eatNO+DDrsW2yuebTkgWiJAzAYwxAKACgMUBDljAIsBBUgIlcJod9iFHIED76yjUSqJs0cLlZ9J9lMAtPCottSR69bTJjXB0dRJqXyRpqFhpp4f3Jt+kvhS4OfO3z5nzL2hxgq4zEONnxFZhboajW+02R+FIwyve2vMg96WsALkCwsNTqTy33goxj0RPJmy5fjk383ZPocKqMAX8HXNvblZRr13tJWVqBa1GYUVoiqxpqxfKQLZjuRbb7x26oXgxUty6l1wKlexjDvRouICp3a9zbMHUm9yABrew31AhLJJKkVR0uJz3vqFbHkDxixCqWPIk6WUanf+GRcG1ZZ/UY1LYnyLC41WcLqCdrgi/of23lLiadxoMBRZxdRtvLoY01bOfm1M1KoqzGdveI1WqChS0UIHqEX3vz8gB95RqXDF8X0XmdH2bLxo73xX1+lP8AftXqZ/hmDS4JZiQdSuY23IN7/eY3q8i6JI6EpxTW1N/Xt/KXb1Nbiezi1kDq12C7GxbnmK87WAv5zoYMkZY90ufkeezzyvO4wSVdU/4PPMMi1sUtNXOUsAGYBT9mP1vJTbii74o2b3i+PPBqZooyutVbm1r67yWLKn1XJz8uDK20nwzz1aFfGOTRpu9rnwqbb7ZrWvrte8jlzwi7k6NGLHHFGmzQYnsw5o4d8XVcPUXRW3SkGsnhcBl01t5yuedqSRqx6aKi3HgbifhzXUXDoRa97WH63+0j/Uc1X6i8N2bn4NVB+Aq0zbNTxNVT5+FGv6ayORq/mjXhTUfk/wA/c2OJpKzBiAQTby25/wA5zO0rs2QlJRcTwf4tcMC1SwG97W6dJXhlUzVqVvxp+h52r3F50jgjGgSBmAxpiAUAFAYoCOiMAiwEEzWF4CL3sLS/6mn5sJh1Ls6+hifTeCULSVtLgaW87feJLbFMjlblkcQeKxZpUK1SxYhHYAD+6pIH2kYS8yMo8pLsfLavoNb6fWdM5aD4DHtQqB1ANrgqdmU6Mp6ac+RseUBo09Sv3gVqV2SpfJp4rj5qbAfnFxceYI0IMaJ2F4XRR6oWo19fEFNwOoLbE+Q08+UlBbnRm1Od4oWlbPRMZhcOhQYe9gBe/WXbajyczHmeTNabfnZA4kLnwGoCoGcoQBaxKo1yL/NewsfPXWh9TsLoUWMxxygKlI6li9iGJBFwQQSG0I1O+9pNy46GSOmayOW50y34DXw4o3bO9ZWLDNnbLcgXudAMrOPcecztSs3JruWdbtzSoVwgRkBGWq5PhGYgoddwLkX8zfaOHD5KcsZONRKDt3XVSKjC97CwNruPl9tTp9bzJroznkjt8vt+fwb/AGTgiouMui546u6X7/uU/C+G4nE3K5Kaqua7NlCgtc5r7AKL6eW8wOWCPHMn+fydmb8PniK+74+yVr7Mm8F4wTxChRR89MZqIdhYO1T5mKsp8JICgWvz8p1oR2wqq9OpwM81kyb+ten/AEYzjPDauExT0SGzo5CaG7C/gZeZuLe+kt3Jq2U8UTsFwWtj6aOtemzlmBps5zoq28RFttZbjw7vhM2XURxP3lwek9i8I+DBw7srA+OllvYA/OtiT+a5/wA05HtXA4ZEzJLIssd6+TJ/abH4Zq1FMYwUCnUqM5stlSwFz+e5KjKBfblJaafiw97quLOhpsspQ+RUP28wdanUs5QJRuAUa7FWC5UuBcnMPprzlstLFzUn6GhSdDfghiy1LFhgbNWV7/4mTUfQCSzuml6F2FNpv1PRqHiGQnbUH0It+kz4+fdNU/de5HlXxmSwGg1JEhVZDYvewI8Vp6XHnOlF2jh5FUhNGRGGAxpiAUAFAYoCOiAD1jEOqfKYAuprfh6mbE077Ajfb3mDN1Ovpj6Lpt/RFrXuLeXnaE/gE1/yFhUUZLG1strHY3HiuJL/ABMq5kfO3aPsX+Fx9OiHCYbEPajUY6JrrSZj+YbAncEHrNUMm5epVmwOD9Cv7Ydkq3Dn8QLUWP8ATqWPPZagsMrewB3HQTTspI3D8UvfZU76nhqjIKqK9yQo18WgJ1b2NoSyQj8RLFps+ZbcfMn0LWkRhnqVaYIVSRhw2pLn5S3LwjxHzAHORxaiOSTcFwu5dr/ZmTSYIePJb5dl5ef7fiJXCe2FWkQKw75epNqgHk/5vRr+ol3iN9TkwgodDU4XilPEhjRYtchypOV0NgpDDYrpe4J1J3h1NMZJlbVwzElVAJOYtpcDM1yRzvcgdT7wJCw2EKk6m6/MpUqbdR1gFlpxChh6rK2XRRpm1131Gx9+pkNr7huKPitcOAmpAYd3be+y29zb0leeDlja6GjTZvDyKSv6FY3EmqqtIXWnp3gU61Wvcu55nXQbCwlGPTQw3Jcvz8vRBm1M8irojT8H7Ks6iot8y2ZTzBWxU+1hKpZ3dIx7uStxfZ6pisWFxFR8o1qNfUAEXWncWBN9vUxy1Eo424q32N2j08tRLnp5/wAGwxXYbD4NEr4NH7ymR3hLsxek1le4vbTwtoPymc72f7Wz/wBTFTdp8VSLcmkwZoTxzW3h07fElyur79PqRuLqyPQrpe9GoA460atlcexyP/knqfaeJZNO35cnldEm5vEv8v3XP/a+pH+K/DVqYJapID0nBS5ALK9ldBf/ACt/knnfZ83HI12Zt0smp0eX4Ph34hqNLDZ3rvmFUMAEU5vCwYa5cupJ9p2HLby+h0oQlOW2KPoPsJwBMBhRRpnMxOeo+2epYeLyWwAA6fWZHJylZrnj8NJFy39qelrjyNtf56yuP9xli/tnk/xgF1U25/y/SRfxmt8Y6PFnPjM3Y+hyM3xDWkyoaYDGxAKACgMUBHRABwjAdU+WAkbP4dqBWQna/wDxMGbqdbA66H0bwgB6JG1x0lkYqUaKtS3DImdxFey6+YlW7gIY7kZ3iWApYtGpV1Dq3IjS42I5w3J9OpvaqPKteRAwfC0oUXoMpq0nUoBUOcjQgC5HiFuv9xRew0lHNL/IpyaKE1F4uGvtX18vIpuJdnKPdsAgUKLqRodOQPX2PpKoPbbkrOjNOSSxz2fJL7/+NFLgeCpUpkKc4bUh/mU9Qb2B5XB+k7OCMZQ91UvKjxvtGc8efblnufnd39+fozJ8TwIpuQpPkG0Psdj/ADeRlCnwQXKtG37JcM/D4XOw8dbxHqF/IP3944pLqSqS5X4g2CruuIXuRdy6BB1bOLX8oNE9xYdoeNriWB7tVdMyMym+f8pOnLeOMCjJnSKRq5Qq1gcpBsdjY3sZNwKY6lMpO1PGe+rd4qCnZQLaNci+p0Fzr05CVpOJpTWRUyhwGKyuCZRkVov6nq3ZrtklGlY22mBRlCTaKlaZX/8Aj1Jy7tURLEk3YD9YeHLyPUezdXD+nrJJLbxz5dv+jQdmu1a4nBHvELnPUpXAypVQaBxfUAg2ItuDytMWT2TOWbfGSS6+qf56nMnqEsm6PZ8P9nyR8I9x3eYF1C3va5FhcnffWdjNqsqh4V9vuW6X2dpMmWWr2vmTaV8R7qqr9SXxPh34pBTqjNTXkdhpt5H/AHnPjGSapm5YNPFu0m32YbhnBcPhFHcoFLAZjuSANBmNza0t3d5ckYRq1FJK+38mh4bX2+pjjPkzaiBOVBkZjz29h/reWQiqbZmbe5RR418VXDAW8/8AmU/5G/I6jTPGvzGdCPQ4+X4hGSKxpgM5EAoAKAxQEKAD1jAVU7DziY49Td9h9GU+en+8wZDq6fqe9dlq3hsen1k8L4DWxVWjuNX+ow87+0okveaJ4X7iZylhMut78tf1ElGNBLNu4Mv2t7U0OHXz+J28SUwbs19L9FXQ6npHGEpyqJOWaMIKU38kup5RxLtjiMU9mOSnf5F6ebc/tNmLTxjy+Tm6nXZckWoe6vTr9/8Aw9F4d2hwv4AUwo7wDfznQUubvg8zPDarbzfUosXwxcVlJBZrgC3Qk7+5J63O8jW90bZZP6fHbLbGVjQUUal1dVAF+YAtf18pGUdvBLT6jxldUVfDOLClWL2YsFPdlTqh5t9CfrElY8s1BEzgWCNc36mwA5noPTTX/WaYpJWcPPklKW2JZ8Z4E1EeIS2O2S4MeR5cMqmY2nhKDV7YpmVP8PM9GPIeky5VR2dLlcl1LbtF2SwYRKmDqGk4F9SalJsu2fMSVY+Xuusx72nydhQ3RoxDYasj5X0G5YG62vyI5+UPdfKGo9vImvje6Q3tk5qVVrm2nzA6nrDaS6FhS7YpSwaU8Ond1g7F9Aadib2VeXtaRUJb7shTsuH4Uz4VuJDEBK5t4UNvlAUAKSdLDY3lU3udNcEoZZwdxdE3sf27Wvkw+KIWozBFNjlfpc8mJNrf8SnJglDlcr9jr4NXHK7lxLt6/Ly+R6U2HzbaADl+3oJFxsaybepHFPLoOelzzlbVdC7du5ZacUrZKIA6C4/Wam9sKMOnjuyNs8V7fVc179P4Znh1s26g8mqfOZ0IdDj5eo0yZUcMQzkAFABQGKACEBBFjA5bM3pIydFmONs2vZd7EDbpMMzp4OD3nsq3gX/t1ksY9WvdJnETlfN7H0Ivf7bSvJxKyOD3o7TK9q+2tLBqTfMQLKoOrPYiw8hzPnK4OeSW2H3L5Y4YMe/L9F3Z4PxXiNTFVnrVjd3Nz0AGgUDkALCdWEFCO1HFyZHkk5Mj0zJFZdcMrWIkrFtRsuE8QKWINiNpKLoqyY1NUwPGccatcVKrFgSO8H5gBzQ9bcj9RFLkMeNQspaFUVKx3CqHqEDxNkTxFUH5mt/qbAEhp0V5YblRoOy/abJUD2AA0RQdFXkAefrzJJ5zVFqSpnBzRljnuiajjHaYYgXPyrbN532UeZt+/KWQUYLgyajJk1M05GEXHYcVycUrtTKsLITe5ta9iCRa4+kzZZPsdfR4aSszWG4zUoMRSYmmSfA/iGW+gI2/a8zSimduDpEvFcYp1UUgd26kkjVgwO6jp135DaVqFPgm3fUpq9cubn2HSWJCGCMRIGLfLlzHL0vpFtXUKAhiDcEgg3BG4I2I84w+R7J2F7eCuipXa1RLCpyzi4s4/QjqZyc0JYZf/P5wdzA46mDr4/L+V+cG9w796wtsCLedzy+kF7zIzXhx57huOv4PYzRPoU6Ve8zw7thXuWueZlMS/M+DzTE6OfWbsfQ5WVcnDLCoaYgFABQGKACgB0QEEGgjAsOC0AxIPMaTNkZsxxo0vBaBRwRrrp6SiTNuCNs9p7Kucq9LbfzeGNl2qilEynxL7YHDsaaE53F1G2VQbKxPmQduhkYYnmk32K3nhpYJVcjx/F4lqrFnNyf5pOjCEYKonIzZp5ZbpvkAZIqEpgBPwdS0YF5h8ZYRiAY3GXgBUNiSGBBIIIIINiCDcEEbEdYrIuNlnQxCViGLpQqb1SQRTdedRQo8NT/ANG5WOhmpNdDNkwRl1JzccQDw3slxSQ7k6f1Kp2JJ1IHQLoBeSc2Z1pEnZn8TiSx1Mg2bMePaRGMiXo4IDHCAHYAK8AOEwA7TqlWDKbEbGRlFSVMnCcoSUoumj1T4a9sWqOKNQ+NfGL38SiwNj1AI08jOblwvC1JdDtYtTDVRcJqpUei9oqxynpb+Wk5y4FpYL6niHaW7uSBzsfPzkYhqI0zKcWweVQeZM0Y5cmDJG0Vd9JoMZyACgAoDOQA7ABywEEI0+kH0JQ+JE7h1TxjpM00bEemcA4eCoOh2vflMWSdOjsaXHGrZuuDU3ReQG2mpttYaC0gp0T1LjJo8h+JtTNxF+gp01X0tf9SZ0dHXhfVnC19rNz5Iys1GI4YAcgAWk9oAS0xEYA6ta8AIrNEAlMYqH5oWFHCYDo5EB0RgdgArwA5eAHCYANJiA0Pw6cjieHt1qZvTun/e0z6uvCd+n7mvRJvMq9f2Pa+Ls7JYC4GgI3t0M5viWjvadQUnZgOOcOsCbWtJwnfBHVYl8SPOuLVLvbkJrgjjsqGFiZpjyjJNVIbGQFAYoAcgB0QAesBBW2MfYF1DcN3HrM+Q1w6HrfZA+Een+k5mb4ju6f8Atm8w/wAhlPYhP40eL/E7/wBQb/46f/2nW0P9r6s5HtH+8vkv5MpNhgOGADYAOEAHiAHGgA2AHRADsYHIgOwAUYHYAciAUAOGADTADT/DIf8AmKf9j/tMeu/tfVG/2d/e+jPbcX/ZTldjr4/7hiu1B8P1luL4i3P8B5DxPc+v7zpYzhSIE0LoZJ/ENMCIoDFAD//Z"/>
-          <p:cNvSpPr>
-            <a:spLocks noChangeAspect="1" noChangeArrowheads="1"/>
-          </p:cNvSpPr>
+      <p:cxnSp>
+        <p:nvCxnSpPr>
+          <p:cNvPr id="14" name="Straight Arrow Connector 13"/>
+          <p:cNvCxnSpPr/>
           <p:nvPr/>
-        </p:nvSpPr>
-        <p:spPr bwMode="auto">
-          <a:xfrm>
-            <a:off x="155575" y="-144463"/>
-            <a:ext cx="304800" cy="304801"/>
-          </a:xfrm>
-          <a:prstGeom prst="rect">
+        </p:nvCxnSpPr>
+        <p:spPr>
+          <a:xfrm flipV="1">
+            <a:off x="5895900" y="2807628"/>
+            <a:ext cx="1233737" cy="1"/>
+          </a:xfrm>
+          <a:prstGeom prst="straightConnector1">
             <a:avLst/>
           </a:prstGeom>
-          <a:noFill/>
-        </p:spPr>
-        <p:txBody>
-          <a:bodyPr vert="horz" wrap="square" lIns="91440" tIns="45720" rIns="91440" bIns="45720" numCol="1" anchor="t" anchorCtr="0" compatLnSpc="1">
-            <a:prstTxWarp prst="textNoShape">
-              <a:avLst/>
-            </a:prstTxWarp>
-          </a:bodyPr>
-          <a:lstStyle/>
-          <a:p>
-            <a:endParaRPr lang="en-US"/>
-          </a:p>
-        </p:txBody>
-      </p:sp>
-      <p:sp>
-        <p:nvSpPr>
-          <p:cNvPr id="45060" name="AutoShape 4" descr="data:image/jpeg;base64,/9j/4AAQSkZJRgABAQAAAQABAAD/2wCEAAkGBxQQEBUUEBQUFRQUFBQVEBcWFBYXGBUVFBUXFhQUFRYYHCggGBolGxUVITIhJSorLjAuFyAzODMxNygtLisBCgoKDg0OGhAQGiwkICQsLCwsLCwsLCwsLCwsLCwsLCwsLCwsLCwsLCwsLCwsLCwsLCwsLCwsLCwsLCwsLCwsLP/AABEIAMIBAwMBEQACEQEDEQH/xAAcAAABBQEBAQAAAAAAAAAAAAADAAIEBQYBBwj/xAA/EAACAQIEAwYEBQEHAgcAAAABAgADEQQSITEFQVEGEyJhcYEHMpGhFEKxwfAjM1JigtHh8SRyFSU1Q3PC0//EABoBAAIDAQEAAAAAAAAAAAAAAAABAgMEBQb/xAAyEQACAgEDAgMHAwQDAQAAAAAAAQIRAwQSITFBE1FhBSIycYGR8KGxwRQzQuEj0fFi/9oADAMBAAIRAxEAPwDxCACgAoAKACgAoAKAHQIAOAgA4CAHQIAPCwALTSMRLpUoASkSMQUAQAa1oABYwAbADuSAxjUYgItajACK6xDBkQAaRADloAcgAoAKACgAoAKACgAoAKACgAoAKACgA4CADgIAOAgA4CADgsACIsBEqkkYEpRGI4zwAGa0QxprQAZngA5WjAMhgAYCAhlWlEMr69GAERliAYRAY0iADTADkAFABQAUAFABQAUAFABQAUAFABwEAHAQAcBAB4EAHgQEPVYASKVOMRKRIwOtACPUMBgWiA4BEMcBGIeojAMkADoYCDWgBGr0ohldWpxAR2EAGEQAYRAY0wAUAOQAUAFABQAUAFABQAUAOiADwIAOAgIeBAB6iABAsYBUWAiXRSAEjLGACpAYAi8Qzq0byNjSCrhorJUdOHjsTQ3u5IjR0LAQVBGAdIAcqLARX4hYgITrAYEiIBpEAGEQGNgAoAcgAoAKACgAoAKAHYAOAgA8CAh4EACKIAEURiCKsACosAJlERiDPACJUETJIdSo3kGyxIsMPg7yDZNRLCngIrJbRlbAeUaYnEhVMJJpkHEEcPHZGjncx2KhwSOxHHEYiDiBEIg1BAALCAwbCIBhEAGEQGcgAoAcgAoAKACgB2AHRAB4EBDwIAEUQAIojEFVYAEVYCDIsAJVIRiCMIDQLu9ZBssSJ+EoStsuSLvCYeVtk0i0o4cRWSo7VwcdhRX1sDJWRcSI+DkkyDQFsJHZFoBUw1pJMg0Q6qWkyDIFcQEQaggABhAAbCAwbCIBhEAGGAxQA5ABQAUAFADsAHAQEPAgARRAAqiMQVRAAqrAQVVgIMixiJNMQAKEkWTQWlQlbZdFFlhqMrbLUizoC0RIscO0iSRLC3iJUR61KNMTRDelJJkGjn4aSTINEXEYWTTINFPi6NpNMqaKfErJEGQKiwAAwgAJhAYNhAYIiIBpgA2AxQA5ABQA7ADogA8QEPUQAKojEFUQAKogIMixiDosBBkWArD01gKyXSpyLLIssMNh5TI0RLShhZWXIkrhYrJUTMJhSSAOci3QN0rLjF8IejbONxcRX5ihkUuhExGDYAEggHbzjTJbk+hD/CGSsiwy4LSSTIEXF4bSTTIsz3EKUmiqRnsWssRUytqLGIA4gAFhESBMIACYQGMMQDDABQGKAHIAdgA4QEPEACKIwCqICCoICDoIxB0EBBkWMiHRYCskU1jI2TKCyDROLLjBpKZI1QZe4WjKWaYk+nhgfLT+CIkHSgUKm1r6g9RfeRfIuJWibVxDVbZze20SjRGGNR6BK7NUVVY6L8vlGo0KMFFtoWFwAJkJyaKcmSiZi+F5BqJDdKLplKyu+TN8TpWvNcHZepWZHinOXIrkzM4uWIpbK6oIxEdxAYFxESAsIDBMIADYRDGGAHIDFABQAUAHCAgiwAIsYgyiABkEZEOggIvavZ6qmEGK8JpG2Ygm63NgSOl7D3Epx54zdUa9Rop4YqTad+RZ9mezoxeDrVbsrortS6MEF7H1taQ8aTyV2NM/Z8I6be/i/P09SlprNZxbJFNYyNljgaStmzPlspK6E5mFrLpt6+UjIcWXHD2spuubMoFyD4SDe66+QGvUyiZphIu8Noi6rYk6aZhaw10lD6muEuSTXxQpAXpV6hb5TTQFV1Grkna19pbDDuV2RnqNsqolcIT8SjumZQguc6lD9DKskJQdEf6pdkcR9YL1NF7kmmTabwURTaSJmHrWItvyinhb6HLzZku4fF47MrFm2GnmbaASUNJknNbjnz18Um7M5VwVauRkQkNezW003J6CdN6PHGPxcojpvaOacknC0+6/GYnj9F6VRqdQFXU2YH+ai1jeZ0jquRnlo95URL2zuqX6ZmC3+8b4ViXLSLn4k8Fp4NqfcplpgZWbqdLFjvf1mTHOSnTdnc1Okx/06lBJNfnPmVfGuydXC4WnXrMAagUinY3UNqLm+9iNLSzx/f219TEtDJ4Xl3dO1fz/AKMy4l5jAuIhgWEBgmgMGYgOQAUBigAhAQ8QAIsYBUgIMggIMgjEEZS1kXVnIVR67yE5KMW2W6eDnkSR7RiMCtLgvcP/AO4tOkOpYsp+yqx9pjvbCz0GSCnlUX2G4sDD4SnhaNhVxStTTT5KZFnc28jYeZ8o4tQpsjqMcst4occdfI87xODajUam4syMVb1HTynQi9ytHlckXCTi+wWjSuQAd7DXQAk236eckV9WWFfh9SgQKq5Sduh8wecVroTnjcHxyjVcL4lQXCGmyXqE/Nzt5TFkxy3E8bRT1UapUU3ARWuupuFvewFrXI0Jk3Oo1RsgrdmurYqhUw2VwwqDVHU2KkbEe4HtM0ZyTE8LciRw/CV1yGtWADEEoEs+TmSSTbTW1psUE0m0QnCN9RHHU3rGlSpiwJXMxsLjTQdPW3vHknGEabv0Ftr30uncG5Icg5RY28O315+v2lUJKXKVEskpbbDUao19LfXedPT475Z5P2jn2+6iRW4Qxp5+R5S5ZIqW0yPQ5fD8XsTuE41aaHP4FHNj00Gh1/KdhbQzNmnFvr/B3dFp8sEuLXmnaMV8WK1CqaNWjUR2syVcrAmwsaZI6auLyhNHTyQlFKTRjOzvBDjKrjMUFOmahI+a4IChempvfyleabhHgu0WnWfKoydL06mw4lVHEOHFqg/qKXp4gf3aijVrcrize8xTdq0elwwq8c+w/wCJGH/F8NV6exRai+lgbHzG0k3VSKYRvHOB4urZgD9fXnNvU8604umCcRgBaIkCaAA2iGNgAoDFABCAh6wAIsYgyQAMkBB0jIstexmBOIxeb8qfL7c5j1M+x2vZmH/JntHE6C1CuZrUsMhdjyz2uT55QLe5lM5W6XY3Qe1ObXMnx8il4W4AfH4vQhVsP7qj+zpJ53PuSTHii5slqMkNNjbl3/P1M3WwP4j/AKipVCvXZ3yFCQPGwAzX1Hh6dJrlqI4pbGmef0/szVa1PLjXF/iBYjhZo6s9NrFQcjNcZwxU2Kj+6fpLcWeGW1E5mXFPG2p8NcFjgHq4xu5Yq2dQgz7KBtY8jHLbiTaRHHmnF+6PXhNRagQiwLFQx+XS/P2MjvUlZZjjI1CUKGAYd6O8fLc7XBzEWC30BA3PJhrylTrqbEm1SZEw3EaF6lVk8YN6VO9wTyzE7gbnrbneVxrful08vMuanwogMJxZlrd61mJN2vz8ienkLSWTK58ElplXId8zvmCFc2thylcI+fQlJ7MdLl+oTDNci/vJp0VZo3HgueLYenTVGptc/mH6ibdFqPe2vo/0PMe1dGpRUodULGcVZUVVbQgMB5Hb950oYk22cnJqcigoJ8eQHFY5Wwfiy9417b3GVtSLbHQfWReBSyU1wa8Gqliw3F1J/wDfl0POO0OMLsqZyy0wQp2tfl7fuZm1HL2p2l+de51tE4qO9x2t+T4r0T6del15V0IvZvi/4TEiodUYFKtv7jEEkDmQQD7W5zLOG5UdHS6jwsim/qbarhxSxiFT/QxNkqEbMCD3Tg+pAv0Yzly92VHr3JTx+LHqT8XhLYSph+aMSgtujG5HsxP1Eal7u1kEv+RSXSS/U8IxdA0a9SmepI/n82m3BK4nC1+PZksC4lxiANEME0Bg2gMZEAoAKAxCAh6wAKsYgqQAOkZE7XbQKN209ucjOVKyeKG6R638KuHJRp945VSTpcgX02F9zObuuds9EouOFRiuWaHiNTvWGHpkHM2bEMP+64Qe+p9JU32RdCPO+XRdDFduMfmxBw6H+lQNgBsXyjMT6XK/WdTTY9sb8zzftPVPNk29l+r/ANdPuSMHxDCNTprU/E03FNKblUpVEJAAJAJDC5F+e8WXSKct1mvQe3npcUcThaX0/PsN4vWolFFGqKpLasKLUmVFBCq+YnNrUfY/7y0+B47t9Tka/VrUZHk83ZFo0HUZgCB1mm4vgwclmeI1GphLiy5SCAb+E+EE+UqeOKdmmGWTiojaNFnN9STuTreZskkjZjkHfBlReZ99muGQfhX8Sqbb6Xte/L2vJot3I1qYGgtEBSamJcXAF7hua2+stpJepXubfoU9OkWaygknYbnTeQRKXTk5iWI3BAOq36eR5+sug6MGbEmVmJxJHObseecejOPm0eKbuSKbH8QIF3YhPzWttsdpOefI1yyODSYVNVEsOBYHCYp1GYXNrkMe7BHmPTbzlcI7kadTmhhkl0sqe2zUTiLUbEqtqpAsGYEgEedgLnTlIyVMnDJvW4uuxL/icHVoubvRKmn1FNr2t6MD6aTmavHT3Luel9kapuPhy6L9n0/k1vCOIrUXNVZVdVZK19Bys/obfeZ4SXc6GTHKPEVfNo8h+JXDwmIzpaxsQRsffpaW6eW2VGbXwU4qXmZQm4uOc6JwegF4hgWgMG0BjIgFABQGIQEPWMAqwEFSAg6RiGYaqDVzN8q6fQ/rKM3PCNulSXLPTewT1cTiEqFStKmMqA8hz9zufQDlMbiuEju4pScJOXHBrON8TXB06tdVAaqxFHzJvlNunhJ9oY8e+dL8Rl1OfwsNy7dF5v8AOvoeWqxJJJuSSSTuSdST53nXR5STb5ZouztWnTp1ajgFxlFO+u+YkKOpsB6TNqYPJUF3HjainJgWrgsT4DmsSQmUKfmIUctSR7TW+hnfLpGnxHaqi2DWhkAYW8Vpjiqka3ins20iro05omU44mm7PYZWYX95ydROupqpmg7QYJGQd0BcDba/vKZZMcWqZZBSb90wXEeHuLX8Bb5TvYg9P5vNWGal8JqyxcY3L7GqwXC6tan3rEAi2xNgRzHMToPCqRyseqm266BXxhRlqBlas/8AaEgDYAAmx8JvcEeXQ60SkkrOgluXPQrsRSNV2zVFLak2vzJO1hpcmZFrILsyqc0+hQ8Vw5TexHIggj7To4csMnwsxZUUOKoCqpQi+bS21wR15TQ6UbZnhv8AEW0iU1NDwr4bbWN/vzihNVcWSz4nJ1kXJM4XwNsUxOYKCQGY9TfX7czzHMgSag5ckcb52R7GuwXCKfDqlM0yXdh/VK2a6nle1z1FsuoFwbSa00M0JRr5N+f58zZHO9POMr+aXdfnyLnEYXKuITKFaooI66XB36afWee29YvqexxzU5QmnweMcbxTqGw9cEFCe7J2sfyX6Xvb1tyEtUU+UZ9RJq4y6GZw77jodPebovg4WVVITyRWCaIkCaAxhiAUAFAYoCHrGAVYCCpAQRnyqT0H/EYh3BOHvWqKqgnX+GZM00kzq6XE5SR7/wAAwQw+DAtZm8C6bs2n2sT7TLuqJ1HzNRXbl/Qo/iiQThqCqxKq7NlFzrlVRbnz+s14VsTl6HG1EXqMscfm7b7Jef59zFYnA1KJHeU6lO/y94uUkdfPlNeOe7rwzn6zSeDK4PdHz46+Tpv/AGcQy057RKokHQkgcyAGP0JH6xSTapEsTUZ3Il0uHo21RvemP/0lPhs3LPD1+3+zScJwN1szbLobWv7XiyNpIjCKcm0XPCz3Y8zv6TgazNuyUui/c7ODSf8AHb6ssvxGa+oFgTqbbTMk5cFsdPGHNGZxN6zs1wAo8IO5F+XnznX0+Pw413Mud+I/Qsl4ocLTAxD90jWtm53F9ulhN0s06pLk4mTSOLuPcHRqmomfMuQg2ytcm+oubgW2013nJzJXt7/t+UXKOyNA2qLqSngDWZlXcgGxLOd9vv76VpptbzG9VCM9tlf4qei5ChOmYhxcnyFhvroPLWOKgluT5NLt8Gc4piT3ljoU8NwCpNuZFhY+06WKFQp9/wAozSbUrXFFbVqEm5JJ85akkqRFtydtl/wXjCUUelWS6uMri2o2IIvzBsR5gS+E9vzRicJLJvjymLjHbU017vh4NIZcprNY1mHO35aV/K585VknKfVnRxyr4VXr3/0eh0MSKlHCVydKlKnmPP8AqINSeua04uRbZI9VpZb8Utvz/Poea/FTgxJLqp/xaRRnU7NOVeJjs8spEh7Hci3+83wfkcDPFrqFeTKALQJAzAYwxAKACgMUBD1jAIsBBUgI7X1AHU/p/BFN0izDHdM9U+G3AxdXI1O05Um5SPRY4rHjs9JxGHZ6tJgpKAMVHQ3Auw62/eN22qRVCcYxkrpmMwnFaVXjeJLFQcho4bvNlqKFRhflcq2nrbebscKqfn+Ix/1HiReBdItN11a53fZ19EvImdtKi0sC1PFVFatUqq1EZsxUaZiBa4XQ8uclyqV82Tbxy3SjGobWnxV+X1XH1XyPMu+tzmqzzmwkUmawaxyk2BtpfpeMSirovuFC5ERYo0azhvB3A70vdWYqFuLDmABy9fKDxspWrSlSXeiZUodJztRo8c+ej8ztabV5MfHVfsCAJNiNNL+flMeHSOE7l2NubVxnBqPFkj8GHclVygnQdJvqzAqiV7KauIYZQ9SmjJZmNqY0vcg+E+fP02lmxyapGVveupKpoHQ52UG1stN/lA00sf5eUYtOm3ufJGMLVspOIcTFIjDqSVYNUe53C+H3NyJ0YS2x2GCXs+Lnvv6epTLxvuSo1qIL3pO3gOt1tpqdTuP10zY9NxUzWvdHYhHxtRqqUjmtdgp8CgWC5jbQWHqeVhtrUKjsj1Mks63eJPiK/X0X89ik4nW8VreL837CRhjcOGXTywzVKJHxlJ6ZHehlzAML7lTsRfeWNNdSmDjJe6LieA7unTqB1Zatyq38SgbBgOfXzle620aFBqKbPSexOIOJ4QKeVmNFqlMkac86AHqA6znapPc6Xqd72ZNKKbddvz6F32hwZqYcpV+ZQM3S5Gutut5nkrRuwSW7joz597T4HuK1uh/eatNO+DDrsW2yuebTkgWiJAzAYwxAKACgMUBDljAIsBBUgIlcJod9iFHIED76yjUSqJs0cLlZ9J9lMAtPCottSR69bTJjXB0dRJqXyRpqFhpp4f3Jt+kvhS4OfO3z5nzL2hxgq4zEONnxFZhboajW+02R+FIwyve2vMg96WsALkCwsNTqTy33goxj0RPJmy5fjk383ZPocKqMAX8HXNvblZRr13tJWVqBa1GYUVoiqxpqxfKQLZjuRbb7x26oXgxUty6l1wKlexjDvRouICp3a9zbMHUm9yABrew31AhLJJKkVR0uJz3vqFbHkDxixCqWPIk6WUanf+GRcG1ZZ/UY1LYnyLC41WcLqCdrgi/of23lLiadxoMBRZxdRtvLoY01bOfm1M1KoqzGdveI1WqChS0UIHqEX3vz8gB95RqXDF8X0XmdH2bLxo73xX1+lP8AftXqZ/hmDS4JZiQdSuY23IN7/eY3q8i6JI6EpxTW1N/Xt/KXb1Nbiezi1kDq12C7GxbnmK87WAv5zoYMkZY90ufkeezzyvO4wSVdU/4PPMMi1sUtNXOUsAGYBT9mP1vJTbii74o2b3i+PPBqZooyutVbm1r67yWLKn1XJz8uDK20nwzz1aFfGOTRpu9rnwqbb7ZrWvrte8jlzwi7k6NGLHHFGmzQYnsw5o4d8XVcPUXRW3SkGsnhcBl01t5yuedqSRqx6aKi3HgbifhzXUXDoRa97WH63+0j/Uc1X6i8N2bn4NVB+Aq0zbNTxNVT5+FGv6ayORq/mjXhTUfk/wA/c2OJpKzBiAQTby25/wA5zO0rs2QlJRcTwf4tcMC1SwG97W6dJXhlUzVqVvxp+h52r3F50jgjGgSBmAxpiAUAFAYoCOiMAiwEEzWF4CL3sLS/6mn5sJh1Ls6+hifTeCULSVtLgaW87feJLbFMjlblkcQeKxZpUK1SxYhHYAD+6pIH2kYS8yMo8pLsfLavoNb6fWdM5aD4DHtQqB1ANrgqdmU6Mp6ac+RseUBo09Sv3gVqV2SpfJp4rj5qbAfnFxceYI0IMaJ2F4XRR6oWo19fEFNwOoLbE+Q08+UlBbnRm1Od4oWlbPRMZhcOhQYe9gBe/WXbajyczHmeTNabfnZA4kLnwGoCoGcoQBaxKo1yL/NewsfPXWh9TsLoUWMxxygKlI6li9iGJBFwQQSG0I1O+9pNy46GSOmayOW50y34DXw4o3bO9ZWLDNnbLcgXudAMrOPcecztSs3JruWdbtzSoVwgRkBGWq5PhGYgoddwLkX8zfaOHD5KcsZONRKDt3XVSKjC97CwNruPl9tTp9bzJroznkjt8vt+fwb/AGTgiouMui546u6X7/uU/C+G4nE3K5Kaqua7NlCgtc5r7AKL6eW8wOWCPHMn+fydmb8PniK+74+yVr7Mm8F4wTxChRR89MZqIdhYO1T5mKsp8JICgWvz8p1oR2wqq9OpwM81kyb+ten/AEYzjPDauExT0SGzo5CaG7C/gZeZuLe+kt3Jq2U8UTsFwWtj6aOtemzlmBps5zoq28RFttZbjw7vhM2XURxP3lwek9i8I+DBw7srA+OllvYA/OtiT+a5/wA05HtXA4ZEzJLIssd6+TJ/abH4Zq1FMYwUCnUqM5stlSwFz+e5KjKBfblJaafiw97quLOhpsspQ+RUP28wdanUs5QJRuAUa7FWC5UuBcnMPprzlstLFzUn6GhSdDfghiy1LFhgbNWV7/4mTUfQCSzuml6F2FNpv1PRqHiGQnbUH0It+kz4+fdNU/de5HlXxmSwGg1JEhVZDYvewI8Vp6XHnOlF2jh5FUhNGRGGAxpiAUAFAYoCOiAD1jEOqfKYAuprfh6mbE077Ajfb3mDN1Ovpj6Lpt/RFrXuLeXnaE/gE1/yFhUUZLG1strHY3HiuJL/ABMq5kfO3aPsX+Fx9OiHCYbEPajUY6JrrSZj+YbAncEHrNUMm5epVmwOD9Cv7Ydkq3Dn8QLUWP8ATqWPPZagsMrewB3HQTTspI3D8UvfZU76nhqjIKqK9yQo18WgJ1b2NoSyQj8RLFps+ZbcfMn0LWkRhnqVaYIVSRhw2pLn5S3LwjxHzAHORxaiOSTcFwu5dr/ZmTSYIePJb5dl5ef7fiJXCe2FWkQKw75epNqgHk/5vRr+ol3iN9TkwgodDU4XilPEhjRYtchypOV0NgpDDYrpe4J1J3h1NMZJlbVwzElVAJOYtpcDM1yRzvcgdT7wJCw2EKk6m6/MpUqbdR1gFlpxChh6rK2XRRpm1131Gx9+pkNr7huKPitcOAmpAYd3be+y29zb0leeDlja6GjTZvDyKSv6FY3EmqqtIXWnp3gU61Wvcu55nXQbCwlGPTQw3Jcvz8vRBm1M8irojT8H7Ks6iot8y2ZTzBWxU+1hKpZ3dIx7uStxfZ6pisWFxFR8o1qNfUAEXWncWBN9vUxy1Eo424q32N2j08tRLnp5/wAGwxXYbD4NEr4NH7ymR3hLsxek1le4vbTwtoPymc72f7Wz/wBTFTdp8VSLcmkwZoTxzW3h07fElyur79PqRuLqyPQrpe9GoA460atlcexyP/knqfaeJZNO35cnldEm5vEv8v3XP/a+pH+K/DVqYJapID0nBS5ALK9ldBf/ACt/knnfZ83HI12Zt0smp0eX4Ph34hqNLDZ3rvmFUMAEU5vCwYa5cupJ9p2HLby+h0oQlOW2KPoPsJwBMBhRRpnMxOeo+2epYeLyWwAA6fWZHJylZrnj8NJFy39qelrjyNtf56yuP9xli/tnk/xgF1U25/y/SRfxmt8Y6PFnPjM3Y+hyM3xDWkyoaYDGxAKACgMUBHRABwjAdU+WAkbP4dqBWQna/wDxMGbqdbA66H0bwgB6JG1x0lkYqUaKtS3DImdxFey6+YlW7gIY7kZ3iWApYtGpV1Dq3IjS42I5w3J9OpvaqPKteRAwfC0oUXoMpq0nUoBUOcjQgC5HiFuv9xRew0lHNL/IpyaKE1F4uGvtX18vIpuJdnKPdsAgUKLqRodOQPX2PpKoPbbkrOjNOSSxz2fJL7/+NFLgeCpUpkKc4bUh/mU9Qb2B5XB+k7OCMZQ91UvKjxvtGc8efblnufnd39+fozJ8TwIpuQpPkG0Psdj/ADeRlCnwQXKtG37JcM/D4XOw8dbxHqF/IP3944pLqSqS5X4g2CruuIXuRdy6BB1bOLX8oNE9xYdoeNriWB7tVdMyMym+f8pOnLeOMCjJnSKRq5Qq1gcpBsdjY3sZNwKY6lMpO1PGe+rd4qCnZQLaNci+p0Fzr05CVpOJpTWRUyhwGKyuCZRkVov6nq3ZrtklGlY22mBRlCTaKlaZX/8Aj1Jy7tURLEk3YD9YeHLyPUezdXD+nrJJLbxz5dv+jQdmu1a4nBHvELnPUpXAypVQaBxfUAg2ItuDytMWT2TOWbfGSS6+qf56nMnqEsm6PZ8P9nyR8I9x3eYF1C3va5FhcnffWdjNqsqh4V9vuW6X2dpMmWWr2vmTaV8R7qqr9SXxPh34pBTqjNTXkdhpt5H/AHnPjGSapm5YNPFu0m32YbhnBcPhFHcoFLAZjuSANBmNza0t3d5ckYRq1FJK+38mh4bX2+pjjPkzaiBOVBkZjz29h/reWQiqbZmbe5RR418VXDAW8/8AmU/5G/I6jTPGvzGdCPQ4+X4hGSKxpgM5EAoAKAxQEKAD1jAVU7DziY49Td9h9GU+en+8wZDq6fqe9dlq3hsen1k8L4DWxVWjuNX+ow87+0okveaJ4X7iZylhMut78tf1ElGNBLNu4Mv2t7U0OHXz+J28SUwbs19L9FXQ6npHGEpyqJOWaMIKU38kup5RxLtjiMU9mOSnf5F6ebc/tNmLTxjy+Tm6nXZckWoe6vTr9/8Aw9F4d2hwv4AUwo7wDfznQUubvg8zPDarbzfUosXwxcVlJBZrgC3Qk7+5J63O8jW90bZZP6fHbLbGVjQUUal1dVAF+YAtf18pGUdvBLT6jxldUVfDOLClWL2YsFPdlTqh5t9CfrElY8s1BEzgWCNc36mwA5noPTTX/WaYpJWcPPklKW2JZ8Z4E1EeIS2O2S4MeR5cMqmY2nhKDV7YpmVP8PM9GPIeky5VR2dLlcl1LbtF2SwYRKmDqGk4F9SalJsu2fMSVY+Xuusx72nydhQ3RoxDYasj5X0G5YG62vyI5+UPdfKGo9vImvje6Q3tk5qVVrm2nzA6nrDaS6FhS7YpSwaU8Ond1g7F9Aadib2VeXtaRUJb7shTsuH4Uz4VuJDEBK5t4UNvlAUAKSdLDY3lU3udNcEoZZwdxdE3sf27Wvkw+KIWozBFNjlfpc8mJNrf8SnJglDlcr9jr4NXHK7lxLt6/Ly+R6U2HzbaADl+3oJFxsaybepHFPLoOelzzlbVdC7du5ZacUrZKIA6C4/Wam9sKMOnjuyNs8V7fVc179P4Znh1s26g8mqfOZ0IdDj5eo0yZUcMQzkAFABQGKACEBBFjA5bM3pIydFmONs2vZd7EDbpMMzp4OD3nsq3gX/t1ksY9WvdJnETlfN7H0Ivf7bSvJxKyOD3o7TK9q+2tLBqTfMQLKoOrPYiw8hzPnK4OeSW2H3L5Y4YMe/L9F3Z4PxXiNTFVnrVjd3Nz0AGgUDkALCdWEFCO1HFyZHkk5Mj0zJFZdcMrWIkrFtRsuE8QKWINiNpKLoqyY1NUwPGccatcVKrFgSO8H5gBzQ9bcj9RFLkMeNQspaFUVKx3CqHqEDxNkTxFUH5mt/qbAEhp0V5YblRoOy/abJUD2AA0RQdFXkAefrzJJ5zVFqSpnBzRljnuiajjHaYYgXPyrbN532UeZt+/KWQUYLgyajJk1M05GEXHYcVycUrtTKsLITe5ta9iCRa4+kzZZPsdfR4aSszWG4zUoMRSYmmSfA/iGW+gI2/a8zSimduDpEvFcYp1UUgd26kkjVgwO6jp135DaVqFPgm3fUpq9cubn2HSWJCGCMRIGLfLlzHL0vpFtXUKAhiDcEgg3BG4I2I84w+R7J2F7eCuipXa1RLCpyzi4s4/QjqZyc0JYZf/P5wdzA46mDr4/L+V+cG9w796wtsCLedzy+kF7zIzXhx57huOv4PYzRPoU6Ve8zw7thXuWueZlMS/M+DzTE6OfWbsfQ5WVcnDLCoaYgFABQGKACgB0QEEGgjAsOC0AxIPMaTNkZsxxo0vBaBRwRrrp6SiTNuCNs9p7Kucq9LbfzeGNl2qilEynxL7YHDsaaE53F1G2VQbKxPmQduhkYYnmk32K3nhpYJVcjx/F4lqrFnNyf5pOjCEYKonIzZp5ZbpvkAZIqEpgBPwdS0YF5h8ZYRiAY3GXgBUNiSGBBIIIIINiCDcEEbEdYrIuNlnQxCViGLpQqb1SQRTdedRQo8NT/ANG5WOhmpNdDNkwRl1JzccQDw3slxSQ7k6f1Kp2JJ1IHQLoBeSc2Z1pEnZn8TiSx1Mg2bMePaRGMiXo4IDHCAHYAK8AOEwA7TqlWDKbEbGRlFSVMnCcoSUoumj1T4a9sWqOKNQ+NfGL38SiwNj1AI08jOblwvC1JdDtYtTDVRcJqpUei9oqxynpb+Wk5y4FpYL6niHaW7uSBzsfPzkYhqI0zKcWweVQeZM0Y5cmDJG0Vd9JoMZyACgAoDOQA7ABywEEI0+kH0JQ+JE7h1TxjpM00bEemcA4eCoOh2vflMWSdOjsaXHGrZuuDU3ReQG2mpttYaC0gp0T1LjJo8h+JtTNxF+gp01X0tf9SZ0dHXhfVnC19rNz5Iys1GI4YAcgAWk9oAS0xEYA6ta8AIrNEAlMYqH5oWFHCYDo5EB0RgdgArwA5eAHCYANJiA0Pw6cjieHt1qZvTun/e0z6uvCd+n7mvRJvMq9f2Pa+Ls7JYC4GgI3t0M5viWjvadQUnZgOOcOsCbWtJwnfBHVYl8SPOuLVLvbkJrgjjsqGFiZpjyjJNVIbGQFAYoAcgB0QAesBBW2MfYF1DcN3HrM+Q1w6HrfZA+Een+k5mb4ju6f8Atm8w/wAhlPYhP40eL/E7/wBQb/46f/2nW0P9r6s5HtH+8vkv5MpNhgOGADYAOEAHiAHGgA2AHRADsYHIgOwAUYHYAciAUAOGADTADT/DIf8AmKf9j/tMeu/tfVG/2d/e+jPbcX/ZTldjr4/7hiu1B8P1luL4i3P8B5DxPc+v7zpYzhSIE0LoZJ/ENMCIoDFAD//Z"/>
-          <p:cNvSpPr>
-            <a:spLocks noChangeAspect="1" noChangeArrowheads="1"/>
-          </p:cNvSpPr>
+          <a:ln w="57150">
+            <a:tailEnd type="triangle"/>
+          </a:ln>
+        </p:spPr>
+        <p:style>
+          <a:lnRef idx="1">
+            <a:schemeClr val="accent1"/>
+          </a:lnRef>
+          <a:fillRef idx="0">
+            <a:schemeClr val="accent1"/>
+          </a:fillRef>
+          <a:effectRef idx="0">
+            <a:schemeClr val="accent1"/>
+          </a:effectRef>
+          <a:fontRef idx="minor">
+            <a:schemeClr val="tx1"/>
+          </a:fontRef>
+        </p:style>
+      </p:cxnSp>
+      <p:cxnSp>
+        <p:nvCxnSpPr>
+          <p:cNvPr id="15" name="Straight Arrow Connector 14"/>
+          <p:cNvCxnSpPr/>
           <p:nvPr/>
-        </p:nvSpPr>
-        <p:spPr bwMode="auto">
-          <a:xfrm>
-            <a:off x="155575" y="-144463"/>
-            <a:ext cx="304800" cy="304801"/>
-          </a:xfrm>
-          <a:prstGeom prst="rect">
+        </p:nvCxnSpPr>
+        <p:spPr>
+          <a:xfrm flipH="1">
+            <a:off x="6512768" y="2708920"/>
+            <a:ext cx="507504" cy="1294755"/>
+          </a:xfrm>
+          <a:prstGeom prst="straightConnector1">
             <a:avLst/>
           </a:prstGeom>
-          <a:noFill/>
-        </p:spPr>
-        <p:txBody>
-          <a:bodyPr vert="horz" wrap="square" lIns="91440" tIns="45720" rIns="91440" bIns="45720" numCol="1" anchor="t" anchorCtr="0" compatLnSpc="1">
-            <a:prstTxWarp prst="textNoShape">
-              <a:avLst/>
-            </a:prstTxWarp>
-          </a:bodyPr>
-          <a:lstStyle/>
-          <a:p>
-            <a:endParaRPr lang="en-US"/>
-          </a:p>
-        </p:txBody>
-      </p:sp>
+          <a:ln w="57150">
+            <a:tailEnd type="triangle"/>
+          </a:ln>
+        </p:spPr>
+        <p:style>
+          <a:lnRef idx="1">
+            <a:schemeClr val="accent1"/>
+          </a:lnRef>
+          <a:fillRef idx="0">
+            <a:schemeClr val="accent1"/>
+          </a:fillRef>
+          <a:effectRef idx="0">
+            <a:schemeClr val="accent1"/>
+          </a:effectRef>
+          <a:fontRef idx="minor">
+            <a:schemeClr val="tx1"/>
+          </a:fontRef>
+        </p:style>
+      </p:cxnSp>
       <p:pic>
         <p:nvPicPr>
-          <p:cNvPr id="71682" name="Picture 2"/>
+          <p:cNvPr id="18" name="Picture 17"/>
           <p:cNvPicPr>
-            <a:picLocks noChangeAspect="1" noChangeArrowheads="1"/>
+            <a:picLocks noChangeAspect="1"/>
           </p:cNvPicPr>
           <p:nvPr/>
         </p:nvPicPr>
         <p:blipFill>
           <a:blip r:embed="rId4"/>
-          <a:srcRect/>
           <a:stretch>
             <a:fillRect/>
           </a:stretch>
         </p:blipFill>
-        <p:spPr bwMode="auto">
-          <a:xfrm>
-            <a:off x="1428728" y="1571612"/>
-            <a:ext cx="7500957" cy="2747976"/>
+        <p:spPr>
+          <a:xfrm>
+            <a:off x="4832276" y="4159372"/>
+            <a:ext cx="4352925" cy="2609850"/>
+          </a:xfrm>
+          <a:prstGeom prst="rect">
+            <a:avLst/>
+          </a:prstGeom>
+        </p:spPr>
+      </p:pic>
+      <p:cxnSp>
+        <p:nvCxnSpPr>
+          <p:cNvPr id="20" name="Straight Arrow Connector 19"/>
+          <p:cNvCxnSpPr>
+            <a:stCxn id="18" idx="1"/>
+          </p:cNvCxnSpPr>
+          <p:nvPr/>
+        </p:nvCxnSpPr>
+        <p:spPr>
+          <a:xfrm flipH="1">
+            <a:off x="2915816" y="5464297"/>
+            <a:ext cx="1916460" cy="0"/>
+          </a:xfrm>
+          <a:prstGeom prst="straightConnector1">
+            <a:avLst/>
+          </a:prstGeom>
+          <a:ln w="57150">
+            <a:tailEnd type="triangle"/>
+          </a:ln>
+        </p:spPr>
+        <p:style>
+          <a:lnRef idx="1">
+            <a:schemeClr val="accent1"/>
+          </a:lnRef>
+          <a:fillRef idx="0">
+            <a:schemeClr val="accent1"/>
+          </a:fillRef>
+          <a:effectRef idx="0">
+            <a:schemeClr val="accent1"/>
+          </a:effectRef>
+          <a:fontRef idx="minor">
+            <a:schemeClr val="tx1"/>
+          </a:fontRef>
+        </p:style>
+      </p:cxnSp>
+      <p:sp>
+        <p:nvSpPr>
+          <p:cNvPr id="23" name="TextBox 22"/>
+          <p:cNvSpPr txBox="1"/>
+          <p:nvPr/>
+        </p:nvSpPr>
+        <p:spPr>
+          <a:xfrm>
+            <a:off x="0" y="5085184"/>
+            <a:ext cx="2681381" cy="646331"/>
           </a:xfrm>
           <a:prstGeom prst="rect">
             <a:avLst/>
           </a:prstGeom>
           <a:noFill/>
-          <a:ln w="9525">
-            <a:noFill/>
-            <a:miter lim="800000"/>
-            <a:headEnd/>
-            <a:tailEnd/>
-          </a:ln>
-          <a:effectLst/>
-        </p:spPr>
-      </p:pic>
+        </p:spPr>
+        <p:txBody>
+          <a:bodyPr wrap="square" rtlCol="0">
+            <a:spAutoFit/>
+          </a:bodyPr>
+          <a:lstStyle/>
+          <a:p>
+            <a:pPr algn="ctr"/>
+            <a:r>
+              <a:rPr lang="fr-FR" u="sng" dirty="0" smtClean="0"/>
+              <a:t>Compile</a:t>
+            </a:r>
+            <a:r>
+              <a:rPr lang="fr-FR" dirty="0" smtClean="0"/>
+              <a:t>/</a:t>
+            </a:r>
+            <a:r>
+              <a:rPr lang="fr-FR" u="sng" dirty="0" err="1" smtClean="0"/>
+              <a:t>Upload</a:t>
+            </a:r>
+            <a:r>
+              <a:rPr lang="fr-FR" dirty="0" smtClean="0"/>
+              <a:t>/</a:t>
+            </a:r>
+            <a:r>
+              <a:rPr lang="fr-FR" u="sng" dirty="0" err="1" smtClean="0"/>
+              <a:t>run</a:t>
+            </a:r>
+            <a:r>
+              <a:rPr lang="fr-FR" dirty="0" smtClean="0"/>
+              <a:t>. </a:t>
+            </a:r>
+            <a:r>
+              <a:rPr lang="fr-FR" dirty="0" err="1" smtClean="0"/>
+              <a:t>Only</a:t>
+            </a:r>
+            <a:r>
+              <a:rPr lang="fr-FR" dirty="0" smtClean="0"/>
+              <a:t> one click</a:t>
+            </a:r>
+            <a:endParaRPr lang="en-US" dirty="0"/>
+          </a:p>
+        </p:txBody>
+      </p:sp>
+      <p:sp>
+        <p:nvSpPr>
+          <p:cNvPr id="24" name="TextBox 23"/>
+          <p:cNvSpPr txBox="1"/>
+          <p:nvPr/>
+        </p:nvSpPr>
+        <p:spPr>
+          <a:xfrm>
+            <a:off x="2411759" y="2564904"/>
+            <a:ext cx="319235" cy="369332"/>
+          </a:xfrm>
+          <a:prstGeom prst="rect">
+            <a:avLst/>
+          </a:prstGeom>
+          <a:noFill/>
+        </p:spPr>
+        <p:txBody>
+          <a:bodyPr wrap="square" rtlCol="0">
+            <a:spAutoFit/>
+          </a:bodyPr>
+          <a:lstStyle/>
+          <a:p>
+            <a:r>
+              <a:rPr lang="fr-FR" dirty="0" smtClean="0"/>
+              <a:t>2</a:t>
+            </a:r>
+            <a:endParaRPr lang="en-US" dirty="0"/>
+          </a:p>
+        </p:txBody>
+      </p:sp>
+      <p:sp>
+        <p:nvSpPr>
+          <p:cNvPr id="25" name="TextBox 24"/>
+          <p:cNvSpPr txBox="1"/>
+          <p:nvPr/>
+        </p:nvSpPr>
+        <p:spPr>
+          <a:xfrm>
+            <a:off x="6243785" y="2509684"/>
+            <a:ext cx="319235" cy="369332"/>
+          </a:xfrm>
+          <a:prstGeom prst="rect">
+            <a:avLst/>
+          </a:prstGeom>
+          <a:noFill/>
+        </p:spPr>
+        <p:txBody>
+          <a:bodyPr wrap="square" rtlCol="0">
+            <a:spAutoFit/>
+          </a:bodyPr>
+          <a:lstStyle/>
+          <a:p>
+            <a:r>
+              <a:rPr lang="fr-FR" dirty="0"/>
+              <a:t>3</a:t>
+            </a:r>
+            <a:endParaRPr lang="en-US" dirty="0"/>
+          </a:p>
+        </p:txBody>
+      </p:sp>
+      <p:sp>
+        <p:nvSpPr>
+          <p:cNvPr id="27" name="TextBox 26"/>
+          <p:cNvSpPr txBox="1"/>
+          <p:nvPr/>
+        </p:nvSpPr>
+        <p:spPr>
+          <a:xfrm>
+            <a:off x="3714428" y="5157192"/>
+            <a:ext cx="319235" cy="369332"/>
+          </a:xfrm>
+          <a:prstGeom prst="rect">
+            <a:avLst/>
+          </a:prstGeom>
+          <a:noFill/>
+        </p:spPr>
+        <p:txBody>
+          <a:bodyPr wrap="square" rtlCol="0">
+            <a:spAutoFit/>
+          </a:bodyPr>
+          <a:lstStyle/>
+          <a:p>
+            <a:r>
+              <a:rPr lang="fr-FR" dirty="0" smtClean="0"/>
+              <a:t>4</a:t>
+            </a:r>
+            <a:endParaRPr lang="en-US" dirty="0"/>
+          </a:p>
+        </p:txBody>
+      </p:sp>
     </p:spTree>
+    <p:extLst>
+      <p:ext uri="{BB962C8B-B14F-4D97-AF65-F5344CB8AC3E}">
+        <p14:creationId xmlns:p14="http://schemas.microsoft.com/office/powerpoint/2010/main" val="1184864945"/>
+      </p:ext>
+    </p:extLst>
   </p:cSld>
   <p:clrMapOvr>
     <a:masterClrMapping/>
   </p:clrMapOvr>
-  <p:transition/>
+  <p:timing>
+    <p:tnLst>
+      <p:par>
+        <p:cTn id="1" dur="indefinite" restart="never" nodeType="tmRoot"/>
+      </p:par>
+    </p:tnLst>
+  </p:timing>
+</p:sld>
+</file>
+
+<file path=ppt/slides/slide21.xml><?xml version="1.0" encoding="utf-8"?>
+<p:sld xmlns:a="http://schemas.openxmlformats.org/drawingml/2006/main" xmlns:r="http://schemas.openxmlformats.org/officeDocument/2006/relationships" xmlns:p="http://schemas.openxmlformats.org/presentationml/2006/main">
+  <p:cSld>
+    <p:spTree>
+      <p:nvGrpSpPr>
+        <p:cNvPr id="1" name=""/>
+        <p:cNvGrpSpPr/>
+        <p:nvPr/>
+      </p:nvGrpSpPr>
+      <p:grpSpPr>
+        <a:xfrm>
+          <a:off x="0" y="0"/>
+          <a:ext cx="0" cy="0"/>
+          <a:chOff x="0" y="0"/>
+          <a:chExt cx="0" cy="0"/>
+        </a:xfrm>
+      </p:grpSpPr>
+      <p:sp>
+        <p:nvSpPr>
+          <p:cNvPr id="4" name="Date Placeholder 3"/>
+          <p:cNvSpPr>
+            <a:spLocks noGrp="1"/>
+          </p:cNvSpPr>
+          <p:nvPr>
+            <p:ph type="dt" sz="half" idx="10"/>
+          </p:nvPr>
+        </p:nvSpPr>
+        <p:spPr/>
+        <p:txBody>
+          <a:bodyPr/>
+          <a:lstStyle/>
+          <a:p>
+            <a:pPr>
+              <a:defRPr/>
+            </a:pPr>
+            <a:fld id="{65ACCEE1-83F7-4A1F-9F42-0F6BBACAD815}" type="datetime1">
+              <a:rPr lang="fr-FR" smtClean="0"/>
+              <a:pPr>
+                <a:defRPr/>
+              </a:pPr>
+              <a:t>17/11/2014</a:t>
+            </a:fld>
+            <a:endParaRPr lang="fr-BE"/>
+          </a:p>
+        </p:txBody>
+      </p:sp>
+      <p:sp>
+        <p:nvSpPr>
+          <p:cNvPr id="5" name="Slide Number Placeholder 4"/>
+          <p:cNvSpPr>
+            <a:spLocks noGrp="1"/>
+          </p:cNvSpPr>
+          <p:nvPr>
+            <p:ph type="sldNum" sz="quarter" idx="12"/>
+          </p:nvPr>
+        </p:nvSpPr>
+        <p:spPr/>
+        <p:txBody>
+          <a:bodyPr>
+            <a:normAutofit fontScale="85000" lnSpcReduction="20000"/>
+          </a:bodyPr>
+          <a:lstStyle/>
+          <a:p>
+            <a:pPr>
+              <a:defRPr/>
+            </a:pPr>
+            <a:fld id="{7DB234AD-1E11-4B53-B6E5-88515ECC9B9D}" type="slidenum">
+              <a:rPr lang="fr-BE" smtClean="0"/>
+              <a:pPr>
+                <a:defRPr/>
+              </a:pPr>
+              <a:t>21</a:t>
+            </a:fld>
+            <a:endParaRPr lang="fr-BE"/>
+          </a:p>
+        </p:txBody>
+      </p:sp>
+      <p:sp>
+        <p:nvSpPr>
+          <p:cNvPr id="6" name="TextBox 5"/>
+          <p:cNvSpPr txBox="1"/>
+          <p:nvPr/>
+        </p:nvSpPr>
+        <p:spPr>
+          <a:xfrm>
+            <a:off x="827584" y="1484784"/>
+            <a:ext cx="7272808" cy="369332"/>
+          </a:xfrm>
+          <a:prstGeom prst="rect">
+            <a:avLst/>
+          </a:prstGeom>
+          <a:noFill/>
+        </p:spPr>
+        <p:txBody>
+          <a:bodyPr wrap="square" rtlCol="0">
+            <a:spAutoFit/>
+          </a:bodyPr>
+          <a:lstStyle/>
+          <a:p>
+            <a:r>
+              <a:rPr lang="fr-FR" dirty="0" smtClean="0"/>
+              <a:t>Le Circuit et l’</a:t>
+            </a:r>
+            <a:r>
+              <a:rPr lang="fr-FR" dirty="0" err="1"/>
+              <a:t>A</a:t>
+            </a:r>
+            <a:r>
+              <a:rPr lang="fr-FR" dirty="0" err="1" smtClean="0"/>
+              <a:t>rduino</a:t>
+            </a:r>
+            <a:r>
+              <a:rPr lang="fr-FR" dirty="0" smtClean="0"/>
+              <a:t> code workflow : Cas Objet Connecté</a:t>
+            </a:r>
+            <a:endParaRPr lang="en-US" dirty="0"/>
+          </a:p>
+        </p:txBody>
+      </p:sp>
+      <p:sp>
+        <p:nvSpPr>
+          <p:cNvPr id="7" name="Title 1"/>
+          <p:cNvSpPr>
+            <a:spLocks noGrp="1"/>
+          </p:cNvSpPr>
+          <p:nvPr>
+            <p:ph type="title"/>
+          </p:nvPr>
+        </p:nvSpPr>
+        <p:spPr>
+          <a:xfrm>
+            <a:off x="755576" y="525463"/>
+            <a:ext cx="8153400" cy="990600"/>
+          </a:xfrm>
+        </p:spPr>
+        <p:txBody>
+          <a:bodyPr/>
+          <a:lstStyle/>
+          <a:p>
+            <a:r>
+              <a:rPr lang="fr-FR" dirty="0"/>
+              <a:t>Comment ?</a:t>
+            </a:r>
+            <a:r>
+              <a:rPr lang="en-US" dirty="0"/>
+              <a:t/>
+            </a:r>
+            <a:br>
+              <a:rPr lang="en-US" dirty="0"/>
+            </a:br>
+            <a:endParaRPr lang="en-US" dirty="0"/>
+          </a:p>
+        </p:txBody>
+      </p:sp>
+      <p:pic>
+        <p:nvPicPr>
+          <p:cNvPr id="9" name="Picture 8"/>
+          <p:cNvPicPr>
+            <a:picLocks noChangeAspect="1"/>
+          </p:cNvPicPr>
+          <p:nvPr/>
+        </p:nvPicPr>
+        <p:blipFill>
+          <a:blip r:embed="rId2"/>
+          <a:stretch>
+            <a:fillRect/>
+          </a:stretch>
+        </p:blipFill>
+        <p:spPr>
+          <a:xfrm>
+            <a:off x="266700" y="2249159"/>
+            <a:ext cx="1775419" cy="1172121"/>
+          </a:xfrm>
+          <a:prstGeom prst="rect">
+            <a:avLst/>
+          </a:prstGeom>
+        </p:spPr>
+      </p:pic>
+      <p:cxnSp>
+        <p:nvCxnSpPr>
+          <p:cNvPr id="11" name="Straight Arrow Connector 10"/>
+          <p:cNvCxnSpPr>
+            <a:stCxn id="9" idx="3"/>
+          </p:cNvCxnSpPr>
+          <p:nvPr/>
+        </p:nvCxnSpPr>
+        <p:spPr>
+          <a:xfrm flipV="1">
+            <a:off x="2042119" y="2835219"/>
+            <a:ext cx="1233737" cy="1"/>
+          </a:xfrm>
+          <a:prstGeom prst="straightConnector1">
+            <a:avLst/>
+          </a:prstGeom>
+          <a:ln w="57150">
+            <a:tailEnd type="triangle"/>
+          </a:ln>
+        </p:spPr>
+        <p:style>
+          <a:lnRef idx="1">
+            <a:schemeClr val="accent1"/>
+          </a:lnRef>
+          <a:fillRef idx="0">
+            <a:schemeClr val="accent1"/>
+          </a:fillRef>
+          <a:effectRef idx="0">
+            <a:schemeClr val="accent1"/>
+          </a:effectRef>
+          <a:fontRef idx="minor">
+            <a:schemeClr val="tx1"/>
+          </a:fontRef>
+        </p:style>
+      </p:cxnSp>
+      <p:pic>
+        <p:nvPicPr>
+          <p:cNvPr id="12" name="Picture 11"/>
+          <p:cNvPicPr>
+            <a:picLocks noChangeAspect="1"/>
+          </p:cNvPicPr>
+          <p:nvPr/>
+        </p:nvPicPr>
+        <p:blipFill>
+          <a:blip r:embed="rId3"/>
+          <a:stretch>
+            <a:fillRect/>
+          </a:stretch>
+        </p:blipFill>
+        <p:spPr>
+          <a:xfrm>
+            <a:off x="3347864" y="1844824"/>
+            <a:ext cx="2476028" cy="2314548"/>
+          </a:xfrm>
+          <a:prstGeom prst="rect">
+            <a:avLst/>
+          </a:prstGeom>
+        </p:spPr>
+      </p:pic>
+      <p:cxnSp>
+        <p:nvCxnSpPr>
+          <p:cNvPr id="14" name="Straight Arrow Connector 13"/>
+          <p:cNvCxnSpPr/>
+          <p:nvPr/>
+        </p:nvCxnSpPr>
+        <p:spPr>
+          <a:xfrm flipV="1">
+            <a:off x="5895900" y="2807628"/>
+            <a:ext cx="1233737" cy="1"/>
+          </a:xfrm>
+          <a:prstGeom prst="straightConnector1">
+            <a:avLst/>
+          </a:prstGeom>
+          <a:ln w="57150">
+            <a:tailEnd type="triangle"/>
+          </a:ln>
+        </p:spPr>
+        <p:style>
+          <a:lnRef idx="1">
+            <a:schemeClr val="accent1"/>
+          </a:lnRef>
+          <a:fillRef idx="0">
+            <a:schemeClr val="accent1"/>
+          </a:fillRef>
+          <a:effectRef idx="0">
+            <a:schemeClr val="accent1"/>
+          </a:effectRef>
+          <a:fontRef idx="minor">
+            <a:schemeClr val="tx1"/>
+          </a:fontRef>
+        </p:style>
+      </p:cxnSp>
+      <p:cxnSp>
+        <p:nvCxnSpPr>
+          <p:cNvPr id="15" name="Straight Arrow Connector 14"/>
+          <p:cNvCxnSpPr/>
+          <p:nvPr/>
+        </p:nvCxnSpPr>
+        <p:spPr>
+          <a:xfrm flipH="1">
+            <a:off x="6512768" y="2708920"/>
+            <a:ext cx="507504" cy="1294755"/>
+          </a:xfrm>
+          <a:prstGeom prst="straightConnector1">
+            <a:avLst/>
+          </a:prstGeom>
+          <a:ln w="57150">
+            <a:tailEnd type="triangle"/>
+          </a:ln>
+        </p:spPr>
+        <p:style>
+          <a:lnRef idx="1">
+            <a:schemeClr val="accent1"/>
+          </a:lnRef>
+          <a:fillRef idx="0">
+            <a:schemeClr val="accent1"/>
+          </a:fillRef>
+          <a:effectRef idx="0">
+            <a:schemeClr val="accent1"/>
+          </a:effectRef>
+          <a:fontRef idx="minor">
+            <a:schemeClr val="tx1"/>
+          </a:fontRef>
+        </p:style>
+      </p:cxnSp>
+      <p:cxnSp>
+        <p:nvCxnSpPr>
+          <p:cNvPr id="20" name="Straight Arrow Connector 19"/>
+          <p:cNvCxnSpPr/>
+          <p:nvPr/>
+        </p:nvCxnSpPr>
+        <p:spPr>
+          <a:xfrm flipH="1">
+            <a:off x="2915816" y="5464297"/>
+            <a:ext cx="1916460" cy="0"/>
+          </a:xfrm>
+          <a:prstGeom prst="straightConnector1">
+            <a:avLst/>
+          </a:prstGeom>
+          <a:ln w="57150">
+            <a:tailEnd type="triangle"/>
+          </a:ln>
+        </p:spPr>
+        <p:style>
+          <a:lnRef idx="1">
+            <a:schemeClr val="accent1"/>
+          </a:lnRef>
+          <a:fillRef idx="0">
+            <a:schemeClr val="accent1"/>
+          </a:fillRef>
+          <a:effectRef idx="0">
+            <a:schemeClr val="accent1"/>
+          </a:effectRef>
+          <a:fontRef idx="minor">
+            <a:schemeClr val="tx1"/>
+          </a:fontRef>
+        </p:style>
+      </p:cxnSp>
+      <p:sp>
+        <p:nvSpPr>
+          <p:cNvPr id="23" name="TextBox 22"/>
+          <p:cNvSpPr txBox="1"/>
+          <p:nvPr/>
+        </p:nvSpPr>
+        <p:spPr>
+          <a:xfrm>
+            <a:off x="0" y="5085184"/>
+            <a:ext cx="2681381" cy="646331"/>
+          </a:xfrm>
+          <a:prstGeom prst="rect">
+            <a:avLst/>
+          </a:prstGeom>
+          <a:noFill/>
+        </p:spPr>
+        <p:txBody>
+          <a:bodyPr wrap="square" rtlCol="0">
+            <a:spAutoFit/>
+          </a:bodyPr>
+          <a:lstStyle/>
+          <a:p>
+            <a:pPr algn="ctr"/>
+            <a:r>
+              <a:rPr lang="fr-FR" u="sng" dirty="0" smtClean="0"/>
+              <a:t>Compile</a:t>
+            </a:r>
+            <a:r>
+              <a:rPr lang="fr-FR" dirty="0" smtClean="0"/>
+              <a:t>/</a:t>
+            </a:r>
+            <a:r>
+              <a:rPr lang="fr-FR" u="sng" dirty="0" err="1" smtClean="0"/>
+              <a:t>Upload</a:t>
+            </a:r>
+            <a:r>
+              <a:rPr lang="fr-FR" dirty="0" smtClean="0"/>
+              <a:t>/</a:t>
+            </a:r>
+            <a:r>
+              <a:rPr lang="fr-FR" u="sng" dirty="0" err="1" smtClean="0"/>
+              <a:t>run</a:t>
+            </a:r>
+            <a:r>
+              <a:rPr lang="fr-FR" dirty="0" smtClean="0"/>
+              <a:t>. </a:t>
+            </a:r>
+            <a:r>
+              <a:rPr lang="fr-FR" dirty="0" err="1" smtClean="0"/>
+              <a:t>Only</a:t>
+            </a:r>
+            <a:r>
+              <a:rPr lang="fr-FR" dirty="0" smtClean="0"/>
+              <a:t> one click</a:t>
+            </a:r>
+            <a:endParaRPr lang="en-US" dirty="0"/>
+          </a:p>
+        </p:txBody>
+      </p:sp>
+      <p:pic>
+        <p:nvPicPr>
+          <p:cNvPr id="2" name="Picture 1"/>
+          <p:cNvPicPr>
+            <a:picLocks noChangeAspect="1"/>
+          </p:cNvPicPr>
+          <p:nvPr/>
+        </p:nvPicPr>
+        <p:blipFill>
+          <a:blip r:embed="rId4"/>
+          <a:stretch>
+            <a:fillRect/>
+          </a:stretch>
+        </p:blipFill>
+        <p:spPr>
+          <a:xfrm>
+            <a:off x="5071565" y="4122394"/>
+            <a:ext cx="4036939" cy="2676258"/>
+          </a:xfrm>
+          <a:prstGeom prst="rect">
+            <a:avLst/>
+          </a:prstGeom>
+        </p:spPr>
+      </p:pic>
+      <p:pic>
+        <p:nvPicPr>
+          <p:cNvPr id="16" name="Picture 15"/>
+          <p:cNvPicPr>
+            <a:picLocks noChangeAspect="1"/>
+          </p:cNvPicPr>
+          <p:nvPr/>
+        </p:nvPicPr>
+        <p:blipFill>
+          <a:blip r:embed="rId5"/>
+          <a:stretch>
+            <a:fillRect/>
+          </a:stretch>
+        </p:blipFill>
+        <p:spPr>
+          <a:xfrm>
+            <a:off x="7090034" y="2508019"/>
+            <a:ext cx="1661507" cy="401802"/>
+          </a:xfrm>
+          <a:prstGeom prst="rect">
+            <a:avLst/>
+          </a:prstGeom>
+        </p:spPr>
+      </p:pic>
+      <p:pic>
+        <p:nvPicPr>
+          <p:cNvPr id="3" name="Picture 2"/>
+          <p:cNvPicPr>
+            <a:picLocks noChangeAspect="1"/>
+          </p:cNvPicPr>
+          <p:nvPr/>
+        </p:nvPicPr>
+        <p:blipFill>
+          <a:blip r:embed="rId6"/>
+          <a:stretch>
+            <a:fillRect/>
+          </a:stretch>
+        </p:blipFill>
+        <p:spPr>
+          <a:xfrm>
+            <a:off x="6588224" y="2924944"/>
+            <a:ext cx="2619375" cy="476250"/>
+          </a:xfrm>
+          <a:prstGeom prst="rect">
+            <a:avLst/>
+          </a:prstGeom>
+        </p:spPr>
+      </p:pic>
+      <p:sp>
+        <p:nvSpPr>
+          <p:cNvPr id="19" name="TextBox 18"/>
+          <p:cNvSpPr txBox="1"/>
+          <p:nvPr/>
+        </p:nvSpPr>
+        <p:spPr>
+          <a:xfrm>
+            <a:off x="2411759" y="2564904"/>
+            <a:ext cx="319235" cy="369332"/>
+          </a:xfrm>
+          <a:prstGeom prst="rect">
+            <a:avLst/>
+          </a:prstGeom>
+          <a:noFill/>
+        </p:spPr>
+        <p:txBody>
+          <a:bodyPr wrap="square" rtlCol="0">
+            <a:spAutoFit/>
+          </a:bodyPr>
+          <a:lstStyle/>
+          <a:p>
+            <a:r>
+              <a:rPr lang="fr-FR" dirty="0" smtClean="0"/>
+              <a:t>2</a:t>
+            </a:r>
+            <a:endParaRPr lang="en-US" dirty="0"/>
+          </a:p>
+        </p:txBody>
+      </p:sp>
+      <p:sp>
+        <p:nvSpPr>
+          <p:cNvPr id="21" name="TextBox 20"/>
+          <p:cNvSpPr txBox="1"/>
+          <p:nvPr/>
+        </p:nvSpPr>
+        <p:spPr>
+          <a:xfrm>
+            <a:off x="6269641" y="2484025"/>
+            <a:ext cx="319235" cy="369332"/>
+          </a:xfrm>
+          <a:prstGeom prst="rect">
+            <a:avLst/>
+          </a:prstGeom>
+          <a:noFill/>
+        </p:spPr>
+        <p:txBody>
+          <a:bodyPr wrap="square" rtlCol="0">
+            <a:spAutoFit/>
+          </a:bodyPr>
+          <a:lstStyle/>
+          <a:p>
+            <a:r>
+              <a:rPr lang="fr-FR" dirty="0" smtClean="0"/>
+              <a:t>3</a:t>
+            </a:r>
+            <a:endParaRPr lang="en-US" dirty="0"/>
+          </a:p>
+        </p:txBody>
+      </p:sp>
+      <p:sp>
+        <p:nvSpPr>
+          <p:cNvPr id="22" name="TextBox 21"/>
+          <p:cNvSpPr txBox="1"/>
+          <p:nvPr/>
+        </p:nvSpPr>
+        <p:spPr>
+          <a:xfrm>
+            <a:off x="6606902" y="3583789"/>
+            <a:ext cx="319235" cy="369332"/>
+          </a:xfrm>
+          <a:prstGeom prst="rect">
+            <a:avLst/>
+          </a:prstGeom>
+          <a:noFill/>
+        </p:spPr>
+        <p:txBody>
+          <a:bodyPr wrap="square" rtlCol="0">
+            <a:spAutoFit/>
+          </a:bodyPr>
+          <a:lstStyle/>
+          <a:p>
+            <a:r>
+              <a:rPr lang="fr-FR" dirty="0"/>
+              <a:t>4</a:t>
+            </a:r>
+            <a:endParaRPr lang="en-US" dirty="0"/>
+          </a:p>
+        </p:txBody>
+      </p:sp>
+      <p:sp>
+        <p:nvSpPr>
+          <p:cNvPr id="24" name="TextBox 23"/>
+          <p:cNvSpPr txBox="1"/>
+          <p:nvPr/>
+        </p:nvSpPr>
+        <p:spPr>
+          <a:xfrm>
+            <a:off x="3731036" y="5147900"/>
+            <a:ext cx="319235" cy="369332"/>
+          </a:xfrm>
+          <a:prstGeom prst="rect">
+            <a:avLst/>
+          </a:prstGeom>
+          <a:noFill/>
+        </p:spPr>
+        <p:txBody>
+          <a:bodyPr wrap="square" rtlCol="0">
+            <a:spAutoFit/>
+          </a:bodyPr>
+          <a:lstStyle/>
+          <a:p>
+            <a:r>
+              <a:rPr lang="fr-FR" dirty="0"/>
+              <a:t>5</a:t>
+            </a:r>
+            <a:endParaRPr lang="en-US" dirty="0"/>
+          </a:p>
+        </p:txBody>
+      </p:sp>
+    </p:spTree>
+    <p:extLst>
+      <p:ext uri="{BB962C8B-B14F-4D97-AF65-F5344CB8AC3E}">
+        <p14:creationId xmlns:p14="http://schemas.microsoft.com/office/powerpoint/2010/main" val="3449352260"/>
+      </p:ext>
+    </p:extLst>
+  </p:cSld>
+  <p:clrMapOvr>
+    <a:masterClrMapping/>
+  </p:clrMapOvr>
+  <p:timing>
+    <p:tnLst>
+      <p:par>
+        <p:cTn id="1" dur="indefinite" restart="never" nodeType="tmRoot"/>
+      </p:par>
+    </p:tnLst>
+  </p:timing>
+</p:sld>
+</file>
+
+<file path=ppt/slides/slide22.xml><?xml version="1.0" encoding="utf-8"?>
+<p:sld xmlns:a="http://schemas.openxmlformats.org/drawingml/2006/main" xmlns:r="http://schemas.openxmlformats.org/officeDocument/2006/relationships" xmlns:p="http://schemas.openxmlformats.org/presentationml/2006/main">
+  <p:cSld>
+    <p:spTree>
+      <p:nvGrpSpPr>
+        <p:cNvPr id="1" name=""/>
+        <p:cNvGrpSpPr/>
+        <p:nvPr/>
+      </p:nvGrpSpPr>
+      <p:grpSpPr>
+        <a:xfrm>
+          <a:off x="0" y="0"/>
+          <a:ext cx="0" cy="0"/>
+          <a:chOff x="0" y="0"/>
+          <a:chExt cx="0" cy="0"/>
+        </a:xfrm>
+      </p:grpSpPr>
+      <p:sp>
+        <p:nvSpPr>
+          <p:cNvPr id="2" name="Title 1"/>
+          <p:cNvSpPr>
+            <a:spLocks noGrp="1"/>
+          </p:cNvSpPr>
+          <p:nvPr>
+            <p:ph type="title"/>
+          </p:nvPr>
+        </p:nvSpPr>
+        <p:spPr>
+          <a:xfrm>
+            <a:off x="539552" y="-243408"/>
+            <a:ext cx="7886700" cy="2304256"/>
+          </a:xfrm>
+        </p:spPr>
+        <p:txBody>
+          <a:bodyPr>
+            <a:normAutofit/>
+          </a:bodyPr>
+          <a:lstStyle/>
+          <a:p>
+            <a:r>
+              <a:rPr lang="fr-FR" sz="2400" dirty="0"/>
+              <a:t>Où acheter au </a:t>
+            </a:r>
+            <a:r>
+              <a:rPr lang="fr-FR" sz="2400" dirty="0" smtClean="0"/>
+              <a:t>Maroc ? </a:t>
+            </a:r>
+            <a:r>
+              <a:rPr lang="fr-FR" sz="2400" dirty="0"/>
+              <a:t>À </a:t>
+            </a:r>
+            <a:r>
+              <a:rPr lang="fr-FR" sz="2400" dirty="0" smtClean="0"/>
+              <a:t>l’internationale ?</a:t>
+            </a:r>
+            <a:r>
+              <a:rPr lang="en-US" sz="2400" dirty="0"/>
+              <a:t/>
+            </a:r>
+            <a:br>
+              <a:rPr lang="en-US" sz="2400" dirty="0"/>
+            </a:br>
+            <a:endParaRPr lang="en-US" sz="2400" dirty="0"/>
+          </a:p>
+        </p:txBody>
+      </p:sp>
+      <p:sp>
+        <p:nvSpPr>
+          <p:cNvPr id="4" name="TextBox 3"/>
+          <p:cNvSpPr txBox="1"/>
+          <p:nvPr/>
+        </p:nvSpPr>
+        <p:spPr>
+          <a:xfrm>
+            <a:off x="990601" y="1823913"/>
+            <a:ext cx="6085113" cy="3693319"/>
+          </a:xfrm>
+          <a:prstGeom prst="rect">
+            <a:avLst/>
+          </a:prstGeom>
+          <a:noFill/>
+        </p:spPr>
+        <p:txBody>
+          <a:bodyPr wrap="square" rtlCol="0">
+            <a:spAutoFit/>
+          </a:bodyPr>
+          <a:lstStyle/>
+          <a:p>
+            <a:pPr marL="214313" indent="-214313">
+              <a:buFont typeface="Arial" panose="020B0604020202020204" pitchFamily="34" charset="0"/>
+              <a:buChar char="•"/>
+            </a:pPr>
+            <a:r>
+              <a:rPr lang="fr-FR" b="1" dirty="0" smtClean="0"/>
+              <a:t>Rabat</a:t>
+            </a:r>
+          </a:p>
+          <a:p>
+            <a:pPr marL="402431" indent="-205979">
+              <a:buFont typeface="Wingdings" panose="05000000000000000000" pitchFamily="2" charset="2"/>
+              <a:buChar char="Ø"/>
+            </a:pPr>
+            <a:r>
+              <a:rPr lang="fr-FR" dirty="0"/>
+              <a:t> </a:t>
+            </a:r>
+            <a:r>
+              <a:rPr lang="fr-FR" dirty="0" smtClean="0"/>
+              <a:t> </a:t>
+            </a:r>
+            <a:r>
+              <a:rPr lang="fr-FR" dirty="0" err="1" smtClean="0"/>
+              <a:t>Tredano</a:t>
+            </a:r>
+            <a:r>
+              <a:rPr lang="fr-FR" dirty="0" smtClean="0"/>
+              <a:t> : depuis </a:t>
+            </a:r>
+            <a:r>
+              <a:rPr lang="fr-FR" dirty="0" smtClean="0"/>
+              <a:t>1966, </a:t>
+            </a:r>
+            <a:r>
+              <a:rPr lang="fr-FR" dirty="0" err="1" smtClean="0"/>
+              <a:t>Bab</a:t>
+            </a:r>
+            <a:r>
+              <a:rPr lang="fr-FR" dirty="0" smtClean="0"/>
+              <a:t> ELHAD rabat.</a:t>
+            </a:r>
+            <a:endParaRPr lang="fr-FR" dirty="0" smtClean="0"/>
+          </a:p>
+          <a:p>
+            <a:pPr marL="449263" indent="-263525">
+              <a:buFont typeface="Wingdings" panose="05000000000000000000" pitchFamily="2" charset="2"/>
+              <a:buChar char="Ø"/>
+            </a:pPr>
+            <a:r>
+              <a:rPr lang="fr-FR" dirty="0" smtClean="0"/>
+              <a:t> </a:t>
+            </a:r>
+            <a:r>
+              <a:rPr lang="fr-FR" dirty="0" err="1" smtClean="0"/>
+              <a:t>Massar</a:t>
+            </a:r>
+            <a:r>
+              <a:rPr lang="fr-FR" dirty="0" smtClean="0"/>
+              <a:t> électronique : </a:t>
+            </a:r>
+            <a:r>
+              <a:rPr lang="fr-FR" dirty="0" smtClean="0"/>
+              <a:t>Dior </a:t>
+            </a:r>
+            <a:r>
+              <a:rPr lang="fr-FR" dirty="0" smtClean="0"/>
+              <a:t>Jama3 </a:t>
+            </a:r>
+            <a:r>
+              <a:rPr lang="fr-FR" dirty="0" smtClean="0"/>
+              <a:t>rabat</a:t>
+            </a:r>
+            <a:r>
+              <a:rPr lang="fr-FR" dirty="0" smtClean="0"/>
+              <a:t>.</a:t>
+            </a:r>
+          </a:p>
+          <a:p>
+            <a:pPr marL="467916" indent="-271463">
+              <a:buFont typeface="Wingdings" panose="05000000000000000000" pitchFamily="2" charset="2"/>
+              <a:buChar char="Ø"/>
+            </a:pPr>
+            <a:r>
+              <a:rPr lang="en-US" dirty="0" smtClean="0"/>
+              <a:t> </a:t>
+            </a:r>
+            <a:r>
+              <a:rPr lang="en-US" dirty="0" err="1" smtClean="0"/>
+              <a:t>Electromonde</a:t>
+            </a:r>
+            <a:r>
+              <a:rPr lang="en-US" dirty="0"/>
+              <a:t> </a:t>
+            </a:r>
+            <a:r>
+              <a:rPr lang="en-US" dirty="0" err="1" smtClean="0"/>
+              <a:t>Montassir</a:t>
+            </a:r>
+            <a:r>
+              <a:rPr lang="en-US" dirty="0" smtClean="0"/>
+              <a:t> </a:t>
+            </a:r>
+            <a:r>
+              <a:rPr lang="en-US" b="1" dirty="0" smtClean="0"/>
+              <a:t>: </a:t>
+            </a:r>
+            <a:r>
+              <a:rPr lang="en-US" u="sng" dirty="0" smtClean="0">
+                <a:solidFill>
+                  <a:srgbClr val="00B0F0"/>
+                </a:solidFill>
+              </a:rPr>
+              <a:t>www.electromonde.com</a:t>
+            </a:r>
+            <a:r>
+              <a:rPr lang="en-US" dirty="0" smtClean="0"/>
+              <a:t/>
+            </a:r>
+            <a:br>
+              <a:rPr lang="en-US" dirty="0" smtClean="0"/>
+            </a:br>
+            <a:endParaRPr lang="en-US" dirty="0" smtClean="0"/>
+          </a:p>
+          <a:p>
+            <a:pPr marL="214313" indent="-214313">
+              <a:buFont typeface="Arial" panose="020B0604020202020204" pitchFamily="34" charset="0"/>
+              <a:buChar char="•"/>
+            </a:pPr>
+            <a:r>
+              <a:rPr lang="fr-FR" b="1" dirty="0" smtClean="0"/>
+              <a:t>Casa</a:t>
+            </a:r>
+          </a:p>
+          <a:p>
+            <a:pPr marL="402431" indent="-205979">
+              <a:buFont typeface="Wingdings" panose="05000000000000000000" pitchFamily="2" charset="2"/>
+              <a:buChar char="Ø"/>
+            </a:pPr>
+            <a:r>
+              <a:rPr lang="fr-FR" dirty="0" smtClean="0"/>
+              <a:t>Garage Allal</a:t>
+            </a:r>
+          </a:p>
+          <a:p>
+            <a:pPr marL="402431" indent="-205979">
+              <a:buFont typeface="Wingdings" panose="05000000000000000000" pitchFamily="2" charset="2"/>
+              <a:buChar char="Ø"/>
+            </a:pPr>
+            <a:r>
+              <a:rPr lang="fr-FR" dirty="0" smtClean="0"/>
+              <a:t>Boutique domomaroc.com</a:t>
+            </a:r>
+          </a:p>
+          <a:p>
+            <a:pPr marL="402431" indent="-205979">
+              <a:buFont typeface="Wingdings" panose="05000000000000000000" pitchFamily="2" charset="2"/>
+              <a:buChar char="Ø"/>
+            </a:pPr>
+            <a:r>
+              <a:rPr lang="fr-FR" dirty="0" smtClean="0"/>
+              <a:t> c2ez </a:t>
+            </a:r>
+            <a:br>
+              <a:rPr lang="fr-FR" dirty="0" smtClean="0"/>
+            </a:br>
+            <a:r>
+              <a:rPr lang="fr-FR" u="sng" dirty="0" smtClean="0">
+                <a:solidFill>
+                  <a:srgbClr val="00B0F0"/>
+                </a:solidFill>
+              </a:rPr>
+              <a:t>www.c2ez.ma</a:t>
+            </a:r>
+            <a:r>
+              <a:rPr lang="fr-FR" dirty="0" smtClean="0"/>
+              <a:t/>
+            </a:r>
+            <a:br>
+              <a:rPr lang="fr-FR" dirty="0" smtClean="0"/>
+            </a:br>
+            <a:endParaRPr lang="fr-FR" dirty="0" smtClean="0"/>
+          </a:p>
+          <a:p>
+            <a:pPr marL="214313" indent="-214313">
+              <a:buFont typeface="Wingdings" panose="05000000000000000000" pitchFamily="2" charset="2"/>
+              <a:buChar char="Ø"/>
+            </a:pPr>
+            <a:endParaRPr lang="fr-FR" dirty="0" smtClean="0"/>
+          </a:p>
+        </p:txBody>
+      </p:sp>
+      <p:sp>
+        <p:nvSpPr>
+          <p:cNvPr id="6" name="TextBox 5"/>
+          <p:cNvSpPr txBox="1"/>
+          <p:nvPr/>
+        </p:nvSpPr>
+        <p:spPr>
+          <a:xfrm>
+            <a:off x="990601" y="5036983"/>
+            <a:ext cx="6085113" cy="1200329"/>
+          </a:xfrm>
+          <a:prstGeom prst="rect">
+            <a:avLst/>
+          </a:prstGeom>
+          <a:noFill/>
+        </p:spPr>
+        <p:txBody>
+          <a:bodyPr wrap="square" rtlCol="0">
+            <a:spAutoFit/>
+          </a:bodyPr>
+          <a:lstStyle/>
+          <a:p>
+            <a:pPr marL="214313" indent="-214313">
+              <a:buFont typeface="Arial" panose="020B0604020202020204" pitchFamily="34" charset="0"/>
+              <a:buChar char="•"/>
+            </a:pPr>
+            <a:r>
+              <a:rPr lang="fr-FR" b="1" dirty="0" smtClean="0"/>
+              <a:t>l’Internationale </a:t>
+            </a:r>
+          </a:p>
+          <a:p>
+            <a:pPr marL="542925" indent="-357188">
+              <a:buFont typeface="Wingdings" panose="05000000000000000000" pitchFamily="2" charset="2"/>
+              <a:buChar char="Ø"/>
+            </a:pPr>
+            <a:r>
+              <a:rPr lang="fr-FR" dirty="0" smtClean="0"/>
+              <a:t>tinydeal.com </a:t>
+            </a:r>
+            <a:r>
+              <a:rPr lang="fr-FR" dirty="0"/>
+              <a:t>: free </a:t>
+            </a:r>
+            <a:r>
+              <a:rPr lang="fr-FR" dirty="0" smtClean="0"/>
+              <a:t>shipping</a:t>
+            </a:r>
+          </a:p>
+          <a:p>
+            <a:pPr marL="542925" indent="-357188">
+              <a:buFont typeface="Wingdings" panose="05000000000000000000" pitchFamily="2" charset="2"/>
+              <a:buChar char="Ø"/>
+            </a:pPr>
+            <a:r>
+              <a:rPr lang="fr-FR" dirty="0" smtClean="0"/>
+              <a:t>Ebay.com </a:t>
+            </a:r>
+            <a:endParaRPr lang="fr-FR" dirty="0"/>
+          </a:p>
+          <a:p>
+            <a:pPr marL="542925" indent="-357188">
+              <a:buFont typeface="Wingdings" panose="05000000000000000000" pitchFamily="2" charset="2"/>
+              <a:buChar char="Ø"/>
+            </a:pPr>
+            <a:r>
+              <a:rPr lang="fr-FR" dirty="0" smtClean="0"/>
+              <a:t>…</a:t>
+            </a:r>
+          </a:p>
+        </p:txBody>
+      </p:sp>
+    </p:spTree>
+    <p:extLst>
+      <p:ext uri="{BB962C8B-B14F-4D97-AF65-F5344CB8AC3E}">
+        <p14:creationId xmlns:p14="http://schemas.microsoft.com/office/powerpoint/2010/main" val="1387124810"/>
+      </p:ext>
+    </p:extLst>
+  </p:cSld>
+  <p:clrMapOvr>
+    <a:masterClrMapping/>
+  </p:clrMapOvr>
+  <p:timing>
+    <p:tnLst>
+      <p:par>
+        <p:cTn id="1" dur="indefinite" restart="never" nodeType="tmRoot"/>
+      </p:par>
+    </p:tnLst>
+  </p:timing>
+</p:sld>
+</file>
+
+<file path=ppt/slides/slide23.xml><?xml version="1.0" encoding="utf-8"?>
+<p:sld xmlns:a="http://schemas.openxmlformats.org/drawingml/2006/main" xmlns:r="http://schemas.openxmlformats.org/officeDocument/2006/relationships" xmlns:p="http://schemas.openxmlformats.org/presentationml/2006/main">
+  <p:cSld>
+    <p:spTree>
+      <p:nvGrpSpPr>
+        <p:cNvPr id="1" name=""/>
+        <p:cNvGrpSpPr/>
+        <p:nvPr/>
+      </p:nvGrpSpPr>
+      <p:grpSpPr>
+        <a:xfrm>
+          <a:off x="0" y="0"/>
+          <a:ext cx="0" cy="0"/>
+          <a:chOff x="0" y="0"/>
+          <a:chExt cx="0" cy="0"/>
+        </a:xfrm>
+      </p:grpSpPr>
+      <p:sp>
+        <p:nvSpPr>
+          <p:cNvPr id="2" name="Title 1"/>
+          <p:cNvSpPr>
+            <a:spLocks noGrp="1"/>
+          </p:cNvSpPr>
+          <p:nvPr>
+            <p:ph type="title"/>
+          </p:nvPr>
+        </p:nvSpPr>
+        <p:spPr/>
+        <p:txBody>
+          <a:bodyPr/>
+          <a:lstStyle/>
+          <a:p>
+            <a:r>
+              <a:rPr lang="fr-FR" dirty="0" smtClean="0"/>
+              <a:t>Conclusion et Sources</a:t>
+            </a:r>
+            <a:endParaRPr lang="en-US" dirty="0"/>
+          </a:p>
+        </p:txBody>
+      </p:sp>
+      <p:sp>
+        <p:nvSpPr>
+          <p:cNvPr id="3" name="Content Placeholder 2"/>
+          <p:cNvSpPr>
+            <a:spLocks noGrp="1"/>
+          </p:cNvSpPr>
+          <p:nvPr>
+            <p:ph sz="quarter" idx="1"/>
+          </p:nvPr>
+        </p:nvSpPr>
+        <p:spPr/>
+        <p:txBody>
+          <a:bodyPr/>
+          <a:lstStyle/>
+          <a:p>
+            <a:r>
+              <a:rPr lang="fr-FR" dirty="0" smtClean="0"/>
+              <a:t>Sources</a:t>
+            </a:r>
+            <a:endParaRPr lang="en-US" dirty="0">
+              <a:solidFill>
+                <a:srgbClr val="00B0F0"/>
+              </a:solidFill>
+            </a:endParaRPr>
+          </a:p>
+          <a:p>
+            <a:pPr marL="0" indent="0" algn="ctr">
+              <a:buNone/>
+            </a:pPr>
+            <a:r>
+              <a:rPr lang="en-US" sz="3200" dirty="0">
+                <a:solidFill>
+                  <a:srgbClr val="00B0F0"/>
+                </a:solidFill>
+              </a:rPr>
+              <a:t>https://github.com/anouarattn/DIY-IoT-PresentationEnset-17-11-2014</a:t>
+            </a:r>
+          </a:p>
+          <a:p>
+            <a:pPr marL="0" indent="0">
+              <a:buNone/>
+            </a:pPr>
+            <a:endParaRPr lang="fr-FR" dirty="0"/>
+          </a:p>
+          <a:p>
+            <a:r>
+              <a:rPr lang="fr-FR" dirty="0" smtClean="0"/>
+              <a:t>Conclusion</a:t>
+            </a:r>
+            <a:endParaRPr lang="fr-FR" dirty="0"/>
+          </a:p>
+          <a:p>
+            <a:endParaRPr lang="fr-FR" dirty="0" smtClean="0"/>
+          </a:p>
+        </p:txBody>
+      </p:sp>
+      <p:sp>
+        <p:nvSpPr>
+          <p:cNvPr id="4" name="Date Placeholder 3"/>
+          <p:cNvSpPr>
+            <a:spLocks noGrp="1"/>
+          </p:cNvSpPr>
+          <p:nvPr>
+            <p:ph type="dt" sz="half" idx="10"/>
+          </p:nvPr>
+        </p:nvSpPr>
+        <p:spPr/>
+        <p:txBody>
+          <a:bodyPr/>
+          <a:lstStyle/>
+          <a:p>
+            <a:pPr>
+              <a:defRPr/>
+            </a:pPr>
+            <a:fld id="{65ACCEE1-83F7-4A1F-9F42-0F6BBACAD815}" type="datetime1">
+              <a:rPr lang="fr-FR" smtClean="0"/>
+              <a:pPr>
+                <a:defRPr/>
+              </a:pPr>
+              <a:t>17/11/2014</a:t>
+            </a:fld>
+            <a:endParaRPr lang="fr-BE"/>
+          </a:p>
+        </p:txBody>
+      </p:sp>
+      <p:sp>
+        <p:nvSpPr>
+          <p:cNvPr id="5" name="Slide Number Placeholder 4"/>
+          <p:cNvSpPr>
+            <a:spLocks noGrp="1"/>
+          </p:cNvSpPr>
+          <p:nvPr>
+            <p:ph type="sldNum" sz="quarter" idx="12"/>
+          </p:nvPr>
+        </p:nvSpPr>
+        <p:spPr/>
+        <p:txBody>
+          <a:bodyPr>
+            <a:normAutofit fontScale="85000" lnSpcReduction="20000"/>
+          </a:bodyPr>
+          <a:lstStyle/>
+          <a:p>
+            <a:pPr>
+              <a:defRPr/>
+            </a:pPr>
+            <a:fld id="{7DB234AD-1E11-4B53-B6E5-88515ECC9B9D}" type="slidenum">
+              <a:rPr lang="fr-BE" smtClean="0"/>
+              <a:pPr>
+                <a:defRPr/>
+              </a:pPr>
+              <a:t>23</a:t>
+            </a:fld>
+            <a:endParaRPr lang="fr-BE"/>
+          </a:p>
+        </p:txBody>
+      </p:sp>
+      <p:sp>
+        <p:nvSpPr>
+          <p:cNvPr id="6" name="TextBox 5"/>
+          <p:cNvSpPr txBox="1"/>
+          <p:nvPr/>
+        </p:nvSpPr>
+        <p:spPr>
+          <a:xfrm>
+            <a:off x="899592" y="4437112"/>
+            <a:ext cx="4248472" cy="646331"/>
+          </a:xfrm>
+          <a:prstGeom prst="rect">
+            <a:avLst/>
+          </a:prstGeom>
+          <a:noFill/>
+        </p:spPr>
+        <p:txBody>
+          <a:bodyPr wrap="square" rtlCol="0">
+            <a:spAutoFit/>
+          </a:bodyPr>
+          <a:lstStyle/>
+          <a:p>
+            <a:r>
+              <a:rPr lang="fr-FR" dirty="0"/>
+              <a:t>- </a:t>
+            </a:r>
+            <a:r>
+              <a:rPr lang="fr-FR" dirty="0" err="1"/>
+              <a:t>Labcenter</a:t>
+            </a:r>
+            <a:r>
+              <a:rPr lang="fr-FR" dirty="0"/>
+              <a:t> </a:t>
+            </a:r>
+            <a:r>
+              <a:rPr lang="fr-FR" dirty="0" smtClean="0"/>
+              <a:t>Proteus, </a:t>
+            </a:r>
+            <a:r>
+              <a:rPr lang="fr-FR" dirty="0" err="1" smtClean="0"/>
+              <a:t>Rappessbry</a:t>
+            </a:r>
+            <a:r>
+              <a:rPr lang="fr-FR" dirty="0" smtClean="0"/>
+              <a:t> pi…</a:t>
+            </a:r>
+            <a:br>
+              <a:rPr lang="fr-FR" dirty="0" smtClean="0"/>
+            </a:br>
+            <a:r>
+              <a:rPr lang="fr-FR" dirty="0" smtClean="0"/>
+              <a:t>- </a:t>
+            </a:r>
+            <a:r>
+              <a:rPr lang="fr-FR" dirty="0" err="1" smtClean="0"/>
+              <a:t>Next</a:t>
+            </a:r>
+            <a:endParaRPr lang="en-US" dirty="0"/>
+          </a:p>
+        </p:txBody>
+      </p:sp>
+    </p:spTree>
+    <p:extLst>
+      <p:ext uri="{BB962C8B-B14F-4D97-AF65-F5344CB8AC3E}">
+        <p14:creationId xmlns:p14="http://schemas.microsoft.com/office/powerpoint/2010/main" val="1330125253"/>
+      </p:ext>
+    </p:extLst>
+  </p:cSld>
+  <p:clrMapOvr>
+    <a:masterClrMapping/>
+  </p:clrMapOvr>
   <p:timing>
     <p:tnLst>
       <p:par>
@@ -12793,7 +14321,7 @@
             <a:fld id="{9145DB05-0482-4A25-BBD6-1702FCF7F2AB}" type="datetime1">
               <a:rPr lang="fr-FR" smtClean="0"/>
               <a:pPr/>
-              <a:t>16/11/2014</a:t>
+              <a:t>17/11/2014</a:t>
             </a:fld>
             <a:endParaRPr lang="fr-BE" smtClean="0"/>
           </a:p>
@@ -12858,14 +14386,20 @@
       </p:sp>
       <p:pic>
         <p:nvPicPr>
-          <p:cNvPr id="41986" name="Picture 2" descr="NCSA Mosaic.PNG"/>
+          <p:cNvPr id="1026" name="Picture 2" descr="qrmhy8tcqcmbatakyqwy.png (636×358)"/>
           <p:cNvPicPr>
             <a:picLocks noChangeAspect="1" noChangeArrowheads="1"/>
           </p:cNvPicPr>
           <p:nvPr/>
         </p:nvPicPr>
         <p:blipFill>
-          <a:blip r:embed="rId3"/>
+          <a:blip r:embed="rId3">
+            <a:extLst>
+              <a:ext uri="{28A0092B-C50C-407E-A947-70E740481C1C}">
+                <a14:useLocalDpi xmlns:a14="http://schemas.microsoft.com/office/drawing/2010/main" val="0"/>
+              </a:ext>
+            </a:extLst>
+          </a:blip>
           <a:srcRect/>
           <a:stretch>
             <a:fillRect/>
@@ -12873,13 +14407,22 @@
         </p:blipFill>
         <p:spPr bwMode="auto">
           <a:xfrm>
-            <a:off x="714348" y="1714488"/>
-            <a:ext cx="7907880" cy="4130635"/>
+            <a:off x="836709" y="1916832"/>
+            <a:ext cx="7092755" cy="3992464"/>
           </a:xfrm>
           <a:prstGeom prst="rect">
             <a:avLst/>
           </a:prstGeom>
           <a:noFill/>
+          <a:extLst>
+            <a:ext uri="{909E8E84-426E-40DD-AFC4-6F175D3DCCD1}">
+              <a14:hiddenFill xmlns:a14="http://schemas.microsoft.com/office/drawing/2010/main">
+                <a:solidFill>
+                  <a:srgbClr val="FFFFFF"/>
+                </a:solidFill>
+              </a14:hiddenFill>
+            </a:ext>
+          </a:extLst>
         </p:spPr>
       </p:pic>
     </p:spTree>
@@ -12971,7 +14514,7 @@
             <a:fld id="{9145DB05-0482-4A25-BBD6-1702FCF7F2AB}" type="datetime1">
               <a:rPr lang="fr-FR" smtClean="0"/>
               <a:pPr/>
-              <a:t>16/11/2014</a:t>
+              <a:t>17/11/2014</a:t>
             </a:fld>
             <a:endParaRPr lang="fr-BE" smtClean="0"/>
           </a:p>
@@ -13036,28 +14579,32 @@
       </p:sp>
       <p:pic>
         <p:nvPicPr>
-          <p:cNvPr id="62466" name="Picture 2" descr="https://encrypted-tbn3.gstatic.com/images?q=tbn:ANd9GcTWuK5kXA9-tzdS20FtomE6S47jzQHfKhOkt4C2x2JkjZAgdMe9"/>
+          <p:cNvPr id="4" name="Picture 3"/>
           <p:cNvPicPr>
-            <a:picLocks noChangeAspect="1" noChangeArrowheads="1"/>
+            <a:picLocks noChangeAspect="1"/>
           </p:cNvPicPr>
           <p:nvPr/>
         </p:nvPicPr>
         <p:blipFill>
-          <a:blip r:embed="rId3"/>
-          <a:srcRect/>
+          <a:blip r:embed="rId3">
+            <a:extLst>
+              <a:ext uri="{28A0092B-C50C-407E-A947-70E740481C1C}">
+                <a14:useLocalDpi xmlns:a14="http://schemas.microsoft.com/office/drawing/2010/main" val="0"/>
+              </a:ext>
+            </a:extLst>
+          </a:blip>
           <a:stretch>
             <a:fillRect/>
           </a:stretch>
         </p:blipFill>
-        <p:spPr bwMode="auto">
-          <a:xfrm>
-            <a:off x="1285852" y="1857364"/>
-            <a:ext cx="6072230" cy="4143404"/>
+        <p:spPr>
+          <a:xfrm>
+            <a:off x="1331640" y="2276872"/>
+            <a:ext cx="6192688" cy="3096344"/>
           </a:xfrm>
           <a:prstGeom prst="rect">
             <a:avLst/>
           </a:prstGeom>
-          <a:noFill/>
         </p:spPr>
       </p:pic>
     </p:spTree>
@@ -13149,7 +14696,7 @@
             <a:fld id="{9145DB05-0482-4A25-BBD6-1702FCF7F2AB}" type="datetime1">
               <a:rPr lang="fr-FR" smtClean="0"/>
               <a:pPr/>
-              <a:t>16/11/2014</a:t>
+              <a:t>17/11/2014</a:t>
             </a:fld>
             <a:endParaRPr lang="fr-BE" smtClean="0"/>
           </a:p>
@@ -13364,14 +14911,20 @@
       </p:sp>
       <p:pic>
         <p:nvPicPr>
-          <p:cNvPr id="60428" name="Picture 12" descr="https://encrypted-tbn2.gstatic.com/images?q=tbn:ANd9GcQoCCqw-6-rarsDgV-hNmpfJLsMUnkivNO7AkSbMIK_W12SShuD"/>
+          <p:cNvPr id="3074" name="Picture 2" descr="web3_500x375.jpg (500×375)"/>
           <p:cNvPicPr>
             <a:picLocks noChangeAspect="1" noChangeArrowheads="1"/>
           </p:cNvPicPr>
           <p:nvPr/>
         </p:nvPicPr>
         <p:blipFill>
-          <a:blip r:embed="rId3"/>
+          <a:blip r:embed="rId3">
+            <a:extLst>
+              <a:ext uri="{28A0092B-C50C-407E-A947-70E740481C1C}">
+                <a14:useLocalDpi xmlns:a14="http://schemas.microsoft.com/office/drawing/2010/main" val="0"/>
+              </a:ext>
+            </a:extLst>
+          </a:blip>
           <a:srcRect/>
           <a:stretch>
             <a:fillRect/>
@@ -13379,13 +14932,22 @@
         </p:blipFill>
         <p:spPr bwMode="auto">
           <a:xfrm>
-            <a:off x="1000100" y="1712251"/>
-            <a:ext cx="6715172" cy="4074203"/>
+            <a:off x="1358751" y="1711896"/>
+            <a:ext cx="6048672" cy="4536504"/>
           </a:xfrm>
           <a:prstGeom prst="rect">
             <a:avLst/>
           </a:prstGeom>
           <a:noFill/>
+          <a:extLst>
+            <a:ext uri="{909E8E84-426E-40DD-AFC4-6F175D3DCCD1}">
+              <a14:hiddenFill xmlns:a14="http://schemas.microsoft.com/office/drawing/2010/main">
+                <a:solidFill>
+                  <a:srgbClr val="FFFFFF"/>
+                </a:solidFill>
+              </a14:hiddenFill>
+            </a:ext>
+          </a:extLst>
         </p:spPr>
       </p:pic>
     </p:spTree>
@@ -13480,7 +15042,7 @@
             <a:fld id="{9145DB05-0482-4A25-BBD6-1702FCF7F2AB}" type="datetime1">
               <a:rPr lang="fr-FR" smtClean="0"/>
               <a:pPr/>
-              <a:t>16/11/2014</a:t>
+              <a:t>17/11/2014</a:t>
             </a:fld>
             <a:endParaRPr lang="fr-BE" smtClean="0"/>
           </a:p>
@@ -13783,12 +15345,258 @@
   <p:clrMapOvr>
     <a:masterClrMapping/>
   </p:clrMapOvr>
+  <mc:AlternateContent xmlns:mc="http://schemas.openxmlformats.org/markup-compatibility/2006">
+    <mc:Choice xmlns:p14="http://schemas.microsoft.com/office/powerpoint/2010/main" Requires="p14">
+      <p:transition p14:dur="0"/>
+    </mc:Choice>
+    <mc:Fallback>
+      <p:transition/>
+    </mc:Fallback>
+  </mc:AlternateContent>
   <p:timing>
     <p:tnLst>
       <p:par>
-        <p:cTn id="1" dur="indefinite" restart="never" nodeType="tmRoot"/>
+        <p:cTn id="1" dur="indefinite" restart="never" nodeType="tmRoot">
+          <p:childTnLst>
+            <p:seq concurrent="1" nextAc="seek">
+              <p:cTn id="2" dur="indefinite" nodeType="mainSeq">
+                <p:childTnLst>
+                  <p:par>
+                    <p:cTn id="3" fill="hold">
+                      <p:stCondLst>
+                        <p:cond delay="indefinite"/>
+                      </p:stCondLst>
+                      <p:childTnLst>
+                        <p:par>
+                          <p:cTn id="4" fill="hold">
+                            <p:stCondLst>
+                              <p:cond delay="0"/>
+                            </p:stCondLst>
+                            <p:childTnLst>
+                              <p:par>
+                                <p:cTn id="5" presetID="16" presetClass="entr" presetSubtype="21" fill="hold" grpId="0" nodeType="clickEffect">
+                                  <p:stCondLst>
+                                    <p:cond delay="0"/>
+                                  </p:stCondLst>
+                                  <p:childTnLst>
+                                    <p:set>
+                                      <p:cBhvr>
+                                        <p:cTn id="6" dur="1" fill="hold">
+                                          <p:stCondLst>
+                                            <p:cond delay="0"/>
+                                          </p:stCondLst>
+                                        </p:cTn>
+                                        <p:tgtEl>
+                                          <p:spTgt spid="10242"/>
+                                        </p:tgtEl>
+                                        <p:attrNameLst>
+                                          <p:attrName>style.visibility</p:attrName>
+                                        </p:attrNameLst>
+                                      </p:cBhvr>
+                                      <p:to>
+                                        <p:strVal val="visible"/>
+                                      </p:to>
+                                    </p:set>
+                                    <p:animEffect transition="in" filter="barn(inVertical)">
+                                      <p:cBhvr>
+                                        <p:cTn id="7" dur="500"/>
+                                        <p:tgtEl>
+                                          <p:spTgt spid="10242"/>
+                                        </p:tgtEl>
+                                      </p:cBhvr>
+                                    </p:animEffect>
+                                  </p:childTnLst>
+                                </p:cTn>
+                              </p:par>
+                            </p:childTnLst>
+                          </p:cTn>
+                        </p:par>
+                      </p:childTnLst>
+                    </p:cTn>
+                  </p:par>
+                  <p:par>
+                    <p:cTn id="8" fill="hold">
+                      <p:stCondLst>
+                        <p:cond delay="indefinite"/>
+                      </p:stCondLst>
+                      <p:childTnLst>
+                        <p:par>
+                          <p:cTn id="9" fill="hold">
+                            <p:stCondLst>
+                              <p:cond delay="0"/>
+                            </p:stCondLst>
+                            <p:childTnLst>
+                              <p:par>
+                                <p:cTn id="10" presetID="16" presetClass="entr" presetSubtype="21" fill="hold" nodeType="clickEffect">
+                                  <p:stCondLst>
+                                    <p:cond delay="0"/>
+                                  </p:stCondLst>
+                                  <p:childTnLst>
+                                    <p:set>
+                                      <p:cBhvr>
+                                        <p:cTn id="11" dur="1" fill="hold">
+                                          <p:stCondLst>
+                                            <p:cond delay="0"/>
+                                          </p:stCondLst>
+                                        </p:cTn>
+                                        <p:tgtEl>
+                                          <p:spTgt spid="63495"/>
+                                        </p:tgtEl>
+                                        <p:attrNameLst>
+                                          <p:attrName>style.visibility</p:attrName>
+                                        </p:attrNameLst>
+                                      </p:cBhvr>
+                                      <p:to>
+                                        <p:strVal val="visible"/>
+                                      </p:to>
+                                    </p:set>
+                                    <p:animEffect transition="in" filter="barn(inVertical)">
+                                      <p:cBhvr>
+                                        <p:cTn id="12" dur="500"/>
+                                        <p:tgtEl>
+                                          <p:spTgt spid="63495"/>
+                                        </p:tgtEl>
+                                      </p:cBhvr>
+                                    </p:animEffect>
+                                  </p:childTnLst>
+                                </p:cTn>
+                              </p:par>
+                            </p:childTnLst>
+                          </p:cTn>
+                        </p:par>
+                      </p:childTnLst>
+                    </p:cTn>
+                  </p:par>
+                  <p:par>
+                    <p:cTn id="13" fill="hold">
+                      <p:stCondLst>
+                        <p:cond delay="indefinite"/>
+                      </p:stCondLst>
+                      <p:childTnLst>
+                        <p:par>
+                          <p:cTn id="14" fill="hold">
+                            <p:stCondLst>
+                              <p:cond delay="0"/>
+                            </p:stCondLst>
+                            <p:childTnLst>
+                              <p:par>
+                                <p:cTn id="15" presetID="16" presetClass="entr" presetSubtype="21" fill="hold" nodeType="clickEffect">
+                                  <p:stCondLst>
+                                    <p:cond delay="0"/>
+                                  </p:stCondLst>
+                                  <p:childTnLst>
+                                    <p:set>
+                                      <p:cBhvr>
+                                        <p:cTn id="16" dur="1" fill="hold">
+                                          <p:stCondLst>
+                                            <p:cond delay="0"/>
+                                          </p:stCondLst>
+                                        </p:cTn>
+                                        <p:tgtEl>
+                                          <p:spTgt spid="63490"/>
+                                        </p:tgtEl>
+                                        <p:attrNameLst>
+                                          <p:attrName>style.visibility</p:attrName>
+                                        </p:attrNameLst>
+                                      </p:cBhvr>
+                                      <p:to>
+                                        <p:strVal val="visible"/>
+                                      </p:to>
+                                    </p:set>
+                                    <p:animEffect transition="in" filter="barn(inVertical)">
+                                      <p:cBhvr>
+                                        <p:cTn id="17" dur="500"/>
+                                        <p:tgtEl>
+                                          <p:spTgt spid="63490"/>
+                                        </p:tgtEl>
+                                      </p:cBhvr>
+                                    </p:animEffect>
+                                  </p:childTnLst>
+                                </p:cTn>
+                              </p:par>
+                            </p:childTnLst>
+                          </p:cTn>
+                        </p:par>
+                      </p:childTnLst>
+                    </p:cTn>
+                  </p:par>
+                  <p:par>
+                    <p:cTn id="18" fill="hold">
+                      <p:stCondLst>
+                        <p:cond delay="indefinite"/>
+                      </p:stCondLst>
+                      <p:childTnLst>
+                        <p:par>
+                          <p:cTn id="19" fill="hold">
+                            <p:stCondLst>
+                              <p:cond delay="0"/>
+                            </p:stCondLst>
+                            <p:childTnLst>
+                              <p:par>
+                                <p:cTn id="20" presetID="16" presetClass="entr" presetSubtype="21" fill="hold" nodeType="clickEffect">
+                                  <p:stCondLst>
+                                    <p:cond delay="0"/>
+                                  </p:stCondLst>
+                                  <p:childTnLst>
+                                    <p:set>
+                                      <p:cBhvr>
+                                        <p:cTn id="21" dur="1" fill="hold">
+                                          <p:stCondLst>
+                                            <p:cond delay="0"/>
+                                          </p:stCondLst>
+                                        </p:cTn>
+                                        <p:tgtEl>
+                                          <p:spTgt spid="63493"/>
+                                        </p:tgtEl>
+                                        <p:attrNameLst>
+                                          <p:attrName>style.visibility</p:attrName>
+                                        </p:attrNameLst>
+                                      </p:cBhvr>
+                                      <p:to>
+                                        <p:strVal val="visible"/>
+                                      </p:to>
+                                    </p:set>
+                                    <p:animEffect transition="in" filter="barn(inVertical)">
+                                      <p:cBhvr>
+                                        <p:cTn id="22" dur="500"/>
+                                        <p:tgtEl>
+                                          <p:spTgt spid="63493"/>
+                                        </p:tgtEl>
+                                      </p:cBhvr>
+                                    </p:animEffect>
+                                  </p:childTnLst>
+                                </p:cTn>
+                              </p:par>
+                            </p:childTnLst>
+                          </p:cTn>
+                        </p:par>
+                      </p:childTnLst>
+                    </p:cTn>
+                  </p:par>
+                </p:childTnLst>
+              </p:cTn>
+              <p:prevCondLst>
+                <p:cond evt="onPrev" delay="0">
+                  <p:tgtEl>
+                    <p:sldTgt/>
+                  </p:tgtEl>
+                </p:cond>
+              </p:prevCondLst>
+              <p:nextCondLst>
+                <p:cond evt="onNext" delay="0">
+                  <p:tgtEl>
+                    <p:sldTgt/>
+                  </p:tgtEl>
+                </p:cond>
+              </p:nextCondLst>
+            </p:seq>
+          </p:childTnLst>
+        </p:cTn>
       </p:par>
     </p:tnLst>
+    <p:bldLst>
+      <p:bldP spid="10242" grpId="0"/>
+    </p:bldLst>
   </p:timing>
 </p:sld>
 </file>
@@ -13870,7 +15678,7 @@
             <a:fld id="{9145DB05-0482-4A25-BBD6-1702FCF7F2AB}" type="datetime1">
               <a:rPr lang="fr-FR" smtClean="0"/>
               <a:pPr/>
-              <a:t>16/11/2014</a:t>
+              <a:t>17/11/2014</a:t>
             </a:fld>
             <a:endParaRPr lang="fr-BE" smtClean="0"/>
           </a:p>
@@ -14550,9 +16358,247 @@
   <p:timing>
     <p:tnLst>
       <p:par>
-        <p:cTn id="1" dur="indefinite" restart="never" nodeType="tmRoot"/>
+        <p:cTn id="1" dur="indefinite" restart="never" nodeType="tmRoot">
+          <p:childTnLst>
+            <p:seq concurrent="1" nextAc="seek">
+              <p:cTn id="2" dur="indefinite" nodeType="mainSeq">
+                <p:childTnLst>
+                  <p:par>
+                    <p:cTn id="3" fill="hold">
+                      <p:stCondLst>
+                        <p:cond delay="indefinite"/>
+                      </p:stCondLst>
+                      <p:childTnLst>
+                        <p:par>
+                          <p:cTn id="4" fill="hold">
+                            <p:stCondLst>
+                              <p:cond delay="0"/>
+                            </p:stCondLst>
+                            <p:childTnLst>
+                              <p:par>
+                                <p:cTn id="5" presetID="16" presetClass="entr" presetSubtype="21" fill="hold" grpId="0" nodeType="clickEffect">
+                                  <p:stCondLst>
+                                    <p:cond delay="0"/>
+                                  </p:stCondLst>
+                                  <p:childTnLst>
+                                    <p:set>
+                                      <p:cBhvr>
+                                        <p:cTn id="6" dur="1" fill="hold">
+                                          <p:stCondLst>
+                                            <p:cond delay="0"/>
+                                          </p:stCondLst>
+                                        </p:cTn>
+                                        <p:tgtEl>
+                                          <p:spTgt spid="10242"/>
+                                        </p:tgtEl>
+                                        <p:attrNameLst>
+                                          <p:attrName>style.visibility</p:attrName>
+                                        </p:attrNameLst>
+                                      </p:cBhvr>
+                                      <p:to>
+                                        <p:strVal val="visible"/>
+                                      </p:to>
+                                    </p:set>
+                                    <p:animEffect transition="in" filter="barn(inVertical)">
+                                      <p:cBhvr>
+                                        <p:cTn id="7" dur="500"/>
+                                        <p:tgtEl>
+                                          <p:spTgt spid="10242"/>
+                                        </p:tgtEl>
+                                      </p:cBhvr>
+                                    </p:animEffect>
+                                  </p:childTnLst>
+                                </p:cTn>
+                              </p:par>
+                            </p:childTnLst>
+                          </p:cTn>
+                        </p:par>
+                      </p:childTnLst>
+                    </p:cTn>
+                  </p:par>
+                  <p:par>
+                    <p:cTn id="8" fill="hold">
+                      <p:stCondLst>
+                        <p:cond delay="indefinite"/>
+                      </p:stCondLst>
+                      <p:childTnLst>
+                        <p:par>
+                          <p:cTn id="9" fill="hold">
+                            <p:stCondLst>
+                              <p:cond delay="0"/>
+                            </p:stCondLst>
+                            <p:childTnLst>
+                              <p:par>
+                                <p:cTn id="10" presetID="16" presetClass="entr" presetSubtype="21" fill="hold" nodeType="clickEffect">
+                                  <p:stCondLst>
+                                    <p:cond delay="0"/>
+                                  </p:stCondLst>
+                                  <p:childTnLst>
+                                    <p:set>
+                                      <p:cBhvr>
+                                        <p:cTn id="11" dur="1" fill="hold">
+                                          <p:stCondLst>
+                                            <p:cond delay="0"/>
+                                          </p:stCondLst>
+                                        </p:cTn>
+                                        <p:tgtEl>
+                                          <p:spTgt spid="69655"/>
+                                        </p:tgtEl>
+                                        <p:attrNameLst>
+                                          <p:attrName>style.visibility</p:attrName>
+                                        </p:attrNameLst>
+                                      </p:cBhvr>
+                                      <p:to>
+                                        <p:strVal val="visible"/>
+                                      </p:to>
+                                    </p:set>
+                                    <p:animEffect transition="in" filter="barn(inVertical)">
+                                      <p:cBhvr>
+                                        <p:cTn id="12" dur="500"/>
+                                        <p:tgtEl>
+                                          <p:spTgt spid="69655"/>
+                                        </p:tgtEl>
+                                      </p:cBhvr>
+                                    </p:animEffect>
+                                  </p:childTnLst>
+                                </p:cTn>
+                              </p:par>
+                            </p:childTnLst>
+                          </p:cTn>
+                        </p:par>
+                      </p:childTnLst>
+                    </p:cTn>
+                  </p:par>
+                  <p:par>
+                    <p:cTn id="13" fill="hold">
+                      <p:stCondLst>
+                        <p:cond delay="indefinite"/>
+                      </p:stCondLst>
+                      <p:childTnLst>
+                        <p:par>
+                          <p:cTn id="14" fill="hold">
+                            <p:stCondLst>
+                              <p:cond delay="0"/>
+                            </p:stCondLst>
+                            <p:childTnLst>
+                              <p:par>
+                                <p:cTn id="15" presetID="16" presetClass="entr" presetSubtype="21" fill="hold" nodeType="clickEffect">
+                                  <p:stCondLst>
+                                    <p:cond delay="0"/>
+                                  </p:stCondLst>
+                                  <p:childTnLst>
+                                    <p:set>
+                                      <p:cBhvr>
+                                        <p:cTn id="16" dur="1" fill="hold">
+                                          <p:stCondLst>
+                                            <p:cond delay="0"/>
+                                          </p:stCondLst>
+                                        </p:cTn>
+                                        <p:tgtEl>
+                                          <p:spTgt spid="69659"/>
+                                        </p:tgtEl>
+                                        <p:attrNameLst>
+                                          <p:attrName>style.visibility</p:attrName>
+                                        </p:attrNameLst>
+                                      </p:cBhvr>
+                                      <p:to>
+                                        <p:strVal val="visible"/>
+                                      </p:to>
+                                    </p:set>
+                                    <p:animEffect transition="in" filter="barn(inVertical)">
+                                      <p:cBhvr>
+                                        <p:cTn id="17" dur="500"/>
+                                        <p:tgtEl>
+                                          <p:spTgt spid="69659"/>
+                                        </p:tgtEl>
+                                      </p:cBhvr>
+                                    </p:animEffect>
+                                  </p:childTnLst>
+                                </p:cTn>
+                              </p:par>
+                            </p:childTnLst>
+                          </p:cTn>
+                        </p:par>
+                      </p:childTnLst>
+                    </p:cTn>
+                  </p:par>
+                  <p:par>
+                    <p:cTn id="18" fill="hold">
+                      <p:stCondLst>
+                        <p:cond delay="indefinite"/>
+                      </p:stCondLst>
+                      <p:childTnLst>
+                        <p:par>
+                          <p:cTn id="19" fill="hold">
+                            <p:stCondLst>
+                              <p:cond delay="0"/>
+                            </p:stCondLst>
+                            <p:childTnLst>
+                              <p:par>
+                                <p:cTn id="20" presetID="16" presetClass="entr" presetSubtype="21" fill="hold" nodeType="clickEffect">
+                                  <p:stCondLst>
+                                    <p:cond delay="0"/>
+                                  </p:stCondLst>
+                                  <p:childTnLst>
+                                    <p:set>
+                                      <p:cBhvr>
+                                        <p:cTn id="21" dur="1" fill="hold">
+                                          <p:stCondLst>
+                                            <p:cond delay="0"/>
+                                          </p:stCondLst>
+                                        </p:cTn>
+                                        <p:tgtEl>
+                                          <p:spTgt spid="69656"/>
+                                        </p:tgtEl>
+                                        <p:attrNameLst>
+                                          <p:attrName>style.visibility</p:attrName>
+                                        </p:attrNameLst>
+                                      </p:cBhvr>
+                                      <p:to>
+                                        <p:strVal val="visible"/>
+                                      </p:to>
+                                    </p:set>
+                                    <p:animEffect transition="in" filter="barn(inVertical)">
+                                      <p:cBhvr>
+                                        <p:cTn id="22" dur="500"/>
+                                        <p:tgtEl>
+                                          <p:spTgt spid="69656"/>
+                                        </p:tgtEl>
+                                      </p:cBhvr>
+                                    </p:animEffect>
+                                  </p:childTnLst>
+                                </p:cTn>
+                              </p:par>
+                            </p:childTnLst>
+                          </p:cTn>
+                        </p:par>
+                      </p:childTnLst>
+                    </p:cTn>
+                  </p:par>
+                </p:childTnLst>
+              </p:cTn>
+              <p:prevCondLst>
+                <p:cond evt="onPrev" delay="0">
+                  <p:tgtEl>
+                    <p:sldTgt/>
+                  </p:tgtEl>
+                </p:cond>
+              </p:prevCondLst>
+              <p:nextCondLst>
+                <p:cond evt="onNext" delay="0">
+                  <p:tgtEl>
+                    <p:sldTgt/>
+                  </p:tgtEl>
+                </p:cond>
+              </p:nextCondLst>
+            </p:seq>
+          </p:childTnLst>
+        </p:cTn>
       </p:par>
     </p:tnLst>
+    <p:bldLst>
+      <p:bldP spid="10242" grpId="0"/>
+    </p:bldLst>
   </p:timing>
 </p:sld>
 </file>
@@ -14634,7 +16680,7 @@
             <a:fld id="{9145DB05-0482-4A25-BBD6-1702FCF7F2AB}" type="datetime1">
               <a:rPr lang="fr-FR" smtClean="0"/>
               <a:pPr/>
-              <a:t>16/11/2014</a:t>
+              <a:t>17/11/2014</a:t>
             </a:fld>
             <a:endParaRPr lang="fr-BE" smtClean="0"/>
           </a:p>
@@ -14918,9 +16964,141 @@
   <p:timing>
     <p:tnLst>
       <p:par>
-        <p:cTn id="1" dur="indefinite" restart="never" nodeType="tmRoot"/>
+        <p:cTn id="1" dur="indefinite" restart="never" nodeType="tmRoot">
+          <p:childTnLst>
+            <p:seq concurrent="1" nextAc="seek">
+              <p:cTn id="2" dur="indefinite" nodeType="mainSeq">
+                <p:childTnLst>
+                  <p:par>
+                    <p:cTn id="3" fill="hold">
+                      <p:stCondLst>
+                        <p:cond delay="indefinite"/>
+                      </p:stCondLst>
+                      <p:childTnLst>
+                        <p:par>
+                          <p:cTn id="4" fill="hold">
+                            <p:stCondLst>
+                              <p:cond delay="0"/>
+                            </p:stCondLst>
+                            <p:childTnLst>
+                              <p:par>
+                                <p:cTn id="5" presetID="16" presetClass="entr" presetSubtype="21" fill="hold" grpId="0" nodeType="clickEffect">
+                                  <p:stCondLst>
+                                    <p:cond delay="0"/>
+                                  </p:stCondLst>
+                                  <p:childTnLst>
+                                    <p:set>
+                                      <p:cBhvr>
+                                        <p:cTn id="6" dur="1" fill="hold">
+                                          <p:stCondLst>
+                                            <p:cond delay="0"/>
+                                          </p:stCondLst>
+                                        </p:cTn>
+                                        <p:tgtEl>
+                                          <p:spTgt spid="10242"/>
+                                        </p:tgtEl>
+                                        <p:attrNameLst>
+                                          <p:attrName>style.visibility</p:attrName>
+                                        </p:attrNameLst>
+                                      </p:cBhvr>
+                                      <p:to>
+                                        <p:strVal val="visible"/>
+                                      </p:to>
+                                    </p:set>
+                                    <p:animEffect transition="in" filter="barn(inVertical)">
+                                      <p:cBhvr>
+                                        <p:cTn id="7" dur="500"/>
+                                        <p:tgtEl>
+                                          <p:spTgt spid="10242"/>
+                                        </p:tgtEl>
+                                      </p:cBhvr>
+                                    </p:animEffect>
+                                  </p:childTnLst>
+                                </p:cTn>
+                              </p:par>
+                            </p:childTnLst>
+                          </p:cTn>
+                        </p:par>
+                      </p:childTnLst>
+                    </p:cTn>
+                  </p:par>
+                  <p:par>
+                    <p:cTn id="8" fill="hold">
+                      <p:stCondLst>
+                        <p:cond delay="indefinite"/>
+                      </p:stCondLst>
+                      <p:childTnLst>
+                        <p:par>
+                          <p:cTn id="9" fill="hold">
+                            <p:stCondLst>
+                              <p:cond delay="0"/>
+                            </p:stCondLst>
+                            <p:childTnLst>
+                              <p:par>
+                                <p:cTn id="10" presetID="16" presetClass="entr" presetSubtype="21" fill="hold" nodeType="clickEffect">
+                                  <p:stCondLst>
+                                    <p:cond delay="0"/>
+                                  </p:stCondLst>
+                                  <p:childTnLst>
+                                    <p:set>
+                                      <p:cBhvr>
+                                        <p:cTn id="11" dur="1" fill="hold">
+                                          <p:stCondLst>
+                                            <p:cond delay="0"/>
+                                          </p:stCondLst>
+                                        </p:cTn>
+                                        <p:tgtEl>
+                                          <p:spTgt spid="67587"/>
+                                        </p:tgtEl>
+                                        <p:attrNameLst>
+                                          <p:attrName>style.visibility</p:attrName>
+                                        </p:attrNameLst>
+                                      </p:cBhvr>
+                                      <p:to>
+                                        <p:strVal val="visible"/>
+                                      </p:to>
+                                    </p:set>
+                                    <p:animEffect transition="in" filter="barn(inVertical)">
+                                      <p:cBhvr>
+                                        <p:cTn id="12" dur="500"/>
+                                        <p:tgtEl>
+                                          <p:spTgt spid="67587"/>
+                                        </p:tgtEl>
+                                      </p:cBhvr>
+                                    </p:animEffect>
+                                  </p:childTnLst>
+                                </p:cTn>
+                              </p:par>
+                            </p:childTnLst>
+                          </p:cTn>
+                        </p:par>
+                      </p:childTnLst>
+                    </p:cTn>
+                  </p:par>
+                </p:childTnLst>
+              </p:cTn>
+              <p:prevCondLst>
+                <p:cond evt="onPrev" delay="0">
+                  <p:tgtEl>
+                    <p:sldTgt/>
+                  </p:tgtEl>
+                </p:cond>
+              </p:prevCondLst>
+              <p:nextCondLst>
+                <p:cond evt="onNext" delay="0">
+                  <p:tgtEl>
+                    <p:sldTgt/>
+                  </p:tgtEl>
+                </p:cond>
+              </p:nextCondLst>
+            </p:seq>
+          </p:childTnLst>
+        </p:cTn>
       </p:par>
     </p:tnLst>
+    <p:bldLst>
+      <p:bldP spid="10242" grpId="0"/>
+    </p:bldLst>
   </p:timing>
 </p:sld>
 </file>
@@ -14944,7 +17122,7 @@
       </p:grpSpPr>
       <p:sp>
         <p:nvSpPr>
-          <p:cNvPr id="2" name="Titre 1"/>
+          <p:cNvPr id="10242" name="Titre 3"/>
           <p:cNvSpPr>
             <a:spLocks noGrp="1"/>
           </p:cNvSpPr>
@@ -14952,208 +17130,344 @@
             <p:ph type="title"/>
           </p:nvPr>
         </p:nvSpPr>
-        <p:spPr/>
+        <p:spPr>
+          <a:xfrm>
+            <a:off x="0" y="228600"/>
+            <a:ext cx="8766175" cy="990600"/>
+          </a:xfrm>
+        </p:spPr>
         <p:txBody>
           <a:bodyPr/>
           <a:lstStyle/>
           <a:p>
-            <a:pPr algn="ctr"/>
-            <a:r>
-              <a:rPr lang="fr-FR" sz="3600" dirty="0" smtClean="0">
-                <a:latin typeface="Times New Roman" pitchFamily="18" charset="0"/>
-                <a:cs typeface="Times New Roman" pitchFamily="18" charset="0"/>
-              </a:rPr>
-              <a:t/>
-            </a:r>
-            <a:br>
-              <a:rPr lang="fr-FR" sz="3600" dirty="0" smtClean="0">
-                <a:latin typeface="Times New Roman" pitchFamily="18" charset="0"/>
-                <a:cs typeface="Times New Roman" pitchFamily="18" charset="0"/>
-              </a:rPr>
-            </a:br>
-            <a:r>
-              <a:rPr lang="fr-FR" sz="3600" dirty="0" smtClean="0">
-                <a:latin typeface="Times New Roman" pitchFamily="18" charset="0"/>
-                <a:cs typeface="Times New Roman" pitchFamily="18" charset="0"/>
-              </a:rPr>
-              <a:t>Applications </a:t>
-            </a:r>
+            <a:pPr algn="ctr" eaLnBrk="1" hangingPunct="1"/>
             <a:r>
               <a:rPr lang="fr-FR" sz="3600" dirty="0">
                 <a:latin typeface="Times New Roman" pitchFamily="18" charset="0"/>
                 <a:cs typeface="Times New Roman" pitchFamily="18" charset="0"/>
               </a:rPr>
-              <a:t>de l’</a:t>
-            </a:r>
-            <a:r>
-              <a:rPr lang="fr-FR" sz="3600" dirty="0" err="1">
-                <a:latin typeface="Times New Roman" pitchFamily="18" charset="0"/>
-                <a:cs typeface="Times New Roman" pitchFamily="18" charset="0"/>
-              </a:rPr>
-              <a:t>IoT</a:t>
-            </a:r>
-            <a:r>
-              <a:rPr lang="fr-FR" sz="3600" dirty="0">
-                <a:latin typeface="Times New Roman" pitchFamily="18" charset="0"/>
-                <a:cs typeface="Times New Roman" pitchFamily="18" charset="0"/>
-              </a:rPr>
-              <a:t/>
-            </a:r>
-            <a:br>
-              <a:rPr lang="fr-FR" sz="3600" dirty="0">
-                <a:latin typeface="Times New Roman" pitchFamily="18" charset="0"/>
-                <a:cs typeface="Times New Roman" pitchFamily="18" charset="0"/>
-              </a:rPr>
-            </a:br>
-            <a:endParaRPr lang="fr-FR" sz="3600" dirty="0">
-              <a:latin typeface="Times New Roman" pitchFamily="18" charset="0"/>
-              <a:cs typeface="Times New Roman" pitchFamily="18" charset="0"/>
-            </a:endParaRPr>
-          </a:p>
-        </p:txBody>
-      </p:sp>
-      <p:sp>
-        <p:nvSpPr>
-          <p:cNvPr id="3" name="Espace réservé du contenu 2"/>
+              <a:t>Pourquoi l’internet des objets?</a:t>
+            </a:r>
+          </a:p>
+        </p:txBody>
+      </p:sp>
+      <p:sp>
+        <p:nvSpPr>
+          <p:cNvPr id="10244" name="Espace réservé de la date 5"/>
           <p:cNvSpPr>
             <a:spLocks noGrp="1"/>
           </p:cNvSpPr>
           <p:nvPr>
-            <p:ph sz="quarter" idx="1"/>
-          </p:nvPr>
-        </p:nvSpPr>
-        <p:spPr>
-          <a:xfrm>
-            <a:off x="612648" y="2060848"/>
-            <a:ext cx="8153400" cy="4035152"/>
-          </a:xfrm>
-        </p:spPr>
-        <p:txBody>
-          <a:bodyPr/>
-          <a:lstStyle/>
-          <a:p>
-            <a:r>
-              <a:rPr lang="fr-FR" dirty="0"/>
-              <a:t>l</a:t>
-            </a:r>
-            <a:r>
-              <a:rPr lang="fr-FR" dirty="0" smtClean="0"/>
-              <a:t>a santé</a:t>
-            </a:r>
-          </a:p>
-          <a:p>
-            <a:r>
-              <a:rPr lang="fr-FR" dirty="0"/>
-              <a:t>la planification </a:t>
-            </a:r>
-            <a:r>
-              <a:rPr lang="fr-FR" dirty="0" smtClean="0"/>
-              <a:t>urbaine</a:t>
-            </a:r>
-          </a:p>
-          <a:p>
-            <a:r>
-              <a:rPr lang="fr-FR" dirty="0"/>
-              <a:t>la détection </a:t>
-            </a:r>
-            <a:r>
-              <a:rPr lang="fr-FR" dirty="0" smtClean="0"/>
-              <a:t>environnementale</a:t>
-            </a:r>
-          </a:p>
-          <a:p>
-            <a:r>
-              <a:rPr lang="fr-FR" dirty="0"/>
-              <a:t>les services </a:t>
-            </a:r>
-            <a:r>
-              <a:rPr lang="fr-FR" dirty="0" smtClean="0"/>
-              <a:t>d'urgence</a:t>
-            </a:r>
-          </a:p>
-          <a:p>
-            <a:r>
-              <a:rPr lang="fr-FR" dirty="0"/>
-              <a:t>l'achat </a:t>
-            </a:r>
-            <a:r>
-              <a:rPr lang="fr-FR" dirty="0" smtClean="0"/>
-              <a:t>mobile</a:t>
-            </a:r>
-          </a:p>
-          <a:p>
-            <a:r>
-              <a:rPr lang="fr-FR" dirty="0" smtClean="0"/>
-              <a:t>domotique</a:t>
-            </a:r>
-            <a:endParaRPr lang="fr-FR" dirty="0"/>
-          </a:p>
-        </p:txBody>
-      </p:sp>
-      <p:sp>
-        <p:nvSpPr>
-          <p:cNvPr id="4" name="Espace réservé de la date 3"/>
+            <p:ph type="dt" sz="quarter" idx="10"/>
+          </p:nvPr>
+        </p:nvSpPr>
+        <p:spPr bwMode="auto">
+          <a:noFill/>
+          <a:ln>
+            <a:miter lim="800000"/>
+            <a:headEnd/>
+            <a:tailEnd/>
+          </a:ln>
+        </p:spPr>
+        <p:txBody>
+          <a:bodyPr wrap="square" lIns="91440" tIns="45720" rIns="91440" bIns="45720" numCol="1" compatLnSpc="1">
+            <a:prstTxWarp prst="textNoShape">
+              <a:avLst/>
+            </a:prstTxWarp>
+          </a:bodyPr>
+          <a:lstStyle/>
+          <a:p>
+            <a:fld id="{9145DB05-0482-4A25-BBD6-1702FCF7F2AB}" type="datetime1">
+              <a:rPr lang="fr-FR" smtClean="0"/>
+              <a:pPr/>
+              <a:t>17/11/2014</a:t>
+            </a:fld>
+            <a:endParaRPr lang="fr-BE" smtClean="0"/>
+          </a:p>
+        </p:txBody>
+      </p:sp>
+      <p:sp>
+        <p:nvSpPr>
+          <p:cNvPr id="7" name="Espace réservé du numéro de diapositive 6"/>
           <p:cNvSpPr>
             <a:spLocks noGrp="1"/>
           </p:cNvSpPr>
           <p:nvPr>
-            <p:ph type="dt" sz="half" idx="10"/>
+            <p:ph type="sldNum" sz="quarter" idx="12"/>
           </p:nvPr>
         </p:nvSpPr>
         <p:spPr/>
         <p:txBody>
-          <a:bodyPr/>
+          <a:bodyPr>
+            <a:normAutofit fontScale="85000" lnSpcReduction="20000"/>
+          </a:bodyPr>
           <a:lstStyle/>
           <a:p>
             <a:pPr>
               <a:defRPr/>
             </a:pPr>
-            <a:fld id="{65ACCEE1-83F7-4A1F-9F42-0F6BBACAD815}" type="datetime1">
-              <a:rPr lang="fr-FR" smtClean="0"/>
-              <a:pPr>
-                <a:defRPr/>
-              </a:pPr>
-              <a:t>16/11/2014</a:t>
-            </a:fld>
-            <a:endParaRPr lang="fr-BE"/>
-          </a:p>
-        </p:txBody>
-      </p:sp>
-      <p:sp>
-        <p:nvSpPr>
-          <p:cNvPr id="5" name="Espace réservé du numéro de diapositive 4"/>
+            <a:r>
+              <a:rPr lang="fr-BE" dirty="0"/>
+              <a:t>2</a:t>
+            </a:r>
+          </a:p>
+        </p:txBody>
+      </p:sp>
+      <p:sp>
+        <p:nvSpPr>
+          <p:cNvPr id="10246" name="Espace réservé du pied de page 7"/>
           <p:cNvSpPr>
             <a:spLocks noGrp="1"/>
           </p:cNvSpPr>
           <p:nvPr>
-            <p:ph type="sldNum" sz="quarter" idx="12"/>
-          </p:nvPr>
-        </p:nvSpPr>
-        <p:spPr/>
-        <p:txBody>
-          <a:bodyPr>
-            <a:normAutofit fontScale="85000" lnSpcReduction="20000"/>
+            <p:ph type="ftr" sz="quarter" idx="11"/>
+          </p:nvPr>
+        </p:nvSpPr>
+        <p:spPr bwMode="auto">
+          <a:noFill/>
+          <a:ln>
+            <a:miter lim="800000"/>
+            <a:headEnd/>
+            <a:tailEnd/>
+          </a:ln>
+        </p:spPr>
+        <p:txBody>
+          <a:bodyPr wrap="square" lIns="91440" tIns="45720" rIns="91440" bIns="45720" numCol="1" anchorCtr="0" compatLnSpc="1">
+            <a:prstTxWarp prst="textNoShape">
+              <a:avLst/>
+            </a:prstTxWarp>
           </a:bodyPr>
           <a:lstStyle/>
           <a:p>
-            <a:pPr>
-              <a:defRPr/>
-            </a:pPr>
-            <a:fld id="{7DB234AD-1E11-4B53-B6E5-88515ECC9B9D}" type="slidenum">
-              <a:rPr lang="fr-BE" smtClean="0"/>
-              <a:pPr>
-                <a:defRPr/>
-              </a:pPr>
-              <a:t>9</a:t>
-            </a:fld>
-            <a:endParaRPr lang="fr-BE"/>
-          </a:p>
-        </p:txBody>
-      </p:sp>
+            <a:endParaRPr lang="fr-BE" dirty="0" smtClean="0"/>
+          </a:p>
+        </p:txBody>
+      </p:sp>
+      <p:sp>
+        <p:nvSpPr>
+          <p:cNvPr id="60418" name="AutoShape 2" descr="data:image/jpeg;base64,/9j/4AAQSkZJRgABAQAAAQABAAD/2wCEAAkGBxQTEhUUExQWFhUVGSAYGRgYGSAcIBsgHx4dHiAkHCAdHyghIB8lIB8eITEiJSorLy4uIB8zODMsNygtLisBCgoKDg0OGxAQGzcmICQsLCwvLC80LC80LCw0LCwsLCwvLCwsLC8sLCwsLCwsLCwsLCwsLCwsLCwsLCwsLCwsLP/AABEIALcBEwMBEQACEQEDEQH/xAAcAAACAwEBAQEAAAAAAAAAAAAFBgMEBwIAAQj/xABHEAACAQIEAwYEAwQJBAAFBQABAgMEEQAFEiEGMUEHEyJRYXEygZGhFEKxI1KSojNicoLBwtHh8BUkQ7IWF1Pi8Qg0VGPS/8QAGgEAAgMBAQAAAAAAAAAAAAAAAwQAAQIFBv/EADkRAAEEAAQCCAYCAgICAgMAAAEAAgMRBBIhMUFRBRMiYXGBofAykbHB0eEUI0LxBlIVclNiJDND/9oADAMBAAIRAxEAPwDTZs+nG/dRgfulzf5kLYH646DcIw/5ei4cnS0rDeQV46/RDZuJao/AieyqzfU3/wABhgYGADtO+gSDum8W8/1xivAn1Xyg47IbTUR26Fkvt7qd/oflgcnR2lxn5/lMYbp2zlnbXePx78E5wyq6hlIZWFwRuDjmEFpor0LXNe2xqCsl4t/7XOEm5KzRy/I+FvrZvrjqwf2Yct8QuLif6sWHeB+xTb2p5eZaMMoJaORW2FzY+H9SPphXBPyyUeITvSMeaGxwP6VTKMslqMmNO6MsgBChwVJ0trT4unJb41I9rMTnB092sRRukwmQjX3SI8EcOSU9NJBU926yMW0glhYgAg3AHTpgeJma94czgi4PDujjLJNbUTdm9EW1WkA/cD7fcavvjX86WqWP/GwXeqY6PKYYkREiULHfRcX03NzYm53PPzws6RziSTunGQsaA0DZXcYREsV+fTmZ4YY1uhtuCxOwN7AgDmPPp52w2yBmQOcUjLipA8sY3b3t+0t1mfStfVM/sDot/BY/XDLYYxsEm6eZ27q8NP36q5wXmQ/FaL7SIevNhYj32DYFiWjJYGyNg3ESUTuivadQ97l09ucYEo9NBBP8urCsJp4TuJbmjIWKcOcNz1rssAXwAFizBQL7D1PI8gfuMPPkDN1y4oXSfCrWYcOfgaqOOvDGJt9UJ2YddJZfynmLX+oOMiTM22brZh6t4Em3cnHtE4LpKai76nQqyOuptbNdW23uSOZXlgMUrnPopnEYdjY8zQmfhWnioMsSWRArLEZZDpAYk3axPO+4UD2GBPJe/RMQtEcYJ8SscyjOGSujqmNj3/eP7M13+xOHHM7GXuXNZJ/bn71+jMzqTHEzDnsB7kgfa98IxMzvAK6WJlMURePfBAo4WlRnmmYRrz9fPYbfY4bcWxuDWN1K5UYlnYXySENHvh+1xlskM0U8FNJrOjUNSlQGNwL3ANgVXp1xUhe17XvFLcDYpIpIYXXpeumvsBd1bpA8dLJEO4mj7tpbW1OfMjl/qRbljLc0gMgOoN13Ij+rhc3Dub2XCs3M+/UqPJYGoY0ibcNVaAf3lZfCf0+eJKRO4uH/AFtVh2nBsDHcX15EaL5RZDLDXyVLSAQtqYkncg9D6A/oMW6Zj4RGBqqiwcsWLdMXdk3/AK8vsups1jqFs0s0BUn+juNQvtuATy9uvPEbC6M6AHxVvxLJ20XlnhxHyXGVUKSVayxIVSFSCxJJdiCNyeZsb+ewvzGLke5sRa46n0WYIWSYkSMGjRueJ29+vBE+M6HvqGojtc92WA9V8Q+4GFoXZZAV052Zo3DuWFwUcIUM78xe1wP98dUuddALjtjZQJKO8MEpNHLTU0suhr3RCRbkfEdhcXGBS6tIcaRoi0OBY200ZpkNfWzGXuIqYEAESSazt18A52tsfLAGyRRtq7TL2SyOsNrx/SbuEMiNHT9y0neHUzXAsBq6AXO3+pwtNIJHWAmIIzG3KSjeBIyT8/73v30307W/hGMHddfC9X1Qzb/tFaSjV5Dq3Ci9vP8A2/2x0JJSxui8dBhmSynPsOCpZhn0sb6UiAVTaxU3I+Ww/wCc8Giwkb2252pSuJ6VxEMmSOPsg8jr8tvVLnG2bQziMqhEo+IkW28j57/83wxg4ZIiQTolOk8XDiQ1zGkO42K05d6tdm2aEO9Ox8JGtPQjmB73v8j54F0jEKEg8E50HiTZhO24+6bsz4fp6h1eaIOyCwuTa3Plex+eOcyZ7BTTS7skEchBcLpEgLYEjL7iKKlnGbQ0sTTVDiONbXY32vsOQJ3OIrAtWopQyhlN1YAg+YPLEVIbDxLSPP8Ah1qYWm3HdiRS1xzFr8x5c8RXRWYdpXHZqaWZaBasCnlUNVR+GIkbFSytcruOYsTp6EHE71NjSPVGYB6yinDMkddEhup0m7La1/nGMORaxHu9/lc6Y5MQ3hm09+ilmjSmgrHWFHmpZvCXu3hbSVJ33srn+G+LBL3NBOhCy4CNj3AWWnj771TzqrVKjLa5FCLPp7y3IE2DfPSzD+7jTAS18Z4IcpqSKVooHf35rQFdaiFwVYK4aMh1seqnbyOEAV1TRX5zyrMZqGp1obSRMUYdGsbMreht+h5jHTc0PauMx7on6cFs8NRSZxSWYXH5lvZ4m8wf0PIj5jCXajcup2J2e9ExGjRo+6ZQ6WCkOAwIFrXvseWB3raLQIooVBWUmZ07oriWJtnXdWFjcXBsw3AIPpjVOYVnsStrcLHOO+GFopQqSiRHBIBI1ra2zge+x2vvttu5FJnC5mIg6o6bFbfwvVipoYHbfvIlDe4Fm/mBwk62P04LotqSPXYhL9FFPHUTI1X3ABGgMgYOu9jvYcrXtvf2w+9zHsa7Jf2XDhZNFM9nWZANrF2Oete/BGTnSIY7nvXAIaRVtsegF+ptsD0wv1DnA1oORXQ/lMYW2cx4kBBqWZzFJCVEkT30azcpc7b73tzwy5gDg8aEeqRZITG6NwzNO18P9Itm8RMUKs4ZkIJYb7jkf8Sfc7YBFWZxqgU3ibLGNJsjW11V0i1MqlTtbxkWNrX+V+Q+vliNeYmaq5IxiJBW3FEYcmhUAd2pt1IuT7nrgBmeTumm4SForKr0aBQAoAA5ACwwMknUpgAAUF9IxStCaLhmjhN46aJT56QSPYncfLBHTSO3KE2CNuzVLW57TQyJDLPGkj20ozAE3Nht6kWGMhjiLARMwGloXn3GcNLJJEysXjWOQ3sAUdwhZTvfRe5BA29jbbIi4WsOka3QqPizik0dVRowXuZy4lYg3W2hVN72ADOL3HLFxx52k8QqfJkcBzU8NbImaSQszGOWnWWMHkrI5VwPUhlJxmh1d96vMc9dyYio8sDRbS1V5j3Tro8UjfCi7lv9ut8dFsYe05thxXAfO6KQZNXHYc/fNUKjjaWNiklNpYcwXt/lxpvR7Xi2v08P2hydOPidkkiojv8A0i1JPHmFM/eR6dyu+9jYG6mw88Aex2FlFFPQTRdI4clza3HgeYKQcjkanmSa2ynxf2Tsfsb46+Ij6yMtXlMBiupna/h9lq9ZIyxuyAMwUlVJtcgbC/S5x5xe/S92ecTnMaJahlCOWZWVTcKQduf9UqfniKJIoePBl1LUgtU1r01X3UrTsEKhtYuti5KXjYC9rk9BsIrrmoOJeIK6oE2XV9PCn4umaam7okkNGDKqsxNmP7OxIA3tzB2hUtLPD3EZd6eWrMkcYpGpaOYn9ksyKU7x/Jt7aumxOwuIp3KLIKcMtPDP+ISWllDJT01FeTVqvraYncHmemw52BxazY4EfdOFHwXmcEdXl0KwNR1TswqHbeNWAU+AG5bSBYWtqF777VSl9yI5lwlVQ5ZRxraaopH2MYPwkkiwNidNkHsL4Zwz2tcQ7YhJY2NzmhzRqCuWybN6ppmYRU4qFCyC4swUEDYa2GxI5jBs8DABvXvuS5jxUhJ0F6H3qrdF2XXCioqndV5IgsB52LE/YDGXYz/q1bb0cSAHusclowwkumvzx2l0Pc5jOLWDkSD11gE/zasdCA2wLkYluWU96A5bmUsDiSF2jcdVP2I5Eeh2wRzQ4UUNj3MNtKam7Tq8rp1Rg/vCMX+/h+2Bfx2Jj+bJyHvzSekpU3DEHzBtz54MQCKSoc4GwVfy3IKmf+hp5XB/MEOn+L4fvii5rdyrax7tha3Hs0y2opqIQ1KaGV2KjUG8LWbfSSAdRbbCEzg51hdXDtc1lOCZKujSQAOoa3LzHseYxhr3N2K3JEyQU4Wo6XLYozdEAPmSSfkSSRjTpXu3KzHh44zbR7813NRI25UX/eAsfrig9w4q3QsduPNfIaQKQSSxHK9tvYKAL+vv54heSo2INN7++5TvIFFyQBz3NuXPGEVCc14lggSJyWkE/wDRCFDIZNtXh0gg7b88bbG5xI5LLngbr3EWdGmhSbRqUyRo9zp0K7BS3I7gkbbe+IxmY0o52UWl7iriCqhqJjEyiOkhjnaIoCZlZ2EniJuukLtbrzwSNjS0XxNeCG97gdOCG8dyN3lSA50yUqVcOpjYPTSaiFBNhdSDtzxuKqHjXzWZCbPhfyUfaPRyTyUc0CFxURlHTkXVStQqhrHSTpYBvP3xcBDbB4f6WJwSQRx/2rnGfCzZk8E0aMmundSX8DRts0YdT4rEl0IANtV8Zik6uwea1LH1hBHJFs04P/GCl/Ft/QwskioW8TuqC4YEGwK3sRvtcYw2XJeVbdHmq1eq+EaeZIFqA0xgQoGZipYEKDr0Ear6Rz25+eMiUgnLxWjGHVaPKLC3lgaIs7qctko6lZL3XV+zdtxa1tDHobbeo5eWO3HKzERFp34/lePxGFnwWKErNRehP0Plp9EzzNBPpaWAlh/zmCLj3wkGyxWGO0XXe/DYqnSx6j3veo8VJNcp3UaiNCOQsDbr7euMtoOzvNlbkzPj6qJuVv2+yCyZYkjCGOzEkd4RuEW9zqPLURsBz3vyGGjiHBuc+XeVzmdHMLxG3U8e4d/jwCdMclenWM8NVtdltRX0tPl0tSrVLSRsLxxqDyu5XSfDo2v0OJqpYVybs8qqqSteXuoEr4YmZNWoxzoY2Ow8JUMJN9W+rEUtN7cEJIcveaV2moFCh0sokNkB1ghjY6eQPU74ipXsq4Po6eAUyQIYQ/eBJLyjX+8O81WO3TEUpG0QAAAAACwA2AHpiK19ZrbnbEUQXMOLaOElZJ01LzVbsR6eEHf0wZuHkdqAgPxMTPichR47Eh001LPMdWm5ARb2va5vbbfcDbGzhw0W9wHqg/zA41G0n0HzQ2biWtYgtJS0oYlY0e7l7G178tN/zbYvLEPhBdW9cP2sdfMd6byvij3CebvM80c66KiIgOoPhIPJlv0P2+eBysaAHMNtKYgmLyWvFOG6V+1XhGeqngkpotZKFHOpVC6Tdb6iOepuXljcEgaCChYqFzyC0IHl3ZDUtvNNFGPJQXP+Ufc4IcS0bBBbgnnc0mnLuyajTeVpZT5FtK/RQD/NgRxLjsmG4Ng31TRlvDFHBbuqaJSPzaQW/ia7ffAnSOO5Rmwxt2CL4wioTxNmLQQ6k+JmVATyUsbAnp6C+1yuNNFlS2j4tkEy/iBwps5mj6uVGtPM6FAuh6DmOe42U5g5pY4lpdpt79/pGhRa1DgrJcXBLM2of1WDBRfzVbYHnrREyk6+/fkrmWuSpBJIU2BPMgqGF/UXtf0xh621DMlzKRqutp5DfumRo9gP2cibcudmVhc405oDQQqa63EFB+MKN5KTv4xeoo2ci+5ZbFJVJt+ZN9uoGCMID6OxQnWW5huFQrMveXJaBohIzwinkAhJEhFgjaCNwdDMb+l8aDgJXXxtU4ExDy2RrOcvmq8t7iOLu2kHdlal7sqrcBiya9T7K2567m+BtIbJZPyRHguZQHzVnPeEkqtJeWRH7owyNHYGSNrala4OxIuPK5xTJS3h3q3R5tb12RHMMipp1RZoY5BH8AdQ2nkNr9Nht1sMZa9zdirLGncIgosLDYDGFtfcRRexFF7EUXsRRLc/GNEbqz6lOx8DEH5Eb4gdRsLoHojEubRb5WF9y2noZv6ByOpVJZI7f3AwsPlg/wDJedzfiAVy5uiBCe00t8CQPQ0iK5DTdYUb1caz9Wufviv5Ev8A2+Wn0QRgoOLAfHU/M2VPLJFTRFjpiiQXNhYD5D9BzxjtSO5lGAZEzSgAgCce09wWjqEiY2EzRWjPzve3ywc4R/MXyvVLjHRk8a51omrCqcUNVVxxjVI6oPNmCj6nFhpdoAqLg0WSl+t46o02WQyt0WJS177Cx+Hn64O3CyHUih3pZ+Nhbpdnu1VGo41lYrFDRyrO/wAPfjSukc2Jvc28tufPob6mMAvc8UOWqGcW4kNaw2eenmhj19fPqP4yFUUop/DANcs4U3LeJSAb+R+uLLoWUMhs38WmwtYLsQ//ADAAr4ddz37IBDC09ZNTVMkk6wJL3etze6nYmx3P/OQww+TJC2Rgoki0q1pkmdFISQLpT1k/4ZqSCGGN45ERyxTU0rE72bmCNiLcrjpgbG9cHyPcQQSN9vJae7qSyNjQQQD4+aucUB0hzD4lDTRtflqVlUG3mLgj5EYFhcrnxeB+eqNiszWS+IVdsxVY445JFo6mBBE5eDWxVeRjbewPPbnfY23JDC7O4huZpNijQ8whiVuQAnK5oo2LPkjvZ3SOaieoHetC6hUkn+NyDe4/qf7eRxWIIEbWGgeQ2H7RcGCZHPFkHidz+k45zmS08LSsrNawCoLsxYhVAHmSQMIudlFrrwQmV4YDXeeHEpcp+I6mo19yKWPux4wZDPIvvHEOfpfntzwISPdtX1+iedhYYqz5je2mUHzP4Sll+a5hXySKs04jCuFeNO6XWougYgXXVtcFri4wEGR5Oq6EsWFwzWnKL0sE3px91Sf+CZ5WpVFQytMhKuQ6ufMBipI1aSL7+vXDMROXXdcfHCMTEximnbSvl3Wj2CJRR1ESurK4DKwswIuCOtwemLBrZUQCNUg1eQywt3kAZkBtZfE6DYkEbl0G69WFgd+Yc68FpB3rRc84angt2vVGOHqsJLJTr3niXvV1oygEnS/NQB+VtI6ljzOE2l7hmkHFdAiNhyxm0x0aAAkcmNx7AAD7AHFuVNQqv4aSWqWp72aNwqoVjfQrhWLDXYXIueV7EY0JKblpUWW7NaMRwqt7C2o3PqcYJJWgAF2osLDYDFK19xFF7EUXsRRco4PIg+xxZBCoEHZL2b8Z08DFPFIw2IQCwPkSSBf2vhqLBSSC9h3rnYjpSCF2Xc9yJ5JnEdVHrjJ2NiDsVPrgM0LonZXJrDYmPEMzsQKn4wY5u+XPCFCxd4kmu5fZT8OkWG79T8OBJhNuIognDeaw1EXhVUZNnjsBp/8At9cUCnsZhpYX6mwdjz/aX56Ba2pJpQIkhBvMgtqk6Wta9vMdL+YxW+y6DZnYWACftF3+J4D373R3hnN3k1wTi08Ozf1h0Yf86g9bCwUhjcM1lSxfA7bu7kL7RJw4p6ZVZ3klVyire6KfFf03+xw5hRWZ/Ieq4WNcCGs3sjTuQHirLa2WrkQyBaYESWkcd2qIBuyjkL3FiN7HyuDwvibGDXa277S2IZO+Utvs767UOasmSsqGp1NYr00khRpaXwMG0khW225be+/TGajYCcvaHAohM0haM3ZJ3alnLqYTrXmctLJBCe7Z2JK6SR54Ze7Jky6AnVJxt6zrM+paNLRzN8zkhqqaKliTS0aSmNQF7xirDc22so26A3O+Fura+JxkPdfJMvldHKxkTeANc19QQwFZ5e/h74PTlJm1lQw1a15tpDCxv5391znktjKNU6xpfdyROxGQ91i7brw71RyWmjp4qvup1mcRCTwA6QEa4uepJ6Dlb1wWdzpXx5m0LrXfVBgY2Jj8rsxq9O5XcqaWok/E0dFZ5L95JM/gPQhOXMjmPL1OI+IMZ1cr9BsBv5rcbzI7rIo9TuTt5IrRcJ13d929VHFGxPgjTVoUn4UZrECxt6euMOfBmzZbPM8e8orYMRlylwA7uHcERp+AaYEGV5pyLW72QkbctgBcehxX8pw+EAeARBgmf5EnxKaJIVa11BtyuL2wuCQmy0HcLwmW+nUL+V9/pilqivTpqUg9R9MUVGmjaw/JcjrKKujJRgkTeOUf0ZiHxktytp3sd722wmxjmOXqZ8TDiICL1PDjfBBKniNlrHqICVXvzMqEnSd/zKCPiHPrvzxVnNYRxh2mERv3qr4/PuTr2JZneSph2GoCVVGwFiVa3pugwaDSwuZ0zH2WP5afj7rRM5rZUeGKLQGmLDW4JA0rqtYEEki/UcjhtjQbJXnnuIoDiu8lzEyq6yALLEdMijl5hlv+VhuPmOmI9uXbZRjsw1XRqe6dg6tpY6lZVLDfmDpBIN7nyscTLmGimbKdVKrmT8pVOuoWLegHMDzvY+nXFVlV3mVvGVpexFEAkpatq4PrC0yj4Qefh3BHU6uvlhoOhEFV2lzyzEnFB1/1j10+t+iMfjI9Zj1rrA1Fbi4HmR5YXyOrNWid6xmbLeu9IMnGVKZe7Dnr47eHYEnf5eWGDg5Q3NXkkh0nhi/IHefBCqLjvvapIljtG7aAxPi32BtyG/T74O/AZYy4nUJSPpgSThgb2Saviq2Z1ctfVtSxuY4Y76yPzadiT5i+wHLrjcbG4eISuFk7IU8smNxBw7DTRv38/wAV5obkMEkIrZoWJiRGjV/3jq2YdNhvf19cGnc15jY4akg0lcIx8QmkjPZAIB5m9D5bor2ewQimnlkCncq5bogUH6G5/wCDAMc5/WNa3y8U30QyIQPe/wAD4Uuey2I/t2/KdIHuNR+wI+uL6SI7I46qugmntu4afdAu1SoFDmuXZib6AGjkI8lv99Mr++nHLXoVf/8Am/Gd48vr3Q8mEQsfoxH3xNVXZ5rnP8tnIerkRIA1gYw1mYHnfoSdrjra9rjfBHFenwk8ILcOwl1ca0Hv2UfyriId2qUdHIyqLdFUHmRqN7n1O554u+S58+COcuxEoBPmfkqhqJxmNPJLCITIDHYOG1AA87eRK/QYnFFyRHByMjfmqjtVe9VN2l0gEK1Ss6SQEAFWtdXYAg/888PYN1uyHYrymObTRIDRH3QLPayJKzMYJyyRVCxftVUtoZUUrqA6E3+nzBo2uMbHN1IvRLyvaJZGO0DgNeWigyNzHGIMuJqpO9E0kmkpGoUbLdurWtf1xqQZjml7Iqu9Zh7DckPaN2eXsotSZdWM8jU9FBTCW/eiocyCQtz2F7KLnawBv8sCc+OhmeTW1aUjNZLZMcYF75tbVql4CMjB62bvWWNY0EY0BApuCCNyRvzHU89rZdi6FRitbN8VtuBLjmlN0KFaUi2WcG0sLa9LSva2qZtZt7Hb7YC7EvcKGg7tEZmEjacx1PfqquZ8IHvhNRyrSsU7t1ESlWF73tyB/wBBy3voTNc3LKM2t7rD8KQ/NCculHQIpw/lS0VMIzJqCamZ2so3JJPoB74HNL1jsyPh4eqYGboFmPaLCi6oopJQeTbIp9id7fLA4/7A8t/x3RZXCKZkUmhcgcvaBVSfAkUQ+bn72H2wsZTwTww7RulniDO6mRW1VMjbHwhtA+iWxnOSiiMAaBZtQ1smvvA7K6kEFdje/mN/nhnKKKS652YXxX6X7N89asoI5ZDeQFo5D5lTa59Stm+eINQsvFOWZ1GaDKauaJS1QxJUxk6UVSdSKLhmZtJHIAb23wpeR1L0YZ/Kia86Dnxvj3KTMeEvxsC1FFSSwSa9LwsNCkEfEhawsPSw57eeshOoCwzGiF2SR4cOe/0TF2b8A1NJU/iJ2RRoK6FJYm9viNrAC19icEjjINlJ47HxzR5GDjuU55yddRSxjmrNOx8lRSv3ZwPrhpnwk+S4j9wPNVJaow1rP3criSFR+zQturtzPIbHqRjeW20sZsr1ZmzaqsStKFAF/wBrKFJHsgYD5nGQxvNaMh4NRXLqsTRRyqCBIocA8xcX3wNwo0iNNi0B4g4wjppVi0lzt3hBtpB+W5tvbbphuDBulbmuuXeubi+lI8PIGVfPu/ao8fZnUIiGElYWteRSLkm5AFjcCwvfrfBcDFG4nPvyS/S2InY0dXo08Rz5c0vSVdT39FJNJfVoK2J+HVbxDzYbnzBw2GRZJGtHP35LnmXEdbC+R29V4Xx8eK5zvKmSvSIysxmK6n5E94dLbeXPby2xIZQ6AuA2vTwWcVh3MxYYXEl1Wdt9D5dy6zzJooswihVSI3MdwSTsWsdz52OJDM58BedxavFYWOLGNjaOycv1oq1xq4gzCKQLsojew2vpY8vktsYwgL8OW+IReki2LGMdW2U/I/pUpMrqxI8sMMvdzFtuRKM17MFNxfbywQSwloa9wsfVBMGJD3SRtOV1+YvY1smShyWqqFVKjTT06/8Ahi2Le+5sPcn264TfPFGSWdp3MrpRYXEztDZewwf4jj9VzH2fKGI/EP3THdALE25XN7G3npxZ6RJHw6+/e6yOhACR1hynh709E25dQpBGI410qP8Alz5nCEkjpHZnLsQwshYGMFBSy06sQWVWKm4uAbH0vyxhFpcPVxg2LoCOhYDEUpK+U5U1Y4qqoXQ7xRdAvQkdb/fmdrDGQL1K7GIxDcK3qIN/8ncb9/LxXNOv4Cu0cqeq+HyV/L6m3sV8sTYq3n+Zhc3+bN+8e/oeasTt+IzOMLulKhLH+s21v0+h8sXxQ2jqcE4nd5FeA4++5Hs2y2OoiaGUXR+djY7EEEHzBAOCMeWOzNXGljbI0tdsVUyThyClD90pvJbWzEsWt539+mNSTPkq+CxFh2R3XHmiRKov5VUewAwInmjtbwaEBzDjmgh+KpRj5R3k/wDQED54GZWDin4ujMVJsw+en1S1W9rUF9MMLt/WkYIv21H7YGZ+QXQj6AlOsjgPDX8Kak4pnn3Wqp4h0CxGT6lpBf5AYyJXHjS0/o2KIfAXeYH2P1TJkmdM8hglKGTTrV47hZFBAPhJJVlJFxc8wQeYBmPs0VzMThcjesbdXRB3B8eIPPT8j+1Uv/0upKGxAUt/Z1rq/lvjTtktCe2FmX/U43okXWoYGwW+56iw58jgXRzsmKe13wuG/iKPqjf8lgc8xTxCzofoR90HjrRGoafWgY2RdPjkO3wBrDSLi7nbcWudsRsJc6kSXEsa2x7/AGuc4ro0IV1kQMAQ6ustr/vJpQ/Q/XBX4cN2KUi6Qzmqr34p34Z7NKCWJZxNJMGF/DpQb7/lGofxYqhS1nN6UPAfm02cC0MVLJUU0S6E8Mqi5O5Gljckn8q4tpWHhNvcrq1aRqtbVYXt788aWL4KpnObJTR95JqIJCgKLkk3/wBOuNNaXGgsucGiylSr4+b/AMUAHrI/+Vb/AK4YGG5lCM/IIvwe7Tq1XKVMkn7OyggIqEiwuSdzdj8vLApez2QtR9rtFMeBIqF5+t4ZfDq/Zt4SbX2PXpgke6HJspsh/wD20G9/2Sb2tfwje2Mv+IrTPhCF8WcPJNA/doolBMgKgAseoNuZb9bYawuJcx4zHTb34LnY/AsliORva304nj80kUVZNWpBRW2Rrluukbb9PCCR67fPovYyAum5+/VcOOWXFtZheR37v0EwccZDNI8Bp0JCLoGkgabG45kW9/TCuDxDGtcHnfVdHpPByvewwjYV4clKvB80umeaciqDBr2BUAWsLC24te429+eM/wAxjbYxvZWx0ZLJUsj/AOy77u4cPT9pgzTIYqhkeQHXHazKbHY3t7X3wrHiHxgtbsV0J8HHM5r3bjiFdmo43ZXZEZl+FioJHsTywIPcBQOiO6JjnBzgCQu5ZlUXZgo9Tb9cYc4NFkogFmgqcudwKbGQfIE/oMKO6Qw7TRd9/omm4KdwsNV6OQMAVNwdwRhprg4BzToUs5paaO6xviTtQrUmlhRIou7dkvYu3hJF7sbdL/DhpsIIslJSYlwJAHv0Shm/EddJbv557OuoAkorKb2IVbKQbGxtbngoY0bBAdNIdz9kC29MbQl+jouNqO3xlbflKNt6bAj7451heqPRWKva++whec1rZiqxU0L2DBu+fwhbeXn+vpijqmsPE3AkvmeLqso1J9+ymbIcnWmj0g6mY6nc82bz9vT/AHxYC5mKxLp35joBoByCJYtLLOePeJqo1S0FDtKRdyCAxJGrSpY2Wy+InnuOVtwSPcTlau/0bgoBCcTiPh4b1yvTfXRK2bcCV3cyVFXMp7tC+l5GdjYXI32v7HAjE6rcujD0phesEULNzWgACSKeneQ6Y1Zza9lBY29hjK7D3tYLca8U/wBTwMauGjlokRA8F5SzG2tSL77m5JI8vD0wTISAW8lw2dKDDySMxBJp2nh6d3zQ3hrhZO7nnrJnp0glELBB4te17mx2Fx0PXlbfIAIJcarRMYrHvDmR4docXDNry9ERy/vaHOYIZZC6BtKsdtSyiw/mtf1XFtGSSkGZzMX0e6Roo7kciP19Vrub0QnglhYXEiMhB/rAjDa8kDRWe8P8JwSKjBpIlt8EelLHqNQXXzvsCOZwIFGcOKyntRh7rMGjFwkaKkYJJsoLdTuTe9ydzgrdkJwvRBYs0J0g7gjSwIFrX6e3T1wQvtC6pobotf7H63wSxr8F2KjyAK/5jJgUhHBbgBy6ppgn0ZhCekgaI/Mah91A+eBsOqM8dlOuCoKFcU0PfUsqD4tOpf7S+IfUi3zxuN2VwKxI22kLJL33HI746KST52a1V0mi/dYOPZh/qpwpiBqCmIDuE2VdbHELySIg82YL+uFwCdkckDdAc3zSOoieKBZJzIpQaFYJc7XLkBQBz54MxpbqdEF7g7Qaow9QtNThpmssSDWwBPIAE2Av9BgVFzqHFFsNbZ4KhwxxTDXd73IYCIgHULXvexAvy2PPyxuWF0dZuKxFM2W8vBFaeijRmZEVWc3YgAE++Mukc4AE7K2QxsJc1oBO6sYwiJX4n47paJ+7fW8lrlEANr8tRJAF/Lny23wN0gboujhOjJsS3O2gOZSnP2ss4PdQKu9ruxb7C3646GAw7MQ0ucao7LmdNCTo6RrB2swu/Pb6fNLuacf1b3vPoHklk+43++D4/CRxwEs30XA/mYmU0PQJalz0lw5ZnYEG5JPI35nHAMLnggjdGhw2JztkO4IOp5eqKVnHp/8AHF83b/Af645sfQp/zf8AL39l7V/Sw/wb81p3ZFxA1XRv3ltcUrIbCwsQGHMn94j5Y7MELYYwxuw5rlTSmV5eeKzntWoO6zKQ28MoWW3uNJ+pU/XHQhNtXKxDaf4o9xRXa6PL6ijo4fGvdAmMzPF3TAoiHqLhwbjf54G0HMQSjPc3IHAWtG4bnjqaWCcqhMkalrAfFazDbyIIwJwokJhmrQaXs+z6kpXhWpYI076IyUJBa4G7BSF5jmRjKIHOrQqFeKVOZf8ATxGdSw9+0lxYC4AAHMnceWIsosM0hMvciaPvrX7vWuu39m9/tiK6O6Xs27QqSGnmqB3kqU8/4eXQtij8jcPp8IO1xfflfEUWf9qqPBmK1ETMpljVw6mxuAUNj/ZA+uFZBT163oZzZsIY3iwCRXdv9V7Npmq8jildi8lNOUdmNzZieZO/5k+mKOrATwPv7KQtEHSTmAUHtsD34FHMlqwGyepFgsiNSSbWueS/VwTjQNFh8knPGaxMJ3BDx9/QqnVa4cvmRLhstrtSgHmmrw39DrJ+WMHss/8AUozMsuKa520sdeda/RM0j2qK6ONEkaeCOrhjddSswBU7dd1Q+5wU7uA5WucBcUTnEgNcWEjgN/uUgcfLUg0dXO476VLhBH3fdaCrAHck7uedsBfm0J3Xc6N6kiWCMdkHe7u7F+i2+iqBJGkg5OoYexF8OA2F457SxxaeBpKeXnu6ieL92Qkez+Mf+1vlgLtCjjVoSv2o8KCptMoOoDpz+V9jyFwfIbjGg5YLVlsWTlfDpcn0TSfqXIX3AbBusFaBAMBLrJ05LVeAMu/DxEsACwAsOSgcgL79SbnmSThd5TLQpc+rbSwld2WVCo8zrG3z5Ypm60RoVqWGEqvXxFFms/B9SJ3ESKEDko7OALE3GwuduXLph0TNy6pQxOvQItQ8EsZu+qpQ53JVAVuSDvqBB2vfYDAnTiqaFsQm7cUx0mR08ZukKBv3iNTfxNc/fAjI48UURtHBWaytjhXVLIka+bsFH3xkNLjQWiQBZQxsypa2OWCKeOQujKQrAmxBF7c+vPBMr4yHEIeZkgLQbWa9j9YY62SFtu8jIt/WQ3/TVh7GNtgIXOwDqkLSjWR8WVVdmXdRuFpkZnOlRdo0NhckE+I6eVueBPgZHFmO/wB0dmIfJNlbt9lpeEU+vz12yQmLM5PKVEkB+Wg/dPvgRhBJK6sHS0kMIia0acT48klpMfM/W2DxOdECGGrSGLndi3AzUa20Gl/6Rug4Uq5U7xYGEYFzI9kUDz1ORt1uMQkndAFAaIPKQpNyCAdyu9wOo5X9MZVq3nOTyQvMNDtHE5XvdB0kXspvyGoEG1+uLUTx2A5lpq6iAn+liEg942sfmRJ9sRRHO3Sg2ppx0LRMfezL+j4PAdwlMWNAUh5HmuYd33FJJUd3c+GFb2J52ZVLL8iMEcxh1cgRzSAU1Tp2d5iQCKRt/NowfmC9/riZ2KCOXvW28b8Mx5hSSU72BPijc/kcX0n25g+YJGE10lnXZFJPNmlVJVAienp0pnvzuGAufMnuwb9efXEUPBLEmXCOlrqxQRXZfmRdpLm7IXAsf6pYk/I9CcTgpxRvMKZZJ86pl+CtpEr4R5lQHNvUuftiKKTiiX8XkuW1fNkXunPrbSxP9+P74BONivQf8flqV8fMX8v9qHgWZXosxpXZVDR94mogDUL9T6hMCb8Lguj0i0sxEMzRsaNcvdrrg/P6RaQwVjOphnFRDpBJJG+kEA23vzt8XPFtLctHnYUx2ExBn6yADtNLXX9ffJd1PHyLUVcsNPrSqRAyTWsGUFblRcMpHS4vis+pIG6pnRLjFGyR9FhOo5HXfSigubcV1FTVpUR/spEUJGsV9gL7et7npyxRfZvim4cBDDAYnagmzaKUPC+Y5jMr1PeqvJpJRpsvkim3ysLX54sMc86peTHYPBRlsNE8hrr3n92tvghCKqKLKoCgegFhhxeNc4uJJ4pL4yY09Sk5H7ORQjN0DAm1/K4Nh/ZwN44o0R0pV5eIodPiYW9TgOqLlQ5Yu9N4aaST1CEL/E1l++NgOWCWDiicXD9dILWihX+s2o/Rdvvi+r5rJlHAInknBKRSrNNI00i7rcaVU+YW5ufUnb3wRrQENzy5W+Pe8FBO0LsjourUpsbAgtuN/hvhiCusFpbEZhGS3dJnZbxLDDTzrUTKmmQOC53bWN7DmxupO3nhnFRFzhlCUwcwDDnPHinTJ+MqOpk7qGW7nkCrLqtz06gL7b254WfBIwWQm2YiN5ppSpxN2iSioamoog7KxQsQWLMOYRV8rczfkduuGIsKC3M8pabGEOyRiz74KlknaFVx1Sw1yAKzBWumhk1WsfIrvfly3B89PwrCzMwrEeMfnyyBBMyjauzhoZ5GVTM8Qt+VU1WCg7C9hv5m++CsIihzNHBBeDNPlceKh4uyg5XWxGB3IAWVGa17gkEEgAHl5cmti4X9cw5vBZmj/jyAtPeoM8DQ5k5gbT3j6kc8gJ1vf2AkIv0ti2U6IZvdKSWyc5eP3RDgTNxltXJFVR6NVo3Y847G4PqhvckdLEeucQzrWAtK1hZBC8teK+y22NwwBBBBFwRuCD5Y5S7CyD/9QmX+GkqB0ZoW/vDWv00P9cRRZ1wM8P4+m/EW7rvPFq5XsdOr016b9MWomTLYa2hze7CTxSkyyEHRJETdnZuVgl23+Ej0xSlpWq860VM8lKQiSSOU8CkhSxK21KSmxHKx6dMQKKDP85aoZGZ5GIjRW1sSNarpJAvbcAHpuTiKK72cZn3GaUj3sGk7tvaQFN/S7A/LEVr9O1lFHKAJY0kCnUA6hgCLgEAjnud/XFgkbLJaDulfM+Me5193DH3MTMmp5ViLsnxiFLEtp5dLnYYZZh81WdT3X80q/FBl0NB3141zTPTVyOitcDUAbEi4uL2O/MYXLSDSaBsWrOMq1nUNHJBxI7rG5hrKUa3CkqrrsNRAsu0dt+reuIpapcX8DVzVFY1C0Hc5iirOspIKMu2pbDqLm++7NtyOIpdcEUzXsvhnFHqnlRqWBadmQ2Msai1j5X8XyYjEU1RqLgqmShahQOITci7airE6rgnybe3v54y9ocKR8NO/DyiRu4Wb1HZRWB7K0LL0YsV+o0kj5Xwv1T16hvT2GLbIIPLT8ovl3ZB1nqfdY1/zN/8A5xoQHiUrL/yH/wCNnzP2H5TPl3ZvQRWJiMpHWRifsLL9sbELVzpemMXJ/lXhp67+qZaLL4oRaKNIx5IoX9BggaBsufJK+Q28k+Oqs4tDWY5r2psZDHSU/eb2VmuS1vJF3t5b/IYeZg9LeaSD8cAaYLWklVkTxLdWG6sOh6EH9MIlPqrR5LTxG8UESHzVFB+wxFDruo88z+npFDTyBL/CNyzewG59+QxtkbnmmhYkkbGLcaQTJe0KmqahII0lBe9mYKBsC37xPIeWDPwr2NzFAjxcb35QlrMeOK2qqWp8uQDSSA1lLMF2LXfwqvlt5edsGbh42NzSFAfipHvLIgoeH+K6r8U1BmB1CW8LXChkZhYbpYMDe3XmCD53JCzJ1kfDVVFiJM/Vy8dEq8IZJHNXLTVBZRd1IU2JZATa5Gw2OGJpC2PO1KQwh0mRyt8U5euWZkhi1aEMcyAm5tfcX67qw9jjMTjNEb7wiSsEEwrbQqenmFHnZZyAgnYljyCSg2JPkA4N/TFEdZh9OX0WgRHidef1Uva7PC9WjxSI57oB9BBsQTa5HWx5egxWDDgwgjirx1ZwQeC9xpl1RBUxV6obOI5ibEhZFC6g9uVyL72vc+RxIHNcwx+I8lWJa5kglHcfNRZtU1mcyxaKfSEBUEA6Rci5Zzt05e9gcWxrMODZWZHvxJGVqaOJ+ziSd6fupEVY4EhZmvc6NgQAN7j1HIYBFig0GxubTM2Dc8tynYUmfPeD4KwRGov3kYALp4S224Ox8N9/MdDubgjndHeXZMS4ZktF26LZRlkdNEsUQIReQLFrfNidvTlgT3l5sozGBjcoSv2w5d32VVFh4orTD+4QW/k1DGVpfmgPi1adcvzqTK5NMpaeQxaJKZm/Zxq4B0sTq8drXCrYXtc9KU8UO4lhpXgjq6RGiVpDDJCx1BHC6wUPPSR/hy5YipLBkxFdLlZipDKbMpDKfIjcffEVr9h5ZXCenjmS37WNXX+8oI/XFrKzaCkjlSniqYy0oqJ1fXIB+10rIyjRZbO4AG+3TmLdEuc0ksOlD5bei5Qa14aHjWzfjvw5qjBS1RUH/o8B94WX7FxghLP/AJD80IdYR/8AqHqtkxyV2lRzrN4qWIyztpQbeZJPIADck4y5waLKNBBJO/JGLKSpe1WNdLmkqBCxsJCAL+w+En01YD145LrjoN5tokbmHD3r6J9pKlZUWRDqR1DKfMEXGDg2LC4j2Fji1240U2LWV7EUQriLNxTRarXYmyj9ft/hhjDQdc6uCQ6RxwwkWerJNAITk3GEbALMxDHrpso+YYn5kDDM2BcNYxp46rnYPpyNwyzmj4UPqfnompTcXG4OOcu+DeoVPOcwSngkmkDFEF2Ci5ty23GNMaXOACp7g1pcVgXDOetRVBlhTXdWQK3kSLXt12Gwx15Y+sbRK4kM3VPzAWtCzLMc2qYaZ6ZGjMiN3qhVTSwcgbybgEWI3wm1kLXEOO3vgnnyTua0sG+/spUzOvzPLp42mmkLEawplLowB3BBNvTltfbDDWwytIaEs6SeFwLyuu0KqEmYxvISYXSFl3/8bWJt/NiYYVGQN9fmrxRDpQTtp8lrmX8OUkJUxU8SsvJtALD+8d/nfHOdK925XSbBG3UNWIVtI0GYyw981OO9ZO8BI0oxuL6SDYgrffHUBDogavRcggsmLbrXdHfwmVUrCWSrmqplIcCK1iQbg35c/wCvgWaZ4oNod/v7JjLDGczn2e7391R4qdqTN2liF/Gs6D94OATy6ElhjcQ6yGj4Ic5MU+YeKs1WWZhm86vJD3SgadRUoqrcnbUbud+n2GMh0UDaBtW5suJcCRQT/wATcBQVehizRyIoTWtjqA5ageZHnt+mE4sS6NOzYVsmvFVMn7NaSnYSSM0pXca7BB6kDn8yR6Y1JjHkclmLAMDuZTHPxHTIbGZfLw3b66b2xy3Y2BpovH1+i7DOj8S8WGHz0+quz1sabPIim17FgDbzt5YbDSdkkXAbqOqzWGP45UXxaeYve17W87b4sMcdgqc9rdyhM3GMOpVRZJGa9rIQNgtj4rHSdS7gHqemCCB1WUE4ll0LPv6IxldSZYkkOkd4ocBTcAEAjcgX97DA3CjSKx2ZodzXdfSrLFJE3wyIyN7MCD9jjK2vxxIjwyFTs8T2PoyG36jEWkxZ5xFTVb99NTSLOQNZimCpIQAASGjYjYW2+uIpSC5jmRkVUVBFElysaknc2uzMd2Y2AuegAAAxFKUFFRSzHTDHJK3lGhc/RQcXSouATdlPZVmc9v8At+5U/mmcLb3UXf8AlxKVZuS/RvDeVClpYKcNq7mNU1cr2FibdLnpilAhc3BcMkzPK7PG0jS9yQunWyhSSbajsARuLEYYGJcG0N9rSpwrXOJcdLuu+qUh4KoesNz5mRyfqWxX8mXn9Fr+LFy9T+Up5x2cSxRmamq53qEGrxNbXbnpI3B8rk35euOe6EgWCvUwdMRvfkmjAYe7bx9hCKmumzfLhGvjqqVwzqNjIhBXUBy1C+49D5gYySZG1xCabFH0disx0Y8UDyO9eHvgiJ42rUiVZ8qYrGBcsjqo09d0IW1r+mLMrgNW/X8Jf/xuGc8mOfU94vXz1TzwjxHHXQd7GCpB0uh30sADz6ixBBwdj8wtcfG4N+FkyO14g8wrGfTzRx95CU8PxB9gR6G43/1w3h2xvdlfeu1Li9ISYiKPrIa03B5eNhLlLx0f/JED6obfY/64df0aP8XfNcWH/kR//oz5H7H8oZxfnCVDRmMnSq9RYgk7j6AcsHwcDomnNvaR6XxzMU9hj2A9Tv8AQJew4uSm7hTNKhgIVDFE6qouATyLMbKOfQm17Y5+LhiFvO597Ddd/orGYlwELbIHIehJNAeRNbJ3qadZEZHUMrgqynkQdiMcgEg2F60gEUViXHNItDmavEoVB3cyKosBY2IHuUP1x1ICZIqPeFyJ2iKYEdxTb2scQTwpAsDlEmDMXXYm2mwB5j4r7b8sL4SJriS7gmsbM9gAbxWdZzBD3MUgqmnqJLGRSD4ARuCzE3YHbnvzw6wuzEZaCQkAyhxfZPomU8OyZhl1NNBZpoFaB0uBqVWOmxO1wDyPO/puDrRFK5rtjqjmJ00TXN3GinjyvPJ1ELu8cYGm7OibDbcp42+98VmwzTa1WLcMu3yCcc14Egqo4vxBYTpGqNLGba7C24YEEX9L+uFWYlzCcuyakwrZAM2/cuMr7NqGI3ZXmI/+q1x/CoCn5g4t2LkdtoqZgom6nVNqoFAAAAAsLbWA/wAMLWmqQCr44oI0lf8AFRuIbd4Iz3hW5C7hLm1yBfkCRiLVLqr4rjSso6VVLmsV3SRSNIVEL39bgbW88RUu+NINVI9vykN9Dv8AYk4R6SZmw7u7VdHop+TEt77CE5xDStA1u7UBNURUoDfTsAAdTXPO+FcSzDGE7AVYquW3M96cwr8UJhuTdOu9r35Dupcf/D7VndT6wqyQqknO9wsiMQOXiVyLnlbbHZwWJvDtJ3r8fcLgdI4P/wDKeBt/v7FWqrglXR/2x7yS9302A1GQvZVKnxGRzZmYDbywcYiiNNPf4SrsJYOup/d/XiUWy7h+KF3cDUXYNZgtkI1W0gAWPiO/P6YG6UkAIzIGtJPsKPOOKaOmBE1VDE1tgXGr+EG5+mB2j0UH7LOKXr6ISTMrTK7oxUWB0kEEDy0uuIqKS+MuxqaorJJ6aaJY5nMjLJqBRm3bTpBDAm5302vb1xYUsqfKuwiEb1FVLIfKJVjHtdtZP2xFLKccq7NMsg3WkRz5y3l/9yQPkBiWqrmi9VnVHSjS0sMQH5AQD8lG/wBsEZDI/wCEErDnsZuQEu5h2pUaf0YklP8AVXSPq9j9sNM6OlO+nvuS78dC3Y2lnMO1qdtoYI4/VyXP20j9cNM6MYPiN+n5Sz+kT/i35pZzDjSum+OpcDySyD+Sx+uGmYSFmzfnqlX4uZ3H5IDJMSSWJJPMk3OGAANkAucdSV+g63jSijh778RGwtcKjAs3oF5397W62x5EyNq7XtI+jsS+TJkI8dvn77kiVGUVHeR5rlakiYa2hOxBPxixtrQkdOu46EAyn42LstxEOR2DxZ+HQO+ngR+ii0vEGb1CGOOgEJYaS8h2F9iQGt/m9jjWeQ6UlRhej4nZny5u4fr9I/wDwuaCnKMwaR21uRyGwAAvzAtzwSJmQJLpLG/ypcwFAaBMcsYYFWAIOxB64KCQbC5r2Ne0tcLBWdcT5A0JaRVVYr2WzEnf33v9sdvDYkSANJ7S8X0l0a/DuMjQAzhqT9dbS7hxcheGIotE4DoSkBcixkNx/ZGw+98cbpCQOkDRwXsOgcOY4DIf8j6Db7pmwgu6kvtA4NeveFo3RNAZXLX3BsRaw3tv5c8NYecRA2k8VhzKRSMPwzFLSRU1T+17pVXXupuotcWNwbeu+BdcWvLm6WjGFrmBj9aXGU8GUVODogViwsTJ4yR5eK4A9sW/ESO3KpmGiZsEciiVRZQFA6AWH2wIkndGAA2XeKVr5fEUVbNIXeGVY2KOyMFYc1YggEeoO+IosBqMkaqyNszeeokrYyQS0h8KK3dlLdPB4yeZN78ziK7Npt4gyWkp6rKZ6eCNKaqvSyqigCRZ47Jrt8XMksdzYb7YnFZ2CF5bC2XZvFDVOTT0FPPNDJYs3cvsAwFySh1LsOnlbEVrYoqqKenWS4MM0YYE7Ao4vvflcHGXNDgQditMcWuDm7hJ9XxLkdH8U1OWHRbztf8Au6rH6YXjwcDPhaPr9U1JjcTJ8Tz9PQKMdo8k21BllZOPyu6iGM+ztfb6YaopPMOa+24gqOtHQqfeaQfrGcSlL5BfP/lq829dmVZUX5ord1Gf7i3+xGJopbuaMZR2d5bT27ujiJG+qQd4b+hkJt8sXazlHFH6SrhYmON4yUtdUIOm/K4HLFlrgLIUBGwVrGVpeJxFEkdrcLGh1oxASRS1iQCrXXe3Pcrh7o8jraPEJPHZhFYNUsmybJGnWRw6RpEVDltRPjJC2VFZjci3LHZkmDCBVk++K5McJeCboBF4uCZP2oJ1PE5UKvJwqq7WY7g6T+ZQLkC99sAOLbpXEfLgjDCHXu9ffgrknBsXfSKkkkgRypjVbEBo2liOvxEqVWxIQm+yqbjGBinZQSKsb+dHT9+K1/Fbmq77vKx7pT1eV0MGhGVAJSyO0jMZEV4g6MFBGnRISpOm/hseeMtkmfZHDltvR+Y13RDFEzQ8ee+2h+fcqtVnSsxaGv8Aw8Ztph7hv2YsPD4VINuVxz5402IgU5lnne6yZQfheAOVbeieZeEMqpJIjJGoMrlE712ZdQVn3DHTayn4uthzIx50RMC9U/pbFvbWevCh6hHJuKaREVxKGRkLK0StItl25oCoN9gCbk7C52wVc27Qqt7QIYw7CN2QBWRhsZARTkkKbEWFRGbNYmzcrb1aukU4V4iFYjOI2jsdlbmUbeNuQtqWxt05dMWq0RCuzBYt5AwX94KWHzte3zwWOF0mjd+SWnxTIBclgc6JHpdeaWs94ujKFIl1k/mZfCPkeZ9x9cPwYB4dmea8Fw8d05E5hZCLJ4kaDyO58kkJGWNgCSeg3Jx1CQBZXmAC40NSmvh/hBmIecaU56PzN7+Q+/tjn4jHNaMsep5rvdH9CPkIfOKby4n8fXwT0LKABtbkAOnsOmORqdV6zRooL4ZfQ/p+uJSmbuXM04VS17AAsT5Ac/ni2tJNLL5A1ubhqfIbofk2dx1AYoW8JAYMADvyO3TBpsO6IgO48kng8fHiQSy9N7ryOiJ96Om58hgFFPZxwQ+bPIFOlpowfK9/qRywYYeQiw0pR+Pga7K54vxXObZwkMPenxA7KFPxk+R8vX/huGB0j8g874LOLxrIIetOo4Ud/Pl78V/Lc/qppV0QL3ZYA+E2tfe7ctsOSYaGNht2vvguRh+ksXiJRkjGUnXQ7cddk5R8vr+uOYV6RuyDZVwpTwRTwqpaKpkeSRHNxeT4gBYWWwtbFLSL01OkaKiKFRAFVQLBQBYADoANsRRDc14bp52kd4x3kkDUxk3uI2vcDe3NicRRKdD2QUQVFqJKmqCABVllIVQOiqlrD0viKa800UPD9BRKXjgp4Ao3k0qpHu53+pxYBJoLJoCyvV/FdLFCJzKGjLaAyAtdrE229B1wVsEjnZa1Q34iNrcxOir5vxT3dJFUwwvMJiAqjYjUCd7BuVrbX3xpkGZ5Y41SzJiA2MPaLtGMoq2lhjkdDGzqCyMCCp6jcA88Be0NcQDaMx2ZoNUh9XxbRxyCJp11k6dKgtY3tYlQQN/O2CNgkcMwGiG7ERtOUnVZ/wAFsKTOJ4D4UbvFHlYftFP8AP1w9iP7MOHeH4XOw39WJczx/KaODeKJ6+eYhUSmj2BAOpiSdNyTb4QSQB5YWngbE0cym8PiHTPNDshJFE1ZX1L0M1S2kOxkJ/8A67iwAsNz05XsemF9ALXvZBhsHCMTGzWhXnr7+S03Nsmvlz0oJbTBoUnmSq+En1uBjUD8kjXd68biz1+d1fFZ+6xLhrPPw3fXV2WaPQQkhjYEMCCGAJHUfPHoJ4esruPivPwTdXd8eWiu1fGs7bKsYRdOgMO8KFV0hgz7l7Abm/IG2BtwjB48eHsIjsY47DT5+aHUsFZUH9ms8lwq3QNbwCyXI28I2BPLBXGKP4qH73Qm9a/a+HojmX9mddJ8SpEP67i/0TV97YXf0hC3bVGbgZXb6I6nZC1t6sA+kV/84wD/AMoP+vr+kf8A8af+3oj6cO1spWSeSHvQq+LxNup3so0qmtSwaxO5Fj4d+QupqqubcFSLD+zkkmkLoxUd2qHuxHpJDXNtUMd/FzZyBY6cRRNkHD1MhLCFCSSTqGrci22q9tgF26BRyAAilImTiK18DA8iDi6pUCDsqsuVQMbtDGT5lB/pggnkGgcfml3YLDuNujF+AU1PSRx/Aip/ZUD9MZc9zviNokcMUXwNA8AAu+8HmMZoreYc0J4hhnaI9w2ltQJ8Wk6befTffDOGdG1/9mor1XP6QjxL4v6DRvnWlc0p8WNIj00jOGYRjxA3GpTckfUY6GEyOD2gaX6FcDpXrWPhkc6zlGvCwdfsjjcXUzHTaQh/CTYWGrY9b4VGClAvTRdQ9M4VzsmuumwoX6pTy6tnppZEiF3JKEadW6k8h588dCSOOZoc7bdcDDTz4SV0cWp22vbkjtTWVn4KZp7i5UKSArWPxbC1hyG/mcKNjg69oZ3/AKXUknxwwUjptLIrgaO+3l80AoqQyRHTEmx8Urva3tdgBt6HDj3hr9XeQH6XJhhdJCckY73E1XqB9VNJD/2ezhxHNuBeyhl8yBzI/wCXxkO/u2qwiPYf4Wjryv4XpY7+9PnD8munhPTuwLcvh2P1xyMQMsjvFerwDg/Dxn/6j00Kj4p4jhoYDLLueSIObnyHkPM9PoCq94aF2MJhX4h+RnmeSxbM+NMxrpNETSKD8MVOCNvUr4j63NvQYWLnO39F6ePAYXDNzOrxd7pdLwvnCjvFjqB1usvi+gfViZXcj781X8zAnskj5fpFeGO0upppO6rg0iA2YstpI/fYavUHf16Y02UjdL4roqKVueDQ+h9/JbNTVCyIrowZHAZWHIg8iMMg2vNOaWktduFl/bJmaMYoEk8UZYyR2OxIUoSbW5X69cdPAMItxG+y4/SUgNNB23Cj72Gpyqojp6d4lgCTam3DsNnIO/5VPXr0xKcydpcbvT8KdiTDuawVWqu8JZhI2STiJyktPrsRzsLSbX8wWXGJ2NGJGbY/6RMPI44U5TqL/Kr5NxFO+TVbd47TRtp1EksFcrc357Avbyt6Y0+FoxDRWhWY8Q84ZxvUKbsrySkmp3eREklDkENvoFhpsOl9zq/0xWMlka6gaCmAhjezMRZQjtJgVcwjlD2jnVdTofK8b2P9m2C4QkxFvEf7QsaMs4deh4+hVrh3MKjKapqSWNpIXbUNC3JvYB0tuRYAFeltvXMrGYhmdpoj3S1C9+Gk6twsH3aLx8P1C5x+Kij/AGDHUWJC7OlmuCQ1772tjm3pS9r/ADYH9HdU53a4DXgbHpotExlcFIlP2WUgdmdpHBJIQEKoBOw2Grblzx0D0jLVBIjo+O7KYcv4WooLd3TxAjkWGpvq1zhZ+Jlfu4o7cPEzZqMgYAjrBs77cKvUyQ0sUJUlT3haRgQbdNIBv74i1QSvL2qZsST+LIv0EUVh7XQnEpXS2Ku7U4FH7KJ39WIQf4n7YfjwDnsz2NRYXOxOOEMjospLmkg+I0S83azIZBq7uOPe+kFmG22+/X0xw5nTuYeq3980XA4h8k7euZTNb35aevcjfA3H61VX+Hu51IzKzAAXW2w3vuLnl0xnBx4ppJmdY5ewutin4dwAiGqfq1mCsV3YKxUH94DbHSYASL5hcyYuDSW70a8eCTsj4usr/iXYsCChVRc3vcbC3lz8/THTnwWo6oeK85gemaa7+S7XhQ+Y2pEKTi+ORyoSTZWYG4udKliLDYbDAX4F7RdjcfhORdNRSOLQ07E+NC6rwCvZBm4qkZgpVkNipbUDttvb/lsBxEHUuAJu+KawGNGLjLgKI4Xfgh3B2dyTySJMQSo1LsBbexG3uMHxmHZG0OZ4JPojHy4h7mTakajSq4FAINYmq4SxJdZOvNlOofUAj54bdlLI3jhXrouTGXiaeEncO8yNfoD81Hl9MZ6SRFF2gYSKPNWFmA+gONSOEcwJ2cK/CHBG7EYN7W7sOYeB3A+Vr2T5rBCoLUweUH4i23O42IIBHoOmJNDJIdH0FMJjcPAwF0WZ443/ALr5Ixm+USyslXTAhnUOVuAQbcxewII/5vhaGdjAYZeGi6OLwU0zm4zDDVwBriDz9/dWckoatnY1ZJiZSpRmB1X5WAOx9dsYnkhAHVbjiEfBYfGueTij2CKonfwA29F9bgmEtfVKB+7t+tsUOkH1sFD0BAXXbq5afVHqTKo44+7VFCHmrDVq9WvzOFHzOc7MTr8l1ocHFHH1TWjLyOt+KtxRBRYWFhYACwA8gOmBF1phjA0UFg3aHXSV2aGFNwjinjHS97MT7ve58gPLCbzmd6L2PR8bcPhM7uIzH7eia8zqjlvdZdlkYerlF3kIBN7Hffa+xO/hUdDfGycvZbuufEwYvNicSaYNh7+2pKVsz4lzahqNM8zhxZtLaWVgfQbWNiNrHnyxjM8HddCLCYLER3G3TztNPG9JFmOVpmKIFmRQxt5BtLqT1Cm5BPkfM42+nNzrn4F78LizhyeyT/o+a67EM5Z45qZjcRWeP0DE6h7BrH+8cXCdwq6bgDXtlHHQ+W3vuR3tMyOOSjmmEa98mltdhqspAIvztpJ29MdLCSkSBt6LyuNha6MurVc9mswqMs7pt9JeFvY7/wDq9vli8WMk1juKmCcJIKPeEv8AZIrLLVU7qdJWzbG2pCVYX5XOr7YPjqLWvCW6PsOewoj2d8L1FO9SlRGO4lXRuVOvSSB4QTsVZueB4qdjw0tOoRMHh3xlweNCu6jspgLkpNKiH8uxsPIMenvf54gx7q1Cs9HNvRxATHT8IUixQxNH3qwBgneeL4jdrjkbn026YXOIkzEg1fJMjCxhoBF1zRrvFG1xt0H+2A0Sj2Avhm8gf0xeVS1z3jeg++JQU1XJ9ST8/wDTFqqXzQPIYllXlCkpHuN+YNsU4aqmnRfnPP8Agwz5/UUayLF3rNMjMCQdS96QACOpb+E4yFu9FWkyrI4mMctXXPJGSrtFGgQsDY6Qyk2v5k4lqa80Dp5FLL3hOi41HmQt97X8hjWY0G3oqd2nF53O55po7R+GkoJ4o4Wd0ljupYgksGIa2kDpp6dcUq2QfhGualzKldwyFZlVgwIIWTwG4O/wvfEVr9SSdD5H/b/HECy7msyipIY61o6gfsgzDmRbqpNt7Wt9cd0ve+AOj392vEMigixropx2bI/GyaIs2y+Hwx6RfwkqhOx82tcj64QMOKk1d9fsu43GdGQdllcrAP1S/BPNl0rjRqV9gTezWvpII678sOObHimjXULkskn6LlcMtg8eB5G/suMvyisYmoiUqxJ6hSb87A9PfFyTwD+t5+6zh8HjnE4iIUSfDfuPBMPDWQPE7SzHVIwPhve1+ZY+Z/1+SeKxLXtDGbLrdG9GvhkM02rjw333JPNEcmyFKdnMZa77eK3hHkPM+uAz4l0oAdwTmC6OjwrnGMnXnwCtnK4tWru4tXO/di//AOcC659VZrxTP8OHNmyNvnQVvuh1398DspjIOKr1ldDANUskcQ83YL+tsTUq6A1SzmXaZl8VwJTKR0iUt/MbL98bETzwQ3TxjilbMu2XmKel9mlf/Ko/zYIIDxKC7Ft4BaflNaJ4Ipl5Sorj+8Af8cAIo0mgbFrBhOKbO2eXZUq2LE9FZz4vax1YSHZdrzXsi3rsCAziweg2+yd82ielz+GpZS0VVpjVhuAxQR297hT7E+RwU9mS+a5cRbN0e6MHtMs+V2l/tvP/AH0Q6CAf+8mMy/F5JzoMf0O/9vsEep70vDhEos0iMFU8/wBq50/Y6vri6qLxSbv7uk+xwI9Bqg3YbTE1U8n5ViCH3ZgR/wChxIviKZ6ceBE1vM38h+1sVZTLLG8bi6upVh5gix+2GWuLSCF5hzQ4EHiqmS5JBSqUgTQGNzuTc+pYnG5JXSG3FDihZEKYERGBoq4ke3LmcWAqJUZY+f0H+uL0VaqrU1SIVDk3ble5HMC56AXYC588aFnZUaG6sDFLSiiqVZnVSCyEBh5Ei4v8jfEpSwh9bmpTT4QB36xPcgmzCysNJ2uxXZt7HljQbayXV816szxERmHitJ3IuQql+viPILvc+h54gYVC8KTJc1E6sQACjFTpbUp63VgBqUg8/cdMRzcqjHZkQpzZ2HnvjLtlBo4rI+12T8Fm+XZhvp+F7DojeL5lJSPljARBqse4iqUkqp5IL91JK7pqFiAzFrEC/K9sRaTdwfW5VHCzV0byTBzpUayGWwtsCE53HiOJazS0jP8AjkRZdDXU0IdXIQBzYxg6hvpv+ZQtgeo3xFSxLiTPZKyd55AquwA8AIGwsOZJva29+mItL9V8N5iKmkgn/wDrRI592UEj5G4xFndQ5xw/FUWLg6hsHUgG3rfY4ahxL4tBtyK5uM6NixJt415jfztVaPhCnQ3Ks5G/jbb6L/jgj8dK7Y14ftLw9CYZhsgu8T+PumDQfM/898JWuxlPNe7odd/fEsqZRxQzMeJKSn2lqIkI/LqGr+Eb/bFgE7KEtbvolXMe1uhT+iEsx81XSP57H7Y2IXFCOJjHG0rZj2xVDbQwRRjzclz9tI/XBBAOJQXYvkEIqc7zeqp5Kgyyinj+JkIjHMCw02Zue/PrfGssbTSwZJnAkbIdwbkC5hUGOSo0ORqF1LNIQCTY8hawuT8gemnuyDQLEbOtdqVDkHCNXVgmKLwqdLO5Cqp2uCTzt1sDizI0bqmwvcaAQ3M6FoJpIXKlo2KkodS3HkcW1wcLCy5ha7KVuvZHX97lsa3uYWaI/I6l/lZcKyinLoYc2wJa7YuE2LfjYVuLWmA5i2wf2tsfKwPmQlK2jmXp+h8aAOoefD8fhKHDOdVE1TQU8krPFFURsitY6bMOttVgNgL2GMtNkLpYmCKOKWRoolpv5LQOP+MIqaqEU1FFUhUWRGawKkk35q3kOVsbe8ZqItcfo/AvmhL2SFutHv8AULPOKOKqnM5UUrZQbRwx3O52v5s3S/0Aubjc4u3XZwuDiwbCb8SfegWydnvDP4GlCPbvZDrkI6Hoo9FG3vfzwxG3KNV5npDF/wAmXMNhoPfeuuPq6rhpi9GgZh8bWuyL5qvIn628j0zKXAdlTARwPlqY6cORPeffih3ZzxGZMueWeQsadn1uxuSoGsH18Jt8sVE/sWeCN0lhcmJDIx8VUPT6olkGdR1xE0Ep0qAHibZlJ6MvLexs1yDvbltbXB+oKBiMO7DdiRvgeB80fmHI/L64O1IlUsxr44U1yNpW9uRO/sATjTWlxoKnOAFlD6CpSt7wpqCKjRXIFyXAJIF+QAHPnc+WNOBZusWH7K1KrpLEO8ZgxIIIW1grHayg8wOpxQogq9QQhlTVpT1zGRlRJ4QbsbXeNrWHmdLD6Y0AXM04KiQ1+vEKvXUjTGpMIJWeJHRiCv7WMkD4rEX0pv5DyxYNVfD6LLhd1x+qsJkLGPuS/wCyFnS/9JE4OrnYq4vf4t+d74rPravIapF6KB1vrlL3tYaQoFvIDff1J6csYJHBEAI3U97Op89sTgVR0cEidvOVGbLRIoJaCVX2FzZrxn7sD8sDW7pYPHwxWsAVoqog8iIJCD/Li1rMOarUeWzysUihlkdTYqkbMQfIgDY++JSouAT/AJXwPnc1KKTu1hpr6rTFFudWre2px4t+QxKWbHJHcq7Bzsams91hT9Hc/wCXE0V2Vr+S5XHS08cEVxHEoVbm526k+Z54pVspJ8wjW12FyQoA33YgDl6nBBE4i6QjiIwavX5q1gaMs47V+KauieFadlRJVbxaAzalIv8AFcWsy9PPBomB26XnlcyqWXVmbV1THJLJNNJHHpEl3sq6yQt1BA3II2GDhrBpSUMkrgTaH0WVTS6e6idgxCgqpsSeQvyv88bLgN0MNJ2CNZdwPVSVX4VgkMukORI4+E35BbljsdhytvbGDI0C0RsDyapFV4QpIqeSqlqnnjp37qaOCPSe8uo0o8hAKgsLvax6WOMdaToBuijDAaud40m3hzK4qeslpohrp62jE8ay+JSQSNJ8xZrn0OBucSL4hGjYGnLwIVfL5WaPLquanSCs/FdzYJ3XeRkMHurctK3O/VTb4rYhNEtvRW0B1PqjaoxTUtLV5nFUVMQpqqNjZCZDeRm2CoDZlu1xzsU+U+JgoaqAZHmzQOqQ6mekFMIo4nM6ysfxF9KtH4tNkvsT4Tpttvv0wcZr7ko7qw08+a0HsKr7PUwE8wsqj2urfqmBTjYo2FduFrhGF04lGq7O6U1EdTDqgkjkWSyW0MVIO6nle1vCQMC6oXYXRZ0pMIzE/tAitd/n+VR4p7OPxtW1Q9SVUhVCLHuAB+8W87n4euKdFbrtFwvSn8eHq2s1539q+6OcM8G0tFvEl5LWMjm7fLoPkBjbWBqVxOOmxHxnTkNvfimHG0mlPjziiah7gxRLKJWZWBve4AKhbX3O/Q8sClkLKpdHAYOPEZs7qqlRhpIZqSoV6aSklqQZXgjZTJIqablFOw1fDYqpuTtvfGaBadKvgiF745mlrw8N0DiDQu9/Dfcrrs/z+gc/hqOCSJtJZtai502F2YMxJ3tvi4ns2aFOkMNiWjrZnA8NPsKCdZh4T9fpg43XJOyEcQUPf08kY3JF19xuPqRb54Iw5XArLxmbSC8J5VVU+u/dorgXDXc6gTyClQBY+Z5DBJXNchRsc1MK0xLB3cuRyFgAL7GwAvy8ycCvSgjVrZU7AczbbkTilZpcmUe/ti8pWc4X0ajyX64lAcVMx4BcVb92jSSyKiILsfIDFZgpTiuUqYhCalX7yMIZAwN7qBfb5YouKsN1QvK+LBUUE1VHGUaJXujb2ZU1jccwQVPzxlaShRZjnjxxujxyLIiuGKLezqGsbLba9vliaKrKbG7QKDvUiWbW8jqg0KSLsQBdrabXPO+CdU+rpY66O6tMdZMUQsBe2KjbmcAs4iQxxl44Jdq+ICBcsFHyH3OHxhWDUrhP6Tlcab6IXPnakAmQEE2BLCxPkN+eDsibwSMuJkcaNq/w4hmm1n4IeXq7C38qE/xjywvjHBjco4ro9EMMjjK7YaDxRymzdJKiSBdzGLs3S99wPUXF/e3MGyZicGB52K7LcSx0xhB1AtJ/bVQa6JJQN4ZQT/Za6n+Yri4TTlWJbbL5JY7MsxdqWtpoo4++WIzRHQGZ2BNtWq4OltAG218amGoKHhnCi2tfqusrlnmo6yhr5hBMwSeE1DLFa7EnkBpF15AbajtinBrSCNluNz3gg6HcLrOeIaIVdBViq7ySBe6m7qNjqCq41KTYWLEqN9w4YXAxGg0RSjy0Oa4uGm6E1HG1Mq1kcNI8kdZIZGE8gXSTvssYb8248Q6eWNCN5q+CwZohYFm0NfjOum7iOLQhgFohTxeIDQUtvqNtJ5CwvY22FtdUNSSh/wAhxoNCkg4KzSr0mSKZgBYNUyHwjyAkbUBy2AxeaNuyoiaTdMmW9jUpt31RGnpGpf7nSB9DjBnHALYwjjuU05d2UUEf9IJZj/Xew+iafvfGDM4orcKwbpryzJKen/oII477EogBPueZ+eBFxO6O1jW7BEMUtLiaVVUsxCqoJLE2AA3JJPIDzxFEJzzimlpI45JpRaX+jCAu0m1/AEBLCxBvy3HniKJG7SM8irsmeqoZmb8PLHJ4dSsCGC2ZTY7atW+2wOIrCh7TOO6uniopaV0SKshJ1lblSRGQQTsLBtr+R522nFQJmyuKejrIIJqmSqiqUfQ0oXXHLGNRsVA8DoW2N7aOe+IpZUMPDlb/ANX/ABrvEYfEgAZtQj0kKLabX1WY7874CGO6zMuo7FYf+H1ABzb8N/ny0TRR5LBFNLPHGFkmtrYdbenIE9bc+uCBoBsJB88j2NY46DZEMaQVUYFdrE+2CaFYutF8CueSge+J2VLcVHWMIo3klk0oilmI6AC55YrMOAUyk7lR5NVwVMYlhbWtyLm4II5hgbEH0I8sUXlQMCtV9ZHTxNLIQkaC7G3L5Dc+wxm1sBKXaPXh8vikilIilljJdCV8BBI35jfTiKKTiAvLkZZ7lzTRyP6kBHa/0OIq4LngyaJ8vSlLqJJYpJBGSNQjkeSxt5WOIVAl7grNkp8vj/EI3dV0siNKLaYzZYhr9DoO/ocWVAh2TdpL0cK0phSUwXj1iTZgrEAiwIta2998TdSwNCs2RypDKbFTcHyI3GOpuuKDWq/UdNMKinVxymjDD2db/wCOOaDkdfIrryNEkZbzH1We5XGs0svec0ACjyve5977fIYX6fc4yNYT2avzv/S5HQLGmNzyO1dIBxJlpKu8a3EVi5uBZTt1572wD/jszmyuivs1t3/6tM9KQhzQ8DUfRN+Z5l/0nL4YhvUSjnzsxsXa52Om4AH9noDjtNb/ACJS47BRz/4mHDR8X3QPgnMitZEOj3Q9b3B5+Z1WJOHsW0GEgcFwujHuGLDid7B9+K0LjGg7+hqY9rtExW/7wGpf5gMcVpogr1j25mkL82Uc0iuDE7o52DRuUbfpqUgi/vh4gHdctr3NNtTbQdmmYVB1uFXVuXml1FvXw6yfngXWMboEfqpZNSmnLuxpOc9Sx9IkC/zNq/QYwZ+QRG4TmU1Zb2cZfFY9wJD5ysX/AJSdP2wMyuPFFbh4xwRbM6yny+meUoEijtdYkA5kKAALDmQMYJJRg0DZc12fItA9bENaCAzoDcaho1LfqL7YpWgMXE8s2T1NSQI54kmU6OQZLi63+R6/PEUtVuzOtlV5KWWV5h3MNTE7kswWVfEpJ3sG5X88WVQTrDmEbyPErXdPiFjtf1tY/LFLVKyy3BHn5YipYpm2dT0VPmGU1kjTN+HeSlnYlmeNr+FzuQRZufkw5ab0rXfE08lA+UTCYQxGjFK0pj70xeFCWVL7k2AvvtfY8jfFUNVb4NpKWqbNqenkmnaoiHe1EgVFZ27weCMIumzEm5Bub/OcFZFGig3E+WSnhinaddMlJINrg3Qu0QFwSOTL/DiFUDey0Xg/hh07iomrJaoRxWpw6qojV1G5tu76QF1MeRPni1WqcsUrXsRRexFFxI9v1+QxYFrLnUq9DXLKoZG1KSQDYjceh3xuSMsNEaoUGIZM0OYbB46j6qrxXRGeiqYhzeJwPfSbffA0dIeR5hM6V70riN5Kemql1AEK3d2k2IIudBF7eWLKoIvw/wATzVZWmqaeNTPSd+jX1q4Nl8SEWF+ek3ty3xSl2gWb5qajh+EFAZZmWFQoCgNG5OwFlUaYzsLDfF8VOCsZ1HI7wCknIizWEx91IWKoFiF2X906NrAC5P0imtKpmEQZqLL2UpXQSLEJYyF/7exuytf80f5SLg6tt94qtH63gudYJKKmkjFJMQT3hYvFuNfd2BDarXsbWJPntFNdk0//AA/S/wD8aHYW/o16beWKtXlC/9k="/>
+          <p:cNvSpPr>
+            <a:spLocks noChangeAspect="1" noChangeArrowheads="1"/>
+          </p:cNvSpPr>
+          <p:nvPr/>
+        </p:nvSpPr>
+        <p:spPr bwMode="auto">
+          <a:xfrm>
+            <a:off x="155575" y="-144463"/>
+            <a:ext cx="304800" cy="304801"/>
+          </a:xfrm>
+          <a:prstGeom prst="rect">
+            <a:avLst/>
+          </a:prstGeom>
+          <a:noFill/>
+        </p:spPr>
+        <p:txBody>
+          <a:bodyPr vert="horz" wrap="square" lIns="91440" tIns="45720" rIns="91440" bIns="45720" numCol="1" anchor="t" anchorCtr="0" compatLnSpc="1">
+            <a:prstTxWarp prst="textNoShape">
+              <a:avLst/>
+            </a:prstTxWarp>
+          </a:bodyPr>
+          <a:lstStyle/>
+          <a:p>
+            <a:endParaRPr lang="en-US"/>
+          </a:p>
+        </p:txBody>
+      </p:sp>
+      <p:sp>
+        <p:nvSpPr>
+          <p:cNvPr id="60420" name="AutoShape 4" descr="data:image/jpeg;base64,/9j/4AAQSkZJRgABAQAAAQABAAD/2wCEAAkGBxQTEhUUExQWFhUVGSAYGRgYGSAcIBsgHx4dHiAkHCAdHyghIB8lIB8eITEiJSorLy4uIB8zODMsNygtLisBCgoKDg0OGxAQGzcmICQsLCwvLC80LC80LCw0LCwsLCwvLCwsLC8sLCwsLCwsLCwsLCwsLCwsLCwsLCwsLCwsLP/AABEIALcBEwMBEQACEQEDEQH/xAAcAAACAwEBAQEAAAAAAAAAAAAFBgMEBwIAAQj/xABHEAACAQIEAwYEAwQJBAAFBQABAgMEEQAFEiEGMUEHEyJRYXEygZGhFEKxI1KSojNicoLBwtHh8BUkQ7IWF1Pi8Qg0VGPS/8QAGgEAAgMBAQAAAAAAAAAAAAAAAwQAAQIFBv/EADkRAAEEAAQCCAYCAgICAgMAAAEAAgMRBBIhMUFRBRMiYXGBofAykbHB0eEUI0LxBlIVclNiJDND/9oADAMBAAIRAxEAPwDTZs+nG/dRgfulzf5kLYH646DcIw/5ei4cnS0rDeQV46/RDZuJao/AieyqzfU3/wABhgYGADtO+gSDum8W8/1xivAn1Xyg47IbTUR26Fkvt7qd/oflgcnR2lxn5/lMYbp2zlnbXePx78E5wyq6hlIZWFwRuDjmEFpor0LXNe2xqCsl4t/7XOEm5KzRy/I+FvrZvrjqwf2Yct8QuLif6sWHeB+xTb2p5eZaMMoJaORW2FzY+H9SPphXBPyyUeITvSMeaGxwP6VTKMslqMmNO6MsgBChwVJ0trT4unJb41I9rMTnB092sRRukwmQjX3SI8EcOSU9NJBU926yMW0glhYgAg3AHTpgeJma94czgi4PDujjLJNbUTdm9EW1WkA/cD7fcavvjX86WqWP/GwXeqY6PKYYkREiULHfRcX03NzYm53PPzws6RziSTunGQsaA0DZXcYREsV+fTmZ4YY1uhtuCxOwN7AgDmPPp52w2yBmQOcUjLipA8sY3b3t+0t1mfStfVM/sDot/BY/XDLYYxsEm6eZ27q8NP36q5wXmQ/FaL7SIevNhYj32DYFiWjJYGyNg3ESUTuivadQ97l09ucYEo9NBBP8urCsJp4TuJbmjIWKcOcNz1rssAXwAFizBQL7D1PI8gfuMPPkDN1y4oXSfCrWYcOfgaqOOvDGJt9UJ2YddJZfynmLX+oOMiTM22brZh6t4Em3cnHtE4LpKai76nQqyOuptbNdW23uSOZXlgMUrnPopnEYdjY8zQmfhWnioMsSWRArLEZZDpAYk3axPO+4UD2GBPJe/RMQtEcYJ8SscyjOGSujqmNj3/eP7M13+xOHHM7GXuXNZJ/bn71+jMzqTHEzDnsB7kgfa98IxMzvAK6WJlMURePfBAo4WlRnmmYRrz9fPYbfY4bcWxuDWN1K5UYlnYXySENHvh+1xlskM0U8FNJrOjUNSlQGNwL3ANgVXp1xUhe17XvFLcDYpIpIYXXpeumvsBd1bpA8dLJEO4mj7tpbW1OfMjl/qRbljLc0gMgOoN13Ij+rhc3Dub2XCs3M+/UqPJYGoY0ibcNVaAf3lZfCf0+eJKRO4uH/AFtVh2nBsDHcX15EaL5RZDLDXyVLSAQtqYkncg9D6A/oMW6Zj4RGBqqiwcsWLdMXdk3/AK8vsups1jqFs0s0BUn+juNQvtuATy9uvPEbC6M6AHxVvxLJ20XlnhxHyXGVUKSVayxIVSFSCxJJdiCNyeZsb+ewvzGLke5sRa46n0WYIWSYkSMGjRueJ29+vBE+M6HvqGojtc92WA9V8Q+4GFoXZZAV052Zo3DuWFwUcIUM78xe1wP98dUuddALjtjZQJKO8MEpNHLTU0suhr3RCRbkfEdhcXGBS6tIcaRoi0OBY200ZpkNfWzGXuIqYEAESSazt18A52tsfLAGyRRtq7TL2SyOsNrx/SbuEMiNHT9y0neHUzXAsBq6AXO3+pwtNIJHWAmIIzG3KSjeBIyT8/73v30307W/hGMHddfC9X1Qzb/tFaSjV5Dq3Ci9vP8A2/2x0JJSxui8dBhmSynPsOCpZhn0sb6UiAVTaxU3I+Ww/wCc8Giwkb2252pSuJ6VxEMmSOPsg8jr8tvVLnG2bQziMqhEo+IkW28j57/83wxg4ZIiQTolOk8XDiQ1zGkO42K05d6tdm2aEO9Ox8JGtPQjmB73v8j54F0jEKEg8E50HiTZhO24+6bsz4fp6h1eaIOyCwuTa3Plex+eOcyZ7BTTS7skEchBcLpEgLYEjL7iKKlnGbQ0sTTVDiONbXY32vsOQJ3OIrAtWopQyhlN1YAg+YPLEVIbDxLSPP8Ah1qYWm3HdiRS1xzFr8x5c8RXRWYdpXHZqaWZaBasCnlUNVR+GIkbFSytcruOYsTp6EHE71NjSPVGYB6yinDMkddEhup0m7La1/nGMORaxHu9/lc6Y5MQ3hm09+ilmjSmgrHWFHmpZvCXu3hbSVJ33srn+G+LBL3NBOhCy4CNj3AWWnj771TzqrVKjLa5FCLPp7y3IE2DfPSzD+7jTAS18Z4IcpqSKVooHf35rQFdaiFwVYK4aMh1seqnbyOEAV1TRX5zyrMZqGp1obSRMUYdGsbMreht+h5jHTc0PauMx7on6cFs8NRSZxSWYXH5lvZ4m8wf0PIj5jCXajcup2J2e9ExGjRo+6ZQ6WCkOAwIFrXvseWB3raLQIooVBWUmZ07oriWJtnXdWFjcXBsw3AIPpjVOYVnsStrcLHOO+GFopQqSiRHBIBI1ra2zge+x2vvttu5FJnC5mIg6o6bFbfwvVipoYHbfvIlDe4Fm/mBwk62P04LotqSPXYhL9FFPHUTI1X3ABGgMgYOu9jvYcrXtvf2w+9zHsa7Jf2XDhZNFM9nWZANrF2Oete/BGTnSIY7nvXAIaRVtsegF+ptsD0wv1DnA1oORXQ/lMYW2cx4kBBqWZzFJCVEkT30azcpc7b73tzwy5gDg8aEeqRZITG6NwzNO18P9Itm8RMUKs4ZkIJYb7jkf8Sfc7YBFWZxqgU3ibLGNJsjW11V0i1MqlTtbxkWNrX+V+Q+vliNeYmaq5IxiJBW3FEYcmhUAd2pt1IuT7nrgBmeTumm4SForKr0aBQAoAA5ACwwMknUpgAAUF9IxStCaLhmjhN46aJT56QSPYncfLBHTSO3KE2CNuzVLW57TQyJDLPGkj20ozAE3Nht6kWGMhjiLARMwGloXn3GcNLJJEysXjWOQ3sAUdwhZTvfRe5BA29jbbIi4WsOka3QqPizik0dVRowXuZy4lYg3W2hVN72ADOL3HLFxx52k8QqfJkcBzU8NbImaSQszGOWnWWMHkrI5VwPUhlJxmh1d96vMc9dyYio8sDRbS1V5j3Tro8UjfCi7lv9ut8dFsYe05thxXAfO6KQZNXHYc/fNUKjjaWNiklNpYcwXt/lxpvR7Xi2v08P2hydOPidkkiojv8A0i1JPHmFM/eR6dyu+9jYG6mw88Aex2FlFFPQTRdI4clza3HgeYKQcjkanmSa2ynxf2Tsfsb46+Ij6yMtXlMBiupna/h9lq9ZIyxuyAMwUlVJtcgbC/S5x5xe/S92ecTnMaJahlCOWZWVTcKQduf9UqfniKJIoePBl1LUgtU1r01X3UrTsEKhtYuti5KXjYC9rk9BsIrrmoOJeIK6oE2XV9PCn4umaam7okkNGDKqsxNmP7OxIA3tzB2hUtLPD3EZd6eWrMkcYpGpaOYn9ksyKU7x/Jt7aumxOwuIp3KLIKcMtPDP+ISWllDJT01FeTVqvraYncHmemw52BxazY4EfdOFHwXmcEdXl0KwNR1TswqHbeNWAU+AG5bSBYWtqF777VSl9yI5lwlVQ5ZRxraaopH2MYPwkkiwNidNkHsL4Zwz2tcQ7YhJY2NzmhzRqCuWybN6ppmYRU4qFCyC4swUEDYa2GxI5jBs8DABvXvuS5jxUhJ0F6H3qrdF2XXCioqndV5IgsB52LE/YDGXYz/q1bb0cSAHusclowwkumvzx2l0Pc5jOLWDkSD11gE/zasdCA2wLkYluWU96A5bmUsDiSF2jcdVP2I5Eeh2wRzQ4UUNj3MNtKam7Tq8rp1Rg/vCMX+/h+2Bfx2Jj+bJyHvzSekpU3DEHzBtz54MQCKSoc4GwVfy3IKmf+hp5XB/MEOn+L4fvii5rdyrax7tha3Hs0y2opqIQ1KaGV2KjUG8LWbfSSAdRbbCEzg51hdXDtc1lOCZKujSQAOoa3LzHseYxhr3N2K3JEyQU4Wo6XLYozdEAPmSSfkSSRjTpXu3KzHh44zbR7813NRI25UX/eAsfrig9w4q3QsduPNfIaQKQSSxHK9tvYKAL+vv54heSo2INN7++5TvIFFyQBz3NuXPGEVCc14lggSJyWkE/wDRCFDIZNtXh0gg7b88bbG5xI5LLngbr3EWdGmhSbRqUyRo9zp0K7BS3I7gkbbe+IxmY0o52UWl7iriCqhqJjEyiOkhjnaIoCZlZ2EniJuukLtbrzwSNjS0XxNeCG97gdOCG8dyN3lSA50yUqVcOpjYPTSaiFBNhdSDtzxuKqHjXzWZCbPhfyUfaPRyTyUc0CFxURlHTkXVStQqhrHSTpYBvP3xcBDbB4f6WJwSQRx/2rnGfCzZk8E0aMmundSX8DRts0YdT4rEl0IANtV8Zik6uwea1LH1hBHJFs04P/GCl/Ft/QwskioW8TuqC4YEGwK3sRvtcYw2XJeVbdHmq1eq+EaeZIFqA0xgQoGZipYEKDr0Ear6Rz25+eMiUgnLxWjGHVaPKLC3lgaIs7qctko6lZL3XV+zdtxa1tDHobbeo5eWO3HKzERFp34/lePxGFnwWKErNRehP0Plp9EzzNBPpaWAlh/zmCLj3wkGyxWGO0XXe/DYqnSx6j3veo8VJNcp3UaiNCOQsDbr7euMtoOzvNlbkzPj6qJuVv2+yCyZYkjCGOzEkd4RuEW9zqPLURsBz3vyGGjiHBuc+XeVzmdHMLxG3U8e4d/jwCdMclenWM8NVtdltRX0tPl0tSrVLSRsLxxqDyu5XSfDo2v0OJqpYVybs8qqqSteXuoEr4YmZNWoxzoY2Ow8JUMJN9W+rEUtN7cEJIcveaV2moFCh0sokNkB1ghjY6eQPU74ipXsq4Po6eAUyQIYQ/eBJLyjX+8O81WO3TEUpG0QAAAAACwA2AHpiK19ZrbnbEUQXMOLaOElZJ01LzVbsR6eEHf0wZuHkdqAgPxMTPichR47Eh001LPMdWm5ARb2va5vbbfcDbGzhw0W9wHqg/zA41G0n0HzQ2biWtYgtJS0oYlY0e7l7G178tN/zbYvLEPhBdW9cP2sdfMd6byvij3CebvM80c66KiIgOoPhIPJlv0P2+eBysaAHMNtKYgmLyWvFOG6V+1XhGeqngkpotZKFHOpVC6Tdb6iOepuXljcEgaCChYqFzyC0IHl3ZDUtvNNFGPJQXP+Ufc4IcS0bBBbgnnc0mnLuyajTeVpZT5FtK/RQD/NgRxLjsmG4Ng31TRlvDFHBbuqaJSPzaQW/ia7ffAnSOO5Rmwxt2CL4wioTxNmLQQ6k+JmVATyUsbAnp6C+1yuNNFlS2j4tkEy/iBwps5mj6uVGtPM6FAuh6DmOe42U5g5pY4lpdpt79/pGhRa1DgrJcXBLM2of1WDBRfzVbYHnrREyk6+/fkrmWuSpBJIU2BPMgqGF/UXtf0xh621DMlzKRqutp5DfumRo9gP2cibcudmVhc405oDQQqa63EFB+MKN5KTv4xeoo2ci+5ZbFJVJt+ZN9uoGCMID6OxQnWW5huFQrMveXJaBohIzwinkAhJEhFgjaCNwdDMb+l8aDgJXXxtU4ExDy2RrOcvmq8t7iOLu2kHdlal7sqrcBiya9T7K2567m+BtIbJZPyRHguZQHzVnPeEkqtJeWRH7owyNHYGSNrala4OxIuPK5xTJS3h3q3R5tb12RHMMipp1RZoY5BH8AdQ2nkNr9Nht1sMZa9zdirLGncIgosLDYDGFtfcRRexFF7EUXsRRLc/GNEbqz6lOx8DEH5Eb4gdRsLoHojEubRb5WF9y2noZv6ByOpVJZI7f3AwsPlg/wDJedzfiAVy5uiBCe00t8CQPQ0iK5DTdYUb1caz9Wufviv5Ev8A2+Wn0QRgoOLAfHU/M2VPLJFTRFjpiiQXNhYD5D9BzxjtSO5lGAZEzSgAgCce09wWjqEiY2EzRWjPzve3ywc4R/MXyvVLjHRk8a51omrCqcUNVVxxjVI6oPNmCj6nFhpdoAqLg0WSl+t46o02WQyt0WJS177Cx+Hn64O3CyHUih3pZ+Nhbpdnu1VGo41lYrFDRyrO/wAPfjSukc2Jvc28tufPob6mMAvc8UOWqGcW4kNaw2eenmhj19fPqP4yFUUop/DANcs4U3LeJSAb+R+uLLoWUMhs38WmwtYLsQ//ADAAr4ddz37IBDC09ZNTVMkk6wJL3etze6nYmx3P/OQww+TJC2Rgoki0q1pkmdFISQLpT1k/4ZqSCGGN45ERyxTU0rE72bmCNiLcrjpgbG9cHyPcQQSN9vJae7qSyNjQQQD4+aucUB0hzD4lDTRtflqVlUG3mLgj5EYFhcrnxeB+eqNiszWS+IVdsxVY445JFo6mBBE5eDWxVeRjbewPPbnfY23JDC7O4huZpNijQ8whiVuQAnK5oo2LPkjvZ3SOaieoHetC6hUkn+NyDe4/qf7eRxWIIEbWGgeQ2H7RcGCZHPFkHidz+k45zmS08LSsrNawCoLsxYhVAHmSQMIudlFrrwQmV4YDXeeHEpcp+I6mo19yKWPux4wZDPIvvHEOfpfntzwISPdtX1+iedhYYqz5je2mUHzP4Sll+a5hXySKs04jCuFeNO6XWougYgXXVtcFri4wEGR5Oq6EsWFwzWnKL0sE3px91Sf+CZ5WpVFQytMhKuQ6ufMBipI1aSL7+vXDMROXXdcfHCMTEximnbSvl3Wj2CJRR1ESurK4DKwswIuCOtwemLBrZUQCNUg1eQywt3kAZkBtZfE6DYkEbl0G69WFgd+Yc68FpB3rRc84angt2vVGOHqsJLJTr3niXvV1oygEnS/NQB+VtI6ljzOE2l7hmkHFdAiNhyxm0x0aAAkcmNx7AAD7AHFuVNQqv4aSWqWp72aNwqoVjfQrhWLDXYXIueV7EY0JKblpUWW7NaMRwqt7C2o3PqcYJJWgAF2osLDYDFK19xFF7EUXsRRco4PIg+xxZBCoEHZL2b8Z08DFPFIw2IQCwPkSSBf2vhqLBSSC9h3rnYjpSCF2Xc9yJ5JnEdVHrjJ2NiDsVPrgM0LonZXJrDYmPEMzsQKn4wY5u+XPCFCxd4kmu5fZT8OkWG79T8OBJhNuIognDeaw1EXhVUZNnjsBp/8At9cUCnsZhpYX6mwdjz/aX56Ba2pJpQIkhBvMgtqk6Wta9vMdL+YxW+y6DZnYWACftF3+J4D373R3hnN3k1wTi08Ozf1h0Yf86g9bCwUhjcM1lSxfA7bu7kL7RJw4p6ZVZ3klVyire6KfFf03+xw5hRWZ/Ieq4WNcCGs3sjTuQHirLa2WrkQyBaYESWkcd2qIBuyjkL3FiN7HyuDwvibGDXa277S2IZO+Utvs767UOasmSsqGp1NYr00khRpaXwMG0khW225be+/TGajYCcvaHAohM0haM3ZJ3alnLqYTrXmctLJBCe7Z2JK6SR54Ze7Jky6AnVJxt6zrM+paNLRzN8zkhqqaKliTS0aSmNQF7xirDc22so26A3O+Fura+JxkPdfJMvldHKxkTeANc19QQwFZ5e/h74PTlJm1lQw1a15tpDCxv5391znktjKNU6xpfdyROxGQ91i7brw71RyWmjp4qvup1mcRCTwA6QEa4uepJ6Dlb1wWdzpXx5m0LrXfVBgY2Jj8rsxq9O5XcqaWok/E0dFZ5L95JM/gPQhOXMjmPL1OI+IMZ1cr9BsBv5rcbzI7rIo9TuTt5IrRcJ13d929VHFGxPgjTVoUn4UZrECxt6euMOfBmzZbPM8e8orYMRlylwA7uHcERp+AaYEGV5pyLW72QkbctgBcehxX8pw+EAeARBgmf5EnxKaJIVa11BtyuL2wuCQmy0HcLwmW+nUL+V9/pilqivTpqUg9R9MUVGmjaw/JcjrKKujJRgkTeOUf0ZiHxktytp3sd722wmxjmOXqZ8TDiICL1PDjfBBKniNlrHqICVXvzMqEnSd/zKCPiHPrvzxVnNYRxh2mERv3qr4/PuTr2JZneSph2GoCVVGwFiVa3pugwaDSwuZ0zH2WP5afj7rRM5rZUeGKLQGmLDW4JA0rqtYEEki/UcjhtjQbJXnnuIoDiu8lzEyq6yALLEdMijl5hlv+VhuPmOmI9uXbZRjsw1XRqe6dg6tpY6lZVLDfmDpBIN7nyscTLmGimbKdVKrmT8pVOuoWLegHMDzvY+nXFVlV3mVvGVpexFEAkpatq4PrC0yj4Qefh3BHU6uvlhoOhEFV2lzyzEnFB1/1j10+t+iMfjI9Zj1rrA1Fbi4HmR5YXyOrNWid6xmbLeu9IMnGVKZe7Dnr47eHYEnf5eWGDg5Q3NXkkh0nhi/IHefBCqLjvvapIljtG7aAxPi32BtyG/T74O/AZYy4nUJSPpgSThgb2Saviq2Z1ctfVtSxuY4Y76yPzadiT5i+wHLrjcbG4eISuFk7IU8smNxBw7DTRv38/wAV5obkMEkIrZoWJiRGjV/3jq2YdNhvf19cGnc15jY4akg0lcIx8QmkjPZAIB5m9D5bor2ewQimnlkCncq5bogUH6G5/wCDAMc5/WNa3y8U30QyIQPe/wAD4Uuey2I/t2/KdIHuNR+wI+uL6SI7I46qugmntu4afdAu1SoFDmuXZib6AGjkI8lv99Mr++nHLXoVf/8Am/Gd48vr3Q8mEQsfoxH3xNVXZ5rnP8tnIerkRIA1gYw1mYHnfoSdrjra9rjfBHFenwk8ILcOwl1ca0Hv2UfyriId2qUdHIyqLdFUHmRqN7n1O554u+S58+COcuxEoBPmfkqhqJxmNPJLCITIDHYOG1AA87eRK/QYnFFyRHByMjfmqjtVe9VN2l0gEK1Ss6SQEAFWtdXYAg/888PYN1uyHYrymObTRIDRH3QLPayJKzMYJyyRVCxftVUtoZUUrqA6E3+nzBo2uMbHN1IvRLyvaJZGO0DgNeWigyNzHGIMuJqpO9E0kmkpGoUbLdurWtf1xqQZjml7Iqu9Zh7DckPaN2eXsotSZdWM8jU9FBTCW/eiocyCQtz2F7KLnawBv8sCc+OhmeTW1aUjNZLZMcYF75tbVql4CMjB62bvWWNY0EY0BApuCCNyRvzHU89rZdi6FRitbN8VtuBLjmlN0KFaUi2WcG0sLa9LSva2qZtZt7Hb7YC7EvcKGg7tEZmEjacx1PfqquZ8IHvhNRyrSsU7t1ESlWF73tyB/wBBy3voTNc3LKM2t7rD8KQ/NCculHQIpw/lS0VMIzJqCamZ2so3JJPoB74HNL1jsyPh4eqYGboFmPaLCi6oopJQeTbIp9id7fLA4/7A8t/x3RZXCKZkUmhcgcvaBVSfAkUQ+bn72H2wsZTwTww7RulniDO6mRW1VMjbHwhtA+iWxnOSiiMAaBZtQ1smvvA7K6kEFdje/mN/nhnKKKS652YXxX6X7N89asoI5ZDeQFo5D5lTa59Stm+eINQsvFOWZ1GaDKauaJS1QxJUxk6UVSdSKLhmZtJHIAb23wpeR1L0YZ/Kia86Dnxvj3KTMeEvxsC1FFSSwSa9LwsNCkEfEhawsPSw57eeshOoCwzGiF2SR4cOe/0TF2b8A1NJU/iJ2RRoK6FJYm9viNrAC19icEjjINlJ47HxzR5GDjuU55yddRSxjmrNOx8lRSv3ZwPrhpnwk+S4j9wPNVJaow1rP3criSFR+zQturtzPIbHqRjeW20sZsr1ZmzaqsStKFAF/wBrKFJHsgYD5nGQxvNaMh4NRXLqsTRRyqCBIocA8xcX3wNwo0iNNi0B4g4wjppVi0lzt3hBtpB+W5tvbbphuDBulbmuuXeubi+lI8PIGVfPu/ao8fZnUIiGElYWteRSLkm5AFjcCwvfrfBcDFG4nPvyS/S2InY0dXo08Rz5c0vSVdT39FJNJfVoK2J+HVbxDzYbnzBw2GRZJGtHP35LnmXEdbC+R29V4Xx8eK5zvKmSvSIysxmK6n5E94dLbeXPby2xIZQ6AuA2vTwWcVh3MxYYXEl1Wdt9D5dy6zzJooswihVSI3MdwSTsWsdz52OJDM58BedxavFYWOLGNjaOycv1oq1xq4gzCKQLsojew2vpY8vktsYwgL8OW+IReki2LGMdW2U/I/pUpMrqxI8sMMvdzFtuRKM17MFNxfbywQSwloa9wsfVBMGJD3SRtOV1+YvY1smShyWqqFVKjTT06/8Ahi2Le+5sPcn264TfPFGSWdp3MrpRYXEztDZewwf4jj9VzH2fKGI/EP3THdALE25XN7G3npxZ6RJHw6+/e6yOhACR1hynh709E25dQpBGI410qP8Alz5nCEkjpHZnLsQwshYGMFBSy06sQWVWKm4uAbH0vyxhFpcPVxg2LoCOhYDEUpK+U5U1Y4qqoXQ7xRdAvQkdb/fmdrDGQL1K7GIxDcK3qIN/8ncb9/LxXNOv4Cu0cqeq+HyV/L6m3sV8sTYq3n+Zhc3+bN+8e/oeasTt+IzOMLulKhLH+s21v0+h8sXxQ2jqcE4nd5FeA4++5Hs2y2OoiaGUXR+djY7EEEHzBAOCMeWOzNXGljbI0tdsVUyThyClD90pvJbWzEsWt539+mNSTPkq+CxFh2R3XHmiRKov5VUewAwInmjtbwaEBzDjmgh+KpRj5R3k/wDQED54GZWDin4ujMVJsw+en1S1W9rUF9MMLt/WkYIv21H7YGZ+QXQj6AlOsjgPDX8Kak4pnn3Wqp4h0CxGT6lpBf5AYyJXHjS0/o2KIfAXeYH2P1TJkmdM8hglKGTTrV47hZFBAPhJJVlJFxc8wQeYBmPs0VzMThcjesbdXRB3B8eIPPT8j+1Uv/0upKGxAUt/Z1rq/lvjTtktCe2FmX/U43okXWoYGwW+56iw58jgXRzsmKe13wuG/iKPqjf8lgc8xTxCzofoR90HjrRGoafWgY2RdPjkO3wBrDSLi7nbcWudsRsJc6kSXEsa2x7/AGuc4ro0IV1kQMAQ6ustr/vJpQ/Q/XBX4cN2KUi6Qzmqr34p34Z7NKCWJZxNJMGF/DpQb7/lGofxYqhS1nN6UPAfm02cC0MVLJUU0S6E8Mqi5O5Gljckn8q4tpWHhNvcrq1aRqtbVYXt788aWL4KpnObJTR95JqIJCgKLkk3/wBOuNNaXGgsucGiylSr4+b/AMUAHrI/+Vb/AK4YGG5lCM/IIvwe7Tq1XKVMkn7OyggIqEiwuSdzdj8vLApez2QtR9rtFMeBIqF5+t4ZfDq/Zt4SbX2PXpgke6HJspsh/wD20G9/2Sb2tfwje2Mv+IrTPhCF8WcPJNA/doolBMgKgAseoNuZb9bYawuJcx4zHTb34LnY/AsliORva304nj80kUVZNWpBRW2Rrluukbb9PCCR67fPovYyAum5+/VcOOWXFtZheR37v0EwccZDNI8Bp0JCLoGkgabG45kW9/TCuDxDGtcHnfVdHpPByvewwjYV4clKvB80umeaciqDBr2BUAWsLC24te429+eM/wAxjbYxvZWx0ZLJUsj/AOy77u4cPT9pgzTIYqhkeQHXHazKbHY3t7X3wrHiHxgtbsV0J8HHM5r3bjiFdmo43ZXZEZl+FioJHsTywIPcBQOiO6JjnBzgCQu5ZlUXZgo9Tb9cYc4NFkogFmgqcudwKbGQfIE/oMKO6Qw7TRd9/omm4KdwsNV6OQMAVNwdwRhprg4BzToUs5paaO6xviTtQrUmlhRIou7dkvYu3hJF7sbdL/DhpsIIslJSYlwJAHv0Shm/EddJbv557OuoAkorKb2IVbKQbGxtbngoY0bBAdNIdz9kC29MbQl+jouNqO3xlbflKNt6bAj7451heqPRWKva++whec1rZiqxU0L2DBu+fwhbeXn+vpijqmsPE3AkvmeLqso1J9+ymbIcnWmj0g6mY6nc82bz9vT/AHxYC5mKxLp35joBoByCJYtLLOePeJqo1S0FDtKRdyCAxJGrSpY2Wy+InnuOVtwSPcTlau/0bgoBCcTiPh4b1yvTfXRK2bcCV3cyVFXMp7tC+l5GdjYXI32v7HAjE6rcujD0phesEULNzWgACSKeneQ6Y1Zza9lBY29hjK7D3tYLca8U/wBTwMauGjlokRA8F5SzG2tSL77m5JI8vD0wTISAW8lw2dKDDySMxBJp2nh6d3zQ3hrhZO7nnrJnp0glELBB4te17mx2Fx0PXlbfIAIJcarRMYrHvDmR4docXDNry9ERy/vaHOYIZZC6BtKsdtSyiw/mtf1XFtGSSkGZzMX0e6Roo7kciP19Vrub0QnglhYXEiMhB/rAjDa8kDRWe8P8JwSKjBpIlt8EelLHqNQXXzvsCOZwIFGcOKyntRh7rMGjFwkaKkYJJsoLdTuTe9ydzgrdkJwvRBYs0J0g7gjSwIFrX6e3T1wQvtC6pobotf7H63wSxr8F2KjyAK/5jJgUhHBbgBy6ppgn0ZhCekgaI/Mah91A+eBsOqM8dlOuCoKFcU0PfUsqD4tOpf7S+IfUi3zxuN2VwKxI22kLJL33HI746KST52a1V0mi/dYOPZh/qpwpiBqCmIDuE2VdbHELySIg82YL+uFwCdkckDdAc3zSOoieKBZJzIpQaFYJc7XLkBQBz54MxpbqdEF7g7Qaow9QtNThpmssSDWwBPIAE2Av9BgVFzqHFFsNbZ4KhwxxTDXd73IYCIgHULXvexAvy2PPyxuWF0dZuKxFM2W8vBFaeijRmZEVWc3YgAE++Mukc4AE7K2QxsJc1oBO6sYwiJX4n47paJ+7fW8lrlEANr8tRJAF/Lny23wN0gboujhOjJsS3O2gOZSnP2ss4PdQKu9ruxb7C3646GAw7MQ0ucao7LmdNCTo6RrB2swu/Pb6fNLuacf1b3vPoHklk+43++D4/CRxwEs30XA/mYmU0PQJalz0lw5ZnYEG5JPI35nHAMLnggjdGhw2JztkO4IOp5eqKVnHp/8AHF83b/Af645sfQp/zf8AL39l7V/Sw/wb81p3ZFxA1XRv3ltcUrIbCwsQGHMn94j5Y7MELYYwxuw5rlTSmV5eeKzntWoO6zKQ28MoWW3uNJ+pU/XHQhNtXKxDaf4o9xRXa6PL6ijo4fGvdAmMzPF3TAoiHqLhwbjf54G0HMQSjPc3IHAWtG4bnjqaWCcqhMkalrAfFazDbyIIwJwokJhmrQaXs+z6kpXhWpYI076IyUJBa4G7BSF5jmRjKIHOrQqFeKVOZf8ATxGdSw9+0lxYC4AAHMnceWIsosM0hMvciaPvrX7vWuu39m9/tiK6O6Xs27QqSGnmqB3kqU8/4eXQtij8jcPp8IO1xfflfEUWf9qqPBmK1ETMpljVw6mxuAUNj/ZA+uFZBT163oZzZsIY3iwCRXdv9V7Npmq8jildi8lNOUdmNzZieZO/5k+mKOrATwPv7KQtEHSTmAUHtsD34FHMlqwGyepFgsiNSSbWueS/VwTjQNFh8knPGaxMJ3BDx9/QqnVa4cvmRLhstrtSgHmmrw39DrJ+WMHss/8AUozMsuKa520sdeda/RM0j2qK6ONEkaeCOrhjddSswBU7dd1Q+5wU7uA5WucBcUTnEgNcWEjgN/uUgcfLUg0dXO476VLhBH3fdaCrAHck7uedsBfm0J3Xc6N6kiWCMdkHe7u7F+i2+iqBJGkg5OoYexF8OA2F457SxxaeBpKeXnu6ieL92Qkez+Mf+1vlgLtCjjVoSv2o8KCptMoOoDpz+V9jyFwfIbjGg5YLVlsWTlfDpcn0TSfqXIX3AbBusFaBAMBLrJ05LVeAMu/DxEsACwAsOSgcgL79SbnmSThd5TLQpc+rbSwld2WVCo8zrG3z5Ypm60RoVqWGEqvXxFFms/B9SJ3ESKEDko7OALE3GwuduXLph0TNy6pQxOvQItQ8EsZu+qpQ53JVAVuSDvqBB2vfYDAnTiqaFsQm7cUx0mR08ZukKBv3iNTfxNc/fAjI48UURtHBWaytjhXVLIka+bsFH3xkNLjQWiQBZQxsypa2OWCKeOQujKQrAmxBF7c+vPBMr4yHEIeZkgLQbWa9j9YY62SFtu8jIt/WQ3/TVh7GNtgIXOwDqkLSjWR8WVVdmXdRuFpkZnOlRdo0NhckE+I6eVueBPgZHFmO/wB0dmIfJNlbt9lpeEU+vz12yQmLM5PKVEkB+Wg/dPvgRhBJK6sHS0kMIia0acT48klpMfM/W2DxOdECGGrSGLndi3AzUa20Gl/6Rug4Uq5U7xYGEYFzI9kUDz1ORt1uMQkndAFAaIPKQpNyCAdyu9wOo5X9MZVq3nOTyQvMNDtHE5XvdB0kXspvyGoEG1+uLUTx2A5lpq6iAn+liEg942sfmRJ9sRRHO3Sg2ppx0LRMfezL+j4PAdwlMWNAUh5HmuYd33FJJUd3c+GFb2J52ZVLL8iMEcxh1cgRzSAU1Tp2d5iQCKRt/NowfmC9/riZ2KCOXvW28b8Mx5hSSU72BPijc/kcX0n25g+YJGE10lnXZFJPNmlVJVAienp0pnvzuGAufMnuwb9efXEUPBLEmXCOlrqxQRXZfmRdpLm7IXAsf6pYk/I9CcTgpxRvMKZZJ86pl+CtpEr4R5lQHNvUuftiKKTiiX8XkuW1fNkXunPrbSxP9+P74BONivQf8flqV8fMX8v9qHgWZXosxpXZVDR94mogDUL9T6hMCb8Lguj0i0sxEMzRsaNcvdrrg/P6RaQwVjOphnFRDpBJJG+kEA23vzt8XPFtLctHnYUx2ExBn6yADtNLXX9ffJd1PHyLUVcsNPrSqRAyTWsGUFblRcMpHS4vis+pIG6pnRLjFGyR9FhOo5HXfSigubcV1FTVpUR/spEUJGsV9gL7et7npyxRfZvim4cBDDAYnagmzaKUPC+Y5jMr1PeqvJpJRpsvkim3ysLX54sMc86peTHYPBRlsNE8hrr3n92tvghCKqKLKoCgegFhhxeNc4uJJ4pL4yY09Sk5H7ORQjN0DAm1/K4Nh/ZwN44o0R0pV5eIodPiYW9TgOqLlQ5Yu9N4aaST1CEL/E1l++NgOWCWDiicXD9dILWihX+s2o/Rdvvi+r5rJlHAInknBKRSrNNI00i7rcaVU+YW5ufUnb3wRrQENzy5W+Pe8FBO0LsjourUpsbAgtuN/hvhiCusFpbEZhGS3dJnZbxLDDTzrUTKmmQOC53bWN7DmxupO3nhnFRFzhlCUwcwDDnPHinTJ+MqOpk7qGW7nkCrLqtz06gL7b254WfBIwWQm2YiN5ppSpxN2iSioamoog7KxQsQWLMOYRV8rczfkduuGIsKC3M8pabGEOyRiz74KlknaFVx1Sw1yAKzBWumhk1WsfIrvfly3B89PwrCzMwrEeMfnyyBBMyjauzhoZ5GVTM8Qt+VU1WCg7C9hv5m++CsIihzNHBBeDNPlceKh4uyg5XWxGB3IAWVGa17gkEEgAHl5cmti4X9cw5vBZmj/jyAtPeoM8DQ5k5gbT3j6kc8gJ1vf2AkIv0ti2U6IZvdKSWyc5eP3RDgTNxltXJFVR6NVo3Y847G4PqhvckdLEeucQzrWAtK1hZBC8teK+y22NwwBBBBFwRuCD5Y5S7CyD/9QmX+GkqB0ZoW/vDWv00P9cRRZ1wM8P4+m/EW7rvPFq5XsdOr016b9MWomTLYa2hze7CTxSkyyEHRJETdnZuVgl23+Ej0xSlpWq860VM8lKQiSSOU8CkhSxK21KSmxHKx6dMQKKDP85aoZGZ5GIjRW1sSNarpJAvbcAHpuTiKK72cZn3GaUj3sGk7tvaQFN/S7A/LEVr9O1lFHKAJY0kCnUA6hgCLgEAjnud/XFgkbLJaDulfM+Me5193DH3MTMmp5ViLsnxiFLEtp5dLnYYZZh81WdT3X80q/FBl0NB3141zTPTVyOitcDUAbEi4uL2O/MYXLSDSaBsWrOMq1nUNHJBxI7rG5hrKUa3CkqrrsNRAsu0dt+reuIpapcX8DVzVFY1C0Hc5iirOspIKMu2pbDqLm++7NtyOIpdcEUzXsvhnFHqnlRqWBadmQ2Msai1j5X8XyYjEU1RqLgqmShahQOITci7airE6rgnybe3v54y9ocKR8NO/DyiRu4Wb1HZRWB7K0LL0YsV+o0kj5Xwv1T16hvT2GLbIIPLT8ovl3ZB1nqfdY1/zN/8A5xoQHiUrL/yH/wCNnzP2H5TPl3ZvQRWJiMpHWRifsLL9sbELVzpemMXJ/lXhp67+qZaLL4oRaKNIx5IoX9BggaBsufJK+Q28k+Oqs4tDWY5r2psZDHSU/eb2VmuS1vJF3t5b/IYeZg9LeaSD8cAaYLWklVkTxLdWG6sOh6EH9MIlPqrR5LTxG8UESHzVFB+wxFDruo88z+npFDTyBL/CNyzewG59+QxtkbnmmhYkkbGLcaQTJe0KmqahII0lBe9mYKBsC37xPIeWDPwr2NzFAjxcb35QlrMeOK2qqWp8uQDSSA1lLMF2LXfwqvlt5edsGbh42NzSFAfipHvLIgoeH+K6r8U1BmB1CW8LXChkZhYbpYMDe3XmCD53JCzJ1kfDVVFiJM/Vy8dEq8IZJHNXLTVBZRd1IU2JZATa5Gw2OGJpC2PO1KQwh0mRyt8U5euWZkhi1aEMcyAm5tfcX67qw9jjMTjNEb7wiSsEEwrbQqenmFHnZZyAgnYljyCSg2JPkA4N/TFEdZh9OX0WgRHidef1Uva7PC9WjxSI57oB9BBsQTa5HWx5egxWDDgwgjirx1ZwQeC9xpl1RBUxV6obOI5ibEhZFC6g9uVyL72vc+RxIHNcwx+I8lWJa5kglHcfNRZtU1mcyxaKfSEBUEA6Rci5Zzt05e9gcWxrMODZWZHvxJGVqaOJ+ziSd6fupEVY4EhZmvc6NgQAN7j1HIYBFig0GxubTM2Dc8tynYUmfPeD4KwRGov3kYALp4S224Ox8N9/MdDubgjndHeXZMS4ZktF26LZRlkdNEsUQIReQLFrfNidvTlgT3l5sozGBjcoSv2w5d32VVFh4orTD+4QW/k1DGVpfmgPi1adcvzqTK5NMpaeQxaJKZm/Zxq4B0sTq8drXCrYXtc9KU8UO4lhpXgjq6RGiVpDDJCx1BHC6wUPPSR/hy5YipLBkxFdLlZipDKbMpDKfIjcffEVr9h5ZXCenjmS37WNXX+8oI/XFrKzaCkjlSniqYy0oqJ1fXIB+10rIyjRZbO4AG+3TmLdEuc0ksOlD5bei5Qa14aHjWzfjvw5qjBS1RUH/o8B94WX7FxghLP/AJD80IdYR/8AqHqtkxyV2lRzrN4qWIyztpQbeZJPIADck4y5waLKNBBJO/JGLKSpe1WNdLmkqBCxsJCAL+w+En01YD145LrjoN5tokbmHD3r6J9pKlZUWRDqR1DKfMEXGDg2LC4j2Fji1240U2LWV7EUQriLNxTRarXYmyj9ft/hhjDQdc6uCQ6RxwwkWerJNAITk3GEbALMxDHrpso+YYn5kDDM2BcNYxp46rnYPpyNwyzmj4UPqfnompTcXG4OOcu+DeoVPOcwSngkmkDFEF2Ci5ty23GNMaXOACp7g1pcVgXDOetRVBlhTXdWQK3kSLXt12Gwx15Y+sbRK4kM3VPzAWtCzLMc2qYaZ6ZGjMiN3qhVTSwcgbybgEWI3wm1kLXEOO3vgnnyTua0sG+/spUzOvzPLp42mmkLEawplLowB3BBNvTltfbDDWwytIaEs6SeFwLyuu0KqEmYxvISYXSFl3/8bWJt/NiYYVGQN9fmrxRDpQTtp8lrmX8OUkJUxU8SsvJtALD+8d/nfHOdK925XSbBG3UNWIVtI0GYyw981OO9ZO8BI0oxuL6SDYgrffHUBDogavRcggsmLbrXdHfwmVUrCWSrmqplIcCK1iQbg35c/wCvgWaZ4oNod/v7JjLDGczn2e7391R4qdqTN2liF/Gs6D94OATy6ElhjcQ6yGj4Ic5MU+YeKs1WWZhm86vJD3SgadRUoqrcnbUbud+n2GMh0UDaBtW5suJcCRQT/wATcBQVehizRyIoTWtjqA5ageZHnt+mE4sS6NOzYVsmvFVMn7NaSnYSSM0pXca7BB6kDn8yR6Y1JjHkclmLAMDuZTHPxHTIbGZfLw3b66b2xy3Y2BpovH1+i7DOj8S8WGHz0+quz1sabPIim17FgDbzt5YbDSdkkXAbqOqzWGP45UXxaeYve17W87b4sMcdgqc9rdyhM3GMOpVRZJGa9rIQNgtj4rHSdS7gHqemCCB1WUE4ll0LPv6IxldSZYkkOkd4ocBTcAEAjcgX97DA3CjSKx2ZodzXdfSrLFJE3wyIyN7MCD9jjK2vxxIjwyFTs8T2PoyG36jEWkxZ5xFTVb99NTSLOQNZimCpIQAASGjYjYW2+uIpSC5jmRkVUVBFElysaknc2uzMd2Y2AuegAAAxFKUFFRSzHTDHJK3lGhc/RQcXSouATdlPZVmc9v8At+5U/mmcLb3UXf8AlxKVZuS/RvDeVClpYKcNq7mNU1cr2FibdLnpilAhc3BcMkzPK7PG0jS9yQunWyhSSbajsARuLEYYGJcG0N9rSpwrXOJcdLuu+qUh4KoesNz5mRyfqWxX8mXn9Fr+LFy9T+Up5x2cSxRmamq53qEGrxNbXbnpI3B8rk35euOe6EgWCvUwdMRvfkmjAYe7bx9hCKmumzfLhGvjqqVwzqNjIhBXUBy1C+49D5gYySZG1xCabFH0disx0Y8UDyO9eHvgiJ42rUiVZ8qYrGBcsjqo09d0IW1r+mLMrgNW/X8Jf/xuGc8mOfU94vXz1TzwjxHHXQd7GCpB0uh30sADz6ixBBwdj8wtcfG4N+FkyO14g8wrGfTzRx95CU8PxB9gR6G43/1w3h2xvdlfeu1Li9ISYiKPrIa03B5eNhLlLx0f/JED6obfY/64df0aP8XfNcWH/kR//oz5H7H8oZxfnCVDRmMnSq9RYgk7j6AcsHwcDomnNvaR6XxzMU9hj2A9Tv8AQJew4uSm7hTNKhgIVDFE6qouATyLMbKOfQm17Y5+LhiFvO597Ddd/orGYlwELbIHIehJNAeRNbJ3qadZEZHUMrgqynkQdiMcgEg2F60gEUViXHNItDmavEoVB3cyKosBY2IHuUP1x1ICZIqPeFyJ2iKYEdxTb2scQTwpAsDlEmDMXXYm2mwB5j4r7b8sL4SJriS7gmsbM9gAbxWdZzBD3MUgqmnqJLGRSD4ARuCzE3YHbnvzw6wuzEZaCQkAyhxfZPomU8OyZhl1NNBZpoFaB0uBqVWOmxO1wDyPO/puDrRFK5rtjqjmJ00TXN3GinjyvPJ1ELu8cYGm7OibDbcp42+98VmwzTa1WLcMu3yCcc14Egqo4vxBYTpGqNLGba7C24YEEX9L+uFWYlzCcuyakwrZAM2/cuMr7NqGI3ZXmI/+q1x/CoCn5g4t2LkdtoqZgom6nVNqoFAAAAAsLbWA/wAMLWmqQCr44oI0lf8AFRuIbd4Iz3hW5C7hLm1yBfkCRiLVLqr4rjSso6VVLmsV3SRSNIVEL39bgbW88RUu+NINVI9vykN9Dv8AYk4R6SZmw7u7VdHop+TEt77CE5xDStA1u7UBNURUoDfTsAAdTXPO+FcSzDGE7AVYquW3M96cwr8UJhuTdOu9r35Dupcf/D7VndT6wqyQqknO9wsiMQOXiVyLnlbbHZwWJvDtJ3r8fcLgdI4P/wDKeBt/v7FWqrglXR/2x7yS9302A1GQvZVKnxGRzZmYDbywcYiiNNPf4SrsJYOup/d/XiUWy7h+KF3cDUXYNZgtkI1W0gAWPiO/P6YG6UkAIzIGtJPsKPOOKaOmBE1VDE1tgXGr+EG5+mB2j0UH7LOKXr6ISTMrTK7oxUWB0kEEDy0uuIqKS+MuxqaorJJ6aaJY5nMjLJqBRm3bTpBDAm5302vb1xYUsqfKuwiEb1FVLIfKJVjHtdtZP2xFLKccq7NMsg3WkRz5y3l/9yQPkBiWqrmi9VnVHSjS0sMQH5AQD8lG/wBsEZDI/wCEErDnsZuQEu5h2pUaf0YklP8AVXSPq9j9sNM6OlO+nvuS78dC3Y2lnMO1qdtoYI4/VyXP20j9cNM6MYPiN+n5Sz+kT/i35pZzDjSum+OpcDySyD+Sx+uGmYSFmzfnqlX4uZ3H5IDJMSSWJJPMk3OGAANkAucdSV+g63jSijh778RGwtcKjAs3oF5397W62x5EyNq7XtI+jsS+TJkI8dvn77kiVGUVHeR5rlakiYa2hOxBPxixtrQkdOu46EAyn42LstxEOR2DxZ+HQO+ngR+ii0vEGb1CGOOgEJYaS8h2F9iQGt/m9jjWeQ6UlRhej4nZny5u4fr9I/wDwuaCnKMwaR21uRyGwAAvzAtzwSJmQJLpLG/ypcwFAaBMcsYYFWAIOxB64KCQbC5r2Ne0tcLBWdcT5A0JaRVVYr2WzEnf33v9sdvDYkSANJ7S8X0l0a/DuMjQAzhqT9dbS7hxcheGIotE4DoSkBcixkNx/ZGw+98cbpCQOkDRwXsOgcOY4DIf8j6Db7pmwgu6kvtA4NeveFo3RNAZXLX3BsRaw3tv5c8NYecRA2k8VhzKRSMPwzFLSRU1T+17pVXXupuotcWNwbeu+BdcWvLm6WjGFrmBj9aXGU8GUVODogViwsTJ4yR5eK4A9sW/ESO3KpmGiZsEciiVRZQFA6AWH2wIkndGAA2XeKVr5fEUVbNIXeGVY2KOyMFYc1YggEeoO+IosBqMkaqyNszeeokrYyQS0h8KK3dlLdPB4yeZN78ziK7Npt4gyWkp6rKZ6eCNKaqvSyqigCRZ47Jrt8XMksdzYb7YnFZ2CF5bC2XZvFDVOTT0FPPNDJYs3cvsAwFySh1LsOnlbEVrYoqqKenWS4MM0YYE7Ao4vvflcHGXNDgQditMcWuDm7hJ9XxLkdH8U1OWHRbztf8Au6rH6YXjwcDPhaPr9U1JjcTJ8Tz9PQKMdo8k21BllZOPyu6iGM+ztfb6YaopPMOa+24gqOtHQqfeaQfrGcSlL5BfP/lq829dmVZUX5ord1Gf7i3+xGJopbuaMZR2d5bT27ujiJG+qQd4b+hkJt8sXazlHFH6SrhYmON4yUtdUIOm/K4HLFlrgLIUBGwVrGVpeJxFEkdrcLGh1oxASRS1iQCrXXe3Pcrh7o8jraPEJPHZhFYNUsmybJGnWRw6RpEVDltRPjJC2VFZjci3LHZkmDCBVk++K5McJeCboBF4uCZP2oJ1PE5UKvJwqq7WY7g6T+ZQLkC99sAOLbpXEfLgjDCHXu9ffgrknBsXfSKkkkgRypjVbEBo2liOvxEqVWxIQm+yqbjGBinZQSKsb+dHT9+K1/Fbmq77vKx7pT1eV0MGhGVAJSyO0jMZEV4g6MFBGnRISpOm/hseeMtkmfZHDltvR+Y13RDFEzQ8ee+2h+fcqtVnSsxaGv8Aw8Ztph7hv2YsPD4VINuVxz5402IgU5lnne6yZQfheAOVbeieZeEMqpJIjJGoMrlE712ZdQVn3DHTayn4uthzIx50RMC9U/pbFvbWevCh6hHJuKaREVxKGRkLK0StItl25oCoN9gCbk7C52wVc27Qqt7QIYw7CN2QBWRhsZARTkkKbEWFRGbNYmzcrb1aukU4V4iFYjOI2jsdlbmUbeNuQtqWxt05dMWq0RCuzBYt5AwX94KWHzte3zwWOF0mjd+SWnxTIBclgc6JHpdeaWs94ujKFIl1k/mZfCPkeZ9x9cPwYB4dmea8Fw8d05E5hZCLJ4kaDyO58kkJGWNgCSeg3Jx1CQBZXmAC40NSmvh/hBmIecaU56PzN7+Q+/tjn4jHNaMsep5rvdH9CPkIfOKby4n8fXwT0LKABtbkAOnsOmORqdV6zRooL4ZfQ/p+uJSmbuXM04VS17AAsT5Ac/ni2tJNLL5A1ubhqfIbofk2dx1AYoW8JAYMADvyO3TBpsO6IgO48kng8fHiQSy9N7ryOiJ96Om58hgFFPZxwQ+bPIFOlpowfK9/qRywYYeQiw0pR+Pga7K54vxXObZwkMPenxA7KFPxk+R8vX/huGB0j8g874LOLxrIIetOo4Ud/Pl78V/Lc/qppV0QL3ZYA+E2tfe7ctsOSYaGNht2vvguRh+ksXiJRkjGUnXQ7cddk5R8vr+uOYV6RuyDZVwpTwRTwqpaKpkeSRHNxeT4gBYWWwtbFLSL01OkaKiKFRAFVQLBQBYADoANsRRDc14bp52kd4x3kkDUxk3uI2vcDe3NicRRKdD2QUQVFqJKmqCABVllIVQOiqlrD0viKa800UPD9BRKXjgp4Ao3k0qpHu53+pxYBJoLJoCyvV/FdLFCJzKGjLaAyAtdrE229B1wVsEjnZa1Q34iNrcxOir5vxT3dJFUwwvMJiAqjYjUCd7BuVrbX3xpkGZ5Y41SzJiA2MPaLtGMoq2lhjkdDGzqCyMCCp6jcA88Be0NcQDaMx2ZoNUh9XxbRxyCJp11k6dKgtY3tYlQQN/O2CNgkcMwGiG7ERtOUnVZ/wAFsKTOJ4D4UbvFHlYftFP8AP1w9iP7MOHeH4XOw39WJczx/KaODeKJ6+eYhUSmj2BAOpiSdNyTb4QSQB5YWngbE0cym8PiHTPNDshJFE1ZX1L0M1S2kOxkJ/8A67iwAsNz05XsemF9ALXvZBhsHCMTGzWhXnr7+S03Nsmvlz0oJbTBoUnmSq+En1uBjUD8kjXd68biz1+d1fFZ+6xLhrPPw3fXV2WaPQQkhjYEMCCGAJHUfPHoJ4esruPivPwTdXd8eWiu1fGs7bKsYRdOgMO8KFV0hgz7l7Abm/IG2BtwjB48eHsIjsY47DT5+aHUsFZUH9ms8lwq3QNbwCyXI28I2BPLBXGKP4qH73Qm9a/a+HojmX9mddJ8SpEP67i/0TV97YXf0hC3bVGbgZXb6I6nZC1t6sA+kV/84wD/AMoP+vr+kf8A8af+3oj6cO1spWSeSHvQq+LxNup3so0qmtSwaxO5Fj4d+QupqqubcFSLD+zkkmkLoxUd2qHuxHpJDXNtUMd/FzZyBY6cRRNkHD1MhLCFCSSTqGrci22q9tgF26BRyAAilImTiK18DA8iDi6pUCDsqsuVQMbtDGT5lB/pggnkGgcfml3YLDuNujF+AU1PSRx/Aip/ZUD9MZc9zviNokcMUXwNA8AAu+8HmMZoreYc0J4hhnaI9w2ltQJ8Wk6befTffDOGdG1/9mor1XP6QjxL4v6DRvnWlc0p8WNIj00jOGYRjxA3GpTckfUY6GEyOD2gaX6FcDpXrWPhkc6zlGvCwdfsjjcXUzHTaQh/CTYWGrY9b4VGClAvTRdQ9M4VzsmuumwoX6pTy6tnppZEiF3JKEadW6k8h588dCSOOZoc7bdcDDTz4SV0cWp22vbkjtTWVn4KZp7i5UKSArWPxbC1hyG/mcKNjg69oZ3/AKXUknxwwUjptLIrgaO+3l80AoqQyRHTEmx8Urva3tdgBt6HDj3hr9XeQH6XJhhdJCckY73E1XqB9VNJD/2ezhxHNuBeyhl8yBzI/wCXxkO/u2qwiPYf4Wjryv4XpY7+9PnD8munhPTuwLcvh2P1xyMQMsjvFerwDg/Dxn/6j00Kj4p4jhoYDLLueSIObnyHkPM9PoCq94aF2MJhX4h+RnmeSxbM+NMxrpNETSKD8MVOCNvUr4j63NvQYWLnO39F6ePAYXDNzOrxd7pdLwvnCjvFjqB1usvi+gfViZXcj781X8zAnskj5fpFeGO0upppO6rg0iA2YstpI/fYavUHf16Y02UjdL4roqKVueDQ+h9/JbNTVCyIrowZHAZWHIg8iMMg2vNOaWktduFl/bJmaMYoEk8UZYyR2OxIUoSbW5X69cdPAMItxG+y4/SUgNNB23Cj72Gpyqojp6d4lgCTam3DsNnIO/5VPXr0xKcydpcbvT8KdiTDuawVWqu8JZhI2STiJyktPrsRzsLSbX8wWXGJ2NGJGbY/6RMPI44U5TqL/Kr5NxFO+TVbd47TRtp1EksFcrc357Avbyt6Y0+FoxDRWhWY8Q84ZxvUKbsrySkmp3eREklDkENvoFhpsOl9zq/0xWMlka6gaCmAhjezMRZQjtJgVcwjlD2jnVdTofK8b2P9m2C4QkxFvEf7QsaMs4deh4+hVrh3MKjKapqSWNpIXbUNC3JvYB0tuRYAFeltvXMrGYhmdpoj3S1C9+Gk6twsH3aLx8P1C5x+Kij/AGDHUWJC7OlmuCQ1772tjm3pS9r/ADYH9HdU53a4DXgbHpotExlcFIlP2WUgdmdpHBJIQEKoBOw2Grblzx0D0jLVBIjo+O7KYcv4WooLd3TxAjkWGpvq1zhZ+Jlfu4o7cPEzZqMgYAjrBs77cKvUyQ0sUJUlT3haRgQbdNIBv74i1QSvL2qZsST+LIv0EUVh7XQnEpXS2Ku7U4FH7KJ39WIQf4n7YfjwDnsz2NRYXOxOOEMjospLmkg+I0S83azIZBq7uOPe+kFmG22+/X0xw5nTuYeq3980XA4h8k7euZTNb35aevcjfA3H61VX+Hu51IzKzAAXW2w3vuLnl0xnBx4ppJmdY5ewutin4dwAiGqfq1mCsV3YKxUH94DbHSYASL5hcyYuDSW70a8eCTsj4usr/iXYsCChVRc3vcbC3lz8/THTnwWo6oeK85gemaa7+S7XhQ+Y2pEKTi+ORyoSTZWYG4udKliLDYbDAX4F7RdjcfhORdNRSOLQ07E+NC6rwCvZBm4qkZgpVkNipbUDttvb/lsBxEHUuAJu+KawGNGLjLgKI4Xfgh3B2dyTySJMQSo1LsBbexG3uMHxmHZG0OZ4JPojHy4h7mTakajSq4FAINYmq4SxJdZOvNlOofUAj54bdlLI3jhXrouTGXiaeEncO8yNfoD81Hl9MZ6SRFF2gYSKPNWFmA+gONSOEcwJ2cK/CHBG7EYN7W7sOYeB3A+Vr2T5rBCoLUweUH4i23O42IIBHoOmJNDJIdH0FMJjcPAwF0WZ443/ALr5Ixm+USyslXTAhnUOVuAQbcxewII/5vhaGdjAYZeGi6OLwU0zm4zDDVwBriDz9/dWckoatnY1ZJiZSpRmB1X5WAOx9dsYnkhAHVbjiEfBYfGueTij2CKonfwA29F9bgmEtfVKB+7t+tsUOkH1sFD0BAXXbq5afVHqTKo44+7VFCHmrDVq9WvzOFHzOc7MTr8l1ocHFHH1TWjLyOt+KtxRBRYWFhYACwA8gOmBF1phjA0UFg3aHXSV2aGFNwjinjHS97MT7ve58gPLCbzmd6L2PR8bcPhM7uIzH7eia8zqjlvdZdlkYerlF3kIBN7Hffa+xO/hUdDfGycvZbuufEwYvNicSaYNh7+2pKVsz4lzahqNM8zhxZtLaWVgfQbWNiNrHnyxjM8HddCLCYLER3G3TztNPG9JFmOVpmKIFmRQxt5BtLqT1Cm5BPkfM42+nNzrn4F78LizhyeyT/o+a67EM5Z45qZjcRWeP0DE6h7BrH+8cXCdwq6bgDXtlHHQ+W3vuR3tMyOOSjmmEa98mltdhqspAIvztpJ29MdLCSkSBt6LyuNha6MurVc9mswqMs7pt9JeFvY7/wDq9vli8WMk1juKmCcJIKPeEv8AZIrLLVU7qdJWzbG2pCVYX5XOr7YPjqLWvCW6PsOewoj2d8L1FO9SlRGO4lXRuVOvSSB4QTsVZueB4qdjw0tOoRMHh3xlweNCu6jspgLkpNKiH8uxsPIMenvf54gx7q1Cs9HNvRxATHT8IUixQxNH3qwBgneeL4jdrjkbn026YXOIkzEg1fJMjCxhoBF1zRrvFG1xt0H+2A0Sj2Avhm8gf0xeVS1z3jeg++JQU1XJ9ST8/wDTFqqXzQPIYllXlCkpHuN+YNsU4aqmnRfnPP8Agwz5/UUayLF3rNMjMCQdS96QACOpb+E4yFu9FWkyrI4mMctXXPJGSrtFGgQsDY6Qyk2v5k4lqa80Dp5FLL3hOi41HmQt97X8hjWY0G3oqd2nF53O55po7R+GkoJ4o4Wd0ljupYgksGIa2kDpp6dcUq2QfhGualzKldwyFZlVgwIIWTwG4O/wvfEVr9SSdD5H/b/HECy7msyipIY61o6gfsgzDmRbqpNt7Wt9cd0ve+AOj392vEMigixropx2bI/GyaIs2y+Hwx6RfwkqhOx82tcj64QMOKk1d9fsu43GdGQdllcrAP1S/BPNl0rjRqV9gTezWvpII678sOObHimjXULkskn6LlcMtg8eB5G/suMvyisYmoiUqxJ6hSb87A9PfFyTwD+t5+6zh8HjnE4iIUSfDfuPBMPDWQPE7SzHVIwPhve1+ZY+Z/1+SeKxLXtDGbLrdG9GvhkM02rjw333JPNEcmyFKdnMZa77eK3hHkPM+uAz4l0oAdwTmC6OjwrnGMnXnwCtnK4tWru4tXO/di//AOcC659VZrxTP8OHNmyNvnQVvuh1398DspjIOKr1ldDANUskcQ83YL+tsTUq6A1SzmXaZl8VwJTKR0iUt/MbL98bETzwQ3TxjilbMu2XmKel9mlf/Ko/zYIIDxKC7Ft4BaflNaJ4Ipl5Sorj+8Af8cAIo0mgbFrBhOKbO2eXZUq2LE9FZz4vax1YSHZdrzXsi3rsCAziweg2+yd82ielz+GpZS0VVpjVhuAxQR297hT7E+RwU9mS+a5cRbN0e6MHtMs+V2l/tvP/AH0Q6CAf+8mMy/F5JzoMf0O/9vsEep70vDhEos0iMFU8/wBq50/Y6vri6qLxSbv7uk+xwI9Bqg3YbTE1U8n5ViCH3ZgR/wChxIviKZ6ceBE1vM38h+1sVZTLLG8bi6upVh5gix+2GWuLSCF5hzQ4EHiqmS5JBSqUgTQGNzuTc+pYnG5JXSG3FDihZEKYERGBoq4ke3LmcWAqJUZY+f0H+uL0VaqrU1SIVDk3ble5HMC56AXYC588aFnZUaG6sDFLSiiqVZnVSCyEBh5Ei4v8jfEpSwh9bmpTT4QB36xPcgmzCysNJ2uxXZt7HljQbayXV816szxERmHitJ3IuQql+viPILvc+h54gYVC8KTJc1E6sQACjFTpbUp63VgBqUg8/cdMRzcqjHZkQpzZ2HnvjLtlBo4rI+12T8Fm+XZhvp+F7DojeL5lJSPljARBqse4iqUkqp5IL91JK7pqFiAzFrEC/K9sRaTdwfW5VHCzV0byTBzpUayGWwtsCE53HiOJazS0jP8AjkRZdDXU0IdXIQBzYxg6hvpv+ZQtgeo3xFSxLiTPZKyd55AquwA8AIGwsOZJva29+mItL9V8N5iKmkgn/wDrRI592UEj5G4xFndQ5xw/FUWLg6hsHUgG3rfY4ahxL4tBtyK5uM6NixJt415jfztVaPhCnQ3Ks5G/jbb6L/jgj8dK7Y14ftLw9CYZhsgu8T+PumDQfM/898JWuxlPNe7odd/fEsqZRxQzMeJKSn2lqIkI/LqGr+Eb/bFgE7KEtbvolXMe1uhT+iEsx81XSP57H7Y2IXFCOJjHG0rZj2xVDbQwRRjzclz9tI/XBBAOJQXYvkEIqc7zeqp5Kgyyinj+JkIjHMCw02Zue/PrfGssbTSwZJnAkbIdwbkC5hUGOSo0ORqF1LNIQCTY8hawuT8gemnuyDQLEbOtdqVDkHCNXVgmKLwqdLO5Cqp2uCTzt1sDizI0bqmwvcaAQ3M6FoJpIXKlo2KkodS3HkcW1wcLCy5ha7KVuvZHX97lsa3uYWaI/I6l/lZcKyinLoYc2wJa7YuE2LfjYVuLWmA5i2wf2tsfKwPmQlK2jmXp+h8aAOoefD8fhKHDOdVE1TQU8krPFFURsitY6bMOttVgNgL2GMtNkLpYmCKOKWRoolpv5LQOP+MIqaqEU1FFUhUWRGawKkk35q3kOVsbe8ZqItcfo/AvmhL2SFutHv8AULPOKOKqnM5UUrZQbRwx3O52v5s3S/0Aubjc4u3XZwuDiwbCb8SfegWydnvDP4GlCPbvZDrkI6Hoo9FG3vfzwxG3KNV5npDF/wAmXMNhoPfeuuPq6rhpi9GgZh8bWuyL5qvIn628j0zKXAdlTARwPlqY6cORPeffih3ZzxGZMueWeQsadn1uxuSoGsH18Jt8sVE/sWeCN0lhcmJDIx8VUPT6olkGdR1xE0Ep0qAHibZlJ6MvLexs1yDvbltbXB+oKBiMO7DdiRvgeB80fmHI/L64O1IlUsxr44U1yNpW9uRO/sATjTWlxoKnOAFlD6CpSt7wpqCKjRXIFyXAJIF+QAHPnc+WNOBZusWH7K1KrpLEO8ZgxIIIW1grHayg8wOpxQogq9QQhlTVpT1zGRlRJ4QbsbXeNrWHmdLD6Y0AXM04KiQ1+vEKvXUjTGpMIJWeJHRiCv7WMkD4rEX0pv5DyxYNVfD6LLhd1x+qsJkLGPuS/wCyFnS/9JE4OrnYq4vf4t+d74rPravIapF6KB1vrlL3tYaQoFvIDff1J6csYJHBEAI3U97Op89sTgVR0cEidvOVGbLRIoJaCVX2FzZrxn7sD8sDW7pYPHwxWsAVoqog8iIJCD/Li1rMOarUeWzysUihlkdTYqkbMQfIgDY++JSouAT/AJXwPnc1KKTu1hpr6rTFFudWre2px4t+QxKWbHJHcq7Bzsams91hT9Hc/wCXE0V2Vr+S5XHS08cEVxHEoVbm526k+Z54pVspJ8wjW12FyQoA33YgDl6nBBE4i6QjiIwavX5q1gaMs47V+KauieFadlRJVbxaAzalIv8AFcWsy9PPBomB26XnlcyqWXVmbV1THJLJNNJHHpEl3sq6yQt1BA3II2GDhrBpSUMkrgTaH0WVTS6e6idgxCgqpsSeQvyv88bLgN0MNJ2CNZdwPVSVX4VgkMukORI4+E35BbljsdhytvbGDI0C0RsDyapFV4QpIqeSqlqnnjp37qaOCPSe8uo0o8hAKgsLvax6WOMdaToBuijDAaud40m3hzK4qeslpohrp62jE8ay+JSQSNJ8xZrn0OBucSL4hGjYGnLwIVfL5WaPLquanSCs/FdzYJ3XeRkMHurctK3O/VTb4rYhNEtvRW0B1PqjaoxTUtLV5nFUVMQpqqNjZCZDeRm2CoDZlu1xzsU+U+JgoaqAZHmzQOqQ6mekFMIo4nM6ysfxF9KtH4tNkvsT4Tpttvv0wcZr7ko7qw08+a0HsKr7PUwE8wsqj2urfqmBTjYo2FduFrhGF04lGq7O6U1EdTDqgkjkWSyW0MVIO6nle1vCQMC6oXYXRZ0pMIzE/tAitd/n+VR4p7OPxtW1Q9SVUhVCLHuAB+8W87n4euKdFbrtFwvSn8eHq2s1539q+6OcM8G0tFvEl5LWMjm7fLoPkBjbWBqVxOOmxHxnTkNvfimHG0mlPjziiah7gxRLKJWZWBve4AKhbX3O/Q8sClkLKpdHAYOPEZs7qqlRhpIZqSoV6aSklqQZXgjZTJIqablFOw1fDYqpuTtvfGaBadKvgiF745mlrw8N0DiDQu9/Dfcrrs/z+gc/hqOCSJtJZtai502F2YMxJ3tvi4ns2aFOkMNiWjrZnA8NPsKCdZh4T9fpg43XJOyEcQUPf08kY3JF19xuPqRb54Iw5XArLxmbSC8J5VVU+u/dorgXDXc6gTyClQBY+Z5DBJXNchRsc1MK0xLB3cuRyFgAL7GwAvy8ycCvSgjVrZU7AczbbkTilZpcmUe/ti8pWc4X0ajyX64lAcVMx4BcVb92jSSyKiILsfIDFZgpTiuUqYhCalX7yMIZAwN7qBfb5YouKsN1QvK+LBUUE1VHGUaJXujb2ZU1jccwQVPzxlaShRZjnjxxujxyLIiuGKLezqGsbLba9vliaKrKbG7QKDvUiWbW8jqg0KSLsQBdrabXPO+CdU+rpY66O6tMdZMUQsBe2KjbmcAs4iQxxl44Jdq+ICBcsFHyH3OHxhWDUrhP6Tlcab6IXPnakAmQEE2BLCxPkN+eDsibwSMuJkcaNq/w4hmm1n4IeXq7C38qE/xjywvjHBjco4ro9EMMjjK7YaDxRymzdJKiSBdzGLs3S99wPUXF/e3MGyZicGB52K7LcSx0xhB1AtJ/bVQa6JJQN4ZQT/Za6n+Yri4TTlWJbbL5JY7MsxdqWtpoo4++WIzRHQGZ2BNtWq4OltAG218amGoKHhnCi2tfqusrlnmo6yhr5hBMwSeE1DLFa7EnkBpF15AbajtinBrSCNluNz3gg6HcLrOeIaIVdBViq7ySBe6m7qNjqCq41KTYWLEqN9w4YXAxGg0RSjy0Oa4uGm6E1HG1Mq1kcNI8kdZIZGE8gXSTvssYb8248Q6eWNCN5q+CwZohYFm0NfjOum7iOLQhgFohTxeIDQUtvqNtJ5CwvY22FtdUNSSh/wAhxoNCkg4KzSr0mSKZgBYNUyHwjyAkbUBy2AxeaNuyoiaTdMmW9jUpt31RGnpGpf7nSB9DjBnHALYwjjuU05d2UUEf9IJZj/Xew+iafvfGDM4orcKwbpryzJKen/oII477EogBPueZ+eBFxO6O1jW7BEMUtLiaVVUsxCqoJLE2AA3JJPIDzxFEJzzimlpI45JpRaX+jCAu0m1/AEBLCxBvy3HniKJG7SM8irsmeqoZmb8PLHJ4dSsCGC2ZTY7atW+2wOIrCh7TOO6uniopaV0SKshJ1lblSRGQQTsLBtr+R522nFQJmyuKejrIIJqmSqiqUfQ0oXXHLGNRsVA8DoW2N7aOe+IpZUMPDlb/ANX/ABrvEYfEgAZtQj0kKLabX1WY7874CGO6zMuo7FYf+H1ABzb8N/ny0TRR5LBFNLPHGFkmtrYdbenIE9bc+uCBoBsJB88j2NY46DZEMaQVUYFdrE+2CaFYutF8CueSge+J2VLcVHWMIo3klk0oilmI6AC55YrMOAUyk7lR5NVwVMYlhbWtyLm4II5hgbEH0I8sUXlQMCtV9ZHTxNLIQkaC7G3L5Dc+wxm1sBKXaPXh8vikilIilljJdCV8BBI35jfTiKKTiAvLkZZ7lzTRyP6kBHa/0OIq4LngyaJ8vSlLqJJYpJBGSNQjkeSxt5WOIVAl7grNkp8vj/EI3dV0siNKLaYzZYhr9DoO/ocWVAh2TdpL0cK0phSUwXj1iTZgrEAiwIta2998TdSwNCs2RypDKbFTcHyI3GOpuuKDWq/UdNMKinVxymjDD2db/wCOOaDkdfIrryNEkZbzH1We5XGs0svec0ACjyve5977fIYX6fc4yNYT2avzv/S5HQLGmNzyO1dIBxJlpKu8a3EVi5uBZTt1572wD/jszmyuivs1t3/6tM9KQhzQ8DUfRN+Z5l/0nL4YhvUSjnzsxsXa52Om4AH9noDjtNb/ACJS47BRz/4mHDR8X3QPgnMitZEOj3Q9b3B5+Z1WJOHsW0GEgcFwujHuGLDid7B9+K0LjGg7+hqY9rtExW/7wGpf5gMcVpogr1j25mkL82Uc0iuDE7o52DRuUbfpqUgi/vh4gHdctr3NNtTbQdmmYVB1uFXVuXml1FvXw6yfngXWMboEfqpZNSmnLuxpOc9Sx9IkC/zNq/QYwZ+QRG4TmU1Zb2cZfFY9wJD5ysX/AJSdP2wMyuPFFbh4xwRbM6yny+meUoEijtdYkA5kKAALDmQMYJJRg0DZc12fItA9bENaCAzoDcaho1LfqL7YpWgMXE8s2T1NSQI54kmU6OQZLi63+R6/PEUtVuzOtlV5KWWV5h3MNTE7kswWVfEpJ3sG5X88WVQTrDmEbyPErXdPiFjtf1tY/LFLVKyy3BHn5YipYpm2dT0VPmGU1kjTN+HeSlnYlmeNr+FzuQRZufkw5ab0rXfE08lA+UTCYQxGjFK0pj70xeFCWVL7k2AvvtfY8jfFUNVb4NpKWqbNqenkmnaoiHe1EgVFZ27weCMIumzEm5Bub/OcFZFGig3E+WSnhinaddMlJINrg3Qu0QFwSOTL/DiFUDey0Xg/hh07iomrJaoRxWpw6qojV1G5tu76QF1MeRPni1WqcsUrXsRRexFFxI9v1+QxYFrLnUq9DXLKoZG1KSQDYjceh3xuSMsNEaoUGIZM0OYbB46j6qrxXRGeiqYhzeJwPfSbffA0dIeR5hM6V70riN5Kemql1AEK3d2k2IIudBF7eWLKoIvw/wATzVZWmqaeNTPSd+jX1q4Nl8SEWF+ek3ty3xSl2gWb5qajh+EFAZZmWFQoCgNG5OwFlUaYzsLDfF8VOCsZ1HI7wCknIizWEx91IWKoFiF2X906NrAC5P0imtKpmEQZqLL2UpXQSLEJYyF/7exuytf80f5SLg6tt94qtH63gudYJKKmkjFJMQT3hYvFuNfd2BDarXsbWJPntFNdk0//AA/S/wD8aHYW/o16beWKtXlC/9k="/>
+          <p:cNvSpPr>
+            <a:spLocks noChangeAspect="1" noChangeArrowheads="1"/>
+          </p:cNvSpPr>
+          <p:nvPr/>
+        </p:nvSpPr>
+        <p:spPr bwMode="auto">
+          <a:xfrm>
+            <a:off x="155575" y="-144463"/>
+            <a:ext cx="304800" cy="304801"/>
+          </a:xfrm>
+          <a:prstGeom prst="rect">
+            <a:avLst/>
+          </a:prstGeom>
+          <a:noFill/>
+        </p:spPr>
+        <p:txBody>
+          <a:bodyPr vert="horz" wrap="square" lIns="91440" tIns="45720" rIns="91440" bIns="45720" numCol="1" anchor="t" anchorCtr="0" compatLnSpc="1">
+            <a:prstTxWarp prst="textNoShape">
+              <a:avLst/>
+            </a:prstTxWarp>
+          </a:bodyPr>
+          <a:lstStyle/>
+          <a:p>
+            <a:endParaRPr lang="en-US"/>
+          </a:p>
+        </p:txBody>
+      </p:sp>
+      <p:sp>
+        <p:nvSpPr>
+          <p:cNvPr id="60422" name="AutoShape 6" descr="data:image/jpeg;base64,/9j/4AAQSkZJRgABAQAAAQABAAD/2wCEAAkGBxQTEhUUExQWFhUVGSAYGRgYGSAcIBsgHx4dHiAkHCAdHyghIB8lIB8eITEiJSorLy4uIB8zODMsNygtLisBCgoKDg0OGxAQGzcmICQsLCwvLC80LC80LCw0LCwsLCwvLCwsLC8sLCwsLCwsLCwsLCwsLCwsLCwsLCwsLCwsLP/AABEIALcBEwMBEQACEQEDEQH/xAAcAAACAwEBAQEAAAAAAAAAAAAFBgMEBwIAAQj/xABHEAACAQIEAwYEAwQJBAAFBQABAgMEEQAFEiEGMUEHEyJRYXEygZGhFEKxI1KSojNicoLBwtHh8BUkQ7IWF1Pi8Qg0VGPS/8QAGgEAAgMBAQAAAAAAAAAAAAAAAwQAAQIFBv/EADkRAAEEAAQCCAYCAgICAgMAAAEAAgMRBBIhMUFRBRMiYXGBofAykbHB0eEUI0LxBlIVclNiJDND/9oADAMBAAIRAxEAPwDTZs+nG/dRgfulzf5kLYH646DcIw/5ei4cnS0rDeQV46/RDZuJao/AieyqzfU3/wABhgYGADtO+gSDum8W8/1xivAn1Xyg47IbTUR26Fkvt7qd/oflgcnR2lxn5/lMYbp2zlnbXePx78E5wyq6hlIZWFwRuDjmEFpor0LXNe2xqCsl4t/7XOEm5KzRy/I+FvrZvrjqwf2Yct8QuLif6sWHeB+xTb2p5eZaMMoJaORW2FzY+H9SPphXBPyyUeITvSMeaGxwP6VTKMslqMmNO6MsgBChwVJ0trT4unJb41I9rMTnB092sRRukwmQjX3SI8EcOSU9NJBU926yMW0glhYgAg3AHTpgeJma94czgi4PDujjLJNbUTdm9EW1WkA/cD7fcavvjX86WqWP/GwXeqY6PKYYkREiULHfRcX03NzYm53PPzws6RziSTunGQsaA0DZXcYREsV+fTmZ4YY1uhtuCxOwN7AgDmPPp52w2yBmQOcUjLipA8sY3b3t+0t1mfStfVM/sDot/BY/XDLYYxsEm6eZ27q8NP36q5wXmQ/FaL7SIevNhYj32DYFiWjJYGyNg3ESUTuivadQ97l09ucYEo9NBBP8urCsJp4TuJbmjIWKcOcNz1rssAXwAFizBQL7D1PI8gfuMPPkDN1y4oXSfCrWYcOfgaqOOvDGJt9UJ2YddJZfynmLX+oOMiTM22brZh6t4Em3cnHtE4LpKai76nQqyOuptbNdW23uSOZXlgMUrnPopnEYdjY8zQmfhWnioMsSWRArLEZZDpAYk3axPO+4UD2GBPJe/RMQtEcYJ8SscyjOGSujqmNj3/eP7M13+xOHHM7GXuXNZJ/bn71+jMzqTHEzDnsB7kgfa98IxMzvAK6WJlMURePfBAo4WlRnmmYRrz9fPYbfY4bcWxuDWN1K5UYlnYXySENHvh+1xlskM0U8FNJrOjUNSlQGNwL3ANgVXp1xUhe17XvFLcDYpIpIYXXpeumvsBd1bpA8dLJEO4mj7tpbW1OfMjl/qRbljLc0gMgOoN13Ij+rhc3Dub2XCs3M+/UqPJYGoY0ibcNVaAf3lZfCf0+eJKRO4uH/AFtVh2nBsDHcX15EaL5RZDLDXyVLSAQtqYkncg9D6A/oMW6Zj4RGBqqiwcsWLdMXdk3/AK8vsups1jqFs0s0BUn+juNQvtuATy9uvPEbC6M6AHxVvxLJ20XlnhxHyXGVUKSVayxIVSFSCxJJdiCNyeZsb+ewvzGLke5sRa46n0WYIWSYkSMGjRueJ29+vBE+M6HvqGojtc92WA9V8Q+4GFoXZZAV052Zo3DuWFwUcIUM78xe1wP98dUuddALjtjZQJKO8MEpNHLTU0suhr3RCRbkfEdhcXGBS6tIcaRoi0OBY200ZpkNfWzGXuIqYEAESSazt18A52tsfLAGyRRtq7TL2SyOsNrx/SbuEMiNHT9y0neHUzXAsBq6AXO3+pwtNIJHWAmIIzG3KSjeBIyT8/73v30307W/hGMHddfC9X1Qzb/tFaSjV5Dq3Ci9vP8A2/2x0JJSxui8dBhmSynPsOCpZhn0sb6UiAVTaxU3I+Ww/wCc8Giwkb2252pSuJ6VxEMmSOPsg8jr8tvVLnG2bQziMqhEo+IkW28j57/83wxg4ZIiQTolOk8XDiQ1zGkO42K05d6tdm2aEO9Ox8JGtPQjmB73v8j54F0jEKEg8E50HiTZhO24+6bsz4fp6h1eaIOyCwuTa3Plex+eOcyZ7BTTS7skEchBcLpEgLYEjL7iKKlnGbQ0sTTVDiONbXY32vsOQJ3OIrAtWopQyhlN1YAg+YPLEVIbDxLSPP8Ah1qYWm3HdiRS1xzFr8x5c8RXRWYdpXHZqaWZaBasCnlUNVR+GIkbFSytcruOYsTp6EHE71NjSPVGYB6yinDMkddEhup0m7La1/nGMORaxHu9/lc6Y5MQ3hm09+ilmjSmgrHWFHmpZvCXu3hbSVJ33srn+G+LBL3NBOhCy4CNj3AWWnj771TzqrVKjLa5FCLPp7y3IE2DfPSzD+7jTAS18Z4IcpqSKVooHf35rQFdaiFwVYK4aMh1seqnbyOEAV1TRX5zyrMZqGp1obSRMUYdGsbMreht+h5jHTc0PauMx7on6cFs8NRSZxSWYXH5lvZ4m8wf0PIj5jCXajcup2J2e9ExGjRo+6ZQ6WCkOAwIFrXvseWB3raLQIooVBWUmZ07oriWJtnXdWFjcXBsw3AIPpjVOYVnsStrcLHOO+GFopQqSiRHBIBI1ra2zge+x2vvttu5FJnC5mIg6o6bFbfwvVipoYHbfvIlDe4Fm/mBwk62P04LotqSPXYhL9FFPHUTI1X3ABGgMgYOu9jvYcrXtvf2w+9zHsa7Jf2XDhZNFM9nWZANrF2Oete/BGTnSIY7nvXAIaRVtsegF+ptsD0wv1DnA1oORXQ/lMYW2cx4kBBqWZzFJCVEkT30azcpc7b73tzwy5gDg8aEeqRZITG6NwzNO18P9Itm8RMUKs4ZkIJYb7jkf8Sfc7YBFWZxqgU3ibLGNJsjW11V0i1MqlTtbxkWNrX+V+Q+vliNeYmaq5IxiJBW3FEYcmhUAd2pt1IuT7nrgBmeTumm4SForKr0aBQAoAA5ACwwMknUpgAAUF9IxStCaLhmjhN46aJT56QSPYncfLBHTSO3KE2CNuzVLW57TQyJDLPGkj20ozAE3Nht6kWGMhjiLARMwGloXn3GcNLJJEysXjWOQ3sAUdwhZTvfRe5BA29jbbIi4WsOka3QqPizik0dVRowXuZy4lYg3W2hVN72ADOL3HLFxx52k8QqfJkcBzU8NbImaSQszGOWnWWMHkrI5VwPUhlJxmh1d96vMc9dyYio8sDRbS1V5j3Tro8UjfCi7lv9ut8dFsYe05thxXAfO6KQZNXHYc/fNUKjjaWNiklNpYcwXt/lxpvR7Xi2v08P2hydOPidkkiojv8A0i1JPHmFM/eR6dyu+9jYG6mw88Aex2FlFFPQTRdI4clza3HgeYKQcjkanmSa2ynxf2Tsfsb46+Ij6yMtXlMBiupna/h9lq9ZIyxuyAMwUlVJtcgbC/S5x5xe/S92ecTnMaJahlCOWZWVTcKQduf9UqfniKJIoePBl1LUgtU1r01X3UrTsEKhtYuti5KXjYC9rk9BsIrrmoOJeIK6oE2XV9PCn4umaam7okkNGDKqsxNmP7OxIA3tzB2hUtLPD3EZd6eWrMkcYpGpaOYn9ksyKU7x/Jt7aumxOwuIp3KLIKcMtPDP+ISWllDJT01FeTVqvraYncHmemw52BxazY4EfdOFHwXmcEdXl0KwNR1TswqHbeNWAU+AG5bSBYWtqF777VSl9yI5lwlVQ5ZRxraaopH2MYPwkkiwNidNkHsL4Zwz2tcQ7YhJY2NzmhzRqCuWybN6ppmYRU4qFCyC4swUEDYa2GxI5jBs8DABvXvuS5jxUhJ0F6H3qrdF2XXCioqndV5IgsB52LE/YDGXYz/q1bb0cSAHusclowwkumvzx2l0Pc5jOLWDkSD11gE/zasdCA2wLkYluWU96A5bmUsDiSF2jcdVP2I5Eeh2wRzQ4UUNj3MNtKam7Tq8rp1Rg/vCMX+/h+2Bfx2Jj+bJyHvzSekpU3DEHzBtz54MQCKSoc4GwVfy3IKmf+hp5XB/MEOn+L4fvii5rdyrax7tha3Hs0y2opqIQ1KaGV2KjUG8LWbfSSAdRbbCEzg51hdXDtc1lOCZKujSQAOoa3LzHseYxhr3N2K3JEyQU4Wo6XLYozdEAPmSSfkSSRjTpXu3KzHh44zbR7813NRI25UX/eAsfrig9w4q3QsduPNfIaQKQSSxHK9tvYKAL+vv54heSo2INN7++5TvIFFyQBz3NuXPGEVCc14lggSJyWkE/wDRCFDIZNtXh0gg7b88bbG5xI5LLngbr3EWdGmhSbRqUyRo9zp0K7BS3I7gkbbe+IxmY0o52UWl7iriCqhqJjEyiOkhjnaIoCZlZ2EniJuukLtbrzwSNjS0XxNeCG97gdOCG8dyN3lSA50yUqVcOpjYPTSaiFBNhdSDtzxuKqHjXzWZCbPhfyUfaPRyTyUc0CFxURlHTkXVStQqhrHSTpYBvP3xcBDbB4f6WJwSQRx/2rnGfCzZk8E0aMmundSX8DRts0YdT4rEl0IANtV8Zik6uwea1LH1hBHJFs04P/GCl/Ft/QwskioW8TuqC4YEGwK3sRvtcYw2XJeVbdHmq1eq+EaeZIFqA0xgQoGZipYEKDr0Ear6Rz25+eMiUgnLxWjGHVaPKLC3lgaIs7qctko6lZL3XV+zdtxa1tDHobbeo5eWO3HKzERFp34/lePxGFnwWKErNRehP0Plp9EzzNBPpaWAlh/zmCLj3wkGyxWGO0XXe/DYqnSx6j3veo8VJNcp3UaiNCOQsDbr7euMtoOzvNlbkzPj6qJuVv2+yCyZYkjCGOzEkd4RuEW9zqPLURsBz3vyGGjiHBuc+XeVzmdHMLxG3U8e4d/jwCdMclenWM8NVtdltRX0tPl0tSrVLSRsLxxqDyu5XSfDo2v0OJqpYVybs8qqqSteXuoEr4YmZNWoxzoY2Ow8JUMJN9W+rEUtN7cEJIcveaV2moFCh0sokNkB1ghjY6eQPU74ipXsq4Po6eAUyQIYQ/eBJLyjX+8O81WO3TEUpG0QAAAAACwA2AHpiK19ZrbnbEUQXMOLaOElZJ01LzVbsR6eEHf0wZuHkdqAgPxMTPichR47Eh001LPMdWm5ARb2va5vbbfcDbGzhw0W9wHqg/zA41G0n0HzQ2biWtYgtJS0oYlY0e7l7G178tN/zbYvLEPhBdW9cP2sdfMd6byvij3CebvM80c66KiIgOoPhIPJlv0P2+eBysaAHMNtKYgmLyWvFOG6V+1XhGeqngkpotZKFHOpVC6Tdb6iOepuXljcEgaCChYqFzyC0IHl3ZDUtvNNFGPJQXP+Ufc4IcS0bBBbgnnc0mnLuyajTeVpZT5FtK/RQD/NgRxLjsmG4Ng31TRlvDFHBbuqaJSPzaQW/ia7ffAnSOO5Rmwxt2CL4wioTxNmLQQ6k+JmVATyUsbAnp6C+1yuNNFlS2j4tkEy/iBwps5mj6uVGtPM6FAuh6DmOe42U5g5pY4lpdpt79/pGhRa1DgrJcXBLM2of1WDBRfzVbYHnrREyk6+/fkrmWuSpBJIU2BPMgqGF/UXtf0xh621DMlzKRqutp5DfumRo9gP2cibcudmVhc405oDQQqa63EFB+MKN5KTv4xeoo2ci+5ZbFJVJt+ZN9uoGCMID6OxQnWW5huFQrMveXJaBohIzwinkAhJEhFgjaCNwdDMb+l8aDgJXXxtU4ExDy2RrOcvmq8t7iOLu2kHdlal7sqrcBiya9T7K2567m+BtIbJZPyRHguZQHzVnPeEkqtJeWRH7owyNHYGSNrala4OxIuPK5xTJS3h3q3R5tb12RHMMipp1RZoY5BH8AdQ2nkNr9Nht1sMZa9zdirLGncIgosLDYDGFtfcRRexFF7EUXsRRLc/GNEbqz6lOx8DEH5Eb4gdRsLoHojEubRb5WF9y2noZv6ByOpVJZI7f3AwsPlg/wDJedzfiAVy5uiBCe00t8CQPQ0iK5DTdYUb1caz9Wufviv5Ev8A2+Wn0QRgoOLAfHU/M2VPLJFTRFjpiiQXNhYD5D9BzxjtSO5lGAZEzSgAgCce09wWjqEiY2EzRWjPzve3ywc4R/MXyvVLjHRk8a51omrCqcUNVVxxjVI6oPNmCj6nFhpdoAqLg0WSl+t46o02WQyt0WJS177Cx+Hn64O3CyHUih3pZ+Nhbpdnu1VGo41lYrFDRyrO/wAPfjSukc2Jvc28tufPob6mMAvc8UOWqGcW4kNaw2eenmhj19fPqP4yFUUop/DANcs4U3LeJSAb+R+uLLoWUMhs38WmwtYLsQ//ADAAr4ddz37IBDC09ZNTVMkk6wJL3etze6nYmx3P/OQww+TJC2Rgoki0q1pkmdFISQLpT1k/4ZqSCGGN45ERyxTU0rE72bmCNiLcrjpgbG9cHyPcQQSN9vJae7qSyNjQQQD4+aucUB0hzD4lDTRtflqVlUG3mLgj5EYFhcrnxeB+eqNiszWS+IVdsxVY445JFo6mBBE5eDWxVeRjbewPPbnfY23JDC7O4huZpNijQ8whiVuQAnK5oo2LPkjvZ3SOaieoHetC6hUkn+NyDe4/qf7eRxWIIEbWGgeQ2H7RcGCZHPFkHidz+k45zmS08LSsrNawCoLsxYhVAHmSQMIudlFrrwQmV4YDXeeHEpcp+I6mo19yKWPux4wZDPIvvHEOfpfntzwISPdtX1+iedhYYqz5je2mUHzP4Sll+a5hXySKs04jCuFeNO6XWougYgXXVtcFri4wEGR5Oq6EsWFwzWnKL0sE3px91Sf+CZ5WpVFQytMhKuQ6ufMBipI1aSL7+vXDMROXXdcfHCMTEximnbSvl3Wj2CJRR1ESurK4DKwswIuCOtwemLBrZUQCNUg1eQywt3kAZkBtZfE6DYkEbl0G69WFgd+Yc68FpB3rRc84angt2vVGOHqsJLJTr3niXvV1oygEnS/NQB+VtI6ljzOE2l7hmkHFdAiNhyxm0x0aAAkcmNx7AAD7AHFuVNQqv4aSWqWp72aNwqoVjfQrhWLDXYXIueV7EY0JKblpUWW7NaMRwqt7C2o3PqcYJJWgAF2osLDYDFK19xFF7EUXsRRco4PIg+xxZBCoEHZL2b8Z08DFPFIw2IQCwPkSSBf2vhqLBSSC9h3rnYjpSCF2Xc9yJ5JnEdVHrjJ2NiDsVPrgM0LonZXJrDYmPEMzsQKn4wY5u+XPCFCxd4kmu5fZT8OkWG79T8OBJhNuIognDeaw1EXhVUZNnjsBp/8At9cUCnsZhpYX6mwdjz/aX56Ba2pJpQIkhBvMgtqk6Wta9vMdL+YxW+y6DZnYWACftF3+J4D373R3hnN3k1wTi08Ozf1h0Yf86g9bCwUhjcM1lSxfA7bu7kL7RJw4p6ZVZ3klVyire6KfFf03+xw5hRWZ/Ieq4WNcCGs3sjTuQHirLa2WrkQyBaYESWkcd2qIBuyjkL3FiN7HyuDwvibGDXa277S2IZO+Utvs767UOasmSsqGp1NYr00khRpaXwMG0khW225be+/TGajYCcvaHAohM0haM3ZJ3alnLqYTrXmctLJBCe7Z2JK6SR54Ze7Jky6AnVJxt6zrM+paNLRzN8zkhqqaKliTS0aSmNQF7xirDc22so26A3O+Fura+JxkPdfJMvldHKxkTeANc19QQwFZ5e/h74PTlJm1lQw1a15tpDCxv5391znktjKNU6xpfdyROxGQ91i7brw71RyWmjp4qvup1mcRCTwA6QEa4uepJ6Dlb1wWdzpXx5m0LrXfVBgY2Jj8rsxq9O5XcqaWok/E0dFZ5L95JM/gPQhOXMjmPL1OI+IMZ1cr9BsBv5rcbzI7rIo9TuTt5IrRcJ13d929VHFGxPgjTVoUn4UZrECxt6euMOfBmzZbPM8e8orYMRlylwA7uHcERp+AaYEGV5pyLW72QkbctgBcehxX8pw+EAeARBgmf5EnxKaJIVa11BtyuL2wuCQmy0HcLwmW+nUL+V9/pilqivTpqUg9R9MUVGmjaw/JcjrKKujJRgkTeOUf0ZiHxktytp3sd722wmxjmOXqZ8TDiICL1PDjfBBKniNlrHqICVXvzMqEnSd/zKCPiHPrvzxVnNYRxh2mERv3qr4/PuTr2JZneSph2GoCVVGwFiVa3pugwaDSwuZ0zH2WP5afj7rRM5rZUeGKLQGmLDW4JA0rqtYEEki/UcjhtjQbJXnnuIoDiu8lzEyq6yALLEdMijl5hlv+VhuPmOmI9uXbZRjsw1XRqe6dg6tpY6lZVLDfmDpBIN7nyscTLmGimbKdVKrmT8pVOuoWLegHMDzvY+nXFVlV3mVvGVpexFEAkpatq4PrC0yj4Qefh3BHU6uvlhoOhEFV2lzyzEnFB1/1j10+t+iMfjI9Zj1rrA1Fbi4HmR5YXyOrNWid6xmbLeu9IMnGVKZe7Dnr47eHYEnf5eWGDg5Q3NXkkh0nhi/IHefBCqLjvvapIljtG7aAxPi32BtyG/T74O/AZYy4nUJSPpgSThgb2Saviq2Z1ctfVtSxuY4Y76yPzadiT5i+wHLrjcbG4eISuFk7IU8smNxBw7DTRv38/wAV5obkMEkIrZoWJiRGjV/3jq2YdNhvf19cGnc15jY4akg0lcIx8QmkjPZAIB5m9D5bor2ewQimnlkCncq5bogUH6G5/wCDAMc5/WNa3y8U30QyIQPe/wAD4Uuey2I/t2/KdIHuNR+wI+uL6SI7I46qugmntu4afdAu1SoFDmuXZib6AGjkI8lv99Mr++nHLXoVf/8Am/Gd48vr3Q8mEQsfoxH3xNVXZ5rnP8tnIerkRIA1gYw1mYHnfoSdrjra9rjfBHFenwk8ILcOwl1ca0Hv2UfyriId2qUdHIyqLdFUHmRqN7n1O554u+S58+COcuxEoBPmfkqhqJxmNPJLCITIDHYOG1AA87eRK/QYnFFyRHByMjfmqjtVe9VN2l0gEK1Ss6SQEAFWtdXYAg/888PYN1uyHYrymObTRIDRH3QLPayJKzMYJyyRVCxftVUtoZUUrqA6E3+nzBo2uMbHN1IvRLyvaJZGO0DgNeWigyNzHGIMuJqpO9E0kmkpGoUbLdurWtf1xqQZjml7Iqu9Zh7DckPaN2eXsotSZdWM8jU9FBTCW/eiocyCQtz2F7KLnawBv8sCc+OhmeTW1aUjNZLZMcYF75tbVql4CMjB62bvWWNY0EY0BApuCCNyRvzHU89rZdi6FRitbN8VtuBLjmlN0KFaUi2WcG0sLa9LSva2qZtZt7Hb7YC7EvcKGg7tEZmEjacx1PfqquZ8IHvhNRyrSsU7t1ESlWF73tyB/wBBy3voTNc3LKM2t7rD8KQ/NCculHQIpw/lS0VMIzJqCamZ2so3JJPoB74HNL1jsyPh4eqYGboFmPaLCi6oopJQeTbIp9id7fLA4/7A8t/x3RZXCKZkUmhcgcvaBVSfAkUQ+bn72H2wsZTwTww7RulniDO6mRW1VMjbHwhtA+iWxnOSiiMAaBZtQ1smvvA7K6kEFdje/mN/nhnKKKS652YXxX6X7N89asoI5ZDeQFo5D5lTa59Stm+eINQsvFOWZ1GaDKauaJS1QxJUxk6UVSdSKLhmZtJHIAb23wpeR1L0YZ/Kia86Dnxvj3KTMeEvxsC1FFSSwSa9LwsNCkEfEhawsPSw57eeshOoCwzGiF2SR4cOe/0TF2b8A1NJU/iJ2RRoK6FJYm9viNrAC19icEjjINlJ47HxzR5GDjuU55yddRSxjmrNOx8lRSv3ZwPrhpnwk+S4j9wPNVJaow1rP3criSFR+zQturtzPIbHqRjeW20sZsr1ZmzaqsStKFAF/wBrKFJHsgYD5nGQxvNaMh4NRXLqsTRRyqCBIocA8xcX3wNwo0iNNi0B4g4wjppVi0lzt3hBtpB+W5tvbbphuDBulbmuuXeubi+lI8PIGVfPu/ao8fZnUIiGElYWteRSLkm5AFjcCwvfrfBcDFG4nPvyS/S2InY0dXo08Rz5c0vSVdT39FJNJfVoK2J+HVbxDzYbnzBw2GRZJGtHP35LnmXEdbC+R29V4Xx8eK5zvKmSvSIysxmK6n5E94dLbeXPby2xIZQ6AuA2vTwWcVh3MxYYXEl1Wdt9D5dy6zzJooswihVSI3MdwSTsWsdz52OJDM58BedxavFYWOLGNjaOycv1oq1xq4gzCKQLsojew2vpY8vktsYwgL8OW+IReki2LGMdW2U/I/pUpMrqxI8sMMvdzFtuRKM17MFNxfbywQSwloa9wsfVBMGJD3SRtOV1+YvY1smShyWqqFVKjTT06/8Ahi2Le+5sPcn264TfPFGSWdp3MrpRYXEztDZewwf4jj9VzH2fKGI/EP3THdALE25XN7G3npxZ6RJHw6+/e6yOhACR1hynh709E25dQpBGI410qP8Alz5nCEkjpHZnLsQwshYGMFBSy06sQWVWKm4uAbH0vyxhFpcPVxg2LoCOhYDEUpK+U5U1Y4qqoXQ7xRdAvQkdb/fmdrDGQL1K7GIxDcK3qIN/8ncb9/LxXNOv4Cu0cqeq+HyV/L6m3sV8sTYq3n+Zhc3+bN+8e/oeasTt+IzOMLulKhLH+s21v0+h8sXxQ2jqcE4nd5FeA4++5Hs2y2OoiaGUXR+djY7EEEHzBAOCMeWOzNXGljbI0tdsVUyThyClD90pvJbWzEsWt539+mNSTPkq+CxFh2R3XHmiRKov5VUewAwInmjtbwaEBzDjmgh+KpRj5R3k/wDQED54GZWDin4ujMVJsw+en1S1W9rUF9MMLt/WkYIv21H7YGZ+QXQj6AlOsjgPDX8Kak4pnn3Wqp4h0CxGT6lpBf5AYyJXHjS0/o2KIfAXeYH2P1TJkmdM8hglKGTTrV47hZFBAPhJJVlJFxc8wQeYBmPs0VzMThcjesbdXRB3B8eIPPT8j+1Uv/0upKGxAUt/Z1rq/lvjTtktCe2FmX/U43okXWoYGwW+56iw58jgXRzsmKe13wuG/iKPqjf8lgc8xTxCzofoR90HjrRGoafWgY2RdPjkO3wBrDSLi7nbcWudsRsJc6kSXEsa2x7/AGuc4ro0IV1kQMAQ6ustr/vJpQ/Q/XBX4cN2KUi6Qzmqr34p34Z7NKCWJZxNJMGF/DpQb7/lGofxYqhS1nN6UPAfm02cC0MVLJUU0S6E8Mqi5O5Gljckn8q4tpWHhNvcrq1aRqtbVYXt788aWL4KpnObJTR95JqIJCgKLkk3/wBOuNNaXGgsucGiylSr4+b/AMUAHrI/+Vb/AK4YGG5lCM/IIvwe7Tq1XKVMkn7OyggIqEiwuSdzdj8vLApez2QtR9rtFMeBIqF5+t4ZfDq/Zt4SbX2PXpgke6HJspsh/wD20G9/2Sb2tfwje2Mv+IrTPhCF8WcPJNA/doolBMgKgAseoNuZb9bYawuJcx4zHTb34LnY/AsliORva304nj80kUVZNWpBRW2Rrluukbb9PCCR67fPovYyAum5+/VcOOWXFtZheR37v0EwccZDNI8Bp0JCLoGkgabG45kW9/TCuDxDGtcHnfVdHpPByvewwjYV4clKvB80umeaciqDBr2BUAWsLC24te429+eM/wAxjbYxvZWx0ZLJUsj/AOy77u4cPT9pgzTIYqhkeQHXHazKbHY3t7X3wrHiHxgtbsV0J8HHM5r3bjiFdmo43ZXZEZl+FioJHsTywIPcBQOiO6JjnBzgCQu5ZlUXZgo9Tb9cYc4NFkogFmgqcudwKbGQfIE/oMKO6Qw7TRd9/omm4KdwsNV6OQMAVNwdwRhprg4BzToUs5paaO6xviTtQrUmlhRIou7dkvYu3hJF7sbdL/DhpsIIslJSYlwJAHv0Shm/EddJbv557OuoAkorKb2IVbKQbGxtbngoY0bBAdNIdz9kC29MbQl+jouNqO3xlbflKNt6bAj7451heqPRWKva++whec1rZiqxU0L2DBu+fwhbeXn+vpijqmsPE3AkvmeLqso1J9+ymbIcnWmj0g6mY6nc82bz9vT/AHxYC5mKxLp35joBoByCJYtLLOePeJqo1S0FDtKRdyCAxJGrSpY2Wy+InnuOVtwSPcTlau/0bgoBCcTiPh4b1yvTfXRK2bcCV3cyVFXMp7tC+l5GdjYXI32v7HAjE6rcujD0phesEULNzWgACSKeneQ6Y1Zza9lBY29hjK7D3tYLca8U/wBTwMauGjlokRA8F5SzG2tSL77m5JI8vD0wTISAW8lw2dKDDySMxBJp2nh6d3zQ3hrhZO7nnrJnp0glELBB4te17mx2Fx0PXlbfIAIJcarRMYrHvDmR4docXDNry9ERy/vaHOYIZZC6BtKsdtSyiw/mtf1XFtGSSkGZzMX0e6Roo7kciP19Vrub0QnglhYXEiMhB/rAjDa8kDRWe8P8JwSKjBpIlt8EelLHqNQXXzvsCOZwIFGcOKyntRh7rMGjFwkaKkYJJsoLdTuTe9ydzgrdkJwvRBYs0J0g7gjSwIFrX6e3T1wQvtC6pobotf7H63wSxr8F2KjyAK/5jJgUhHBbgBy6ppgn0ZhCekgaI/Mah91A+eBsOqM8dlOuCoKFcU0PfUsqD4tOpf7S+IfUi3zxuN2VwKxI22kLJL33HI746KST52a1V0mi/dYOPZh/qpwpiBqCmIDuE2VdbHELySIg82YL+uFwCdkckDdAc3zSOoieKBZJzIpQaFYJc7XLkBQBz54MxpbqdEF7g7Qaow9QtNThpmssSDWwBPIAE2Av9BgVFzqHFFsNbZ4KhwxxTDXd73IYCIgHULXvexAvy2PPyxuWF0dZuKxFM2W8vBFaeijRmZEVWc3YgAE++Mukc4AE7K2QxsJc1oBO6sYwiJX4n47paJ+7fW8lrlEANr8tRJAF/Lny23wN0gboujhOjJsS3O2gOZSnP2ss4PdQKu9ruxb7C3646GAw7MQ0ucao7LmdNCTo6RrB2swu/Pb6fNLuacf1b3vPoHklk+43++D4/CRxwEs30XA/mYmU0PQJalz0lw5ZnYEG5JPI35nHAMLnggjdGhw2JztkO4IOp5eqKVnHp/8AHF83b/Af645sfQp/zf8AL39l7V/Sw/wb81p3ZFxA1XRv3ltcUrIbCwsQGHMn94j5Y7MELYYwxuw5rlTSmV5eeKzntWoO6zKQ28MoWW3uNJ+pU/XHQhNtXKxDaf4o9xRXa6PL6ijo4fGvdAmMzPF3TAoiHqLhwbjf54G0HMQSjPc3IHAWtG4bnjqaWCcqhMkalrAfFazDbyIIwJwokJhmrQaXs+z6kpXhWpYI076IyUJBa4G7BSF5jmRjKIHOrQqFeKVOZf8ATxGdSw9+0lxYC4AAHMnceWIsosM0hMvciaPvrX7vWuu39m9/tiK6O6Xs27QqSGnmqB3kqU8/4eXQtij8jcPp8IO1xfflfEUWf9qqPBmK1ETMpljVw6mxuAUNj/ZA+uFZBT163oZzZsIY3iwCRXdv9V7Npmq8jildi8lNOUdmNzZieZO/5k+mKOrATwPv7KQtEHSTmAUHtsD34FHMlqwGyepFgsiNSSbWueS/VwTjQNFh8knPGaxMJ3BDx9/QqnVa4cvmRLhstrtSgHmmrw39DrJ+WMHss/8AUozMsuKa520sdeda/RM0j2qK6ONEkaeCOrhjddSswBU7dd1Q+5wU7uA5WucBcUTnEgNcWEjgN/uUgcfLUg0dXO476VLhBH3fdaCrAHck7uedsBfm0J3Xc6N6kiWCMdkHe7u7F+i2+iqBJGkg5OoYexF8OA2F457SxxaeBpKeXnu6ieL92Qkez+Mf+1vlgLtCjjVoSv2o8KCptMoOoDpz+V9jyFwfIbjGg5YLVlsWTlfDpcn0TSfqXIX3AbBusFaBAMBLrJ05LVeAMu/DxEsACwAsOSgcgL79SbnmSThd5TLQpc+rbSwld2WVCo8zrG3z5Ypm60RoVqWGEqvXxFFms/B9SJ3ESKEDko7OALE3GwuduXLph0TNy6pQxOvQItQ8EsZu+qpQ53JVAVuSDvqBB2vfYDAnTiqaFsQm7cUx0mR08ZukKBv3iNTfxNc/fAjI48UURtHBWaytjhXVLIka+bsFH3xkNLjQWiQBZQxsypa2OWCKeOQujKQrAmxBF7c+vPBMr4yHEIeZkgLQbWa9j9YY62SFtu8jIt/WQ3/TVh7GNtgIXOwDqkLSjWR8WVVdmXdRuFpkZnOlRdo0NhckE+I6eVueBPgZHFmO/wB0dmIfJNlbt9lpeEU+vz12yQmLM5PKVEkB+Wg/dPvgRhBJK6sHS0kMIia0acT48klpMfM/W2DxOdECGGrSGLndi3AzUa20Gl/6Rug4Uq5U7xYGEYFzI9kUDz1ORt1uMQkndAFAaIPKQpNyCAdyu9wOo5X9MZVq3nOTyQvMNDtHE5XvdB0kXspvyGoEG1+uLUTx2A5lpq6iAn+liEg942sfmRJ9sRRHO3Sg2ppx0LRMfezL+j4PAdwlMWNAUh5HmuYd33FJJUd3c+GFb2J52ZVLL8iMEcxh1cgRzSAU1Tp2d5iQCKRt/NowfmC9/riZ2KCOXvW28b8Mx5hSSU72BPijc/kcX0n25g+YJGE10lnXZFJPNmlVJVAienp0pnvzuGAufMnuwb9efXEUPBLEmXCOlrqxQRXZfmRdpLm7IXAsf6pYk/I9CcTgpxRvMKZZJ86pl+CtpEr4R5lQHNvUuftiKKTiiX8XkuW1fNkXunPrbSxP9+P74BONivQf8flqV8fMX8v9qHgWZXosxpXZVDR94mogDUL9T6hMCb8Lguj0i0sxEMzRsaNcvdrrg/P6RaQwVjOphnFRDpBJJG+kEA23vzt8XPFtLctHnYUx2ExBn6yADtNLXX9ffJd1PHyLUVcsNPrSqRAyTWsGUFblRcMpHS4vis+pIG6pnRLjFGyR9FhOo5HXfSigubcV1FTVpUR/spEUJGsV9gL7et7npyxRfZvim4cBDDAYnagmzaKUPC+Y5jMr1PeqvJpJRpsvkim3ysLX54sMc86peTHYPBRlsNE8hrr3n92tvghCKqKLKoCgegFhhxeNc4uJJ4pL4yY09Sk5H7ORQjN0DAm1/K4Nh/ZwN44o0R0pV5eIodPiYW9TgOqLlQ5Yu9N4aaST1CEL/E1l++NgOWCWDiicXD9dILWihX+s2o/Rdvvi+r5rJlHAInknBKRSrNNI00i7rcaVU+YW5ufUnb3wRrQENzy5W+Pe8FBO0LsjourUpsbAgtuN/hvhiCusFpbEZhGS3dJnZbxLDDTzrUTKmmQOC53bWN7DmxupO3nhnFRFzhlCUwcwDDnPHinTJ+MqOpk7qGW7nkCrLqtz06gL7b254WfBIwWQm2YiN5ppSpxN2iSioamoog7KxQsQWLMOYRV8rczfkduuGIsKC3M8pabGEOyRiz74KlknaFVx1Sw1yAKzBWumhk1WsfIrvfly3B89PwrCzMwrEeMfnyyBBMyjauzhoZ5GVTM8Qt+VU1WCg7C9hv5m++CsIihzNHBBeDNPlceKh4uyg5XWxGB3IAWVGa17gkEEgAHl5cmti4X9cw5vBZmj/jyAtPeoM8DQ5k5gbT3j6kc8gJ1vf2AkIv0ti2U6IZvdKSWyc5eP3RDgTNxltXJFVR6NVo3Y847G4PqhvckdLEeucQzrWAtK1hZBC8teK+y22NwwBBBBFwRuCD5Y5S7CyD/9QmX+GkqB0ZoW/vDWv00P9cRRZ1wM8P4+m/EW7rvPFq5XsdOr016b9MWomTLYa2hze7CTxSkyyEHRJETdnZuVgl23+Ej0xSlpWq860VM8lKQiSSOU8CkhSxK21KSmxHKx6dMQKKDP85aoZGZ5GIjRW1sSNarpJAvbcAHpuTiKK72cZn3GaUj3sGk7tvaQFN/S7A/LEVr9O1lFHKAJY0kCnUA6hgCLgEAjnud/XFgkbLJaDulfM+Me5193DH3MTMmp5ViLsnxiFLEtp5dLnYYZZh81WdT3X80q/FBl0NB3141zTPTVyOitcDUAbEi4uL2O/MYXLSDSaBsWrOMq1nUNHJBxI7rG5hrKUa3CkqrrsNRAsu0dt+reuIpapcX8DVzVFY1C0Hc5iirOspIKMu2pbDqLm++7NtyOIpdcEUzXsvhnFHqnlRqWBadmQ2Msai1j5X8XyYjEU1RqLgqmShahQOITci7airE6rgnybe3v54y9ocKR8NO/DyiRu4Wb1HZRWB7K0LL0YsV+o0kj5Xwv1T16hvT2GLbIIPLT8ovl3ZB1nqfdY1/zN/8A5xoQHiUrL/yH/wCNnzP2H5TPl3ZvQRWJiMpHWRifsLL9sbELVzpemMXJ/lXhp67+qZaLL4oRaKNIx5IoX9BggaBsufJK+Q28k+Oqs4tDWY5r2psZDHSU/eb2VmuS1vJF3t5b/IYeZg9LeaSD8cAaYLWklVkTxLdWG6sOh6EH9MIlPqrR5LTxG8UESHzVFB+wxFDruo88z+npFDTyBL/CNyzewG59+QxtkbnmmhYkkbGLcaQTJe0KmqahII0lBe9mYKBsC37xPIeWDPwr2NzFAjxcb35QlrMeOK2qqWp8uQDSSA1lLMF2LXfwqvlt5edsGbh42NzSFAfipHvLIgoeH+K6r8U1BmB1CW8LXChkZhYbpYMDe3XmCD53JCzJ1kfDVVFiJM/Vy8dEq8IZJHNXLTVBZRd1IU2JZATa5Gw2OGJpC2PO1KQwh0mRyt8U5euWZkhi1aEMcyAm5tfcX67qw9jjMTjNEb7wiSsEEwrbQqenmFHnZZyAgnYljyCSg2JPkA4N/TFEdZh9OX0WgRHidef1Uva7PC9WjxSI57oB9BBsQTa5HWx5egxWDDgwgjirx1ZwQeC9xpl1RBUxV6obOI5ibEhZFC6g9uVyL72vc+RxIHNcwx+I8lWJa5kglHcfNRZtU1mcyxaKfSEBUEA6Rci5Zzt05e9gcWxrMODZWZHvxJGVqaOJ+ziSd6fupEVY4EhZmvc6NgQAN7j1HIYBFig0GxubTM2Dc8tynYUmfPeD4KwRGov3kYALp4S224Ox8N9/MdDubgjndHeXZMS4ZktF26LZRlkdNEsUQIReQLFrfNidvTlgT3l5sozGBjcoSv2w5d32VVFh4orTD+4QW/k1DGVpfmgPi1adcvzqTK5NMpaeQxaJKZm/Zxq4B0sTq8drXCrYXtc9KU8UO4lhpXgjq6RGiVpDDJCx1BHC6wUPPSR/hy5YipLBkxFdLlZipDKbMpDKfIjcffEVr9h5ZXCenjmS37WNXX+8oI/XFrKzaCkjlSniqYy0oqJ1fXIB+10rIyjRZbO4AG+3TmLdEuc0ksOlD5bei5Qa14aHjWzfjvw5qjBS1RUH/o8B94WX7FxghLP/AJD80IdYR/8AqHqtkxyV2lRzrN4qWIyztpQbeZJPIADck4y5waLKNBBJO/JGLKSpe1WNdLmkqBCxsJCAL+w+En01YD145LrjoN5tokbmHD3r6J9pKlZUWRDqR1DKfMEXGDg2LC4j2Fji1240U2LWV7EUQriLNxTRarXYmyj9ft/hhjDQdc6uCQ6RxwwkWerJNAITk3GEbALMxDHrpso+YYn5kDDM2BcNYxp46rnYPpyNwyzmj4UPqfnompTcXG4OOcu+DeoVPOcwSngkmkDFEF2Ci5ty23GNMaXOACp7g1pcVgXDOetRVBlhTXdWQK3kSLXt12Gwx15Y+sbRK4kM3VPzAWtCzLMc2qYaZ6ZGjMiN3qhVTSwcgbybgEWI3wm1kLXEOO3vgnnyTua0sG+/spUzOvzPLp42mmkLEawplLowB3BBNvTltfbDDWwytIaEs6SeFwLyuu0KqEmYxvISYXSFl3/8bWJt/NiYYVGQN9fmrxRDpQTtp8lrmX8OUkJUxU8SsvJtALD+8d/nfHOdK925XSbBG3UNWIVtI0GYyw981OO9ZO8BI0oxuL6SDYgrffHUBDogavRcggsmLbrXdHfwmVUrCWSrmqplIcCK1iQbg35c/wCvgWaZ4oNod/v7JjLDGczn2e7391R4qdqTN2liF/Gs6D94OATy6ElhjcQ6yGj4Ic5MU+YeKs1WWZhm86vJD3SgadRUoqrcnbUbud+n2GMh0UDaBtW5suJcCRQT/wATcBQVehizRyIoTWtjqA5ageZHnt+mE4sS6NOzYVsmvFVMn7NaSnYSSM0pXca7BB6kDn8yR6Y1JjHkclmLAMDuZTHPxHTIbGZfLw3b66b2xy3Y2BpovH1+i7DOj8S8WGHz0+quz1sabPIim17FgDbzt5YbDSdkkXAbqOqzWGP45UXxaeYve17W87b4sMcdgqc9rdyhM3GMOpVRZJGa9rIQNgtj4rHSdS7gHqemCCB1WUE4ll0LPv6IxldSZYkkOkd4ocBTcAEAjcgX97DA3CjSKx2ZodzXdfSrLFJE3wyIyN7MCD9jjK2vxxIjwyFTs8T2PoyG36jEWkxZ5xFTVb99NTSLOQNZimCpIQAASGjYjYW2+uIpSC5jmRkVUVBFElysaknc2uzMd2Y2AuegAAAxFKUFFRSzHTDHJK3lGhc/RQcXSouATdlPZVmc9v8At+5U/mmcLb3UXf8AlxKVZuS/RvDeVClpYKcNq7mNU1cr2FibdLnpilAhc3BcMkzPK7PG0jS9yQunWyhSSbajsARuLEYYGJcG0N9rSpwrXOJcdLuu+qUh4KoesNz5mRyfqWxX8mXn9Fr+LFy9T+Up5x2cSxRmamq53qEGrxNbXbnpI3B8rk35euOe6EgWCvUwdMRvfkmjAYe7bx9hCKmumzfLhGvjqqVwzqNjIhBXUBy1C+49D5gYySZG1xCabFH0disx0Y8UDyO9eHvgiJ42rUiVZ8qYrGBcsjqo09d0IW1r+mLMrgNW/X8Jf/xuGc8mOfU94vXz1TzwjxHHXQd7GCpB0uh30sADz6ixBBwdj8wtcfG4N+FkyO14g8wrGfTzRx95CU8PxB9gR6G43/1w3h2xvdlfeu1Li9ISYiKPrIa03B5eNhLlLx0f/JED6obfY/64df0aP8XfNcWH/kR//oz5H7H8oZxfnCVDRmMnSq9RYgk7j6AcsHwcDomnNvaR6XxzMU9hj2A9Tv8AQJew4uSm7hTNKhgIVDFE6qouATyLMbKOfQm17Y5+LhiFvO597Ddd/orGYlwELbIHIehJNAeRNbJ3qadZEZHUMrgqynkQdiMcgEg2F60gEUViXHNItDmavEoVB3cyKosBY2IHuUP1x1ICZIqPeFyJ2iKYEdxTb2scQTwpAsDlEmDMXXYm2mwB5j4r7b8sL4SJriS7gmsbM9gAbxWdZzBD3MUgqmnqJLGRSD4ARuCzE3YHbnvzw6wuzEZaCQkAyhxfZPomU8OyZhl1NNBZpoFaB0uBqVWOmxO1wDyPO/puDrRFK5rtjqjmJ00TXN3GinjyvPJ1ELu8cYGm7OibDbcp42+98VmwzTa1WLcMu3yCcc14Egqo4vxBYTpGqNLGba7C24YEEX9L+uFWYlzCcuyakwrZAM2/cuMr7NqGI3ZXmI/+q1x/CoCn5g4t2LkdtoqZgom6nVNqoFAAAAAsLbWA/wAMLWmqQCr44oI0lf8AFRuIbd4Iz3hW5C7hLm1yBfkCRiLVLqr4rjSso6VVLmsV3SRSNIVEL39bgbW88RUu+NINVI9vykN9Dv8AYk4R6SZmw7u7VdHop+TEt77CE5xDStA1u7UBNURUoDfTsAAdTXPO+FcSzDGE7AVYquW3M96cwr8UJhuTdOu9r35Dupcf/D7VndT6wqyQqknO9wsiMQOXiVyLnlbbHZwWJvDtJ3r8fcLgdI4P/wDKeBt/v7FWqrglXR/2x7yS9302A1GQvZVKnxGRzZmYDbywcYiiNNPf4SrsJYOup/d/XiUWy7h+KF3cDUXYNZgtkI1W0gAWPiO/P6YG6UkAIzIGtJPsKPOOKaOmBE1VDE1tgXGr+EG5+mB2j0UH7LOKXr6ISTMrTK7oxUWB0kEEDy0uuIqKS+MuxqaorJJ6aaJY5nMjLJqBRm3bTpBDAm5302vb1xYUsqfKuwiEb1FVLIfKJVjHtdtZP2xFLKccq7NMsg3WkRz5y3l/9yQPkBiWqrmi9VnVHSjS0sMQH5AQD8lG/wBsEZDI/wCEErDnsZuQEu5h2pUaf0YklP8AVXSPq9j9sNM6OlO+nvuS78dC3Y2lnMO1qdtoYI4/VyXP20j9cNM6MYPiN+n5Sz+kT/i35pZzDjSum+OpcDySyD+Sx+uGmYSFmzfnqlX4uZ3H5IDJMSSWJJPMk3OGAANkAucdSV+g63jSijh778RGwtcKjAs3oF5397W62x5EyNq7XtI+jsS+TJkI8dvn77kiVGUVHeR5rlakiYa2hOxBPxixtrQkdOu46EAyn42LstxEOR2DxZ+HQO+ngR+ii0vEGb1CGOOgEJYaS8h2F9iQGt/m9jjWeQ6UlRhej4nZny5u4fr9I/wDwuaCnKMwaR21uRyGwAAvzAtzwSJmQJLpLG/ypcwFAaBMcsYYFWAIOxB64KCQbC5r2Ne0tcLBWdcT5A0JaRVVYr2WzEnf33v9sdvDYkSANJ7S8X0l0a/DuMjQAzhqT9dbS7hxcheGIotE4DoSkBcixkNx/ZGw+98cbpCQOkDRwXsOgcOY4DIf8j6Db7pmwgu6kvtA4NeveFo3RNAZXLX3BsRaw3tv5c8NYecRA2k8VhzKRSMPwzFLSRU1T+17pVXXupuotcWNwbeu+BdcWvLm6WjGFrmBj9aXGU8GUVODogViwsTJ4yR5eK4A9sW/ESO3KpmGiZsEciiVRZQFA6AWH2wIkndGAA2XeKVr5fEUVbNIXeGVY2KOyMFYc1YggEeoO+IosBqMkaqyNszeeokrYyQS0h8KK3dlLdPB4yeZN78ziK7Npt4gyWkp6rKZ6eCNKaqvSyqigCRZ47Jrt8XMksdzYb7YnFZ2CF5bC2XZvFDVOTT0FPPNDJYs3cvsAwFySh1LsOnlbEVrYoqqKenWS4MM0YYE7Ao4vvflcHGXNDgQditMcWuDm7hJ9XxLkdH8U1OWHRbztf8Au6rH6YXjwcDPhaPr9U1JjcTJ8Tz9PQKMdo8k21BllZOPyu6iGM+ztfb6YaopPMOa+24gqOtHQqfeaQfrGcSlL5BfP/lq829dmVZUX5ord1Gf7i3+xGJopbuaMZR2d5bT27ujiJG+qQd4b+hkJt8sXazlHFH6SrhYmON4yUtdUIOm/K4HLFlrgLIUBGwVrGVpeJxFEkdrcLGh1oxASRS1iQCrXXe3Pcrh7o8jraPEJPHZhFYNUsmybJGnWRw6RpEVDltRPjJC2VFZjci3LHZkmDCBVk++K5McJeCboBF4uCZP2oJ1PE5UKvJwqq7WY7g6T+ZQLkC99sAOLbpXEfLgjDCHXu9ffgrknBsXfSKkkkgRypjVbEBo2liOvxEqVWxIQm+yqbjGBinZQSKsb+dHT9+K1/Fbmq77vKx7pT1eV0MGhGVAJSyO0jMZEV4g6MFBGnRISpOm/hseeMtkmfZHDltvR+Y13RDFEzQ8ee+2h+fcqtVnSsxaGv8Aw8Ztph7hv2YsPD4VINuVxz5402IgU5lnne6yZQfheAOVbeieZeEMqpJIjJGoMrlE712ZdQVn3DHTayn4uthzIx50RMC9U/pbFvbWevCh6hHJuKaREVxKGRkLK0StItl25oCoN9gCbk7C52wVc27Qqt7QIYw7CN2QBWRhsZARTkkKbEWFRGbNYmzcrb1aukU4V4iFYjOI2jsdlbmUbeNuQtqWxt05dMWq0RCuzBYt5AwX94KWHzte3zwWOF0mjd+SWnxTIBclgc6JHpdeaWs94ujKFIl1k/mZfCPkeZ9x9cPwYB4dmea8Fw8d05E5hZCLJ4kaDyO58kkJGWNgCSeg3Jx1CQBZXmAC40NSmvh/hBmIecaU56PzN7+Q+/tjn4jHNaMsep5rvdH9CPkIfOKby4n8fXwT0LKABtbkAOnsOmORqdV6zRooL4ZfQ/p+uJSmbuXM04VS17AAsT5Ac/ni2tJNLL5A1ubhqfIbofk2dx1AYoW8JAYMADvyO3TBpsO6IgO48kng8fHiQSy9N7ryOiJ96Om58hgFFPZxwQ+bPIFOlpowfK9/qRywYYeQiw0pR+Pga7K54vxXObZwkMPenxA7KFPxk+R8vX/huGB0j8g874LOLxrIIetOo4Ud/Pl78V/Lc/qppV0QL3ZYA+E2tfe7ctsOSYaGNht2vvguRh+ksXiJRkjGUnXQ7cddk5R8vr+uOYV6RuyDZVwpTwRTwqpaKpkeSRHNxeT4gBYWWwtbFLSL01OkaKiKFRAFVQLBQBYADoANsRRDc14bp52kd4x3kkDUxk3uI2vcDe3NicRRKdD2QUQVFqJKmqCABVllIVQOiqlrD0viKa800UPD9BRKXjgp4Ao3k0qpHu53+pxYBJoLJoCyvV/FdLFCJzKGjLaAyAtdrE229B1wVsEjnZa1Q34iNrcxOir5vxT3dJFUwwvMJiAqjYjUCd7BuVrbX3xpkGZ5Y41SzJiA2MPaLtGMoq2lhjkdDGzqCyMCCp6jcA88Be0NcQDaMx2ZoNUh9XxbRxyCJp11k6dKgtY3tYlQQN/O2CNgkcMwGiG7ERtOUnVZ/wAFsKTOJ4D4UbvFHlYftFP8AP1w9iP7MOHeH4XOw39WJczx/KaODeKJ6+eYhUSmj2BAOpiSdNyTb4QSQB5YWngbE0cym8PiHTPNDshJFE1ZX1L0M1S2kOxkJ/8A67iwAsNz05XsemF9ALXvZBhsHCMTGzWhXnr7+S03Nsmvlz0oJbTBoUnmSq+En1uBjUD8kjXd68biz1+d1fFZ+6xLhrPPw3fXV2WaPQQkhjYEMCCGAJHUfPHoJ4esruPivPwTdXd8eWiu1fGs7bKsYRdOgMO8KFV0hgz7l7Abm/IG2BtwjB48eHsIjsY47DT5+aHUsFZUH9ms8lwq3QNbwCyXI28I2BPLBXGKP4qH73Qm9a/a+HojmX9mddJ8SpEP67i/0TV97YXf0hC3bVGbgZXb6I6nZC1t6sA+kV/84wD/AMoP+vr+kf8A8af+3oj6cO1spWSeSHvQq+LxNup3so0qmtSwaxO5Fj4d+QupqqubcFSLD+zkkmkLoxUd2qHuxHpJDXNtUMd/FzZyBY6cRRNkHD1MhLCFCSSTqGrci22q9tgF26BRyAAilImTiK18DA8iDi6pUCDsqsuVQMbtDGT5lB/pggnkGgcfml3YLDuNujF+AU1PSRx/Aip/ZUD9MZc9zviNokcMUXwNA8AAu+8HmMZoreYc0J4hhnaI9w2ltQJ8Wk6befTffDOGdG1/9mor1XP6QjxL4v6DRvnWlc0p8WNIj00jOGYRjxA3GpTckfUY6GEyOD2gaX6FcDpXrWPhkc6zlGvCwdfsjjcXUzHTaQh/CTYWGrY9b4VGClAvTRdQ9M4VzsmuumwoX6pTy6tnppZEiF3JKEadW6k8h588dCSOOZoc7bdcDDTz4SV0cWp22vbkjtTWVn4KZp7i5UKSArWPxbC1hyG/mcKNjg69oZ3/AKXUknxwwUjptLIrgaO+3l80AoqQyRHTEmx8Urva3tdgBt6HDj3hr9XeQH6XJhhdJCckY73E1XqB9VNJD/2ezhxHNuBeyhl8yBzI/wCXxkO/u2qwiPYf4Wjryv4XpY7+9PnD8munhPTuwLcvh2P1xyMQMsjvFerwDg/Dxn/6j00Kj4p4jhoYDLLueSIObnyHkPM9PoCq94aF2MJhX4h+RnmeSxbM+NMxrpNETSKD8MVOCNvUr4j63NvQYWLnO39F6ePAYXDNzOrxd7pdLwvnCjvFjqB1usvi+gfViZXcj781X8zAnskj5fpFeGO0upppO6rg0iA2YstpI/fYavUHf16Y02UjdL4roqKVueDQ+h9/JbNTVCyIrowZHAZWHIg8iMMg2vNOaWktduFl/bJmaMYoEk8UZYyR2OxIUoSbW5X69cdPAMItxG+y4/SUgNNB23Cj72Gpyqojp6d4lgCTam3DsNnIO/5VPXr0xKcydpcbvT8KdiTDuawVWqu8JZhI2STiJyktPrsRzsLSbX8wWXGJ2NGJGbY/6RMPI44U5TqL/Kr5NxFO+TVbd47TRtp1EksFcrc357Avbyt6Y0+FoxDRWhWY8Q84ZxvUKbsrySkmp3eREklDkENvoFhpsOl9zq/0xWMlka6gaCmAhjezMRZQjtJgVcwjlD2jnVdTofK8b2P9m2C4QkxFvEf7QsaMs4deh4+hVrh3MKjKapqSWNpIXbUNC3JvYB0tuRYAFeltvXMrGYhmdpoj3S1C9+Gk6twsH3aLx8P1C5x+Kij/AGDHUWJC7OlmuCQ1772tjm3pS9r/ADYH9HdU53a4DXgbHpotExlcFIlP2WUgdmdpHBJIQEKoBOw2Grblzx0D0jLVBIjo+O7KYcv4WooLd3TxAjkWGpvq1zhZ+Jlfu4o7cPEzZqMgYAjrBs77cKvUyQ0sUJUlT3haRgQbdNIBv74i1QSvL2qZsST+LIv0EUVh7XQnEpXS2Ku7U4FH7KJ39WIQf4n7YfjwDnsz2NRYXOxOOEMjospLmkg+I0S83azIZBq7uOPe+kFmG22+/X0xw5nTuYeq3980XA4h8k7euZTNb35aevcjfA3H61VX+Hu51IzKzAAXW2w3vuLnl0xnBx4ppJmdY5ewutin4dwAiGqfq1mCsV3YKxUH94DbHSYASL5hcyYuDSW70a8eCTsj4usr/iXYsCChVRc3vcbC3lz8/THTnwWo6oeK85gemaa7+S7XhQ+Y2pEKTi+ORyoSTZWYG4udKliLDYbDAX4F7RdjcfhORdNRSOLQ07E+NC6rwCvZBm4qkZgpVkNipbUDttvb/lsBxEHUuAJu+KawGNGLjLgKI4Xfgh3B2dyTySJMQSo1LsBbexG3uMHxmHZG0OZ4JPojHy4h7mTakajSq4FAINYmq4SxJdZOvNlOofUAj54bdlLI3jhXrouTGXiaeEncO8yNfoD81Hl9MZ6SRFF2gYSKPNWFmA+gONSOEcwJ2cK/CHBG7EYN7W7sOYeB3A+Vr2T5rBCoLUweUH4i23O42IIBHoOmJNDJIdH0FMJjcPAwF0WZ443/ALr5Ixm+USyslXTAhnUOVuAQbcxewII/5vhaGdjAYZeGi6OLwU0zm4zDDVwBriDz9/dWckoatnY1ZJiZSpRmB1X5WAOx9dsYnkhAHVbjiEfBYfGueTij2CKonfwA29F9bgmEtfVKB+7t+tsUOkH1sFD0BAXXbq5afVHqTKo44+7VFCHmrDVq9WvzOFHzOc7MTr8l1ocHFHH1TWjLyOt+KtxRBRYWFhYACwA8gOmBF1phjA0UFg3aHXSV2aGFNwjinjHS97MT7ve58gPLCbzmd6L2PR8bcPhM7uIzH7eia8zqjlvdZdlkYerlF3kIBN7Hffa+xO/hUdDfGycvZbuufEwYvNicSaYNh7+2pKVsz4lzahqNM8zhxZtLaWVgfQbWNiNrHnyxjM8HddCLCYLER3G3TztNPG9JFmOVpmKIFmRQxt5BtLqT1Cm5BPkfM42+nNzrn4F78LizhyeyT/o+a67EM5Z45qZjcRWeP0DE6h7BrH+8cXCdwq6bgDXtlHHQ+W3vuR3tMyOOSjmmEa98mltdhqspAIvztpJ29MdLCSkSBt6LyuNha6MurVc9mswqMs7pt9JeFvY7/wDq9vli8WMk1juKmCcJIKPeEv8AZIrLLVU7qdJWzbG2pCVYX5XOr7YPjqLWvCW6PsOewoj2d8L1FO9SlRGO4lXRuVOvSSB4QTsVZueB4qdjw0tOoRMHh3xlweNCu6jspgLkpNKiH8uxsPIMenvf54gx7q1Cs9HNvRxATHT8IUixQxNH3qwBgneeL4jdrjkbn026YXOIkzEg1fJMjCxhoBF1zRrvFG1xt0H+2A0Sj2Avhm8gf0xeVS1z3jeg++JQU1XJ9ST8/wDTFqqXzQPIYllXlCkpHuN+YNsU4aqmnRfnPP8Agwz5/UUayLF3rNMjMCQdS96QACOpb+E4yFu9FWkyrI4mMctXXPJGSrtFGgQsDY6Qyk2v5k4lqa80Dp5FLL3hOi41HmQt97X8hjWY0G3oqd2nF53O55po7R+GkoJ4o4Wd0ljupYgksGIa2kDpp6dcUq2QfhGualzKldwyFZlVgwIIWTwG4O/wvfEVr9SSdD5H/b/HECy7msyipIY61o6gfsgzDmRbqpNt7Wt9cd0ve+AOj392vEMigixropx2bI/GyaIs2y+Hwx6RfwkqhOx82tcj64QMOKk1d9fsu43GdGQdllcrAP1S/BPNl0rjRqV9gTezWvpII678sOObHimjXULkskn6LlcMtg8eB5G/suMvyisYmoiUqxJ6hSb87A9PfFyTwD+t5+6zh8HjnE4iIUSfDfuPBMPDWQPE7SzHVIwPhve1+ZY+Z/1+SeKxLXtDGbLrdG9GvhkM02rjw333JPNEcmyFKdnMZa77eK3hHkPM+uAz4l0oAdwTmC6OjwrnGMnXnwCtnK4tWru4tXO/di//AOcC659VZrxTP8OHNmyNvnQVvuh1398DspjIOKr1ldDANUskcQ83YL+tsTUq6A1SzmXaZl8VwJTKR0iUt/MbL98bETzwQ3TxjilbMu2XmKel9mlf/Ko/zYIIDxKC7Ft4BaflNaJ4Ipl5Sorj+8Af8cAIo0mgbFrBhOKbO2eXZUq2LE9FZz4vax1YSHZdrzXsi3rsCAziweg2+yd82ielz+GpZS0VVpjVhuAxQR297hT7E+RwU9mS+a5cRbN0e6MHtMs+V2l/tvP/AH0Q6CAf+8mMy/F5JzoMf0O/9vsEep70vDhEos0iMFU8/wBq50/Y6vri6qLxSbv7uk+xwI9Bqg3YbTE1U8n5ViCH3ZgR/wChxIviKZ6ceBE1vM38h+1sVZTLLG8bi6upVh5gix+2GWuLSCF5hzQ4EHiqmS5JBSqUgTQGNzuTc+pYnG5JXSG3FDihZEKYERGBoq4ke3LmcWAqJUZY+f0H+uL0VaqrU1SIVDk3ble5HMC56AXYC588aFnZUaG6sDFLSiiqVZnVSCyEBh5Ei4v8jfEpSwh9bmpTT4QB36xPcgmzCysNJ2uxXZt7HljQbayXV816szxERmHitJ3IuQql+viPILvc+h54gYVC8KTJc1E6sQACjFTpbUp63VgBqUg8/cdMRzcqjHZkQpzZ2HnvjLtlBo4rI+12T8Fm+XZhvp+F7DojeL5lJSPljARBqse4iqUkqp5IL91JK7pqFiAzFrEC/K9sRaTdwfW5VHCzV0byTBzpUayGWwtsCE53HiOJazS0jP8AjkRZdDXU0IdXIQBzYxg6hvpv+ZQtgeo3xFSxLiTPZKyd55AquwA8AIGwsOZJva29+mItL9V8N5iKmkgn/wDrRI592UEj5G4xFndQ5xw/FUWLg6hsHUgG3rfY4ahxL4tBtyK5uM6NixJt415jfztVaPhCnQ3Ks5G/jbb6L/jgj8dK7Y14ftLw9CYZhsgu8T+PumDQfM/898JWuxlPNe7odd/fEsqZRxQzMeJKSn2lqIkI/LqGr+Eb/bFgE7KEtbvolXMe1uhT+iEsx81XSP57H7Y2IXFCOJjHG0rZj2xVDbQwRRjzclz9tI/XBBAOJQXYvkEIqc7zeqp5Kgyyinj+JkIjHMCw02Zue/PrfGssbTSwZJnAkbIdwbkC5hUGOSo0ORqF1LNIQCTY8hawuT8gemnuyDQLEbOtdqVDkHCNXVgmKLwqdLO5Cqp2uCTzt1sDizI0bqmwvcaAQ3M6FoJpIXKlo2KkodS3HkcW1wcLCy5ha7KVuvZHX97lsa3uYWaI/I6l/lZcKyinLoYc2wJa7YuE2LfjYVuLWmA5i2wf2tsfKwPmQlK2jmXp+h8aAOoefD8fhKHDOdVE1TQU8krPFFURsitY6bMOttVgNgL2GMtNkLpYmCKOKWRoolpv5LQOP+MIqaqEU1FFUhUWRGawKkk35q3kOVsbe8ZqItcfo/AvmhL2SFutHv8AULPOKOKqnM5UUrZQbRwx3O52v5s3S/0Aubjc4u3XZwuDiwbCb8SfegWydnvDP4GlCPbvZDrkI6Hoo9FG3vfzwxG3KNV5npDF/wAmXMNhoPfeuuPq6rhpi9GgZh8bWuyL5qvIn628j0zKXAdlTARwPlqY6cORPeffih3ZzxGZMueWeQsadn1uxuSoGsH18Jt8sVE/sWeCN0lhcmJDIx8VUPT6olkGdR1xE0Ep0qAHibZlJ6MvLexs1yDvbltbXB+oKBiMO7DdiRvgeB80fmHI/L64O1IlUsxr44U1yNpW9uRO/sATjTWlxoKnOAFlD6CpSt7wpqCKjRXIFyXAJIF+QAHPnc+WNOBZusWH7K1KrpLEO8ZgxIIIW1grHayg8wOpxQogq9QQhlTVpT1zGRlRJ4QbsbXeNrWHmdLD6Y0AXM04KiQ1+vEKvXUjTGpMIJWeJHRiCv7WMkD4rEX0pv5DyxYNVfD6LLhd1x+qsJkLGPuS/wCyFnS/9JE4OrnYq4vf4t+d74rPravIapF6KB1vrlL3tYaQoFvIDff1J6csYJHBEAI3U97Op89sTgVR0cEidvOVGbLRIoJaCVX2FzZrxn7sD8sDW7pYPHwxWsAVoqog8iIJCD/Li1rMOarUeWzysUihlkdTYqkbMQfIgDY++JSouAT/AJXwPnc1KKTu1hpr6rTFFudWre2px4t+QxKWbHJHcq7Bzsams91hT9Hc/wCXE0V2Vr+S5XHS08cEVxHEoVbm526k+Z54pVspJ8wjW12FyQoA33YgDl6nBBE4i6QjiIwavX5q1gaMs47V+KauieFadlRJVbxaAzalIv8AFcWsy9PPBomB26XnlcyqWXVmbV1THJLJNNJHHpEl3sq6yQt1BA3II2GDhrBpSUMkrgTaH0WVTS6e6idgxCgqpsSeQvyv88bLgN0MNJ2CNZdwPVSVX4VgkMukORI4+E35BbljsdhytvbGDI0C0RsDyapFV4QpIqeSqlqnnjp37qaOCPSe8uo0o8hAKgsLvax6WOMdaToBuijDAaud40m3hzK4qeslpohrp62jE8ay+JSQSNJ8xZrn0OBucSL4hGjYGnLwIVfL5WaPLquanSCs/FdzYJ3XeRkMHurctK3O/VTb4rYhNEtvRW0B1PqjaoxTUtLV5nFUVMQpqqNjZCZDeRm2CoDZlu1xzsU+U+JgoaqAZHmzQOqQ6mekFMIo4nM6ysfxF9KtH4tNkvsT4Tpttvv0wcZr7ko7qw08+a0HsKr7PUwE8wsqj2urfqmBTjYo2FduFrhGF04lGq7O6U1EdTDqgkjkWSyW0MVIO6nle1vCQMC6oXYXRZ0pMIzE/tAitd/n+VR4p7OPxtW1Q9SVUhVCLHuAB+8W87n4euKdFbrtFwvSn8eHq2s1539q+6OcM8G0tFvEl5LWMjm7fLoPkBjbWBqVxOOmxHxnTkNvfimHG0mlPjziiah7gxRLKJWZWBve4AKhbX3O/Q8sClkLKpdHAYOPEZs7qqlRhpIZqSoV6aSklqQZXgjZTJIqablFOw1fDYqpuTtvfGaBadKvgiF745mlrw8N0DiDQu9/Dfcrrs/z+gc/hqOCSJtJZtai502F2YMxJ3tvi4ns2aFOkMNiWjrZnA8NPsKCdZh4T9fpg43XJOyEcQUPf08kY3JF19xuPqRb54Iw5XArLxmbSC8J5VVU+u/dorgXDXc6gTyClQBY+Z5DBJXNchRsc1MK0xLB3cuRyFgAL7GwAvy8ycCvSgjVrZU7AczbbkTilZpcmUe/ti8pWc4X0ajyX64lAcVMx4BcVb92jSSyKiILsfIDFZgpTiuUqYhCalX7yMIZAwN7qBfb5YouKsN1QvK+LBUUE1VHGUaJXujb2ZU1jccwQVPzxlaShRZjnjxxujxyLIiuGKLezqGsbLba9vliaKrKbG7QKDvUiWbW8jqg0KSLsQBdrabXPO+CdU+rpY66O6tMdZMUQsBe2KjbmcAs4iQxxl44Jdq+ICBcsFHyH3OHxhWDUrhP6Tlcab6IXPnakAmQEE2BLCxPkN+eDsibwSMuJkcaNq/w4hmm1n4IeXq7C38qE/xjywvjHBjco4ro9EMMjjK7YaDxRymzdJKiSBdzGLs3S99wPUXF/e3MGyZicGB52K7LcSx0xhB1AtJ/bVQa6JJQN4ZQT/Za6n+Yri4TTlWJbbL5JY7MsxdqWtpoo4++WIzRHQGZ2BNtWq4OltAG218amGoKHhnCi2tfqusrlnmo6yhr5hBMwSeE1DLFa7EnkBpF15AbajtinBrSCNluNz3gg6HcLrOeIaIVdBViq7ySBe6m7qNjqCq41KTYWLEqN9w4YXAxGg0RSjy0Oa4uGm6E1HG1Mq1kcNI8kdZIZGE8gXSTvssYb8248Q6eWNCN5q+CwZohYFm0NfjOum7iOLQhgFohTxeIDQUtvqNtJ5CwvY22FtdUNSSh/wAhxoNCkg4KzSr0mSKZgBYNUyHwjyAkbUBy2AxeaNuyoiaTdMmW9jUpt31RGnpGpf7nSB9DjBnHALYwjjuU05d2UUEf9IJZj/Xew+iafvfGDM4orcKwbpryzJKen/oII477EogBPueZ+eBFxO6O1jW7BEMUtLiaVVUsxCqoJLE2AA3JJPIDzxFEJzzimlpI45JpRaX+jCAu0m1/AEBLCxBvy3HniKJG7SM8irsmeqoZmb8PLHJ4dSsCGC2ZTY7atW+2wOIrCh7TOO6uniopaV0SKshJ1lblSRGQQTsLBtr+R522nFQJmyuKejrIIJqmSqiqUfQ0oXXHLGNRsVA8DoW2N7aOe+IpZUMPDlb/ANX/ABrvEYfEgAZtQj0kKLabX1WY7874CGO6zMuo7FYf+H1ABzb8N/ny0TRR5LBFNLPHGFkmtrYdbenIE9bc+uCBoBsJB88j2NY46DZEMaQVUYFdrE+2CaFYutF8CueSge+J2VLcVHWMIo3klk0oilmI6AC55YrMOAUyk7lR5NVwVMYlhbWtyLm4II5hgbEH0I8sUXlQMCtV9ZHTxNLIQkaC7G3L5Dc+wxm1sBKXaPXh8vikilIilljJdCV8BBI35jfTiKKTiAvLkZZ7lzTRyP6kBHa/0OIq4LngyaJ8vSlLqJJYpJBGSNQjkeSxt5WOIVAl7grNkp8vj/EI3dV0siNKLaYzZYhr9DoO/ocWVAh2TdpL0cK0phSUwXj1iTZgrEAiwIta2998TdSwNCs2RypDKbFTcHyI3GOpuuKDWq/UdNMKinVxymjDD2db/wCOOaDkdfIrryNEkZbzH1We5XGs0svec0ACjyve5977fIYX6fc4yNYT2avzv/S5HQLGmNzyO1dIBxJlpKu8a3EVi5uBZTt1572wD/jszmyuivs1t3/6tM9KQhzQ8DUfRN+Z5l/0nL4YhvUSjnzsxsXa52Om4AH9noDjtNb/ACJS47BRz/4mHDR8X3QPgnMitZEOj3Q9b3B5+Z1WJOHsW0GEgcFwujHuGLDid7B9+K0LjGg7+hqY9rtExW/7wGpf5gMcVpogr1j25mkL82Uc0iuDE7o52DRuUbfpqUgi/vh4gHdctr3NNtTbQdmmYVB1uFXVuXml1FvXw6yfngXWMboEfqpZNSmnLuxpOc9Sx9IkC/zNq/QYwZ+QRG4TmU1Zb2cZfFY9wJD5ysX/AJSdP2wMyuPFFbh4xwRbM6yny+meUoEijtdYkA5kKAALDmQMYJJRg0DZc12fItA9bENaCAzoDcaho1LfqL7YpWgMXE8s2T1NSQI54kmU6OQZLi63+R6/PEUtVuzOtlV5KWWV5h3MNTE7kswWVfEpJ3sG5X88WVQTrDmEbyPErXdPiFjtf1tY/LFLVKyy3BHn5YipYpm2dT0VPmGU1kjTN+HeSlnYlmeNr+FzuQRZufkw5ab0rXfE08lA+UTCYQxGjFK0pj70xeFCWVL7k2AvvtfY8jfFUNVb4NpKWqbNqenkmnaoiHe1EgVFZ27weCMIumzEm5Bub/OcFZFGig3E+WSnhinaddMlJINrg3Qu0QFwSOTL/DiFUDey0Xg/hh07iomrJaoRxWpw6qojV1G5tu76QF1MeRPni1WqcsUrXsRRexFFxI9v1+QxYFrLnUq9DXLKoZG1KSQDYjceh3xuSMsNEaoUGIZM0OYbB46j6qrxXRGeiqYhzeJwPfSbffA0dIeR5hM6V70riN5Kemql1AEK3d2k2IIudBF7eWLKoIvw/wATzVZWmqaeNTPSd+jX1q4Nl8SEWF+ek3ty3xSl2gWb5qajh+EFAZZmWFQoCgNG5OwFlUaYzsLDfF8VOCsZ1HI7wCknIizWEx91IWKoFiF2X906NrAC5P0imtKpmEQZqLL2UpXQSLEJYyF/7exuytf80f5SLg6tt94qtH63gudYJKKmkjFJMQT3hYvFuNfd2BDarXsbWJPntFNdk0//AA/S/wD8aHYW/o16beWKtXlC/9k="/>
+          <p:cNvSpPr>
+            <a:spLocks noChangeAspect="1" noChangeArrowheads="1"/>
+          </p:cNvSpPr>
+          <p:nvPr/>
+        </p:nvSpPr>
+        <p:spPr bwMode="auto">
+          <a:xfrm>
+            <a:off x="155575" y="-144463"/>
+            <a:ext cx="304800" cy="304801"/>
+          </a:xfrm>
+          <a:prstGeom prst="rect">
+            <a:avLst/>
+          </a:prstGeom>
+          <a:noFill/>
+        </p:spPr>
+        <p:txBody>
+          <a:bodyPr vert="horz" wrap="square" lIns="91440" tIns="45720" rIns="91440" bIns="45720" numCol="1" anchor="t" anchorCtr="0" compatLnSpc="1">
+            <a:prstTxWarp prst="textNoShape">
+              <a:avLst/>
+            </a:prstTxWarp>
+          </a:bodyPr>
+          <a:lstStyle/>
+          <a:p>
+            <a:endParaRPr lang="en-US"/>
+          </a:p>
+        </p:txBody>
+      </p:sp>
+      <p:sp>
+        <p:nvSpPr>
+          <p:cNvPr id="60424" name="AutoShape 8" descr="data:image/jpeg;base64,/9j/4AAQSkZJRgABAQAAAQABAAD/2wCEAAkGBxQTEhUUExQWFhUVGSAYGRgYGSAcIBsgHx4dHiAkHCAdHyghIB8lIB8eITEiJSorLy4uIB8zODMsNygtLisBCgoKDg0OGxAQGzcmICQsLCwvLC80LC80LCw0LCwsLCwvLCwsLC8sLCwsLCwsLCwsLCwsLCwsLCwsLCwsLCwsLP/AABEIALcBEwMBEQACEQEDEQH/xAAcAAACAwEBAQEAAAAAAAAAAAAFBgMEBwIAAQj/xABHEAACAQIEAwYEAwQJBAAFBQABAgMEEQAFEiEGMUEHEyJRYXEygZGhFEKxI1KSojNicoLBwtHh8BUkQ7IWF1Pi8Qg0VGPS/8QAGgEAAgMBAQAAAAAAAAAAAAAAAwQAAQIFBv/EADkRAAEEAAQCCAYCAgICAgMAAAEAAgMRBBIhMUFRBRMiYXGBofAykbHB0eEUI0LxBlIVclNiJDND/9oADAMBAAIRAxEAPwDTZs+nG/dRgfulzf5kLYH646DcIw/5ei4cnS0rDeQV46/RDZuJao/AieyqzfU3/wABhgYGADtO+gSDum8W8/1xivAn1Xyg47IbTUR26Fkvt7qd/oflgcnR2lxn5/lMYbp2zlnbXePx78E5wyq6hlIZWFwRuDjmEFpor0LXNe2xqCsl4t/7XOEm5KzRy/I+FvrZvrjqwf2Yct8QuLif6sWHeB+xTb2p5eZaMMoJaORW2FzY+H9SPphXBPyyUeITvSMeaGxwP6VTKMslqMmNO6MsgBChwVJ0trT4unJb41I9rMTnB092sRRukwmQjX3SI8EcOSU9NJBU926yMW0glhYgAg3AHTpgeJma94czgi4PDujjLJNbUTdm9EW1WkA/cD7fcavvjX86WqWP/GwXeqY6PKYYkREiULHfRcX03NzYm53PPzws6RziSTunGQsaA0DZXcYREsV+fTmZ4YY1uhtuCxOwN7AgDmPPp52w2yBmQOcUjLipA8sY3b3t+0t1mfStfVM/sDot/BY/XDLYYxsEm6eZ27q8NP36q5wXmQ/FaL7SIevNhYj32DYFiWjJYGyNg3ESUTuivadQ97l09ucYEo9NBBP8urCsJp4TuJbmjIWKcOcNz1rssAXwAFizBQL7D1PI8gfuMPPkDN1y4oXSfCrWYcOfgaqOOvDGJt9UJ2YddJZfynmLX+oOMiTM22brZh6t4Em3cnHtE4LpKai76nQqyOuptbNdW23uSOZXlgMUrnPopnEYdjY8zQmfhWnioMsSWRArLEZZDpAYk3axPO+4UD2GBPJe/RMQtEcYJ8SscyjOGSujqmNj3/eP7M13+xOHHM7GXuXNZJ/bn71+jMzqTHEzDnsB7kgfa98IxMzvAK6WJlMURePfBAo4WlRnmmYRrz9fPYbfY4bcWxuDWN1K5UYlnYXySENHvh+1xlskM0U8FNJrOjUNSlQGNwL3ANgVXp1xUhe17XvFLcDYpIpIYXXpeumvsBd1bpA8dLJEO4mj7tpbW1OfMjl/qRbljLc0gMgOoN13Ij+rhc3Dub2XCs3M+/UqPJYGoY0ibcNVaAf3lZfCf0+eJKRO4uH/AFtVh2nBsDHcX15EaL5RZDLDXyVLSAQtqYkncg9D6A/oMW6Zj4RGBqqiwcsWLdMXdk3/AK8vsups1jqFs0s0BUn+juNQvtuATy9uvPEbC6M6AHxVvxLJ20XlnhxHyXGVUKSVayxIVSFSCxJJdiCNyeZsb+ewvzGLke5sRa46n0WYIWSYkSMGjRueJ29+vBE+M6HvqGojtc92WA9V8Q+4GFoXZZAV052Zo3DuWFwUcIUM78xe1wP98dUuddALjtjZQJKO8MEpNHLTU0suhr3RCRbkfEdhcXGBS6tIcaRoi0OBY200ZpkNfWzGXuIqYEAESSazt18A52tsfLAGyRRtq7TL2SyOsNrx/SbuEMiNHT9y0neHUzXAsBq6AXO3+pwtNIJHWAmIIzG3KSjeBIyT8/73v30307W/hGMHddfC9X1Qzb/tFaSjV5Dq3Ci9vP8A2/2x0JJSxui8dBhmSynPsOCpZhn0sb6UiAVTaxU3I+Ww/wCc8Giwkb2252pSuJ6VxEMmSOPsg8jr8tvVLnG2bQziMqhEo+IkW28j57/83wxg4ZIiQTolOk8XDiQ1zGkO42K05d6tdm2aEO9Ox8JGtPQjmB73v8j54F0jEKEg8E50HiTZhO24+6bsz4fp6h1eaIOyCwuTa3Plex+eOcyZ7BTTS7skEchBcLpEgLYEjL7iKKlnGbQ0sTTVDiONbXY32vsOQJ3OIrAtWopQyhlN1YAg+YPLEVIbDxLSPP8Ah1qYWm3HdiRS1xzFr8x5c8RXRWYdpXHZqaWZaBasCnlUNVR+GIkbFSytcruOYsTp6EHE71NjSPVGYB6yinDMkddEhup0m7La1/nGMORaxHu9/lc6Y5MQ3hm09+ilmjSmgrHWFHmpZvCXu3hbSVJ33srn+G+LBL3NBOhCy4CNj3AWWnj771TzqrVKjLa5FCLPp7y3IE2DfPSzD+7jTAS18Z4IcpqSKVooHf35rQFdaiFwVYK4aMh1seqnbyOEAV1TRX5zyrMZqGp1obSRMUYdGsbMreht+h5jHTc0PauMx7on6cFs8NRSZxSWYXH5lvZ4m8wf0PIj5jCXajcup2J2e9ExGjRo+6ZQ6WCkOAwIFrXvseWB3raLQIooVBWUmZ07oriWJtnXdWFjcXBsw3AIPpjVOYVnsStrcLHOO+GFopQqSiRHBIBI1ra2zge+x2vvttu5FJnC5mIg6o6bFbfwvVipoYHbfvIlDe4Fm/mBwk62P04LotqSPXYhL9FFPHUTI1X3ABGgMgYOu9jvYcrXtvf2w+9zHsa7Jf2XDhZNFM9nWZANrF2Oete/BGTnSIY7nvXAIaRVtsegF+ptsD0wv1DnA1oORXQ/lMYW2cx4kBBqWZzFJCVEkT30azcpc7b73tzwy5gDg8aEeqRZITG6NwzNO18P9Itm8RMUKs4ZkIJYb7jkf8Sfc7YBFWZxqgU3ibLGNJsjW11V0i1MqlTtbxkWNrX+V+Q+vliNeYmaq5IxiJBW3FEYcmhUAd2pt1IuT7nrgBmeTumm4SForKr0aBQAoAA5ACwwMknUpgAAUF9IxStCaLhmjhN46aJT56QSPYncfLBHTSO3KE2CNuzVLW57TQyJDLPGkj20ozAE3Nht6kWGMhjiLARMwGloXn3GcNLJJEysXjWOQ3sAUdwhZTvfRe5BA29jbbIi4WsOka3QqPizik0dVRowXuZy4lYg3W2hVN72ADOL3HLFxx52k8QqfJkcBzU8NbImaSQszGOWnWWMHkrI5VwPUhlJxmh1d96vMc9dyYio8sDRbS1V5j3Tro8UjfCi7lv9ut8dFsYe05thxXAfO6KQZNXHYc/fNUKjjaWNiklNpYcwXt/lxpvR7Xi2v08P2hydOPidkkiojv8A0i1JPHmFM/eR6dyu+9jYG6mw88Aex2FlFFPQTRdI4clza3HgeYKQcjkanmSa2ynxf2Tsfsb46+Ij6yMtXlMBiupna/h9lq9ZIyxuyAMwUlVJtcgbC/S5x5xe/S92ecTnMaJahlCOWZWVTcKQduf9UqfniKJIoePBl1LUgtU1r01X3UrTsEKhtYuti5KXjYC9rk9BsIrrmoOJeIK6oE2XV9PCn4umaam7okkNGDKqsxNmP7OxIA3tzB2hUtLPD3EZd6eWrMkcYpGpaOYn9ksyKU7x/Jt7aumxOwuIp3KLIKcMtPDP+ISWllDJT01FeTVqvraYncHmemw52BxazY4EfdOFHwXmcEdXl0KwNR1TswqHbeNWAU+AG5bSBYWtqF777VSl9yI5lwlVQ5ZRxraaopH2MYPwkkiwNidNkHsL4Zwz2tcQ7YhJY2NzmhzRqCuWybN6ppmYRU4qFCyC4swUEDYa2GxI5jBs8DABvXvuS5jxUhJ0F6H3qrdF2XXCioqndV5IgsB52LE/YDGXYz/q1bb0cSAHusclowwkumvzx2l0Pc5jOLWDkSD11gE/zasdCA2wLkYluWU96A5bmUsDiSF2jcdVP2I5Eeh2wRzQ4UUNj3MNtKam7Tq8rp1Rg/vCMX+/h+2Bfx2Jj+bJyHvzSekpU3DEHzBtz54MQCKSoc4GwVfy3IKmf+hp5XB/MEOn+L4fvii5rdyrax7tha3Hs0y2opqIQ1KaGV2KjUG8LWbfSSAdRbbCEzg51hdXDtc1lOCZKujSQAOoa3LzHseYxhr3N2K3JEyQU4Wo6XLYozdEAPmSSfkSSRjTpXu3KzHh44zbR7813NRI25UX/eAsfrig9w4q3QsduPNfIaQKQSSxHK9tvYKAL+vv54heSo2INN7++5TvIFFyQBz3NuXPGEVCc14lggSJyWkE/wDRCFDIZNtXh0gg7b88bbG5xI5LLngbr3EWdGmhSbRqUyRo9zp0K7BS3I7gkbbe+IxmY0o52UWl7iriCqhqJjEyiOkhjnaIoCZlZ2EniJuukLtbrzwSNjS0XxNeCG97gdOCG8dyN3lSA50yUqVcOpjYPTSaiFBNhdSDtzxuKqHjXzWZCbPhfyUfaPRyTyUc0CFxURlHTkXVStQqhrHSTpYBvP3xcBDbB4f6WJwSQRx/2rnGfCzZk8E0aMmundSX8DRts0YdT4rEl0IANtV8Zik6uwea1LH1hBHJFs04P/GCl/Ft/QwskioW8TuqC4YEGwK3sRvtcYw2XJeVbdHmq1eq+EaeZIFqA0xgQoGZipYEKDr0Ear6Rz25+eMiUgnLxWjGHVaPKLC3lgaIs7qctko6lZL3XV+zdtxa1tDHobbeo5eWO3HKzERFp34/lePxGFnwWKErNRehP0Plp9EzzNBPpaWAlh/zmCLj3wkGyxWGO0XXe/DYqnSx6j3veo8VJNcp3UaiNCOQsDbr7euMtoOzvNlbkzPj6qJuVv2+yCyZYkjCGOzEkd4RuEW9zqPLURsBz3vyGGjiHBuc+XeVzmdHMLxG3U8e4d/jwCdMclenWM8NVtdltRX0tPl0tSrVLSRsLxxqDyu5XSfDo2v0OJqpYVybs8qqqSteXuoEr4YmZNWoxzoY2Ow8JUMJN9W+rEUtN7cEJIcveaV2moFCh0sokNkB1ghjY6eQPU74ipXsq4Po6eAUyQIYQ/eBJLyjX+8O81WO3TEUpG0QAAAAACwA2AHpiK19ZrbnbEUQXMOLaOElZJ01LzVbsR6eEHf0wZuHkdqAgPxMTPichR47Eh001LPMdWm5ARb2va5vbbfcDbGzhw0W9wHqg/zA41G0n0HzQ2biWtYgtJS0oYlY0e7l7G178tN/zbYvLEPhBdW9cP2sdfMd6byvij3CebvM80c66KiIgOoPhIPJlv0P2+eBysaAHMNtKYgmLyWvFOG6V+1XhGeqngkpotZKFHOpVC6Tdb6iOepuXljcEgaCChYqFzyC0IHl3ZDUtvNNFGPJQXP+Ufc4IcS0bBBbgnnc0mnLuyajTeVpZT5FtK/RQD/NgRxLjsmG4Ng31TRlvDFHBbuqaJSPzaQW/ia7ffAnSOO5Rmwxt2CL4wioTxNmLQQ6k+JmVATyUsbAnp6C+1yuNNFlS2j4tkEy/iBwps5mj6uVGtPM6FAuh6DmOe42U5g5pY4lpdpt79/pGhRa1DgrJcXBLM2of1WDBRfzVbYHnrREyk6+/fkrmWuSpBJIU2BPMgqGF/UXtf0xh621DMlzKRqutp5DfumRo9gP2cibcudmVhc405oDQQqa63EFB+MKN5KTv4xeoo2ci+5ZbFJVJt+ZN9uoGCMID6OxQnWW5huFQrMveXJaBohIzwinkAhJEhFgjaCNwdDMb+l8aDgJXXxtU4ExDy2RrOcvmq8t7iOLu2kHdlal7sqrcBiya9T7K2567m+BtIbJZPyRHguZQHzVnPeEkqtJeWRH7owyNHYGSNrala4OxIuPK5xTJS3h3q3R5tb12RHMMipp1RZoY5BH8AdQ2nkNr9Nht1sMZa9zdirLGncIgosLDYDGFtfcRRexFF7EUXsRRLc/GNEbqz6lOx8DEH5Eb4gdRsLoHojEubRb5WF9y2noZv6ByOpVJZI7f3AwsPlg/wDJedzfiAVy5uiBCe00t8CQPQ0iK5DTdYUb1caz9Wufviv5Ev8A2+Wn0QRgoOLAfHU/M2VPLJFTRFjpiiQXNhYD5D9BzxjtSO5lGAZEzSgAgCce09wWjqEiY2EzRWjPzve3ywc4R/MXyvVLjHRk8a51omrCqcUNVVxxjVI6oPNmCj6nFhpdoAqLg0WSl+t46o02WQyt0WJS177Cx+Hn64O3CyHUih3pZ+Nhbpdnu1VGo41lYrFDRyrO/wAPfjSukc2Jvc28tufPob6mMAvc8UOWqGcW4kNaw2eenmhj19fPqP4yFUUop/DANcs4U3LeJSAb+R+uLLoWUMhs38WmwtYLsQ//ADAAr4ddz37IBDC09ZNTVMkk6wJL3etze6nYmx3P/OQww+TJC2Rgoki0q1pkmdFISQLpT1k/4ZqSCGGN45ERyxTU0rE72bmCNiLcrjpgbG9cHyPcQQSN9vJae7qSyNjQQQD4+aucUB0hzD4lDTRtflqVlUG3mLgj5EYFhcrnxeB+eqNiszWS+IVdsxVY445JFo6mBBE5eDWxVeRjbewPPbnfY23JDC7O4huZpNijQ8whiVuQAnK5oo2LPkjvZ3SOaieoHetC6hUkn+NyDe4/qf7eRxWIIEbWGgeQ2H7RcGCZHPFkHidz+k45zmS08LSsrNawCoLsxYhVAHmSQMIudlFrrwQmV4YDXeeHEpcp+I6mo19yKWPux4wZDPIvvHEOfpfntzwISPdtX1+iedhYYqz5je2mUHzP4Sll+a5hXySKs04jCuFeNO6XWougYgXXVtcFri4wEGR5Oq6EsWFwzWnKL0sE3px91Sf+CZ5WpVFQytMhKuQ6ufMBipI1aSL7+vXDMROXXdcfHCMTEximnbSvl3Wj2CJRR1ESurK4DKwswIuCOtwemLBrZUQCNUg1eQywt3kAZkBtZfE6DYkEbl0G69WFgd+Yc68FpB3rRc84angt2vVGOHqsJLJTr3niXvV1oygEnS/NQB+VtI6ljzOE2l7hmkHFdAiNhyxm0x0aAAkcmNx7AAD7AHFuVNQqv4aSWqWp72aNwqoVjfQrhWLDXYXIueV7EY0JKblpUWW7NaMRwqt7C2o3PqcYJJWgAF2osLDYDFK19xFF7EUXsRRco4PIg+xxZBCoEHZL2b8Z08DFPFIw2IQCwPkSSBf2vhqLBSSC9h3rnYjpSCF2Xc9yJ5JnEdVHrjJ2NiDsVPrgM0LonZXJrDYmPEMzsQKn4wY5u+XPCFCxd4kmu5fZT8OkWG79T8OBJhNuIognDeaw1EXhVUZNnjsBp/8At9cUCnsZhpYX6mwdjz/aX56Ba2pJpQIkhBvMgtqk6Wta9vMdL+YxW+y6DZnYWACftF3+J4D373R3hnN3k1wTi08Ozf1h0Yf86g9bCwUhjcM1lSxfA7bu7kL7RJw4p6ZVZ3klVyire6KfFf03+xw5hRWZ/Ieq4WNcCGs3sjTuQHirLa2WrkQyBaYESWkcd2qIBuyjkL3FiN7HyuDwvibGDXa277S2IZO+Utvs767UOasmSsqGp1NYr00khRpaXwMG0khW225be+/TGajYCcvaHAohM0haM3ZJ3alnLqYTrXmctLJBCe7Z2JK6SR54Ze7Jky6AnVJxt6zrM+paNLRzN8zkhqqaKliTS0aSmNQF7xirDc22so26A3O+Fura+JxkPdfJMvldHKxkTeANc19QQwFZ5e/h74PTlJm1lQw1a15tpDCxv5391znktjKNU6xpfdyROxGQ91i7brw71RyWmjp4qvup1mcRCTwA6QEa4uepJ6Dlb1wWdzpXx5m0LrXfVBgY2Jj8rsxq9O5XcqaWok/E0dFZ5L95JM/gPQhOXMjmPL1OI+IMZ1cr9BsBv5rcbzI7rIo9TuTt5IrRcJ13d929VHFGxPgjTVoUn4UZrECxt6euMOfBmzZbPM8e8orYMRlylwA7uHcERp+AaYEGV5pyLW72QkbctgBcehxX8pw+EAeARBgmf5EnxKaJIVa11BtyuL2wuCQmy0HcLwmW+nUL+V9/pilqivTpqUg9R9MUVGmjaw/JcjrKKujJRgkTeOUf0ZiHxktytp3sd722wmxjmOXqZ8TDiICL1PDjfBBKniNlrHqICVXvzMqEnSd/zKCPiHPrvzxVnNYRxh2mERv3qr4/PuTr2JZneSph2GoCVVGwFiVa3pugwaDSwuZ0zH2WP5afj7rRM5rZUeGKLQGmLDW4JA0rqtYEEki/UcjhtjQbJXnnuIoDiu8lzEyq6yALLEdMijl5hlv+VhuPmOmI9uXbZRjsw1XRqe6dg6tpY6lZVLDfmDpBIN7nyscTLmGimbKdVKrmT8pVOuoWLegHMDzvY+nXFVlV3mVvGVpexFEAkpatq4PrC0yj4Qefh3BHU6uvlhoOhEFV2lzyzEnFB1/1j10+t+iMfjI9Zj1rrA1Fbi4HmR5YXyOrNWid6xmbLeu9IMnGVKZe7Dnr47eHYEnf5eWGDg5Q3NXkkh0nhi/IHefBCqLjvvapIljtG7aAxPi32BtyG/T74O/AZYy4nUJSPpgSThgb2Saviq2Z1ctfVtSxuY4Y76yPzadiT5i+wHLrjcbG4eISuFk7IU8smNxBw7DTRv38/wAV5obkMEkIrZoWJiRGjV/3jq2YdNhvf19cGnc15jY4akg0lcIx8QmkjPZAIB5m9D5bor2ewQimnlkCncq5bogUH6G5/wCDAMc5/WNa3y8U30QyIQPe/wAD4Uuey2I/t2/KdIHuNR+wI+uL6SI7I46qugmntu4afdAu1SoFDmuXZib6AGjkI8lv99Mr++nHLXoVf/8Am/Gd48vr3Q8mEQsfoxH3xNVXZ5rnP8tnIerkRIA1gYw1mYHnfoSdrjra9rjfBHFenwk8ILcOwl1ca0Hv2UfyriId2qUdHIyqLdFUHmRqN7n1O554u+S58+COcuxEoBPmfkqhqJxmNPJLCITIDHYOG1AA87eRK/QYnFFyRHByMjfmqjtVe9VN2l0gEK1Ss6SQEAFWtdXYAg/888PYN1uyHYrymObTRIDRH3QLPayJKzMYJyyRVCxftVUtoZUUrqA6E3+nzBo2uMbHN1IvRLyvaJZGO0DgNeWigyNzHGIMuJqpO9E0kmkpGoUbLdurWtf1xqQZjml7Iqu9Zh7DckPaN2eXsotSZdWM8jU9FBTCW/eiocyCQtz2F7KLnawBv8sCc+OhmeTW1aUjNZLZMcYF75tbVql4CMjB62bvWWNY0EY0BApuCCNyRvzHU89rZdi6FRitbN8VtuBLjmlN0KFaUi2WcG0sLa9LSva2qZtZt7Hb7YC7EvcKGg7tEZmEjacx1PfqquZ8IHvhNRyrSsU7t1ESlWF73tyB/wBBy3voTNc3LKM2t7rD8KQ/NCculHQIpw/lS0VMIzJqCamZ2so3JJPoB74HNL1jsyPh4eqYGboFmPaLCi6oopJQeTbIp9id7fLA4/7A8t/x3RZXCKZkUmhcgcvaBVSfAkUQ+bn72H2wsZTwTww7RulniDO6mRW1VMjbHwhtA+iWxnOSiiMAaBZtQ1smvvA7K6kEFdje/mN/nhnKKKS652YXxX6X7N89asoI5ZDeQFo5D5lTa59Stm+eINQsvFOWZ1GaDKauaJS1QxJUxk6UVSdSKLhmZtJHIAb23wpeR1L0YZ/Kia86Dnxvj3KTMeEvxsC1FFSSwSa9LwsNCkEfEhawsPSw57eeshOoCwzGiF2SR4cOe/0TF2b8A1NJU/iJ2RRoK6FJYm9viNrAC19icEjjINlJ47HxzR5GDjuU55yddRSxjmrNOx8lRSv3ZwPrhpnwk+S4j9wPNVJaow1rP3criSFR+zQturtzPIbHqRjeW20sZsr1ZmzaqsStKFAF/wBrKFJHsgYD5nGQxvNaMh4NRXLqsTRRyqCBIocA8xcX3wNwo0iNNi0B4g4wjppVi0lzt3hBtpB+W5tvbbphuDBulbmuuXeubi+lI8PIGVfPu/ao8fZnUIiGElYWteRSLkm5AFjcCwvfrfBcDFG4nPvyS/S2InY0dXo08Rz5c0vSVdT39FJNJfVoK2J+HVbxDzYbnzBw2GRZJGtHP35LnmXEdbC+R29V4Xx8eK5zvKmSvSIysxmK6n5E94dLbeXPby2xIZQ6AuA2vTwWcVh3MxYYXEl1Wdt9D5dy6zzJooswihVSI3MdwSTsWsdz52OJDM58BedxavFYWOLGNjaOycv1oq1xq4gzCKQLsojew2vpY8vktsYwgL8OW+IReki2LGMdW2U/I/pUpMrqxI8sMMvdzFtuRKM17MFNxfbywQSwloa9wsfVBMGJD3SRtOV1+YvY1smShyWqqFVKjTT06/8Ahi2Le+5sPcn264TfPFGSWdp3MrpRYXEztDZewwf4jj9VzH2fKGI/EP3THdALE25XN7G3npxZ6RJHw6+/e6yOhACR1hynh709E25dQpBGI410qP8Alz5nCEkjpHZnLsQwshYGMFBSy06sQWVWKm4uAbH0vyxhFpcPVxg2LoCOhYDEUpK+U5U1Y4qqoXQ7xRdAvQkdb/fmdrDGQL1K7GIxDcK3qIN/8ncb9/LxXNOv4Cu0cqeq+HyV/L6m3sV8sTYq3n+Zhc3+bN+8e/oeasTt+IzOMLulKhLH+s21v0+h8sXxQ2jqcE4nd5FeA4++5Hs2y2OoiaGUXR+djY7EEEHzBAOCMeWOzNXGljbI0tdsVUyThyClD90pvJbWzEsWt539+mNSTPkq+CxFh2R3XHmiRKov5VUewAwInmjtbwaEBzDjmgh+KpRj5R3k/wDQED54GZWDin4ujMVJsw+en1S1W9rUF9MMLt/WkYIv21H7YGZ+QXQj6AlOsjgPDX8Kak4pnn3Wqp4h0CxGT6lpBf5AYyJXHjS0/o2KIfAXeYH2P1TJkmdM8hglKGTTrV47hZFBAPhJJVlJFxc8wQeYBmPs0VzMThcjesbdXRB3B8eIPPT8j+1Uv/0upKGxAUt/Z1rq/lvjTtktCe2FmX/U43okXWoYGwW+56iw58jgXRzsmKe13wuG/iKPqjf8lgc8xTxCzofoR90HjrRGoafWgY2RdPjkO3wBrDSLi7nbcWudsRsJc6kSXEsa2x7/AGuc4ro0IV1kQMAQ6ustr/vJpQ/Q/XBX4cN2KUi6Qzmqr34p34Z7NKCWJZxNJMGF/DpQb7/lGofxYqhS1nN6UPAfm02cC0MVLJUU0S6E8Mqi5O5Gljckn8q4tpWHhNvcrq1aRqtbVYXt788aWL4KpnObJTR95JqIJCgKLkk3/wBOuNNaXGgsucGiylSr4+b/AMUAHrI/+Vb/AK4YGG5lCM/IIvwe7Tq1XKVMkn7OyggIqEiwuSdzdj8vLApez2QtR9rtFMeBIqF5+t4ZfDq/Zt4SbX2PXpgke6HJspsh/wD20G9/2Sb2tfwje2Mv+IrTPhCF8WcPJNA/doolBMgKgAseoNuZb9bYawuJcx4zHTb34LnY/AsliORva304nj80kUVZNWpBRW2Rrluukbb9PCCR67fPovYyAum5+/VcOOWXFtZheR37v0EwccZDNI8Bp0JCLoGkgabG45kW9/TCuDxDGtcHnfVdHpPByvewwjYV4clKvB80umeaciqDBr2BUAWsLC24te429+eM/wAxjbYxvZWx0ZLJUsj/AOy77u4cPT9pgzTIYqhkeQHXHazKbHY3t7X3wrHiHxgtbsV0J8HHM5r3bjiFdmo43ZXZEZl+FioJHsTywIPcBQOiO6JjnBzgCQu5ZlUXZgo9Tb9cYc4NFkogFmgqcudwKbGQfIE/oMKO6Qw7TRd9/omm4KdwsNV6OQMAVNwdwRhprg4BzToUs5paaO6xviTtQrUmlhRIou7dkvYu3hJF7sbdL/DhpsIIslJSYlwJAHv0Shm/EddJbv557OuoAkorKb2IVbKQbGxtbngoY0bBAdNIdz9kC29MbQl+jouNqO3xlbflKNt6bAj7451heqPRWKva++whec1rZiqxU0L2DBu+fwhbeXn+vpijqmsPE3AkvmeLqso1J9+ymbIcnWmj0g6mY6nc82bz9vT/AHxYC5mKxLp35joBoByCJYtLLOePeJqo1S0FDtKRdyCAxJGrSpY2Wy+InnuOVtwSPcTlau/0bgoBCcTiPh4b1yvTfXRK2bcCV3cyVFXMp7tC+l5GdjYXI32v7HAjE6rcujD0phesEULNzWgACSKeneQ6Y1Zza9lBY29hjK7D3tYLca8U/wBTwMauGjlokRA8F5SzG2tSL77m5JI8vD0wTISAW8lw2dKDDySMxBJp2nh6d3zQ3hrhZO7nnrJnp0glELBB4te17mx2Fx0PXlbfIAIJcarRMYrHvDmR4docXDNry9ERy/vaHOYIZZC6BtKsdtSyiw/mtf1XFtGSSkGZzMX0e6Roo7kciP19Vrub0QnglhYXEiMhB/rAjDa8kDRWe8P8JwSKjBpIlt8EelLHqNQXXzvsCOZwIFGcOKyntRh7rMGjFwkaKkYJJsoLdTuTe9ydzgrdkJwvRBYs0J0g7gjSwIFrX6e3T1wQvtC6pobotf7H63wSxr8F2KjyAK/5jJgUhHBbgBy6ppgn0ZhCekgaI/Mah91A+eBsOqM8dlOuCoKFcU0PfUsqD4tOpf7S+IfUi3zxuN2VwKxI22kLJL33HI746KST52a1V0mi/dYOPZh/qpwpiBqCmIDuE2VdbHELySIg82YL+uFwCdkckDdAc3zSOoieKBZJzIpQaFYJc7XLkBQBz54MxpbqdEF7g7Qaow9QtNThpmssSDWwBPIAE2Av9BgVFzqHFFsNbZ4KhwxxTDXd73IYCIgHULXvexAvy2PPyxuWF0dZuKxFM2W8vBFaeijRmZEVWc3YgAE++Mukc4AE7K2QxsJc1oBO6sYwiJX4n47paJ+7fW8lrlEANr8tRJAF/Lny23wN0gboujhOjJsS3O2gOZSnP2ss4PdQKu9ruxb7C3646GAw7MQ0ucao7LmdNCTo6RrB2swu/Pb6fNLuacf1b3vPoHklk+43++D4/CRxwEs30XA/mYmU0PQJalz0lw5ZnYEG5JPI35nHAMLnggjdGhw2JztkO4IOp5eqKVnHp/8AHF83b/Af645sfQp/zf8AL39l7V/Sw/wb81p3ZFxA1XRv3ltcUrIbCwsQGHMn94j5Y7MELYYwxuw5rlTSmV5eeKzntWoO6zKQ28MoWW3uNJ+pU/XHQhNtXKxDaf4o9xRXa6PL6ijo4fGvdAmMzPF3TAoiHqLhwbjf54G0HMQSjPc3IHAWtG4bnjqaWCcqhMkalrAfFazDbyIIwJwokJhmrQaXs+z6kpXhWpYI076IyUJBa4G7BSF5jmRjKIHOrQqFeKVOZf8ATxGdSw9+0lxYC4AAHMnceWIsosM0hMvciaPvrX7vWuu39m9/tiK6O6Xs27QqSGnmqB3kqU8/4eXQtij8jcPp8IO1xfflfEUWf9qqPBmK1ETMpljVw6mxuAUNj/ZA+uFZBT163oZzZsIY3iwCRXdv9V7Npmq8jildi8lNOUdmNzZieZO/5k+mKOrATwPv7KQtEHSTmAUHtsD34FHMlqwGyepFgsiNSSbWueS/VwTjQNFh8knPGaxMJ3BDx9/QqnVa4cvmRLhstrtSgHmmrw39DrJ+WMHss/8AUozMsuKa520sdeda/RM0j2qK6ONEkaeCOrhjddSswBU7dd1Q+5wU7uA5WucBcUTnEgNcWEjgN/uUgcfLUg0dXO476VLhBH3fdaCrAHck7uedsBfm0J3Xc6N6kiWCMdkHe7u7F+i2+iqBJGkg5OoYexF8OA2F457SxxaeBpKeXnu6ieL92Qkez+Mf+1vlgLtCjjVoSv2o8KCptMoOoDpz+V9jyFwfIbjGg5YLVlsWTlfDpcn0TSfqXIX3AbBusFaBAMBLrJ05LVeAMu/DxEsACwAsOSgcgL79SbnmSThd5TLQpc+rbSwld2WVCo8zrG3z5Ypm60RoVqWGEqvXxFFms/B9SJ3ESKEDko7OALE3GwuduXLph0TNy6pQxOvQItQ8EsZu+qpQ53JVAVuSDvqBB2vfYDAnTiqaFsQm7cUx0mR08ZukKBv3iNTfxNc/fAjI48UURtHBWaytjhXVLIka+bsFH3xkNLjQWiQBZQxsypa2OWCKeOQujKQrAmxBF7c+vPBMr4yHEIeZkgLQbWa9j9YY62SFtu8jIt/WQ3/TVh7GNtgIXOwDqkLSjWR8WVVdmXdRuFpkZnOlRdo0NhckE+I6eVueBPgZHFmO/wB0dmIfJNlbt9lpeEU+vz12yQmLM5PKVEkB+Wg/dPvgRhBJK6sHS0kMIia0acT48klpMfM/W2DxOdECGGrSGLndi3AzUa20Gl/6Rug4Uq5U7xYGEYFzI9kUDz1ORt1uMQkndAFAaIPKQpNyCAdyu9wOo5X9MZVq3nOTyQvMNDtHE5XvdB0kXspvyGoEG1+uLUTx2A5lpq6iAn+liEg942sfmRJ9sRRHO3Sg2ppx0LRMfezL+j4PAdwlMWNAUh5HmuYd33FJJUd3c+GFb2J52ZVLL8iMEcxh1cgRzSAU1Tp2d5iQCKRt/NowfmC9/riZ2KCOXvW28b8Mx5hSSU72BPijc/kcX0n25g+YJGE10lnXZFJPNmlVJVAienp0pnvzuGAufMnuwb9efXEUPBLEmXCOlrqxQRXZfmRdpLm7IXAsf6pYk/I9CcTgpxRvMKZZJ86pl+CtpEr4R5lQHNvUuftiKKTiiX8XkuW1fNkXunPrbSxP9+P74BONivQf8flqV8fMX8v9qHgWZXosxpXZVDR94mogDUL9T6hMCb8Lguj0i0sxEMzRsaNcvdrrg/P6RaQwVjOphnFRDpBJJG+kEA23vzt8XPFtLctHnYUx2ExBn6yADtNLXX9ffJd1PHyLUVcsNPrSqRAyTWsGUFblRcMpHS4vis+pIG6pnRLjFGyR9FhOo5HXfSigubcV1FTVpUR/spEUJGsV9gL7et7npyxRfZvim4cBDDAYnagmzaKUPC+Y5jMr1PeqvJpJRpsvkim3ysLX54sMc86peTHYPBRlsNE8hrr3n92tvghCKqKLKoCgegFhhxeNc4uJJ4pL4yY09Sk5H7ORQjN0DAm1/K4Nh/ZwN44o0R0pV5eIodPiYW9TgOqLlQ5Yu9N4aaST1CEL/E1l++NgOWCWDiicXD9dILWihX+s2o/Rdvvi+r5rJlHAInknBKRSrNNI00i7rcaVU+YW5ufUnb3wRrQENzy5W+Pe8FBO0LsjourUpsbAgtuN/hvhiCusFpbEZhGS3dJnZbxLDDTzrUTKmmQOC53bWN7DmxupO3nhnFRFzhlCUwcwDDnPHinTJ+MqOpk7qGW7nkCrLqtz06gL7b254WfBIwWQm2YiN5ppSpxN2iSioamoog7KxQsQWLMOYRV8rczfkduuGIsKC3M8pabGEOyRiz74KlknaFVx1Sw1yAKzBWumhk1WsfIrvfly3B89PwrCzMwrEeMfnyyBBMyjauzhoZ5GVTM8Qt+VU1WCg7C9hv5m++CsIihzNHBBeDNPlceKh4uyg5XWxGB3IAWVGa17gkEEgAHl5cmti4X9cw5vBZmj/jyAtPeoM8DQ5k5gbT3j6kc8gJ1vf2AkIv0ti2U6IZvdKSWyc5eP3RDgTNxltXJFVR6NVo3Y847G4PqhvckdLEeucQzrWAtK1hZBC8teK+y22NwwBBBBFwRuCD5Y5S7CyD/9QmX+GkqB0ZoW/vDWv00P9cRRZ1wM8P4+m/EW7rvPFq5XsdOr016b9MWomTLYa2hze7CTxSkyyEHRJETdnZuVgl23+Ej0xSlpWq860VM8lKQiSSOU8CkhSxK21KSmxHKx6dMQKKDP85aoZGZ5GIjRW1sSNarpJAvbcAHpuTiKK72cZn3GaUj3sGk7tvaQFN/S7A/LEVr9O1lFHKAJY0kCnUA6hgCLgEAjnud/XFgkbLJaDulfM+Me5193DH3MTMmp5ViLsnxiFLEtp5dLnYYZZh81WdT3X80q/FBl0NB3141zTPTVyOitcDUAbEi4uL2O/MYXLSDSaBsWrOMq1nUNHJBxI7rG5hrKUa3CkqrrsNRAsu0dt+reuIpapcX8DVzVFY1C0Hc5iirOspIKMu2pbDqLm++7NtyOIpdcEUzXsvhnFHqnlRqWBadmQ2Msai1j5X8XyYjEU1RqLgqmShahQOITci7airE6rgnybe3v54y9ocKR8NO/DyiRu4Wb1HZRWB7K0LL0YsV+o0kj5Xwv1T16hvT2GLbIIPLT8ovl3ZB1nqfdY1/zN/8A5xoQHiUrL/yH/wCNnzP2H5TPl3ZvQRWJiMpHWRifsLL9sbELVzpemMXJ/lXhp67+qZaLL4oRaKNIx5IoX9BggaBsufJK+Q28k+Oqs4tDWY5r2psZDHSU/eb2VmuS1vJF3t5b/IYeZg9LeaSD8cAaYLWklVkTxLdWG6sOh6EH9MIlPqrR5LTxG8UESHzVFB+wxFDruo88z+npFDTyBL/CNyzewG59+QxtkbnmmhYkkbGLcaQTJe0KmqahII0lBe9mYKBsC37xPIeWDPwr2NzFAjxcb35QlrMeOK2qqWp8uQDSSA1lLMF2LXfwqvlt5edsGbh42NzSFAfipHvLIgoeH+K6r8U1BmB1CW8LXChkZhYbpYMDe3XmCD53JCzJ1kfDVVFiJM/Vy8dEq8IZJHNXLTVBZRd1IU2JZATa5Gw2OGJpC2PO1KQwh0mRyt8U5euWZkhi1aEMcyAm5tfcX67qw9jjMTjNEb7wiSsEEwrbQqenmFHnZZyAgnYljyCSg2JPkA4N/TFEdZh9OX0WgRHidef1Uva7PC9WjxSI57oB9BBsQTa5HWx5egxWDDgwgjirx1ZwQeC9xpl1RBUxV6obOI5ibEhZFC6g9uVyL72vc+RxIHNcwx+I8lWJa5kglHcfNRZtU1mcyxaKfSEBUEA6Rci5Zzt05e9gcWxrMODZWZHvxJGVqaOJ+ziSd6fupEVY4EhZmvc6NgQAN7j1HIYBFig0GxubTM2Dc8tynYUmfPeD4KwRGov3kYALp4S224Ox8N9/MdDubgjndHeXZMS4ZktF26LZRlkdNEsUQIReQLFrfNidvTlgT3l5sozGBjcoSv2w5d32VVFh4orTD+4QW/k1DGVpfmgPi1adcvzqTK5NMpaeQxaJKZm/Zxq4B0sTq8drXCrYXtc9KU8UO4lhpXgjq6RGiVpDDJCx1BHC6wUPPSR/hy5YipLBkxFdLlZipDKbMpDKfIjcffEVr9h5ZXCenjmS37WNXX+8oI/XFrKzaCkjlSniqYy0oqJ1fXIB+10rIyjRZbO4AG+3TmLdEuc0ksOlD5bei5Qa14aHjWzfjvw5qjBS1RUH/o8B94WX7FxghLP/AJD80IdYR/8AqHqtkxyV2lRzrN4qWIyztpQbeZJPIADck4y5waLKNBBJO/JGLKSpe1WNdLmkqBCxsJCAL+w+En01YD145LrjoN5tokbmHD3r6J9pKlZUWRDqR1DKfMEXGDg2LC4j2Fji1240U2LWV7EUQriLNxTRarXYmyj9ft/hhjDQdc6uCQ6RxwwkWerJNAITk3GEbALMxDHrpso+YYn5kDDM2BcNYxp46rnYPpyNwyzmj4UPqfnompTcXG4OOcu+DeoVPOcwSngkmkDFEF2Ci5ty23GNMaXOACp7g1pcVgXDOetRVBlhTXdWQK3kSLXt12Gwx15Y+sbRK4kM3VPzAWtCzLMc2qYaZ6ZGjMiN3qhVTSwcgbybgEWI3wm1kLXEOO3vgnnyTua0sG+/spUzOvzPLp42mmkLEawplLowB3BBNvTltfbDDWwytIaEs6SeFwLyuu0KqEmYxvISYXSFl3/8bWJt/NiYYVGQN9fmrxRDpQTtp8lrmX8OUkJUxU8SsvJtALD+8d/nfHOdK925XSbBG3UNWIVtI0GYyw981OO9ZO8BI0oxuL6SDYgrffHUBDogavRcggsmLbrXdHfwmVUrCWSrmqplIcCK1iQbg35c/wCvgWaZ4oNod/v7JjLDGczn2e7391R4qdqTN2liF/Gs6D94OATy6ElhjcQ6yGj4Ic5MU+YeKs1WWZhm86vJD3SgadRUoqrcnbUbud+n2GMh0UDaBtW5suJcCRQT/wATcBQVehizRyIoTWtjqA5ageZHnt+mE4sS6NOzYVsmvFVMn7NaSnYSSM0pXca7BB6kDn8yR6Y1JjHkclmLAMDuZTHPxHTIbGZfLw3b66b2xy3Y2BpovH1+i7DOj8S8WGHz0+quz1sabPIim17FgDbzt5YbDSdkkXAbqOqzWGP45UXxaeYve17W87b4sMcdgqc9rdyhM3GMOpVRZJGa9rIQNgtj4rHSdS7gHqemCCB1WUE4ll0LPv6IxldSZYkkOkd4ocBTcAEAjcgX97DA3CjSKx2ZodzXdfSrLFJE3wyIyN7MCD9jjK2vxxIjwyFTs8T2PoyG36jEWkxZ5xFTVb99NTSLOQNZimCpIQAASGjYjYW2+uIpSC5jmRkVUVBFElysaknc2uzMd2Y2AuegAAAxFKUFFRSzHTDHJK3lGhc/RQcXSouATdlPZVmc9v8At+5U/mmcLb3UXf8AlxKVZuS/RvDeVClpYKcNq7mNU1cr2FibdLnpilAhc3BcMkzPK7PG0jS9yQunWyhSSbajsARuLEYYGJcG0N9rSpwrXOJcdLuu+qUh4KoesNz5mRyfqWxX8mXn9Fr+LFy9T+Up5x2cSxRmamq53qEGrxNbXbnpI3B8rk35euOe6EgWCvUwdMRvfkmjAYe7bx9hCKmumzfLhGvjqqVwzqNjIhBXUBy1C+49D5gYySZG1xCabFH0disx0Y8UDyO9eHvgiJ42rUiVZ8qYrGBcsjqo09d0IW1r+mLMrgNW/X8Jf/xuGc8mOfU94vXz1TzwjxHHXQd7GCpB0uh30sADz6ixBBwdj8wtcfG4N+FkyO14g8wrGfTzRx95CU8PxB9gR6G43/1w3h2xvdlfeu1Li9ISYiKPrIa03B5eNhLlLx0f/JED6obfY/64df0aP8XfNcWH/kR//oz5H7H8oZxfnCVDRmMnSq9RYgk7j6AcsHwcDomnNvaR6XxzMU9hj2A9Tv8AQJew4uSm7hTNKhgIVDFE6qouATyLMbKOfQm17Y5+LhiFvO597Ddd/orGYlwELbIHIehJNAeRNbJ3qadZEZHUMrgqynkQdiMcgEg2F60gEUViXHNItDmavEoVB3cyKosBY2IHuUP1x1ICZIqPeFyJ2iKYEdxTb2scQTwpAsDlEmDMXXYm2mwB5j4r7b8sL4SJriS7gmsbM9gAbxWdZzBD3MUgqmnqJLGRSD4ARuCzE3YHbnvzw6wuzEZaCQkAyhxfZPomU8OyZhl1NNBZpoFaB0uBqVWOmxO1wDyPO/puDrRFK5rtjqjmJ00TXN3GinjyvPJ1ELu8cYGm7OibDbcp42+98VmwzTa1WLcMu3yCcc14Egqo4vxBYTpGqNLGba7C24YEEX9L+uFWYlzCcuyakwrZAM2/cuMr7NqGI3ZXmI/+q1x/CoCn5g4t2LkdtoqZgom6nVNqoFAAAAAsLbWA/wAMLWmqQCr44oI0lf8AFRuIbd4Iz3hW5C7hLm1yBfkCRiLVLqr4rjSso6VVLmsV3SRSNIVEL39bgbW88RUu+NINVI9vykN9Dv8AYk4R6SZmw7u7VdHop+TEt77CE5xDStA1u7UBNURUoDfTsAAdTXPO+FcSzDGE7AVYquW3M96cwr8UJhuTdOu9r35Dupcf/D7VndT6wqyQqknO9wsiMQOXiVyLnlbbHZwWJvDtJ3r8fcLgdI4P/wDKeBt/v7FWqrglXR/2x7yS9302A1GQvZVKnxGRzZmYDbywcYiiNNPf4SrsJYOup/d/XiUWy7h+KF3cDUXYNZgtkI1W0gAWPiO/P6YG6UkAIzIGtJPsKPOOKaOmBE1VDE1tgXGr+EG5+mB2j0UH7LOKXr6ISTMrTK7oxUWB0kEEDy0uuIqKS+MuxqaorJJ6aaJY5nMjLJqBRm3bTpBDAm5302vb1xYUsqfKuwiEb1FVLIfKJVjHtdtZP2xFLKccq7NMsg3WkRz5y3l/9yQPkBiWqrmi9VnVHSjS0sMQH5AQD8lG/wBsEZDI/wCEErDnsZuQEu5h2pUaf0YklP8AVXSPq9j9sNM6OlO+nvuS78dC3Y2lnMO1qdtoYI4/VyXP20j9cNM6MYPiN+n5Sz+kT/i35pZzDjSum+OpcDySyD+Sx+uGmYSFmzfnqlX4uZ3H5IDJMSSWJJPMk3OGAANkAucdSV+g63jSijh778RGwtcKjAs3oF5397W62x5EyNq7XtI+jsS+TJkI8dvn77kiVGUVHeR5rlakiYa2hOxBPxixtrQkdOu46EAyn42LstxEOR2DxZ+HQO+ngR+ii0vEGb1CGOOgEJYaS8h2F9iQGt/m9jjWeQ6UlRhej4nZny5u4fr9I/wDwuaCnKMwaR21uRyGwAAvzAtzwSJmQJLpLG/ypcwFAaBMcsYYFWAIOxB64KCQbC5r2Ne0tcLBWdcT5A0JaRVVYr2WzEnf33v9sdvDYkSANJ7S8X0l0a/DuMjQAzhqT9dbS7hxcheGIotE4DoSkBcixkNx/ZGw+98cbpCQOkDRwXsOgcOY4DIf8j6Db7pmwgu6kvtA4NeveFo3RNAZXLX3BsRaw3tv5c8NYecRA2k8VhzKRSMPwzFLSRU1T+17pVXXupuotcWNwbeu+BdcWvLm6WjGFrmBj9aXGU8GUVODogViwsTJ4yR5eK4A9sW/ESO3KpmGiZsEciiVRZQFA6AWH2wIkndGAA2XeKVr5fEUVbNIXeGVY2KOyMFYc1YggEeoO+IosBqMkaqyNszeeokrYyQS0h8KK3dlLdPB4yeZN78ziK7Npt4gyWkp6rKZ6eCNKaqvSyqigCRZ47Jrt8XMksdzYb7YnFZ2CF5bC2XZvFDVOTT0FPPNDJYs3cvsAwFySh1LsOnlbEVrYoqqKenWS4MM0YYE7Ao4vvflcHGXNDgQditMcWuDm7hJ9XxLkdH8U1OWHRbztf8Au6rH6YXjwcDPhaPr9U1JjcTJ8Tz9PQKMdo8k21BllZOPyu6iGM+ztfb6YaopPMOa+24gqOtHQqfeaQfrGcSlL5BfP/lq829dmVZUX5ord1Gf7i3+xGJopbuaMZR2d5bT27ujiJG+qQd4b+hkJt8sXazlHFH6SrhYmON4yUtdUIOm/K4HLFlrgLIUBGwVrGVpeJxFEkdrcLGh1oxASRS1iQCrXXe3Pcrh7o8jraPEJPHZhFYNUsmybJGnWRw6RpEVDltRPjJC2VFZjci3LHZkmDCBVk++K5McJeCboBF4uCZP2oJ1PE5UKvJwqq7WY7g6T+ZQLkC99sAOLbpXEfLgjDCHXu9ffgrknBsXfSKkkkgRypjVbEBo2liOvxEqVWxIQm+yqbjGBinZQSKsb+dHT9+K1/Fbmq77vKx7pT1eV0MGhGVAJSyO0jMZEV4g6MFBGnRISpOm/hseeMtkmfZHDltvR+Y13RDFEzQ8ee+2h+fcqtVnSsxaGv8Aw8Ztph7hv2YsPD4VINuVxz5402IgU5lnne6yZQfheAOVbeieZeEMqpJIjJGoMrlE712ZdQVn3DHTayn4uthzIx50RMC9U/pbFvbWevCh6hHJuKaREVxKGRkLK0StItl25oCoN9gCbk7C52wVc27Qqt7QIYw7CN2QBWRhsZARTkkKbEWFRGbNYmzcrb1aukU4V4iFYjOI2jsdlbmUbeNuQtqWxt05dMWq0RCuzBYt5AwX94KWHzte3zwWOF0mjd+SWnxTIBclgc6JHpdeaWs94ujKFIl1k/mZfCPkeZ9x9cPwYB4dmea8Fw8d05E5hZCLJ4kaDyO58kkJGWNgCSeg3Jx1CQBZXmAC40NSmvh/hBmIecaU56PzN7+Q+/tjn4jHNaMsep5rvdH9CPkIfOKby4n8fXwT0LKABtbkAOnsOmORqdV6zRooL4ZfQ/p+uJSmbuXM04VS17AAsT5Ac/ni2tJNLL5A1ubhqfIbofk2dx1AYoW8JAYMADvyO3TBpsO6IgO48kng8fHiQSy9N7ryOiJ96Om58hgFFPZxwQ+bPIFOlpowfK9/qRywYYeQiw0pR+Pga7K54vxXObZwkMPenxA7KFPxk+R8vX/huGB0j8g874LOLxrIIetOo4Ud/Pl78V/Lc/qppV0QL3ZYA+E2tfe7ctsOSYaGNht2vvguRh+ksXiJRkjGUnXQ7cddk5R8vr+uOYV6RuyDZVwpTwRTwqpaKpkeSRHNxeT4gBYWWwtbFLSL01OkaKiKFRAFVQLBQBYADoANsRRDc14bp52kd4x3kkDUxk3uI2vcDe3NicRRKdD2QUQVFqJKmqCABVllIVQOiqlrD0viKa800UPD9BRKXjgp4Ao3k0qpHu53+pxYBJoLJoCyvV/FdLFCJzKGjLaAyAtdrE229B1wVsEjnZa1Q34iNrcxOir5vxT3dJFUwwvMJiAqjYjUCd7BuVrbX3xpkGZ5Y41SzJiA2MPaLtGMoq2lhjkdDGzqCyMCCp6jcA88Be0NcQDaMx2ZoNUh9XxbRxyCJp11k6dKgtY3tYlQQN/O2CNgkcMwGiG7ERtOUnVZ/wAFsKTOJ4D4UbvFHlYftFP8AP1w9iP7MOHeH4XOw39WJczx/KaODeKJ6+eYhUSmj2BAOpiSdNyTb4QSQB5YWngbE0cym8PiHTPNDshJFE1ZX1L0M1S2kOxkJ/8A67iwAsNz05XsemF9ALXvZBhsHCMTGzWhXnr7+S03Nsmvlz0oJbTBoUnmSq+En1uBjUD8kjXd68biz1+d1fFZ+6xLhrPPw3fXV2WaPQQkhjYEMCCGAJHUfPHoJ4esruPivPwTdXd8eWiu1fGs7bKsYRdOgMO8KFV0hgz7l7Abm/IG2BtwjB48eHsIjsY47DT5+aHUsFZUH9ms8lwq3QNbwCyXI28I2BPLBXGKP4qH73Qm9a/a+HojmX9mddJ8SpEP67i/0TV97YXf0hC3bVGbgZXb6I6nZC1t6sA+kV/84wD/AMoP+vr+kf8A8af+3oj6cO1spWSeSHvQq+LxNup3so0qmtSwaxO5Fj4d+QupqqubcFSLD+zkkmkLoxUd2qHuxHpJDXNtUMd/FzZyBY6cRRNkHD1MhLCFCSSTqGrci22q9tgF26BRyAAilImTiK18DA8iDi6pUCDsqsuVQMbtDGT5lB/pggnkGgcfml3YLDuNujF+AU1PSRx/Aip/ZUD9MZc9zviNokcMUXwNA8AAu+8HmMZoreYc0J4hhnaI9w2ltQJ8Wk6befTffDOGdG1/9mor1XP6QjxL4v6DRvnWlc0p8WNIj00jOGYRjxA3GpTckfUY6GEyOD2gaX6FcDpXrWPhkc6zlGvCwdfsjjcXUzHTaQh/CTYWGrY9b4VGClAvTRdQ9M4VzsmuumwoX6pTy6tnppZEiF3JKEadW6k8h588dCSOOZoc7bdcDDTz4SV0cWp22vbkjtTWVn4KZp7i5UKSArWPxbC1hyG/mcKNjg69oZ3/AKXUknxwwUjptLIrgaO+3l80AoqQyRHTEmx8Urva3tdgBt6HDj3hr9XeQH6XJhhdJCckY73E1XqB9VNJD/2ezhxHNuBeyhl8yBzI/wCXxkO/u2qwiPYf4Wjryv4XpY7+9PnD8munhPTuwLcvh2P1xyMQMsjvFerwDg/Dxn/6j00Kj4p4jhoYDLLueSIObnyHkPM9PoCq94aF2MJhX4h+RnmeSxbM+NMxrpNETSKD8MVOCNvUr4j63NvQYWLnO39F6ePAYXDNzOrxd7pdLwvnCjvFjqB1usvi+gfViZXcj781X8zAnskj5fpFeGO0upppO6rg0iA2YstpI/fYavUHf16Y02UjdL4roqKVueDQ+h9/JbNTVCyIrowZHAZWHIg8iMMg2vNOaWktduFl/bJmaMYoEk8UZYyR2OxIUoSbW5X69cdPAMItxG+y4/SUgNNB23Cj72Gpyqojp6d4lgCTam3DsNnIO/5VPXr0xKcydpcbvT8KdiTDuawVWqu8JZhI2STiJyktPrsRzsLSbX8wWXGJ2NGJGbY/6RMPI44U5TqL/Kr5NxFO+TVbd47TRtp1EksFcrc357Avbyt6Y0+FoxDRWhWY8Q84ZxvUKbsrySkmp3eREklDkENvoFhpsOl9zq/0xWMlka6gaCmAhjezMRZQjtJgVcwjlD2jnVdTofK8b2P9m2C4QkxFvEf7QsaMs4deh4+hVrh3MKjKapqSWNpIXbUNC3JvYB0tuRYAFeltvXMrGYhmdpoj3S1C9+Gk6twsH3aLx8P1C5x+Kij/AGDHUWJC7OlmuCQ1772tjm3pS9r/ADYH9HdU53a4DXgbHpotExlcFIlP2WUgdmdpHBJIQEKoBOw2Grblzx0D0jLVBIjo+O7KYcv4WooLd3TxAjkWGpvq1zhZ+Jlfu4o7cPEzZqMgYAjrBs77cKvUyQ0sUJUlT3haRgQbdNIBv74i1QSvL2qZsST+LIv0EUVh7XQnEpXS2Ku7U4FH7KJ39WIQf4n7YfjwDnsz2NRYXOxOOEMjospLmkg+I0S83azIZBq7uOPe+kFmG22+/X0xw5nTuYeq3980XA4h8k7euZTNb35aevcjfA3H61VX+Hu51IzKzAAXW2w3vuLnl0xnBx4ppJmdY5ewutin4dwAiGqfq1mCsV3YKxUH94DbHSYASL5hcyYuDSW70a8eCTsj4usr/iXYsCChVRc3vcbC3lz8/THTnwWo6oeK85gemaa7+S7XhQ+Y2pEKTi+ORyoSTZWYG4udKliLDYbDAX4F7RdjcfhORdNRSOLQ07E+NC6rwCvZBm4qkZgpVkNipbUDttvb/lsBxEHUuAJu+KawGNGLjLgKI4Xfgh3B2dyTySJMQSo1LsBbexG3uMHxmHZG0OZ4JPojHy4h7mTakajSq4FAINYmq4SxJdZOvNlOofUAj54bdlLI3jhXrouTGXiaeEncO8yNfoD81Hl9MZ6SRFF2gYSKPNWFmA+gONSOEcwJ2cK/CHBG7EYN7W7sOYeB3A+Vr2T5rBCoLUweUH4i23O42IIBHoOmJNDJIdH0FMJjcPAwF0WZ443/ALr5Ixm+USyslXTAhnUOVuAQbcxewII/5vhaGdjAYZeGi6OLwU0zm4zDDVwBriDz9/dWckoatnY1ZJiZSpRmB1X5WAOx9dsYnkhAHVbjiEfBYfGueTij2CKonfwA29F9bgmEtfVKB+7t+tsUOkH1sFD0BAXXbq5afVHqTKo44+7VFCHmrDVq9WvzOFHzOc7MTr8l1ocHFHH1TWjLyOt+KtxRBRYWFhYACwA8gOmBF1phjA0UFg3aHXSV2aGFNwjinjHS97MT7ve58gPLCbzmd6L2PR8bcPhM7uIzH7eia8zqjlvdZdlkYerlF3kIBN7Hffa+xO/hUdDfGycvZbuufEwYvNicSaYNh7+2pKVsz4lzahqNM8zhxZtLaWVgfQbWNiNrHnyxjM8HddCLCYLER3G3TztNPG9JFmOVpmKIFmRQxt5BtLqT1Cm5BPkfM42+nNzrn4F78LizhyeyT/o+a67EM5Z45qZjcRWeP0DE6h7BrH+8cXCdwq6bgDXtlHHQ+W3vuR3tMyOOSjmmEa98mltdhqspAIvztpJ29MdLCSkSBt6LyuNha6MurVc9mswqMs7pt9JeFvY7/wDq9vli8WMk1juKmCcJIKPeEv8AZIrLLVU7qdJWzbG2pCVYX5XOr7YPjqLWvCW6PsOewoj2d8L1FO9SlRGO4lXRuVOvSSB4QTsVZueB4qdjw0tOoRMHh3xlweNCu6jspgLkpNKiH8uxsPIMenvf54gx7q1Cs9HNvRxATHT8IUixQxNH3qwBgneeL4jdrjkbn026YXOIkzEg1fJMjCxhoBF1zRrvFG1xt0H+2A0Sj2Avhm8gf0xeVS1z3jeg++JQU1XJ9ST8/wDTFqqXzQPIYllXlCkpHuN+YNsU4aqmnRfnPP8Agwz5/UUayLF3rNMjMCQdS96QACOpb+E4yFu9FWkyrI4mMctXXPJGSrtFGgQsDY6Qyk2v5k4lqa80Dp5FLL3hOi41HmQt97X8hjWY0G3oqd2nF53O55po7R+GkoJ4o4Wd0ljupYgksGIa2kDpp6dcUq2QfhGualzKldwyFZlVgwIIWTwG4O/wvfEVr9SSdD5H/b/HECy7msyipIY61o6gfsgzDmRbqpNt7Wt9cd0ve+AOj392vEMigixropx2bI/GyaIs2y+Hwx6RfwkqhOx82tcj64QMOKk1d9fsu43GdGQdllcrAP1S/BPNl0rjRqV9gTezWvpII678sOObHimjXULkskn6LlcMtg8eB5G/suMvyisYmoiUqxJ6hSb87A9PfFyTwD+t5+6zh8HjnE4iIUSfDfuPBMPDWQPE7SzHVIwPhve1+ZY+Z/1+SeKxLXtDGbLrdG9GvhkM02rjw333JPNEcmyFKdnMZa77eK3hHkPM+uAz4l0oAdwTmC6OjwrnGMnXnwCtnK4tWru4tXO/di//AOcC659VZrxTP8OHNmyNvnQVvuh1398DspjIOKr1ldDANUskcQ83YL+tsTUq6A1SzmXaZl8VwJTKR0iUt/MbL98bETzwQ3TxjilbMu2XmKel9mlf/Ko/zYIIDxKC7Ft4BaflNaJ4Ipl5Sorj+8Af8cAIo0mgbFrBhOKbO2eXZUq2LE9FZz4vax1YSHZdrzXsi3rsCAziweg2+yd82ielz+GpZS0VVpjVhuAxQR297hT7E+RwU9mS+a5cRbN0e6MHtMs+V2l/tvP/AH0Q6CAf+8mMy/F5JzoMf0O/9vsEep70vDhEos0iMFU8/wBq50/Y6vri6qLxSbv7uk+xwI9Bqg3YbTE1U8n5ViCH3ZgR/wChxIviKZ6ceBE1vM38h+1sVZTLLG8bi6upVh5gix+2GWuLSCF5hzQ4EHiqmS5JBSqUgTQGNzuTc+pYnG5JXSG3FDihZEKYERGBoq4ke3LmcWAqJUZY+f0H+uL0VaqrU1SIVDk3ble5HMC56AXYC588aFnZUaG6sDFLSiiqVZnVSCyEBh5Ei4v8jfEpSwh9bmpTT4QB36xPcgmzCysNJ2uxXZt7HljQbayXV816szxERmHitJ3IuQql+viPILvc+h54gYVC8KTJc1E6sQACjFTpbUp63VgBqUg8/cdMRzcqjHZkQpzZ2HnvjLtlBo4rI+12T8Fm+XZhvp+F7DojeL5lJSPljARBqse4iqUkqp5IL91JK7pqFiAzFrEC/K9sRaTdwfW5VHCzV0byTBzpUayGWwtsCE53HiOJazS0jP8AjkRZdDXU0IdXIQBzYxg6hvpv+ZQtgeo3xFSxLiTPZKyd55AquwA8AIGwsOZJva29+mItL9V8N5iKmkgn/wDrRI592UEj5G4xFndQ5xw/FUWLg6hsHUgG3rfY4ahxL4tBtyK5uM6NixJt415jfztVaPhCnQ3Ks5G/jbb6L/jgj8dK7Y14ftLw9CYZhsgu8T+PumDQfM/898JWuxlPNe7odd/fEsqZRxQzMeJKSn2lqIkI/LqGr+Eb/bFgE7KEtbvolXMe1uhT+iEsx81XSP57H7Y2IXFCOJjHG0rZj2xVDbQwRRjzclz9tI/XBBAOJQXYvkEIqc7zeqp5Kgyyinj+JkIjHMCw02Zue/PrfGssbTSwZJnAkbIdwbkC5hUGOSo0ORqF1LNIQCTY8hawuT8gemnuyDQLEbOtdqVDkHCNXVgmKLwqdLO5Cqp2uCTzt1sDizI0bqmwvcaAQ3M6FoJpIXKlo2KkodS3HkcW1wcLCy5ha7KVuvZHX97lsa3uYWaI/I6l/lZcKyinLoYc2wJa7YuE2LfjYVuLWmA5i2wf2tsfKwPmQlK2jmXp+h8aAOoefD8fhKHDOdVE1TQU8krPFFURsitY6bMOttVgNgL2GMtNkLpYmCKOKWRoolpv5LQOP+MIqaqEU1FFUhUWRGawKkk35q3kOVsbe8ZqItcfo/AvmhL2SFutHv8AULPOKOKqnM5UUrZQbRwx3O52v5s3S/0Aubjc4u3XZwuDiwbCb8SfegWydnvDP4GlCPbvZDrkI6Hoo9FG3vfzwxG3KNV5npDF/wAmXMNhoPfeuuPq6rhpi9GgZh8bWuyL5qvIn628j0zKXAdlTARwPlqY6cORPeffih3ZzxGZMueWeQsadn1uxuSoGsH18Jt8sVE/sWeCN0lhcmJDIx8VUPT6olkGdR1xE0Ep0qAHibZlJ6MvLexs1yDvbltbXB+oKBiMO7DdiRvgeB80fmHI/L64O1IlUsxr44U1yNpW9uRO/sATjTWlxoKnOAFlD6CpSt7wpqCKjRXIFyXAJIF+QAHPnc+WNOBZusWH7K1KrpLEO8ZgxIIIW1grHayg8wOpxQogq9QQhlTVpT1zGRlRJ4QbsbXeNrWHmdLD6Y0AXM04KiQ1+vEKvXUjTGpMIJWeJHRiCv7WMkD4rEX0pv5DyxYNVfD6LLhd1x+qsJkLGPuS/wCyFnS/9JE4OrnYq4vf4t+d74rPravIapF6KB1vrlL3tYaQoFvIDff1J6csYJHBEAI3U97Op89sTgVR0cEidvOVGbLRIoJaCVX2FzZrxn7sD8sDW7pYPHwxWsAVoqog8iIJCD/Li1rMOarUeWzysUihlkdTYqkbMQfIgDY++JSouAT/AJXwPnc1KKTu1hpr6rTFFudWre2px4t+QxKWbHJHcq7Bzsams91hT9Hc/wCXE0V2Vr+S5XHS08cEVxHEoVbm526k+Z54pVspJ8wjW12FyQoA33YgDl6nBBE4i6QjiIwavX5q1gaMs47V+KauieFadlRJVbxaAzalIv8AFcWsy9PPBomB26XnlcyqWXVmbV1THJLJNNJHHpEl3sq6yQt1BA3II2GDhrBpSUMkrgTaH0WVTS6e6idgxCgqpsSeQvyv88bLgN0MNJ2CNZdwPVSVX4VgkMukORI4+E35BbljsdhytvbGDI0C0RsDyapFV4QpIqeSqlqnnjp37qaOCPSe8uo0o8hAKgsLvax6WOMdaToBuijDAaud40m3hzK4qeslpohrp62jE8ay+JSQSNJ8xZrn0OBucSL4hGjYGnLwIVfL5WaPLquanSCs/FdzYJ3XeRkMHurctK3O/VTb4rYhNEtvRW0B1PqjaoxTUtLV5nFUVMQpqqNjZCZDeRm2CoDZlu1xzsU+U+JgoaqAZHmzQOqQ6mekFMIo4nM6ysfxF9KtH4tNkvsT4Tpttvv0wcZr7ko7qw08+a0HsKr7PUwE8wsqj2urfqmBTjYo2FduFrhGF04lGq7O6U1EdTDqgkjkWSyW0MVIO6nle1vCQMC6oXYXRZ0pMIzE/tAitd/n+VR4p7OPxtW1Q9SVUhVCLHuAB+8W87n4euKdFbrtFwvSn8eHq2s1539q+6OcM8G0tFvEl5LWMjm7fLoPkBjbWBqVxOOmxHxnTkNvfimHG0mlPjziiah7gxRLKJWZWBve4AKhbX3O/Q8sClkLKpdHAYOPEZs7qqlRhpIZqSoV6aSklqQZXgjZTJIqablFOw1fDYqpuTtvfGaBadKvgiF745mlrw8N0DiDQu9/Dfcrrs/z+gc/hqOCSJtJZtai502F2YMxJ3tvi4ns2aFOkMNiWjrZnA8NPsKCdZh4T9fpg43XJOyEcQUPf08kY3JF19xuPqRb54Iw5XArLxmbSC8J5VVU+u/dorgXDXc6gTyClQBY+Z5DBJXNchRsc1MK0xLB3cuRyFgAL7GwAvy8ycCvSgjVrZU7AczbbkTilZpcmUe/ti8pWc4X0ajyX64lAcVMx4BcVb92jSSyKiILsfIDFZgpTiuUqYhCalX7yMIZAwN7qBfb5YouKsN1QvK+LBUUE1VHGUaJXujb2ZU1jccwQVPzxlaShRZjnjxxujxyLIiuGKLezqGsbLba9vliaKrKbG7QKDvUiWbW8jqg0KSLsQBdrabXPO+CdU+rpY66O6tMdZMUQsBe2KjbmcAs4iQxxl44Jdq+ICBcsFHyH3OHxhWDUrhP6Tlcab6IXPnakAmQEE2BLCxPkN+eDsibwSMuJkcaNq/w4hmm1n4IeXq7C38qE/xjywvjHBjco4ro9EMMjjK7YaDxRymzdJKiSBdzGLs3S99wPUXF/e3MGyZicGB52K7LcSx0xhB1AtJ/bVQa6JJQN4ZQT/Za6n+Yri4TTlWJbbL5JY7MsxdqWtpoo4++WIzRHQGZ2BNtWq4OltAG218amGoKHhnCi2tfqusrlnmo6yhr5hBMwSeE1DLFa7EnkBpF15AbajtinBrSCNluNz3gg6HcLrOeIaIVdBViq7ySBe6m7qNjqCq41KTYWLEqN9w4YXAxGg0RSjy0Oa4uGm6E1HG1Mq1kcNI8kdZIZGE8gXSTvssYb8248Q6eWNCN5q+CwZohYFm0NfjOum7iOLQhgFohTxeIDQUtvqNtJ5CwvY22FtdUNSSh/wAhxoNCkg4KzSr0mSKZgBYNUyHwjyAkbUBy2AxeaNuyoiaTdMmW9jUpt31RGnpGpf7nSB9DjBnHALYwjjuU05d2UUEf9IJZj/Xew+iafvfGDM4orcKwbpryzJKen/oII477EogBPueZ+eBFxO6O1jW7BEMUtLiaVVUsxCqoJLE2AA3JJPIDzxFEJzzimlpI45JpRaX+jCAu0m1/AEBLCxBvy3HniKJG7SM8irsmeqoZmb8PLHJ4dSsCGC2ZTY7atW+2wOIrCh7TOO6uniopaV0SKshJ1lblSRGQQTsLBtr+R522nFQJmyuKejrIIJqmSqiqUfQ0oXXHLGNRsVA8DoW2N7aOe+IpZUMPDlb/ANX/ABrvEYfEgAZtQj0kKLabX1WY7874CGO6zMuo7FYf+H1ABzb8N/ny0TRR5LBFNLPHGFkmtrYdbenIE9bc+uCBoBsJB88j2NY46DZEMaQVUYFdrE+2CaFYutF8CueSge+J2VLcVHWMIo3klk0oilmI6AC55YrMOAUyk7lR5NVwVMYlhbWtyLm4II5hgbEH0I8sUXlQMCtV9ZHTxNLIQkaC7G3L5Dc+wxm1sBKXaPXh8vikilIilljJdCV8BBI35jfTiKKTiAvLkZZ7lzTRyP6kBHa/0OIq4LngyaJ8vSlLqJJYpJBGSNQjkeSxt5WOIVAl7grNkp8vj/EI3dV0siNKLaYzZYhr9DoO/ocWVAh2TdpL0cK0phSUwXj1iTZgrEAiwIta2998TdSwNCs2RypDKbFTcHyI3GOpuuKDWq/UdNMKinVxymjDD2db/wCOOaDkdfIrryNEkZbzH1We5XGs0svec0ACjyve5977fIYX6fc4yNYT2avzv/S5HQLGmNzyO1dIBxJlpKu8a3EVi5uBZTt1572wD/jszmyuivs1t3/6tM9KQhzQ8DUfRN+Z5l/0nL4YhvUSjnzsxsXa52Om4AH9noDjtNb/ACJS47BRz/4mHDR8X3QPgnMitZEOj3Q9b3B5+Z1WJOHsW0GEgcFwujHuGLDid7B9+K0LjGg7+hqY9rtExW/7wGpf5gMcVpogr1j25mkL82Uc0iuDE7o52DRuUbfpqUgi/vh4gHdctr3NNtTbQdmmYVB1uFXVuXml1FvXw6yfngXWMboEfqpZNSmnLuxpOc9Sx9IkC/zNq/QYwZ+QRG4TmU1Zb2cZfFY9wJD5ysX/AJSdP2wMyuPFFbh4xwRbM6yny+meUoEijtdYkA5kKAALDmQMYJJRg0DZc12fItA9bENaCAzoDcaho1LfqL7YpWgMXE8s2T1NSQI54kmU6OQZLi63+R6/PEUtVuzOtlV5KWWV5h3MNTE7kswWVfEpJ3sG5X88WVQTrDmEbyPErXdPiFjtf1tY/LFLVKyy3BHn5YipYpm2dT0VPmGU1kjTN+HeSlnYlmeNr+FzuQRZufkw5ab0rXfE08lA+UTCYQxGjFK0pj70xeFCWVL7k2AvvtfY8jfFUNVb4NpKWqbNqenkmnaoiHe1EgVFZ27weCMIumzEm5Bub/OcFZFGig3E+WSnhinaddMlJINrg3Qu0QFwSOTL/DiFUDey0Xg/hh07iomrJaoRxWpw6qojV1G5tu76QF1MeRPni1WqcsUrXsRRexFFxI9v1+QxYFrLnUq9DXLKoZG1KSQDYjceh3xuSMsNEaoUGIZM0OYbB46j6qrxXRGeiqYhzeJwPfSbffA0dIeR5hM6V70riN5Kemql1AEK3d2k2IIudBF7eWLKoIvw/wATzVZWmqaeNTPSd+jX1q4Nl8SEWF+ek3ty3xSl2gWb5qajh+EFAZZmWFQoCgNG5OwFlUaYzsLDfF8VOCsZ1HI7wCknIizWEx91IWKoFiF2X906NrAC5P0imtKpmEQZqLL2UpXQSLEJYyF/7exuytf80f5SLg6tt94qtH63gudYJKKmkjFJMQT3hYvFuNfd2BDarXsbWJPntFNdk0//AA/S/wD8aHYW/o16beWKtXlC/9k="/>
+          <p:cNvSpPr>
+            <a:spLocks noChangeAspect="1" noChangeArrowheads="1"/>
+          </p:cNvSpPr>
+          <p:nvPr/>
+        </p:nvSpPr>
+        <p:spPr bwMode="auto">
+          <a:xfrm>
+            <a:off x="155575" y="-144463"/>
+            <a:ext cx="304800" cy="304801"/>
+          </a:xfrm>
+          <a:prstGeom prst="rect">
+            <a:avLst/>
+          </a:prstGeom>
+          <a:noFill/>
+        </p:spPr>
+        <p:txBody>
+          <a:bodyPr vert="horz" wrap="square" lIns="91440" tIns="45720" rIns="91440" bIns="45720" numCol="1" anchor="t" anchorCtr="0" compatLnSpc="1">
+            <a:prstTxWarp prst="textNoShape">
+              <a:avLst/>
+            </a:prstTxWarp>
+          </a:bodyPr>
+          <a:lstStyle/>
+          <a:p>
+            <a:endParaRPr lang="en-US"/>
+          </a:p>
+        </p:txBody>
+      </p:sp>
+      <p:sp>
+        <p:nvSpPr>
+          <p:cNvPr id="60426" name="AutoShape 10" descr="http://blog.webafrica.co.za/wp-content/uploads/2013/07/social_media.jpg"/>
+          <p:cNvSpPr>
+            <a:spLocks noChangeAspect="1" noChangeArrowheads="1"/>
+          </p:cNvSpPr>
+          <p:nvPr/>
+        </p:nvSpPr>
+        <p:spPr bwMode="auto">
+          <a:xfrm>
+            <a:off x="63500" y="-136525"/>
+            <a:ext cx="304800" cy="304800"/>
+          </a:xfrm>
+          <a:prstGeom prst="rect">
+            <a:avLst/>
+          </a:prstGeom>
+          <a:noFill/>
+        </p:spPr>
+        <p:txBody>
+          <a:bodyPr vert="horz" wrap="square" lIns="91440" tIns="45720" rIns="91440" bIns="45720" numCol="1" anchor="t" anchorCtr="0" compatLnSpc="1">
+            <a:prstTxWarp prst="textNoShape">
+              <a:avLst/>
+            </a:prstTxWarp>
+          </a:bodyPr>
+          <a:lstStyle/>
+          <a:p>
+            <a:endParaRPr lang="en-US"/>
+          </a:p>
+        </p:txBody>
+      </p:sp>
+      <p:sp>
+        <p:nvSpPr>
+          <p:cNvPr id="67586" name="AutoShape 2" descr="data:image/jpeg;base64,/9j/4AAQSkZJRgABAQAAAQABAAD/2wCEAAkGBxMTEhUUEhMWFhUXGR8bGRgYGR8dIRshIR8dGx8gIiEfHygjIB8lIR8cIjIhJSkrLi8uHx80ODMtNygtLisBCgoKBQUFDgUFDisZExkrKysrKysrKysrKysrKysrKysrKysrKysrKysrKysrKysrKysrKysrKysrKysrKysrK//AABEIAQkAvgMBIgACEQEDEQH/xAAbAAACAwEBAQAAAAAAAAAAAAAFBgAEBwMCAf/EAEwQAAIBAwMBBQUFBQMLAwIHAQECAwQFEQASITEGEyJBURQyYXGBByNCUpEVM2KhsXKCkhYkNENTY3ODosHwJZOyo8NERmWzwuHkNf/EABQBAQAAAAAAAAAAAAAAAAAAAAD/xAAUEQEAAAAAAAAAAAAAAAAAAAAA/9oADAMBAAIRAxEAPwDcdTU1NBNTU1NBNTU1NBNTVSa5wpKIWlQSspZY9w3lRnJC9SODzjyOs47QdpbZcZ46dLtVx7iE7umDKrEnqX7onnIGS20Y8uToHq89qKKl/wBJqooz+VnG76KPEfoNKVV9s1tB+6FRUf8AChP/APMroXa+z9np4JKikoJq94pe6YMjO+7822TC7eR4lXz+BwSi7W3hwFp7GY16DvJ1UAfIquPloHXs9eFq4EnRJY1f8MqbGGOOR/3BI0S0oXeluctJGTWQ0EykmYookTb5cyAFSOOh6556aW7ferVQSGoqbu9bUbSgYuZAoOCwjSPKoGKjqfLroGC+/aRTQTNTwxz1k68NHTR79h9GPTPkQMkHg40w2m4ySrEz08kW9CzByvgYEDYRnOTkkEDGAc4OBpNtXb4PETQWesZDzEREkcbk+e7dgA/mAOu9PDfqpHEz0tAr42mNWllTkHGd/d8jjPx8tA9yOFBLEAAZJPAA0FoO2FBNKIYayCSQ9FVwc+fGODx6a50Nmjp6GSGsnapjAdppKglsr7xzknCqPIdMZ0C7C3eyTVDJbYolmVSdy05Q7cgHDFAfMcZ5+mgfdTST+1L5IzhKGliXJCNNOW48iwjBPxxwdOUAbau8gvgbioIBOOcAkkDPkSfnoOmpqamgmpqamgmpqamgmpqamgmpqamg+NnHHXSP2moo64xwSXQIE8MsFMyxvNKBkry7MBjJEXPqScAi9XduYhVNR08E9TUL7wRNqJkZy7uQFX4jPpyeNcL9RXhwGpGoIXI53K7svykK4b6xjQL9P2rgjdTRWaumeOMQCZoSvgXjbvbLHGPxYOmSavrEpoWt9sRS+Q8UrrCYccDKgYYHnofTjngI/ZSu2F7lfpUXz7nZAB6+PjI+g0p1tDYUb/O71VVQ/L3ryKfmY0P/AMhoGiqufaD8b2qmHq7tx+pb+mjlH2upYqYJU3WkeoAO6RWjxuJJGEU9FyAPXHOs0al7Py8UFrrK1hwe678Ln+JmfK/QaK0VFM/3cPZamj8t9QyMB8SWQMfkCToOElXYWkPtVdV3KVm3BG71l3c+6iKqevGSAPhotR3+GM/+ndnJy3k706wA/wB/ax/XQyvir6RcNdLVbgesVNGoP0GzeT8tL7XOObKLWXi6Sn8MG6GL5YIdh89ugdLr2jvxBLpQW9D0aomUsPjncR/06Wau8U5B/aPaGpmfHMdCpRPluCbG/Qar0/YCqjHfmhoadeua+oaQ/M4Ij/xLnVhq6ONcVF9poB0EdtpxgfKSNARoDvZgS0GXttkq5FqFVmkqKlFZhyVyo3BTyeuDzp1utFcX7v2F6ejjZMyJJEHkRz6bWMbY4HpkHkg8ZDSVFFIxb2q+V6g8iIHH94lt36Y0eslsonkWaO23qLa3EmW4I8/f3Ef2QdBqM8cqpCstaqERssj7EVpHKhQ67iVTBy23awJI8hgrFP2HqYJRUfturKqdxEx3oRnJBBbbg9OAMeWNLfaG5CsmfveztbUE5RWkaVFCg8FMriMtgE7cH1J0So5pqOk7mDs/UNHISJIXqVlQA/lBZzzk5GxR8/INGobvTzEiGeKQjqEkViP0J1d1kVpeSlmWSHsuY2PR1lQsueDjK+HgkdRxnWtxsSASMEjkdcfDjQetTU1NBNTU1NBNTU1NBNJ/aP7TbbRu0cs+6ReqRKXIPoSPCD8Cc6aLhXRwRtLM6pGgyzMcAD/zy1l0Pah62V2stvhQAnfX1Eaoo9SMDcx8+SSMjKjQFX7b3GoQvQ20xRYz39c4iUfHYDkj4hsaSq7tdMzEV99iiT/ZW5C7H/mhcKf7za+31LVvU3O61NzmB/cQH7tieNqqnhX0wrqSdM1Nc7msQFts8FFB5PUOqHHq0alWU/2s6BPo7XQVbd5DbbvXnH7yok2K/wDzAR/UfLTLTRXEDZS2ChpF83ndHA+J27Wb586o1t0k2k3HtLHGeQYqFQxU5xjfGN/HmCv140Eg/Zcre7drw3lnfsz9CHH89AwXm7V0a4mv1vpse9FToHK/IYL/AEwNLklVRSL99VXe6Fsj7tWSI/Dax3D6fppki7PVn7ymsVupcdDVOJW+BAGAp+fOiVBeardsrb5b6Yj/AFdOIiR8C0uQp+G06Bd7N9m6j36KwwwnyluErSHg8ERnaVPxC/U6cLZQdojUwtPUUa06uDJHED4l8wMx5zjp4hq5HUUs3gF1q6nJxmBgQCeOWpYVC/MkfPXCq7PUgkZWjukxH4u+qSD8mMgB+fTQZ632T3Y1PfyCmqME4FRNJICOcbuhOPQnGmSPs3dIhu9lsMOPxGIrj6hdMKWKBfdtlwcH1qgf5SVg/ppPv3ZpFk3r2amlHXc9cxY/Dakkgx9T8tB3rO19XEuJr1a4scYpomnx9AD/AE0Mj7UVpBmjulfUx8hmgtilBnjqzqoOfhnOjNjuPdnKdlWjYdGCqT/ieNToPfrnNJMxcdoafJJEcY8C5PRcFcqPLk/PQcqWeokkQGbtHucgLhAik/WTZj1J4A68ac/tEgjRkmkuFypTL/qKd2bO3AJCoSE4xnB2/DJOQfZ7thFRq/tNXd1VlKg1lODtJ6MD4zkeQzj1Gi32a3xZKl0W9mtUqzdzLTsjLjncHY+Q6+XPQaBopbLNFSgUtbICw3NLWBqhsYz0aRAh9eCPhpVsl4rzIe5vFBXnkin2pG745KrsI28fiO4DqQdM97rK6oEbWp6CWnbId5WZwecHHdnaV6g85zpcIlLxx11iwIpQ0dRRsCFO4feKqYkQHarYySQACOMaDThqaS/s8vME8lasMtWzCbe8dUuDFvzhU4yE8Jwp6Y6erpoJqampoJqampoAfbKkmlpjHTwU07Mw8NVzGAOdxXadxBxxx654wcfnjpWlMNzrKi4Txnb7DQxuIkKnBUBQoODxldp45zpr7V9oozUKbjaqtIIJMR1KyMFXcQu9tjKoB45LHr8ca7SfaPb6aSSC30k1S+47jSxBldz1JcHLsT+LDZ9ToFyH9pB+7tFkjoBjHfzIveY9dz9P7J3nQi7/AGWX2rbdU1EcpznxzMQPkNuB9Bp8qv8AKOswYxTW6M+TN3smPiQrL+gU6CV1ioYd37ZvktS34oRMQvy7tCz/AKY+WgC2bsNJbQTNeaGkkPpHHK/yDSbXHlkLrhJeqTcfae0lfMOm2mjki/mcqf00YprhZoRut9jqKvzWQwO6E/BpNxH+HVav+0u7Hw0to7kDoDBI5Hywqgf4dBxe22+ow6Wq81WBw8hbDf3t2efhjRns8io4WDs9T0+PdesqFDj6OjSfUZ0qxXi91Dn26K7NF+WliMJ+RIi5X4fz0w9mrHRpKrCwV7y9QagqR8yJHVM/MaB4/wAoKjBU1FtjYfhRpJyP7oMZ/lrnHf5ycNUueesNpq8fqxcH56LwXSrwAttZAOgaaEY/wM2p+0LkTxQ04Hq9WR/Jadv66AbIZW59vuA+CUIX/wCVKT/PWe9phGJT3zdpJAfxjaiH+ypQDHwwNbE/tjQcezxT54zvmjA/+kxP6Y+OkftDWVavsqL/AEdG3nHHCu7H/MlLD56BChtVK3iWn7SsPUIp/mBr1KaM8Qp2iicflAb9Rvz+mNGKitVDuk7Vkp5iOIFvpsZv6aFVVzth6doboW9T3pH6bRj9dB2t12AkWAXW700sjBUFZCHBJIUDG5jgkgemmuk7P32EuH/Z1ZG4KsHTu2ZCMFSUjUcj13aUqe+W1f8A8wXbPzkx+hU67U3a1Rnb2olHpvoGbHzJBz8+NA5W/s4awCkuFoFNSwAtD3VUShJYZUrGVyTy25hxz03c0Lz2vpe9jpKW5G1tTMUaOSl3K23gAk4CrweSwzn5aGUna+45xFebTUL5Gf7lj81Cr/I6JXS7XJowauz0dxj/ADU7hx9FYO2fkNA9XG5Smnee393VvtURxq6BWO7xHfn8pzjP4fjopbZZHijaaPupGUF49wbYxHK7hwcHjI1jM8FjeRjJRV1rbyqCjwqP0LKp+ajPGn/7MwfZ3xchcIt33bkeNPMq5LEk9CMgEfIgAHDU1NTQTXKrdgjmNQ7hSVUnG444GfLJ4zrrqld7tBSxmWolSKMcbmOOfQep+A50GY32yxgx1HaK5KR74o0yseR5BQS8gXPJxnyJI63qPtpUVKCKxW77leBPMBFCuOPCoxu+hyPMaBV15s9XVvLS2+oudU3PIfux5AMJDhV+aYGjFynvsifePR2mlAwX3qzIvTGc7c+mNvz0FC62OTaX7Q3kxqckU9O4RSPTAXL+mAhP8RzqpY57apJs9klrGU/vpRhMj0eXdg/ABToVE9oEuykpKm81hOWlkL7Sc4JbPG0epQjH4vPRa93qpCbKu70ltUcezUSGWRB5KSh3Iw6eE489Aemud5dC9XUUNpi/CW2ySfD3n7s/yPw0p3K40JYiq7RV07flplZFPy2hkOjPYSx2yplYiiqqhdhZq6uB2vyMBM8HqecAgDnOqq9pZ6bIpYbJb+eVedHk+Z7k/wBRoAMdss27cRepT8UHP1Cg/wA9ErdQ2h5FCWK6sc8PiUEH1J74AfPOrcPaq4ynx321QL6xgMf0kQD+ertsrnM657VRNzyvcwqD8BuYrk/LQMAsaY8FvuI9N1wZR/KsYj9NfEsNTn7uiK/Ga7VR/wClQ4/nohVzxAZe+Mg9d9Gv8zCdfbRV06sHF1lqh+UvE6ny/wBTEM/roPsNjnK4lpaNvg0ssg/V4+f00nXzsXXd4TDbrIUJ8K92Q31JCjPy07XaoppEAd67CkkGFatTzzyYVBYDoAc6zXtPSWnvS0luu9S2P3rCfn4ZlYP/AC0B619nbxCMxUdjhPwjkB/Vc/112igvm7kWaM+Zw+T/AOfHSZBZqCYYgsFykOOO8keNPlvLEDXz/JBs4HZk/wB6uf8AruA0D3OvaNGAWS2MD04kH8jrlcDfth7+gttYh4Mak5I/5h2n5aXO1doqqnZLV9nmbuoxGvcVoyEXJChEDdMnouhcFDRqnNqvdGf9pD3h2/E7sDHr4dAcFxgjyK3ssYx5tDAko/UIoH+LVa10PZ2eQtSVs9BN5hZWhIPpmQEdfINrhaK6Ej/M+080bj8NYDt+X3p2j5jPy0Sq0uzjFda6O6RY4mhZAx+Kt1H0QaBjnprzRgNTzR3SnP8Aq5dqS7f4XHhf5tk+gOivYAQOJpo7dJQSswWVHj2ByMkFcYDDxHxADz0n9hL1b6OeSnRaqgknChaesVigfkKUYnIBJIO4jdgc8csNF2qr6aZYrrSoI3OFq6bcYgfLvAclB/EcD4YyQD5qampoJpd7VVtKY5UlpxWvCqyGmWNZX8R2qQjfU564B69CxaRO1fa+sWc0tsoJJ5hw0zqViQ9cbjgMRn8wA+PI0FajqbhUUUhSOOyxqVKM6qx2eLflTsEX4eSM9enXSXR2+mklJUVV/qkJ8TEpTRnOcFnJX6ZZTjy0V7R2KKCEVXaSslqmJxHTRErGGwThVXbkgfjyg8jnjRPs1ci9KrFVtNvLbYY0/f1GfMEjI3cYCKZGOcMOCQCXhKslYrlVinQjwW22LumcYPhO3oD0ySUOPLXCW2S06h4LfRWqBelVWsss3zUHcQ+M+Ag+QB02R3CaM93bbXPFExzJUPGveP8AELNIjO5/PM2R5q3Q2qa1yhxOaBTKOtRcKlWdfiqxLIiefhQxj5aDP6qhNUu5qa63UnGJJWNNAf4o05IX/wA40RtH2dVrof8ANLbQoegkj9qlHzMpdP0I+Q07UdbJVs6rcg5QFitBCoHGPAZZDKu856bkJ5PABIpvZmbJNseX1NxrQ6+uQoadRz5ALoMsvPZCOkkdoa+nqqsg4poqKObJ447sbkj8udoI8s9Cf7EdkbtJIHqKK3Rx9c1FHBn+6kKo2Rx7xX/tp1pLw6Hulq7VTY6w06NOw+gePHH8Gvct0DE5uFxPwgoG2/Q+yOf0bQH6W01KjHf06Dy7il2Y/wAcrj+WvstoceKS41O30+4QD6rCG/U6WykEmfurzOfRmqIAfozwpr7PYkCl4rDFI/pUyQ7j/e+95+ugJ1V0oIuJLqFPo1THn9Ov8tZ52jmpHl3wVd9mOefZw7KP7O8Jx/ZyPTTJQdqZVPdy+wWpwcd3PG5OP4X3Qxt80Zhq+18jYeLtBTKf9z7OP0DtIf66BIhaAgh5O06fxvn+W3P8xr0J7VFzPd7ynwkaZf6Rf99O5rlxkXmrYeqU8Lj9VpDr2l3Cr/8A9ZvnU06KPriOL+ugTKCkoZzmm7TVkYzgLLUFWz6APsJ/Q6Y6rsxfKfDUd1FRg8x1MY5H9sBief7Pz0RpxLON0bWqvA81Bj/mDOM/Qa8XiRJCrV9rqI3UYE9Oe8KjrgPAwnC55wUA65GgX66rqVy927PQzge9PTiORseZCHc+PiWGutu7HUFagqrJWS0bH3u5ZtoPo8ZYEH4ZAI8iDnTJYJ1kB9guZm24zDUYkKD0PCTqTgjMjNg+RxjQvtalBLhLlGaGduI6lCQueT4Z1ABHXwShT57eh0Ay8VtyoAj3SmgudLEwYVCIolhIPDFSMAj1Hpy3OvfsbVSyXKwV8pmZt0lNK+6Nj5oUf92x8iTjHClRgjzQXm62sba2NrjQ48NVDhnVcdWHVhjklj5++3TVuGx0lWTcrFUCGoVTlIwFjkbrsmjIGN3TPHk3JAOgfbFVSy08Uk8RhlZQXjP4W8x8s9Phq/oX2YupqqWKZl2OyjvEIYFHHDrhgDw2Rz/PropoJrK/tK7TXCF2Tv6a30+cLIzd5PKOhKRqGIH0GOMsNalJIFBZiAAMkk4AA6knyGsstt2pLjdRJR24ThWAlrpslE2Dju1bjdwMHggnOPPQcYGaCgVDK9I2RKK64907uXALd3GXdgxGPD1AHPizq12CKYaeljqLlUPkGuqMRIcZ8CGQl1QHOQiNz16ADheOylsoFNXeJ3ragkkGQnLnyRIg2Mc9GJUZ8h0PWq4VlTC0tQq2uiVfCuQJig8yxwsKY4wF3ehXgkCUb108jRmqpadlALxwDvpVBzgl5NqrnHGYj0OhNbRUYl7vuprpVKfEJX7xIjjgvuxBCfgq7ueFOulvNMabfE4orcSSZdxjkqT0LmRjuVWx75PeP1BUAFydtnZoljtlOkMH4ZZUKJzk7kiGHkyecsYw2dwZtBbFNUmP72aOlQDlYAG24/3kq7cY/wB2D6HQFY7ZIcpFJcmzkE76lM/CSVu4Q/AMuNfJ46VpSr97dKpDymVMcR8sr4YIiPLdmTH5tWrjVzooNZXU1vjI4SIqz/ISzAL08li+R0BSB6sjEdPBTpjje+5l+ccYCfpLodXXNU8NTeYIH/3XcR/oJjKdD6f9nzAlKequOecyrJIjf2TUFYP8BA0dpp6hVxT25IvRZJY48f8AsiUfpoBy3WjI5uksnxV1/wDtoBrjNW0p9261UfyKn/8AchbRpZbkesNGn/Olk/8Aspr6Irln99Rgencyn+ffD+mgWnuqLnF/Uj0mipyP+lEP89eYu0ir7t9tv1hX/tUjTcWrlHC00h9NzxD9dsn9NVZ79URfvqCcjzanZJVH0LJIfomgCL2p/wD1u0/WP/8A2DRikr6p1zFNQ1J/gZ4wfqGmx/PXa3dqqaofuY3aOYg7Y54pI2JxnhZAu7HUhT09NDbnZKhwO9pLbWY/OrQn6bkmwfr9dB7uKh8GutYfHPeRBJ9hHmOFmz6bIydfLdGHybdXsCvvQVG6ULnnDrIRPGcdAXAH5ToPUsKfLN+0Ldj8Yb2mn+ozKI09SVi+Y11qKh5ESSqgirYR+7raAkSJ5ZCq3eL8TFI3y8tARqqyF3VLpSLDJnEc+d0ZJ4HdzgK0b+QDiMk8Lu66q9sLJWiApAIq6DjdS1fL4H+zlBBLeYMm5s5O48DVmkrpGhLROlzpGBDL4BMB5qQcRyehRhGwGcljxoS17khgaa0MtXDEfvKKTcJYQOCqZ8a4wfu3VsdF4AXQKHYy41VPJIbWryQJkz2qdis0Bz4u73DLKD0I5OcMpbB0Wo7dHWTvcbFUCnq1/wBIpJF2h2zysi58O7kEjILcghsnXaeOmvypW22c0txp/Xhh6K+M5Q8gOMjBIIPKgPMss9WrACgvsIztPEVcg9DnBJAx18iPLKBo3Y3txFWs8Do1PWRfvad+ox1Kn8S/Hr04wQS16SOy9VRXGZKl4O6uNNlZEbKyRnBUg4I3oQTgkEYPkeNO+g4VzRiNzMUEQU79+Nu3Hi3Z424znPGNCLZc4KylkFtqEUDdGsiICI2xwdhwDjIOOh0QvVshqYWiqVDRHBZSSAdpDDJBHGQD6azn/KKoqs0fZ6njip4zsesKhYlPU92MeI/xYJOc4wQ2goVVFR2icTVMk10usnMSEZYdSCF8WwfE7jx4RwdC+0VykYpJeQ0tQ5BpLTDnaM8K023JOT0U5J5H5lUo8y25/YbZmsu8/wC/qZPF3fTLOSTjHUISccFsnAbxIBQSGnt8X7QvMnM9U43CHd1JY8J6BcjjG4ngEPlVZqalEdZf5TUVbYMNGnKp02xpGpwQMAHOEzx4jy1q7tVVqiW7Vf7KoW9ymV9ssgx+Mnn+7g/FQRkq/wC1npFqJ6VBX1qDNVcpPFFCThdkO7AbGcAjr5AqQq9OxXYaWsJul7lPs+3eO9fBkHUE8+CLnhRjPGABjIH7ZeGqFFv7ORGGmVvvq51OFzgsV3cs5GB4vF6BQAw+RWG2wVYp6eP9p3M5ZnqJCyR46tKQCowcALtZugyMgmxJdZrophtzCgtMPElVgRlwOqxjjavqeOOuPdPm1XOGmVqTs3R+0y8CWqb92Pi0hxvPUhQQvPGeRoCUVp7Q1S5nraehUj3IIw7D5knjH8LnQantNsp5R7XfqmolBwUWobk9MERlnznyDZ1YvFmKR7+0N4JUjPs0JEat6jCgNKOnRRj11c7MVZUJ+x7GYkbhp6krDx5HPjlkUjnPPyOgabQ0SRtNS0tXIeFAlZw7DPl7VIpC8Z5Izx10KqrVHNI0j2AF2OWeVqbJPqSsjE6dJKlQCrSIrhdx5HA82wfwj1OlbeGh75bzM0O7b3kaUzDOcYyID06aDzSWaBOlm7vPnCYP694h/QaR+1S0Ec33q3i3gH/SFZzFn575P+nGnqsmWmfZNeZlbGdsi0368QD+uk6536qWUtS9oaCVSeYqgRIuPTcgOf8Ap0HyLtDKBmk7R00v5Y6yJY8/N8Bs/TRyms1bcspdKdqZkXMVVR1O0NkjjYHby5ywPQ+7nldrZDJEZbhZqSshxl6m3upYD1wp3n1zuAHJ4197O0kEy/8AoV6lp38qWoIdR8FRxwOeWAfQX3hrrfUrSwXqOaV1Dx01ejeIElRiUEktlWAUEfLodDrdd6GG4j26Ca1VYYM3dyYp5/i2Bt2tzk4x1y2deu0lwJUQdpaDwDiOupgSFz8uVz1x54Hg1J6eqigDho75aj+FsPNEPMg8klRj1Ix0TroDH2kGhFREJhLSNUL93coG2qH8lkKsNy4CnJ8jwVALBPudrmp5g91WWFxxHdqM8HyXvlUcjkDdhXOAPEOdWYmSKDvKCNrhZpP39G/ikpW6naPeXHvA8jqc8h9WqO5yUdOam2S/tC1f66ll8UlOp6jnkIBnggjGSQRl9AIrqLuKlJKmYU00h3U11pR9xPnn75B4QTzuK4HOWDDxFqj7TQzMtFf4IopwD3FUAO7cHGJI5P8AVsfCdwIGR+E+HVCKgWlpWrLefbbRLl56GUBjEM5ZkznBTzB5wOS3vDhLikijqaKMXGzP4pKaUCVqU9SVDZK45PORwc9Q2gt2a01S3em9tmVKlFPdVK+7XQjho2GR96qtnPXGMg4DHZdZhb+z8sr070rwVVodxKkLjY9MSS2YnUBhsYnw5BAymPPWn6Bc7eWWorKVqanmSESkLK7BidnVguCOT0IPBBI4znSxfLo1OYLJZwBUbAHkxkU8eMmRsfjOd3PmwPVly9doLqtLTTVD8iKNnx64GQPmTgfXWSU15e32cVQG+5XSQsrAZYlydpA8wqkELyNzgYwdBckhNKXtljTvKxsGrrXP7vPm78+PqQozt5wC2cC4bdJUq9qtD4plb/P7g3WZz74B6sOvAPPQkLlnsUdpqEEdkpX2TSL39zqQcld/VAc5LEYHxBB6FtFO1yd1HFYrUuwuuamTyhhPvM7ceJ+pyenA94YBSvN0pR3KkFLNSuVijXBevlT3mxwGQMfE54xke8wCmf2s3aFy0oNLaaTxzZbBlYDOCw4AA5wM4HOcsu0JFXIIKqvSM7QBb7UhGSBgq0ijGd+Mvu58TOudMt27NmKG1WNeFnZpatl/EIwJHGfQtwD5bU0He1Whr3tZ1ans8J2wU6eAz7Tjc2Oi/L445y2rVV2mad/2Z2fSNRHxLUqo7qBf4McM5OefPnGeWW72zmaeeCyUZ7lWj3VLpgd1Tr4Qi+hfhfgCvGGOqvaVfZFgs1nUQz1AJaQdYoxw0rN13tggN144wdugXJ7bRUNV3dMkl2u7c5mbcsbDHjfyGDg4Ylhjll4OjNRaqiJlqL9diqNkLS0zPGrE9FHd7XfAPRVJ6eL16Vfs/Z+COmoYTU3CpOF3ctIfzvjkRg9EBGeeeGbXO2S09HVLLcZDW3ibAWGFQ5hBGQiDISPAJJZiOCx6FiQcKGtTcJKa2zlmUL3rJHEcAAAMZXWUjAA906LUMtU0eZYoYn3DCrK0g28ZOe7TxdeMEdOdUWirpRlpY6RMe6iiWQfEyP8Adg46r3bAH8R0HlrKNGKy31t46hqimUj6LGoH1GgM9or00J7tFkRjgrL7LLUR9eQRCwYH+0R9dZH2ov3eVYikgtNTK3GJKaemkbqAN8xCjPkS+CeBrU46ashAkgqjWxYyYpRGHYescsaou70DqQem5eukXtL2/pK2NlqbTVSUasUknZQHgkGARhc7GGR1dT8DnQBqSjtMkojlSpsdeOhEjKp6gFWbjacZ42Z8idXL/wBnZKNWkutNT3GkJG6qhTuqlAcYZtuNwz6sevLeWrNDWQOIaC4stZQVI/zCtPvA9O7c9VkU+HPBzwRgkLdtNbJY5RQ3BjLbpiVp6hhkR56xSjoFx9Op6Z2BWtlvrkQtaq6G50Trk0tUwZtpx4Mt0OMjDFAD1U6DWgmnqpJrTG8FUn+l2mY/vFHJMJ/FjJZcc4JIGCFap9ovYQW2phrqOZ4aV5AC8eWNOW8xg5aMjPGf4fMaPCQVsyUV0Cw3JUDUdwgOBKOWRlZcZzyccA+LGxsaD3G6VRa6WI93WRn/ADujIx3o6sGToWPOGHvHPRwdX3oqe4j9oWaVae4xj7yP3S35o5k+JGN+MEjknAKhbPFUSzPWUyol3o2MdZT+6tWvQuAMAFsdehYA8eHM7VTW6shjudLM1DWiVYmYAjZIQxAnA91fCR3oHTqGxgBSo7rLSmWtt8XdmNsXK2N0Q9DJGPJD6j3PPK5AEdrOxSRmK6W+V0oZSHLxjL0uTg8KQSqnI4OQQV9Cb9xudW9UkvdinvVONskZHgro8fhAOGfA9wHxD3DkKot2TtLBSHvEXdaaxjHUU7cmjlYEOuP9mwyRjqoPGVwQL9gL48FUsDrGs0+0uFbENWp92ppz7iyEe+mFD4z4XUrrYtZb2RQWupjtlSVlppiZKCdgDzkM0Z8g2cMCOpI82AXUtAifbDiSkgpSSBWVcEBI6gF9xP02jVAU8UnaCKEKBDb6LdGv4Udiqj9IyuP7IOuv2ngvX2WIedX3n/t7G/oToaZ+7re0s496Oni2n4+ztj+ajQePs6uoSnut5nB2zSsyZ4LJHnYo+rbB8VGg9a01PY5J38VdeJQD67ZM7UGei93kAeXeY8te+0Cf+g2iiQ7fa5IVbHox3n672U6bO0VNHUXy30zDwUsL1ITyzuCR/wCErkf/AN6AGLUkl9pKNcezWqmEhGON+AQSfzEmJ+eu0nQz7Pe0Utw7QNUyBhG0Mq04IIARWXAHqeSW+JPy1Ie0KilvtzHWeX2aHHXhdikfHa6sf7Or1QY7bXdn6bgFI3STHmZgqZPwMu46Bi+zHE1VdqtuXarMIPokQAX9QRn5DSzZ70sQufaCUb9zmCkTOAUDKo8+hIXPmNjnz0Q+zwvCt+Ue9HUTMF8+jkH64GPlpQu0zU/Zu1MwDAVfeFc8MA0zgE/EH/zGgYqp57dSmvqcSXivIjhBA+5DdEUHgbRgny3FQc8k0rB2HpqOczz9oI0mYHvNkkavlsM43yOxOT5lQT9dGqXsTUXrZWXd2iTkwUsWF2IcHxsQTlsAkdenI90WrfH2etlSIoVVqvOAEWSokB9BgPtbrwMHQE1pqNsLFS1NxbI8UxeSP+1vqGEWP+Fkj00U3XFU8NJQhf8AYid+npu7gLn+7j4663GvnMZkeRKCEdZJSjSenmTFGehBYyZ6FQdBKKtpJSqwXaq7xjtSVj4HbyA3xdyxOD4VGTzjQWqGgUh5rehpKlD99St4Y3brtdFyoLeU8fXg5YArpSr70tJPHd4Vb2GsPc10DKcxSLlC5HqCCp4wcHrvBDJdbs8NTSrNtFZ3qRgoCEqoXYI5A5wYyRKUJJTacEqxJXhAklN2jpSMqksk4B8mZO9HXp4486APeuzqJPcLWuPZ5qc11IOvdyLnhfQNh1/sgaIftz2yO1JWEyUtwgenlz5TowVZBxxIXGB8z1xobS3LMtrZj4orTM8hP5BHIq5/wZ14ukDixWmhhjL1dQ/ewEHBTDNKWB4wcSAc+RJ8tA2diVVVnsFxAkManui2cTwE5Uqc5DIfIHK449wkLslkDPJZZJf85pfv7XUMcNjG/uyRzxjy/KSB4FGidTFUXWgpLlCgjuFHIxZeV7zYTvQem4gYU8DLL550J+1azzTXK31dDIA1TGO5fPG9AZE56eMMoAPHXPGdAvdtJJKiNbrAzU9ZAwgr0QlWjkHgWTjkK2Nv0A5wTrrUTEPUSVkGZQojucEZA72MlTHWRAeHep2EkcZKngSNi3JWpUy+0yDuFr0ahrlIIEFUADHIVJ4BKqf4dsmTnOuE800cUVQ8W6pthNJXQnnvaZshCQeChUsmec5Vug0BRYEqxFbaqUNKE32u4rkd4o5VGPUMMbSDzkY94KWGXysVi1VLDtkUinu9KMeIE4WoXyyWwQw6Ps6g5a9SWEeKgik8RIrrPOfPoxiyehwoyPUFiOmfN0ro6xYrsYypT/NLrCoIIRh3Zkx14B46kEJ5oToLgt/fQ/sWonAni2z2uqyQJE5KDI5BxkcZxjjOwbtotQlEEQnKmbu17wr0L7Rux8N2cayX7PbfTXSjSmnkJnts2Ipomw2wNlCDg+A7duPRFPXWwQFtq7wA2BuCkkA45AJAJGfPA+Q0CB9pVQI7hZXI49pZM+m8Ig/rn6aCXYYqO0yebUsTj4hYGyf1ONPHbmmjZaZ5IVlMdVEylnKCM7sFyQeQo52ng489KPaKjJ7QiMDwVtvkiY+R4fP6bU/XQCnRJI+y5Y+AMB/fVY9o/wAS40yUUZftPO3lFRKv+JlI/q2kNgydnbdUc7qOt3N6qBLJx89xTTsHMfanHlPQ/wBG6/8A08aBKoKVP8mqRWA+/rlHzPeMp/6UOu32zWqWa6s8T7Wp6AVAPwjkcnHoep+muNwjMfZ2ADk0NwPeD4rJKPofGunbtgVS90TTIDT1dNJSM56EtkhD8yQB67j6aAN2cvAW8xy4/wA3vFMrEeQlRcMvzBVl+cg0n3Ku9lens9WhKUlwSRHbGGgYkkN892fTBI4xyw2nsxIyzWkybKygm9poJWHDISG9PdLYJxnDHz2ka6/aTahdaI1axGOuovBVQAgsAPEwyMggZLqwyCCw5PABp7R3Wpr657XRuYIolVqupX3gGGRHH6Eg+916/lO6kl1pLVWC3UFvUzGMMZWkVM5yRukfLFfM8/AKemqlF2jjpasXVcm33NEEzYyaeaMbRux+H3gfjuPkASl3T9oVW+nprTWxqoCySS7nx1IYKjYAYnAwfXzI0BMVdCjq9ZURVVYBnZGDKY/hFCm9kHON+Nx/Ex4x3uC1FwCx9w1NSh0d5JsCRwjiQBIwTsyVHjcggZ8OeRep6GtVAsbUdOB+FIXkA+X3kYH6fTVe4WWFUMtyq3ljHVZXWKEfAogUOPhIX0HShqIqysE0YDx0qOiTdVaSQqH2Hz2KgUsOPGw8jrMrzcPZoL7Lgs1ZVmkjA5ydrBunorN9QBrR1uNTUqI6CL2eDGBUzJtwMcdzCRlvg0gRfMBxxpIuXcNKJI8tQWhHmaRySKmqJyBuPDsHGSw/ExHQjQLF1gNM9y3YIo7bBRZHm8yxqSP1l4+emqjZYLpbo6lkQUFrDSMTgIxHdNyf7vzzpYoKeWT9m08p31FwqxX1GTz3anwAgfhKCRwPLH6fL9T/ALQeeVD4q65JSoRz9xCvLD4E92x+KD6hoFjn9kvtVTr+5rIRVoo6CT3XwPV8Mx+Q0iwXGQ2G2VDcijr03N6IrNt+gyq/pp57RqF7RWrbx9zOD8hG+P56TrmyL2XnSMcCqZR9KjcP+kDQXe21sRrvVUIAAuNIrr5AVEe8xt8M92wPrvProRR3d44rdc5l3xuj0FwBGdyBiqlxyWbZgknklQPPXH7U69hfaGRDh0SnI+e8t/30zCgVa282uQZhqYTVxDjCuQCxA9d5BH/DGgXrjSyR0dZTxE99Z6pZ6ZxgkQyEtjPmAMSH6ddNEEkEFySQqpob5ANw8hMRnB+Dh/mWdumNJfZuvZaq2TS/ubhT+yTqeRJsZqUbs/wiE5+fxzdkopHs1fRuSZrTU74n5B2bm5z16d4w/u+mgYPs/wCwRoq5zTVv30MjLUQOnD074MRB4yxADbhwGOONp3bCrA8g50k9lb5FXUP7QihjerEDRSKTtyy+Ixk84Vj4hkHAYfHR/sjSUsdJD7Euynde8jGWPD+P8RJHXp5aCh9pdCs1sqVdSyqokZQcFhGyylQfIkKR9dKHbe8xj9i3aHwxLKEIOPCkyYYHHmoVhxxnOtUkQMCCMgjBB8xrD4aAy2O60AHioKiQxg8kIr94PmSBJz8dBcprczntBa8ZBJqYR/E47wD5ZEX89cqntIM2O7twpDUtSx4wT4CT8ARI/wAgNEbtdlp6u2XlT9xVwrT1J4wu4b1Y/EHOfhHjz0MqbDmO62Xb4lb2yhGOqnnYvkMHwf3n9NB0qre7SX61lTumzW06jPjJIc4PnlhGuPg3pwSuObp2YV08c0cSt6tvhOHIxzuKq2MfmHrqp2hupnoaG+UY3T0hCzqOpQjbKh4JwCcg+SuW17rrwLdLFdaLMlrrSDUxqM92547xR+Fs5DDpuUqeSu0AnZC+LeBCkk5p7tSBjTTggCYY918g7v4l8xuIzlhokKmc1ZlhRaO8hfv6ST9zXKPxRnOCTg45zweeC2hfabsjRRViSI4jpLgA1NUxkj2acHcpyCAImz04xnjbszo6aOauX2G9wyQVEGWguEY8BxjnfjaCcA4OM4HusBoAfZTtF3TVKUtGZqeQlqm2OPvIG91zGpGJY/IptyMAEKOTattf2cmqAGo6ijqARtwJUIP8Ihc7fngaq9pbdLSyI13SU4IWK7UR2yDyUSjzOMDJ8WAQC/J039kIa84lo7xDcIOhjmXaR5gF13Oj4/MPmugMgUqqAJ7k4PHh9qk/VlQkfMnXykt0ayCSG3TyyjlJ6uXO09OGmkeZP7qaMS3WrTGaBnPn3M8ZUfWUxn/p1yatuMnEdLBCPzTTFiP+XGpB/wDcGg9VFtlmUmtlVIsZaGElVIxyJJThnX4ARgjIYMONZ/fZBcGGV9nsVEN7sF2LUlOioABmPyG3g84ySoD7/k33h3185qdvi7sgRwLjnPdgndjr96z4IyMaUb3TvfalIYmZbVA2ZZRwKlwfdjP4kXGNw4zuPOF0ASO4vHQ1t6lUrU1v3FEmOY4z4Iwox7xAL8cEICPeOgtZFLQGnjjK5tVI80zHkCoqchU9CQzR49QD9TfaHtLDLWioCg2y0ghMcLNUY2oieTbTtIIBChWbOGGU/tRWSw2zNR/pV0n9plHQiFP3anPIBY7l9Bx5aBk7HwyQ1ktRUSM/7MoN0jO24mWcPPjnrw7rnPVR66+XSg7rslErcyTSI49WLybh8zsxqpbIqmthFK2Enu0/tMxA/d0qY2nHUBmB2DoQBz4s6OdvK+M1kFMvFFaI1qJvQuoAhi5GNx8CAZ57x/y6Ba7eUiySXarByaV6aCFvysu1ZMfEFfP8x1o9XtPaOlfzagbcPQb2IJ/Uj6aRKO1SNR2+lnz31zrjVTKevdAZbPpkYcfMjyOrfbK5tJLea5D4IIUoIj6l3US4+K5f/ENBPt0jpxS232LYFDSGHuem3CsxXb8dpyNWrPc1qKo5AC3q34Yjp38SvEyj0GA31I1ZtVlK3a10UmCtHbzI48t77o3+mSv6aW6OLu7ZSzjJe0XBllA6iNpAzcehO0f4tAM+za5NTqrW991XytTQzcLUqCSDEeneKpxtPi4YgEZU7/2RuCz0kTpTyUygbBDImwpt8OAPy8cH09OmlLsv2UEF0lniihmoqhTUQzYUtFI2AQjddrhieOMY9OX23wyImJZe9bcx3bQvBYlRgceEYXPnjOgs6q+wwhpG7tA8wCyHABkABADHq2AT19Tq1oT2iscVUid4hZoXEsW1yhDqDt8Q5A5/8xoMw7LWYSQ3Ps/O2GiYyUzN+RiGRhjyDbWP/EI1zrLnJUU0FxiXFxtLbKuHIyyDKyA9eCAxB8vvMZI0y9obe+2C8SA09XRwsaiFAJO8G0kxkqxAGSSG5wGyenArtHOtNUQX2j+8pJ1VKxV80bAEmPzLwCOMMoH4m0FPsdc6emuThWBt92XvIN3uiXOHiIPAOWZSP+GOdW6ZVstd7HNh7XXk90JBuWGQ4DIc9UOQOfIqT0Ylfv8A2bp6dmiZx+yLgd8E45WlnI8DZ6bCMqemV6kbCdNvZaRaqF7PelV6qL3d5yZo8eCWN+CWAyNw8WBk87gA5dvYRRvGk1KklldQskccePZpNzHvBswVB3dQfzdCRu53q8wUtMkciyV1mqEwJQd7QYONpYYJUcY3YdSGGTgAfaftBUWeYUd0JmoH8MFWRkqPyS+uBx69TyPdYKi2NR0yvZIIHikl72aIMSJUYAN3RL7AcAYHu+noQUOz7VNNE37OdLxa2GDTsw76EEe7tYcjGPARz+VeSbHZm22erqS9A1Rbq5Mlol+7YeoMbho2XjlV+GQNe6fs/SV7PJS09ZaK1Mnf3TxKceuPu2Uk8jKsceYGuLWC4GaGS40kNwVfdqqOQxTxge6SVaLePQDpyc56hoHsNxX3aynYf7ylYn6lKhB+ijUFFcT71ZTKPPu6RgfoXqGH8joRLV052gXWppCeBHMURj9KqEufmDr1LT0YXNTdpXX1asSEfrB3XGg73OzUqANcqt51zwtRIqxk+Q7qMIkhz0DKxz00r9r7nVVEb5Y220oNryuu2acdNkcZ8SA9ACASOeeV0et9zoIyTbKQ1Ux4MkKcHy8dS+FP+Nj8DoferNFn2+/zxlI/3VKuTCnwwRunkIHPGDzxgDAAOyPZ8Vxiq6mIU1ppAWpadyAHA5M0pPBB94k8H4jJbj2/7KLNWNdKqrhloYsbo0OWwvKQr1BMjEZJIxvPw1fuNzqr1GQFNvtC4aWeXCvMgwcLnwqp9eRx1PuHjBTU1TGksqpT2KhO6FWUg1TgY3sG5ZclsDGXLEcknAD6Osq6aOSvdM3O6ERUcIAzFFwQcHgKBs4PHCFurY5WOzxTP7GJN9HSv7Tc6tm4qJVye73HrGvPXrhm64LC6DtFU3avqXpo27+Ve6hkbhaOn5DvkdHYHqMYLNjOQBdubQtS+xUkncWinYe1Vh61MnBKx/7RjjjGRwOiqu4Lkt8Z2qb66+RpbXFjJYncm/H+M4+Mg8hnpU2owi12UDMski1la59ASzAnz91hk/kT11QbtHEslPW1FORHEoW1W9eWboBM/XAJA2nBJIG0Hblq7XCpnqKoF1FbMmKyo/1dBTr70Sfx4Hi56gKPFuYA+fZtV+319fdNu2I7aenJ6lE8THnpk7G+ZI8tBaOSl/yglho3Wpp6+NxWRL4kRgGJbcODk58+C7eoGlOLtPT1CLSKahaGLwQUVOD31WepaVgMBWJ3ED1OASuQ02S2V8cLSA0lhpeACyK8reneNKck9RyVb4aDQOxfZn9mxtBHJJNC8zNGGx9ypXODluRuB90dWzj3jpn0j9gFrS7u91guFLjaCiKGV+D1TgcHkEnqOnm8aCampqaBJpbMq3maopaiJlkQJW05bLKQv3b7Rnk4Aw2OCxBOcaWLjCbJVFWXvLNWMVeMjIp2fg8fkPPHmuRjKjLpceyEXtouMMk0MwH3qxYInUY8LKQckgAZGD08wCFft92iZlEndtLQr91cKSSPZIivgpKMgOOOQwOMgY5yVAZVUAtHe09UjVNjquh5c0xY5Gcc7c4IYc5CkeLIYVdrYkFOkVVK01vB3UFzh8clIc8I+3kpkAcegxg4EZKku89pREnIr7HMNsc+A5jRuAjjoVGdpUjBHTGCmrsdiehV6q0BK621CkzUWd2fImLOcnHhKEE8YIbjaHizdvjTxCC9Ks8DcRV0aiWGZeeHwD4hj03eqjGSWjtR7oz9naqHxSmSSFnLxMSM7AMnuepJUAE5HICjShYKWKR5ZLFIp3AmptNWBtcdDt3ZHXAzngnlgDtNY1FvhqMAV1iqmHJALQMc+Y/EmehAVPPjQOlZ26lSJo7xaaiKNl2yPFiaIg9dxU+EfDLaYOz3aKgrIhDbqtYyEwqRqqsgGORHInQf2SOflpVopr8njp62hucPkMorMPPBXAB+JY6rwwHvg1V2Z7vnJlpnRmB9QI9vnzkNn56DRrfQ1SsRPUxzxEcKYNr/AFYSbT58bBoU9iqxIWQW3GeM0jhh6ZIm5/lqr9woysl2Qfl2VUh/60c/z17oZBO3dxy3WM/neJkA+s0W0/LB0BFrdcmGGroIxj/U0pBHyMkzj9VOkW/GgpqoCT2i8XL/AFcLsHEZ/sqojiXgH3SR1x560a5SwQRxtV1O0REHvJJRHvIGMsE2K2c+7jGccdNItQtRW7orLAtDTSHMtcYu6aTP+yUBXbg/vDjPOCMZIK/bGsm3pJepUdhgwWqnbOWPu96RngHz8WeQvGRodF2Wut3fv7k5o6OMZ+8HdrGgH+rjOMYH42xx5tjGnOkr7NYVKI5qaxuGKYkmdiRwSOIxkjw5BP8AEdAe092kqir3uU0lMcNHbISWnm817zGCuSMZbbyMAIedB9NKktHJFQf5lZo8+01j572qxwwTjLAnw+QJOMcbCr0V/NbWRQ0lv76GnQrR0jHwKc8zT+TknlgSBkjLHnc2dq5JamnQ3Ai1WpMd3TKAZ5tuNo2AeHH5SMKcEggBgX7D3gUUMkz0CW62qvheYk1E758PB5JIycYwM4UkcgFVA/tE4hcVFx5FVcZPDBRDo4jJwAVAKh8DAGFHUAlR2UVtC9vsqqtOroKmsmypnYeLwAKSQCAecY4A4OTYq2/aSrV3NmpraXApaJM95VMTwxVPExY9AvOORgeNrP2jpc0pYlgjSlosqhp6Uk1B3NgJlV2jIxkISMlhlx1CWpqKzL7Nbo/2hc34fZyRyM72GRFGD+HPpuP4hLVdqf2tKu83OnapjDLFTwnMUG4FX3FchnwcHJ49TgYX6Wggji7q4VMVspOC1FA++ol681DKCxzn3cY8tqY1p3ZvsvZZqaOSlpKWWEjwu0QcnHByZAXznqG50B6w2+kij3UcUKRy4fMKqFfjg+HgjHTRPXOngVFVEVVRRhVUAAAdAAOAPhrpoJqampoF7tZYZqk08lPUtTywShsjJV0OA6sucNwOM58xxknWV9vu1K0NyeqigqIp2+6mhqEBhqogNu5WDHkAKPMdPPcG3XQntO7rTsy0y1W0gtCcZZfxbQQQWA5CnrjHBI0Gbvbqm17aykgeS3VChqqgOHMO4eJkAJBAB5AOMdeACt2l7NRSj2zs7WrAxOXiBJhc9cPGcmNsfw8DoB10csva2C400kNum9kqUXascsa74tpA/d5IKjpxkLkZGeNZhfJ/ZqnfVRvaq8E4q6ZS1NUc5yyDnnjOA3XxL5aDR7l2NSeNKyrMdDXxgs9TTPtUEZGWLYDKVxkNzjw7saX6/tLW0yhbpTQXK3t/+KgRWGPzOnKZ6eSj0Y670/2n7Ydt0pRJC42Gppts0EgPB3DPhyOqHJ/hHTVKy9koJGap7O3Qwk8tAxLr8AyN4gP7at8NAPutN2SlwRMYi/OYhMMf3SjKvywNXqSxWoAdz2jqYx5D21F/lhf6ap9oe4jbbf7Qi5PFbRZCsemW2kHPwYknyXpoPL2OsE2HpLuIWzkCoCkfIq6ocfPP10DeIaCMc9pqoj4VkbH/AOLHQWuvloQn/wBYvFUc47tJn8R6YHgQHPwOu9i7K1I5phYKzHSQpluPPEY2A/LR6rg7QRrukrLZSRDqQCFUf30x/PQCrPbpmJlt1jVGPIqblIWfPTIRiXBx0IOP+92v7M1kiNNfrqIqYdYIG7tCD+FmwN2eRtwxOeDpevnbCRARL2i3n/Z0dIpJ+UmVA/xaWKavWVxK+x8Z2zXWp73A9VgXBOfQrIOmgaae/wBDEriw0IRx4Wr6jiOEHq2+Vic4PCnBP5W908+x6kyP+yYTXVhP31zqwRHGxxnuw3iJ5PJ8R9CvAHQpDWyAItbeZl6DHstLHn0A5QcdPAD9dPFJ2Ku1QFiqaqGiowP9HoBtOPMbivGfMksD6aAFWpRUFQJauWS73YnCRKMqjckAKMhcE8DkjghB118u7K0qSXUiuuLHFPbITmOEnBxIBkZHBbceRn3gMq8XH7Oo1gWCgl9hTnvnij3SyjyXvSwYDrnrnpwMgo3Zns3WB2itVI1DEcq9fVrmodcj3FIGwH8qqOgJYHQFEgjoKhbje6vvq3ae5pYhu7vdwFjT1x4c8LknJJ8WvVs7L3SvyaieehpHYsIu8Z6hg2M7mb92CMeAYUY9zOSbFZDa7Mw2o1bc39wMTLM7noT17sHPUDJH5tNlktVRU0yftdYXk3rIIkXwxke6Cdx3sM8+XpnGSHGj7G0dBA3sdAk0uMDeVLMT+aSTovmceXRScDTVBEqKFVQoHRVGAPlrpqaCampqaCampqaCampqaBZ7Ydi4K8K5LQ1Ef7qoiO10+o6j4fPBGdK1TPeaRDFW0cV2pvzxgCQj+KMghzjyCn4sdafqaDFLhabe6LUQtNYqiRiqrMDGsu0KWBjLY2cgZ4HPIOhkvZGVE9oejgqlHSqtU3dyKPzd2B3bH+wg+etzuNshqF2Twxyr+WRAw/Qg6QO0H2aW+nWSrgmqKAxqWZ6d2IAHJJXk4HouBoEOz9qAr5gv9RGCeYa+FpPmCwLqB8tutAv9Tb6iDfS01uuNQMbow8SNg9SuQW6/hJHGeSRgkOxdzoaqBInrIK+YA7neJUdhk4zERuGBgZ5zjPnpJuNvtzTkVPZysRt20GmV+7YZwCNjooz14GgCz0NIWPtHZmsi9WgeZh9BgJ+mq62+xF/vKW8KfyOoP6Y8WPrpsg7MW9K56O23OqoqtRnugWaMnG4jDAByAcld56H0Oit9lu9BFvmu1CVzgNUQ92WPXAEYOTjyAOgTJqKyLgLZLo5PTKyKD+kmf5a7mkWCIyx9nqanj8pLhUr/ADSZgQfhnXOHtzNOds98Izx3VDRvub4K7xowP66brb9mNJIi1jrVVczoGWO4SlSD12vtQkH1BDD+ugS4O0DVqtFPXSCNOBRWmncbs5HvlQMfAkqeCNPlP2Qq4aeGG0y+xQt95M1R95NuYDAC+JFwOuCOfroffu0Nwp4xEhtVsUAgK829gBxlEVMY+Gw+XTSrRTxVUgYG5XmpU8MhangjJ9Dw0fHnwD6DOg0Udt4KNUo2nkuNcCUZYY13FskHdtwibehBJIxznnTDWdpqeOSKnkmRKqbCrEMyMGI8woztHPibaOOo1n1s7I3dh3UYprVTucydwTJO2fzSEks38QcfXTx2W7D0VB4oY90xzunkO6Riep3HpnzC4GgUZfsunhYfs+rWDeD31S6F6hySScNwFXpwm0k9S3lpFrpDFEkZkeUooBkkOWb4k+urWpoJqampoJqampoJqampoJqampoJqampoJqampoFK7/Zta6h98lIiv13RFoznrkhCAT8SDoNXfZhICDSXaugwcgNI0ij4Abl4+ZOtG1NBn9f2VvJKvHd4t6rgE0UQPxOfGRnzxgfDXS39nru+UrqyllTawDCnVnDEEKwDKEyDg4KkHGNPmpoFe99nqpyqUVTFRxYG8x04MjHPOG3BQDx0XPXk5xopSWONYFhlZ6gDOWnYuzEnJJzx8gAABwNFNTQLkfYK2A5FBTfWJSP0IxpghhVFCooVR0AGAPoNe9TQTU1NTQTU1NTQTU1NTQTU1NTQf/Z"/>
+          <p:cNvSpPr>
+            <a:spLocks noChangeAspect="1" noChangeArrowheads="1"/>
+          </p:cNvSpPr>
+          <p:nvPr/>
+        </p:nvSpPr>
+        <p:spPr bwMode="auto">
+          <a:xfrm>
+            <a:off x="155575" y="-144463"/>
+            <a:ext cx="304800" cy="304801"/>
+          </a:xfrm>
+          <a:prstGeom prst="rect">
+            <a:avLst/>
+          </a:prstGeom>
+          <a:noFill/>
+        </p:spPr>
+        <p:txBody>
+          <a:bodyPr vert="horz" wrap="square" lIns="91440" tIns="45720" rIns="91440" bIns="45720" numCol="1" anchor="t" anchorCtr="0" compatLnSpc="1">
+            <a:prstTxWarp prst="textNoShape">
+              <a:avLst/>
+            </a:prstTxWarp>
+          </a:bodyPr>
+          <a:lstStyle/>
+          <a:p>
+            <a:endParaRPr lang="en-US"/>
+          </a:p>
+        </p:txBody>
+      </p:sp>
+      <p:pic>
+        <p:nvPicPr>
+          <p:cNvPr id="4098" name="Picture 2" descr="https://encrypted-tbn3.gstatic.com/images?q=tbn:ANd9GcRw0wqxHEqLiY8vGp1q_49VoLsuz3dcVj0z0i6Yf664CYiUHXbZcA"/>
+          <p:cNvPicPr>
+            <a:picLocks noChangeAspect="1" noChangeArrowheads="1"/>
+          </p:cNvPicPr>
+          <p:nvPr/>
+        </p:nvPicPr>
+        <p:blipFill>
+          <a:blip r:embed="rId3">
+            <a:extLst>
+              <a:ext uri="{28A0092B-C50C-407E-A947-70E740481C1C}">
+                <a14:useLocalDpi xmlns:a14="http://schemas.microsoft.com/office/drawing/2010/main" val="0"/>
+              </a:ext>
+            </a:extLst>
+          </a:blip>
+          <a:srcRect/>
+          <a:stretch>
+            <a:fillRect/>
+          </a:stretch>
+        </p:blipFill>
+        <p:spPr bwMode="auto">
+          <a:xfrm>
+            <a:off x="3506787" y="2445703"/>
+            <a:ext cx="1752600" cy="2609851"/>
+          </a:xfrm>
+          <a:prstGeom prst="rect">
+            <a:avLst/>
+          </a:prstGeom>
+          <a:noFill/>
+          <a:extLst>
+            <a:ext uri="{909E8E84-426E-40DD-AFC4-6F175D3DCCD1}">
+              <a14:hiddenFill xmlns:a14="http://schemas.microsoft.com/office/drawing/2010/main">
+                <a:solidFill>
+                  <a:srgbClr val="FFFFFF"/>
+                </a:solidFill>
+              </a14:hiddenFill>
+            </a:ext>
+          </a:extLst>
+        </p:spPr>
+      </p:pic>
     </p:spTree>
     <p:extLst>
       <p:ext uri="{BB962C8B-B14F-4D97-AF65-F5344CB8AC3E}">
-        <p14:creationId xmlns:p14="http://schemas.microsoft.com/office/powerpoint/2010/main" val="4051798471"/>
+        <p14:creationId xmlns:p14="http://schemas.microsoft.com/office/powerpoint/2010/main" val="551125684"/>
       </p:ext>
     </p:extLst>
   </p:cSld>
@@ -15163,9 +17477,141 @@
   <p:timing>
     <p:tnLst>
       <p:par>
-        <p:cTn id="1" dur="indefinite" restart="never" nodeType="tmRoot"/>
+        <p:cTn id="1" dur="indefinite" restart="never" nodeType="tmRoot">
+          <p:childTnLst>
+            <p:seq concurrent="1" nextAc="seek">
+              <p:cTn id="2" dur="indefinite" nodeType="mainSeq">
+                <p:childTnLst>
+                  <p:par>
+                    <p:cTn id="3" fill="hold">
+                      <p:stCondLst>
+                        <p:cond delay="indefinite"/>
+                      </p:stCondLst>
+                      <p:childTnLst>
+                        <p:par>
+                          <p:cTn id="4" fill="hold">
+                            <p:stCondLst>
+                              <p:cond delay="0"/>
+                            </p:stCondLst>
+                            <p:childTnLst>
+                              <p:par>
+                                <p:cTn id="5" presetID="16" presetClass="entr" presetSubtype="21" fill="hold" grpId="0" nodeType="clickEffect">
+                                  <p:stCondLst>
+                                    <p:cond delay="0"/>
+                                  </p:stCondLst>
+                                  <p:childTnLst>
+                                    <p:set>
+                                      <p:cBhvr>
+                                        <p:cTn id="6" dur="1" fill="hold">
+                                          <p:stCondLst>
+                                            <p:cond delay="0"/>
+                                          </p:stCondLst>
+                                        </p:cTn>
+                                        <p:tgtEl>
+                                          <p:spTgt spid="10242"/>
+                                        </p:tgtEl>
+                                        <p:attrNameLst>
+                                          <p:attrName>style.visibility</p:attrName>
+                                        </p:attrNameLst>
+                                      </p:cBhvr>
+                                      <p:to>
+                                        <p:strVal val="visible"/>
+                                      </p:to>
+                                    </p:set>
+                                    <p:animEffect transition="in" filter="barn(inVertical)">
+                                      <p:cBhvr>
+                                        <p:cTn id="7" dur="500"/>
+                                        <p:tgtEl>
+                                          <p:spTgt spid="10242"/>
+                                        </p:tgtEl>
+                                      </p:cBhvr>
+                                    </p:animEffect>
+                                  </p:childTnLst>
+                                </p:cTn>
+                              </p:par>
+                            </p:childTnLst>
+                          </p:cTn>
+                        </p:par>
+                      </p:childTnLst>
+                    </p:cTn>
+                  </p:par>
+                  <p:par>
+                    <p:cTn id="8" fill="hold">
+                      <p:stCondLst>
+                        <p:cond delay="indefinite"/>
+                      </p:stCondLst>
+                      <p:childTnLst>
+                        <p:par>
+                          <p:cTn id="9" fill="hold">
+                            <p:stCondLst>
+                              <p:cond delay="0"/>
+                            </p:stCondLst>
+                            <p:childTnLst>
+                              <p:par>
+                                <p:cTn id="10" presetID="16" presetClass="entr" presetSubtype="21" fill="hold" nodeType="clickEffect">
+                                  <p:stCondLst>
+                                    <p:cond delay="0"/>
+                                  </p:stCondLst>
+                                  <p:childTnLst>
+                                    <p:set>
+                                      <p:cBhvr>
+                                        <p:cTn id="11" dur="1" fill="hold">
+                                          <p:stCondLst>
+                                            <p:cond delay="0"/>
+                                          </p:stCondLst>
+                                        </p:cTn>
+                                        <p:tgtEl>
+                                          <p:spTgt spid="4098"/>
+                                        </p:tgtEl>
+                                        <p:attrNameLst>
+                                          <p:attrName>style.visibility</p:attrName>
+                                        </p:attrNameLst>
+                                      </p:cBhvr>
+                                      <p:to>
+                                        <p:strVal val="visible"/>
+                                      </p:to>
+                                    </p:set>
+                                    <p:animEffect transition="in" filter="barn(inVertical)">
+                                      <p:cBhvr>
+                                        <p:cTn id="12" dur="500"/>
+                                        <p:tgtEl>
+                                          <p:spTgt spid="4098"/>
+                                        </p:tgtEl>
+                                      </p:cBhvr>
+                                    </p:animEffect>
+                                  </p:childTnLst>
+                                </p:cTn>
+                              </p:par>
+                            </p:childTnLst>
+                          </p:cTn>
+                        </p:par>
+                      </p:childTnLst>
+                    </p:cTn>
+                  </p:par>
+                </p:childTnLst>
+              </p:cTn>
+              <p:prevCondLst>
+                <p:cond evt="onPrev" delay="0">
+                  <p:tgtEl>
+                    <p:sldTgt/>
+                  </p:tgtEl>
+                </p:cond>
+              </p:prevCondLst>
+              <p:nextCondLst>
+                <p:cond evt="onNext" delay="0">
+                  <p:tgtEl>
+                    <p:sldTgt/>
+                  </p:tgtEl>
+                </p:cond>
+              </p:nextCondLst>
+            </p:seq>
+          </p:childTnLst>
+        </p:cTn>
       </p:par>
     </p:tnLst>
+    <p:bldLst>
+      <p:bldP spid="10242" grpId="0"/>
+    </p:bldLst>
   </p:timing>
 </p:sld>
 </file>
